--- a/docs/diagrams/StorageComponentClassDiagram.pptx
+++ b/docs/diagrams/StorageComponentClassDiagram.pptx
@@ -107,6 +107,22 @@
       </a:defRPr>
     </a:lvl9pPr>
   </p:defaultTextStyle>
+  <p:extLst>
+    <p:ext uri="{EFAFB233-063F-42B5-8137-9DF3F51BA10A}">
+      <p15:sldGuideLst xmlns:p15="http://schemas.microsoft.com/office/powerpoint/2012/main">
+        <p15:guide id="1" orient="horz" pos="1488">
+          <p15:clr>
+            <a:srgbClr val="A4A3A4"/>
+          </p15:clr>
+        </p15:guide>
+        <p15:guide id="2" pos="2880">
+          <p15:clr>
+            <a:srgbClr val="A4A3A4"/>
+          </p15:clr>
+        </p15:guide>
+      </p15:sldGuideLst>
+    </p:ext>
+  </p:extLst>
 </p:presentation>
 </file>
 
@@ -192,7 +208,7 @@
           <a:p>
             <a:fld id="{F5CC4B3F-88C1-4FFA-B1B6-F41C21DC6924}" type="datetimeFigureOut">
               <a:rPr lang="en-US" smtClean="0"/>
-              <a:t>10/16/2016</a:t>
+              <a:t>9/28/2018</a:t>
             </a:fld>
             <a:endParaRPr lang="en-US"/>
           </a:p>
@@ -641,7 +657,7 @@
           <a:p>
             <a:fld id="{78C97017-6FC3-485B-9764-EAC9E56C1D49}" type="datetimeFigureOut">
               <a:rPr lang="en-US" smtClean="0"/>
-              <a:t>10/16/2016</a:t>
+              <a:t>9/28/2018</a:t>
             </a:fld>
             <a:endParaRPr lang="en-US"/>
           </a:p>
@@ -811,7 +827,7 @@
           <a:p>
             <a:fld id="{78C97017-6FC3-485B-9764-EAC9E56C1D49}" type="datetimeFigureOut">
               <a:rPr lang="en-US" smtClean="0"/>
-              <a:t>10/16/2016</a:t>
+              <a:t>9/28/2018</a:t>
             </a:fld>
             <a:endParaRPr lang="en-US"/>
           </a:p>
@@ -991,7 +1007,7 @@
           <a:p>
             <a:fld id="{78C97017-6FC3-485B-9764-EAC9E56C1D49}" type="datetimeFigureOut">
               <a:rPr lang="en-US" smtClean="0"/>
-              <a:t>10/16/2016</a:t>
+              <a:t>9/28/2018</a:t>
             </a:fld>
             <a:endParaRPr lang="en-US"/>
           </a:p>
@@ -1161,7 +1177,7 @@
           <a:p>
             <a:fld id="{78C97017-6FC3-485B-9764-EAC9E56C1D49}" type="datetimeFigureOut">
               <a:rPr lang="en-US" smtClean="0"/>
-              <a:t>10/16/2016</a:t>
+              <a:t>9/28/2018</a:t>
             </a:fld>
             <a:endParaRPr lang="en-US"/>
           </a:p>
@@ -1407,7 +1423,7 @@
           <a:p>
             <a:fld id="{78C97017-6FC3-485B-9764-EAC9E56C1D49}" type="datetimeFigureOut">
               <a:rPr lang="en-US" smtClean="0"/>
-              <a:t>10/16/2016</a:t>
+              <a:t>9/28/2018</a:t>
             </a:fld>
             <a:endParaRPr lang="en-US"/>
           </a:p>
@@ -1695,7 +1711,7 @@
           <a:p>
             <a:fld id="{78C97017-6FC3-485B-9764-EAC9E56C1D49}" type="datetimeFigureOut">
               <a:rPr lang="en-US" smtClean="0"/>
-              <a:t>10/16/2016</a:t>
+              <a:t>9/28/2018</a:t>
             </a:fld>
             <a:endParaRPr lang="en-US"/>
           </a:p>
@@ -2117,7 +2133,7 @@
           <a:p>
             <a:fld id="{78C97017-6FC3-485B-9764-EAC9E56C1D49}" type="datetimeFigureOut">
               <a:rPr lang="en-US" smtClean="0"/>
-              <a:t>10/16/2016</a:t>
+              <a:t>9/28/2018</a:t>
             </a:fld>
             <a:endParaRPr lang="en-US"/>
           </a:p>
@@ -2235,7 +2251,7 @@
           <a:p>
             <a:fld id="{78C97017-6FC3-485B-9764-EAC9E56C1D49}" type="datetimeFigureOut">
               <a:rPr lang="en-US" smtClean="0"/>
-              <a:t>10/16/2016</a:t>
+              <a:t>9/28/2018</a:t>
             </a:fld>
             <a:endParaRPr lang="en-US"/>
           </a:p>
@@ -2330,7 +2346,7 @@
           <a:p>
             <a:fld id="{78C97017-6FC3-485B-9764-EAC9E56C1D49}" type="datetimeFigureOut">
               <a:rPr lang="en-US" smtClean="0"/>
-              <a:t>10/16/2016</a:t>
+              <a:t>9/28/2018</a:t>
             </a:fld>
             <a:endParaRPr lang="en-US"/>
           </a:p>
@@ -2607,7 +2623,7 @@
           <a:p>
             <a:fld id="{78C97017-6FC3-485B-9764-EAC9E56C1D49}" type="datetimeFigureOut">
               <a:rPr lang="en-US" smtClean="0"/>
-              <a:t>10/16/2016</a:t>
+              <a:t>9/28/2018</a:t>
             </a:fld>
             <a:endParaRPr lang="en-US"/>
           </a:p>
@@ -2860,7 +2876,7 @@
           <a:p>
             <a:fld id="{78C97017-6FC3-485B-9764-EAC9E56C1D49}" type="datetimeFigureOut">
               <a:rPr lang="en-US" smtClean="0"/>
-              <a:t>10/16/2016</a:t>
+              <a:t>9/28/2018</a:t>
             </a:fld>
             <a:endParaRPr lang="en-US"/>
           </a:p>
@@ -3073,7 +3089,7 @@
           <a:p>
             <a:fld id="{78C97017-6FC3-485B-9764-EAC9E56C1D49}" type="datetimeFigureOut">
               <a:rPr lang="en-US" smtClean="0"/>
-              <a:t>10/16/2016</a:t>
+              <a:t>9/28/2018</a:t>
             </a:fld>
             <a:endParaRPr lang="en-US"/>
           </a:p>
@@ -3581,7 +3597,7 @@
                   <a:schemeClr val="bg1"/>
                 </a:solidFill>
               </a:rPr>
-              <a:t>AddressBookStorage</a:t>
+              <a:t>ForumBookStorage</a:t>
             </a:r>
             <a:endParaRPr lang="en-SG" sz="1050" dirty="0">
               <a:solidFill>
@@ -3974,8 +3990,8 @@
         </p:nvCxnSpPr>
         <p:spPr>
           <a:xfrm flipV="1">
-            <a:off x="4398041" y="3331820"/>
-            <a:ext cx="223324" cy="1"/>
+            <a:off x="4398041" y="3314009"/>
+            <a:ext cx="223324" cy="17812"/>
           </a:xfrm>
           <a:prstGeom prst="bentConnector3">
             <a:avLst>
@@ -4075,8 +4091,8 @@
         </p:nvCxnSpPr>
         <p:spPr>
           <a:xfrm>
-            <a:off x="5791200" y="3331820"/>
-            <a:ext cx="228600" cy="1970"/>
+            <a:off x="5791200" y="3314009"/>
+            <a:ext cx="228600" cy="12700"/>
           </a:xfrm>
           <a:prstGeom prst="bentConnector3">
             <a:avLst>
@@ -4118,8 +4134,8 @@
         </p:nvSpPr>
         <p:spPr>
           <a:xfrm>
-            <a:off x="4621365" y="3158440"/>
-            <a:ext cx="1169835" cy="346760"/>
+            <a:off x="4621365" y="3078180"/>
+            <a:ext cx="1169835" cy="471658"/>
           </a:xfrm>
           <a:prstGeom prst="rect">
             <a:avLst/>
@@ -4147,17 +4163,17 @@
           <a:p>
             <a:pPr algn="ctr"/>
             <a:r>
-              <a:rPr lang="en-US" sz="1050" b="1" dirty="0" err="1" smtClean="0">
+              <a:rPr lang="en-US" sz="900" b="1" dirty="0" err="1" smtClean="0">
                 <a:solidFill>
                   <a:schemeClr val="accent6">
                     <a:lumMod val="75000"/>
                   </a:schemeClr>
                 </a:solidFill>
               </a:rPr>
-              <a:t>XmlAddressBook</a:t>
-            </a:r>
-            <a:r>
-              <a:rPr lang="en-US" sz="1050" b="1" dirty="0" smtClean="0">
+              <a:t>ObjecStringBinaryForumBook</a:t>
+            </a:r>
+            <a:r>
+              <a:rPr lang="en-US" sz="900" b="1" dirty="0" smtClean="0">
                 <a:solidFill>
                   <a:schemeClr val="accent6">
                     <a:lumMod val="75000"/>
@@ -4167,7 +4183,7 @@
               <a:t/>
             </a:r>
             <a:br>
-              <a:rPr lang="en-US" sz="1050" b="1" dirty="0" smtClean="0">
+              <a:rPr lang="en-US" sz="900" b="1" dirty="0" smtClean="0">
                 <a:solidFill>
                   <a:schemeClr val="accent6">
                     <a:lumMod val="75000"/>
@@ -4176,7 +4192,7 @@
               </a:rPr>
             </a:br>
             <a:r>
-              <a:rPr lang="en-US" sz="1050" b="1" dirty="0" smtClean="0">
+              <a:rPr lang="en-US" sz="900" b="1" dirty="0" smtClean="0">
                 <a:solidFill>
                   <a:schemeClr val="accent6">
                     <a:lumMod val="75000"/>
@@ -4185,7 +4201,7 @@
               </a:rPr>
               <a:t>Storage</a:t>
             </a:r>
-            <a:endParaRPr lang="en-SG" sz="1050" b="1" dirty="0">
+            <a:endParaRPr lang="en-SG" sz="900" b="1" dirty="0">
               <a:solidFill>
                 <a:schemeClr val="accent6">
                   <a:lumMod val="75000"/>
@@ -4562,8 +4578,8 @@
         </p:nvSpPr>
         <p:spPr>
           <a:xfrm>
-            <a:off x="6019800" y="3160410"/>
-            <a:ext cx="1200707" cy="346760"/>
+            <a:off x="6019800" y="3078180"/>
+            <a:ext cx="1200707" cy="471658"/>
           </a:xfrm>
           <a:prstGeom prst="rect">
             <a:avLst/>
@@ -4598,7 +4614,7 @@
                   </a:schemeClr>
                 </a:solidFill>
               </a:rPr>
-              <a:t>XmlSerializable</a:t>
+              <a:t>ObjectStringBinaryerializable</a:t>
             </a:r>
             <a:r>
               <a:rPr lang="en-US" sz="1050" b="1" dirty="0" smtClean="0">
@@ -4627,7 +4643,7 @@
                   </a:schemeClr>
                 </a:solidFill>
               </a:rPr>
-              <a:t>AddressBook</a:t>
+              <a:t>ForumBook</a:t>
             </a:r>
             <a:endParaRPr lang="en-SG" sz="1050" b="1" dirty="0">
               <a:solidFill>
@@ -4724,7 +4740,7 @@
                   </a:schemeClr>
                 </a:solidFill>
               </a:rPr>
-              <a:t>XmlAdaptedTag</a:t>
+              <a:t>ObjectStringBinaryAdaptedTag</a:t>
             </a:r>
             <a:endParaRPr lang="en-SG" sz="1050" b="1" dirty="0">
               <a:solidFill>
@@ -4780,7 +4796,7 @@
                   </a:schemeClr>
                 </a:solidFill>
               </a:rPr>
-              <a:t>XmlAdaptedPerson</a:t>
+              <a:t>ObjectStringBinayAdaptedThread</a:t>
             </a:r>
             <a:endParaRPr lang="en-SG" sz="1050" b="1" dirty="0">
               <a:solidFill>
@@ -4802,9 +4818,9 @@
           <p:nvPr/>
         </p:nvCxnSpPr>
         <p:spPr>
-          <a:xfrm flipV="1">
-            <a:off x="7220507" y="3333004"/>
-            <a:ext cx="395231" cy="786"/>
+          <a:xfrm>
+            <a:off x="7220507" y="3314009"/>
+            <a:ext cx="395231" cy="18995"/>
           </a:xfrm>
           <a:prstGeom prst="bentConnector3">
             <a:avLst>

--- a/docs/diagrams/StorageComponentClassDiagram.pptx
+++ b/docs/diagrams/StorageComponentClassDiagram.pptx
@@ -107,6 +107,22 @@
       </a:defRPr>
     </a:lvl9pPr>
   </p:defaultTextStyle>
+  <p:extLst>
+    <p:ext uri="{EFAFB233-063F-42B5-8137-9DF3F51BA10A}">
+      <p15:sldGuideLst xmlns:p15="http://schemas.microsoft.com/office/powerpoint/2012/main">
+        <p15:guide id="1" orient="horz" pos="1488">
+          <p15:clr>
+            <a:srgbClr val="A4A3A4"/>
+          </p15:clr>
+        </p15:guide>
+        <p15:guide id="2" pos="2880">
+          <p15:clr>
+            <a:srgbClr val="A4A3A4"/>
+          </p15:clr>
+        </p15:guide>
+      </p15:sldGuideLst>
+    </p:ext>
+  </p:extLst>
 </p:presentation>
 </file>
 
@@ -192,7 +208,7 @@
           <a:p>
             <a:fld id="{F5CC4B3F-88C1-4FFA-B1B6-F41C21DC6924}" type="datetimeFigureOut">
               <a:rPr lang="en-US" smtClean="0"/>
-              <a:t>10/16/2016</a:t>
+              <a:t>10/15/2018</a:t>
             </a:fld>
             <a:endParaRPr lang="en-US"/>
           </a:p>
@@ -256,38 +272,37 @@
           <a:p>
             <a:pPr lvl="0"/>
             <a:r>
-              <a:rPr lang="en-US" smtClean="0"/>
+              <a:rPr lang="en-US"/>
               <a:t>Click to edit Master text styles</a:t>
             </a:r>
           </a:p>
           <a:p>
             <a:pPr lvl="1"/>
             <a:r>
-              <a:rPr lang="en-US" smtClean="0"/>
+              <a:rPr lang="en-US"/>
               <a:t>Second level</a:t>
             </a:r>
           </a:p>
           <a:p>
             <a:pPr lvl="2"/>
             <a:r>
-              <a:rPr lang="en-US" smtClean="0"/>
+              <a:rPr lang="en-US"/>
               <a:t>Third level</a:t>
             </a:r>
           </a:p>
           <a:p>
             <a:pPr lvl="3"/>
             <a:r>
-              <a:rPr lang="en-US" smtClean="0"/>
+              <a:rPr lang="en-US"/>
               <a:t>Fourth level</a:t>
             </a:r>
           </a:p>
           <a:p>
             <a:pPr lvl="4"/>
             <a:r>
-              <a:rPr lang="en-US" smtClean="0"/>
+              <a:rPr lang="en-US"/>
               <a:t>Fifth level</a:t>
             </a:r>
-            <a:endParaRPr lang="en-US"/>
           </a:p>
         </p:txBody>
       </p:sp>
@@ -498,10 +513,9 @@
           <a:lstStyle/>
           <a:p>
             <a:r>
-              <a:rPr lang="en-US" smtClean="0"/>
+              <a:rPr lang="en-US"/>
               <a:t>Click to edit Master title style</a:t>
             </a:r>
-            <a:endParaRPr lang="en-US"/>
           </a:p>
         </p:txBody>
       </p:sp>
@@ -617,10 +631,9 @@
           </a:lstStyle>
           <a:p>
             <a:r>
-              <a:rPr lang="en-US" smtClean="0"/>
+              <a:rPr lang="en-US"/>
               <a:t>Click to edit Master subtitle style</a:t>
             </a:r>
-            <a:endParaRPr lang="en-US"/>
           </a:p>
         </p:txBody>
       </p:sp>
@@ -641,7 +654,7 @@
           <a:p>
             <a:fld id="{78C97017-6FC3-485B-9764-EAC9E56C1D49}" type="datetimeFigureOut">
               <a:rPr lang="en-US" smtClean="0"/>
-              <a:t>10/16/2016</a:t>
+              <a:t>10/15/2018</a:t>
             </a:fld>
             <a:endParaRPr lang="en-US"/>
           </a:p>
@@ -735,10 +748,9 @@
           <a:lstStyle/>
           <a:p>
             <a:r>
-              <a:rPr lang="en-US" smtClean="0"/>
+              <a:rPr lang="en-US"/>
               <a:t>Click to edit Master title style</a:t>
             </a:r>
-            <a:endParaRPr lang="en-US"/>
           </a:p>
         </p:txBody>
       </p:sp>
@@ -759,38 +771,37 @@
           <a:p>
             <a:pPr lvl="0"/>
             <a:r>
-              <a:rPr lang="en-US" smtClean="0"/>
+              <a:rPr lang="en-US"/>
               <a:t>Click to edit Master text styles</a:t>
             </a:r>
           </a:p>
           <a:p>
             <a:pPr lvl="1"/>
             <a:r>
-              <a:rPr lang="en-US" smtClean="0"/>
+              <a:rPr lang="en-US"/>
               <a:t>Second level</a:t>
             </a:r>
           </a:p>
           <a:p>
             <a:pPr lvl="2"/>
             <a:r>
-              <a:rPr lang="en-US" smtClean="0"/>
+              <a:rPr lang="en-US"/>
               <a:t>Third level</a:t>
             </a:r>
           </a:p>
           <a:p>
             <a:pPr lvl="3"/>
             <a:r>
-              <a:rPr lang="en-US" smtClean="0"/>
+              <a:rPr lang="en-US"/>
               <a:t>Fourth level</a:t>
             </a:r>
           </a:p>
           <a:p>
             <a:pPr lvl="4"/>
             <a:r>
-              <a:rPr lang="en-US" smtClean="0"/>
+              <a:rPr lang="en-US"/>
               <a:t>Fifth level</a:t>
             </a:r>
-            <a:endParaRPr lang="en-US"/>
           </a:p>
         </p:txBody>
       </p:sp>
@@ -811,7 +822,7 @@
           <a:p>
             <a:fld id="{78C97017-6FC3-485B-9764-EAC9E56C1D49}" type="datetimeFigureOut">
               <a:rPr lang="en-US" smtClean="0"/>
-              <a:t>10/16/2016</a:t>
+              <a:t>10/15/2018</a:t>
             </a:fld>
             <a:endParaRPr lang="en-US"/>
           </a:p>
@@ -910,10 +921,9 @@
           <a:lstStyle/>
           <a:p>
             <a:r>
-              <a:rPr lang="en-US" smtClean="0"/>
+              <a:rPr lang="en-US"/>
               <a:t>Click to edit Master title style</a:t>
             </a:r>
-            <a:endParaRPr lang="en-US"/>
           </a:p>
         </p:txBody>
       </p:sp>
@@ -939,38 +949,37 @@
           <a:p>
             <a:pPr lvl="0"/>
             <a:r>
-              <a:rPr lang="en-US" smtClean="0"/>
+              <a:rPr lang="en-US"/>
               <a:t>Click to edit Master text styles</a:t>
             </a:r>
           </a:p>
           <a:p>
             <a:pPr lvl="1"/>
             <a:r>
-              <a:rPr lang="en-US" smtClean="0"/>
+              <a:rPr lang="en-US"/>
               <a:t>Second level</a:t>
             </a:r>
           </a:p>
           <a:p>
             <a:pPr lvl="2"/>
             <a:r>
-              <a:rPr lang="en-US" smtClean="0"/>
+              <a:rPr lang="en-US"/>
               <a:t>Third level</a:t>
             </a:r>
           </a:p>
           <a:p>
             <a:pPr lvl="3"/>
             <a:r>
-              <a:rPr lang="en-US" smtClean="0"/>
+              <a:rPr lang="en-US"/>
               <a:t>Fourth level</a:t>
             </a:r>
           </a:p>
           <a:p>
             <a:pPr lvl="4"/>
             <a:r>
-              <a:rPr lang="en-US" smtClean="0"/>
+              <a:rPr lang="en-US"/>
               <a:t>Fifth level</a:t>
             </a:r>
-            <a:endParaRPr lang="en-US"/>
           </a:p>
         </p:txBody>
       </p:sp>
@@ -991,7 +1000,7 @@
           <a:p>
             <a:fld id="{78C97017-6FC3-485B-9764-EAC9E56C1D49}" type="datetimeFigureOut">
               <a:rPr lang="en-US" smtClean="0"/>
-              <a:t>10/16/2016</a:t>
+              <a:t>10/15/2018</a:t>
             </a:fld>
             <a:endParaRPr lang="en-US"/>
           </a:p>
@@ -1085,10 +1094,9 @@
           <a:lstStyle/>
           <a:p>
             <a:r>
-              <a:rPr lang="en-US" smtClean="0"/>
+              <a:rPr lang="en-US"/>
               <a:t>Click to edit Master title style</a:t>
             </a:r>
-            <a:endParaRPr lang="en-US"/>
           </a:p>
         </p:txBody>
       </p:sp>
@@ -1109,38 +1117,37 @@
           <a:p>
             <a:pPr lvl="0"/>
             <a:r>
-              <a:rPr lang="en-US" smtClean="0"/>
+              <a:rPr lang="en-US"/>
               <a:t>Click to edit Master text styles</a:t>
             </a:r>
           </a:p>
           <a:p>
             <a:pPr lvl="1"/>
             <a:r>
-              <a:rPr lang="en-US" smtClean="0"/>
+              <a:rPr lang="en-US"/>
               <a:t>Second level</a:t>
             </a:r>
           </a:p>
           <a:p>
             <a:pPr lvl="2"/>
             <a:r>
-              <a:rPr lang="en-US" smtClean="0"/>
+              <a:rPr lang="en-US"/>
               <a:t>Third level</a:t>
             </a:r>
           </a:p>
           <a:p>
             <a:pPr lvl="3"/>
             <a:r>
-              <a:rPr lang="en-US" smtClean="0"/>
+              <a:rPr lang="en-US"/>
               <a:t>Fourth level</a:t>
             </a:r>
           </a:p>
           <a:p>
             <a:pPr lvl="4"/>
             <a:r>
-              <a:rPr lang="en-US" smtClean="0"/>
+              <a:rPr lang="en-US"/>
               <a:t>Fifth level</a:t>
             </a:r>
-            <a:endParaRPr lang="en-US"/>
           </a:p>
         </p:txBody>
       </p:sp>
@@ -1161,7 +1168,7 @@
           <a:p>
             <a:fld id="{78C97017-6FC3-485B-9764-EAC9E56C1D49}" type="datetimeFigureOut">
               <a:rPr lang="en-US" smtClean="0"/>
-              <a:t>10/16/2016</a:t>
+              <a:t>10/15/2018</a:t>
             </a:fld>
             <a:endParaRPr lang="en-US"/>
           </a:p>
@@ -1264,10 +1271,9 @@
           </a:lstStyle>
           <a:p>
             <a:r>
-              <a:rPr lang="en-US" smtClean="0"/>
+              <a:rPr lang="en-US"/>
               <a:t>Click to edit Master title style</a:t>
             </a:r>
-            <a:endParaRPr lang="en-US"/>
           </a:p>
         </p:txBody>
       </p:sp>
@@ -1384,7 +1390,7 @@
           <a:p>
             <a:pPr lvl="0"/>
             <a:r>
-              <a:rPr lang="en-US" smtClean="0"/>
+              <a:rPr lang="en-US"/>
               <a:t>Click to edit Master text styles</a:t>
             </a:r>
           </a:p>
@@ -1407,7 +1413,7 @@
           <a:p>
             <a:fld id="{78C97017-6FC3-485B-9764-EAC9E56C1D49}" type="datetimeFigureOut">
               <a:rPr lang="en-US" smtClean="0"/>
-              <a:t>10/16/2016</a:t>
+              <a:t>10/15/2018</a:t>
             </a:fld>
             <a:endParaRPr lang="en-US"/>
           </a:p>
@@ -1501,10 +1507,9 @@
           <a:lstStyle/>
           <a:p>
             <a:r>
-              <a:rPr lang="en-US" smtClean="0"/>
+              <a:rPr lang="en-US"/>
               <a:t>Click to edit Master title style</a:t>
             </a:r>
-            <a:endParaRPr lang="en-US"/>
           </a:p>
         </p:txBody>
       </p:sp>
@@ -1558,38 +1563,37 @@
           <a:p>
             <a:pPr lvl="0"/>
             <a:r>
-              <a:rPr lang="en-US" smtClean="0"/>
+              <a:rPr lang="en-US"/>
               <a:t>Click to edit Master text styles</a:t>
             </a:r>
           </a:p>
           <a:p>
             <a:pPr lvl="1"/>
             <a:r>
-              <a:rPr lang="en-US" smtClean="0"/>
+              <a:rPr lang="en-US"/>
               <a:t>Second level</a:t>
             </a:r>
           </a:p>
           <a:p>
             <a:pPr lvl="2"/>
             <a:r>
-              <a:rPr lang="en-US" smtClean="0"/>
+              <a:rPr lang="en-US"/>
               <a:t>Third level</a:t>
             </a:r>
           </a:p>
           <a:p>
             <a:pPr lvl="3"/>
             <a:r>
-              <a:rPr lang="en-US" smtClean="0"/>
+              <a:rPr lang="en-US"/>
               <a:t>Fourth level</a:t>
             </a:r>
           </a:p>
           <a:p>
             <a:pPr lvl="4"/>
             <a:r>
-              <a:rPr lang="en-US" smtClean="0"/>
+              <a:rPr lang="en-US"/>
               <a:t>Fifth level</a:t>
             </a:r>
-            <a:endParaRPr lang="en-US"/>
           </a:p>
         </p:txBody>
       </p:sp>
@@ -1643,38 +1647,37 @@
           <a:p>
             <a:pPr lvl="0"/>
             <a:r>
-              <a:rPr lang="en-US" smtClean="0"/>
+              <a:rPr lang="en-US"/>
               <a:t>Click to edit Master text styles</a:t>
             </a:r>
           </a:p>
           <a:p>
             <a:pPr lvl="1"/>
             <a:r>
-              <a:rPr lang="en-US" smtClean="0"/>
+              <a:rPr lang="en-US"/>
               <a:t>Second level</a:t>
             </a:r>
           </a:p>
           <a:p>
             <a:pPr lvl="2"/>
             <a:r>
-              <a:rPr lang="en-US" smtClean="0"/>
+              <a:rPr lang="en-US"/>
               <a:t>Third level</a:t>
             </a:r>
           </a:p>
           <a:p>
             <a:pPr lvl="3"/>
             <a:r>
-              <a:rPr lang="en-US" smtClean="0"/>
+              <a:rPr lang="en-US"/>
               <a:t>Fourth level</a:t>
             </a:r>
           </a:p>
           <a:p>
             <a:pPr lvl="4"/>
             <a:r>
-              <a:rPr lang="en-US" smtClean="0"/>
+              <a:rPr lang="en-US"/>
               <a:t>Fifth level</a:t>
             </a:r>
-            <a:endParaRPr lang="en-US"/>
           </a:p>
         </p:txBody>
       </p:sp>
@@ -1695,7 +1698,7 @@
           <a:p>
             <a:fld id="{78C97017-6FC3-485B-9764-EAC9E56C1D49}" type="datetimeFigureOut">
               <a:rPr lang="en-US" smtClean="0"/>
-              <a:t>10/16/2016</a:t>
+              <a:t>10/15/2018</a:t>
             </a:fld>
             <a:endParaRPr lang="en-US"/>
           </a:p>
@@ -1793,10 +1796,9 @@
           </a:lstStyle>
           <a:p>
             <a:r>
-              <a:rPr lang="en-US" smtClean="0"/>
+              <a:rPr lang="en-US"/>
               <a:t>Click to edit Master title style</a:t>
             </a:r>
-            <a:endParaRPr lang="en-US"/>
           </a:p>
         </p:txBody>
       </p:sp>
@@ -1859,7 +1861,7 @@
           <a:p>
             <a:pPr lvl="0"/>
             <a:r>
-              <a:rPr lang="en-US" smtClean="0"/>
+              <a:rPr lang="en-US"/>
               <a:t>Click to edit Master text styles</a:t>
             </a:r>
           </a:p>
@@ -1915,38 +1917,37 @@
           <a:p>
             <a:pPr lvl="0"/>
             <a:r>
-              <a:rPr lang="en-US" smtClean="0"/>
+              <a:rPr lang="en-US"/>
               <a:t>Click to edit Master text styles</a:t>
             </a:r>
           </a:p>
           <a:p>
             <a:pPr lvl="1"/>
             <a:r>
-              <a:rPr lang="en-US" smtClean="0"/>
+              <a:rPr lang="en-US"/>
               <a:t>Second level</a:t>
             </a:r>
           </a:p>
           <a:p>
             <a:pPr lvl="2"/>
             <a:r>
-              <a:rPr lang="en-US" smtClean="0"/>
+              <a:rPr lang="en-US"/>
               <a:t>Third level</a:t>
             </a:r>
           </a:p>
           <a:p>
             <a:pPr lvl="3"/>
             <a:r>
-              <a:rPr lang="en-US" smtClean="0"/>
+              <a:rPr lang="en-US"/>
               <a:t>Fourth level</a:t>
             </a:r>
           </a:p>
           <a:p>
             <a:pPr lvl="4"/>
             <a:r>
-              <a:rPr lang="en-US" smtClean="0"/>
+              <a:rPr lang="en-US"/>
               <a:t>Fifth level</a:t>
             </a:r>
-            <a:endParaRPr lang="en-US"/>
           </a:p>
         </p:txBody>
       </p:sp>
@@ -2009,7 +2010,7 @@
           <a:p>
             <a:pPr lvl="0"/>
             <a:r>
-              <a:rPr lang="en-US" smtClean="0"/>
+              <a:rPr lang="en-US"/>
               <a:t>Click to edit Master text styles</a:t>
             </a:r>
           </a:p>
@@ -2065,38 +2066,37 @@
           <a:p>
             <a:pPr lvl="0"/>
             <a:r>
-              <a:rPr lang="en-US" smtClean="0"/>
+              <a:rPr lang="en-US"/>
               <a:t>Click to edit Master text styles</a:t>
             </a:r>
           </a:p>
           <a:p>
             <a:pPr lvl="1"/>
             <a:r>
-              <a:rPr lang="en-US" smtClean="0"/>
+              <a:rPr lang="en-US"/>
               <a:t>Second level</a:t>
             </a:r>
           </a:p>
           <a:p>
             <a:pPr lvl="2"/>
             <a:r>
-              <a:rPr lang="en-US" smtClean="0"/>
+              <a:rPr lang="en-US"/>
               <a:t>Third level</a:t>
             </a:r>
           </a:p>
           <a:p>
             <a:pPr lvl="3"/>
             <a:r>
-              <a:rPr lang="en-US" smtClean="0"/>
+              <a:rPr lang="en-US"/>
               <a:t>Fourth level</a:t>
             </a:r>
           </a:p>
           <a:p>
             <a:pPr lvl="4"/>
             <a:r>
-              <a:rPr lang="en-US" smtClean="0"/>
+              <a:rPr lang="en-US"/>
               <a:t>Fifth level</a:t>
             </a:r>
-            <a:endParaRPr lang="en-US"/>
           </a:p>
         </p:txBody>
       </p:sp>
@@ -2117,7 +2117,7 @@
           <a:p>
             <a:fld id="{78C97017-6FC3-485B-9764-EAC9E56C1D49}" type="datetimeFigureOut">
               <a:rPr lang="en-US" smtClean="0"/>
-              <a:t>10/16/2016</a:t>
+              <a:t>10/15/2018</a:t>
             </a:fld>
             <a:endParaRPr lang="en-US"/>
           </a:p>
@@ -2211,10 +2211,9 @@
           <a:lstStyle/>
           <a:p>
             <a:r>
-              <a:rPr lang="en-US" smtClean="0"/>
+              <a:rPr lang="en-US"/>
               <a:t>Click to edit Master title style</a:t>
             </a:r>
-            <a:endParaRPr lang="en-US"/>
           </a:p>
         </p:txBody>
       </p:sp>
@@ -2235,7 +2234,7 @@
           <a:p>
             <a:fld id="{78C97017-6FC3-485B-9764-EAC9E56C1D49}" type="datetimeFigureOut">
               <a:rPr lang="en-US" smtClean="0"/>
-              <a:t>10/16/2016</a:t>
+              <a:t>10/15/2018</a:t>
             </a:fld>
             <a:endParaRPr lang="en-US"/>
           </a:p>
@@ -2330,7 +2329,7 @@
           <a:p>
             <a:fld id="{78C97017-6FC3-485B-9764-EAC9E56C1D49}" type="datetimeFigureOut">
               <a:rPr lang="en-US" smtClean="0"/>
-              <a:t>10/16/2016</a:t>
+              <a:t>10/15/2018</a:t>
             </a:fld>
             <a:endParaRPr lang="en-US"/>
           </a:p>
@@ -2433,10 +2432,9 @@
           </a:lstStyle>
           <a:p>
             <a:r>
-              <a:rPr lang="en-US" smtClean="0"/>
+              <a:rPr lang="en-US"/>
               <a:t>Click to edit Master title style</a:t>
             </a:r>
-            <a:endParaRPr lang="en-US"/>
           </a:p>
         </p:txBody>
       </p:sp>
@@ -2490,38 +2488,37 @@
           <a:p>
             <a:pPr lvl="0"/>
             <a:r>
-              <a:rPr lang="en-US" smtClean="0"/>
+              <a:rPr lang="en-US"/>
               <a:t>Click to edit Master text styles</a:t>
             </a:r>
           </a:p>
           <a:p>
             <a:pPr lvl="1"/>
             <a:r>
-              <a:rPr lang="en-US" smtClean="0"/>
+              <a:rPr lang="en-US"/>
               <a:t>Second level</a:t>
             </a:r>
           </a:p>
           <a:p>
             <a:pPr lvl="2"/>
             <a:r>
-              <a:rPr lang="en-US" smtClean="0"/>
+              <a:rPr lang="en-US"/>
               <a:t>Third level</a:t>
             </a:r>
           </a:p>
           <a:p>
             <a:pPr lvl="3"/>
             <a:r>
-              <a:rPr lang="en-US" smtClean="0"/>
+              <a:rPr lang="en-US"/>
               <a:t>Fourth level</a:t>
             </a:r>
           </a:p>
           <a:p>
             <a:pPr lvl="4"/>
             <a:r>
-              <a:rPr lang="en-US" smtClean="0"/>
+              <a:rPr lang="en-US"/>
               <a:t>Fifth level</a:t>
             </a:r>
-            <a:endParaRPr lang="en-US"/>
           </a:p>
         </p:txBody>
       </p:sp>
@@ -2584,7 +2581,7 @@
           <a:p>
             <a:pPr lvl="0"/>
             <a:r>
-              <a:rPr lang="en-US" smtClean="0"/>
+              <a:rPr lang="en-US"/>
               <a:t>Click to edit Master text styles</a:t>
             </a:r>
           </a:p>
@@ -2607,7 +2604,7 @@
           <a:p>
             <a:fld id="{78C97017-6FC3-485B-9764-EAC9E56C1D49}" type="datetimeFigureOut">
               <a:rPr lang="en-US" smtClean="0"/>
-              <a:t>10/16/2016</a:t>
+              <a:t>10/15/2018</a:t>
             </a:fld>
             <a:endParaRPr lang="en-US"/>
           </a:p>
@@ -2710,10 +2707,9 @@
           </a:lstStyle>
           <a:p>
             <a:r>
-              <a:rPr lang="en-US" smtClean="0"/>
+              <a:rPr lang="en-US"/>
               <a:t>Click to edit Master title style</a:t>
             </a:r>
-            <a:endParaRPr lang="en-US"/>
           </a:p>
         </p:txBody>
       </p:sp>
@@ -2837,7 +2833,7 @@
           <a:p>
             <a:pPr lvl="0"/>
             <a:r>
-              <a:rPr lang="en-US" smtClean="0"/>
+              <a:rPr lang="en-US"/>
               <a:t>Click to edit Master text styles</a:t>
             </a:r>
           </a:p>
@@ -2860,7 +2856,7 @@
           <a:p>
             <a:fld id="{78C97017-6FC3-485B-9764-EAC9E56C1D49}" type="datetimeFigureOut">
               <a:rPr lang="en-US" smtClean="0"/>
-              <a:t>10/16/2016</a:t>
+              <a:t>10/15/2018</a:t>
             </a:fld>
             <a:endParaRPr lang="en-US"/>
           </a:p>
@@ -2969,10 +2965,9 @@
           <a:lstStyle/>
           <a:p>
             <a:r>
-              <a:rPr lang="en-US" smtClean="0"/>
+              <a:rPr lang="en-US"/>
               <a:t>Click to edit Master title style</a:t>
             </a:r>
-            <a:endParaRPr lang="en-US"/>
           </a:p>
         </p:txBody>
       </p:sp>
@@ -3003,38 +2998,37 @@
           <a:p>
             <a:pPr lvl="0"/>
             <a:r>
-              <a:rPr lang="en-US" smtClean="0"/>
+              <a:rPr lang="en-US"/>
               <a:t>Click to edit Master text styles</a:t>
             </a:r>
           </a:p>
           <a:p>
             <a:pPr lvl="1"/>
             <a:r>
-              <a:rPr lang="en-US" smtClean="0"/>
+              <a:rPr lang="en-US"/>
               <a:t>Second level</a:t>
             </a:r>
           </a:p>
           <a:p>
             <a:pPr lvl="2"/>
             <a:r>
-              <a:rPr lang="en-US" smtClean="0"/>
+              <a:rPr lang="en-US"/>
               <a:t>Third level</a:t>
             </a:r>
           </a:p>
           <a:p>
             <a:pPr lvl="3"/>
             <a:r>
-              <a:rPr lang="en-US" smtClean="0"/>
+              <a:rPr lang="en-US"/>
               <a:t>Fourth level</a:t>
             </a:r>
           </a:p>
           <a:p>
             <a:pPr lvl="4"/>
             <a:r>
-              <a:rPr lang="en-US" smtClean="0"/>
+              <a:rPr lang="en-US"/>
               <a:t>Fifth level</a:t>
             </a:r>
-            <a:endParaRPr lang="en-US"/>
           </a:p>
         </p:txBody>
       </p:sp>
@@ -3073,7 +3067,7 @@
           <a:p>
             <a:fld id="{78C97017-6FC3-485B-9764-EAC9E56C1D49}" type="datetimeFigureOut">
               <a:rPr lang="en-US" smtClean="0"/>
-              <a:t>10/16/2016</a:t>
+              <a:t>10/15/2018</a:t>
             </a:fld>
             <a:endParaRPr lang="en-US"/>
           </a:p>
@@ -3456,8 +3450,8 @@
         </p:nvSpPr>
         <p:spPr>
           <a:xfrm>
-            <a:off x="1119865" y="2086382"/>
-            <a:ext cx="7871735" cy="1723618"/>
+            <a:off x="1119865" y="1603060"/>
+            <a:ext cx="7871735" cy="2206940"/>
           </a:xfrm>
           <a:prstGeom prst="roundRect">
             <a:avLst>
@@ -3494,7 +3488,7 @@
           <a:lstStyle/>
           <a:p>
             <a:r>
-              <a:rPr lang="en-US" sz="1200" b="1" dirty="0" smtClean="0">
+              <a:rPr lang="en-US" sz="1200" b="1" dirty="0">
                 <a:solidFill>
                   <a:schemeClr val="accent6">
                     <a:lumMod val="75000"/>
@@ -3561,7 +3555,7 @@
           <a:p>
             <a:pPr algn="ctr"/>
             <a:r>
-              <a:rPr lang="en-US" sz="1050" dirty="0" smtClean="0">
+              <a:rPr lang="en-US" sz="1050" dirty="0">
                 <a:solidFill>
                   <a:schemeClr val="bg1"/>
                 </a:solidFill>
@@ -3569,14 +3563,14 @@
               <a:t>&lt;&lt;interface&gt;&gt;</a:t>
             </a:r>
             <a:br>
-              <a:rPr lang="en-US" sz="1050" dirty="0" smtClean="0">
+              <a:rPr lang="en-US" sz="1050" dirty="0">
                 <a:solidFill>
                   <a:schemeClr val="bg1"/>
                 </a:solidFill>
               </a:rPr>
             </a:br>
             <a:r>
-              <a:rPr lang="en-US" sz="1050" dirty="0" err="1" smtClean="0">
+              <a:rPr lang="en-US" sz="1050" dirty="0" err="1">
                 <a:solidFill>
                   <a:schemeClr val="bg1"/>
                 </a:solidFill>
@@ -3599,8 +3593,8 @@
         </p:nvSpPr>
         <p:spPr>
           <a:xfrm rot="16200000">
-            <a:off x="1683963" y="2868687"/>
-            <a:ext cx="1093635" cy="346760"/>
+            <a:off x="1388839" y="2573563"/>
+            <a:ext cx="1683883" cy="346760"/>
           </a:xfrm>
           <a:prstGeom prst="rect">
             <a:avLst/>
@@ -3639,7 +3633,7 @@
           <a:p>
             <a:pPr algn="ctr"/>
             <a:r>
-              <a:rPr lang="en-US" sz="1050" dirty="0" err="1" smtClean="0">
+              <a:rPr lang="en-US" sz="1050" dirty="0" err="1">
                 <a:solidFill>
                   <a:schemeClr val="bg1"/>
                 </a:solidFill>
@@ -3662,8 +3656,8 @@
         </p:nvSpPr>
         <p:spPr>
           <a:xfrm rot="16200000">
-            <a:off x="956202" y="2861202"/>
-            <a:ext cx="1093635" cy="346760"/>
+            <a:off x="664820" y="2569820"/>
+            <a:ext cx="1676399" cy="346760"/>
           </a:xfrm>
           <a:prstGeom prst="rect">
             <a:avLst/>
@@ -3713,7 +3707,7 @@
           <a:p>
             <a:pPr algn="ctr"/>
             <a:r>
-              <a:rPr lang="en-US" sz="1050" dirty="0" smtClean="0">
+              <a:rPr lang="en-US" sz="1050" dirty="0">
                 <a:solidFill>
                   <a:schemeClr val="bg1"/>
                 </a:solidFill>
@@ -4147,7 +4141,7 @@
           <a:p>
             <a:pPr algn="ctr"/>
             <a:r>
-              <a:rPr lang="en-US" sz="1050" b="1" dirty="0" err="1" smtClean="0">
+              <a:rPr lang="en-US" sz="1050" b="1" dirty="0" err="1">
                 <a:solidFill>
                   <a:schemeClr val="accent6">
                     <a:lumMod val="75000"/>
@@ -4156,18 +4150,8 @@
               </a:rPr>
               <a:t>XmlAddressBook</a:t>
             </a:r>
-            <a:r>
-              <a:rPr lang="en-US" sz="1050" b="1" dirty="0" smtClean="0">
-                <a:solidFill>
-                  <a:schemeClr val="accent6">
-                    <a:lumMod val="75000"/>
-                  </a:schemeClr>
-                </a:solidFill>
-              </a:rPr>
-              <a:t/>
-            </a:r>
             <a:br>
-              <a:rPr lang="en-US" sz="1050" b="1" dirty="0" smtClean="0">
+              <a:rPr lang="en-US" sz="1050" b="1" dirty="0">
                 <a:solidFill>
                   <a:schemeClr val="accent6">
                     <a:lumMod val="75000"/>
@@ -4176,7 +4160,7 @@
               </a:rPr>
             </a:br>
             <a:r>
-              <a:rPr lang="en-US" sz="1050" b="1" dirty="0" smtClean="0">
+              <a:rPr lang="en-US" sz="1050" b="1" dirty="0">
                 <a:solidFill>
                   <a:schemeClr val="accent6">
                     <a:lumMod val="75000"/>
@@ -4243,7 +4227,7 @@
           <a:p>
             <a:pPr algn="ctr"/>
             <a:r>
-              <a:rPr lang="en-US" sz="1050" dirty="0" smtClean="0">
+              <a:rPr lang="en-US" sz="1050" dirty="0">
                 <a:solidFill>
                   <a:schemeClr val="bg1"/>
                 </a:solidFill>
@@ -4251,14 +4235,14 @@
               <a:t>&lt;&lt;interface&gt;&gt;</a:t>
             </a:r>
             <a:br>
-              <a:rPr lang="en-US" sz="1050" dirty="0" smtClean="0">
+              <a:rPr lang="en-US" sz="1050" dirty="0">
                 <a:solidFill>
                   <a:schemeClr val="bg1"/>
                 </a:solidFill>
               </a:rPr>
             </a:br>
             <a:r>
-              <a:rPr lang="en-US" sz="1050" dirty="0" err="1" smtClean="0">
+              <a:rPr lang="en-US" sz="1050" dirty="0" err="1">
                 <a:solidFill>
                   <a:schemeClr val="bg1"/>
                 </a:solidFill>
@@ -4516,30 +4500,22 @@
           <a:p>
             <a:pPr algn="ctr"/>
             <a:r>
-              <a:rPr lang="en-US" sz="1050" dirty="0" err="1" smtClean="0">
+              <a:rPr lang="en-US" sz="1050" dirty="0" err="1">
                 <a:solidFill>
                   <a:schemeClr val="bg1"/>
                 </a:solidFill>
               </a:rPr>
               <a:t>JsonUserPrefs</a:t>
             </a:r>
-            <a:r>
-              <a:rPr lang="en-US" sz="1050" dirty="0" smtClean="0">
-                <a:solidFill>
-                  <a:schemeClr val="bg1"/>
-                </a:solidFill>
-              </a:rPr>
-              <a:t/>
-            </a:r>
             <a:br>
-              <a:rPr lang="en-US" sz="1050" dirty="0" smtClean="0">
+              <a:rPr lang="en-US" sz="1050" dirty="0">
                 <a:solidFill>
                   <a:schemeClr val="bg1"/>
                 </a:solidFill>
               </a:rPr>
             </a:br>
             <a:r>
-              <a:rPr lang="en-US" sz="1050" dirty="0" smtClean="0">
+              <a:rPr lang="en-US" sz="1050" dirty="0">
                 <a:solidFill>
                   <a:schemeClr val="bg1"/>
                 </a:solidFill>
@@ -4591,7 +4567,7 @@
           <a:p>
             <a:pPr algn="ctr"/>
             <a:r>
-              <a:rPr lang="en-US" sz="1050" b="1" dirty="0" err="1" smtClean="0">
+              <a:rPr lang="en-US" sz="1050" b="1" dirty="0" err="1">
                 <a:solidFill>
                   <a:schemeClr val="accent6">
                     <a:lumMod val="75000"/>
@@ -4600,18 +4576,8 @@
               </a:rPr>
               <a:t>XmlSerializable</a:t>
             </a:r>
-            <a:r>
-              <a:rPr lang="en-US" sz="1050" b="1" dirty="0" smtClean="0">
-                <a:solidFill>
-                  <a:schemeClr val="accent6">
-                    <a:lumMod val="75000"/>
-                  </a:schemeClr>
-                </a:solidFill>
-              </a:rPr>
-              <a:t/>
-            </a:r>
             <a:br>
-              <a:rPr lang="en-US" sz="1050" b="1" dirty="0" smtClean="0">
+              <a:rPr lang="en-US" sz="1050" b="1" dirty="0">
                 <a:solidFill>
                   <a:schemeClr val="accent6">
                     <a:lumMod val="75000"/>
@@ -4620,7 +4586,7 @@
               </a:rPr>
             </a:br>
             <a:r>
-              <a:rPr lang="en-US" sz="1050" b="1" dirty="0" err="1" smtClean="0">
+              <a:rPr lang="en-US" sz="1050" b="1" dirty="0" err="1">
                 <a:solidFill>
                   <a:schemeClr val="accent6">
                     <a:lumMod val="75000"/>
@@ -4717,7 +4683,7 @@
           <a:p>
             <a:pPr algn="ctr"/>
             <a:r>
-              <a:rPr lang="en-US" sz="1050" b="1" dirty="0" err="1" smtClean="0">
+              <a:rPr lang="en-US" sz="1050" b="1" dirty="0" err="1">
                 <a:solidFill>
                   <a:schemeClr val="accent6">
                     <a:lumMod val="75000"/>
@@ -4773,7 +4739,7 @@
           <a:p>
             <a:pPr algn="ctr"/>
             <a:r>
-              <a:rPr lang="en-US" sz="1050" b="1" dirty="0" err="1" smtClean="0">
+              <a:rPr lang="en-US" sz="1050" b="1" dirty="0" err="1">
                 <a:solidFill>
                   <a:schemeClr val="accent6">
                     <a:lumMod val="75000"/>
@@ -4833,6 +4799,393 @@
           </a:fontRef>
         </p:style>
       </p:cxnSp>
+      <p:cxnSp>
+        <p:nvCxnSpPr>
+          <p:cNvPr id="26" name="Straight Arrow Connector 25">
+            <a:extLst>
+              <a:ext uri="{FF2B5EF4-FFF2-40B4-BE49-F238E27FC236}">
+                <a16:creationId xmlns:a16="http://schemas.microsoft.com/office/drawing/2014/main" id="{F8615C77-FB20-497A-A798-0AE0764672B1}"/>
+              </a:ext>
+            </a:extLst>
+          </p:cNvPr>
+          <p:cNvCxnSpPr>
+            <a:stCxn id="27" idx="3"/>
+          </p:cNvCxnSpPr>
+          <p:nvPr/>
+        </p:nvCxnSpPr>
+        <p:spPr>
+          <a:xfrm>
+            <a:off x="2653133" y="2141229"/>
+            <a:ext cx="220810" cy="5284"/>
+          </a:xfrm>
+          <a:prstGeom prst="straightConnector1">
+            <a:avLst/>
+          </a:prstGeom>
+          <a:ln w="19050">
+            <a:solidFill>
+              <a:schemeClr val="accent6">
+                <a:lumMod val="75000"/>
+              </a:schemeClr>
+            </a:solidFill>
+            <a:headEnd type="none" w="med" len="med"/>
+            <a:tailEnd type="arrow" w="med" len="med"/>
+          </a:ln>
+          <a:effectLst/>
+        </p:spPr>
+        <p:style>
+          <a:lnRef idx="1">
+            <a:schemeClr val="accent2"/>
+          </a:lnRef>
+          <a:fillRef idx="2">
+            <a:schemeClr val="accent2"/>
+          </a:fillRef>
+          <a:effectRef idx="1">
+            <a:schemeClr val="accent2"/>
+          </a:effectRef>
+          <a:fontRef idx="minor">
+            <a:schemeClr val="dk1"/>
+          </a:fontRef>
+        </p:style>
+      </p:cxnSp>
+      <p:sp>
+        <p:nvSpPr>
+          <p:cNvPr id="27" name="Flowchart: Decision 96">
+            <a:extLst>
+              <a:ext uri="{FF2B5EF4-FFF2-40B4-BE49-F238E27FC236}">
+                <a16:creationId xmlns:a16="http://schemas.microsoft.com/office/drawing/2014/main" id="{941E38F7-AE34-465B-A133-CD8BBF5EA823}"/>
+              </a:ext>
+            </a:extLst>
+          </p:cNvPr>
+          <p:cNvSpPr/>
+          <p:nvPr/>
+        </p:nvSpPr>
+        <p:spPr>
+          <a:xfrm>
+            <a:off x="2417085" y="2054539"/>
+            <a:ext cx="236048" cy="173380"/>
+          </a:xfrm>
+          <a:prstGeom prst="flowChartDecision">
+            <a:avLst/>
+          </a:prstGeom>
+          <a:noFill/>
+          <a:ln w="19050">
+            <a:solidFill>
+              <a:schemeClr val="accent6">
+                <a:lumMod val="75000"/>
+              </a:schemeClr>
+            </a:solidFill>
+          </a:ln>
+          <a:effectLst/>
+        </p:spPr>
+        <p:style>
+          <a:lnRef idx="1">
+            <a:schemeClr val="accent2"/>
+          </a:lnRef>
+          <a:fillRef idx="2">
+            <a:schemeClr val="accent2"/>
+          </a:fillRef>
+          <a:effectRef idx="1">
+            <a:schemeClr val="accent2"/>
+          </a:effectRef>
+          <a:fontRef idx="minor">
+            <a:schemeClr val="dk1"/>
+          </a:fontRef>
+        </p:style>
+        <p:txBody>
+          <a:bodyPr rtlCol="0" anchor="ctr"/>
+          <a:lstStyle/>
+          <a:p>
+            <a:pPr algn="ctr"/>
+            <a:endParaRPr lang="en-US" sz="1050">
+              <a:solidFill>
+                <a:schemeClr val="bg1"/>
+              </a:solidFill>
+            </a:endParaRPr>
+          </a:p>
+        </p:txBody>
+      </p:sp>
+      <p:sp>
+        <p:nvSpPr>
+          <p:cNvPr id="30" name="Rectangle 8">
+            <a:extLst>
+              <a:ext uri="{FF2B5EF4-FFF2-40B4-BE49-F238E27FC236}">
+                <a16:creationId xmlns:a16="http://schemas.microsoft.com/office/drawing/2014/main" id="{B187EB57-AC31-4BED-BFDA-43788F9DC338}"/>
+              </a:ext>
+            </a:extLst>
+          </p:cNvPr>
+          <p:cNvSpPr/>
+          <p:nvPr/>
+        </p:nvSpPr>
+        <p:spPr>
+          <a:xfrm>
+            <a:off x="2881808" y="1962924"/>
+            <a:ext cx="1323049" cy="346760"/>
+          </a:xfrm>
+          <a:prstGeom prst="rect">
+            <a:avLst/>
+          </a:prstGeom>
+          <a:solidFill>
+            <a:schemeClr val="accent6">
+              <a:lumMod val="75000"/>
+            </a:schemeClr>
+          </a:solidFill>
+          <a:ln w="19050">
+            <a:solidFill>
+              <a:schemeClr val="accent6">
+                <a:lumMod val="75000"/>
+              </a:schemeClr>
+            </a:solidFill>
+          </a:ln>
+          <a:effectLst/>
+        </p:spPr>
+        <p:style>
+          <a:lnRef idx="1">
+            <a:schemeClr val="accent2"/>
+          </a:lnRef>
+          <a:fillRef idx="2">
+            <a:schemeClr val="accent2"/>
+          </a:fillRef>
+          <a:effectRef idx="1">
+            <a:schemeClr val="accent2"/>
+          </a:effectRef>
+          <a:fontRef idx="minor">
+            <a:schemeClr val="dk1"/>
+          </a:fontRef>
+        </p:style>
+        <p:txBody>
+          <a:bodyPr rtlCol="0" anchor="ctr"/>
+          <a:lstStyle/>
+          <a:p>
+            <a:pPr algn="ctr"/>
+            <a:r>
+              <a:rPr lang="en-US" sz="1050" dirty="0">
+                <a:solidFill>
+                  <a:schemeClr val="bg1"/>
+                </a:solidFill>
+              </a:rPr>
+              <a:t>&lt;&lt;interface&gt;&gt;</a:t>
+            </a:r>
+            <a:br>
+              <a:rPr lang="en-US" sz="1050" dirty="0">
+                <a:solidFill>
+                  <a:schemeClr val="bg1"/>
+                </a:solidFill>
+              </a:rPr>
+            </a:br>
+            <a:r>
+              <a:rPr lang="en-US" sz="1050" dirty="0" err="1">
+                <a:solidFill>
+                  <a:schemeClr val="bg1"/>
+                </a:solidFill>
+              </a:rPr>
+              <a:t>TimeTableStorage</a:t>
+            </a:r>
+            <a:endParaRPr lang="en-SG" sz="1050" dirty="0">
+              <a:solidFill>
+                <a:schemeClr val="bg1"/>
+              </a:solidFill>
+            </a:endParaRPr>
+          </a:p>
+        </p:txBody>
+      </p:sp>
+      <p:cxnSp>
+        <p:nvCxnSpPr>
+          <p:cNvPr id="31" name="Elbow Connector 63">
+            <a:extLst>
+              <a:ext uri="{FF2B5EF4-FFF2-40B4-BE49-F238E27FC236}">
+                <a16:creationId xmlns:a16="http://schemas.microsoft.com/office/drawing/2014/main" id="{7704716A-3AB7-474A-B186-72C8FEA7A4E4}"/>
+              </a:ext>
+            </a:extLst>
+          </p:cNvPr>
+          <p:cNvCxnSpPr>
+            <a:stCxn id="32" idx="3"/>
+            <a:endCxn id="33" idx="1"/>
+          </p:cNvCxnSpPr>
+          <p:nvPr/>
+        </p:nvCxnSpPr>
+        <p:spPr>
+          <a:xfrm flipV="1">
+            <a:off x="4384830" y="2149258"/>
+            <a:ext cx="223324" cy="1"/>
+          </a:xfrm>
+          <a:prstGeom prst="bentConnector3">
+            <a:avLst>
+              <a:gd name="adj1" fmla="val 50000"/>
+            </a:avLst>
+          </a:prstGeom>
+          <a:ln w="19050">
+            <a:solidFill>
+              <a:schemeClr val="accent6">
+                <a:lumMod val="75000"/>
+              </a:schemeClr>
+            </a:solidFill>
+            <a:prstDash val="sysDot"/>
+            <a:headEnd type="none" w="med" len="med"/>
+            <a:tailEnd type="none" w="med" len="med"/>
+          </a:ln>
+          <a:effectLst/>
+        </p:spPr>
+        <p:style>
+          <a:lnRef idx="1">
+            <a:schemeClr val="accent2"/>
+          </a:lnRef>
+          <a:fillRef idx="2">
+            <a:schemeClr val="accent2"/>
+          </a:fillRef>
+          <a:effectRef idx="1">
+            <a:schemeClr val="accent2"/>
+          </a:effectRef>
+          <a:fontRef idx="minor">
+            <a:schemeClr val="dk1"/>
+          </a:fontRef>
+        </p:style>
+      </p:cxnSp>
+      <p:sp>
+        <p:nvSpPr>
+          <p:cNvPr id="32" name="Isosceles Triangle 102">
+            <a:extLst>
+              <a:ext uri="{FF2B5EF4-FFF2-40B4-BE49-F238E27FC236}">
+                <a16:creationId xmlns:a16="http://schemas.microsoft.com/office/drawing/2014/main" id="{BD35A4B0-C4C5-43C7-B4B8-9C039B788083}"/>
+              </a:ext>
+            </a:extLst>
+          </p:cNvPr>
+          <p:cNvSpPr/>
+          <p:nvPr/>
+        </p:nvSpPr>
+        <p:spPr>
+          <a:xfrm rot="5400000" flipV="1">
+            <a:off x="4161816" y="2061497"/>
+            <a:ext cx="270504" cy="175523"/>
+          </a:xfrm>
+          <a:prstGeom prst="triangle">
+            <a:avLst/>
+          </a:prstGeom>
+          <a:solidFill>
+            <a:schemeClr val="accent6">
+              <a:lumMod val="75000"/>
+            </a:schemeClr>
+          </a:solidFill>
+          <a:ln w="19050">
+            <a:solidFill>
+              <a:schemeClr val="accent6">
+                <a:lumMod val="75000"/>
+              </a:schemeClr>
+            </a:solidFill>
+          </a:ln>
+          <a:effectLst/>
+        </p:spPr>
+        <p:style>
+          <a:lnRef idx="1">
+            <a:schemeClr val="accent2"/>
+          </a:lnRef>
+          <a:fillRef idx="2">
+            <a:schemeClr val="accent2"/>
+          </a:fillRef>
+          <a:effectRef idx="1">
+            <a:schemeClr val="accent2"/>
+          </a:effectRef>
+          <a:fontRef idx="minor">
+            <a:schemeClr val="dk1"/>
+          </a:fontRef>
+        </p:style>
+        <p:txBody>
+          <a:bodyPr rtlCol="0" anchor="ctr"/>
+          <a:lstStyle/>
+          <a:p>
+            <a:pPr algn="ctr"/>
+            <a:endParaRPr lang="en-SG" sz="1050">
+              <a:solidFill>
+                <a:schemeClr val="bg1"/>
+              </a:solidFill>
+            </a:endParaRPr>
+          </a:p>
+        </p:txBody>
+      </p:sp>
+      <p:sp>
+        <p:nvSpPr>
+          <p:cNvPr id="33" name="Rectangle 8">
+            <a:extLst>
+              <a:ext uri="{FF2B5EF4-FFF2-40B4-BE49-F238E27FC236}">
+                <a16:creationId xmlns:a16="http://schemas.microsoft.com/office/drawing/2014/main" id="{0D3B7B7D-A351-464A-A2C1-6B36E0BC0B6A}"/>
+              </a:ext>
+            </a:extLst>
+          </p:cNvPr>
+          <p:cNvSpPr/>
+          <p:nvPr/>
+        </p:nvSpPr>
+        <p:spPr>
+          <a:xfrm>
+            <a:off x="4608154" y="1975878"/>
+            <a:ext cx="1093635" cy="346760"/>
+          </a:xfrm>
+          <a:prstGeom prst="rect">
+            <a:avLst/>
+          </a:prstGeom>
+          <a:solidFill>
+            <a:schemeClr val="accent6">
+              <a:lumMod val="75000"/>
+            </a:schemeClr>
+          </a:solidFill>
+          <a:ln w="19050">
+            <a:solidFill>
+              <a:schemeClr val="accent6">
+                <a:lumMod val="75000"/>
+              </a:schemeClr>
+            </a:solidFill>
+          </a:ln>
+          <a:effectLst/>
+        </p:spPr>
+        <p:style>
+          <a:lnRef idx="1">
+            <a:schemeClr val="accent2"/>
+          </a:lnRef>
+          <a:fillRef idx="2">
+            <a:schemeClr val="accent2"/>
+          </a:fillRef>
+          <a:effectRef idx="1">
+            <a:schemeClr val="accent2"/>
+          </a:effectRef>
+          <a:fontRef idx="minor">
+            <a:schemeClr val="dk1"/>
+          </a:fontRef>
+        </p:style>
+        <p:txBody>
+          <a:bodyPr rtlCol="0" anchor="ctr"/>
+          <a:lstStyle/>
+          <a:p>
+            <a:pPr algn="ctr"/>
+            <a:r>
+              <a:rPr lang="en-US" sz="1050" dirty="0" err="1">
+                <a:solidFill>
+                  <a:schemeClr val="bg1"/>
+                </a:solidFill>
+              </a:rPr>
+              <a:t>TimeTable</a:t>
+            </a:r>
+            <a:endParaRPr lang="en-US" sz="1050" dirty="0">
+              <a:solidFill>
+                <a:schemeClr val="bg1"/>
+              </a:solidFill>
+            </a:endParaRPr>
+          </a:p>
+          <a:p>
+            <a:pPr algn="ctr"/>
+            <a:r>
+              <a:rPr lang="en-US" sz="1050" dirty="0">
+                <a:solidFill>
+                  <a:schemeClr val="bg1"/>
+                </a:solidFill>
+              </a:rPr>
+              <a:t>Storage</a:t>
+            </a:r>
+            <a:endParaRPr lang="en-SG" sz="1050" dirty="0">
+              <a:solidFill>
+                <a:schemeClr val="bg1"/>
+              </a:solidFill>
+            </a:endParaRPr>
+          </a:p>
+        </p:txBody>
+      </p:sp>
     </p:spTree>
     <p:extLst>
       <p:ext uri="{BB962C8B-B14F-4D97-AF65-F5344CB8AC3E}">
@@ -4843,13 +5196,6 @@
   <p:clrMapOvr>
     <a:masterClrMapping/>
   </p:clrMapOvr>
-  <p:timing>
-    <p:tnLst>
-      <p:par>
-        <p:cTn id="1" dur="indefinite" restart="never" nodeType="tmRoot"/>
-      </p:par>
-    </p:tnLst>
-  </p:timing>
 </p:sld>
 </file>
 

--- a/docs/diagrams/StorageComponentClassDiagram.pptx
+++ b/docs/diagrams/StorageComponentClassDiagram.pptx
@@ -5160,7 +5160,7 @@
                   <a:schemeClr val="bg1"/>
                 </a:solidFill>
               </a:rPr>
-              <a:t>TimeTable</a:t>
+              <a:t>IcsTimeTable</a:t>
             </a:r>
             <a:endParaRPr lang="en-US" sz="1050" dirty="0">
               <a:solidFill>

--- a/docs/diagrams/StorageComponentClassDiagram.pptx
+++ b/docs/diagrams/StorageComponentClassDiagram.pptx
@@ -107,6 +107,22 @@
       </a:defRPr>
     </a:lvl9pPr>
   </p:defaultTextStyle>
+  <p:extLst>
+    <p:ext uri="{EFAFB233-063F-42B5-8137-9DF3F51BA10A}">
+      <p15:sldGuideLst xmlns:p15="http://schemas.microsoft.com/office/powerpoint/2012/main">
+        <p15:guide id="1" orient="horz" pos="1488">
+          <p15:clr>
+            <a:srgbClr val="A4A3A4"/>
+          </p15:clr>
+        </p15:guide>
+        <p15:guide id="2" pos="2880">
+          <p15:clr>
+            <a:srgbClr val="A4A3A4"/>
+          </p15:clr>
+        </p15:guide>
+      </p15:sldGuideLst>
+    </p:ext>
+  </p:extLst>
 </p:presentation>
 </file>
 
@@ -192,7 +208,7 @@
           <a:p>
             <a:fld id="{F5CC4B3F-88C1-4FFA-B1B6-F41C21DC6924}" type="datetimeFigureOut">
               <a:rPr lang="en-US" smtClean="0"/>
-              <a:t>10/16/2016</a:t>
+              <a:t>10/16/2018</a:t>
             </a:fld>
             <a:endParaRPr lang="en-US"/>
           </a:p>
@@ -256,38 +272,37 @@
           <a:p>
             <a:pPr lvl="0"/>
             <a:r>
-              <a:rPr lang="en-US" smtClean="0"/>
+              <a:rPr lang="en-US"/>
               <a:t>Click to edit Master text styles</a:t>
             </a:r>
           </a:p>
           <a:p>
             <a:pPr lvl="1"/>
             <a:r>
-              <a:rPr lang="en-US" smtClean="0"/>
+              <a:rPr lang="en-US"/>
               <a:t>Second level</a:t>
             </a:r>
           </a:p>
           <a:p>
             <a:pPr lvl="2"/>
             <a:r>
-              <a:rPr lang="en-US" smtClean="0"/>
+              <a:rPr lang="en-US"/>
               <a:t>Third level</a:t>
             </a:r>
           </a:p>
           <a:p>
             <a:pPr lvl="3"/>
             <a:r>
-              <a:rPr lang="en-US" smtClean="0"/>
+              <a:rPr lang="en-US"/>
               <a:t>Fourth level</a:t>
             </a:r>
           </a:p>
           <a:p>
             <a:pPr lvl="4"/>
             <a:r>
-              <a:rPr lang="en-US" smtClean="0"/>
+              <a:rPr lang="en-US"/>
               <a:t>Fifth level</a:t>
             </a:r>
-            <a:endParaRPr lang="en-US"/>
           </a:p>
         </p:txBody>
       </p:sp>
@@ -498,10 +513,9 @@
           <a:lstStyle/>
           <a:p>
             <a:r>
-              <a:rPr lang="en-US" smtClean="0"/>
+              <a:rPr lang="en-US"/>
               <a:t>Click to edit Master title style</a:t>
             </a:r>
-            <a:endParaRPr lang="en-US"/>
           </a:p>
         </p:txBody>
       </p:sp>
@@ -617,10 +631,9 @@
           </a:lstStyle>
           <a:p>
             <a:r>
-              <a:rPr lang="en-US" smtClean="0"/>
+              <a:rPr lang="en-US"/>
               <a:t>Click to edit Master subtitle style</a:t>
             </a:r>
-            <a:endParaRPr lang="en-US"/>
           </a:p>
         </p:txBody>
       </p:sp>
@@ -641,7 +654,7 @@
           <a:p>
             <a:fld id="{78C97017-6FC3-485B-9764-EAC9E56C1D49}" type="datetimeFigureOut">
               <a:rPr lang="en-US" smtClean="0"/>
-              <a:t>10/16/2016</a:t>
+              <a:t>10/16/2018</a:t>
             </a:fld>
             <a:endParaRPr lang="en-US"/>
           </a:p>
@@ -735,10 +748,9 @@
           <a:lstStyle/>
           <a:p>
             <a:r>
-              <a:rPr lang="en-US" smtClean="0"/>
+              <a:rPr lang="en-US"/>
               <a:t>Click to edit Master title style</a:t>
             </a:r>
-            <a:endParaRPr lang="en-US"/>
           </a:p>
         </p:txBody>
       </p:sp>
@@ -759,38 +771,37 @@
           <a:p>
             <a:pPr lvl="0"/>
             <a:r>
-              <a:rPr lang="en-US" smtClean="0"/>
+              <a:rPr lang="en-US"/>
               <a:t>Click to edit Master text styles</a:t>
             </a:r>
           </a:p>
           <a:p>
             <a:pPr lvl="1"/>
             <a:r>
-              <a:rPr lang="en-US" smtClean="0"/>
+              <a:rPr lang="en-US"/>
               <a:t>Second level</a:t>
             </a:r>
           </a:p>
           <a:p>
             <a:pPr lvl="2"/>
             <a:r>
-              <a:rPr lang="en-US" smtClean="0"/>
+              <a:rPr lang="en-US"/>
               <a:t>Third level</a:t>
             </a:r>
           </a:p>
           <a:p>
             <a:pPr lvl="3"/>
             <a:r>
-              <a:rPr lang="en-US" smtClean="0"/>
+              <a:rPr lang="en-US"/>
               <a:t>Fourth level</a:t>
             </a:r>
           </a:p>
           <a:p>
             <a:pPr lvl="4"/>
             <a:r>
-              <a:rPr lang="en-US" smtClean="0"/>
+              <a:rPr lang="en-US"/>
               <a:t>Fifth level</a:t>
             </a:r>
-            <a:endParaRPr lang="en-US"/>
           </a:p>
         </p:txBody>
       </p:sp>
@@ -811,7 +822,7 @@
           <a:p>
             <a:fld id="{78C97017-6FC3-485B-9764-EAC9E56C1D49}" type="datetimeFigureOut">
               <a:rPr lang="en-US" smtClean="0"/>
-              <a:t>10/16/2016</a:t>
+              <a:t>10/16/2018</a:t>
             </a:fld>
             <a:endParaRPr lang="en-US"/>
           </a:p>
@@ -910,10 +921,9 @@
           <a:lstStyle/>
           <a:p>
             <a:r>
-              <a:rPr lang="en-US" smtClean="0"/>
+              <a:rPr lang="en-US"/>
               <a:t>Click to edit Master title style</a:t>
             </a:r>
-            <a:endParaRPr lang="en-US"/>
           </a:p>
         </p:txBody>
       </p:sp>
@@ -939,38 +949,37 @@
           <a:p>
             <a:pPr lvl="0"/>
             <a:r>
-              <a:rPr lang="en-US" smtClean="0"/>
+              <a:rPr lang="en-US"/>
               <a:t>Click to edit Master text styles</a:t>
             </a:r>
           </a:p>
           <a:p>
             <a:pPr lvl="1"/>
             <a:r>
-              <a:rPr lang="en-US" smtClean="0"/>
+              <a:rPr lang="en-US"/>
               <a:t>Second level</a:t>
             </a:r>
           </a:p>
           <a:p>
             <a:pPr lvl="2"/>
             <a:r>
-              <a:rPr lang="en-US" smtClean="0"/>
+              <a:rPr lang="en-US"/>
               <a:t>Third level</a:t>
             </a:r>
           </a:p>
           <a:p>
             <a:pPr lvl="3"/>
             <a:r>
-              <a:rPr lang="en-US" smtClean="0"/>
+              <a:rPr lang="en-US"/>
               <a:t>Fourth level</a:t>
             </a:r>
           </a:p>
           <a:p>
             <a:pPr lvl="4"/>
             <a:r>
-              <a:rPr lang="en-US" smtClean="0"/>
+              <a:rPr lang="en-US"/>
               <a:t>Fifth level</a:t>
             </a:r>
-            <a:endParaRPr lang="en-US"/>
           </a:p>
         </p:txBody>
       </p:sp>
@@ -991,7 +1000,7 @@
           <a:p>
             <a:fld id="{78C97017-6FC3-485B-9764-EAC9E56C1D49}" type="datetimeFigureOut">
               <a:rPr lang="en-US" smtClean="0"/>
-              <a:t>10/16/2016</a:t>
+              <a:t>10/16/2018</a:t>
             </a:fld>
             <a:endParaRPr lang="en-US"/>
           </a:p>
@@ -1085,10 +1094,9 @@
           <a:lstStyle/>
           <a:p>
             <a:r>
-              <a:rPr lang="en-US" smtClean="0"/>
+              <a:rPr lang="en-US"/>
               <a:t>Click to edit Master title style</a:t>
             </a:r>
-            <a:endParaRPr lang="en-US"/>
           </a:p>
         </p:txBody>
       </p:sp>
@@ -1109,38 +1117,37 @@
           <a:p>
             <a:pPr lvl="0"/>
             <a:r>
-              <a:rPr lang="en-US" smtClean="0"/>
+              <a:rPr lang="en-US"/>
               <a:t>Click to edit Master text styles</a:t>
             </a:r>
           </a:p>
           <a:p>
             <a:pPr lvl="1"/>
             <a:r>
-              <a:rPr lang="en-US" smtClean="0"/>
+              <a:rPr lang="en-US"/>
               <a:t>Second level</a:t>
             </a:r>
           </a:p>
           <a:p>
             <a:pPr lvl="2"/>
             <a:r>
-              <a:rPr lang="en-US" smtClean="0"/>
+              <a:rPr lang="en-US"/>
               <a:t>Third level</a:t>
             </a:r>
           </a:p>
           <a:p>
             <a:pPr lvl="3"/>
             <a:r>
-              <a:rPr lang="en-US" smtClean="0"/>
+              <a:rPr lang="en-US"/>
               <a:t>Fourth level</a:t>
             </a:r>
           </a:p>
           <a:p>
             <a:pPr lvl="4"/>
             <a:r>
-              <a:rPr lang="en-US" smtClean="0"/>
+              <a:rPr lang="en-US"/>
               <a:t>Fifth level</a:t>
             </a:r>
-            <a:endParaRPr lang="en-US"/>
           </a:p>
         </p:txBody>
       </p:sp>
@@ -1161,7 +1168,7 @@
           <a:p>
             <a:fld id="{78C97017-6FC3-485B-9764-EAC9E56C1D49}" type="datetimeFigureOut">
               <a:rPr lang="en-US" smtClean="0"/>
-              <a:t>10/16/2016</a:t>
+              <a:t>10/16/2018</a:t>
             </a:fld>
             <a:endParaRPr lang="en-US"/>
           </a:p>
@@ -1264,10 +1271,9 @@
           </a:lstStyle>
           <a:p>
             <a:r>
-              <a:rPr lang="en-US" smtClean="0"/>
+              <a:rPr lang="en-US"/>
               <a:t>Click to edit Master title style</a:t>
             </a:r>
-            <a:endParaRPr lang="en-US"/>
           </a:p>
         </p:txBody>
       </p:sp>
@@ -1384,7 +1390,7 @@
           <a:p>
             <a:pPr lvl="0"/>
             <a:r>
-              <a:rPr lang="en-US" smtClean="0"/>
+              <a:rPr lang="en-US"/>
               <a:t>Click to edit Master text styles</a:t>
             </a:r>
           </a:p>
@@ -1407,7 +1413,7 @@
           <a:p>
             <a:fld id="{78C97017-6FC3-485B-9764-EAC9E56C1D49}" type="datetimeFigureOut">
               <a:rPr lang="en-US" smtClean="0"/>
-              <a:t>10/16/2016</a:t>
+              <a:t>10/16/2018</a:t>
             </a:fld>
             <a:endParaRPr lang="en-US"/>
           </a:p>
@@ -1501,10 +1507,9 @@
           <a:lstStyle/>
           <a:p>
             <a:r>
-              <a:rPr lang="en-US" smtClean="0"/>
+              <a:rPr lang="en-US"/>
               <a:t>Click to edit Master title style</a:t>
             </a:r>
-            <a:endParaRPr lang="en-US"/>
           </a:p>
         </p:txBody>
       </p:sp>
@@ -1558,38 +1563,37 @@
           <a:p>
             <a:pPr lvl="0"/>
             <a:r>
-              <a:rPr lang="en-US" smtClean="0"/>
+              <a:rPr lang="en-US"/>
               <a:t>Click to edit Master text styles</a:t>
             </a:r>
           </a:p>
           <a:p>
             <a:pPr lvl="1"/>
             <a:r>
-              <a:rPr lang="en-US" smtClean="0"/>
+              <a:rPr lang="en-US"/>
               <a:t>Second level</a:t>
             </a:r>
           </a:p>
           <a:p>
             <a:pPr lvl="2"/>
             <a:r>
-              <a:rPr lang="en-US" smtClean="0"/>
+              <a:rPr lang="en-US"/>
               <a:t>Third level</a:t>
             </a:r>
           </a:p>
           <a:p>
             <a:pPr lvl="3"/>
             <a:r>
-              <a:rPr lang="en-US" smtClean="0"/>
+              <a:rPr lang="en-US"/>
               <a:t>Fourth level</a:t>
             </a:r>
           </a:p>
           <a:p>
             <a:pPr lvl="4"/>
             <a:r>
-              <a:rPr lang="en-US" smtClean="0"/>
+              <a:rPr lang="en-US"/>
               <a:t>Fifth level</a:t>
             </a:r>
-            <a:endParaRPr lang="en-US"/>
           </a:p>
         </p:txBody>
       </p:sp>
@@ -1643,38 +1647,37 @@
           <a:p>
             <a:pPr lvl="0"/>
             <a:r>
-              <a:rPr lang="en-US" smtClean="0"/>
+              <a:rPr lang="en-US"/>
               <a:t>Click to edit Master text styles</a:t>
             </a:r>
           </a:p>
           <a:p>
             <a:pPr lvl="1"/>
             <a:r>
-              <a:rPr lang="en-US" smtClean="0"/>
+              <a:rPr lang="en-US"/>
               <a:t>Second level</a:t>
             </a:r>
           </a:p>
           <a:p>
             <a:pPr lvl="2"/>
             <a:r>
-              <a:rPr lang="en-US" smtClean="0"/>
+              <a:rPr lang="en-US"/>
               <a:t>Third level</a:t>
             </a:r>
           </a:p>
           <a:p>
             <a:pPr lvl="3"/>
             <a:r>
-              <a:rPr lang="en-US" smtClean="0"/>
+              <a:rPr lang="en-US"/>
               <a:t>Fourth level</a:t>
             </a:r>
           </a:p>
           <a:p>
             <a:pPr lvl="4"/>
             <a:r>
-              <a:rPr lang="en-US" smtClean="0"/>
+              <a:rPr lang="en-US"/>
               <a:t>Fifth level</a:t>
             </a:r>
-            <a:endParaRPr lang="en-US"/>
           </a:p>
         </p:txBody>
       </p:sp>
@@ -1695,7 +1698,7 @@
           <a:p>
             <a:fld id="{78C97017-6FC3-485B-9764-EAC9E56C1D49}" type="datetimeFigureOut">
               <a:rPr lang="en-US" smtClean="0"/>
-              <a:t>10/16/2016</a:t>
+              <a:t>10/16/2018</a:t>
             </a:fld>
             <a:endParaRPr lang="en-US"/>
           </a:p>
@@ -1793,10 +1796,9 @@
           </a:lstStyle>
           <a:p>
             <a:r>
-              <a:rPr lang="en-US" smtClean="0"/>
+              <a:rPr lang="en-US"/>
               <a:t>Click to edit Master title style</a:t>
             </a:r>
-            <a:endParaRPr lang="en-US"/>
           </a:p>
         </p:txBody>
       </p:sp>
@@ -1859,7 +1861,7 @@
           <a:p>
             <a:pPr lvl="0"/>
             <a:r>
-              <a:rPr lang="en-US" smtClean="0"/>
+              <a:rPr lang="en-US"/>
               <a:t>Click to edit Master text styles</a:t>
             </a:r>
           </a:p>
@@ -1915,38 +1917,37 @@
           <a:p>
             <a:pPr lvl="0"/>
             <a:r>
-              <a:rPr lang="en-US" smtClean="0"/>
+              <a:rPr lang="en-US"/>
               <a:t>Click to edit Master text styles</a:t>
             </a:r>
           </a:p>
           <a:p>
             <a:pPr lvl="1"/>
             <a:r>
-              <a:rPr lang="en-US" smtClean="0"/>
+              <a:rPr lang="en-US"/>
               <a:t>Second level</a:t>
             </a:r>
           </a:p>
           <a:p>
             <a:pPr lvl="2"/>
             <a:r>
-              <a:rPr lang="en-US" smtClean="0"/>
+              <a:rPr lang="en-US"/>
               <a:t>Third level</a:t>
             </a:r>
           </a:p>
           <a:p>
             <a:pPr lvl="3"/>
             <a:r>
-              <a:rPr lang="en-US" smtClean="0"/>
+              <a:rPr lang="en-US"/>
               <a:t>Fourth level</a:t>
             </a:r>
           </a:p>
           <a:p>
             <a:pPr lvl="4"/>
             <a:r>
-              <a:rPr lang="en-US" smtClean="0"/>
+              <a:rPr lang="en-US"/>
               <a:t>Fifth level</a:t>
             </a:r>
-            <a:endParaRPr lang="en-US"/>
           </a:p>
         </p:txBody>
       </p:sp>
@@ -2009,7 +2010,7 @@
           <a:p>
             <a:pPr lvl="0"/>
             <a:r>
-              <a:rPr lang="en-US" smtClean="0"/>
+              <a:rPr lang="en-US"/>
               <a:t>Click to edit Master text styles</a:t>
             </a:r>
           </a:p>
@@ -2065,38 +2066,37 @@
           <a:p>
             <a:pPr lvl="0"/>
             <a:r>
-              <a:rPr lang="en-US" smtClean="0"/>
+              <a:rPr lang="en-US"/>
               <a:t>Click to edit Master text styles</a:t>
             </a:r>
           </a:p>
           <a:p>
             <a:pPr lvl="1"/>
             <a:r>
-              <a:rPr lang="en-US" smtClean="0"/>
+              <a:rPr lang="en-US"/>
               <a:t>Second level</a:t>
             </a:r>
           </a:p>
           <a:p>
             <a:pPr lvl="2"/>
             <a:r>
-              <a:rPr lang="en-US" smtClean="0"/>
+              <a:rPr lang="en-US"/>
               <a:t>Third level</a:t>
             </a:r>
           </a:p>
           <a:p>
             <a:pPr lvl="3"/>
             <a:r>
-              <a:rPr lang="en-US" smtClean="0"/>
+              <a:rPr lang="en-US"/>
               <a:t>Fourth level</a:t>
             </a:r>
           </a:p>
           <a:p>
             <a:pPr lvl="4"/>
             <a:r>
-              <a:rPr lang="en-US" smtClean="0"/>
+              <a:rPr lang="en-US"/>
               <a:t>Fifth level</a:t>
             </a:r>
-            <a:endParaRPr lang="en-US"/>
           </a:p>
         </p:txBody>
       </p:sp>
@@ -2117,7 +2117,7 @@
           <a:p>
             <a:fld id="{78C97017-6FC3-485B-9764-EAC9E56C1D49}" type="datetimeFigureOut">
               <a:rPr lang="en-US" smtClean="0"/>
-              <a:t>10/16/2016</a:t>
+              <a:t>10/16/2018</a:t>
             </a:fld>
             <a:endParaRPr lang="en-US"/>
           </a:p>
@@ -2211,10 +2211,9 @@
           <a:lstStyle/>
           <a:p>
             <a:r>
-              <a:rPr lang="en-US" smtClean="0"/>
+              <a:rPr lang="en-US"/>
               <a:t>Click to edit Master title style</a:t>
             </a:r>
-            <a:endParaRPr lang="en-US"/>
           </a:p>
         </p:txBody>
       </p:sp>
@@ -2235,7 +2234,7 @@
           <a:p>
             <a:fld id="{78C97017-6FC3-485B-9764-EAC9E56C1D49}" type="datetimeFigureOut">
               <a:rPr lang="en-US" smtClean="0"/>
-              <a:t>10/16/2016</a:t>
+              <a:t>10/16/2018</a:t>
             </a:fld>
             <a:endParaRPr lang="en-US"/>
           </a:p>
@@ -2330,7 +2329,7 @@
           <a:p>
             <a:fld id="{78C97017-6FC3-485B-9764-EAC9E56C1D49}" type="datetimeFigureOut">
               <a:rPr lang="en-US" smtClean="0"/>
-              <a:t>10/16/2016</a:t>
+              <a:t>10/16/2018</a:t>
             </a:fld>
             <a:endParaRPr lang="en-US"/>
           </a:p>
@@ -2433,10 +2432,9 @@
           </a:lstStyle>
           <a:p>
             <a:r>
-              <a:rPr lang="en-US" smtClean="0"/>
+              <a:rPr lang="en-US"/>
               <a:t>Click to edit Master title style</a:t>
             </a:r>
-            <a:endParaRPr lang="en-US"/>
           </a:p>
         </p:txBody>
       </p:sp>
@@ -2490,38 +2488,37 @@
           <a:p>
             <a:pPr lvl="0"/>
             <a:r>
-              <a:rPr lang="en-US" smtClean="0"/>
+              <a:rPr lang="en-US"/>
               <a:t>Click to edit Master text styles</a:t>
             </a:r>
           </a:p>
           <a:p>
             <a:pPr lvl="1"/>
             <a:r>
-              <a:rPr lang="en-US" smtClean="0"/>
+              <a:rPr lang="en-US"/>
               <a:t>Second level</a:t>
             </a:r>
           </a:p>
           <a:p>
             <a:pPr lvl="2"/>
             <a:r>
-              <a:rPr lang="en-US" smtClean="0"/>
+              <a:rPr lang="en-US"/>
               <a:t>Third level</a:t>
             </a:r>
           </a:p>
           <a:p>
             <a:pPr lvl="3"/>
             <a:r>
-              <a:rPr lang="en-US" smtClean="0"/>
+              <a:rPr lang="en-US"/>
               <a:t>Fourth level</a:t>
             </a:r>
           </a:p>
           <a:p>
             <a:pPr lvl="4"/>
             <a:r>
-              <a:rPr lang="en-US" smtClean="0"/>
+              <a:rPr lang="en-US"/>
               <a:t>Fifth level</a:t>
             </a:r>
-            <a:endParaRPr lang="en-US"/>
           </a:p>
         </p:txBody>
       </p:sp>
@@ -2584,7 +2581,7 @@
           <a:p>
             <a:pPr lvl="0"/>
             <a:r>
-              <a:rPr lang="en-US" smtClean="0"/>
+              <a:rPr lang="en-US"/>
               <a:t>Click to edit Master text styles</a:t>
             </a:r>
           </a:p>
@@ -2607,7 +2604,7 @@
           <a:p>
             <a:fld id="{78C97017-6FC3-485B-9764-EAC9E56C1D49}" type="datetimeFigureOut">
               <a:rPr lang="en-US" smtClean="0"/>
-              <a:t>10/16/2016</a:t>
+              <a:t>10/16/2018</a:t>
             </a:fld>
             <a:endParaRPr lang="en-US"/>
           </a:p>
@@ -2710,10 +2707,9 @@
           </a:lstStyle>
           <a:p>
             <a:r>
-              <a:rPr lang="en-US" smtClean="0"/>
+              <a:rPr lang="en-US"/>
               <a:t>Click to edit Master title style</a:t>
             </a:r>
-            <a:endParaRPr lang="en-US"/>
           </a:p>
         </p:txBody>
       </p:sp>
@@ -2837,7 +2833,7 @@
           <a:p>
             <a:pPr lvl="0"/>
             <a:r>
-              <a:rPr lang="en-US" smtClean="0"/>
+              <a:rPr lang="en-US"/>
               <a:t>Click to edit Master text styles</a:t>
             </a:r>
           </a:p>
@@ -2860,7 +2856,7 @@
           <a:p>
             <a:fld id="{78C97017-6FC3-485B-9764-EAC9E56C1D49}" type="datetimeFigureOut">
               <a:rPr lang="en-US" smtClean="0"/>
-              <a:t>10/16/2016</a:t>
+              <a:t>10/16/2018</a:t>
             </a:fld>
             <a:endParaRPr lang="en-US"/>
           </a:p>
@@ -2969,10 +2965,9 @@
           <a:lstStyle/>
           <a:p>
             <a:r>
-              <a:rPr lang="en-US" smtClean="0"/>
+              <a:rPr lang="en-US"/>
               <a:t>Click to edit Master title style</a:t>
             </a:r>
-            <a:endParaRPr lang="en-US"/>
           </a:p>
         </p:txBody>
       </p:sp>
@@ -3003,38 +2998,37 @@
           <a:p>
             <a:pPr lvl="0"/>
             <a:r>
-              <a:rPr lang="en-US" smtClean="0"/>
+              <a:rPr lang="en-US"/>
               <a:t>Click to edit Master text styles</a:t>
             </a:r>
           </a:p>
           <a:p>
             <a:pPr lvl="1"/>
             <a:r>
-              <a:rPr lang="en-US" smtClean="0"/>
+              <a:rPr lang="en-US"/>
               <a:t>Second level</a:t>
             </a:r>
           </a:p>
           <a:p>
             <a:pPr lvl="2"/>
             <a:r>
-              <a:rPr lang="en-US" smtClean="0"/>
+              <a:rPr lang="en-US"/>
               <a:t>Third level</a:t>
             </a:r>
           </a:p>
           <a:p>
             <a:pPr lvl="3"/>
             <a:r>
-              <a:rPr lang="en-US" smtClean="0"/>
+              <a:rPr lang="en-US"/>
               <a:t>Fourth level</a:t>
             </a:r>
           </a:p>
           <a:p>
             <a:pPr lvl="4"/>
             <a:r>
-              <a:rPr lang="en-US" smtClean="0"/>
+              <a:rPr lang="en-US"/>
               <a:t>Fifth level</a:t>
             </a:r>
-            <a:endParaRPr lang="en-US"/>
           </a:p>
         </p:txBody>
       </p:sp>
@@ -3073,7 +3067,7 @@
           <a:p>
             <a:fld id="{78C97017-6FC3-485B-9764-EAC9E56C1D49}" type="datetimeFigureOut">
               <a:rPr lang="en-US" smtClean="0"/>
-              <a:t>10/16/2016</a:t>
+              <a:t>10/16/2018</a:t>
             </a:fld>
             <a:endParaRPr lang="en-US"/>
           </a:p>
@@ -3494,7 +3488,7 @@
           <a:lstStyle/>
           <a:p>
             <a:r>
-              <a:rPr lang="en-US" sz="1200" b="1" dirty="0" smtClean="0">
+              <a:rPr lang="en-US" sz="1200" b="1" dirty="0">
                 <a:solidFill>
                   <a:schemeClr val="accent6">
                     <a:lumMod val="75000"/>
@@ -3561,7 +3555,7 @@
           <a:p>
             <a:pPr algn="ctr"/>
             <a:r>
-              <a:rPr lang="en-US" sz="1050" dirty="0" smtClean="0">
+              <a:rPr lang="en-US" sz="1050" dirty="0">
                 <a:solidFill>
                   <a:schemeClr val="bg1"/>
                 </a:solidFill>
@@ -3569,19 +3563,19 @@
               <a:t>&lt;&lt;interface&gt;&gt;</a:t>
             </a:r>
             <a:br>
-              <a:rPr lang="en-US" sz="1050" dirty="0" smtClean="0">
+              <a:rPr lang="en-US" sz="1050" dirty="0">
                 <a:solidFill>
                   <a:schemeClr val="bg1"/>
                 </a:solidFill>
               </a:rPr>
             </a:br>
             <a:r>
-              <a:rPr lang="en-US" sz="1050" dirty="0" err="1" smtClean="0">
+              <a:rPr lang="en-US" sz="1050" dirty="0" err="1">
                 <a:solidFill>
                   <a:schemeClr val="bg1"/>
                 </a:solidFill>
               </a:rPr>
-              <a:t>AddressBookStorage</a:t>
+              <a:t>TodoListStorage</a:t>
             </a:r>
             <a:endParaRPr lang="en-SG" sz="1050" dirty="0">
               <a:solidFill>
@@ -3639,7 +3633,7 @@
           <a:p>
             <a:pPr algn="ctr"/>
             <a:r>
-              <a:rPr lang="en-US" sz="1050" dirty="0" err="1" smtClean="0">
+              <a:rPr lang="en-US" sz="1050" dirty="0" err="1">
                 <a:solidFill>
                   <a:schemeClr val="bg1"/>
                 </a:solidFill>
@@ -3713,7 +3707,7 @@
           <a:p>
             <a:pPr algn="ctr"/>
             <a:r>
-              <a:rPr lang="en-US" sz="1050" dirty="0" smtClean="0">
+              <a:rPr lang="en-US" sz="1050" dirty="0">
                 <a:solidFill>
                   <a:schemeClr val="bg1"/>
                 </a:solidFill>
@@ -4147,27 +4141,17 @@
           <a:p>
             <a:pPr algn="ctr"/>
             <a:r>
-              <a:rPr lang="en-US" sz="1050" b="1" dirty="0" err="1" smtClean="0">
+              <a:rPr lang="en-US" sz="1050" b="1" dirty="0" err="1">
                 <a:solidFill>
                   <a:schemeClr val="accent6">
                     <a:lumMod val="75000"/>
                   </a:schemeClr>
                 </a:solidFill>
               </a:rPr>
-              <a:t>XmlAddressBook</a:t>
-            </a:r>
-            <a:r>
-              <a:rPr lang="en-US" sz="1050" b="1" dirty="0" smtClean="0">
-                <a:solidFill>
-                  <a:schemeClr val="accent6">
-                    <a:lumMod val="75000"/>
-                  </a:schemeClr>
-                </a:solidFill>
-              </a:rPr>
-              <a:t/>
+              <a:t>XmlTodoList</a:t>
             </a:r>
             <a:br>
-              <a:rPr lang="en-US" sz="1050" b="1" dirty="0" smtClean="0">
+              <a:rPr lang="en-US" sz="1050" b="1" dirty="0">
                 <a:solidFill>
                   <a:schemeClr val="accent6">
                     <a:lumMod val="75000"/>
@@ -4176,7 +4160,7 @@
               </a:rPr>
             </a:br>
             <a:r>
-              <a:rPr lang="en-US" sz="1050" b="1" dirty="0" smtClean="0">
+              <a:rPr lang="en-US" sz="1050" b="1" dirty="0">
                 <a:solidFill>
                   <a:schemeClr val="accent6">
                     <a:lumMod val="75000"/>
@@ -4243,7 +4227,7 @@
           <a:p>
             <a:pPr algn="ctr"/>
             <a:r>
-              <a:rPr lang="en-US" sz="1050" dirty="0" smtClean="0">
+              <a:rPr lang="en-US" sz="1050" dirty="0">
                 <a:solidFill>
                   <a:schemeClr val="bg1"/>
                 </a:solidFill>
@@ -4251,14 +4235,14 @@
               <a:t>&lt;&lt;interface&gt;&gt;</a:t>
             </a:r>
             <a:br>
-              <a:rPr lang="en-US" sz="1050" dirty="0" smtClean="0">
+              <a:rPr lang="en-US" sz="1050" dirty="0">
                 <a:solidFill>
                   <a:schemeClr val="bg1"/>
                 </a:solidFill>
               </a:rPr>
             </a:br>
             <a:r>
-              <a:rPr lang="en-US" sz="1050" dirty="0" err="1" smtClean="0">
+              <a:rPr lang="en-US" sz="1050" dirty="0" err="1">
                 <a:solidFill>
                   <a:schemeClr val="bg1"/>
                 </a:solidFill>
@@ -4516,30 +4500,22 @@
           <a:p>
             <a:pPr algn="ctr"/>
             <a:r>
-              <a:rPr lang="en-US" sz="1050" dirty="0" err="1" smtClean="0">
+              <a:rPr lang="en-US" sz="1050" dirty="0" err="1">
                 <a:solidFill>
                   <a:schemeClr val="bg1"/>
                 </a:solidFill>
               </a:rPr>
               <a:t>JsonUserPrefs</a:t>
             </a:r>
-            <a:r>
-              <a:rPr lang="en-US" sz="1050" dirty="0" smtClean="0">
-                <a:solidFill>
-                  <a:schemeClr val="bg1"/>
-                </a:solidFill>
-              </a:rPr>
-              <a:t/>
-            </a:r>
             <a:br>
-              <a:rPr lang="en-US" sz="1050" dirty="0" smtClean="0">
+              <a:rPr lang="en-US" sz="1050" dirty="0">
                 <a:solidFill>
                   <a:schemeClr val="bg1"/>
                 </a:solidFill>
               </a:rPr>
             </a:br>
             <a:r>
-              <a:rPr lang="en-US" sz="1050" dirty="0" smtClean="0">
+              <a:rPr lang="en-US" sz="1050" dirty="0">
                 <a:solidFill>
                   <a:schemeClr val="bg1"/>
                 </a:solidFill>
@@ -4591,7 +4567,7 @@
           <a:p>
             <a:pPr algn="ctr"/>
             <a:r>
-              <a:rPr lang="en-US" sz="1050" b="1" dirty="0" err="1" smtClean="0">
+              <a:rPr lang="en-US" sz="1050" b="1" dirty="0" err="1">
                 <a:solidFill>
                   <a:schemeClr val="accent6">
                     <a:lumMod val="75000"/>
@@ -4600,18 +4576,8 @@
               </a:rPr>
               <a:t>XmlSerializable</a:t>
             </a:r>
-            <a:r>
-              <a:rPr lang="en-US" sz="1050" b="1" dirty="0" smtClean="0">
-                <a:solidFill>
-                  <a:schemeClr val="accent6">
-                    <a:lumMod val="75000"/>
-                  </a:schemeClr>
-                </a:solidFill>
-              </a:rPr>
-              <a:t/>
-            </a:r>
             <a:br>
-              <a:rPr lang="en-US" sz="1050" b="1" dirty="0" smtClean="0">
+              <a:rPr lang="en-US" sz="1050" b="1" dirty="0">
                 <a:solidFill>
                   <a:schemeClr val="accent6">
                     <a:lumMod val="75000"/>
@@ -4620,111 +4586,14 @@
               </a:rPr>
             </a:br>
             <a:r>
-              <a:rPr lang="en-US" sz="1050" b="1" dirty="0" err="1" smtClean="0">
+              <a:rPr lang="en-US" sz="1050" b="1" dirty="0" err="1">
                 <a:solidFill>
                   <a:schemeClr val="accent6">
                     <a:lumMod val="75000"/>
                   </a:schemeClr>
                 </a:solidFill>
               </a:rPr>
-              <a:t>AddressBook</a:t>
-            </a:r>
-            <a:endParaRPr lang="en-SG" sz="1050" b="1" dirty="0">
-              <a:solidFill>
-                <a:schemeClr val="accent6">
-                  <a:lumMod val="75000"/>
-                </a:schemeClr>
-              </a:solidFill>
-            </a:endParaRPr>
-          </a:p>
-        </p:txBody>
-      </p:sp>
-      <p:cxnSp>
-        <p:nvCxnSpPr>
-          <p:cNvPr id="70" name="Elbow Connector 122"/>
-          <p:cNvCxnSpPr>
-            <a:stCxn id="74" idx="0"/>
-            <a:endCxn id="73" idx="2"/>
-          </p:cNvCxnSpPr>
-          <p:nvPr/>
-        </p:nvCxnSpPr>
-        <p:spPr>
-          <a:xfrm rot="5400000" flipH="1" flipV="1">
-            <a:off x="8077993" y="2992020"/>
-            <a:ext cx="335208" cy="12700"/>
-          </a:xfrm>
-          <a:prstGeom prst="bentConnector3">
-            <a:avLst>
-              <a:gd name="adj1" fmla="val 50000"/>
-            </a:avLst>
-          </a:prstGeom>
-          <a:ln w="19050">
-            <a:prstDash val="sysDot"/>
-            <a:headEnd type="none" w="med" len="med"/>
-            <a:tailEnd type="arrow" w="med" len="med"/>
-          </a:ln>
-          <a:effectLst/>
-        </p:spPr>
-        <p:style>
-          <a:lnRef idx="1">
-            <a:schemeClr val="accent6"/>
-          </a:lnRef>
-          <a:fillRef idx="2">
-            <a:schemeClr val="accent6"/>
-          </a:fillRef>
-          <a:effectRef idx="1">
-            <a:schemeClr val="accent6"/>
-          </a:effectRef>
-          <a:fontRef idx="minor">
-            <a:schemeClr val="dk1"/>
-          </a:fontRef>
-        </p:style>
-      </p:cxnSp>
-      <p:sp>
-        <p:nvSpPr>
-          <p:cNvPr id="73" name="Rectangle 8"/>
-          <p:cNvSpPr/>
-          <p:nvPr/>
-        </p:nvSpPr>
-        <p:spPr>
-          <a:xfrm>
-            <a:off x="7615738" y="2477656"/>
-            <a:ext cx="1259718" cy="346760"/>
-          </a:xfrm>
-          <a:prstGeom prst="rect">
-            <a:avLst/>
-          </a:prstGeom>
-          <a:ln w="19050"/>
-          <a:effectLst/>
-        </p:spPr>
-        <p:style>
-          <a:lnRef idx="1">
-            <a:schemeClr val="accent6"/>
-          </a:lnRef>
-          <a:fillRef idx="2">
-            <a:schemeClr val="accent6"/>
-          </a:fillRef>
-          <a:effectRef idx="1">
-            <a:schemeClr val="accent6"/>
-          </a:effectRef>
-          <a:fontRef idx="minor">
-            <a:schemeClr val="dk1"/>
-          </a:fontRef>
-        </p:style>
-        <p:txBody>
-          <a:bodyPr rtlCol="0" anchor="ctr"/>
-          <a:lstStyle/>
-          <a:p>
-            <a:pPr algn="ctr"/>
-            <a:r>
-              <a:rPr lang="en-US" sz="1050" b="1" dirty="0" err="1" smtClean="0">
-                <a:solidFill>
-                  <a:schemeClr val="accent6">
-                    <a:lumMod val="75000"/>
-                  </a:schemeClr>
-                </a:solidFill>
-              </a:rPr>
-              <a:t>XmlAdaptedTag</a:t>
+              <a:t>TodoList</a:t>
             </a:r>
             <a:endParaRPr lang="en-SG" sz="1050" b="1" dirty="0">
               <a:solidFill>
@@ -4773,14 +4642,14 @@
           <a:p>
             <a:pPr algn="ctr"/>
             <a:r>
-              <a:rPr lang="en-US" sz="1050" b="1" dirty="0" err="1" smtClean="0">
+              <a:rPr lang="en-US" sz="1050" b="1" dirty="0" err="1">
                 <a:solidFill>
                   <a:schemeClr val="accent6">
                     <a:lumMod val="75000"/>
                   </a:schemeClr>
                 </a:solidFill>
               </a:rPr>
-              <a:t>XmlAdaptedPerson</a:t>
+              <a:t>XmlAdaptedTask</a:t>
             </a:r>
             <a:endParaRPr lang="en-SG" sz="1050" b="1" dirty="0">
               <a:solidFill>
@@ -4843,13 +4712,6 @@
   <p:clrMapOvr>
     <a:masterClrMapping/>
   </p:clrMapOvr>
-  <p:timing>
-    <p:tnLst>
-      <p:par>
-        <p:cTn id="1" dur="indefinite" restart="never" nodeType="tmRoot"/>
-      </p:par>
-    </p:tnLst>
-  </p:timing>
 </p:sld>
 </file>
 

--- a/docs/diagrams/StorageComponentClassDiagram.pptx
+++ b/docs/diagrams/StorageComponentClassDiagram.pptx
@@ -107,6 +107,22 @@
       </a:defRPr>
     </a:lvl9pPr>
   </p:defaultTextStyle>
+  <p:extLst>
+    <p:ext uri="{EFAFB233-063F-42B5-8137-9DF3F51BA10A}">
+      <p15:sldGuideLst xmlns:p15="http://schemas.microsoft.com/office/powerpoint/2012/main">
+        <p15:guide id="1" orient="horz" pos="1488">
+          <p15:clr>
+            <a:srgbClr val="A4A3A4"/>
+          </p15:clr>
+        </p15:guide>
+        <p15:guide id="2" pos="2880">
+          <p15:clr>
+            <a:srgbClr val="A4A3A4"/>
+          </p15:clr>
+        </p15:guide>
+      </p15:sldGuideLst>
+    </p:ext>
+  </p:extLst>
 </p:presentation>
 </file>
 
@@ -192,7 +208,7 @@
           <a:p>
             <a:fld id="{F5CC4B3F-88C1-4FFA-B1B6-F41C21DC6924}" type="datetimeFigureOut">
               <a:rPr lang="en-US" smtClean="0"/>
-              <a:t>10/16/2016</a:t>
+              <a:t>10/16/2018</a:t>
             </a:fld>
             <a:endParaRPr lang="en-US"/>
           </a:p>
@@ -256,38 +272,37 @@
           <a:p>
             <a:pPr lvl="0"/>
             <a:r>
-              <a:rPr lang="en-US" smtClean="0"/>
+              <a:rPr lang="en-US"/>
               <a:t>Click to edit Master text styles</a:t>
             </a:r>
           </a:p>
           <a:p>
             <a:pPr lvl="1"/>
             <a:r>
-              <a:rPr lang="en-US" smtClean="0"/>
+              <a:rPr lang="en-US"/>
               <a:t>Second level</a:t>
             </a:r>
           </a:p>
           <a:p>
             <a:pPr lvl="2"/>
             <a:r>
-              <a:rPr lang="en-US" smtClean="0"/>
+              <a:rPr lang="en-US"/>
               <a:t>Third level</a:t>
             </a:r>
           </a:p>
           <a:p>
             <a:pPr lvl="3"/>
             <a:r>
-              <a:rPr lang="en-US" smtClean="0"/>
+              <a:rPr lang="en-US"/>
               <a:t>Fourth level</a:t>
             </a:r>
           </a:p>
           <a:p>
             <a:pPr lvl="4"/>
             <a:r>
-              <a:rPr lang="en-US" smtClean="0"/>
+              <a:rPr lang="en-US"/>
               <a:t>Fifth level</a:t>
             </a:r>
-            <a:endParaRPr lang="en-US"/>
           </a:p>
         </p:txBody>
       </p:sp>
@@ -498,10 +513,9 @@
           <a:lstStyle/>
           <a:p>
             <a:r>
-              <a:rPr lang="en-US" smtClean="0"/>
+              <a:rPr lang="en-US"/>
               <a:t>Click to edit Master title style</a:t>
             </a:r>
-            <a:endParaRPr lang="en-US"/>
           </a:p>
         </p:txBody>
       </p:sp>
@@ -617,10 +631,9 @@
           </a:lstStyle>
           <a:p>
             <a:r>
-              <a:rPr lang="en-US" smtClean="0"/>
+              <a:rPr lang="en-US"/>
               <a:t>Click to edit Master subtitle style</a:t>
             </a:r>
-            <a:endParaRPr lang="en-US"/>
           </a:p>
         </p:txBody>
       </p:sp>
@@ -641,7 +654,7 @@
           <a:p>
             <a:fld id="{78C97017-6FC3-485B-9764-EAC9E56C1D49}" type="datetimeFigureOut">
               <a:rPr lang="en-US" smtClean="0"/>
-              <a:t>10/16/2016</a:t>
+              <a:t>10/16/2018</a:t>
             </a:fld>
             <a:endParaRPr lang="en-US"/>
           </a:p>
@@ -735,10 +748,9 @@
           <a:lstStyle/>
           <a:p>
             <a:r>
-              <a:rPr lang="en-US" smtClean="0"/>
+              <a:rPr lang="en-US"/>
               <a:t>Click to edit Master title style</a:t>
             </a:r>
-            <a:endParaRPr lang="en-US"/>
           </a:p>
         </p:txBody>
       </p:sp>
@@ -759,38 +771,37 @@
           <a:p>
             <a:pPr lvl="0"/>
             <a:r>
-              <a:rPr lang="en-US" smtClean="0"/>
+              <a:rPr lang="en-US"/>
               <a:t>Click to edit Master text styles</a:t>
             </a:r>
           </a:p>
           <a:p>
             <a:pPr lvl="1"/>
             <a:r>
-              <a:rPr lang="en-US" smtClean="0"/>
+              <a:rPr lang="en-US"/>
               <a:t>Second level</a:t>
             </a:r>
           </a:p>
           <a:p>
             <a:pPr lvl="2"/>
             <a:r>
-              <a:rPr lang="en-US" smtClean="0"/>
+              <a:rPr lang="en-US"/>
               <a:t>Third level</a:t>
             </a:r>
           </a:p>
           <a:p>
             <a:pPr lvl="3"/>
             <a:r>
-              <a:rPr lang="en-US" smtClean="0"/>
+              <a:rPr lang="en-US"/>
               <a:t>Fourth level</a:t>
             </a:r>
           </a:p>
           <a:p>
             <a:pPr lvl="4"/>
             <a:r>
-              <a:rPr lang="en-US" smtClean="0"/>
+              <a:rPr lang="en-US"/>
               <a:t>Fifth level</a:t>
             </a:r>
-            <a:endParaRPr lang="en-US"/>
           </a:p>
         </p:txBody>
       </p:sp>
@@ -811,7 +822,7 @@
           <a:p>
             <a:fld id="{78C97017-6FC3-485B-9764-EAC9E56C1D49}" type="datetimeFigureOut">
               <a:rPr lang="en-US" smtClean="0"/>
-              <a:t>10/16/2016</a:t>
+              <a:t>10/16/2018</a:t>
             </a:fld>
             <a:endParaRPr lang="en-US"/>
           </a:p>
@@ -910,10 +921,9 @@
           <a:lstStyle/>
           <a:p>
             <a:r>
-              <a:rPr lang="en-US" smtClean="0"/>
+              <a:rPr lang="en-US"/>
               <a:t>Click to edit Master title style</a:t>
             </a:r>
-            <a:endParaRPr lang="en-US"/>
           </a:p>
         </p:txBody>
       </p:sp>
@@ -939,38 +949,37 @@
           <a:p>
             <a:pPr lvl="0"/>
             <a:r>
-              <a:rPr lang="en-US" smtClean="0"/>
+              <a:rPr lang="en-US"/>
               <a:t>Click to edit Master text styles</a:t>
             </a:r>
           </a:p>
           <a:p>
             <a:pPr lvl="1"/>
             <a:r>
-              <a:rPr lang="en-US" smtClean="0"/>
+              <a:rPr lang="en-US"/>
               <a:t>Second level</a:t>
             </a:r>
           </a:p>
           <a:p>
             <a:pPr lvl="2"/>
             <a:r>
-              <a:rPr lang="en-US" smtClean="0"/>
+              <a:rPr lang="en-US"/>
               <a:t>Third level</a:t>
             </a:r>
           </a:p>
           <a:p>
             <a:pPr lvl="3"/>
             <a:r>
-              <a:rPr lang="en-US" smtClean="0"/>
+              <a:rPr lang="en-US"/>
               <a:t>Fourth level</a:t>
             </a:r>
           </a:p>
           <a:p>
             <a:pPr lvl="4"/>
             <a:r>
-              <a:rPr lang="en-US" smtClean="0"/>
+              <a:rPr lang="en-US"/>
               <a:t>Fifth level</a:t>
             </a:r>
-            <a:endParaRPr lang="en-US"/>
           </a:p>
         </p:txBody>
       </p:sp>
@@ -991,7 +1000,7 @@
           <a:p>
             <a:fld id="{78C97017-6FC3-485B-9764-EAC9E56C1D49}" type="datetimeFigureOut">
               <a:rPr lang="en-US" smtClean="0"/>
-              <a:t>10/16/2016</a:t>
+              <a:t>10/16/2018</a:t>
             </a:fld>
             <a:endParaRPr lang="en-US"/>
           </a:p>
@@ -1085,10 +1094,9 @@
           <a:lstStyle/>
           <a:p>
             <a:r>
-              <a:rPr lang="en-US" smtClean="0"/>
+              <a:rPr lang="en-US"/>
               <a:t>Click to edit Master title style</a:t>
             </a:r>
-            <a:endParaRPr lang="en-US"/>
           </a:p>
         </p:txBody>
       </p:sp>
@@ -1109,38 +1117,37 @@
           <a:p>
             <a:pPr lvl="0"/>
             <a:r>
-              <a:rPr lang="en-US" smtClean="0"/>
+              <a:rPr lang="en-US"/>
               <a:t>Click to edit Master text styles</a:t>
             </a:r>
           </a:p>
           <a:p>
             <a:pPr lvl="1"/>
             <a:r>
-              <a:rPr lang="en-US" smtClean="0"/>
+              <a:rPr lang="en-US"/>
               <a:t>Second level</a:t>
             </a:r>
           </a:p>
           <a:p>
             <a:pPr lvl="2"/>
             <a:r>
-              <a:rPr lang="en-US" smtClean="0"/>
+              <a:rPr lang="en-US"/>
               <a:t>Third level</a:t>
             </a:r>
           </a:p>
           <a:p>
             <a:pPr lvl="3"/>
             <a:r>
-              <a:rPr lang="en-US" smtClean="0"/>
+              <a:rPr lang="en-US"/>
               <a:t>Fourth level</a:t>
             </a:r>
           </a:p>
           <a:p>
             <a:pPr lvl="4"/>
             <a:r>
-              <a:rPr lang="en-US" smtClean="0"/>
+              <a:rPr lang="en-US"/>
               <a:t>Fifth level</a:t>
             </a:r>
-            <a:endParaRPr lang="en-US"/>
           </a:p>
         </p:txBody>
       </p:sp>
@@ -1161,7 +1168,7 @@
           <a:p>
             <a:fld id="{78C97017-6FC3-485B-9764-EAC9E56C1D49}" type="datetimeFigureOut">
               <a:rPr lang="en-US" smtClean="0"/>
-              <a:t>10/16/2016</a:t>
+              <a:t>10/16/2018</a:t>
             </a:fld>
             <a:endParaRPr lang="en-US"/>
           </a:p>
@@ -1264,10 +1271,9 @@
           </a:lstStyle>
           <a:p>
             <a:r>
-              <a:rPr lang="en-US" smtClean="0"/>
+              <a:rPr lang="en-US"/>
               <a:t>Click to edit Master title style</a:t>
             </a:r>
-            <a:endParaRPr lang="en-US"/>
           </a:p>
         </p:txBody>
       </p:sp>
@@ -1384,7 +1390,7 @@
           <a:p>
             <a:pPr lvl="0"/>
             <a:r>
-              <a:rPr lang="en-US" smtClean="0"/>
+              <a:rPr lang="en-US"/>
               <a:t>Click to edit Master text styles</a:t>
             </a:r>
           </a:p>
@@ -1407,7 +1413,7 @@
           <a:p>
             <a:fld id="{78C97017-6FC3-485B-9764-EAC9E56C1D49}" type="datetimeFigureOut">
               <a:rPr lang="en-US" smtClean="0"/>
-              <a:t>10/16/2016</a:t>
+              <a:t>10/16/2018</a:t>
             </a:fld>
             <a:endParaRPr lang="en-US"/>
           </a:p>
@@ -1501,10 +1507,9 @@
           <a:lstStyle/>
           <a:p>
             <a:r>
-              <a:rPr lang="en-US" smtClean="0"/>
+              <a:rPr lang="en-US"/>
               <a:t>Click to edit Master title style</a:t>
             </a:r>
-            <a:endParaRPr lang="en-US"/>
           </a:p>
         </p:txBody>
       </p:sp>
@@ -1558,38 +1563,37 @@
           <a:p>
             <a:pPr lvl="0"/>
             <a:r>
-              <a:rPr lang="en-US" smtClean="0"/>
+              <a:rPr lang="en-US"/>
               <a:t>Click to edit Master text styles</a:t>
             </a:r>
           </a:p>
           <a:p>
             <a:pPr lvl="1"/>
             <a:r>
-              <a:rPr lang="en-US" smtClean="0"/>
+              <a:rPr lang="en-US"/>
               <a:t>Second level</a:t>
             </a:r>
           </a:p>
           <a:p>
             <a:pPr lvl="2"/>
             <a:r>
-              <a:rPr lang="en-US" smtClean="0"/>
+              <a:rPr lang="en-US"/>
               <a:t>Third level</a:t>
             </a:r>
           </a:p>
           <a:p>
             <a:pPr lvl="3"/>
             <a:r>
-              <a:rPr lang="en-US" smtClean="0"/>
+              <a:rPr lang="en-US"/>
               <a:t>Fourth level</a:t>
             </a:r>
           </a:p>
           <a:p>
             <a:pPr lvl="4"/>
             <a:r>
-              <a:rPr lang="en-US" smtClean="0"/>
+              <a:rPr lang="en-US"/>
               <a:t>Fifth level</a:t>
             </a:r>
-            <a:endParaRPr lang="en-US"/>
           </a:p>
         </p:txBody>
       </p:sp>
@@ -1643,38 +1647,37 @@
           <a:p>
             <a:pPr lvl="0"/>
             <a:r>
-              <a:rPr lang="en-US" smtClean="0"/>
+              <a:rPr lang="en-US"/>
               <a:t>Click to edit Master text styles</a:t>
             </a:r>
           </a:p>
           <a:p>
             <a:pPr lvl="1"/>
             <a:r>
-              <a:rPr lang="en-US" smtClean="0"/>
+              <a:rPr lang="en-US"/>
               <a:t>Second level</a:t>
             </a:r>
           </a:p>
           <a:p>
             <a:pPr lvl="2"/>
             <a:r>
-              <a:rPr lang="en-US" smtClean="0"/>
+              <a:rPr lang="en-US"/>
               <a:t>Third level</a:t>
             </a:r>
           </a:p>
           <a:p>
             <a:pPr lvl="3"/>
             <a:r>
-              <a:rPr lang="en-US" smtClean="0"/>
+              <a:rPr lang="en-US"/>
               <a:t>Fourth level</a:t>
             </a:r>
           </a:p>
           <a:p>
             <a:pPr lvl="4"/>
             <a:r>
-              <a:rPr lang="en-US" smtClean="0"/>
+              <a:rPr lang="en-US"/>
               <a:t>Fifth level</a:t>
             </a:r>
-            <a:endParaRPr lang="en-US"/>
           </a:p>
         </p:txBody>
       </p:sp>
@@ -1695,7 +1698,7 @@
           <a:p>
             <a:fld id="{78C97017-6FC3-485B-9764-EAC9E56C1D49}" type="datetimeFigureOut">
               <a:rPr lang="en-US" smtClean="0"/>
-              <a:t>10/16/2016</a:t>
+              <a:t>10/16/2018</a:t>
             </a:fld>
             <a:endParaRPr lang="en-US"/>
           </a:p>
@@ -1793,10 +1796,9 @@
           </a:lstStyle>
           <a:p>
             <a:r>
-              <a:rPr lang="en-US" smtClean="0"/>
+              <a:rPr lang="en-US"/>
               <a:t>Click to edit Master title style</a:t>
             </a:r>
-            <a:endParaRPr lang="en-US"/>
           </a:p>
         </p:txBody>
       </p:sp>
@@ -1859,7 +1861,7 @@
           <a:p>
             <a:pPr lvl="0"/>
             <a:r>
-              <a:rPr lang="en-US" smtClean="0"/>
+              <a:rPr lang="en-US"/>
               <a:t>Click to edit Master text styles</a:t>
             </a:r>
           </a:p>
@@ -1915,38 +1917,37 @@
           <a:p>
             <a:pPr lvl="0"/>
             <a:r>
-              <a:rPr lang="en-US" smtClean="0"/>
+              <a:rPr lang="en-US"/>
               <a:t>Click to edit Master text styles</a:t>
             </a:r>
           </a:p>
           <a:p>
             <a:pPr lvl="1"/>
             <a:r>
-              <a:rPr lang="en-US" smtClean="0"/>
+              <a:rPr lang="en-US"/>
               <a:t>Second level</a:t>
             </a:r>
           </a:p>
           <a:p>
             <a:pPr lvl="2"/>
             <a:r>
-              <a:rPr lang="en-US" smtClean="0"/>
+              <a:rPr lang="en-US"/>
               <a:t>Third level</a:t>
             </a:r>
           </a:p>
           <a:p>
             <a:pPr lvl="3"/>
             <a:r>
-              <a:rPr lang="en-US" smtClean="0"/>
+              <a:rPr lang="en-US"/>
               <a:t>Fourth level</a:t>
             </a:r>
           </a:p>
           <a:p>
             <a:pPr lvl="4"/>
             <a:r>
-              <a:rPr lang="en-US" smtClean="0"/>
+              <a:rPr lang="en-US"/>
               <a:t>Fifth level</a:t>
             </a:r>
-            <a:endParaRPr lang="en-US"/>
           </a:p>
         </p:txBody>
       </p:sp>
@@ -2009,7 +2010,7 @@
           <a:p>
             <a:pPr lvl="0"/>
             <a:r>
-              <a:rPr lang="en-US" smtClean="0"/>
+              <a:rPr lang="en-US"/>
               <a:t>Click to edit Master text styles</a:t>
             </a:r>
           </a:p>
@@ -2065,38 +2066,37 @@
           <a:p>
             <a:pPr lvl="0"/>
             <a:r>
-              <a:rPr lang="en-US" smtClean="0"/>
+              <a:rPr lang="en-US"/>
               <a:t>Click to edit Master text styles</a:t>
             </a:r>
           </a:p>
           <a:p>
             <a:pPr lvl="1"/>
             <a:r>
-              <a:rPr lang="en-US" smtClean="0"/>
+              <a:rPr lang="en-US"/>
               <a:t>Second level</a:t>
             </a:r>
           </a:p>
           <a:p>
             <a:pPr lvl="2"/>
             <a:r>
-              <a:rPr lang="en-US" smtClean="0"/>
+              <a:rPr lang="en-US"/>
               <a:t>Third level</a:t>
             </a:r>
           </a:p>
           <a:p>
             <a:pPr lvl="3"/>
             <a:r>
-              <a:rPr lang="en-US" smtClean="0"/>
+              <a:rPr lang="en-US"/>
               <a:t>Fourth level</a:t>
             </a:r>
           </a:p>
           <a:p>
             <a:pPr lvl="4"/>
             <a:r>
-              <a:rPr lang="en-US" smtClean="0"/>
+              <a:rPr lang="en-US"/>
               <a:t>Fifth level</a:t>
             </a:r>
-            <a:endParaRPr lang="en-US"/>
           </a:p>
         </p:txBody>
       </p:sp>
@@ -2117,7 +2117,7 @@
           <a:p>
             <a:fld id="{78C97017-6FC3-485B-9764-EAC9E56C1D49}" type="datetimeFigureOut">
               <a:rPr lang="en-US" smtClean="0"/>
-              <a:t>10/16/2016</a:t>
+              <a:t>10/16/2018</a:t>
             </a:fld>
             <a:endParaRPr lang="en-US"/>
           </a:p>
@@ -2211,10 +2211,9 @@
           <a:lstStyle/>
           <a:p>
             <a:r>
-              <a:rPr lang="en-US" smtClean="0"/>
+              <a:rPr lang="en-US"/>
               <a:t>Click to edit Master title style</a:t>
             </a:r>
-            <a:endParaRPr lang="en-US"/>
           </a:p>
         </p:txBody>
       </p:sp>
@@ -2235,7 +2234,7 @@
           <a:p>
             <a:fld id="{78C97017-6FC3-485B-9764-EAC9E56C1D49}" type="datetimeFigureOut">
               <a:rPr lang="en-US" smtClean="0"/>
-              <a:t>10/16/2016</a:t>
+              <a:t>10/16/2018</a:t>
             </a:fld>
             <a:endParaRPr lang="en-US"/>
           </a:p>
@@ -2330,7 +2329,7 @@
           <a:p>
             <a:fld id="{78C97017-6FC3-485B-9764-EAC9E56C1D49}" type="datetimeFigureOut">
               <a:rPr lang="en-US" smtClean="0"/>
-              <a:t>10/16/2016</a:t>
+              <a:t>10/16/2018</a:t>
             </a:fld>
             <a:endParaRPr lang="en-US"/>
           </a:p>
@@ -2433,10 +2432,9 @@
           </a:lstStyle>
           <a:p>
             <a:r>
-              <a:rPr lang="en-US" smtClean="0"/>
+              <a:rPr lang="en-US"/>
               <a:t>Click to edit Master title style</a:t>
             </a:r>
-            <a:endParaRPr lang="en-US"/>
           </a:p>
         </p:txBody>
       </p:sp>
@@ -2490,38 +2488,37 @@
           <a:p>
             <a:pPr lvl="0"/>
             <a:r>
-              <a:rPr lang="en-US" smtClean="0"/>
+              <a:rPr lang="en-US"/>
               <a:t>Click to edit Master text styles</a:t>
             </a:r>
           </a:p>
           <a:p>
             <a:pPr lvl="1"/>
             <a:r>
-              <a:rPr lang="en-US" smtClean="0"/>
+              <a:rPr lang="en-US"/>
               <a:t>Second level</a:t>
             </a:r>
           </a:p>
           <a:p>
             <a:pPr lvl="2"/>
             <a:r>
-              <a:rPr lang="en-US" smtClean="0"/>
+              <a:rPr lang="en-US"/>
               <a:t>Third level</a:t>
             </a:r>
           </a:p>
           <a:p>
             <a:pPr lvl="3"/>
             <a:r>
-              <a:rPr lang="en-US" smtClean="0"/>
+              <a:rPr lang="en-US"/>
               <a:t>Fourth level</a:t>
             </a:r>
           </a:p>
           <a:p>
             <a:pPr lvl="4"/>
             <a:r>
-              <a:rPr lang="en-US" smtClean="0"/>
+              <a:rPr lang="en-US"/>
               <a:t>Fifth level</a:t>
             </a:r>
-            <a:endParaRPr lang="en-US"/>
           </a:p>
         </p:txBody>
       </p:sp>
@@ -2584,7 +2581,7 @@
           <a:p>
             <a:pPr lvl="0"/>
             <a:r>
-              <a:rPr lang="en-US" smtClean="0"/>
+              <a:rPr lang="en-US"/>
               <a:t>Click to edit Master text styles</a:t>
             </a:r>
           </a:p>
@@ -2607,7 +2604,7 @@
           <a:p>
             <a:fld id="{78C97017-6FC3-485B-9764-EAC9E56C1D49}" type="datetimeFigureOut">
               <a:rPr lang="en-US" smtClean="0"/>
-              <a:t>10/16/2016</a:t>
+              <a:t>10/16/2018</a:t>
             </a:fld>
             <a:endParaRPr lang="en-US"/>
           </a:p>
@@ -2710,10 +2707,9 @@
           </a:lstStyle>
           <a:p>
             <a:r>
-              <a:rPr lang="en-US" smtClean="0"/>
+              <a:rPr lang="en-US"/>
               <a:t>Click to edit Master title style</a:t>
             </a:r>
-            <a:endParaRPr lang="en-US"/>
           </a:p>
         </p:txBody>
       </p:sp>
@@ -2837,7 +2833,7 @@
           <a:p>
             <a:pPr lvl="0"/>
             <a:r>
-              <a:rPr lang="en-US" smtClean="0"/>
+              <a:rPr lang="en-US"/>
               <a:t>Click to edit Master text styles</a:t>
             </a:r>
           </a:p>
@@ -2860,7 +2856,7 @@
           <a:p>
             <a:fld id="{78C97017-6FC3-485B-9764-EAC9E56C1D49}" type="datetimeFigureOut">
               <a:rPr lang="en-US" smtClean="0"/>
-              <a:t>10/16/2016</a:t>
+              <a:t>10/16/2018</a:t>
             </a:fld>
             <a:endParaRPr lang="en-US"/>
           </a:p>
@@ -2969,10 +2965,9 @@
           <a:lstStyle/>
           <a:p>
             <a:r>
-              <a:rPr lang="en-US" smtClean="0"/>
+              <a:rPr lang="en-US"/>
               <a:t>Click to edit Master title style</a:t>
             </a:r>
-            <a:endParaRPr lang="en-US"/>
           </a:p>
         </p:txBody>
       </p:sp>
@@ -3003,38 +2998,37 @@
           <a:p>
             <a:pPr lvl="0"/>
             <a:r>
-              <a:rPr lang="en-US" smtClean="0"/>
+              <a:rPr lang="en-US"/>
               <a:t>Click to edit Master text styles</a:t>
             </a:r>
           </a:p>
           <a:p>
             <a:pPr lvl="1"/>
             <a:r>
-              <a:rPr lang="en-US" smtClean="0"/>
+              <a:rPr lang="en-US"/>
               <a:t>Second level</a:t>
             </a:r>
           </a:p>
           <a:p>
             <a:pPr lvl="2"/>
             <a:r>
-              <a:rPr lang="en-US" smtClean="0"/>
+              <a:rPr lang="en-US"/>
               <a:t>Third level</a:t>
             </a:r>
           </a:p>
           <a:p>
             <a:pPr lvl="3"/>
             <a:r>
-              <a:rPr lang="en-US" smtClean="0"/>
+              <a:rPr lang="en-US"/>
               <a:t>Fourth level</a:t>
             </a:r>
           </a:p>
           <a:p>
             <a:pPr lvl="4"/>
             <a:r>
-              <a:rPr lang="en-US" smtClean="0"/>
+              <a:rPr lang="en-US"/>
               <a:t>Fifth level</a:t>
             </a:r>
-            <a:endParaRPr lang="en-US"/>
           </a:p>
         </p:txBody>
       </p:sp>
@@ -3073,7 +3067,7 @@
           <a:p>
             <a:fld id="{78C97017-6FC3-485B-9764-EAC9E56C1D49}" type="datetimeFigureOut">
               <a:rPr lang="en-US" smtClean="0"/>
-              <a:t>10/16/2016</a:t>
+              <a:t>10/16/2018</a:t>
             </a:fld>
             <a:endParaRPr lang="en-US"/>
           </a:p>
@@ -3457,7 +3451,7 @@
         <p:spPr>
           <a:xfrm>
             <a:off x="1119865" y="2086382"/>
-            <a:ext cx="7871735" cy="1723618"/>
+            <a:ext cx="7871735" cy="2406558"/>
           </a:xfrm>
           <a:prstGeom prst="roundRect">
             <a:avLst>
@@ -3494,7 +3488,7 @@
           <a:lstStyle/>
           <a:p>
             <a:r>
-              <a:rPr lang="en-US" sz="1200" b="1" dirty="0" smtClean="0">
+              <a:rPr lang="en-US" sz="1200" b="1" dirty="0">
                 <a:solidFill>
                   <a:schemeClr val="accent6">
                     <a:lumMod val="75000"/>
@@ -3561,7 +3555,7 @@
           <a:p>
             <a:pPr algn="ctr"/>
             <a:r>
-              <a:rPr lang="en-US" sz="1050" dirty="0" smtClean="0">
+              <a:rPr lang="en-US" sz="1050" dirty="0">
                 <a:solidFill>
                   <a:schemeClr val="bg1"/>
                 </a:solidFill>
@@ -3569,14 +3563,14 @@
               <a:t>&lt;&lt;interface&gt;&gt;</a:t>
             </a:r>
             <a:br>
-              <a:rPr lang="en-US" sz="1050" dirty="0" smtClean="0">
+              <a:rPr lang="en-US" sz="1050" dirty="0">
                 <a:solidFill>
                   <a:schemeClr val="bg1"/>
                 </a:solidFill>
               </a:rPr>
             </a:br>
             <a:r>
-              <a:rPr lang="en-US" sz="1050" dirty="0" err="1" smtClean="0">
+              <a:rPr lang="en-US" sz="1050" dirty="0" err="1">
                 <a:solidFill>
                   <a:schemeClr val="bg1"/>
                 </a:solidFill>
@@ -3599,8 +3593,8 @@
         </p:nvSpPr>
         <p:spPr>
           <a:xfrm rot="16200000">
-            <a:off x="1683963" y="2868687"/>
-            <a:ext cx="1093635" cy="346760"/>
+            <a:off x="1382906" y="3169744"/>
+            <a:ext cx="1695750" cy="346760"/>
           </a:xfrm>
           <a:prstGeom prst="rect">
             <a:avLst/>
@@ -3639,7 +3633,7 @@
           <a:p>
             <a:pPr algn="ctr"/>
             <a:r>
-              <a:rPr lang="en-US" sz="1050" dirty="0" err="1" smtClean="0">
+              <a:rPr lang="en-US" sz="1050" dirty="0" err="1">
                 <a:solidFill>
                   <a:schemeClr val="bg1"/>
                 </a:solidFill>
@@ -3662,8 +3656,8 @@
         </p:nvSpPr>
         <p:spPr>
           <a:xfrm rot="16200000">
-            <a:off x="956202" y="2861202"/>
-            <a:ext cx="1093635" cy="346760"/>
+            <a:off x="651402" y="3166002"/>
+            <a:ext cx="1703235" cy="346760"/>
           </a:xfrm>
           <a:prstGeom prst="rect">
             <a:avLst/>
@@ -3713,7 +3707,7 @@
           <a:p>
             <a:pPr algn="ctr"/>
             <a:r>
-              <a:rPr lang="en-US" sz="1050" dirty="0" smtClean="0">
+              <a:rPr lang="en-US" sz="1050" dirty="0">
                 <a:solidFill>
                   <a:schemeClr val="bg1"/>
                 </a:solidFill>
@@ -3736,7 +3730,7 @@
         </p:nvSpPr>
         <p:spPr>
           <a:xfrm rot="16200000">
-            <a:off x="1626910" y="2952291"/>
+            <a:off x="1608312" y="3289138"/>
             <a:ext cx="270504" cy="175523"/>
           </a:xfrm>
           <a:prstGeom prst="triangle">
@@ -3834,7 +3828,7 @@
         </p:nvCxnSpPr>
         <p:spPr>
           <a:xfrm>
-            <a:off x="910091" y="3040053"/>
+            <a:off x="902275" y="3376899"/>
             <a:ext cx="419548" cy="2860"/>
           </a:xfrm>
           <a:prstGeom prst="bentConnector3">
@@ -3879,7 +3873,7 @@
         </p:nvCxnSpPr>
         <p:spPr>
           <a:xfrm flipV="1">
-            <a:off x="1849924" y="3040052"/>
+            <a:off x="1831326" y="3376899"/>
             <a:ext cx="216105" cy="1"/>
           </a:xfrm>
           <a:prstGeom prst="line">
@@ -4147,7 +4141,7 @@
           <a:p>
             <a:pPr algn="ctr"/>
             <a:r>
-              <a:rPr lang="en-US" sz="1050" b="1" dirty="0" err="1" smtClean="0">
+              <a:rPr lang="en-US" sz="1050" b="1" dirty="0" err="1">
                 <a:solidFill>
                   <a:schemeClr val="accent6">
                     <a:lumMod val="75000"/>
@@ -4156,18 +4150,8 @@
               </a:rPr>
               <a:t>XmlAddressBook</a:t>
             </a:r>
-            <a:r>
-              <a:rPr lang="en-US" sz="1050" b="1" dirty="0" smtClean="0">
-                <a:solidFill>
-                  <a:schemeClr val="accent6">
-                    <a:lumMod val="75000"/>
-                  </a:schemeClr>
-                </a:solidFill>
-              </a:rPr>
-              <a:t/>
-            </a:r>
             <a:br>
-              <a:rPr lang="en-US" sz="1050" b="1" dirty="0" smtClean="0">
+              <a:rPr lang="en-US" sz="1050" b="1" dirty="0">
                 <a:solidFill>
                   <a:schemeClr val="accent6">
                     <a:lumMod val="75000"/>
@@ -4176,7 +4160,7 @@
               </a:rPr>
             </a:br>
             <a:r>
-              <a:rPr lang="en-US" sz="1050" b="1" dirty="0" smtClean="0">
+              <a:rPr lang="en-US" sz="1050" b="1" dirty="0">
                 <a:solidFill>
                   <a:schemeClr val="accent6">
                     <a:lumMod val="75000"/>
@@ -4243,7 +4227,7 @@
           <a:p>
             <a:pPr algn="ctr"/>
             <a:r>
-              <a:rPr lang="en-US" sz="1050" dirty="0" smtClean="0">
+              <a:rPr lang="en-US" sz="1050" dirty="0">
                 <a:solidFill>
                   <a:schemeClr val="bg1"/>
                 </a:solidFill>
@@ -4251,14 +4235,14 @@
               <a:t>&lt;&lt;interface&gt;&gt;</a:t>
             </a:r>
             <a:br>
-              <a:rPr lang="en-US" sz="1050" dirty="0" smtClean="0">
+              <a:rPr lang="en-US" sz="1050" dirty="0">
                 <a:solidFill>
                   <a:schemeClr val="bg1"/>
                 </a:solidFill>
               </a:rPr>
             </a:br>
             <a:r>
-              <a:rPr lang="en-US" sz="1050" dirty="0" err="1" smtClean="0">
+              <a:rPr lang="en-US" sz="1050" dirty="0" err="1">
                 <a:solidFill>
                   <a:schemeClr val="bg1"/>
                 </a:solidFill>
@@ -4516,30 +4500,22 @@
           <a:p>
             <a:pPr algn="ctr"/>
             <a:r>
-              <a:rPr lang="en-US" sz="1050" dirty="0" err="1" smtClean="0">
+              <a:rPr lang="en-US" sz="1050" dirty="0" err="1">
                 <a:solidFill>
                   <a:schemeClr val="bg1"/>
                 </a:solidFill>
               </a:rPr>
               <a:t>JsonUserPrefs</a:t>
             </a:r>
-            <a:r>
-              <a:rPr lang="en-US" sz="1050" dirty="0" smtClean="0">
-                <a:solidFill>
-                  <a:schemeClr val="bg1"/>
-                </a:solidFill>
-              </a:rPr>
-              <a:t/>
-            </a:r>
             <a:br>
-              <a:rPr lang="en-US" sz="1050" dirty="0" smtClean="0">
+              <a:rPr lang="en-US" sz="1050" dirty="0">
                 <a:solidFill>
                   <a:schemeClr val="bg1"/>
                 </a:solidFill>
               </a:rPr>
             </a:br>
             <a:r>
-              <a:rPr lang="en-US" sz="1050" dirty="0" smtClean="0">
+              <a:rPr lang="en-US" sz="1050" dirty="0">
                 <a:solidFill>
                   <a:schemeClr val="bg1"/>
                 </a:solidFill>
@@ -4591,7 +4567,7 @@
           <a:p>
             <a:pPr algn="ctr"/>
             <a:r>
-              <a:rPr lang="en-US" sz="1050" b="1" dirty="0" err="1" smtClean="0">
+              <a:rPr lang="en-US" sz="1050" b="1" dirty="0" err="1">
                 <a:solidFill>
                   <a:schemeClr val="accent6">
                     <a:lumMod val="75000"/>
@@ -4600,18 +4576,8 @@
               </a:rPr>
               <a:t>XmlSerializable</a:t>
             </a:r>
-            <a:r>
-              <a:rPr lang="en-US" sz="1050" b="1" dirty="0" smtClean="0">
-                <a:solidFill>
-                  <a:schemeClr val="accent6">
-                    <a:lumMod val="75000"/>
-                  </a:schemeClr>
-                </a:solidFill>
-              </a:rPr>
-              <a:t/>
-            </a:r>
             <a:br>
-              <a:rPr lang="en-US" sz="1050" b="1" dirty="0" smtClean="0">
+              <a:rPr lang="en-US" sz="1050" b="1" dirty="0">
                 <a:solidFill>
                   <a:schemeClr val="accent6">
                     <a:lumMod val="75000"/>
@@ -4620,7 +4586,7 @@
               </a:rPr>
             </a:br>
             <a:r>
-              <a:rPr lang="en-US" sz="1050" b="1" dirty="0" err="1" smtClean="0">
+              <a:rPr lang="en-US" sz="1050" b="1" dirty="0" err="1">
                 <a:solidFill>
                   <a:schemeClr val="accent6">
                     <a:lumMod val="75000"/>
@@ -4717,7 +4683,7 @@
           <a:p>
             <a:pPr algn="ctr"/>
             <a:r>
-              <a:rPr lang="en-US" sz="1050" b="1" dirty="0" err="1" smtClean="0">
+              <a:rPr lang="en-US" sz="1050" b="1" dirty="0" err="1">
                 <a:solidFill>
                   <a:schemeClr val="accent6">
                     <a:lumMod val="75000"/>
@@ -4773,7 +4739,7 @@
           <a:p>
             <a:pPr algn="ctr"/>
             <a:r>
-              <a:rPr lang="en-US" sz="1050" b="1" dirty="0" err="1" smtClean="0">
+              <a:rPr lang="en-US" sz="1050" b="1" dirty="0" err="1">
                 <a:solidFill>
                   <a:schemeClr val="accent6">
                     <a:lumMod val="75000"/>
@@ -4804,6 +4770,631 @@
         <p:spPr>
           <a:xfrm flipV="1">
             <a:off x="7220507" y="3333004"/>
+            <a:ext cx="395231" cy="786"/>
+          </a:xfrm>
+          <a:prstGeom prst="bentConnector3">
+            <a:avLst>
+              <a:gd name="adj1" fmla="val 50000"/>
+            </a:avLst>
+          </a:prstGeom>
+          <a:ln w="19050">
+            <a:prstDash val="sysDot"/>
+            <a:headEnd type="none" w="med" len="med"/>
+            <a:tailEnd type="arrow" w="med" len="med"/>
+          </a:ln>
+          <a:effectLst/>
+        </p:spPr>
+        <p:style>
+          <a:lnRef idx="1">
+            <a:schemeClr val="accent6"/>
+          </a:lnRef>
+          <a:fillRef idx="2">
+            <a:schemeClr val="accent6"/>
+          </a:fillRef>
+          <a:effectRef idx="1">
+            <a:schemeClr val="accent6"/>
+          </a:effectRef>
+          <a:fontRef idx="minor">
+            <a:schemeClr val="dk1"/>
+          </a:fontRef>
+        </p:style>
+      </p:cxnSp>
+      <p:sp>
+        <p:nvSpPr>
+          <p:cNvPr id="27" name="Rectangle 8">
+            <a:extLst>
+              <a:ext uri="{FF2B5EF4-FFF2-40B4-BE49-F238E27FC236}">
+                <a16:creationId xmlns:a16="http://schemas.microsoft.com/office/drawing/2014/main" id="{081E42C4-CDD8-474C-A9DC-8A7CB2E20017}"/>
+              </a:ext>
+            </a:extLst>
+          </p:cNvPr>
+          <p:cNvSpPr/>
+          <p:nvPr/>
+        </p:nvSpPr>
+        <p:spPr>
+          <a:xfrm>
+            <a:off x="2873943" y="3767357"/>
+            <a:ext cx="1323049" cy="346760"/>
+          </a:xfrm>
+          <a:prstGeom prst="rect">
+            <a:avLst/>
+          </a:prstGeom>
+          <a:solidFill>
+            <a:schemeClr val="accent6">
+              <a:lumMod val="75000"/>
+            </a:schemeClr>
+          </a:solidFill>
+          <a:ln w="19050">
+            <a:solidFill>
+              <a:schemeClr val="accent6">
+                <a:lumMod val="75000"/>
+              </a:schemeClr>
+            </a:solidFill>
+          </a:ln>
+          <a:effectLst/>
+        </p:spPr>
+        <p:style>
+          <a:lnRef idx="1">
+            <a:schemeClr val="accent2"/>
+          </a:lnRef>
+          <a:fillRef idx="2">
+            <a:schemeClr val="accent2"/>
+          </a:fillRef>
+          <a:effectRef idx="1">
+            <a:schemeClr val="accent2"/>
+          </a:effectRef>
+          <a:fontRef idx="minor">
+            <a:schemeClr val="dk1"/>
+          </a:fontRef>
+        </p:style>
+        <p:txBody>
+          <a:bodyPr rtlCol="0" anchor="ctr"/>
+          <a:lstStyle/>
+          <a:p>
+            <a:pPr algn="ctr"/>
+            <a:r>
+              <a:rPr lang="en-US" sz="1050" dirty="0">
+                <a:solidFill>
+                  <a:schemeClr val="bg1"/>
+                </a:solidFill>
+              </a:rPr>
+              <a:t>&lt;&lt;interface&gt;&gt;</a:t>
+            </a:r>
+            <a:br>
+              <a:rPr lang="en-US" sz="1050" dirty="0">
+                <a:solidFill>
+                  <a:schemeClr val="bg1"/>
+                </a:solidFill>
+              </a:rPr>
+            </a:br>
+            <a:r>
+              <a:rPr lang="en-US" sz="1050" dirty="0" err="1">
+                <a:solidFill>
+                  <a:schemeClr val="bg1"/>
+                </a:solidFill>
+              </a:rPr>
+              <a:t>LoginBookStorage</a:t>
+            </a:r>
+            <a:endParaRPr lang="en-SG" sz="1050" dirty="0">
+              <a:solidFill>
+                <a:schemeClr val="bg1"/>
+              </a:solidFill>
+            </a:endParaRPr>
+          </a:p>
+        </p:txBody>
+      </p:sp>
+      <p:cxnSp>
+        <p:nvCxnSpPr>
+          <p:cNvPr id="28" name="Straight Arrow Connector 27">
+            <a:extLst>
+              <a:ext uri="{FF2B5EF4-FFF2-40B4-BE49-F238E27FC236}">
+                <a16:creationId xmlns:a16="http://schemas.microsoft.com/office/drawing/2014/main" id="{EAEDA6CC-6C7A-4C95-81CE-CC7D18DEC232}"/>
+              </a:ext>
+            </a:extLst>
+          </p:cNvPr>
+          <p:cNvCxnSpPr>
+            <a:stCxn id="29" idx="3"/>
+          </p:cNvCxnSpPr>
+          <p:nvPr/>
+        </p:nvCxnSpPr>
+        <p:spPr>
+          <a:xfrm>
+            <a:off x="2660720" y="3934439"/>
+            <a:ext cx="220810" cy="5284"/>
+          </a:xfrm>
+          <a:prstGeom prst="straightConnector1">
+            <a:avLst/>
+          </a:prstGeom>
+          <a:ln w="19050">
+            <a:solidFill>
+              <a:schemeClr val="accent6">
+                <a:lumMod val="75000"/>
+              </a:schemeClr>
+            </a:solidFill>
+            <a:headEnd type="none" w="med" len="med"/>
+            <a:tailEnd type="arrow" w="med" len="med"/>
+          </a:ln>
+          <a:effectLst/>
+        </p:spPr>
+        <p:style>
+          <a:lnRef idx="1">
+            <a:schemeClr val="accent2"/>
+          </a:lnRef>
+          <a:fillRef idx="2">
+            <a:schemeClr val="accent2"/>
+          </a:fillRef>
+          <a:effectRef idx="1">
+            <a:schemeClr val="accent2"/>
+          </a:effectRef>
+          <a:fontRef idx="minor">
+            <a:schemeClr val="dk1"/>
+          </a:fontRef>
+        </p:style>
+      </p:cxnSp>
+      <p:sp>
+        <p:nvSpPr>
+          <p:cNvPr id="29" name="Flowchart: Decision 96">
+            <a:extLst>
+              <a:ext uri="{FF2B5EF4-FFF2-40B4-BE49-F238E27FC236}">
+                <a16:creationId xmlns:a16="http://schemas.microsoft.com/office/drawing/2014/main" id="{00004727-7AD2-44FB-B135-3E493BDD7827}"/>
+              </a:ext>
+            </a:extLst>
+          </p:cNvPr>
+          <p:cNvSpPr/>
+          <p:nvPr/>
+        </p:nvSpPr>
+        <p:spPr>
+          <a:xfrm>
+            <a:off x="2424672" y="3847749"/>
+            <a:ext cx="236048" cy="173380"/>
+          </a:xfrm>
+          <a:prstGeom prst="flowChartDecision">
+            <a:avLst/>
+          </a:prstGeom>
+          <a:noFill/>
+          <a:ln w="19050">
+            <a:solidFill>
+              <a:schemeClr val="accent6">
+                <a:lumMod val="75000"/>
+              </a:schemeClr>
+            </a:solidFill>
+          </a:ln>
+          <a:effectLst/>
+        </p:spPr>
+        <p:style>
+          <a:lnRef idx="1">
+            <a:schemeClr val="accent2"/>
+          </a:lnRef>
+          <a:fillRef idx="2">
+            <a:schemeClr val="accent2"/>
+          </a:fillRef>
+          <a:effectRef idx="1">
+            <a:schemeClr val="accent2"/>
+          </a:effectRef>
+          <a:fontRef idx="minor">
+            <a:schemeClr val="dk1"/>
+          </a:fontRef>
+        </p:style>
+        <p:txBody>
+          <a:bodyPr rtlCol="0" anchor="ctr"/>
+          <a:lstStyle/>
+          <a:p>
+            <a:pPr algn="ctr"/>
+            <a:endParaRPr lang="en-US" sz="1050">
+              <a:solidFill>
+                <a:schemeClr val="bg1"/>
+              </a:solidFill>
+            </a:endParaRPr>
+          </a:p>
+        </p:txBody>
+      </p:sp>
+      <p:cxnSp>
+        <p:nvCxnSpPr>
+          <p:cNvPr id="30" name="Elbow Connector 63">
+            <a:extLst>
+              <a:ext uri="{FF2B5EF4-FFF2-40B4-BE49-F238E27FC236}">
+                <a16:creationId xmlns:a16="http://schemas.microsoft.com/office/drawing/2014/main" id="{1E4CB7D2-558A-4430-B975-DDEBC8598932}"/>
+              </a:ext>
+            </a:extLst>
+          </p:cNvPr>
+          <p:cNvCxnSpPr>
+            <a:stCxn id="31" idx="3"/>
+            <a:endCxn id="33" idx="1"/>
+          </p:cNvCxnSpPr>
+          <p:nvPr/>
+        </p:nvCxnSpPr>
+        <p:spPr>
+          <a:xfrm flipV="1">
+            <a:off x="4406179" y="3938731"/>
+            <a:ext cx="223324" cy="1"/>
+          </a:xfrm>
+          <a:prstGeom prst="bentConnector3">
+            <a:avLst>
+              <a:gd name="adj1" fmla="val 50000"/>
+            </a:avLst>
+          </a:prstGeom>
+          <a:ln w="19050">
+            <a:solidFill>
+              <a:schemeClr val="accent6">
+                <a:lumMod val="75000"/>
+              </a:schemeClr>
+            </a:solidFill>
+            <a:prstDash val="sysDot"/>
+            <a:headEnd type="none" w="med" len="med"/>
+            <a:tailEnd type="none" w="med" len="med"/>
+          </a:ln>
+          <a:effectLst/>
+        </p:spPr>
+        <p:style>
+          <a:lnRef idx="1">
+            <a:schemeClr val="accent2"/>
+          </a:lnRef>
+          <a:fillRef idx="2">
+            <a:schemeClr val="accent2"/>
+          </a:fillRef>
+          <a:effectRef idx="1">
+            <a:schemeClr val="accent2"/>
+          </a:effectRef>
+          <a:fontRef idx="minor">
+            <a:schemeClr val="dk1"/>
+          </a:fontRef>
+        </p:style>
+      </p:cxnSp>
+      <p:sp>
+        <p:nvSpPr>
+          <p:cNvPr id="31" name="Isosceles Triangle 102">
+            <a:extLst>
+              <a:ext uri="{FF2B5EF4-FFF2-40B4-BE49-F238E27FC236}">
+                <a16:creationId xmlns:a16="http://schemas.microsoft.com/office/drawing/2014/main" id="{10918CB4-A0CF-450B-BF83-6A706D37D5EC}"/>
+              </a:ext>
+            </a:extLst>
+          </p:cNvPr>
+          <p:cNvSpPr/>
+          <p:nvPr/>
+        </p:nvSpPr>
+        <p:spPr>
+          <a:xfrm rot="5400000" flipV="1">
+            <a:off x="4183165" y="3850970"/>
+            <a:ext cx="270504" cy="175523"/>
+          </a:xfrm>
+          <a:prstGeom prst="triangle">
+            <a:avLst/>
+          </a:prstGeom>
+          <a:solidFill>
+            <a:schemeClr val="accent6">
+              <a:lumMod val="75000"/>
+            </a:schemeClr>
+          </a:solidFill>
+          <a:ln w="19050">
+            <a:solidFill>
+              <a:schemeClr val="accent6">
+                <a:lumMod val="75000"/>
+              </a:schemeClr>
+            </a:solidFill>
+          </a:ln>
+          <a:effectLst/>
+        </p:spPr>
+        <p:style>
+          <a:lnRef idx="1">
+            <a:schemeClr val="accent2"/>
+          </a:lnRef>
+          <a:fillRef idx="2">
+            <a:schemeClr val="accent2"/>
+          </a:fillRef>
+          <a:effectRef idx="1">
+            <a:schemeClr val="accent2"/>
+          </a:effectRef>
+          <a:fontRef idx="minor">
+            <a:schemeClr val="dk1"/>
+          </a:fontRef>
+        </p:style>
+        <p:txBody>
+          <a:bodyPr rtlCol="0" anchor="ctr"/>
+          <a:lstStyle/>
+          <a:p>
+            <a:pPr algn="ctr"/>
+            <a:endParaRPr lang="en-SG" sz="1050">
+              <a:solidFill>
+                <a:schemeClr val="bg1"/>
+              </a:solidFill>
+            </a:endParaRPr>
+          </a:p>
+        </p:txBody>
+      </p:sp>
+      <p:cxnSp>
+        <p:nvCxnSpPr>
+          <p:cNvPr id="32" name="Elbow Connector 122">
+            <a:extLst>
+              <a:ext uri="{FF2B5EF4-FFF2-40B4-BE49-F238E27FC236}">
+                <a16:creationId xmlns:a16="http://schemas.microsoft.com/office/drawing/2014/main" id="{2A5B24B7-19C8-4832-9BCC-52DA25F79DD8}"/>
+              </a:ext>
+            </a:extLst>
+          </p:cNvPr>
+          <p:cNvCxnSpPr>
+            <a:stCxn id="33" idx="3"/>
+            <a:endCxn id="34" idx="1"/>
+          </p:cNvCxnSpPr>
+          <p:nvPr/>
+        </p:nvCxnSpPr>
+        <p:spPr>
+          <a:xfrm>
+            <a:off x="5799338" y="3938731"/>
+            <a:ext cx="228600" cy="1970"/>
+          </a:xfrm>
+          <a:prstGeom prst="bentConnector3">
+            <a:avLst>
+              <a:gd name="adj1" fmla="val 50000"/>
+            </a:avLst>
+          </a:prstGeom>
+          <a:ln w="19050">
+            <a:solidFill>
+              <a:schemeClr val="accent6">
+                <a:lumMod val="75000"/>
+              </a:schemeClr>
+            </a:solidFill>
+            <a:prstDash val="sysDot"/>
+            <a:headEnd type="none" w="med" len="med"/>
+            <a:tailEnd type="arrow" w="med" len="med"/>
+          </a:ln>
+          <a:effectLst/>
+        </p:spPr>
+        <p:style>
+          <a:lnRef idx="1">
+            <a:schemeClr val="accent2"/>
+          </a:lnRef>
+          <a:fillRef idx="2">
+            <a:schemeClr val="accent2"/>
+          </a:fillRef>
+          <a:effectRef idx="1">
+            <a:schemeClr val="accent2"/>
+          </a:effectRef>
+          <a:fontRef idx="minor">
+            <a:schemeClr val="dk1"/>
+          </a:fontRef>
+        </p:style>
+      </p:cxnSp>
+      <p:sp>
+        <p:nvSpPr>
+          <p:cNvPr id="33" name="Rectangle 8">
+            <a:extLst>
+              <a:ext uri="{FF2B5EF4-FFF2-40B4-BE49-F238E27FC236}">
+                <a16:creationId xmlns:a16="http://schemas.microsoft.com/office/drawing/2014/main" id="{6C6D0DF4-A3E3-4410-9DCB-44D9E3DEBDA4}"/>
+              </a:ext>
+            </a:extLst>
+          </p:cNvPr>
+          <p:cNvSpPr/>
+          <p:nvPr/>
+        </p:nvSpPr>
+        <p:spPr>
+          <a:xfrm>
+            <a:off x="4629503" y="3765351"/>
+            <a:ext cx="1169835" cy="346760"/>
+          </a:xfrm>
+          <a:prstGeom prst="rect">
+            <a:avLst/>
+          </a:prstGeom>
+          <a:ln w="19050"/>
+          <a:effectLst/>
+        </p:spPr>
+        <p:style>
+          <a:lnRef idx="1">
+            <a:schemeClr val="accent6"/>
+          </a:lnRef>
+          <a:fillRef idx="2">
+            <a:schemeClr val="accent6"/>
+          </a:fillRef>
+          <a:effectRef idx="1">
+            <a:schemeClr val="accent6"/>
+          </a:effectRef>
+          <a:fontRef idx="minor">
+            <a:schemeClr val="dk1"/>
+          </a:fontRef>
+        </p:style>
+        <p:txBody>
+          <a:bodyPr rtlCol="0" anchor="ctr"/>
+          <a:lstStyle/>
+          <a:p>
+            <a:pPr algn="ctr"/>
+            <a:r>
+              <a:rPr lang="en-US" sz="1050" b="1" dirty="0" err="1">
+                <a:solidFill>
+                  <a:schemeClr val="accent6">
+                    <a:lumMod val="75000"/>
+                  </a:schemeClr>
+                </a:solidFill>
+              </a:rPr>
+              <a:t>XmlLoginBook</a:t>
+            </a:r>
+            <a:br>
+              <a:rPr lang="en-US" sz="1050" b="1" dirty="0">
+                <a:solidFill>
+                  <a:schemeClr val="accent6">
+                    <a:lumMod val="75000"/>
+                  </a:schemeClr>
+                </a:solidFill>
+              </a:rPr>
+            </a:br>
+            <a:r>
+              <a:rPr lang="en-US" sz="1050" b="1" dirty="0">
+                <a:solidFill>
+                  <a:schemeClr val="accent6">
+                    <a:lumMod val="75000"/>
+                  </a:schemeClr>
+                </a:solidFill>
+              </a:rPr>
+              <a:t>Storage</a:t>
+            </a:r>
+            <a:endParaRPr lang="en-SG" sz="1050" b="1" dirty="0">
+              <a:solidFill>
+                <a:schemeClr val="accent6">
+                  <a:lumMod val="75000"/>
+                </a:schemeClr>
+              </a:solidFill>
+            </a:endParaRPr>
+          </a:p>
+        </p:txBody>
+      </p:sp>
+      <p:sp>
+        <p:nvSpPr>
+          <p:cNvPr id="34" name="Rectangle 8">
+            <a:extLst>
+              <a:ext uri="{FF2B5EF4-FFF2-40B4-BE49-F238E27FC236}">
+                <a16:creationId xmlns:a16="http://schemas.microsoft.com/office/drawing/2014/main" id="{D89B98CC-4F75-42E9-BBAE-783CF6BB6099}"/>
+              </a:ext>
+            </a:extLst>
+          </p:cNvPr>
+          <p:cNvSpPr/>
+          <p:nvPr/>
+        </p:nvSpPr>
+        <p:spPr>
+          <a:xfrm>
+            <a:off x="6027938" y="3767321"/>
+            <a:ext cx="1200707" cy="346760"/>
+          </a:xfrm>
+          <a:prstGeom prst="rect">
+            <a:avLst/>
+          </a:prstGeom>
+          <a:ln w="19050"/>
+          <a:effectLst/>
+        </p:spPr>
+        <p:style>
+          <a:lnRef idx="1">
+            <a:schemeClr val="accent6"/>
+          </a:lnRef>
+          <a:fillRef idx="2">
+            <a:schemeClr val="accent6"/>
+          </a:fillRef>
+          <a:effectRef idx="1">
+            <a:schemeClr val="accent6"/>
+          </a:effectRef>
+          <a:fontRef idx="minor">
+            <a:schemeClr val="dk1"/>
+          </a:fontRef>
+        </p:style>
+        <p:txBody>
+          <a:bodyPr rtlCol="0" anchor="ctr"/>
+          <a:lstStyle/>
+          <a:p>
+            <a:pPr algn="ctr"/>
+            <a:r>
+              <a:rPr lang="en-US" sz="1050" b="1" dirty="0" err="1">
+                <a:solidFill>
+                  <a:schemeClr val="accent6">
+                    <a:lumMod val="75000"/>
+                  </a:schemeClr>
+                </a:solidFill>
+              </a:rPr>
+              <a:t>XmlSerializable</a:t>
+            </a:r>
+            <a:br>
+              <a:rPr lang="en-US" sz="1050" b="1" dirty="0">
+                <a:solidFill>
+                  <a:schemeClr val="accent6">
+                    <a:lumMod val="75000"/>
+                  </a:schemeClr>
+                </a:solidFill>
+              </a:rPr>
+            </a:br>
+            <a:r>
+              <a:rPr lang="en-US" sz="1050" b="1" dirty="0" err="1">
+                <a:solidFill>
+                  <a:schemeClr val="accent6">
+                    <a:lumMod val="75000"/>
+                  </a:schemeClr>
+                </a:solidFill>
+              </a:rPr>
+              <a:t>LoginBook</a:t>
+            </a:r>
+            <a:endParaRPr lang="en-SG" sz="1050" b="1" dirty="0">
+              <a:solidFill>
+                <a:schemeClr val="accent6">
+                  <a:lumMod val="75000"/>
+                </a:schemeClr>
+              </a:solidFill>
+            </a:endParaRPr>
+          </a:p>
+        </p:txBody>
+      </p:sp>
+      <p:sp>
+        <p:nvSpPr>
+          <p:cNvPr id="35" name="Rectangle 8">
+            <a:extLst>
+              <a:ext uri="{FF2B5EF4-FFF2-40B4-BE49-F238E27FC236}">
+                <a16:creationId xmlns:a16="http://schemas.microsoft.com/office/drawing/2014/main" id="{5D48B553-7FFB-4774-9504-C3BCCDF8E03A}"/>
+              </a:ext>
+            </a:extLst>
+          </p:cNvPr>
+          <p:cNvSpPr/>
+          <p:nvPr/>
+        </p:nvSpPr>
+        <p:spPr>
+          <a:xfrm>
+            <a:off x="7623876" y="3766535"/>
+            <a:ext cx="1259718" cy="346760"/>
+          </a:xfrm>
+          <a:prstGeom prst="rect">
+            <a:avLst/>
+          </a:prstGeom>
+          <a:ln w="19050"/>
+          <a:effectLst/>
+        </p:spPr>
+        <p:style>
+          <a:lnRef idx="1">
+            <a:schemeClr val="accent6"/>
+          </a:lnRef>
+          <a:fillRef idx="2">
+            <a:schemeClr val="accent6"/>
+          </a:fillRef>
+          <a:effectRef idx="1">
+            <a:schemeClr val="accent6"/>
+          </a:effectRef>
+          <a:fontRef idx="minor">
+            <a:schemeClr val="dk1"/>
+          </a:fontRef>
+        </p:style>
+        <p:txBody>
+          <a:bodyPr rtlCol="0" anchor="ctr"/>
+          <a:lstStyle/>
+          <a:p>
+            <a:pPr algn="ctr"/>
+            <a:r>
+              <a:rPr lang="en-US" sz="1050" b="1" dirty="0" err="1">
+                <a:solidFill>
+                  <a:schemeClr val="accent6">
+                    <a:lumMod val="75000"/>
+                  </a:schemeClr>
+                </a:solidFill>
+              </a:rPr>
+              <a:t>XmlAccount</a:t>
+            </a:r>
+            <a:endParaRPr lang="en-SG" sz="1050" b="1" dirty="0">
+              <a:solidFill>
+                <a:schemeClr val="accent6">
+                  <a:lumMod val="75000"/>
+                </a:schemeClr>
+              </a:solidFill>
+            </a:endParaRPr>
+          </a:p>
+        </p:txBody>
+      </p:sp>
+      <p:cxnSp>
+        <p:nvCxnSpPr>
+          <p:cNvPr id="36" name="Elbow Connector 122">
+            <a:extLst>
+              <a:ext uri="{FF2B5EF4-FFF2-40B4-BE49-F238E27FC236}">
+                <a16:creationId xmlns:a16="http://schemas.microsoft.com/office/drawing/2014/main" id="{4C78C629-F5A7-46A4-9250-8C221AB7915D}"/>
+              </a:ext>
+            </a:extLst>
+          </p:cNvPr>
+          <p:cNvCxnSpPr>
+            <a:stCxn id="34" idx="3"/>
+            <a:endCxn id="35" idx="1"/>
+          </p:cNvCxnSpPr>
+          <p:nvPr/>
+        </p:nvCxnSpPr>
+        <p:spPr>
+          <a:xfrm flipV="1">
+            <a:off x="7228645" y="3939915"/>
             <a:ext cx="395231" cy="786"/>
           </a:xfrm>
           <a:prstGeom prst="bentConnector3">
@@ -4843,13 +5434,6 @@
   <p:clrMapOvr>
     <a:masterClrMapping/>
   </p:clrMapOvr>
-  <p:timing>
-    <p:tnLst>
-      <p:par>
-        <p:cTn id="1" dur="indefinite" restart="never" nodeType="tmRoot"/>
-      </p:par>
-    </p:tnLst>
-  </p:timing>
 </p:sld>
 </file>
 

--- a/docs/diagrams/StorageComponentClassDiagram.pptx
+++ b/docs/diagrams/StorageComponentClassDiagram.pptx
@@ -107,6 +107,22 @@
       </a:defRPr>
     </a:lvl9pPr>
   </p:defaultTextStyle>
+  <p:extLst>
+    <p:ext uri="{EFAFB233-063F-42B5-8137-9DF3F51BA10A}">
+      <p15:sldGuideLst xmlns:p15="http://schemas.microsoft.com/office/powerpoint/2012/main">
+        <p15:guide id="1" orient="horz" pos="1488">
+          <p15:clr>
+            <a:srgbClr val="A4A3A4"/>
+          </p15:clr>
+        </p15:guide>
+        <p15:guide id="2" pos="2880">
+          <p15:clr>
+            <a:srgbClr val="A4A3A4"/>
+          </p15:clr>
+        </p15:guide>
+      </p15:sldGuideLst>
+    </p:ext>
+  </p:extLst>
 </p:presentation>
 </file>
 
@@ -192,7 +208,7 @@
           <a:p>
             <a:fld id="{F5CC4B3F-88C1-4FFA-B1B6-F41C21DC6924}" type="datetimeFigureOut">
               <a:rPr lang="en-US" smtClean="0"/>
-              <a:t>10/16/2016</a:t>
+              <a:t>10/21/2018</a:t>
             </a:fld>
             <a:endParaRPr lang="en-US"/>
           </a:p>
@@ -256,38 +272,37 @@
           <a:p>
             <a:pPr lvl="0"/>
             <a:r>
-              <a:rPr lang="en-US" smtClean="0"/>
+              <a:rPr lang="en-US"/>
               <a:t>Click to edit Master text styles</a:t>
             </a:r>
           </a:p>
           <a:p>
             <a:pPr lvl="1"/>
             <a:r>
-              <a:rPr lang="en-US" smtClean="0"/>
+              <a:rPr lang="en-US"/>
               <a:t>Second level</a:t>
             </a:r>
           </a:p>
           <a:p>
             <a:pPr lvl="2"/>
             <a:r>
-              <a:rPr lang="en-US" smtClean="0"/>
+              <a:rPr lang="en-US"/>
               <a:t>Third level</a:t>
             </a:r>
           </a:p>
           <a:p>
             <a:pPr lvl="3"/>
             <a:r>
-              <a:rPr lang="en-US" smtClean="0"/>
+              <a:rPr lang="en-US"/>
               <a:t>Fourth level</a:t>
             </a:r>
           </a:p>
           <a:p>
             <a:pPr lvl="4"/>
             <a:r>
-              <a:rPr lang="en-US" smtClean="0"/>
+              <a:rPr lang="en-US"/>
               <a:t>Fifth level</a:t>
             </a:r>
-            <a:endParaRPr lang="en-US"/>
           </a:p>
         </p:txBody>
       </p:sp>
@@ -498,10 +513,9 @@
           <a:lstStyle/>
           <a:p>
             <a:r>
-              <a:rPr lang="en-US" smtClean="0"/>
+              <a:rPr lang="en-US"/>
               <a:t>Click to edit Master title style</a:t>
             </a:r>
-            <a:endParaRPr lang="en-US"/>
           </a:p>
         </p:txBody>
       </p:sp>
@@ -617,10 +631,9 @@
           </a:lstStyle>
           <a:p>
             <a:r>
-              <a:rPr lang="en-US" smtClean="0"/>
+              <a:rPr lang="en-US"/>
               <a:t>Click to edit Master subtitle style</a:t>
             </a:r>
-            <a:endParaRPr lang="en-US"/>
           </a:p>
         </p:txBody>
       </p:sp>
@@ -641,7 +654,7 @@
           <a:p>
             <a:fld id="{78C97017-6FC3-485B-9764-EAC9E56C1D49}" type="datetimeFigureOut">
               <a:rPr lang="en-US" smtClean="0"/>
-              <a:t>10/16/2016</a:t>
+              <a:t>10/21/2018</a:t>
             </a:fld>
             <a:endParaRPr lang="en-US"/>
           </a:p>
@@ -735,10 +748,9 @@
           <a:lstStyle/>
           <a:p>
             <a:r>
-              <a:rPr lang="en-US" smtClean="0"/>
+              <a:rPr lang="en-US"/>
               <a:t>Click to edit Master title style</a:t>
             </a:r>
-            <a:endParaRPr lang="en-US"/>
           </a:p>
         </p:txBody>
       </p:sp>
@@ -759,38 +771,37 @@
           <a:p>
             <a:pPr lvl="0"/>
             <a:r>
-              <a:rPr lang="en-US" smtClean="0"/>
+              <a:rPr lang="en-US"/>
               <a:t>Click to edit Master text styles</a:t>
             </a:r>
           </a:p>
           <a:p>
             <a:pPr lvl="1"/>
             <a:r>
-              <a:rPr lang="en-US" smtClean="0"/>
+              <a:rPr lang="en-US"/>
               <a:t>Second level</a:t>
             </a:r>
           </a:p>
           <a:p>
             <a:pPr lvl="2"/>
             <a:r>
-              <a:rPr lang="en-US" smtClean="0"/>
+              <a:rPr lang="en-US"/>
               <a:t>Third level</a:t>
             </a:r>
           </a:p>
           <a:p>
             <a:pPr lvl="3"/>
             <a:r>
-              <a:rPr lang="en-US" smtClean="0"/>
+              <a:rPr lang="en-US"/>
               <a:t>Fourth level</a:t>
             </a:r>
           </a:p>
           <a:p>
             <a:pPr lvl="4"/>
             <a:r>
-              <a:rPr lang="en-US" smtClean="0"/>
+              <a:rPr lang="en-US"/>
               <a:t>Fifth level</a:t>
             </a:r>
-            <a:endParaRPr lang="en-US"/>
           </a:p>
         </p:txBody>
       </p:sp>
@@ -811,7 +822,7 @@
           <a:p>
             <a:fld id="{78C97017-6FC3-485B-9764-EAC9E56C1D49}" type="datetimeFigureOut">
               <a:rPr lang="en-US" smtClean="0"/>
-              <a:t>10/16/2016</a:t>
+              <a:t>10/21/2018</a:t>
             </a:fld>
             <a:endParaRPr lang="en-US"/>
           </a:p>
@@ -910,10 +921,9 @@
           <a:lstStyle/>
           <a:p>
             <a:r>
-              <a:rPr lang="en-US" smtClean="0"/>
+              <a:rPr lang="en-US"/>
               <a:t>Click to edit Master title style</a:t>
             </a:r>
-            <a:endParaRPr lang="en-US"/>
           </a:p>
         </p:txBody>
       </p:sp>
@@ -939,38 +949,37 @@
           <a:p>
             <a:pPr lvl="0"/>
             <a:r>
-              <a:rPr lang="en-US" smtClean="0"/>
+              <a:rPr lang="en-US"/>
               <a:t>Click to edit Master text styles</a:t>
             </a:r>
           </a:p>
           <a:p>
             <a:pPr lvl="1"/>
             <a:r>
-              <a:rPr lang="en-US" smtClean="0"/>
+              <a:rPr lang="en-US"/>
               <a:t>Second level</a:t>
             </a:r>
           </a:p>
           <a:p>
             <a:pPr lvl="2"/>
             <a:r>
-              <a:rPr lang="en-US" smtClean="0"/>
+              <a:rPr lang="en-US"/>
               <a:t>Third level</a:t>
             </a:r>
           </a:p>
           <a:p>
             <a:pPr lvl="3"/>
             <a:r>
-              <a:rPr lang="en-US" smtClean="0"/>
+              <a:rPr lang="en-US"/>
               <a:t>Fourth level</a:t>
             </a:r>
           </a:p>
           <a:p>
             <a:pPr lvl="4"/>
             <a:r>
-              <a:rPr lang="en-US" smtClean="0"/>
+              <a:rPr lang="en-US"/>
               <a:t>Fifth level</a:t>
             </a:r>
-            <a:endParaRPr lang="en-US"/>
           </a:p>
         </p:txBody>
       </p:sp>
@@ -991,7 +1000,7 @@
           <a:p>
             <a:fld id="{78C97017-6FC3-485B-9764-EAC9E56C1D49}" type="datetimeFigureOut">
               <a:rPr lang="en-US" smtClean="0"/>
-              <a:t>10/16/2016</a:t>
+              <a:t>10/21/2018</a:t>
             </a:fld>
             <a:endParaRPr lang="en-US"/>
           </a:p>
@@ -1085,10 +1094,9 @@
           <a:lstStyle/>
           <a:p>
             <a:r>
-              <a:rPr lang="en-US" smtClean="0"/>
+              <a:rPr lang="en-US"/>
               <a:t>Click to edit Master title style</a:t>
             </a:r>
-            <a:endParaRPr lang="en-US"/>
           </a:p>
         </p:txBody>
       </p:sp>
@@ -1109,38 +1117,37 @@
           <a:p>
             <a:pPr lvl="0"/>
             <a:r>
-              <a:rPr lang="en-US" smtClean="0"/>
+              <a:rPr lang="en-US"/>
               <a:t>Click to edit Master text styles</a:t>
             </a:r>
           </a:p>
           <a:p>
             <a:pPr lvl="1"/>
             <a:r>
-              <a:rPr lang="en-US" smtClean="0"/>
+              <a:rPr lang="en-US"/>
               <a:t>Second level</a:t>
             </a:r>
           </a:p>
           <a:p>
             <a:pPr lvl="2"/>
             <a:r>
-              <a:rPr lang="en-US" smtClean="0"/>
+              <a:rPr lang="en-US"/>
               <a:t>Third level</a:t>
             </a:r>
           </a:p>
           <a:p>
             <a:pPr lvl="3"/>
             <a:r>
-              <a:rPr lang="en-US" smtClean="0"/>
+              <a:rPr lang="en-US"/>
               <a:t>Fourth level</a:t>
             </a:r>
           </a:p>
           <a:p>
             <a:pPr lvl="4"/>
             <a:r>
-              <a:rPr lang="en-US" smtClean="0"/>
+              <a:rPr lang="en-US"/>
               <a:t>Fifth level</a:t>
             </a:r>
-            <a:endParaRPr lang="en-US"/>
           </a:p>
         </p:txBody>
       </p:sp>
@@ -1161,7 +1168,7 @@
           <a:p>
             <a:fld id="{78C97017-6FC3-485B-9764-EAC9E56C1D49}" type="datetimeFigureOut">
               <a:rPr lang="en-US" smtClean="0"/>
-              <a:t>10/16/2016</a:t>
+              <a:t>10/21/2018</a:t>
             </a:fld>
             <a:endParaRPr lang="en-US"/>
           </a:p>
@@ -1264,10 +1271,9 @@
           </a:lstStyle>
           <a:p>
             <a:r>
-              <a:rPr lang="en-US" smtClean="0"/>
+              <a:rPr lang="en-US"/>
               <a:t>Click to edit Master title style</a:t>
             </a:r>
-            <a:endParaRPr lang="en-US"/>
           </a:p>
         </p:txBody>
       </p:sp>
@@ -1384,7 +1390,7 @@
           <a:p>
             <a:pPr lvl="0"/>
             <a:r>
-              <a:rPr lang="en-US" smtClean="0"/>
+              <a:rPr lang="en-US"/>
               <a:t>Click to edit Master text styles</a:t>
             </a:r>
           </a:p>
@@ -1407,7 +1413,7 @@
           <a:p>
             <a:fld id="{78C97017-6FC3-485B-9764-EAC9E56C1D49}" type="datetimeFigureOut">
               <a:rPr lang="en-US" smtClean="0"/>
-              <a:t>10/16/2016</a:t>
+              <a:t>10/21/2018</a:t>
             </a:fld>
             <a:endParaRPr lang="en-US"/>
           </a:p>
@@ -1501,10 +1507,9 @@
           <a:lstStyle/>
           <a:p>
             <a:r>
-              <a:rPr lang="en-US" smtClean="0"/>
+              <a:rPr lang="en-US"/>
               <a:t>Click to edit Master title style</a:t>
             </a:r>
-            <a:endParaRPr lang="en-US"/>
           </a:p>
         </p:txBody>
       </p:sp>
@@ -1558,38 +1563,37 @@
           <a:p>
             <a:pPr lvl="0"/>
             <a:r>
-              <a:rPr lang="en-US" smtClean="0"/>
+              <a:rPr lang="en-US"/>
               <a:t>Click to edit Master text styles</a:t>
             </a:r>
           </a:p>
           <a:p>
             <a:pPr lvl="1"/>
             <a:r>
-              <a:rPr lang="en-US" smtClean="0"/>
+              <a:rPr lang="en-US"/>
               <a:t>Second level</a:t>
             </a:r>
           </a:p>
           <a:p>
             <a:pPr lvl="2"/>
             <a:r>
-              <a:rPr lang="en-US" smtClean="0"/>
+              <a:rPr lang="en-US"/>
               <a:t>Third level</a:t>
             </a:r>
           </a:p>
           <a:p>
             <a:pPr lvl="3"/>
             <a:r>
-              <a:rPr lang="en-US" smtClean="0"/>
+              <a:rPr lang="en-US"/>
               <a:t>Fourth level</a:t>
             </a:r>
           </a:p>
           <a:p>
             <a:pPr lvl="4"/>
             <a:r>
-              <a:rPr lang="en-US" smtClean="0"/>
+              <a:rPr lang="en-US"/>
               <a:t>Fifth level</a:t>
             </a:r>
-            <a:endParaRPr lang="en-US"/>
           </a:p>
         </p:txBody>
       </p:sp>
@@ -1643,38 +1647,37 @@
           <a:p>
             <a:pPr lvl="0"/>
             <a:r>
-              <a:rPr lang="en-US" smtClean="0"/>
+              <a:rPr lang="en-US"/>
               <a:t>Click to edit Master text styles</a:t>
             </a:r>
           </a:p>
           <a:p>
             <a:pPr lvl="1"/>
             <a:r>
-              <a:rPr lang="en-US" smtClean="0"/>
+              <a:rPr lang="en-US"/>
               <a:t>Second level</a:t>
             </a:r>
           </a:p>
           <a:p>
             <a:pPr lvl="2"/>
             <a:r>
-              <a:rPr lang="en-US" smtClean="0"/>
+              <a:rPr lang="en-US"/>
               <a:t>Third level</a:t>
             </a:r>
           </a:p>
           <a:p>
             <a:pPr lvl="3"/>
             <a:r>
-              <a:rPr lang="en-US" smtClean="0"/>
+              <a:rPr lang="en-US"/>
               <a:t>Fourth level</a:t>
             </a:r>
           </a:p>
           <a:p>
             <a:pPr lvl="4"/>
             <a:r>
-              <a:rPr lang="en-US" smtClean="0"/>
+              <a:rPr lang="en-US"/>
               <a:t>Fifth level</a:t>
             </a:r>
-            <a:endParaRPr lang="en-US"/>
           </a:p>
         </p:txBody>
       </p:sp>
@@ -1695,7 +1698,7 @@
           <a:p>
             <a:fld id="{78C97017-6FC3-485B-9764-EAC9E56C1D49}" type="datetimeFigureOut">
               <a:rPr lang="en-US" smtClean="0"/>
-              <a:t>10/16/2016</a:t>
+              <a:t>10/21/2018</a:t>
             </a:fld>
             <a:endParaRPr lang="en-US"/>
           </a:p>
@@ -1793,10 +1796,9 @@
           </a:lstStyle>
           <a:p>
             <a:r>
-              <a:rPr lang="en-US" smtClean="0"/>
+              <a:rPr lang="en-US"/>
               <a:t>Click to edit Master title style</a:t>
             </a:r>
-            <a:endParaRPr lang="en-US"/>
           </a:p>
         </p:txBody>
       </p:sp>
@@ -1859,7 +1861,7 @@
           <a:p>
             <a:pPr lvl="0"/>
             <a:r>
-              <a:rPr lang="en-US" smtClean="0"/>
+              <a:rPr lang="en-US"/>
               <a:t>Click to edit Master text styles</a:t>
             </a:r>
           </a:p>
@@ -1915,38 +1917,37 @@
           <a:p>
             <a:pPr lvl="0"/>
             <a:r>
-              <a:rPr lang="en-US" smtClean="0"/>
+              <a:rPr lang="en-US"/>
               <a:t>Click to edit Master text styles</a:t>
             </a:r>
           </a:p>
           <a:p>
             <a:pPr lvl="1"/>
             <a:r>
-              <a:rPr lang="en-US" smtClean="0"/>
+              <a:rPr lang="en-US"/>
               <a:t>Second level</a:t>
             </a:r>
           </a:p>
           <a:p>
             <a:pPr lvl="2"/>
             <a:r>
-              <a:rPr lang="en-US" smtClean="0"/>
+              <a:rPr lang="en-US"/>
               <a:t>Third level</a:t>
             </a:r>
           </a:p>
           <a:p>
             <a:pPr lvl="3"/>
             <a:r>
-              <a:rPr lang="en-US" smtClean="0"/>
+              <a:rPr lang="en-US"/>
               <a:t>Fourth level</a:t>
             </a:r>
           </a:p>
           <a:p>
             <a:pPr lvl="4"/>
             <a:r>
-              <a:rPr lang="en-US" smtClean="0"/>
+              <a:rPr lang="en-US"/>
               <a:t>Fifth level</a:t>
             </a:r>
-            <a:endParaRPr lang="en-US"/>
           </a:p>
         </p:txBody>
       </p:sp>
@@ -2009,7 +2010,7 @@
           <a:p>
             <a:pPr lvl="0"/>
             <a:r>
-              <a:rPr lang="en-US" smtClean="0"/>
+              <a:rPr lang="en-US"/>
               <a:t>Click to edit Master text styles</a:t>
             </a:r>
           </a:p>
@@ -2065,38 +2066,37 @@
           <a:p>
             <a:pPr lvl="0"/>
             <a:r>
-              <a:rPr lang="en-US" smtClean="0"/>
+              <a:rPr lang="en-US"/>
               <a:t>Click to edit Master text styles</a:t>
             </a:r>
           </a:p>
           <a:p>
             <a:pPr lvl="1"/>
             <a:r>
-              <a:rPr lang="en-US" smtClean="0"/>
+              <a:rPr lang="en-US"/>
               <a:t>Second level</a:t>
             </a:r>
           </a:p>
           <a:p>
             <a:pPr lvl="2"/>
             <a:r>
-              <a:rPr lang="en-US" smtClean="0"/>
+              <a:rPr lang="en-US"/>
               <a:t>Third level</a:t>
             </a:r>
           </a:p>
           <a:p>
             <a:pPr lvl="3"/>
             <a:r>
-              <a:rPr lang="en-US" smtClean="0"/>
+              <a:rPr lang="en-US"/>
               <a:t>Fourth level</a:t>
             </a:r>
           </a:p>
           <a:p>
             <a:pPr lvl="4"/>
             <a:r>
-              <a:rPr lang="en-US" smtClean="0"/>
+              <a:rPr lang="en-US"/>
               <a:t>Fifth level</a:t>
             </a:r>
-            <a:endParaRPr lang="en-US"/>
           </a:p>
         </p:txBody>
       </p:sp>
@@ -2117,7 +2117,7 @@
           <a:p>
             <a:fld id="{78C97017-6FC3-485B-9764-EAC9E56C1D49}" type="datetimeFigureOut">
               <a:rPr lang="en-US" smtClean="0"/>
-              <a:t>10/16/2016</a:t>
+              <a:t>10/21/2018</a:t>
             </a:fld>
             <a:endParaRPr lang="en-US"/>
           </a:p>
@@ -2211,10 +2211,9 @@
           <a:lstStyle/>
           <a:p>
             <a:r>
-              <a:rPr lang="en-US" smtClean="0"/>
+              <a:rPr lang="en-US"/>
               <a:t>Click to edit Master title style</a:t>
             </a:r>
-            <a:endParaRPr lang="en-US"/>
           </a:p>
         </p:txBody>
       </p:sp>
@@ -2235,7 +2234,7 @@
           <a:p>
             <a:fld id="{78C97017-6FC3-485B-9764-EAC9E56C1D49}" type="datetimeFigureOut">
               <a:rPr lang="en-US" smtClean="0"/>
-              <a:t>10/16/2016</a:t>
+              <a:t>10/21/2018</a:t>
             </a:fld>
             <a:endParaRPr lang="en-US"/>
           </a:p>
@@ -2330,7 +2329,7 @@
           <a:p>
             <a:fld id="{78C97017-6FC3-485B-9764-EAC9E56C1D49}" type="datetimeFigureOut">
               <a:rPr lang="en-US" smtClean="0"/>
-              <a:t>10/16/2016</a:t>
+              <a:t>10/21/2018</a:t>
             </a:fld>
             <a:endParaRPr lang="en-US"/>
           </a:p>
@@ -2433,10 +2432,9 @@
           </a:lstStyle>
           <a:p>
             <a:r>
-              <a:rPr lang="en-US" smtClean="0"/>
+              <a:rPr lang="en-US"/>
               <a:t>Click to edit Master title style</a:t>
             </a:r>
-            <a:endParaRPr lang="en-US"/>
           </a:p>
         </p:txBody>
       </p:sp>
@@ -2490,38 +2488,37 @@
           <a:p>
             <a:pPr lvl="0"/>
             <a:r>
-              <a:rPr lang="en-US" smtClean="0"/>
+              <a:rPr lang="en-US"/>
               <a:t>Click to edit Master text styles</a:t>
             </a:r>
           </a:p>
           <a:p>
             <a:pPr lvl="1"/>
             <a:r>
-              <a:rPr lang="en-US" smtClean="0"/>
+              <a:rPr lang="en-US"/>
               <a:t>Second level</a:t>
             </a:r>
           </a:p>
           <a:p>
             <a:pPr lvl="2"/>
             <a:r>
-              <a:rPr lang="en-US" smtClean="0"/>
+              <a:rPr lang="en-US"/>
               <a:t>Third level</a:t>
             </a:r>
           </a:p>
           <a:p>
             <a:pPr lvl="3"/>
             <a:r>
-              <a:rPr lang="en-US" smtClean="0"/>
+              <a:rPr lang="en-US"/>
               <a:t>Fourth level</a:t>
             </a:r>
           </a:p>
           <a:p>
             <a:pPr lvl="4"/>
             <a:r>
-              <a:rPr lang="en-US" smtClean="0"/>
+              <a:rPr lang="en-US"/>
               <a:t>Fifth level</a:t>
             </a:r>
-            <a:endParaRPr lang="en-US"/>
           </a:p>
         </p:txBody>
       </p:sp>
@@ -2584,7 +2581,7 @@
           <a:p>
             <a:pPr lvl="0"/>
             <a:r>
-              <a:rPr lang="en-US" smtClean="0"/>
+              <a:rPr lang="en-US"/>
               <a:t>Click to edit Master text styles</a:t>
             </a:r>
           </a:p>
@@ -2607,7 +2604,7 @@
           <a:p>
             <a:fld id="{78C97017-6FC3-485B-9764-EAC9E56C1D49}" type="datetimeFigureOut">
               <a:rPr lang="en-US" smtClean="0"/>
-              <a:t>10/16/2016</a:t>
+              <a:t>10/21/2018</a:t>
             </a:fld>
             <a:endParaRPr lang="en-US"/>
           </a:p>
@@ -2710,10 +2707,9 @@
           </a:lstStyle>
           <a:p>
             <a:r>
-              <a:rPr lang="en-US" smtClean="0"/>
+              <a:rPr lang="en-US"/>
               <a:t>Click to edit Master title style</a:t>
             </a:r>
-            <a:endParaRPr lang="en-US"/>
           </a:p>
         </p:txBody>
       </p:sp>
@@ -2837,7 +2833,7 @@
           <a:p>
             <a:pPr lvl="0"/>
             <a:r>
-              <a:rPr lang="en-US" smtClean="0"/>
+              <a:rPr lang="en-US"/>
               <a:t>Click to edit Master text styles</a:t>
             </a:r>
           </a:p>
@@ -2860,7 +2856,7 @@
           <a:p>
             <a:fld id="{78C97017-6FC3-485B-9764-EAC9E56C1D49}" type="datetimeFigureOut">
               <a:rPr lang="en-US" smtClean="0"/>
-              <a:t>10/16/2016</a:t>
+              <a:t>10/21/2018</a:t>
             </a:fld>
             <a:endParaRPr lang="en-US"/>
           </a:p>
@@ -2969,10 +2965,9 @@
           <a:lstStyle/>
           <a:p>
             <a:r>
-              <a:rPr lang="en-US" smtClean="0"/>
+              <a:rPr lang="en-US"/>
               <a:t>Click to edit Master title style</a:t>
             </a:r>
-            <a:endParaRPr lang="en-US"/>
           </a:p>
         </p:txBody>
       </p:sp>
@@ -3003,38 +2998,37 @@
           <a:p>
             <a:pPr lvl="0"/>
             <a:r>
-              <a:rPr lang="en-US" smtClean="0"/>
+              <a:rPr lang="en-US"/>
               <a:t>Click to edit Master text styles</a:t>
             </a:r>
           </a:p>
           <a:p>
             <a:pPr lvl="1"/>
             <a:r>
-              <a:rPr lang="en-US" smtClean="0"/>
+              <a:rPr lang="en-US"/>
               <a:t>Second level</a:t>
             </a:r>
           </a:p>
           <a:p>
             <a:pPr lvl="2"/>
             <a:r>
-              <a:rPr lang="en-US" smtClean="0"/>
+              <a:rPr lang="en-US"/>
               <a:t>Third level</a:t>
             </a:r>
           </a:p>
           <a:p>
             <a:pPr lvl="3"/>
             <a:r>
-              <a:rPr lang="en-US" smtClean="0"/>
+              <a:rPr lang="en-US"/>
               <a:t>Fourth level</a:t>
             </a:r>
           </a:p>
           <a:p>
             <a:pPr lvl="4"/>
             <a:r>
-              <a:rPr lang="en-US" smtClean="0"/>
+              <a:rPr lang="en-US"/>
               <a:t>Fifth level</a:t>
             </a:r>
-            <a:endParaRPr lang="en-US"/>
           </a:p>
         </p:txBody>
       </p:sp>
@@ -3073,7 +3067,7 @@
           <a:p>
             <a:fld id="{78C97017-6FC3-485B-9764-EAC9E56C1D49}" type="datetimeFigureOut">
               <a:rPr lang="en-US" smtClean="0"/>
-              <a:t>10/16/2016</a:t>
+              <a:t>10/21/2018</a:t>
             </a:fld>
             <a:endParaRPr lang="en-US"/>
           </a:p>
@@ -3494,7 +3488,7 @@
           <a:lstStyle/>
           <a:p>
             <a:r>
-              <a:rPr lang="en-US" sz="1200" b="1" dirty="0" smtClean="0">
+              <a:rPr lang="en-US" sz="1200" b="1" dirty="0">
                 <a:solidFill>
                   <a:schemeClr val="accent6">
                     <a:lumMod val="75000"/>
@@ -3561,7 +3555,7 @@
           <a:p>
             <a:pPr algn="ctr"/>
             <a:r>
-              <a:rPr lang="en-US" sz="1050" dirty="0" smtClean="0">
+              <a:rPr lang="en-US" sz="1050" dirty="0">
                 <a:solidFill>
                   <a:schemeClr val="bg1"/>
                 </a:solidFill>
@@ -3569,19 +3563,19 @@
               <a:t>&lt;&lt;interface&gt;&gt;</a:t>
             </a:r>
             <a:br>
-              <a:rPr lang="en-US" sz="1050" dirty="0" smtClean="0">
+              <a:rPr lang="en-US" sz="1050" dirty="0">
                 <a:solidFill>
                   <a:schemeClr val="bg1"/>
                 </a:solidFill>
               </a:rPr>
             </a:br>
             <a:r>
-              <a:rPr lang="en-US" sz="1050" dirty="0" err="1" smtClean="0">
+              <a:rPr lang="en-US" sz="1050" dirty="0" err="1">
                 <a:solidFill>
                   <a:schemeClr val="bg1"/>
                 </a:solidFill>
               </a:rPr>
-              <a:t>AddressBookStorage</a:t>
+              <a:t>TaskBookStorage</a:t>
             </a:r>
             <a:endParaRPr lang="en-SG" sz="1050" dirty="0">
               <a:solidFill>
@@ -3639,7 +3633,7 @@
           <a:p>
             <a:pPr algn="ctr"/>
             <a:r>
-              <a:rPr lang="en-US" sz="1050" dirty="0" err="1" smtClean="0">
+              <a:rPr lang="en-US" sz="1050" dirty="0" err="1">
                 <a:solidFill>
                   <a:schemeClr val="bg1"/>
                 </a:solidFill>
@@ -3713,7 +3707,7 @@
           <a:p>
             <a:pPr algn="ctr"/>
             <a:r>
-              <a:rPr lang="en-US" sz="1050" dirty="0" smtClean="0">
+              <a:rPr lang="en-US" sz="1050" dirty="0">
                 <a:solidFill>
                   <a:schemeClr val="bg1"/>
                 </a:solidFill>
@@ -4147,27 +4141,17 @@
           <a:p>
             <a:pPr algn="ctr"/>
             <a:r>
-              <a:rPr lang="en-US" sz="1050" b="1" dirty="0" err="1" smtClean="0">
+              <a:rPr lang="en-US" sz="1050" b="1" dirty="0" err="1">
                 <a:solidFill>
                   <a:schemeClr val="accent6">
                     <a:lumMod val="75000"/>
                   </a:schemeClr>
                 </a:solidFill>
               </a:rPr>
-              <a:t>XmlAddressBook</a:t>
-            </a:r>
-            <a:r>
-              <a:rPr lang="en-US" sz="1050" b="1" dirty="0" smtClean="0">
-                <a:solidFill>
-                  <a:schemeClr val="accent6">
-                    <a:lumMod val="75000"/>
-                  </a:schemeClr>
-                </a:solidFill>
-              </a:rPr>
-              <a:t/>
+              <a:t>XmlTaskBook</a:t>
             </a:r>
             <a:br>
-              <a:rPr lang="en-US" sz="1050" b="1" dirty="0" smtClean="0">
+              <a:rPr lang="en-US" sz="1050" b="1" dirty="0">
                 <a:solidFill>
                   <a:schemeClr val="accent6">
                     <a:lumMod val="75000"/>
@@ -4176,7 +4160,7 @@
               </a:rPr>
             </a:br>
             <a:r>
-              <a:rPr lang="en-US" sz="1050" b="1" dirty="0" smtClean="0">
+              <a:rPr lang="en-US" sz="1050" b="1" dirty="0">
                 <a:solidFill>
                   <a:schemeClr val="accent6">
                     <a:lumMod val="75000"/>
@@ -4243,7 +4227,7 @@
           <a:p>
             <a:pPr algn="ctr"/>
             <a:r>
-              <a:rPr lang="en-US" sz="1050" dirty="0" smtClean="0">
+              <a:rPr lang="en-US" sz="1050" dirty="0">
                 <a:solidFill>
                   <a:schemeClr val="bg1"/>
                 </a:solidFill>
@@ -4251,14 +4235,14 @@
               <a:t>&lt;&lt;interface&gt;&gt;</a:t>
             </a:r>
             <a:br>
-              <a:rPr lang="en-US" sz="1050" dirty="0" smtClean="0">
+              <a:rPr lang="en-US" sz="1050" dirty="0">
                 <a:solidFill>
                   <a:schemeClr val="bg1"/>
                 </a:solidFill>
               </a:rPr>
             </a:br>
             <a:r>
-              <a:rPr lang="en-US" sz="1050" dirty="0" err="1" smtClean="0">
+              <a:rPr lang="en-US" sz="1050" dirty="0" err="1">
                 <a:solidFill>
                   <a:schemeClr val="bg1"/>
                 </a:solidFill>
@@ -4516,30 +4500,22 @@
           <a:p>
             <a:pPr algn="ctr"/>
             <a:r>
-              <a:rPr lang="en-US" sz="1050" dirty="0" err="1" smtClean="0">
+              <a:rPr lang="en-US" sz="1050" dirty="0" err="1">
                 <a:solidFill>
                   <a:schemeClr val="bg1"/>
                 </a:solidFill>
               </a:rPr>
               <a:t>JsonUserPrefs</a:t>
             </a:r>
-            <a:r>
-              <a:rPr lang="en-US" sz="1050" dirty="0" smtClean="0">
-                <a:solidFill>
-                  <a:schemeClr val="bg1"/>
-                </a:solidFill>
-              </a:rPr>
-              <a:t/>
-            </a:r>
             <a:br>
-              <a:rPr lang="en-US" sz="1050" dirty="0" smtClean="0">
+              <a:rPr lang="en-US" sz="1050" dirty="0">
                 <a:solidFill>
                   <a:schemeClr val="bg1"/>
                 </a:solidFill>
               </a:rPr>
             </a:br>
             <a:r>
-              <a:rPr lang="en-US" sz="1050" dirty="0" smtClean="0">
+              <a:rPr lang="en-US" sz="1050" dirty="0">
                 <a:solidFill>
                   <a:schemeClr val="bg1"/>
                 </a:solidFill>
@@ -4591,7 +4567,7 @@
           <a:p>
             <a:pPr algn="ctr"/>
             <a:r>
-              <a:rPr lang="en-US" sz="1050" b="1" dirty="0" err="1" smtClean="0">
+              <a:rPr lang="en-US" sz="1050" b="1" dirty="0" err="1">
                 <a:solidFill>
                   <a:schemeClr val="accent6">
                     <a:lumMod val="75000"/>
@@ -4600,18 +4576,8 @@
               </a:rPr>
               <a:t>XmlSerializable</a:t>
             </a:r>
-            <a:r>
-              <a:rPr lang="en-US" sz="1050" b="1" dirty="0" smtClean="0">
-                <a:solidFill>
-                  <a:schemeClr val="accent6">
-                    <a:lumMod val="75000"/>
-                  </a:schemeClr>
-                </a:solidFill>
-              </a:rPr>
-              <a:t/>
-            </a:r>
             <a:br>
-              <a:rPr lang="en-US" sz="1050" b="1" dirty="0" smtClean="0">
+              <a:rPr lang="en-US" sz="1050" b="1" dirty="0">
                 <a:solidFill>
                   <a:schemeClr val="accent6">
                     <a:lumMod val="75000"/>
@@ -4620,14 +4586,14 @@
               </a:rPr>
             </a:br>
             <a:r>
-              <a:rPr lang="en-US" sz="1050" b="1" dirty="0" err="1" smtClean="0">
+              <a:rPr lang="en-US" sz="1050" b="1" dirty="0" err="1">
                 <a:solidFill>
                   <a:schemeClr val="accent6">
                     <a:lumMod val="75000"/>
                   </a:schemeClr>
                 </a:solidFill>
               </a:rPr>
-              <a:t>AddressBook</a:t>
+              <a:t>TaskBook</a:t>
             </a:r>
             <a:endParaRPr lang="en-SG" sz="1050" b="1" dirty="0">
               <a:solidFill>
@@ -4717,7 +4683,7 @@
           <a:p>
             <a:pPr algn="ctr"/>
             <a:r>
-              <a:rPr lang="en-US" sz="1050" b="1" dirty="0" err="1" smtClean="0">
+              <a:rPr lang="en-US" sz="1050" b="1" dirty="0" err="1">
                 <a:solidFill>
                   <a:schemeClr val="accent6">
                     <a:lumMod val="75000"/>
@@ -4773,14 +4739,14 @@
           <a:p>
             <a:pPr algn="ctr"/>
             <a:r>
-              <a:rPr lang="en-US" sz="1050" b="1" dirty="0" err="1" smtClean="0">
+              <a:rPr lang="en-US" sz="1050" b="1" dirty="0" err="1">
                 <a:solidFill>
                   <a:schemeClr val="accent6">
                     <a:lumMod val="75000"/>
                   </a:schemeClr>
                 </a:solidFill>
               </a:rPr>
-              <a:t>XmlAdaptedPerson</a:t>
+              <a:t>XmlAdaptedTask</a:t>
             </a:r>
             <a:endParaRPr lang="en-SG" sz="1050" b="1" dirty="0">
               <a:solidFill>
@@ -4843,13 +4809,6 @@
   <p:clrMapOvr>
     <a:masterClrMapping/>
   </p:clrMapOvr>
-  <p:timing>
-    <p:tnLst>
-      <p:par>
-        <p:cTn id="1" dur="indefinite" restart="never" nodeType="tmRoot"/>
-      </p:par>
-    </p:tnLst>
-  </p:timing>
 </p:sld>
 </file>
 

--- a/docs/diagrams/StorageComponentClassDiagram.pptx
+++ b/docs/diagrams/StorageComponentClassDiagram.pptx
@@ -175,7 +175,7 @@
             </a:lvl1pPr>
           </a:lstStyle>
           <a:p>
-            <a:endParaRPr lang="en-US"/>
+            <a:endParaRPr lang="en-US" dirty="0"/>
           </a:p>
         </p:txBody>
       </p:sp>
@@ -208,9 +208,9 @@
           <a:p>
             <a:fld id="{F5CC4B3F-88C1-4FFA-B1B6-F41C21DC6924}" type="datetimeFigureOut">
               <a:rPr lang="en-US" smtClean="0"/>
-              <a:t>10/16/2018</a:t>
+              <a:t>10/24/2018</a:t>
             </a:fld>
-            <a:endParaRPr lang="en-US"/>
+            <a:endParaRPr lang="en-US" dirty="0"/>
           </a:p>
         </p:txBody>
       </p:sp>
@@ -243,7 +243,7 @@
           <a:bodyPr vert="horz" lIns="91440" tIns="45720" rIns="91440" bIns="45720" rtlCol="0" anchor="ctr"/>
           <a:lstStyle/>
           <a:p>
-            <a:endParaRPr lang="en-US"/>
+            <a:endParaRPr lang="en-US" dirty="0"/>
           </a:p>
         </p:txBody>
       </p:sp>
@@ -333,7 +333,7 @@
             </a:lvl1pPr>
           </a:lstStyle>
           <a:p>
-            <a:endParaRPr lang="en-US"/>
+            <a:endParaRPr lang="en-US" dirty="0"/>
           </a:p>
         </p:txBody>
       </p:sp>
@@ -368,7 +368,7 @@
               <a:rPr lang="en-US" smtClean="0"/>
               <a:t>‹#›</a:t>
             </a:fld>
-            <a:endParaRPr lang="en-US"/>
+            <a:endParaRPr lang="en-US" dirty="0"/>
           </a:p>
         </p:txBody>
       </p:sp>
@@ -654,9 +654,9 @@
           <a:p>
             <a:fld id="{78C97017-6FC3-485B-9764-EAC9E56C1D49}" type="datetimeFigureOut">
               <a:rPr lang="en-US" smtClean="0"/>
-              <a:t>10/16/2018</a:t>
+              <a:t>10/24/2018</a:t>
             </a:fld>
-            <a:endParaRPr lang="en-US"/>
+            <a:endParaRPr lang="en-US" dirty="0"/>
           </a:p>
         </p:txBody>
       </p:sp>
@@ -675,7 +675,7 @@
           <a:bodyPr/>
           <a:lstStyle/>
           <a:p>
-            <a:endParaRPr lang="en-US"/>
+            <a:endParaRPr lang="en-US" dirty="0"/>
           </a:p>
         </p:txBody>
       </p:sp>
@@ -698,7 +698,7 @@
               <a:rPr lang="en-US" smtClean="0"/>
               <a:t>‹#›</a:t>
             </a:fld>
-            <a:endParaRPr lang="en-US"/>
+            <a:endParaRPr lang="en-US" dirty="0"/>
           </a:p>
         </p:txBody>
       </p:sp>
@@ -822,9 +822,9 @@
           <a:p>
             <a:fld id="{78C97017-6FC3-485B-9764-EAC9E56C1D49}" type="datetimeFigureOut">
               <a:rPr lang="en-US" smtClean="0"/>
-              <a:t>10/16/2018</a:t>
+              <a:t>10/24/2018</a:t>
             </a:fld>
-            <a:endParaRPr lang="en-US"/>
+            <a:endParaRPr lang="en-US" dirty="0"/>
           </a:p>
         </p:txBody>
       </p:sp>
@@ -843,7 +843,7 @@
           <a:bodyPr/>
           <a:lstStyle/>
           <a:p>
-            <a:endParaRPr lang="en-US"/>
+            <a:endParaRPr lang="en-US" dirty="0"/>
           </a:p>
         </p:txBody>
       </p:sp>
@@ -866,7 +866,7 @@
               <a:rPr lang="en-US" smtClean="0"/>
               <a:t>‹#›</a:t>
             </a:fld>
-            <a:endParaRPr lang="en-US"/>
+            <a:endParaRPr lang="en-US" dirty="0"/>
           </a:p>
         </p:txBody>
       </p:sp>
@@ -1000,9 +1000,9 @@
           <a:p>
             <a:fld id="{78C97017-6FC3-485B-9764-EAC9E56C1D49}" type="datetimeFigureOut">
               <a:rPr lang="en-US" smtClean="0"/>
-              <a:t>10/16/2018</a:t>
+              <a:t>10/24/2018</a:t>
             </a:fld>
-            <a:endParaRPr lang="en-US"/>
+            <a:endParaRPr lang="en-US" dirty="0"/>
           </a:p>
         </p:txBody>
       </p:sp>
@@ -1021,7 +1021,7 @@
           <a:bodyPr/>
           <a:lstStyle/>
           <a:p>
-            <a:endParaRPr lang="en-US"/>
+            <a:endParaRPr lang="en-US" dirty="0"/>
           </a:p>
         </p:txBody>
       </p:sp>
@@ -1044,7 +1044,7 @@
               <a:rPr lang="en-US" smtClean="0"/>
               <a:t>‹#›</a:t>
             </a:fld>
-            <a:endParaRPr lang="en-US"/>
+            <a:endParaRPr lang="en-US" dirty="0"/>
           </a:p>
         </p:txBody>
       </p:sp>
@@ -1168,9 +1168,9 @@
           <a:p>
             <a:fld id="{78C97017-6FC3-485B-9764-EAC9E56C1D49}" type="datetimeFigureOut">
               <a:rPr lang="en-US" smtClean="0"/>
-              <a:t>10/16/2018</a:t>
+              <a:t>10/24/2018</a:t>
             </a:fld>
-            <a:endParaRPr lang="en-US"/>
+            <a:endParaRPr lang="en-US" dirty="0"/>
           </a:p>
         </p:txBody>
       </p:sp>
@@ -1189,7 +1189,7 @@
           <a:bodyPr/>
           <a:lstStyle/>
           <a:p>
-            <a:endParaRPr lang="en-US"/>
+            <a:endParaRPr lang="en-US" dirty="0"/>
           </a:p>
         </p:txBody>
       </p:sp>
@@ -1212,7 +1212,7 @@
               <a:rPr lang="en-US" smtClean="0"/>
               <a:t>‹#›</a:t>
             </a:fld>
-            <a:endParaRPr lang="en-US"/>
+            <a:endParaRPr lang="en-US" dirty="0"/>
           </a:p>
         </p:txBody>
       </p:sp>
@@ -1413,9 +1413,9 @@
           <a:p>
             <a:fld id="{78C97017-6FC3-485B-9764-EAC9E56C1D49}" type="datetimeFigureOut">
               <a:rPr lang="en-US" smtClean="0"/>
-              <a:t>10/16/2018</a:t>
+              <a:t>10/24/2018</a:t>
             </a:fld>
-            <a:endParaRPr lang="en-US"/>
+            <a:endParaRPr lang="en-US" dirty="0"/>
           </a:p>
         </p:txBody>
       </p:sp>
@@ -1434,7 +1434,7 @@
           <a:bodyPr/>
           <a:lstStyle/>
           <a:p>
-            <a:endParaRPr lang="en-US"/>
+            <a:endParaRPr lang="en-US" dirty="0"/>
           </a:p>
         </p:txBody>
       </p:sp>
@@ -1457,7 +1457,7 @@
               <a:rPr lang="en-US" smtClean="0"/>
               <a:t>‹#›</a:t>
             </a:fld>
-            <a:endParaRPr lang="en-US"/>
+            <a:endParaRPr lang="en-US" dirty="0"/>
           </a:p>
         </p:txBody>
       </p:sp>
@@ -1698,9 +1698,9 @@
           <a:p>
             <a:fld id="{78C97017-6FC3-485B-9764-EAC9E56C1D49}" type="datetimeFigureOut">
               <a:rPr lang="en-US" smtClean="0"/>
-              <a:t>10/16/2018</a:t>
+              <a:t>10/24/2018</a:t>
             </a:fld>
-            <a:endParaRPr lang="en-US"/>
+            <a:endParaRPr lang="en-US" dirty="0"/>
           </a:p>
         </p:txBody>
       </p:sp>
@@ -1719,7 +1719,7 @@
           <a:bodyPr/>
           <a:lstStyle/>
           <a:p>
-            <a:endParaRPr lang="en-US"/>
+            <a:endParaRPr lang="en-US" dirty="0"/>
           </a:p>
         </p:txBody>
       </p:sp>
@@ -1742,7 +1742,7 @@
               <a:rPr lang="en-US" smtClean="0"/>
               <a:t>‹#›</a:t>
             </a:fld>
-            <a:endParaRPr lang="en-US"/>
+            <a:endParaRPr lang="en-US" dirty="0"/>
           </a:p>
         </p:txBody>
       </p:sp>
@@ -2117,9 +2117,9 @@
           <a:p>
             <a:fld id="{78C97017-6FC3-485B-9764-EAC9E56C1D49}" type="datetimeFigureOut">
               <a:rPr lang="en-US" smtClean="0"/>
-              <a:t>10/16/2018</a:t>
+              <a:t>10/24/2018</a:t>
             </a:fld>
-            <a:endParaRPr lang="en-US"/>
+            <a:endParaRPr lang="en-US" dirty="0"/>
           </a:p>
         </p:txBody>
       </p:sp>
@@ -2138,7 +2138,7 @@
           <a:bodyPr/>
           <a:lstStyle/>
           <a:p>
-            <a:endParaRPr lang="en-US"/>
+            <a:endParaRPr lang="en-US" dirty="0"/>
           </a:p>
         </p:txBody>
       </p:sp>
@@ -2161,7 +2161,7 @@
               <a:rPr lang="en-US" smtClean="0"/>
               <a:t>‹#›</a:t>
             </a:fld>
-            <a:endParaRPr lang="en-US"/>
+            <a:endParaRPr lang="en-US" dirty="0"/>
           </a:p>
         </p:txBody>
       </p:sp>
@@ -2234,9 +2234,9 @@
           <a:p>
             <a:fld id="{78C97017-6FC3-485B-9764-EAC9E56C1D49}" type="datetimeFigureOut">
               <a:rPr lang="en-US" smtClean="0"/>
-              <a:t>10/16/2018</a:t>
+              <a:t>10/24/2018</a:t>
             </a:fld>
-            <a:endParaRPr lang="en-US"/>
+            <a:endParaRPr lang="en-US" dirty="0"/>
           </a:p>
         </p:txBody>
       </p:sp>
@@ -2255,7 +2255,7 @@
           <a:bodyPr/>
           <a:lstStyle/>
           <a:p>
-            <a:endParaRPr lang="en-US"/>
+            <a:endParaRPr lang="en-US" dirty="0"/>
           </a:p>
         </p:txBody>
       </p:sp>
@@ -2278,7 +2278,7 @@
               <a:rPr lang="en-US" smtClean="0"/>
               <a:t>‹#›</a:t>
             </a:fld>
-            <a:endParaRPr lang="en-US"/>
+            <a:endParaRPr lang="en-US" dirty="0"/>
           </a:p>
         </p:txBody>
       </p:sp>
@@ -2329,9 +2329,9 @@
           <a:p>
             <a:fld id="{78C97017-6FC3-485B-9764-EAC9E56C1D49}" type="datetimeFigureOut">
               <a:rPr lang="en-US" smtClean="0"/>
-              <a:t>10/16/2018</a:t>
+              <a:t>10/24/2018</a:t>
             </a:fld>
-            <a:endParaRPr lang="en-US"/>
+            <a:endParaRPr lang="en-US" dirty="0"/>
           </a:p>
         </p:txBody>
       </p:sp>
@@ -2350,7 +2350,7 @@
           <a:bodyPr/>
           <a:lstStyle/>
           <a:p>
-            <a:endParaRPr lang="en-US"/>
+            <a:endParaRPr lang="en-US" dirty="0"/>
           </a:p>
         </p:txBody>
       </p:sp>
@@ -2373,7 +2373,7 @@
               <a:rPr lang="en-US" smtClean="0"/>
               <a:t>‹#›</a:t>
             </a:fld>
-            <a:endParaRPr lang="en-US"/>
+            <a:endParaRPr lang="en-US" dirty="0"/>
           </a:p>
         </p:txBody>
       </p:sp>
@@ -2604,9 +2604,9 @@
           <a:p>
             <a:fld id="{78C97017-6FC3-485B-9764-EAC9E56C1D49}" type="datetimeFigureOut">
               <a:rPr lang="en-US" smtClean="0"/>
-              <a:t>10/16/2018</a:t>
+              <a:t>10/24/2018</a:t>
             </a:fld>
-            <a:endParaRPr lang="en-US"/>
+            <a:endParaRPr lang="en-US" dirty="0"/>
           </a:p>
         </p:txBody>
       </p:sp>
@@ -2625,7 +2625,7 @@
           <a:bodyPr/>
           <a:lstStyle/>
           <a:p>
-            <a:endParaRPr lang="en-US"/>
+            <a:endParaRPr lang="en-US" dirty="0"/>
           </a:p>
         </p:txBody>
       </p:sp>
@@ -2648,7 +2648,7 @@
               <a:rPr lang="en-US" smtClean="0"/>
               <a:t>‹#›</a:t>
             </a:fld>
-            <a:endParaRPr lang="en-US"/>
+            <a:endParaRPr lang="en-US" dirty="0"/>
           </a:p>
         </p:txBody>
       </p:sp>
@@ -2770,7 +2770,7 @@
             </a:lvl9pPr>
           </a:lstStyle>
           <a:p>
-            <a:endParaRPr lang="en-US"/>
+            <a:endParaRPr lang="en-US" dirty="0"/>
           </a:p>
         </p:txBody>
       </p:sp>
@@ -2856,9 +2856,9 @@
           <a:p>
             <a:fld id="{78C97017-6FC3-485B-9764-EAC9E56C1D49}" type="datetimeFigureOut">
               <a:rPr lang="en-US" smtClean="0"/>
-              <a:t>10/16/2018</a:t>
+              <a:t>10/24/2018</a:t>
             </a:fld>
-            <a:endParaRPr lang="en-US"/>
+            <a:endParaRPr lang="en-US" dirty="0"/>
           </a:p>
         </p:txBody>
       </p:sp>
@@ -2877,7 +2877,7 @@
           <a:bodyPr/>
           <a:lstStyle/>
           <a:p>
-            <a:endParaRPr lang="en-US"/>
+            <a:endParaRPr lang="en-US" dirty="0"/>
           </a:p>
         </p:txBody>
       </p:sp>
@@ -2900,7 +2900,7 @@
               <a:rPr lang="en-US" smtClean="0"/>
               <a:t>‹#›</a:t>
             </a:fld>
-            <a:endParaRPr lang="en-US"/>
+            <a:endParaRPr lang="en-US" dirty="0"/>
           </a:p>
         </p:txBody>
       </p:sp>
@@ -3067,9 +3067,9 @@
           <a:p>
             <a:fld id="{78C97017-6FC3-485B-9764-EAC9E56C1D49}" type="datetimeFigureOut">
               <a:rPr lang="en-US" smtClean="0"/>
-              <a:t>10/16/2018</a:t>
+              <a:t>10/24/2018</a:t>
             </a:fld>
-            <a:endParaRPr lang="en-US"/>
+            <a:endParaRPr lang="en-US" dirty="0"/>
           </a:p>
         </p:txBody>
       </p:sp>
@@ -3106,7 +3106,7 @@
             </a:lvl1pPr>
           </a:lstStyle>
           <a:p>
-            <a:endParaRPr lang="en-US"/>
+            <a:endParaRPr lang="en-US" dirty="0"/>
           </a:p>
         </p:txBody>
       </p:sp>
@@ -3147,7 +3147,7 @@
               <a:rPr lang="en-US" smtClean="0"/>
               <a:t>‹#›</a:t>
             </a:fld>
-            <a:endParaRPr lang="en-US"/>
+            <a:endParaRPr lang="en-US" dirty="0"/>
           </a:p>
         </p:txBody>
       </p:sp>
@@ -3450,8 +3450,8 @@
         </p:nvSpPr>
         <p:spPr>
           <a:xfrm>
-            <a:off x="1119865" y="2086382"/>
-            <a:ext cx="7871735" cy="1723618"/>
+            <a:off x="533400" y="2169027"/>
+            <a:ext cx="8382000" cy="2385812"/>
           </a:xfrm>
           <a:prstGeom prst="roundRect">
             <a:avLst>
@@ -3515,7 +3515,7 @@
         </p:nvSpPr>
         <p:spPr>
           <a:xfrm>
-            <a:off x="2877180" y="3158440"/>
+            <a:off x="2348042" y="3254436"/>
             <a:ext cx="1323049" cy="346760"/>
           </a:xfrm>
           <a:prstGeom prst="rect">
@@ -3570,7 +3570,7 @@
               </a:rPr>
             </a:br>
             <a:r>
-              <a:rPr lang="en-US" sz="1050" dirty="0" err="1">
+              <a:rPr lang="en-US" sz="1050" dirty="0">
                 <a:solidFill>
                   <a:schemeClr val="bg1"/>
                 </a:solidFill>
@@ -3593,8 +3593,8 @@
         </p:nvSpPr>
         <p:spPr>
           <a:xfrm rot="16200000">
-            <a:off x="1683963" y="2868687"/>
-            <a:ext cx="1093635" cy="346760"/>
+            <a:off x="815669" y="3303839"/>
+            <a:ext cx="1771948" cy="346760"/>
           </a:xfrm>
           <a:prstGeom prst="rect">
             <a:avLst/>
@@ -3633,7 +3633,7 @@
           <a:p>
             <a:pPr algn="ctr"/>
             <a:r>
-              <a:rPr lang="en-US" sz="1050" dirty="0" err="1">
+              <a:rPr lang="en-US" sz="1050" dirty="0">
                 <a:solidFill>
                   <a:schemeClr val="bg1"/>
                 </a:solidFill>
@@ -3656,7 +3656,7 @@
         </p:nvSpPr>
         <p:spPr>
           <a:xfrm rot="16200000">
-            <a:off x="956202" y="2861202"/>
+            <a:off x="427064" y="2957198"/>
             <a:ext cx="1093635" cy="346760"/>
           </a:xfrm>
           <a:prstGeom prst="rect">
@@ -3730,7 +3730,7 @@
         </p:nvSpPr>
         <p:spPr>
           <a:xfrm rot="16200000">
-            <a:off x="1626910" y="2952291"/>
+            <a:off x="1097772" y="3048287"/>
             <a:ext cx="270504" cy="175523"/>
           </a:xfrm>
           <a:prstGeom prst="triangle">
@@ -3769,7 +3769,7 @@
           <a:lstStyle/>
           <a:p>
             <a:pPr algn="ctr"/>
-            <a:endParaRPr lang="en-SG" sz="1050">
+            <a:endParaRPr lang="en-SG" sz="1050" dirty="0">
               <a:solidFill>
                 <a:schemeClr val="bg1"/>
               </a:solidFill>
@@ -3788,7 +3788,7 @@
         </p:nvCxnSpPr>
         <p:spPr>
           <a:xfrm>
-            <a:off x="2656370" y="3326536"/>
+            <a:off x="2127232" y="3422532"/>
             <a:ext cx="220810" cy="5284"/>
           </a:xfrm>
           <a:prstGeom prst="straightConnector1">
@@ -3828,7 +3828,7 @@
         </p:nvCxnSpPr>
         <p:spPr>
           <a:xfrm>
-            <a:off x="910091" y="3040053"/>
+            <a:off x="380953" y="3136049"/>
             <a:ext cx="419548" cy="2860"/>
           </a:xfrm>
           <a:prstGeom prst="bentConnector3">
@@ -3873,7 +3873,7 @@
         </p:nvCxnSpPr>
         <p:spPr>
           <a:xfrm flipV="1">
-            <a:off x="1849924" y="3040052"/>
+            <a:off x="1320786" y="3136048"/>
             <a:ext cx="216105" cy="1"/>
           </a:xfrm>
           <a:prstGeom prst="line">
@@ -3914,7 +3914,7 @@
         </p:nvSpPr>
         <p:spPr>
           <a:xfrm>
-            <a:off x="2420322" y="3239846"/>
+            <a:off x="1891184" y="3335842"/>
             <a:ext cx="236048" cy="173380"/>
           </a:xfrm>
           <a:prstGeom prst="flowChartDecision">
@@ -3949,7 +3949,7 @@
           <a:lstStyle/>
           <a:p>
             <a:pPr algn="ctr"/>
-            <a:endParaRPr lang="en-US" sz="1050">
+            <a:endParaRPr lang="en-US" sz="1050" dirty="0">
               <a:solidFill>
                 <a:schemeClr val="bg1"/>
               </a:solidFill>
@@ -3968,7 +3968,7 @@
         </p:nvCxnSpPr>
         <p:spPr>
           <a:xfrm flipV="1">
-            <a:off x="4398041" y="3331820"/>
+            <a:off x="3868903" y="3427816"/>
             <a:ext cx="223324" cy="1"/>
           </a:xfrm>
           <a:prstGeom prst="bentConnector3">
@@ -4011,7 +4011,7 @@
         </p:nvSpPr>
         <p:spPr>
           <a:xfrm rot="5400000" flipV="1">
-            <a:off x="4175027" y="3244059"/>
+            <a:off x="3645889" y="3340055"/>
             <a:ext cx="270504" cy="175523"/>
           </a:xfrm>
           <a:prstGeom prst="triangle">
@@ -4050,7 +4050,7 @@
           <a:lstStyle/>
           <a:p>
             <a:pPr algn="ctr"/>
-            <a:endParaRPr lang="en-SG" sz="1050">
+            <a:endParaRPr lang="en-SG" sz="1050" dirty="0">
               <a:solidFill>
                 <a:schemeClr val="bg1"/>
               </a:solidFill>
@@ -4069,7 +4069,7 @@
         </p:nvCxnSpPr>
         <p:spPr>
           <a:xfrm>
-            <a:off x="5791200" y="3331820"/>
+            <a:off x="5262062" y="3427816"/>
             <a:ext cx="228600" cy="1970"/>
           </a:xfrm>
           <a:prstGeom prst="bentConnector3">
@@ -4112,7 +4112,7 @@
         </p:nvSpPr>
         <p:spPr>
           <a:xfrm>
-            <a:off x="4621365" y="3158440"/>
+            <a:off x="4092227" y="3254436"/>
             <a:ext cx="1169835" cy="346760"/>
           </a:xfrm>
           <a:prstGeom prst="rect">
@@ -4141,7 +4141,7 @@
           <a:p>
             <a:pPr algn="ctr"/>
             <a:r>
-              <a:rPr lang="en-US" sz="1050" b="1" dirty="0" err="1">
+              <a:rPr lang="en-US" sz="1050" b="1" dirty="0">
                 <a:solidFill>
                   <a:schemeClr val="accent6">
                     <a:lumMod val="75000"/>
@@ -4187,7 +4187,7 @@
         </p:nvSpPr>
         <p:spPr>
           <a:xfrm>
-            <a:off x="2873943" y="2558040"/>
+            <a:off x="2344805" y="2654036"/>
             <a:ext cx="1323049" cy="346760"/>
           </a:xfrm>
           <a:prstGeom prst="rect">
@@ -4242,7 +4242,7 @@
               </a:rPr>
             </a:br>
             <a:r>
-              <a:rPr lang="en-US" sz="1050" dirty="0" err="1">
+              <a:rPr lang="en-US" sz="1050" dirty="0">
                 <a:solidFill>
                   <a:schemeClr val="bg1"/>
                 </a:solidFill>
@@ -4268,7 +4268,7 @@
         </p:nvCxnSpPr>
         <p:spPr>
           <a:xfrm>
-            <a:off x="2653133" y="2726136"/>
+            <a:off x="2123995" y="2822132"/>
             <a:ext cx="220810" cy="5284"/>
           </a:xfrm>
           <a:prstGeom prst="straightConnector1">
@@ -4308,7 +4308,7 @@
         </p:nvSpPr>
         <p:spPr>
           <a:xfrm>
-            <a:off x="2417085" y="2639446"/>
+            <a:off x="1887947" y="2735442"/>
             <a:ext cx="236048" cy="173380"/>
           </a:xfrm>
           <a:prstGeom prst="flowChartDecision">
@@ -4343,7 +4343,7 @@
           <a:lstStyle/>
           <a:p>
             <a:pPr algn="ctr"/>
-            <a:endParaRPr lang="en-US" sz="1050">
+            <a:endParaRPr lang="en-US" sz="1050" dirty="0">
               <a:solidFill>
                 <a:schemeClr val="bg1"/>
               </a:solidFill>
@@ -4362,7 +4362,7 @@
         </p:nvCxnSpPr>
         <p:spPr>
           <a:xfrm flipV="1">
-            <a:off x="4394804" y="2731420"/>
+            <a:off x="3865666" y="2827416"/>
             <a:ext cx="223324" cy="1"/>
           </a:xfrm>
           <a:prstGeom prst="bentConnector3">
@@ -4405,7 +4405,7 @@
         </p:nvSpPr>
         <p:spPr>
           <a:xfrm rot="5400000" flipV="1">
-            <a:off x="4171790" y="2643659"/>
+            <a:off x="3642652" y="2739655"/>
             <a:ext cx="270504" cy="175523"/>
           </a:xfrm>
           <a:prstGeom prst="triangle">
@@ -4444,7 +4444,7 @@
           <a:lstStyle/>
           <a:p>
             <a:pPr algn="ctr"/>
-            <a:endParaRPr lang="en-SG" sz="1050">
+            <a:endParaRPr lang="en-SG" sz="1050" dirty="0">
               <a:solidFill>
                 <a:schemeClr val="bg1"/>
               </a:solidFill>
@@ -4460,7 +4460,7 @@
         </p:nvSpPr>
         <p:spPr>
           <a:xfrm>
-            <a:off x="4618128" y="2558040"/>
+            <a:off x="4088990" y="2654036"/>
             <a:ext cx="1093635" cy="346760"/>
           </a:xfrm>
           <a:prstGeom prst="rect">
@@ -4500,7 +4500,7 @@
           <a:p>
             <a:pPr algn="ctr"/>
             <a:r>
-              <a:rPr lang="en-US" sz="1050" dirty="0" err="1">
+              <a:rPr lang="en-US" sz="1050" dirty="0">
                 <a:solidFill>
                   <a:schemeClr val="bg1"/>
                 </a:solidFill>
@@ -4538,7 +4538,7 @@
         </p:nvSpPr>
         <p:spPr>
           <a:xfrm>
-            <a:off x="6019800" y="3160410"/>
+            <a:off x="5490662" y="3256406"/>
             <a:ext cx="1200707" cy="346760"/>
           </a:xfrm>
           <a:prstGeom prst="rect">
@@ -4567,7 +4567,7 @@
           <a:p>
             <a:pPr algn="ctr"/>
             <a:r>
-              <a:rPr lang="en-US" sz="1050" b="1" dirty="0" err="1">
+              <a:rPr lang="en-US" sz="1050" b="1" dirty="0">
                 <a:solidFill>
                   <a:schemeClr val="accent6">
                     <a:lumMod val="75000"/>
@@ -4586,7 +4586,7 @@
               </a:rPr>
             </a:br>
             <a:r>
-              <a:rPr lang="en-US" sz="1050" b="1" dirty="0" err="1">
+              <a:rPr lang="en-US" sz="1050" b="1" dirty="0">
                 <a:solidFill>
                   <a:schemeClr val="accent6">
                     <a:lumMod val="75000"/>
@@ -4613,7 +4613,7 @@
         </p:nvSpPr>
         <p:spPr>
           <a:xfrm>
-            <a:off x="7615738" y="3159624"/>
+            <a:off x="7086600" y="3255620"/>
             <a:ext cx="1259718" cy="346760"/>
           </a:xfrm>
           <a:prstGeom prst="rect">
@@ -4642,7 +4642,7 @@
           <a:p>
             <a:pPr algn="ctr"/>
             <a:r>
-              <a:rPr lang="en-US" sz="1050" b="1" dirty="0" err="1">
+              <a:rPr lang="en-US" sz="1050" b="1" dirty="0">
                 <a:solidFill>
                   <a:schemeClr val="accent6">
                     <a:lumMod val="75000"/>
@@ -4672,8 +4672,675 @@
         </p:nvCxnSpPr>
         <p:spPr>
           <a:xfrm flipV="1">
-            <a:off x="7220507" y="3333004"/>
+            <a:off x="6691369" y="3429000"/>
             <a:ext cx="395231" cy="786"/>
+          </a:xfrm>
+          <a:prstGeom prst="bentConnector3">
+            <a:avLst>
+              <a:gd name="adj1" fmla="val 50000"/>
+            </a:avLst>
+          </a:prstGeom>
+          <a:ln w="19050">
+            <a:prstDash val="sysDot"/>
+            <a:headEnd type="none" w="med" len="med"/>
+            <a:tailEnd type="arrow" w="med" len="med"/>
+          </a:ln>
+          <a:effectLst/>
+        </p:spPr>
+        <p:style>
+          <a:lnRef idx="1">
+            <a:schemeClr val="accent6"/>
+          </a:lnRef>
+          <a:fillRef idx="2">
+            <a:schemeClr val="accent6"/>
+          </a:fillRef>
+          <a:effectRef idx="1">
+            <a:schemeClr val="accent6"/>
+          </a:effectRef>
+          <a:fontRef idx="minor">
+            <a:schemeClr val="dk1"/>
+          </a:fontRef>
+        </p:style>
+      </p:cxnSp>
+      <p:sp>
+        <p:nvSpPr>
+          <p:cNvPr id="24" name="Rectangle 8">
+            <a:extLst>
+              <a:ext uri="{FF2B5EF4-FFF2-40B4-BE49-F238E27FC236}">
+                <a16:creationId xmlns:a16="http://schemas.microsoft.com/office/drawing/2014/main" id="{B87850BF-5F80-4AB7-8298-D0BA28CFFBE2}"/>
+              </a:ext>
+            </a:extLst>
+          </p:cNvPr>
+          <p:cNvSpPr/>
+          <p:nvPr/>
+        </p:nvSpPr>
+        <p:spPr>
+          <a:xfrm>
+            <a:off x="2348042" y="3811424"/>
+            <a:ext cx="1323049" cy="551771"/>
+          </a:xfrm>
+          <a:prstGeom prst="rect">
+            <a:avLst/>
+          </a:prstGeom>
+          <a:solidFill>
+            <a:schemeClr val="accent6">
+              <a:lumMod val="75000"/>
+            </a:schemeClr>
+          </a:solidFill>
+          <a:ln w="19050">
+            <a:solidFill>
+              <a:schemeClr val="accent6">
+                <a:lumMod val="75000"/>
+              </a:schemeClr>
+            </a:solidFill>
+          </a:ln>
+          <a:effectLst/>
+        </p:spPr>
+        <p:style>
+          <a:lnRef idx="1">
+            <a:schemeClr val="accent2"/>
+          </a:lnRef>
+          <a:fillRef idx="2">
+            <a:schemeClr val="accent2"/>
+          </a:fillRef>
+          <a:effectRef idx="1">
+            <a:schemeClr val="accent2"/>
+          </a:effectRef>
+          <a:fontRef idx="minor">
+            <a:schemeClr val="dk1"/>
+          </a:fontRef>
+        </p:style>
+        <p:txBody>
+          <a:bodyPr rtlCol="0" anchor="ctr"/>
+          <a:lstStyle/>
+          <a:p>
+            <a:pPr algn="ctr"/>
+            <a:r>
+              <a:rPr lang="en-US" sz="1050" dirty="0">
+                <a:solidFill>
+                  <a:schemeClr val="bg1"/>
+                </a:solidFill>
+              </a:rPr>
+              <a:t>&lt;&lt;interface&gt;&gt;</a:t>
+            </a:r>
+            <a:br>
+              <a:rPr lang="en-US" sz="1050" dirty="0">
+                <a:solidFill>
+                  <a:schemeClr val="bg1"/>
+                </a:solidFill>
+              </a:rPr>
+            </a:br>
+            <a:r>
+              <a:rPr lang="en-US" sz="1050" dirty="0">
+                <a:solidFill>
+                  <a:schemeClr val="bg1"/>
+                </a:solidFill>
+              </a:rPr>
+              <a:t>ExpenditureTracker</a:t>
+            </a:r>
+          </a:p>
+          <a:p>
+            <a:pPr algn="ctr"/>
+            <a:r>
+              <a:rPr lang="en-US" sz="1050" dirty="0">
+                <a:solidFill>
+                  <a:schemeClr val="bg1"/>
+                </a:solidFill>
+              </a:rPr>
+              <a:t>Storage</a:t>
+            </a:r>
+            <a:endParaRPr lang="en-SG" sz="1050" dirty="0">
+              <a:solidFill>
+                <a:schemeClr val="bg1"/>
+              </a:solidFill>
+            </a:endParaRPr>
+          </a:p>
+        </p:txBody>
+      </p:sp>
+      <p:cxnSp>
+        <p:nvCxnSpPr>
+          <p:cNvPr id="25" name="Straight Arrow Connector 24">
+            <a:extLst>
+              <a:ext uri="{FF2B5EF4-FFF2-40B4-BE49-F238E27FC236}">
+                <a16:creationId xmlns:a16="http://schemas.microsoft.com/office/drawing/2014/main" id="{FD83F530-8043-4425-962B-AEE2C22555EC}"/>
+              </a:ext>
+            </a:extLst>
+          </p:cNvPr>
+          <p:cNvCxnSpPr>
+            <a:cxnSpLocks/>
+            <a:stCxn id="26" idx="3"/>
+            <a:endCxn id="24" idx="1"/>
+          </p:cNvCxnSpPr>
+          <p:nvPr/>
+        </p:nvCxnSpPr>
+        <p:spPr>
+          <a:xfrm>
+            <a:off x="2112509" y="4087309"/>
+            <a:ext cx="235533" cy="1"/>
+          </a:xfrm>
+          <a:prstGeom prst="straightConnector1">
+            <a:avLst/>
+          </a:prstGeom>
+          <a:ln w="19050">
+            <a:solidFill>
+              <a:schemeClr val="accent6">
+                <a:lumMod val="75000"/>
+              </a:schemeClr>
+            </a:solidFill>
+            <a:headEnd type="none" w="med" len="med"/>
+            <a:tailEnd type="arrow" w="med" len="med"/>
+          </a:ln>
+          <a:effectLst/>
+        </p:spPr>
+        <p:style>
+          <a:lnRef idx="1">
+            <a:schemeClr val="accent2"/>
+          </a:lnRef>
+          <a:fillRef idx="2">
+            <a:schemeClr val="accent2"/>
+          </a:fillRef>
+          <a:effectRef idx="1">
+            <a:schemeClr val="accent2"/>
+          </a:effectRef>
+          <a:fontRef idx="minor">
+            <a:schemeClr val="dk1"/>
+          </a:fontRef>
+        </p:style>
+      </p:cxnSp>
+      <p:sp>
+        <p:nvSpPr>
+          <p:cNvPr id="26" name="Flowchart: Decision 96">
+            <a:extLst>
+              <a:ext uri="{FF2B5EF4-FFF2-40B4-BE49-F238E27FC236}">
+                <a16:creationId xmlns:a16="http://schemas.microsoft.com/office/drawing/2014/main" id="{305F2FA7-750F-47C0-B9C9-2412CBA9F6A3}"/>
+              </a:ext>
+            </a:extLst>
+          </p:cNvPr>
+          <p:cNvSpPr/>
+          <p:nvPr/>
+        </p:nvSpPr>
+        <p:spPr>
+          <a:xfrm>
+            <a:off x="1876461" y="4000619"/>
+            <a:ext cx="236048" cy="173380"/>
+          </a:xfrm>
+          <a:prstGeom prst="flowChartDecision">
+            <a:avLst/>
+          </a:prstGeom>
+          <a:noFill/>
+          <a:ln w="19050">
+            <a:solidFill>
+              <a:schemeClr val="accent6">
+                <a:lumMod val="75000"/>
+              </a:schemeClr>
+            </a:solidFill>
+          </a:ln>
+          <a:effectLst/>
+        </p:spPr>
+        <p:style>
+          <a:lnRef idx="1">
+            <a:schemeClr val="accent2"/>
+          </a:lnRef>
+          <a:fillRef idx="2">
+            <a:schemeClr val="accent2"/>
+          </a:fillRef>
+          <a:effectRef idx="1">
+            <a:schemeClr val="accent2"/>
+          </a:effectRef>
+          <a:fontRef idx="minor">
+            <a:schemeClr val="dk1"/>
+          </a:fontRef>
+        </p:style>
+        <p:txBody>
+          <a:bodyPr rtlCol="0" anchor="ctr"/>
+          <a:lstStyle/>
+          <a:p>
+            <a:pPr algn="ctr"/>
+            <a:endParaRPr lang="en-US" sz="1050" dirty="0">
+              <a:solidFill>
+                <a:schemeClr val="bg1"/>
+              </a:solidFill>
+            </a:endParaRPr>
+          </a:p>
+        </p:txBody>
+      </p:sp>
+      <p:cxnSp>
+        <p:nvCxnSpPr>
+          <p:cNvPr id="27" name="Elbow Connector 63">
+            <a:extLst>
+              <a:ext uri="{FF2B5EF4-FFF2-40B4-BE49-F238E27FC236}">
+                <a16:creationId xmlns:a16="http://schemas.microsoft.com/office/drawing/2014/main" id="{CD3C8295-F84F-4B41-A15C-FD7191FA8EF5}"/>
+              </a:ext>
+            </a:extLst>
+          </p:cNvPr>
+          <p:cNvCxnSpPr>
+            <a:cxnSpLocks/>
+            <a:stCxn id="28" idx="3"/>
+            <a:endCxn id="30" idx="1"/>
+          </p:cNvCxnSpPr>
+          <p:nvPr/>
+        </p:nvCxnSpPr>
+        <p:spPr>
+          <a:xfrm flipV="1">
+            <a:off x="3865666" y="4087310"/>
+            <a:ext cx="226561" cy="1"/>
+          </a:xfrm>
+          <a:prstGeom prst="bentConnector3">
+            <a:avLst>
+              <a:gd name="adj1" fmla="val 50000"/>
+            </a:avLst>
+          </a:prstGeom>
+          <a:ln w="19050">
+            <a:solidFill>
+              <a:schemeClr val="accent6">
+                <a:lumMod val="75000"/>
+              </a:schemeClr>
+            </a:solidFill>
+            <a:prstDash val="sysDot"/>
+            <a:headEnd type="none" w="med" len="med"/>
+            <a:tailEnd type="none" w="med" len="med"/>
+          </a:ln>
+          <a:effectLst/>
+        </p:spPr>
+        <p:style>
+          <a:lnRef idx="1">
+            <a:schemeClr val="accent2"/>
+          </a:lnRef>
+          <a:fillRef idx="2">
+            <a:schemeClr val="accent2"/>
+          </a:fillRef>
+          <a:effectRef idx="1">
+            <a:schemeClr val="accent2"/>
+          </a:effectRef>
+          <a:fontRef idx="minor">
+            <a:schemeClr val="dk1"/>
+          </a:fontRef>
+        </p:style>
+      </p:cxnSp>
+      <p:sp>
+        <p:nvSpPr>
+          <p:cNvPr id="28" name="Isosceles Triangle 102">
+            <a:extLst>
+              <a:ext uri="{FF2B5EF4-FFF2-40B4-BE49-F238E27FC236}">
+                <a16:creationId xmlns:a16="http://schemas.microsoft.com/office/drawing/2014/main" id="{3EE0D14F-FD80-4B05-B970-014840C68C2A}"/>
+              </a:ext>
+            </a:extLst>
+          </p:cNvPr>
+          <p:cNvSpPr/>
+          <p:nvPr/>
+        </p:nvSpPr>
+        <p:spPr>
+          <a:xfrm rot="5400000" flipV="1">
+            <a:off x="3642652" y="3999549"/>
+            <a:ext cx="270504" cy="175523"/>
+          </a:xfrm>
+          <a:prstGeom prst="triangle">
+            <a:avLst/>
+          </a:prstGeom>
+          <a:solidFill>
+            <a:schemeClr val="accent6">
+              <a:lumMod val="75000"/>
+            </a:schemeClr>
+          </a:solidFill>
+          <a:ln w="19050">
+            <a:solidFill>
+              <a:schemeClr val="accent6">
+                <a:lumMod val="75000"/>
+              </a:schemeClr>
+            </a:solidFill>
+          </a:ln>
+          <a:effectLst/>
+        </p:spPr>
+        <p:style>
+          <a:lnRef idx="1">
+            <a:schemeClr val="accent2"/>
+          </a:lnRef>
+          <a:fillRef idx="2">
+            <a:schemeClr val="accent2"/>
+          </a:fillRef>
+          <a:effectRef idx="1">
+            <a:schemeClr val="accent2"/>
+          </a:effectRef>
+          <a:fontRef idx="minor">
+            <a:schemeClr val="dk1"/>
+          </a:fontRef>
+        </p:style>
+        <p:txBody>
+          <a:bodyPr rtlCol="0" anchor="ctr"/>
+          <a:lstStyle/>
+          <a:p>
+            <a:pPr algn="ctr"/>
+            <a:endParaRPr lang="en-SG" sz="1050" dirty="0">
+              <a:solidFill>
+                <a:schemeClr val="bg1"/>
+              </a:solidFill>
+            </a:endParaRPr>
+          </a:p>
+        </p:txBody>
+      </p:sp>
+      <p:cxnSp>
+        <p:nvCxnSpPr>
+          <p:cNvPr id="29" name="Elbow Connector 122">
+            <a:extLst>
+              <a:ext uri="{FF2B5EF4-FFF2-40B4-BE49-F238E27FC236}">
+                <a16:creationId xmlns:a16="http://schemas.microsoft.com/office/drawing/2014/main" id="{67899851-22EC-497C-B0C3-2BD727B6F14F}"/>
+              </a:ext>
+            </a:extLst>
+          </p:cNvPr>
+          <p:cNvCxnSpPr>
+            <a:cxnSpLocks/>
+            <a:stCxn id="30" idx="3"/>
+            <a:endCxn id="31" idx="1"/>
+          </p:cNvCxnSpPr>
+          <p:nvPr/>
+        </p:nvCxnSpPr>
+        <p:spPr>
+          <a:xfrm>
+            <a:off x="5262062" y="4087310"/>
+            <a:ext cx="228600" cy="985"/>
+          </a:xfrm>
+          <a:prstGeom prst="bentConnector3">
+            <a:avLst>
+              <a:gd name="adj1" fmla="val 50000"/>
+            </a:avLst>
+          </a:prstGeom>
+          <a:ln w="19050">
+            <a:solidFill>
+              <a:schemeClr val="accent6">
+                <a:lumMod val="75000"/>
+              </a:schemeClr>
+            </a:solidFill>
+            <a:prstDash val="sysDot"/>
+            <a:headEnd type="none" w="med" len="med"/>
+            <a:tailEnd type="arrow" w="med" len="med"/>
+          </a:ln>
+          <a:effectLst/>
+        </p:spPr>
+        <p:style>
+          <a:lnRef idx="1">
+            <a:schemeClr val="accent2"/>
+          </a:lnRef>
+          <a:fillRef idx="2">
+            <a:schemeClr val="accent2"/>
+          </a:fillRef>
+          <a:effectRef idx="1">
+            <a:schemeClr val="accent2"/>
+          </a:effectRef>
+          <a:fontRef idx="minor">
+            <a:schemeClr val="dk1"/>
+          </a:fontRef>
+        </p:style>
+      </p:cxnSp>
+      <p:sp>
+        <p:nvSpPr>
+          <p:cNvPr id="30" name="Rectangle 8">
+            <a:extLst>
+              <a:ext uri="{FF2B5EF4-FFF2-40B4-BE49-F238E27FC236}">
+                <a16:creationId xmlns:a16="http://schemas.microsoft.com/office/drawing/2014/main" id="{C69CB499-2D56-4D15-95C1-64C199EE3F2E}"/>
+              </a:ext>
+            </a:extLst>
+          </p:cNvPr>
+          <p:cNvSpPr/>
+          <p:nvPr/>
+        </p:nvSpPr>
+        <p:spPr>
+          <a:xfrm>
+            <a:off x="4092227" y="3811425"/>
+            <a:ext cx="1169835" cy="551770"/>
+          </a:xfrm>
+          <a:prstGeom prst="rect">
+            <a:avLst/>
+          </a:prstGeom>
+          <a:ln w="19050"/>
+          <a:effectLst/>
+        </p:spPr>
+        <p:style>
+          <a:lnRef idx="1">
+            <a:schemeClr val="accent6"/>
+          </a:lnRef>
+          <a:fillRef idx="2">
+            <a:schemeClr val="accent6"/>
+          </a:fillRef>
+          <a:effectRef idx="1">
+            <a:schemeClr val="accent6"/>
+          </a:effectRef>
+          <a:fontRef idx="minor">
+            <a:schemeClr val="dk1"/>
+          </a:fontRef>
+        </p:style>
+        <p:txBody>
+          <a:bodyPr rtlCol="0" anchor="ctr"/>
+          <a:lstStyle/>
+          <a:p>
+            <a:pPr algn="ctr"/>
+            <a:r>
+              <a:rPr lang="en-US" sz="1050" b="1" dirty="0">
+                <a:solidFill>
+                  <a:schemeClr val="accent6">
+                    <a:lumMod val="75000"/>
+                  </a:schemeClr>
+                </a:solidFill>
+              </a:rPr>
+              <a:t>XmlExpenditure</a:t>
+            </a:r>
+          </a:p>
+          <a:p>
+            <a:pPr algn="ctr"/>
+            <a:r>
+              <a:rPr lang="en-US" sz="1050" b="1" dirty="0">
+                <a:solidFill>
+                  <a:schemeClr val="accent6">
+                    <a:lumMod val="75000"/>
+                  </a:schemeClr>
+                </a:solidFill>
+              </a:rPr>
+              <a:t>Tracker</a:t>
+            </a:r>
+            <a:br>
+              <a:rPr lang="en-US" sz="1050" b="1" dirty="0">
+                <a:solidFill>
+                  <a:schemeClr val="accent6">
+                    <a:lumMod val="75000"/>
+                  </a:schemeClr>
+                </a:solidFill>
+              </a:rPr>
+            </a:br>
+            <a:r>
+              <a:rPr lang="en-US" sz="1050" b="1" dirty="0">
+                <a:solidFill>
+                  <a:schemeClr val="accent6">
+                    <a:lumMod val="75000"/>
+                  </a:schemeClr>
+                </a:solidFill>
+              </a:rPr>
+              <a:t>Storage</a:t>
+            </a:r>
+            <a:endParaRPr lang="en-SG" sz="1050" b="1" dirty="0">
+              <a:solidFill>
+                <a:schemeClr val="accent6">
+                  <a:lumMod val="75000"/>
+                </a:schemeClr>
+              </a:solidFill>
+            </a:endParaRPr>
+          </a:p>
+        </p:txBody>
+      </p:sp>
+      <p:sp>
+        <p:nvSpPr>
+          <p:cNvPr id="31" name="Rectangle 8">
+            <a:extLst>
+              <a:ext uri="{FF2B5EF4-FFF2-40B4-BE49-F238E27FC236}">
+                <a16:creationId xmlns:a16="http://schemas.microsoft.com/office/drawing/2014/main" id="{A69C6A91-1A4D-43EA-A7C0-C5E036B5A471}"/>
+              </a:ext>
+            </a:extLst>
+          </p:cNvPr>
+          <p:cNvSpPr/>
+          <p:nvPr/>
+        </p:nvSpPr>
+        <p:spPr>
+          <a:xfrm>
+            <a:off x="5490662" y="3813395"/>
+            <a:ext cx="1200707" cy="549800"/>
+          </a:xfrm>
+          <a:prstGeom prst="rect">
+            <a:avLst/>
+          </a:prstGeom>
+          <a:ln w="19050"/>
+          <a:effectLst/>
+        </p:spPr>
+        <p:style>
+          <a:lnRef idx="1">
+            <a:schemeClr val="accent6"/>
+          </a:lnRef>
+          <a:fillRef idx="2">
+            <a:schemeClr val="accent6"/>
+          </a:fillRef>
+          <a:effectRef idx="1">
+            <a:schemeClr val="accent6"/>
+          </a:effectRef>
+          <a:fontRef idx="minor">
+            <a:schemeClr val="dk1"/>
+          </a:fontRef>
+        </p:style>
+        <p:txBody>
+          <a:bodyPr rtlCol="0" anchor="ctr"/>
+          <a:lstStyle/>
+          <a:p>
+            <a:pPr algn="ctr"/>
+            <a:r>
+              <a:rPr lang="en-US" sz="1050" b="1" dirty="0">
+                <a:solidFill>
+                  <a:schemeClr val="accent6">
+                    <a:lumMod val="75000"/>
+                  </a:schemeClr>
+                </a:solidFill>
+              </a:rPr>
+              <a:t>XmlSerializable</a:t>
+            </a:r>
+            <a:br>
+              <a:rPr lang="en-US" sz="1050" b="1" dirty="0">
+                <a:solidFill>
+                  <a:schemeClr val="accent6">
+                    <a:lumMod val="75000"/>
+                  </a:schemeClr>
+                </a:solidFill>
+              </a:rPr>
+            </a:br>
+            <a:r>
+              <a:rPr lang="en-US" sz="1050" b="1" dirty="0">
+                <a:solidFill>
+                  <a:schemeClr val="accent6">
+                    <a:lumMod val="75000"/>
+                  </a:schemeClr>
+                </a:solidFill>
+              </a:rPr>
+              <a:t>Expenditure</a:t>
+            </a:r>
+          </a:p>
+          <a:p>
+            <a:pPr algn="ctr"/>
+            <a:r>
+              <a:rPr lang="en-US" sz="1050" b="1" dirty="0">
+                <a:solidFill>
+                  <a:schemeClr val="accent6">
+                    <a:lumMod val="75000"/>
+                  </a:schemeClr>
+                </a:solidFill>
+              </a:rPr>
+              <a:t>Tracker</a:t>
+            </a:r>
+            <a:endParaRPr lang="en-SG" sz="1050" b="1" dirty="0">
+              <a:solidFill>
+                <a:schemeClr val="accent6">
+                  <a:lumMod val="75000"/>
+                </a:schemeClr>
+              </a:solidFill>
+            </a:endParaRPr>
+          </a:p>
+        </p:txBody>
+      </p:sp>
+      <p:sp>
+        <p:nvSpPr>
+          <p:cNvPr id="32" name="Rectangle 8">
+            <a:extLst>
+              <a:ext uri="{FF2B5EF4-FFF2-40B4-BE49-F238E27FC236}">
+                <a16:creationId xmlns:a16="http://schemas.microsoft.com/office/drawing/2014/main" id="{9BD7D610-122C-4B6A-93A3-291C240762E9}"/>
+              </a:ext>
+            </a:extLst>
+          </p:cNvPr>
+          <p:cNvSpPr/>
+          <p:nvPr/>
+        </p:nvSpPr>
+        <p:spPr>
+          <a:xfrm>
+            <a:off x="7086600" y="3952058"/>
+            <a:ext cx="1604462" cy="274700"/>
+          </a:xfrm>
+          <a:prstGeom prst="rect">
+            <a:avLst/>
+          </a:prstGeom>
+          <a:ln w="19050"/>
+          <a:effectLst/>
+        </p:spPr>
+        <p:style>
+          <a:lnRef idx="1">
+            <a:schemeClr val="accent6"/>
+          </a:lnRef>
+          <a:fillRef idx="2">
+            <a:schemeClr val="accent6"/>
+          </a:fillRef>
+          <a:effectRef idx="1">
+            <a:schemeClr val="accent6"/>
+          </a:effectRef>
+          <a:fontRef idx="minor">
+            <a:schemeClr val="dk1"/>
+          </a:fontRef>
+        </p:style>
+        <p:txBody>
+          <a:bodyPr rtlCol="0" anchor="ctr"/>
+          <a:lstStyle/>
+          <a:p>
+            <a:pPr algn="ctr"/>
+            <a:r>
+              <a:rPr lang="en-US" sz="1050" b="1" dirty="0">
+                <a:solidFill>
+                  <a:schemeClr val="accent6">
+                    <a:lumMod val="75000"/>
+                  </a:schemeClr>
+                </a:solidFill>
+              </a:rPr>
+              <a:t>XmlAdaptedExpenditure</a:t>
+            </a:r>
+            <a:endParaRPr lang="en-SG" sz="1050" b="1" dirty="0">
+              <a:solidFill>
+                <a:schemeClr val="accent6">
+                  <a:lumMod val="75000"/>
+                </a:schemeClr>
+              </a:solidFill>
+            </a:endParaRPr>
+          </a:p>
+        </p:txBody>
+      </p:sp>
+      <p:cxnSp>
+        <p:nvCxnSpPr>
+          <p:cNvPr id="33" name="Elbow Connector 122">
+            <a:extLst>
+              <a:ext uri="{FF2B5EF4-FFF2-40B4-BE49-F238E27FC236}">
+                <a16:creationId xmlns:a16="http://schemas.microsoft.com/office/drawing/2014/main" id="{48FF4692-A543-4AB5-BEDD-D1B73EBE3716}"/>
+              </a:ext>
+            </a:extLst>
+          </p:cNvPr>
+          <p:cNvCxnSpPr>
+            <a:cxnSpLocks/>
+            <a:stCxn id="31" idx="3"/>
+            <a:endCxn id="32" idx="1"/>
+          </p:cNvCxnSpPr>
+          <p:nvPr/>
+        </p:nvCxnSpPr>
+        <p:spPr>
+          <a:xfrm>
+            <a:off x="6691369" y="4088295"/>
+            <a:ext cx="395231" cy="1113"/>
           </a:xfrm>
           <a:prstGeom prst="bentConnector3">
             <a:avLst>

--- a/docs/diagrams/StorageComponentClassDiagram.pptx
+++ b/docs/diagrams/StorageComponentClassDiagram.pptx
@@ -107,6 +107,22 @@
       </a:defRPr>
     </a:lvl9pPr>
   </p:defaultTextStyle>
+  <p:extLst>
+    <p:ext uri="{EFAFB233-063F-42B5-8137-9DF3F51BA10A}">
+      <p15:sldGuideLst xmlns:p15="http://schemas.microsoft.com/office/powerpoint/2012/main">
+        <p15:guide id="1" orient="horz" pos="1488">
+          <p15:clr>
+            <a:srgbClr val="A4A3A4"/>
+          </p15:clr>
+        </p15:guide>
+        <p15:guide id="2" pos="2880">
+          <p15:clr>
+            <a:srgbClr val="A4A3A4"/>
+          </p15:clr>
+        </p15:guide>
+      </p15:sldGuideLst>
+    </p:ext>
+  </p:extLst>
 </p:presentation>
 </file>
 
@@ -192,7 +208,7 @@
           <a:p>
             <a:fld id="{F5CC4B3F-88C1-4FFA-B1B6-F41C21DC6924}" type="datetimeFigureOut">
               <a:rPr lang="en-US" smtClean="0"/>
-              <a:t>10/16/2016</a:t>
+              <a:t>10/29/2018</a:t>
             </a:fld>
             <a:endParaRPr lang="en-US"/>
           </a:p>
@@ -256,38 +272,37 @@
           <a:p>
             <a:pPr lvl="0"/>
             <a:r>
-              <a:rPr lang="en-US" smtClean="0"/>
+              <a:rPr lang="en-US"/>
               <a:t>Click to edit Master text styles</a:t>
             </a:r>
           </a:p>
           <a:p>
             <a:pPr lvl="1"/>
             <a:r>
-              <a:rPr lang="en-US" smtClean="0"/>
+              <a:rPr lang="en-US"/>
               <a:t>Second level</a:t>
             </a:r>
           </a:p>
           <a:p>
             <a:pPr lvl="2"/>
             <a:r>
-              <a:rPr lang="en-US" smtClean="0"/>
+              <a:rPr lang="en-US"/>
               <a:t>Third level</a:t>
             </a:r>
           </a:p>
           <a:p>
             <a:pPr lvl="3"/>
             <a:r>
-              <a:rPr lang="en-US" smtClean="0"/>
+              <a:rPr lang="en-US"/>
               <a:t>Fourth level</a:t>
             </a:r>
           </a:p>
           <a:p>
             <a:pPr lvl="4"/>
             <a:r>
-              <a:rPr lang="en-US" smtClean="0"/>
+              <a:rPr lang="en-US"/>
               <a:t>Fifth level</a:t>
             </a:r>
-            <a:endParaRPr lang="en-US"/>
           </a:p>
         </p:txBody>
       </p:sp>
@@ -498,10 +513,9 @@
           <a:lstStyle/>
           <a:p>
             <a:r>
-              <a:rPr lang="en-US" smtClean="0"/>
+              <a:rPr lang="en-US"/>
               <a:t>Click to edit Master title style</a:t>
             </a:r>
-            <a:endParaRPr lang="en-US"/>
           </a:p>
         </p:txBody>
       </p:sp>
@@ -617,10 +631,9 @@
           </a:lstStyle>
           <a:p>
             <a:r>
-              <a:rPr lang="en-US" smtClean="0"/>
+              <a:rPr lang="en-US"/>
               <a:t>Click to edit Master subtitle style</a:t>
             </a:r>
-            <a:endParaRPr lang="en-US"/>
           </a:p>
         </p:txBody>
       </p:sp>
@@ -641,7 +654,7 @@
           <a:p>
             <a:fld id="{78C97017-6FC3-485B-9764-EAC9E56C1D49}" type="datetimeFigureOut">
               <a:rPr lang="en-US" smtClean="0"/>
-              <a:t>10/16/2016</a:t>
+              <a:t>10/29/2018</a:t>
             </a:fld>
             <a:endParaRPr lang="en-US"/>
           </a:p>
@@ -735,10 +748,9 @@
           <a:lstStyle/>
           <a:p>
             <a:r>
-              <a:rPr lang="en-US" smtClean="0"/>
+              <a:rPr lang="en-US"/>
               <a:t>Click to edit Master title style</a:t>
             </a:r>
-            <a:endParaRPr lang="en-US"/>
           </a:p>
         </p:txBody>
       </p:sp>
@@ -759,38 +771,37 @@
           <a:p>
             <a:pPr lvl="0"/>
             <a:r>
-              <a:rPr lang="en-US" smtClean="0"/>
+              <a:rPr lang="en-US"/>
               <a:t>Click to edit Master text styles</a:t>
             </a:r>
           </a:p>
           <a:p>
             <a:pPr lvl="1"/>
             <a:r>
-              <a:rPr lang="en-US" smtClean="0"/>
+              <a:rPr lang="en-US"/>
               <a:t>Second level</a:t>
             </a:r>
           </a:p>
           <a:p>
             <a:pPr lvl="2"/>
             <a:r>
-              <a:rPr lang="en-US" smtClean="0"/>
+              <a:rPr lang="en-US"/>
               <a:t>Third level</a:t>
             </a:r>
           </a:p>
           <a:p>
             <a:pPr lvl="3"/>
             <a:r>
-              <a:rPr lang="en-US" smtClean="0"/>
+              <a:rPr lang="en-US"/>
               <a:t>Fourth level</a:t>
             </a:r>
           </a:p>
           <a:p>
             <a:pPr lvl="4"/>
             <a:r>
-              <a:rPr lang="en-US" smtClean="0"/>
+              <a:rPr lang="en-US"/>
               <a:t>Fifth level</a:t>
             </a:r>
-            <a:endParaRPr lang="en-US"/>
           </a:p>
         </p:txBody>
       </p:sp>
@@ -811,7 +822,7 @@
           <a:p>
             <a:fld id="{78C97017-6FC3-485B-9764-EAC9E56C1D49}" type="datetimeFigureOut">
               <a:rPr lang="en-US" smtClean="0"/>
-              <a:t>10/16/2016</a:t>
+              <a:t>10/29/2018</a:t>
             </a:fld>
             <a:endParaRPr lang="en-US"/>
           </a:p>
@@ -910,10 +921,9 @@
           <a:lstStyle/>
           <a:p>
             <a:r>
-              <a:rPr lang="en-US" smtClean="0"/>
+              <a:rPr lang="en-US"/>
               <a:t>Click to edit Master title style</a:t>
             </a:r>
-            <a:endParaRPr lang="en-US"/>
           </a:p>
         </p:txBody>
       </p:sp>
@@ -939,38 +949,37 @@
           <a:p>
             <a:pPr lvl="0"/>
             <a:r>
-              <a:rPr lang="en-US" smtClean="0"/>
+              <a:rPr lang="en-US"/>
               <a:t>Click to edit Master text styles</a:t>
             </a:r>
           </a:p>
           <a:p>
             <a:pPr lvl="1"/>
             <a:r>
-              <a:rPr lang="en-US" smtClean="0"/>
+              <a:rPr lang="en-US"/>
               <a:t>Second level</a:t>
             </a:r>
           </a:p>
           <a:p>
             <a:pPr lvl="2"/>
             <a:r>
-              <a:rPr lang="en-US" smtClean="0"/>
+              <a:rPr lang="en-US"/>
               <a:t>Third level</a:t>
             </a:r>
           </a:p>
           <a:p>
             <a:pPr lvl="3"/>
             <a:r>
-              <a:rPr lang="en-US" smtClean="0"/>
+              <a:rPr lang="en-US"/>
               <a:t>Fourth level</a:t>
             </a:r>
           </a:p>
           <a:p>
             <a:pPr lvl="4"/>
             <a:r>
-              <a:rPr lang="en-US" smtClean="0"/>
+              <a:rPr lang="en-US"/>
               <a:t>Fifth level</a:t>
             </a:r>
-            <a:endParaRPr lang="en-US"/>
           </a:p>
         </p:txBody>
       </p:sp>
@@ -991,7 +1000,7 @@
           <a:p>
             <a:fld id="{78C97017-6FC3-485B-9764-EAC9E56C1D49}" type="datetimeFigureOut">
               <a:rPr lang="en-US" smtClean="0"/>
-              <a:t>10/16/2016</a:t>
+              <a:t>10/29/2018</a:t>
             </a:fld>
             <a:endParaRPr lang="en-US"/>
           </a:p>
@@ -1085,10 +1094,9 @@
           <a:lstStyle/>
           <a:p>
             <a:r>
-              <a:rPr lang="en-US" smtClean="0"/>
+              <a:rPr lang="en-US"/>
               <a:t>Click to edit Master title style</a:t>
             </a:r>
-            <a:endParaRPr lang="en-US"/>
           </a:p>
         </p:txBody>
       </p:sp>
@@ -1109,38 +1117,37 @@
           <a:p>
             <a:pPr lvl="0"/>
             <a:r>
-              <a:rPr lang="en-US" smtClean="0"/>
+              <a:rPr lang="en-US"/>
               <a:t>Click to edit Master text styles</a:t>
             </a:r>
           </a:p>
           <a:p>
             <a:pPr lvl="1"/>
             <a:r>
-              <a:rPr lang="en-US" smtClean="0"/>
+              <a:rPr lang="en-US"/>
               <a:t>Second level</a:t>
             </a:r>
           </a:p>
           <a:p>
             <a:pPr lvl="2"/>
             <a:r>
-              <a:rPr lang="en-US" smtClean="0"/>
+              <a:rPr lang="en-US"/>
               <a:t>Third level</a:t>
             </a:r>
           </a:p>
           <a:p>
             <a:pPr lvl="3"/>
             <a:r>
-              <a:rPr lang="en-US" smtClean="0"/>
+              <a:rPr lang="en-US"/>
               <a:t>Fourth level</a:t>
             </a:r>
           </a:p>
           <a:p>
             <a:pPr lvl="4"/>
             <a:r>
-              <a:rPr lang="en-US" smtClean="0"/>
+              <a:rPr lang="en-US"/>
               <a:t>Fifth level</a:t>
             </a:r>
-            <a:endParaRPr lang="en-US"/>
           </a:p>
         </p:txBody>
       </p:sp>
@@ -1161,7 +1168,7 @@
           <a:p>
             <a:fld id="{78C97017-6FC3-485B-9764-EAC9E56C1D49}" type="datetimeFigureOut">
               <a:rPr lang="en-US" smtClean="0"/>
-              <a:t>10/16/2016</a:t>
+              <a:t>10/29/2018</a:t>
             </a:fld>
             <a:endParaRPr lang="en-US"/>
           </a:p>
@@ -1264,10 +1271,9 @@
           </a:lstStyle>
           <a:p>
             <a:r>
-              <a:rPr lang="en-US" smtClean="0"/>
+              <a:rPr lang="en-US"/>
               <a:t>Click to edit Master title style</a:t>
             </a:r>
-            <a:endParaRPr lang="en-US"/>
           </a:p>
         </p:txBody>
       </p:sp>
@@ -1384,7 +1390,7 @@
           <a:p>
             <a:pPr lvl="0"/>
             <a:r>
-              <a:rPr lang="en-US" smtClean="0"/>
+              <a:rPr lang="en-US"/>
               <a:t>Click to edit Master text styles</a:t>
             </a:r>
           </a:p>
@@ -1407,7 +1413,7 @@
           <a:p>
             <a:fld id="{78C97017-6FC3-485B-9764-EAC9E56C1D49}" type="datetimeFigureOut">
               <a:rPr lang="en-US" smtClean="0"/>
-              <a:t>10/16/2016</a:t>
+              <a:t>10/29/2018</a:t>
             </a:fld>
             <a:endParaRPr lang="en-US"/>
           </a:p>
@@ -1501,10 +1507,9 @@
           <a:lstStyle/>
           <a:p>
             <a:r>
-              <a:rPr lang="en-US" smtClean="0"/>
+              <a:rPr lang="en-US"/>
               <a:t>Click to edit Master title style</a:t>
             </a:r>
-            <a:endParaRPr lang="en-US"/>
           </a:p>
         </p:txBody>
       </p:sp>
@@ -1558,38 +1563,37 @@
           <a:p>
             <a:pPr lvl="0"/>
             <a:r>
-              <a:rPr lang="en-US" smtClean="0"/>
+              <a:rPr lang="en-US"/>
               <a:t>Click to edit Master text styles</a:t>
             </a:r>
           </a:p>
           <a:p>
             <a:pPr lvl="1"/>
             <a:r>
-              <a:rPr lang="en-US" smtClean="0"/>
+              <a:rPr lang="en-US"/>
               <a:t>Second level</a:t>
             </a:r>
           </a:p>
           <a:p>
             <a:pPr lvl="2"/>
             <a:r>
-              <a:rPr lang="en-US" smtClean="0"/>
+              <a:rPr lang="en-US"/>
               <a:t>Third level</a:t>
             </a:r>
           </a:p>
           <a:p>
             <a:pPr lvl="3"/>
             <a:r>
-              <a:rPr lang="en-US" smtClean="0"/>
+              <a:rPr lang="en-US"/>
               <a:t>Fourth level</a:t>
             </a:r>
           </a:p>
           <a:p>
             <a:pPr lvl="4"/>
             <a:r>
-              <a:rPr lang="en-US" smtClean="0"/>
+              <a:rPr lang="en-US"/>
               <a:t>Fifth level</a:t>
             </a:r>
-            <a:endParaRPr lang="en-US"/>
           </a:p>
         </p:txBody>
       </p:sp>
@@ -1643,38 +1647,37 @@
           <a:p>
             <a:pPr lvl="0"/>
             <a:r>
-              <a:rPr lang="en-US" smtClean="0"/>
+              <a:rPr lang="en-US"/>
               <a:t>Click to edit Master text styles</a:t>
             </a:r>
           </a:p>
           <a:p>
             <a:pPr lvl="1"/>
             <a:r>
-              <a:rPr lang="en-US" smtClean="0"/>
+              <a:rPr lang="en-US"/>
               <a:t>Second level</a:t>
             </a:r>
           </a:p>
           <a:p>
             <a:pPr lvl="2"/>
             <a:r>
-              <a:rPr lang="en-US" smtClean="0"/>
+              <a:rPr lang="en-US"/>
               <a:t>Third level</a:t>
             </a:r>
           </a:p>
           <a:p>
             <a:pPr lvl="3"/>
             <a:r>
-              <a:rPr lang="en-US" smtClean="0"/>
+              <a:rPr lang="en-US"/>
               <a:t>Fourth level</a:t>
             </a:r>
           </a:p>
           <a:p>
             <a:pPr lvl="4"/>
             <a:r>
-              <a:rPr lang="en-US" smtClean="0"/>
+              <a:rPr lang="en-US"/>
               <a:t>Fifth level</a:t>
             </a:r>
-            <a:endParaRPr lang="en-US"/>
           </a:p>
         </p:txBody>
       </p:sp>
@@ -1695,7 +1698,7 @@
           <a:p>
             <a:fld id="{78C97017-6FC3-485B-9764-EAC9E56C1D49}" type="datetimeFigureOut">
               <a:rPr lang="en-US" smtClean="0"/>
-              <a:t>10/16/2016</a:t>
+              <a:t>10/29/2018</a:t>
             </a:fld>
             <a:endParaRPr lang="en-US"/>
           </a:p>
@@ -1793,10 +1796,9 @@
           </a:lstStyle>
           <a:p>
             <a:r>
-              <a:rPr lang="en-US" smtClean="0"/>
+              <a:rPr lang="en-US"/>
               <a:t>Click to edit Master title style</a:t>
             </a:r>
-            <a:endParaRPr lang="en-US"/>
           </a:p>
         </p:txBody>
       </p:sp>
@@ -1859,7 +1861,7 @@
           <a:p>
             <a:pPr lvl="0"/>
             <a:r>
-              <a:rPr lang="en-US" smtClean="0"/>
+              <a:rPr lang="en-US"/>
               <a:t>Click to edit Master text styles</a:t>
             </a:r>
           </a:p>
@@ -1915,38 +1917,37 @@
           <a:p>
             <a:pPr lvl="0"/>
             <a:r>
-              <a:rPr lang="en-US" smtClean="0"/>
+              <a:rPr lang="en-US"/>
               <a:t>Click to edit Master text styles</a:t>
             </a:r>
           </a:p>
           <a:p>
             <a:pPr lvl="1"/>
             <a:r>
-              <a:rPr lang="en-US" smtClean="0"/>
+              <a:rPr lang="en-US"/>
               <a:t>Second level</a:t>
             </a:r>
           </a:p>
           <a:p>
             <a:pPr lvl="2"/>
             <a:r>
-              <a:rPr lang="en-US" smtClean="0"/>
+              <a:rPr lang="en-US"/>
               <a:t>Third level</a:t>
             </a:r>
           </a:p>
           <a:p>
             <a:pPr lvl="3"/>
             <a:r>
-              <a:rPr lang="en-US" smtClean="0"/>
+              <a:rPr lang="en-US"/>
               <a:t>Fourth level</a:t>
             </a:r>
           </a:p>
           <a:p>
             <a:pPr lvl="4"/>
             <a:r>
-              <a:rPr lang="en-US" smtClean="0"/>
+              <a:rPr lang="en-US"/>
               <a:t>Fifth level</a:t>
             </a:r>
-            <a:endParaRPr lang="en-US"/>
           </a:p>
         </p:txBody>
       </p:sp>
@@ -2009,7 +2010,7 @@
           <a:p>
             <a:pPr lvl="0"/>
             <a:r>
-              <a:rPr lang="en-US" smtClean="0"/>
+              <a:rPr lang="en-US"/>
               <a:t>Click to edit Master text styles</a:t>
             </a:r>
           </a:p>
@@ -2065,38 +2066,37 @@
           <a:p>
             <a:pPr lvl="0"/>
             <a:r>
-              <a:rPr lang="en-US" smtClean="0"/>
+              <a:rPr lang="en-US"/>
               <a:t>Click to edit Master text styles</a:t>
             </a:r>
           </a:p>
           <a:p>
             <a:pPr lvl="1"/>
             <a:r>
-              <a:rPr lang="en-US" smtClean="0"/>
+              <a:rPr lang="en-US"/>
               <a:t>Second level</a:t>
             </a:r>
           </a:p>
           <a:p>
             <a:pPr lvl="2"/>
             <a:r>
-              <a:rPr lang="en-US" smtClean="0"/>
+              <a:rPr lang="en-US"/>
               <a:t>Third level</a:t>
             </a:r>
           </a:p>
           <a:p>
             <a:pPr lvl="3"/>
             <a:r>
-              <a:rPr lang="en-US" smtClean="0"/>
+              <a:rPr lang="en-US"/>
               <a:t>Fourth level</a:t>
             </a:r>
           </a:p>
           <a:p>
             <a:pPr lvl="4"/>
             <a:r>
-              <a:rPr lang="en-US" smtClean="0"/>
+              <a:rPr lang="en-US"/>
               <a:t>Fifth level</a:t>
             </a:r>
-            <a:endParaRPr lang="en-US"/>
           </a:p>
         </p:txBody>
       </p:sp>
@@ -2117,7 +2117,7 @@
           <a:p>
             <a:fld id="{78C97017-6FC3-485B-9764-EAC9E56C1D49}" type="datetimeFigureOut">
               <a:rPr lang="en-US" smtClean="0"/>
-              <a:t>10/16/2016</a:t>
+              <a:t>10/29/2018</a:t>
             </a:fld>
             <a:endParaRPr lang="en-US"/>
           </a:p>
@@ -2211,10 +2211,9 @@
           <a:lstStyle/>
           <a:p>
             <a:r>
-              <a:rPr lang="en-US" smtClean="0"/>
+              <a:rPr lang="en-US"/>
               <a:t>Click to edit Master title style</a:t>
             </a:r>
-            <a:endParaRPr lang="en-US"/>
           </a:p>
         </p:txBody>
       </p:sp>
@@ -2235,7 +2234,7 @@
           <a:p>
             <a:fld id="{78C97017-6FC3-485B-9764-EAC9E56C1D49}" type="datetimeFigureOut">
               <a:rPr lang="en-US" smtClean="0"/>
-              <a:t>10/16/2016</a:t>
+              <a:t>10/29/2018</a:t>
             </a:fld>
             <a:endParaRPr lang="en-US"/>
           </a:p>
@@ -2330,7 +2329,7 @@
           <a:p>
             <a:fld id="{78C97017-6FC3-485B-9764-EAC9E56C1D49}" type="datetimeFigureOut">
               <a:rPr lang="en-US" smtClean="0"/>
-              <a:t>10/16/2016</a:t>
+              <a:t>10/29/2018</a:t>
             </a:fld>
             <a:endParaRPr lang="en-US"/>
           </a:p>
@@ -2433,10 +2432,9 @@
           </a:lstStyle>
           <a:p>
             <a:r>
-              <a:rPr lang="en-US" smtClean="0"/>
+              <a:rPr lang="en-US"/>
               <a:t>Click to edit Master title style</a:t>
             </a:r>
-            <a:endParaRPr lang="en-US"/>
           </a:p>
         </p:txBody>
       </p:sp>
@@ -2490,38 +2488,37 @@
           <a:p>
             <a:pPr lvl="0"/>
             <a:r>
-              <a:rPr lang="en-US" smtClean="0"/>
+              <a:rPr lang="en-US"/>
               <a:t>Click to edit Master text styles</a:t>
             </a:r>
           </a:p>
           <a:p>
             <a:pPr lvl="1"/>
             <a:r>
-              <a:rPr lang="en-US" smtClean="0"/>
+              <a:rPr lang="en-US"/>
               <a:t>Second level</a:t>
             </a:r>
           </a:p>
           <a:p>
             <a:pPr lvl="2"/>
             <a:r>
-              <a:rPr lang="en-US" smtClean="0"/>
+              <a:rPr lang="en-US"/>
               <a:t>Third level</a:t>
             </a:r>
           </a:p>
           <a:p>
             <a:pPr lvl="3"/>
             <a:r>
-              <a:rPr lang="en-US" smtClean="0"/>
+              <a:rPr lang="en-US"/>
               <a:t>Fourth level</a:t>
             </a:r>
           </a:p>
           <a:p>
             <a:pPr lvl="4"/>
             <a:r>
-              <a:rPr lang="en-US" smtClean="0"/>
+              <a:rPr lang="en-US"/>
               <a:t>Fifth level</a:t>
             </a:r>
-            <a:endParaRPr lang="en-US"/>
           </a:p>
         </p:txBody>
       </p:sp>
@@ -2584,7 +2581,7 @@
           <a:p>
             <a:pPr lvl="0"/>
             <a:r>
-              <a:rPr lang="en-US" smtClean="0"/>
+              <a:rPr lang="en-US"/>
               <a:t>Click to edit Master text styles</a:t>
             </a:r>
           </a:p>
@@ -2607,7 +2604,7 @@
           <a:p>
             <a:fld id="{78C97017-6FC3-485B-9764-EAC9E56C1D49}" type="datetimeFigureOut">
               <a:rPr lang="en-US" smtClean="0"/>
-              <a:t>10/16/2016</a:t>
+              <a:t>10/29/2018</a:t>
             </a:fld>
             <a:endParaRPr lang="en-US"/>
           </a:p>
@@ -2710,10 +2707,9 @@
           </a:lstStyle>
           <a:p>
             <a:r>
-              <a:rPr lang="en-US" smtClean="0"/>
+              <a:rPr lang="en-US"/>
               <a:t>Click to edit Master title style</a:t>
             </a:r>
-            <a:endParaRPr lang="en-US"/>
           </a:p>
         </p:txBody>
       </p:sp>
@@ -2837,7 +2833,7 @@
           <a:p>
             <a:pPr lvl="0"/>
             <a:r>
-              <a:rPr lang="en-US" smtClean="0"/>
+              <a:rPr lang="en-US"/>
               <a:t>Click to edit Master text styles</a:t>
             </a:r>
           </a:p>
@@ -2860,7 +2856,7 @@
           <a:p>
             <a:fld id="{78C97017-6FC3-485B-9764-EAC9E56C1D49}" type="datetimeFigureOut">
               <a:rPr lang="en-US" smtClean="0"/>
-              <a:t>10/16/2016</a:t>
+              <a:t>10/29/2018</a:t>
             </a:fld>
             <a:endParaRPr lang="en-US"/>
           </a:p>
@@ -2969,10 +2965,9 @@
           <a:lstStyle/>
           <a:p>
             <a:r>
-              <a:rPr lang="en-US" smtClean="0"/>
+              <a:rPr lang="en-US"/>
               <a:t>Click to edit Master title style</a:t>
             </a:r>
-            <a:endParaRPr lang="en-US"/>
           </a:p>
         </p:txBody>
       </p:sp>
@@ -3003,38 +2998,37 @@
           <a:p>
             <a:pPr lvl="0"/>
             <a:r>
-              <a:rPr lang="en-US" smtClean="0"/>
+              <a:rPr lang="en-US"/>
               <a:t>Click to edit Master text styles</a:t>
             </a:r>
           </a:p>
           <a:p>
             <a:pPr lvl="1"/>
             <a:r>
-              <a:rPr lang="en-US" smtClean="0"/>
+              <a:rPr lang="en-US"/>
               <a:t>Second level</a:t>
             </a:r>
           </a:p>
           <a:p>
             <a:pPr lvl="2"/>
             <a:r>
-              <a:rPr lang="en-US" smtClean="0"/>
+              <a:rPr lang="en-US"/>
               <a:t>Third level</a:t>
             </a:r>
           </a:p>
           <a:p>
             <a:pPr lvl="3"/>
             <a:r>
-              <a:rPr lang="en-US" smtClean="0"/>
+              <a:rPr lang="en-US"/>
               <a:t>Fourth level</a:t>
             </a:r>
           </a:p>
           <a:p>
             <a:pPr lvl="4"/>
             <a:r>
-              <a:rPr lang="en-US" smtClean="0"/>
+              <a:rPr lang="en-US"/>
               <a:t>Fifth level</a:t>
             </a:r>
-            <a:endParaRPr lang="en-US"/>
           </a:p>
         </p:txBody>
       </p:sp>
@@ -3073,7 +3067,7 @@
           <a:p>
             <a:fld id="{78C97017-6FC3-485B-9764-EAC9E56C1D49}" type="datetimeFigureOut">
               <a:rPr lang="en-US" smtClean="0"/>
-              <a:t>10/16/2016</a:t>
+              <a:t>10/29/2018</a:t>
             </a:fld>
             <a:endParaRPr lang="en-US"/>
           </a:p>
@@ -3456,8 +3450,8 @@
         </p:nvSpPr>
         <p:spPr>
           <a:xfrm>
-            <a:off x="1119865" y="2086382"/>
-            <a:ext cx="7871735" cy="1723618"/>
+            <a:off x="1229077" y="1994356"/>
+            <a:ext cx="7871735" cy="2481424"/>
           </a:xfrm>
           <a:prstGeom prst="roundRect">
             <a:avLst>
@@ -3494,7 +3488,7 @@
           <a:lstStyle/>
           <a:p>
             <a:r>
-              <a:rPr lang="en-US" sz="1200" b="1" dirty="0" smtClean="0">
+              <a:rPr lang="en-US" sz="1200" b="1" dirty="0">
                 <a:solidFill>
                   <a:schemeClr val="accent6">
                     <a:lumMod val="75000"/>
@@ -3561,7 +3555,7 @@
           <a:p>
             <a:pPr algn="ctr"/>
             <a:r>
-              <a:rPr lang="en-US" sz="1050" dirty="0" smtClean="0">
+              <a:rPr lang="en-US" sz="1050" dirty="0">
                 <a:solidFill>
                   <a:schemeClr val="bg1"/>
                 </a:solidFill>
@@ -3569,14 +3563,14 @@
               <a:t>&lt;&lt;interface&gt;&gt;</a:t>
             </a:r>
             <a:br>
-              <a:rPr lang="en-US" sz="1050" dirty="0" smtClean="0">
+              <a:rPr lang="en-US" sz="1050" dirty="0">
                 <a:solidFill>
                   <a:schemeClr val="bg1"/>
                 </a:solidFill>
               </a:rPr>
             </a:br>
             <a:r>
-              <a:rPr lang="en-US" sz="1050" dirty="0" err="1" smtClean="0">
+              <a:rPr lang="en-US" sz="1050" dirty="0">
                 <a:solidFill>
                   <a:schemeClr val="bg1"/>
                 </a:solidFill>
@@ -3639,7 +3633,7 @@
           <a:p>
             <a:pPr algn="ctr"/>
             <a:r>
-              <a:rPr lang="en-US" sz="1050" dirty="0" err="1" smtClean="0">
+              <a:rPr lang="en-US" sz="1050" dirty="0">
                 <a:solidFill>
                   <a:schemeClr val="bg1"/>
                 </a:solidFill>
@@ -3713,7 +3707,7 @@
           <a:p>
             <a:pPr algn="ctr"/>
             <a:r>
-              <a:rPr lang="en-US" sz="1050" dirty="0" smtClean="0">
+              <a:rPr lang="en-US" sz="1050" dirty="0">
                 <a:solidFill>
                   <a:schemeClr val="bg1"/>
                 </a:solidFill>
@@ -4147,7 +4141,7 @@
           <a:p>
             <a:pPr algn="ctr"/>
             <a:r>
-              <a:rPr lang="en-US" sz="1050" b="1" dirty="0" err="1" smtClean="0">
+              <a:rPr lang="en-US" sz="1050" b="1" dirty="0">
                 <a:solidFill>
                   <a:schemeClr val="accent6">
                     <a:lumMod val="75000"/>
@@ -4156,18 +4150,8 @@
               </a:rPr>
               <a:t>XmlAddressBook</a:t>
             </a:r>
-            <a:r>
-              <a:rPr lang="en-US" sz="1050" b="1" dirty="0" smtClean="0">
-                <a:solidFill>
-                  <a:schemeClr val="accent6">
-                    <a:lumMod val="75000"/>
-                  </a:schemeClr>
-                </a:solidFill>
-              </a:rPr>
-              <a:t/>
-            </a:r>
             <a:br>
-              <a:rPr lang="en-US" sz="1050" b="1" dirty="0" smtClean="0">
+              <a:rPr lang="en-US" sz="1050" b="1" dirty="0">
                 <a:solidFill>
                   <a:schemeClr val="accent6">
                     <a:lumMod val="75000"/>
@@ -4176,7 +4160,7 @@
               </a:rPr>
             </a:br>
             <a:r>
-              <a:rPr lang="en-US" sz="1050" b="1" dirty="0" smtClean="0">
+              <a:rPr lang="en-US" sz="1050" b="1" dirty="0">
                 <a:solidFill>
                   <a:schemeClr val="accent6">
                     <a:lumMod val="75000"/>
@@ -4243,7 +4227,7 @@
           <a:p>
             <a:pPr algn="ctr"/>
             <a:r>
-              <a:rPr lang="en-US" sz="1050" dirty="0" smtClean="0">
+              <a:rPr lang="en-US" sz="1050" dirty="0">
                 <a:solidFill>
                   <a:schemeClr val="bg1"/>
                 </a:solidFill>
@@ -4251,14 +4235,14 @@
               <a:t>&lt;&lt;interface&gt;&gt;</a:t>
             </a:r>
             <a:br>
-              <a:rPr lang="en-US" sz="1050" dirty="0" smtClean="0">
+              <a:rPr lang="en-US" sz="1050" dirty="0">
                 <a:solidFill>
                   <a:schemeClr val="bg1"/>
                 </a:solidFill>
               </a:rPr>
             </a:br>
             <a:r>
-              <a:rPr lang="en-US" sz="1050" dirty="0" err="1" smtClean="0">
+              <a:rPr lang="en-US" sz="1050" dirty="0">
                 <a:solidFill>
                   <a:schemeClr val="bg1"/>
                 </a:solidFill>
@@ -4516,30 +4500,22 @@
           <a:p>
             <a:pPr algn="ctr"/>
             <a:r>
-              <a:rPr lang="en-US" sz="1050" dirty="0" err="1" smtClean="0">
+              <a:rPr lang="en-US" sz="1050" dirty="0">
                 <a:solidFill>
                   <a:schemeClr val="bg1"/>
                 </a:solidFill>
               </a:rPr>
               <a:t>JsonUserPrefs</a:t>
             </a:r>
-            <a:r>
-              <a:rPr lang="en-US" sz="1050" dirty="0" smtClean="0">
-                <a:solidFill>
-                  <a:schemeClr val="bg1"/>
-                </a:solidFill>
-              </a:rPr>
-              <a:t/>
-            </a:r>
             <a:br>
-              <a:rPr lang="en-US" sz="1050" dirty="0" smtClean="0">
+              <a:rPr lang="en-US" sz="1050" dirty="0">
                 <a:solidFill>
                   <a:schemeClr val="bg1"/>
                 </a:solidFill>
               </a:rPr>
             </a:br>
             <a:r>
-              <a:rPr lang="en-US" sz="1050" dirty="0" smtClean="0">
+              <a:rPr lang="en-US" sz="1050" dirty="0">
                 <a:solidFill>
                   <a:schemeClr val="bg1"/>
                 </a:solidFill>
@@ -4591,7 +4567,7 @@
           <a:p>
             <a:pPr algn="ctr"/>
             <a:r>
-              <a:rPr lang="en-US" sz="1050" b="1" dirty="0" err="1" smtClean="0">
+              <a:rPr lang="en-US" sz="1050" b="1" dirty="0">
                 <a:solidFill>
                   <a:schemeClr val="accent6">
                     <a:lumMod val="75000"/>
@@ -4600,18 +4576,8 @@
               </a:rPr>
               <a:t>XmlSerializable</a:t>
             </a:r>
-            <a:r>
-              <a:rPr lang="en-US" sz="1050" b="1" dirty="0" smtClean="0">
-                <a:solidFill>
-                  <a:schemeClr val="accent6">
-                    <a:lumMod val="75000"/>
-                  </a:schemeClr>
-                </a:solidFill>
-              </a:rPr>
-              <a:t/>
-            </a:r>
             <a:br>
-              <a:rPr lang="en-US" sz="1050" b="1" dirty="0" smtClean="0">
+              <a:rPr lang="en-US" sz="1050" b="1" dirty="0">
                 <a:solidFill>
                   <a:schemeClr val="accent6">
                     <a:lumMod val="75000"/>
@@ -4620,7 +4586,7 @@
               </a:rPr>
             </a:br>
             <a:r>
-              <a:rPr lang="en-US" sz="1050" b="1" dirty="0" err="1" smtClean="0">
+              <a:rPr lang="en-US" sz="1050" b="1" dirty="0">
                 <a:solidFill>
                   <a:schemeClr val="accent6">
                     <a:lumMod val="75000"/>
@@ -4649,14 +4615,12 @@
           <p:nvPr/>
         </p:nvCxnSpPr>
         <p:spPr>
-          <a:xfrm rot="5400000" flipH="1" flipV="1">
-            <a:off x="8077993" y="2992020"/>
-            <a:ext cx="335208" cy="12700"/>
-          </a:xfrm>
-          <a:prstGeom prst="bentConnector3">
-            <a:avLst>
-              <a:gd name="adj1" fmla="val 50000"/>
-            </a:avLst>
+          <a:xfrm flipV="1">
+            <a:off x="8245597" y="2824416"/>
+            <a:ext cx="0" cy="335208"/>
+          </a:xfrm>
+          <a:prstGeom prst="straightConnector1">
+            <a:avLst/>
           </a:prstGeom>
           <a:ln w="19050">
             <a:prstDash val="sysDot"/>
@@ -4717,7 +4681,7 @@
           <a:p>
             <a:pPr algn="ctr"/>
             <a:r>
-              <a:rPr lang="en-US" sz="1050" b="1" dirty="0" err="1" smtClean="0">
+              <a:rPr lang="en-US" sz="1050" b="1" dirty="0">
                 <a:solidFill>
                   <a:schemeClr val="accent6">
                     <a:lumMod val="75000"/>
@@ -4773,7 +4737,7 @@
           <a:p>
             <a:pPr algn="ctr"/>
             <a:r>
-              <a:rPr lang="en-US" sz="1050" b="1" dirty="0" err="1" smtClean="0">
+              <a:rPr lang="en-US" sz="1050" b="1" dirty="0">
                 <a:solidFill>
                   <a:schemeClr val="accent6">
                     <a:lumMod val="75000"/>
@@ -4827,6 +4791,223 @@
           </a:fillRef>
           <a:effectRef idx="1">
             <a:schemeClr val="accent6"/>
+          </a:effectRef>
+          <a:fontRef idx="minor">
+            <a:schemeClr val="dk1"/>
+          </a:fontRef>
+        </p:style>
+      </p:cxnSp>
+      <p:sp>
+        <p:nvSpPr>
+          <p:cNvPr id="29" name="Rectangle 8">
+            <a:extLst>
+              <a:ext uri="{FF2B5EF4-FFF2-40B4-BE49-F238E27FC236}">
+                <a16:creationId xmlns:a16="http://schemas.microsoft.com/office/drawing/2014/main" id="{451DB7E2-1634-433E-A8FD-ED25366625DC}"/>
+              </a:ext>
+            </a:extLst>
+          </p:cNvPr>
+          <p:cNvSpPr/>
+          <p:nvPr/>
+        </p:nvSpPr>
+        <p:spPr>
+          <a:xfrm>
+            <a:off x="6019800" y="3860650"/>
+            <a:ext cx="1259718" cy="346760"/>
+          </a:xfrm>
+          <a:prstGeom prst="rect">
+            <a:avLst/>
+          </a:prstGeom>
+          <a:ln w="19050"/>
+          <a:effectLst/>
+        </p:spPr>
+        <p:style>
+          <a:lnRef idx="1">
+            <a:schemeClr val="accent6"/>
+          </a:lnRef>
+          <a:fillRef idx="2">
+            <a:schemeClr val="accent6"/>
+          </a:fillRef>
+          <a:effectRef idx="1">
+            <a:schemeClr val="accent6"/>
+          </a:effectRef>
+          <a:fontRef idx="minor">
+            <a:schemeClr val="dk1"/>
+          </a:fontRef>
+        </p:style>
+        <p:txBody>
+          <a:bodyPr rtlCol="0" anchor="ctr"/>
+          <a:lstStyle/>
+          <a:p>
+            <a:pPr algn="ctr"/>
+            <a:r>
+              <a:rPr lang="en-US" sz="1050" b="1" dirty="0">
+                <a:solidFill>
+                  <a:schemeClr val="accent6">
+                    <a:lumMod val="75000"/>
+                  </a:schemeClr>
+                </a:solidFill>
+              </a:rPr>
+              <a:t>XmlAdaptedGroup</a:t>
+            </a:r>
+            <a:endParaRPr lang="en-SG" sz="1050" b="1" dirty="0">
+              <a:solidFill>
+                <a:schemeClr val="accent6">
+                  <a:lumMod val="75000"/>
+                </a:schemeClr>
+              </a:solidFill>
+            </a:endParaRPr>
+          </a:p>
+        </p:txBody>
+      </p:sp>
+      <p:cxnSp>
+        <p:nvCxnSpPr>
+          <p:cNvPr id="31" name="Elbow Connector 122">
+            <a:extLst>
+              <a:ext uri="{FF2B5EF4-FFF2-40B4-BE49-F238E27FC236}">
+                <a16:creationId xmlns:a16="http://schemas.microsoft.com/office/drawing/2014/main" id="{8782BA9E-2B0F-4DFA-8C9F-F8A21114A89A}"/>
+              </a:ext>
+            </a:extLst>
+          </p:cNvPr>
+          <p:cNvCxnSpPr>
+            <a:cxnSpLocks/>
+          </p:cNvCxnSpPr>
+          <p:nvPr/>
+        </p:nvCxnSpPr>
+        <p:spPr>
+          <a:xfrm>
+            <a:off x="6620153" y="3505200"/>
+            <a:ext cx="0" cy="355450"/>
+          </a:xfrm>
+          <a:prstGeom prst="straightConnector1">
+            <a:avLst/>
+          </a:prstGeom>
+          <a:ln w="19050">
+            <a:prstDash val="sysDot"/>
+            <a:headEnd type="none" w="med" len="med"/>
+            <a:tailEnd type="arrow" w="med" len="med"/>
+          </a:ln>
+          <a:effectLst/>
+        </p:spPr>
+        <p:style>
+          <a:lnRef idx="1">
+            <a:schemeClr val="accent6"/>
+          </a:lnRef>
+          <a:fillRef idx="2">
+            <a:schemeClr val="accent6"/>
+          </a:fillRef>
+          <a:effectRef idx="1">
+            <a:schemeClr val="accent6"/>
+          </a:effectRef>
+          <a:fontRef idx="minor">
+            <a:schemeClr val="dk1"/>
+          </a:fontRef>
+        </p:style>
+      </p:cxnSp>
+      <p:sp>
+        <p:nvSpPr>
+          <p:cNvPr id="35" name="Rectangle 8">
+            <a:extLst>
+              <a:ext uri="{FF2B5EF4-FFF2-40B4-BE49-F238E27FC236}">
+                <a16:creationId xmlns:a16="http://schemas.microsoft.com/office/drawing/2014/main" id="{2A5E9676-467F-40AA-A187-3012ACE323E1}"/>
+              </a:ext>
+            </a:extLst>
+          </p:cNvPr>
+          <p:cNvSpPr/>
+          <p:nvPr/>
+        </p:nvSpPr>
+        <p:spPr>
+          <a:xfrm>
+            <a:off x="7599815" y="3860650"/>
+            <a:ext cx="1259718" cy="346760"/>
+          </a:xfrm>
+          <a:prstGeom prst="rect">
+            <a:avLst/>
+          </a:prstGeom>
+          <a:ln w="19050"/>
+          <a:effectLst/>
+        </p:spPr>
+        <p:style>
+          <a:lnRef idx="1">
+            <a:schemeClr val="accent6"/>
+          </a:lnRef>
+          <a:fillRef idx="2">
+            <a:schemeClr val="accent6"/>
+          </a:fillRef>
+          <a:effectRef idx="1">
+            <a:schemeClr val="accent6"/>
+          </a:effectRef>
+          <a:fontRef idx="minor">
+            <a:schemeClr val="dk1"/>
+          </a:fontRef>
+        </p:style>
+        <p:txBody>
+          <a:bodyPr rtlCol="0" anchor="ctr"/>
+          <a:lstStyle/>
+          <a:p>
+            <a:pPr algn="ctr"/>
+            <a:r>
+              <a:rPr lang="en-US" sz="1050" b="1" dirty="0">
+                <a:solidFill>
+                  <a:schemeClr val="accent6">
+                    <a:lumMod val="75000"/>
+                  </a:schemeClr>
+                </a:solidFill>
+              </a:rPr>
+              <a:t>XmlAdaptedTag</a:t>
+            </a:r>
+            <a:endParaRPr lang="en-SG" sz="1050" b="1" dirty="0">
+              <a:solidFill>
+                <a:schemeClr val="accent6">
+                  <a:lumMod val="75000"/>
+                </a:schemeClr>
+              </a:solidFill>
+            </a:endParaRPr>
+          </a:p>
+        </p:txBody>
+      </p:sp>
+      <p:cxnSp>
+        <p:nvCxnSpPr>
+          <p:cNvPr id="36" name="Elbow Connector 122">
+            <a:extLst>
+              <a:ext uri="{FF2B5EF4-FFF2-40B4-BE49-F238E27FC236}">
+                <a16:creationId xmlns:a16="http://schemas.microsoft.com/office/drawing/2014/main" id="{FB9D6697-A64C-49B6-8D4C-89B163DEA3A7}"/>
+              </a:ext>
+            </a:extLst>
+          </p:cNvPr>
+          <p:cNvCxnSpPr/>
+          <p:nvPr/>
+        </p:nvCxnSpPr>
+        <p:spPr>
+          <a:xfrm>
+            <a:off x="7371215" y="4050306"/>
+            <a:ext cx="228600" cy="1970"/>
+          </a:xfrm>
+          <a:prstGeom prst="bentConnector3">
+            <a:avLst>
+              <a:gd name="adj1" fmla="val -35437"/>
+            </a:avLst>
+          </a:prstGeom>
+          <a:ln w="19050">
+            <a:solidFill>
+              <a:schemeClr val="accent6">
+                <a:lumMod val="75000"/>
+              </a:schemeClr>
+            </a:solidFill>
+            <a:prstDash val="sysDot"/>
+            <a:headEnd type="none" w="med" len="med"/>
+            <a:tailEnd type="arrow" w="med" len="med"/>
+          </a:ln>
+          <a:effectLst/>
+        </p:spPr>
+        <p:style>
+          <a:lnRef idx="1">
+            <a:schemeClr val="accent2"/>
+          </a:lnRef>
+          <a:fillRef idx="2">
+            <a:schemeClr val="accent2"/>
+          </a:fillRef>
+          <a:effectRef idx="1">
+            <a:schemeClr val="accent2"/>
           </a:effectRef>
           <a:fontRef idx="minor">
             <a:schemeClr val="dk1"/>
@@ -4843,13 +5024,6 @@
   <p:clrMapOvr>
     <a:masterClrMapping/>
   </p:clrMapOvr>
-  <p:timing>
-    <p:tnLst>
-      <p:par>
-        <p:cTn id="1" dur="indefinite" restart="never" nodeType="tmRoot"/>
-      </p:par>
-    </p:tnLst>
-  </p:timing>
 </p:sld>
 </file>
 

--- a/docs/diagrams/StorageComponentClassDiagram.pptx
+++ b/docs/diagrams/StorageComponentClassDiagram.pptx
@@ -3451,7 +3451,7 @@
         <p:spPr>
           <a:xfrm>
             <a:off x="1229077" y="1994356"/>
-            <a:ext cx="7871735" cy="2481424"/>
+            <a:ext cx="7871735" cy="3026264"/>
           </a:xfrm>
           <a:prstGeom prst="roundRect">
             <a:avLst>
@@ -3516,7 +3516,7 @@
         <p:spPr>
           <a:xfrm>
             <a:off x="2877180" y="3158440"/>
-            <a:ext cx="1323049" cy="346760"/>
+            <a:ext cx="1323049" cy="323049"/>
           </a:xfrm>
           <a:prstGeom prst="rect">
             <a:avLst/>
@@ -3593,8 +3593,8 @@
         </p:nvSpPr>
         <p:spPr>
           <a:xfrm rot="16200000">
-            <a:off x="1683963" y="2868687"/>
-            <a:ext cx="1093635" cy="346760"/>
+            <a:off x="1721354" y="2831296"/>
+            <a:ext cx="1018853" cy="346760"/>
           </a:xfrm>
           <a:prstGeom prst="rect">
             <a:avLst/>
@@ -3656,8 +3656,8 @@
         </p:nvSpPr>
         <p:spPr>
           <a:xfrm rot="16200000">
-            <a:off x="956202" y="2861202"/>
-            <a:ext cx="1093635" cy="346760"/>
+            <a:off x="993593" y="2823811"/>
+            <a:ext cx="1018853" cy="346760"/>
           </a:xfrm>
           <a:prstGeom prst="rect">
             <a:avLst/>
@@ -3730,8 +3730,8 @@
         </p:nvSpPr>
         <p:spPr>
           <a:xfrm rot="16200000">
-            <a:off x="1626910" y="2952291"/>
-            <a:ext cx="270504" cy="175523"/>
+            <a:off x="1636159" y="2943043"/>
+            <a:ext cx="252007" cy="175523"/>
           </a:xfrm>
           <a:prstGeom prst="triangle">
             <a:avLst/>
@@ -3787,9 +3787,9 @@
           <p:nvPr/>
         </p:nvCxnSpPr>
         <p:spPr>
-          <a:xfrm>
-            <a:off x="2656370" y="3326536"/>
-            <a:ext cx="220810" cy="5284"/>
+          <a:xfrm flipV="1">
+            <a:off x="2656370" y="3319965"/>
+            <a:ext cx="220810" cy="643"/>
           </a:xfrm>
           <a:prstGeom prst="straightConnector1">
             <a:avLst/>
@@ -3823,7 +3823,9 @@
       <p:cxnSp>
         <p:nvCxnSpPr>
           <p:cNvPr id="75" name="Elbow Connector 122"/>
-          <p:cNvCxnSpPr/>
+          <p:cNvCxnSpPr>
+            <a:cxnSpLocks/>
+          </p:cNvCxnSpPr>
           <p:nvPr/>
         </p:nvCxnSpPr>
         <p:spPr>
@@ -3872,9 +3874,9 @@
           <p:nvPr/>
         </p:nvCxnSpPr>
         <p:spPr>
-          <a:xfrm flipV="1">
-            <a:off x="1849924" y="3040052"/>
-            <a:ext cx="216105" cy="1"/>
+          <a:xfrm>
+            <a:off x="1849924" y="3030804"/>
+            <a:ext cx="216105" cy="9249"/>
           </a:xfrm>
           <a:prstGeom prst="line">
             <a:avLst/>
@@ -3915,7 +3917,7 @@
         <p:spPr>
           <a:xfrm>
             <a:off x="2420322" y="3239846"/>
-            <a:ext cx="236048" cy="173380"/>
+            <a:ext cx="236048" cy="161524"/>
           </a:xfrm>
           <a:prstGeom prst="flowChartDecision">
             <a:avLst/>
@@ -3968,8 +3970,8 @@
         </p:nvCxnSpPr>
         <p:spPr>
           <a:xfrm flipV="1">
-            <a:off x="4398041" y="3331820"/>
-            <a:ext cx="223324" cy="1"/>
+            <a:off x="4398041" y="3319965"/>
+            <a:ext cx="223324" cy="2609"/>
           </a:xfrm>
           <a:prstGeom prst="bentConnector3">
             <a:avLst>
@@ -4011,8 +4013,8 @@
         </p:nvSpPr>
         <p:spPr>
           <a:xfrm rot="5400000" flipV="1">
-            <a:off x="4175027" y="3244059"/>
-            <a:ext cx="270504" cy="175523"/>
+            <a:off x="4184275" y="3234812"/>
+            <a:ext cx="252009" cy="175523"/>
           </a:xfrm>
           <a:prstGeom prst="triangle">
             <a:avLst/>
@@ -4069,7 +4071,7 @@
         </p:nvCxnSpPr>
         <p:spPr>
           <a:xfrm>
-            <a:off x="5791200" y="3331820"/>
+            <a:off x="5791200" y="3319965"/>
             <a:ext cx="228600" cy="1970"/>
           </a:xfrm>
           <a:prstGeom prst="bentConnector3">
@@ -4113,7 +4115,7 @@
         <p:spPr>
           <a:xfrm>
             <a:off x="4621365" y="3158440"/>
-            <a:ext cx="1169835" cy="346760"/>
+            <a:ext cx="1169835" cy="323049"/>
           </a:xfrm>
           <a:prstGeom prst="rect">
             <a:avLst/>
@@ -4188,7 +4190,7 @@
         <p:spPr>
           <a:xfrm>
             <a:off x="2873943" y="2558040"/>
-            <a:ext cx="1323049" cy="346760"/>
+            <a:ext cx="1323049" cy="323049"/>
           </a:xfrm>
           <a:prstGeom prst="rect">
             <a:avLst/>
@@ -4267,9 +4269,9 @@
           <p:nvPr/>
         </p:nvCxnSpPr>
         <p:spPr>
-          <a:xfrm>
-            <a:off x="2653133" y="2726136"/>
-            <a:ext cx="220810" cy="5284"/>
+          <a:xfrm flipV="1">
+            <a:off x="2653133" y="2719565"/>
+            <a:ext cx="220810" cy="643"/>
           </a:xfrm>
           <a:prstGeom prst="straightConnector1">
             <a:avLst/>
@@ -4309,7 +4311,7 @@
         <p:spPr>
           <a:xfrm>
             <a:off x="2417085" y="2639446"/>
-            <a:ext cx="236048" cy="173380"/>
+            <a:ext cx="236048" cy="161524"/>
           </a:xfrm>
           <a:prstGeom prst="flowChartDecision">
             <a:avLst/>
@@ -4362,8 +4364,8 @@
         </p:nvCxnSpPr>
         <p:spPr>
           <a:xfrm flipV="1">
-            <a:off x="4394804" y="2731420"/>
-            <a:ext cx="223324" cy="1"/>
+            <a:off x="4394804" y="2719565"/>
+            <a:ext cx="223324" cy="2609"/>
           </a:xfrm>
           <a:prstGeom prst="bentConnector3">
             <a:avLst>
@@ -4405,8 +4407,8 @@
         </p:nvSpPr>
         <p:spPr>
           <a:xfrm rot="5400000" flipV="1">
-            <a:off x="4171790" y="2643659"/>
-            <a:ext cx="270504" cy="175523"/>
+            <a:off x="4181038" y="2634412"/>
+            <a:ext cx="252009" cy="175523"/>
           </a:xfrm>
           <a:prstGeom prst="triangle">
             <a:avLst/>
@@ -4461,7 +4463,7 @@
         <p:spPr>
           <a:xfrm>
             <a:off x="4618128" y="2558040"/>
-            <a:ext cx="1093635" cy="346760"/>
+            <a:ext cx="1093635" cy="323049"/>
           </a:xfrm>
           <a:prstGeom prst="rect">
             <a:avLst/>
@@ -4539,7 +4541,7 @@
         <p:spPr>
           <a:xfrm>
             <a:off x="6019800" y="3160410"/>
-            <a:ext cx="1200707" cy="346760"/>
+            <a:ext cx="1200707" cy="323049"/>
           </a:xfrm>
           <a:prstGeom prst="rect">
             <a:avLst/>
@@ -4616,8 +4618,8 @@
         </p:nvCxnSpPr>
         <p:spPr>
           <a:xfrm flipV="1">
-            <a:off x="8245597" y="2824416"/>
-            <a:ext cx="0" cy="335208"/>
+            <a:off x="8245597" y="2800705"/>
+            <a:ext cx="0" cy="358919"/>
           </a:xfrm>
           <a:prstGeom prst="straightConnector1">
             <a:avLst/>
@@ -4653,7 +4655,7 @@
         <p:spPr>
           <a:xfrm>
             <a:off x="7615738" y="2477656"/>
-            <a:ext cx="1259718" cy="346760"/>
+            <a:ext cx="1259718" cy="323049"/>
           </a:xfrm>
           <a:prstGeom prst="rect">
             <a:avLst/>
@@ -4709,7 +4711,7 @@
         <p:spPr>
           <a:xfrm>
             <a:off x="7615738" y="3159624"/>
-            <a:ext cx="1259718" cy="346760"/>
+            <a:ext cx="1259718" cy="323049"/>
           </a:xfrm>
           <a:prstGeom prst="rect">
             <a:avLst/>
@@ -4767,7 +4769,7 @@
         </p:nvCxnSpPr>
         <p:spPr>
           <a:xfrm flipV="1">
-            <a:off x="7220507" y="3333004"/>
+            <a:off x="7220507" y="3321149"/>
             <a:ext cx="395231" cy="786"/>
           </a:xfrm>
           <a:prstGeom prst="bentConnector3">
@@ -4812,7 +4814,7 @@
         <p:spPr>
           <a:xfrm>
             <a:off x="6019800" y="3860650"/>
-            <a:ext cx="1259718" cy="346760"/>
+            <a:ext cx="1259718" cy="323049"/>
           </a:xfrm>
           <a:prstGeom prst="rect">
             <a:avLst/>
@@ -4876,7 +4878,7 @@
         <p:spPr>
           <a:xfrm>
             <a:off x="6620153" y="3505200"/>
-            <a:ext cx="0" cy="355450"/>
+            <a:ext cx="0" cy="331144"/>
           </a:xfrm>
           <a:prstGeom prst="straightConnector1">
             <a:avLst/>
@@ -4917,8 +4919,8 @@
         </p:nvSpPr>
         <p:spPr>
           <a:xfrm>
-            <a:off x="7599815" y="3860650"/>
-            <a:ext cx="1259718" cy="346760"/>
+            <a:off x="7608066" y="3871197"/>
+            <a:ext cx="1259718" cy="323049"/>
           </a:xfrm>
           <a:prstGeom prst="rect">
             <a:avLst/>
@@ -4974,18 +4976,20 @@
               </a:ext>
             </a:extLst>
           </p:cNvPr>
-          <p:cNvCxnSpPr/>
+          <p:cNvCxnSpPr>
+            <a:cxnSpLocks/>
+            <a:stCxn id="29" idx="3"/>
+            <a:endCxn id="35" idx="1"/>
+          </p:cNvCxnSpPr>
           <p:nvPr/>
         </p:nvCxnSpPr>
         <p:spPr>
           <a:xfrm>
-            <a:off x="7371215" y="4050306"/>
-            <a:ext cx="228600" cy="1970"/>
-          </a:xfrm>
-          <a:prstGeom prst="bentConnector3">
-            <a:avLst>
-              <a:gd name="adj1" fmla="val -35437"/>
-            </a:avLst>
+            <a:off x="7279518" y="4022175"/>
+            <a:ext cx="328548" cy="10547"/>
+          </a:xfrm>
+          <a:prstGeom prst="straightConnector1">
+            <a:avLst/>
           </a:prstGeom>
           <a:ln w="19050">
             <a:solidFill>
@@ -5008,6 +5012,113 @@
           </a:fillRef>
           <a:effectRef idx="1">
             <a:schemeClr val="accent2"/>
+          </a:effectRef>
+          <a:fontRef idx="minor">
+            <a:schemeClr val="dk1"/>
+          </a:fontRef>
+        </p:style>
+      </p:cxnSp>
+      <p:sp>
+        <p:nvSpPr>
+          <p:cNvPr id="30" name="Rectangle 8">
+            <a:extLst>
+              <a:ext uri="{FF2B5EF4-FFF2-40B4-BE49-F238E27FC236}">
+                <a16:creationId xmlns:a16="http://schemas.microsoft.com/office/drawing/2014/main" id="{2BCA4DD6-5807-4543-846A-34315865C2AC}"/>
+              </a:ext>
+            </a:extLst>
+          </p:cNvPr>
+          <p:cNvSpPr/>
+          <p:nvPr/>
+        </p:nvSpPr>
+        <p:spPr>
+          <a:xfrm>
+            <a:off x="7599815" y="4422032"/>
+            <a:ext cx="1259718" cy="323049"/>
+          </a:xfrm>
+          <a:prstGeom prst="rect">
+            <a:avLst/>
+          </a:prstGeom>
+          <a:ln w="19050"/>
+          <a:effectLst/>
+        </p:spPr>
+        <p:style>
+          <a:lnRef idx="1">
+            <a:schemeClr val="accent6"/>
+          </a:lnRef>
+          <a:fillRef idx="2">
+            <a:schemeClr val="accent6"/>
+          </a:fillRef>
+          <a:effectRef idx="1">
+            <a:schemeClr val="accent6"/>
+          </a:effectRef>
+          <a:fontRef idx="minor">
+            <a:schemeClr val="dk1"/>
+          </a:fontRef>
+        </p:style>
+        <p:txBody>
+          <a:bodyPr rtlCol="0" anchor="ctr"/>
+          <a:lstStyle/>
+          <a:p>
+            <a:pPr algn="ctr"/>
+            <a:r>
+              <a:rPr lang="en-US" sz="1050" b="1" dirty="0">
+                <a:solidFill>
+                  <a:schemeClr val="accent6">
+                    <a:lumMod val="75000"/>
+                  </a:schemeClr>
+                </a:solidFill>
+              </a:rPr>
+              <a:t>XmlAdaptedPerson</a:t>
+            </a:r>
+            <a:endParaRPr lang="en-SG" sz="1050" b="1" dirty="0">
+              <a:solidFill>
+                <a:schemeClr val="accent6">
+                  <a:lumMod val="75000"/>
+                </a:schemeClr>
+              </a:solidFill>
+            </a:endParaRPr>
+          </a:p>
+        </p:txBody>
+      </p:sp>
+      <p:cxnSp>
+        <p:nvCxnSpPr>
+          <p:cNvPr id="32" name="Elbow Connector 122">
+            <a:extLst>
+              <a:ext uri="{FF2B5EF4-FFF2-40B4-BE49-F238E27FC236}">
+                <a16:creationId xmlns:a16="http://schemas.microsoft.com/office/drawing/2014/main" id="{A7B30FBE-A8A4-4B15-9C5B-6AEB6A39AD31}"/>
+              </a:ext>
+            </a:extLst>
+          </p:cNvPr>
+          <p:cNvCxnSpPr>
+            <a:cxnSpLocks/>
+            <a:stCxn id="29" idx="2"/>
+          </p:cNvCxnSpPr>
+          <p:nvPr/>
+        </p:nvCxnSpPr>
+        <p:spPr>
+          <a:xfrm rot="16200000" flipH="1">
+            <a:off x="6918880" y="3914478"/>
+            <a:ext cx="411714" cy="950156"/>
+          </a:xfrm>
+          <a:prstGeom prst="bentConnector2">
+            <a:avLst/>
+          </a:prstGeom>
+          <a:ln w="19050">
+            <a:prstDash val="sysDot"/>
+            <a:headEnd type="none" w="med" len="med"/>
+            <a:tailEnd type="arrow" w="med" len="med"/>
+          </a:ln>
+          <a:effectLst/>
+        </p:spPr>
+        <p:style>
+          <a:lnRef idx="1">
+            <a:schemeClr val="accent6"/>
+          </a:lnRef>
+          <a:fillRef idx="2">
+            <a:schemeClr val="accent6"/>
+          </a:fillRef>
+          <a:effectRef idx="1">
+            <a:schemeClr val="accent6"/>
           </a:effectRef>
           <a:fontRef idx="minor">
             <a:schemeClr val="dk1"/>

--- a/docs/diagrams/StorageComponentClassDiagram.pptx
+++ b/docs/diagrams/StorageComponentClassDiagram.pptx
@@ -208,7 +208,7 @@
           <a:p>
             <a:fld id="{F5CC4B3F-88C1-4FFA-B1B6-F41C21DC6924}" type="datetimeFigureOut">
               <a:rPr lang="en-US" smtClean="0"/>
-              <a:t>10/15/2018</a:t>
+              <a:t>10/30/2018</a:t>
             </a:fld>
             <a:endParaRPr lang="en-US"/>
           </a:p>
@@ -654,7 +654,7 @@
           <a:p>
             <a:fld id="{78C97017-6FC3-485B-9764-EAC9E56C1D49}" type="datetimeFigureOut">
               <a:rPr lang="en-US" smtClean="0"/>
-              <a:t>10/15/2018</a:t>
+              <a:t>10/30/2018</a:t>
             </a:fld>
             <a:endParaRPr lang="en-US"/>
           </a:p>
@@ -822,7 +822,7 @@
           <a:p>
             <a:fld id="{78C97017-6FC3-485B-9764-EAC9E56C1D49}" type="datetimeFigureOut">
               <a:rPr lang="en-US" smtClean="0"/>
-              <a:t>10/15/2018</a:t>
+              <a:t>10/30/2018</a:t>
             </a:fld>
             <a:endParaRPr lang="en-US"/>
           </a:p>
@@ -1000,7 +1000,7 @@
           <a:p>
             <a:fld id="{78C97017-6FC3-485B-9764-EAC9E56C1D49}" type="datetimeFigureOut">
               <a:rPr lang="en-US" smtClean="0"/>
-              <a:t>10/15/2018</a:t>
+              <a:t>10/30/2018</a:t>
             </a:fld>
             <a:endParaRPr lang="en-US"/>
           </a:p>
@@ -1168,7 +1168,7 @@
           <a:p>
             <a:fld id="{78C97017-6FC3-485B-9764-EAC9E56C1D49}" type="datetimeFigureOut">
               <a:rPr lang="en-US" smtClean="0"/>
-              <a:t>10/15/2018</a:t>
+              <a:t>10/30/2018</a:t>
             </a:fld>
             <a:endParaRPr lang="en-US"/>
           </a:p>
@@ -1413,7 +1413,7 @@
           <a:p>
             <a:fld id="{78C97017-6FC3-485B-9764-EAC9E56C1D49}" type="datetimeFigureOut">
               <a:rPr lang="en-US" smtClean="0"/>
-              <a:t>10/15/2018</a:t>
+              <a:t>10/30/2018</a:t>
             </a:fld>
             <a:endParaRPr lang="en-US"/>
           </a:p>
@@ -1698,7 +1698,7 @@
           <a:p>
             <a:fld id="{78C97017-6FC3-485B-9764-EAC9E56C1D49}" type="datetimeFigureOut">
               <a:rPr lang="en-US" smtClean="0"/>
-              <a:t>10/15/2018</a:t>
+              <a:t>10/30/2018</a:t>
             </a:fld>
             <a:endParaRPr lang="en-US"/>
           </a:p>
@@ -2117,7 +2117,7 @@
           <a:p>
             <a:fld id="{78C97017-6FC3-485B-9764-EAC9E56C1D49}" type="datetimeFigureOut">
               <a:rPr lang="en-US" smtClean="0"/>
-              <a:t>10/15/2018</a:t>
+              <a:t>10/30/2018</a:t>
             </a:fld>
             <a:endParaRPr lang="en-US"/>
           </a:p>
@@ -2234,7 +2234,7 @@
           <a:p>
             <a:fld id="{78C97017-6FC3-485B-9764-EAC9E56C1D49}" type="datetimeFigureOut">
               <a:rPr lang="en-US" smtClean="0"/>
-              <a:t>10/15/2018</a:t>
+              <a:t>10/30/2018</a:t>
             </a:fld>
             <a:endParaRPr lang="en-US"/>
           </a:p>
@@ -2329,7 +2329,7 @@
           <a:p>
             <a:fld id="{78C97017-6FC3-485B-9764-EAC9E56C1D49}" type="datetimeFigureOut">
               <a:rPr lang="en-US" smtClean="0"/>
-              <a:t>10/15/2018</a:t>
+              <a:t>10/30/2018</a:t>
             </a:fld>
             <a:endParaRPr lang="en-US"/>
           </a:p>
@@ -2604,7 +2604,7 @@
           <a:p>
             <a:fld id="{78C97017-6FC3-485B-9764-EAC9E56C1D49}" type="datetimeFigureOut">
               <a:rPr lang="en-US" smtClean="0"/>
-              <a:t>10/15/2018</a:t>
+              <a:t>10/30/2018</a:t>
             </a:fld>
             <a:endParaRPr lang="en-US"/>
           </a:p>
@@ -2856,7 +2856,7 @@
           <a:p>
             <a:fld id="{78C97017-6FC3-485B-9764-EAC9E56C1D49}" type="datetimeFigureOut">
               <a:rPr lang="en-US" smtClean="0"/>
-              <a:t>10/15/2018</a:t>
+              <a:t>10/30/2018</a:t>
             </a:fld>
             <a:endParaRPr lang="en-US"/>
           </a:p>
@@ -3067,7 +3067,7 @@
           <a:p>
             <a:fld id="{78C97017-6FC3-485B-9764-EAC9E56C1D49}" type="datetimeFigureOut">
               <a:rPr lang="en-US" smtClean="0"/>
-              <a:t>10/15/2018</a:t>
+              <a:t>10/30/2018</a:t>
             </a:fld>
             <a:endParaRPr lang="en-US"/>
           </a:p>
@@ -3515,7 +3515,7 @@
         </p:nvSpPr>
         <p:spPr>
           <a:xfrm>
-            <a:off x="2877180" y="3158440"/>
+            <a:off x="2875169" y="2886400"/>
             <a:ext cx="1323049" cy="346760"/>
           </a:xfrm>
           <a:prstGeom prst="rect">
@@ -3788,7 +3788,7 @@
         </p:nvCxnSpPr>
         <p:spPr>
           <a:xfrm>
-            <a:off x="2656370" y="3326536"/>
+            <a:off x="2654359" y="3054496"/>
             <a:ext cx="220810" cy="5284"/>
           </a:xfrm>
           <a:prstGeom prst="straightConnector1">
@@ -3914,7 +3914,7 @@
         </p:nvSpPr>
         <p:spPr>
           <a:xfrm>
-            <a:off x="2420322" y="3239846"/>
+            <a:off x="2418311" y="2967806"/>
             <a:ext cx="236048" cy="173380"/>
           </a:xfrm>
           <a:prstGeom prst="flowChartDecision">
@@ -3968,7 +3968,7 @@
         </p:nvCxnSpPr>
         <p:spPr>
           <a:xfrm flipV="1">
-            <a:off x="4398041" y="3331820"/>
+            <a:off x="4396030" y="3059780"/>
             <a:ext cx="223324" cy="1"/>
           </a:xfrm>
           <a:prstGeom prst="bentConnector3">
@@ -4011,7 +4011,7 @@
         </p:nvSpPr>
         <p:spPr>
           <a:xfrm rot="5400000" flipV="1">
-            <a:off x="4175027" y="3244059"/>
+            <a:off x="4173016" y="2972019"/>
             <a:ext cx="270504" cy="175523"/>
           </a:xfrm>
           <a:prstGeom prst="triangle">
@@ -4069,7 +4069,7 @@
         </p:nvCxnSpPr>
         <p:spPr>
           <a:xfrm>
-            <a:off x="5791200" y="3331820"/>
+            <a:off x="5789189" y="3059780"/>
             <a:ext cx="228600" cy="1970"/>
           </a:xfrm>
           <a:prstGeom prst="bentConnector3">
@@ -4112,7 +4112,7 @@
         </p:nvSpPr>
         <p:spPr>
           <a:xfrm>
-            <a:off x="4621365" y="3158440"/>
+            <a:off x="4619354" y="2886400"/>
             <a:ext cx="1169835" cy="346760"/>
           </a:xfrm>
           <a:prstGeom prst="rect">
@@ -4187,7 +4187,7 @@
         </p:nvSpPr>
         <p:spPr>
           <a:xfrm>
-            <a:off x="2873943" y="2558040"/>
+            <a:off x="2871932" y="2286000"/>
             <a:ext cx="1323049" cy="346760"/>
           </a:xfrm>
           <a:prstGeom prst="rect">
@@ -4268,7 +4268,7 @@
         </p:nvCxnSpPr>
         <p:spPr>
           <a:xfrm>
-            <a:off x="2653133" y="2726136"/>
+            <a:off x="2651122" y="2454096"/>
             <a:ext cx="220810" cy="5284"/>
           </a:xfrm>
           <a:prstGeom prst="straightConnector1">
@@ -4308,7 +4308,7 @@
         </p:nvSpPr>
         <p:spPr>
           <a:xfrm>
-            <a:off x="2417085" y="2639446"/>
+            <a:off x="2415074" y="2367406"/>
             <a:ext cx="236048" cy="173380"/>
           </a:xfrm>
           <a:prstGeom prst="flowChartDecision">
@@ -4362,7 +4362,7 @@
         </p:nvCxnSpPr>
         <p:spPr>
           <a:xfrm flipV="1">
-            <a:off x="4394804" y="2731420"/>
+            <a:off x="4392793" y="2459380"/>
             <a:ext cx="223324" cy="1"/>
           </a:xfrm>
           <a:prstGeom prst="bentConnector3">
@@ -4405,7 +4405,7 @@
         </p:nvSpPr>
         <p:spPr>
           <a:xfrm rot="5400000" flipV="1">
-            <a:off x="4171790" y="2643659"/>
+            <a:off x="4169779" y="2371619"/>
             <a:ext cx="270504" cy="175523"/>
           </a:xfrm>
           <a:prstGeom prst="triangle">
@@ -4460,7 +4460,7 @@
         </p:nvSpPr>
         <p:spPr>
           <a:xfrm>
-            <a:off x="4618128" y="2558040"/>
+            <a:off x="4616117" y="2286000"/>
             <a:ext cx="1093635" cy="346760"/>
           </a:xfrm>
           <a:prstGeom prst="rect">
@@ -4538,7 +4538,7 @@
         </p:nvSpPr>
         <p:spPr>
           <a:xfrm>
-            <a:off x="6019800" y="3160410"/>
+            <a:off x="6017789" y="2888370"/>
             <a:ext cx="1200707" cy="346760"/>
           </a:xfrm>
           <a:prstGeom prst="rect">
@@ -4616,7 +4616,7 @@
         </p:nvCxnSpPr>
         <p:spPr>
           <a:xfrm rot="5400000" flipH="1" flipV="1">
-            <a:off x="8077993" y="2992020"/>
+            <a:off x="8075982" y="2719980"/>
             <a:ext cx="335208" cy="12700"/>
           </a:xfrm>
           <a:prstGeom prst="bentConnector3">
@@ -4654,7 +4654,7 @@
         </p:nvSpPr>
         <p:spPr>
           <a:xfrm>
-            <a:off x="7615738" y="2477656"/>
+            <a:off x="7613727" y="2205616"/>
             <a:ext cx="1259718" cy="346760"/>
           </a:xfrm>
           <a:prstGeom prst="rect">
@@ -4710,7 +4710,7 @@
         </p:nvSpPr>
         <p:spPr>
           <a:xfrm>
-            <a:off x="7615738" y="3159624"/>
+            <a:off x="7613727" y="2887584"/>
             <a:ext cx="1259718" cy="346760"/>
           </a:xfrm>
           <a:prstGeom prst="rect">
@@ -4769,7 +4769,7 @@
         </p:nvCxnSpPr>
         <p:spPr>
           <a:xfrm flipV="1">
-            <a:off x="7220507" y="3333004"/>
+            <a:off x="7218496" y="3060964"/>
             <a:ext cx="395231" cy="786"/>
           </a:xfrm>
           <a:prstGeom prst="bentConnector3">
@@ -4799,393 +4799,6 @@
           </a:fontRef>
         </p:style>
       </p:cxnSp>
-      <p:cxnSp>
-        <p:nvCxnSpPr>
-          <p:cNvPr id="26" name="Straight Arrow Connector 25">
-            <a:extLst>
-              <a:ext uri="{FF2B5EF4-FFF2-40B4-BE49-F238E27FC236}">
-                <a16:creationId xmlns:a16="http://schemas.microsoft.com/office/drawing/2014/main" id="{F8615C77-FB20-497A-A798-0AE0764672B1}"/>
-              </a:ext>
-            </a:extLst>
-          </p:cNvPr>
-          <p:cNvCxnSpPr>
-            <a:stCxn id="27" idx="3"/>
-          </p:cNvCxnSpPr>
-          <p:nvPr/>
-        </p:nvCxnSpPr>
-        <p:spPr>
-          <a:xfrm>
-            <a:off x="2653133" y="2141229"/>
-            <a:ext cx="220810" cy="5284"/>
-          </a:xfrm>
-          <a:prstGeom prst="straightConnector1">
-            <a:avLst/>
-          </a:prstGeom>
-          <a:ln w="19050">
-            <a:solidFill>
-              <a:schemeClr val="accent6">
-                <a:lumMod val="75000"/>
-              </a:schemeClr>
-            </a:solidFill>
-            <a:headEnd type="none" w="med" len="med"/>
-            <a:tailEnd type="arrow" w="med" len="med"/>
-          </a:ln>
-          <a:effectLst/>
-        </p:spPr>
-        <p:style>
-          <a:lnRef idx="1">
-            <a:schemeClr val="accent2"/>
-          </a:lnRef>
-          <a:fillRef idx="2">
-            <a:schemeClr val="accent2"/>
-          </a:fillRef>
-          <a:effectRef idx="1">
-            <a:schemeClr val="accent2"/>
-          </a:effectRef>
-          <a:fontRef idx="minor">
-            <a:schemeClr val="dk1"/>
-          </a:fontRef>
-        </p:style>
-      </p:cxnSp>
-      <p:sp>
-        <p:nvSpPr>
-          <p:cNvPr id="27" name="Flowchart: Decision 96">
-            <a:extLst>
-              <a:ext uri="{FF2B5EF4-FFF2-40B4-BE49-F238E27FC236}">
-                <a16:creationId xmlns:a16="http://schemas.microsoft.com/office/drawing/2014/main" id="{941E38F7-AE34-465B-A133-CD8BBF5EA823}"/>
-              </a:ext>
-            </a:extLst>
-          </p:cNvPr>
-          <p:cNvSpPr/>
-          <p:nvPr/>
-        </p:nvSpPr>
-        <p:spPr>
-          <a:xfrm>
-            <a:off x="2417085" y="2054539"/>
-            <a:ext cx="236048" cy="173380"/>
-          </a:xfrm>
-          <a:prstGeom prst="flowChartDecision">
-            <a:avLst/>
-          </a:prstGeom>
-          <a:noFill/>
-          <a:ln w="19050">
-            <a:solidFill>
-              <a:schemeClr val="accent6">
-                <a:lumMod val="75000"/>
-              </a:schemeClr>
-            </a:solidFill>
-          </a:ln>
-          <a:effectLst/>
-        </p:spPr>
-        <p:style>
-          <a:lnRef idx="1">
-            <a:schemeClr val="accent2"/>
-          </a:lnRef>
-          <a:fillRef idx="2">
-            <a:schemeClr val="accent2"/>
-          </a:fillRef>
-          <a:effectRef idx="1">
-            <a:schemeClr val="accent2"/>
-          </a:effectRef>
-          <a:fontRef idx="minor">
-            <a:schemeClr val="dk1"/>
-          </a:fontRef>
-        </p:style>
-        <p:txBody>
-          <a:bodyPr rtlCol="0" anchor="ctr"/>
-          <a:lstStyle/>
-          <a:p>
-            <a:pPr algn="ctr"/>
-            <a:endParaRPr lang="en-US" sz="1050">
-              <a:solidFill>
-                <a:schemeClr val="bg1"/>
-              </a:solidFill>
-            </a:endParaRPr>
-          </a:p>
-        </p:txBody>
-      </p:sp>
-      <p:sp>
-        <p:nvSpPr>
-          <p:cNvPr id="30" name="Rectangle 8">
-            <a:extLst>
-              <a:ext uri="{FF2B5EF4-FFF2-40B4-BE49-F238E27FC236}">
-                <a16:creationId xmlns:a16="http://schemas.microsoft.com/office/drawing/2014/main" id="{B187EB57-AC31-4BED-BFDA-43788F9DC338}"/>
-              </a:ext>
-            </a:extLst>
-          </p:cNvPr>
-          <p:cNvSpPr/>
-          <p:nvPr/>
-        </p:nvSpPr>
-        <p:spPr>
-          <a:xfrm>
-            <a:off x="2881808" y="1962924"/>
-            <a:ext cx="1323049" cy="346760"/>
-          </a:xfrm>
-          <a:prstGeom prst="rect">
-            <a:avLst/>
-          </a:prstGeom>
-          <a:solidFill>
-            <a:schemeClr val="accent6">
-              <a:lumMod val="75000"/>
-            </a:schemeClr>
-          </a:solidFill>
-          <a:ln w="19050">
-            <a:solidFill>
-              <a:schemeClr val="accent6">
-                <a:lumMod val="75000"/>
-              </a:schemeClr>
-            </a:solidFill>
-          </a:ln>
-          <a:effectLst/>
-        </p:spPr>
-        <p:style>
-          <a:lnRef idx="1">
-            <a:schemeClr val="accent2"/>
-          </a:lnRef>
-          <a:fillRef idx="2">
-            <a:schemeClr val="accent2"/>
-          </a:fillRef>
-          <a:effectRef idx="1">
-            <a:schemeClr val="accent2"/>
-          </a:effectRef>
-          <a:fontRef idx="minor">
-            <a:schemeClr val="dk1"/>
-          </a:fontRef>
-        </p:style>
-        <p:txBody>
-          <a:bodyPr rtlCol="0" anchor="ctr"/>
-          <a:lstStyle/>
-          <a:p>
-            <a:pPr algn="ctr"/>
-            <a:r>
-              <a:rPr lang="en-US" sz="1050" dirty="0">
-                <a:solidFill>
-                  <a:schemeClr val="bg1"/>
-                </a:solidFill>
-              </a:rPr>
-              <a:t>&lt;&lt;interface&gt;&gt;</a:t>
-            </a:r>
-            <a:br>
-              <a:rPr lang="en-US" sz="1050" dirty="0">
-                <a:solidFill>
-                  <a:schemeClr val="bg1"/>
-                </a:solidFill>
-              </a:rPr>
-            </a:br>
-            <a:r>
-              <a:rPr lang="en-US" sz="1050" dirty="0" err="1">
-                <a:solidFill>
-                  <a:schemeClr val="bg1"/>
-                </a:solidFill>
-              </a:rPr>
-              <a:t>TimeTableStorage</a:t>
-            </a:r>
-            <a:endParaRPr lang="en-SG" sz="1050" dirty="0">
-              <a:solidFill>
-                <a:schemeClr val="bg1"/>
-              </a:solidFill>
-            </a:endParaRPr>
-          </a:p>
-        </p:txBody>
-      </p:sp>
-      <p:cxnSp>
-        <p:nvCxnSpPr>
-          <p:cNvPr id="31" name="Elbow Connector 63">
-            <a:extLst>
-              <a:ext uri="{FF2B5EF4-FFF2-40B4-BE49-F238E27FC236}">
-                <a16:creationId xmlns:a16="http://schemas.microsoft.com/office/drawing/2014/main" id="{7704716A-3AB7-474A-B186-72C8FEA7A4E4}"/>
-              </a:ext>
-            </a:extLst>
-          </p:cNvPr>
-          <p:cNvCxnSpPr>
-            <a:stCxn id="32" idx="3"/>
-            <a:endCxn id="33" idx="1"/>
-          </p:cNvCxnSpPr>
-          <p:nvPr/>
-        </p:nvCxnSpPr>
-        <p:spPr>
-          <a:xfrm flipV="1">
-            <a:off x="4384830" y="2149258"/>
-            <a:ext cx="223324" cy="1"/>
-          </a:xfrm>
-          <a:prstGeom prst="bentConnector3">
-            <a:avLst>
-              <a:gd name="adj1" fmla="val 50000"/>
-            </a:avLst>
-          </a:prstGeom>
-          <a:ln w="19050">
-            <a:solidFill>
-              <a:schemeClr val="accent6">
-                <a:lumMod val="75000"/>
-              </a:schemeClr>
-            </a:solidFill>
-            <a:prstDash val="sysDot"/>
-            <a:headEnd type="none" w="med" len="med"/>
-            <a:tailEnd type="none" w="med" len="med"/>
-          </a:ln>
-          <a:effectLst/>
-        </p:spPr>
-        <p:style>
-          <a:lnRef idx="1">
-            <a:schemeClr val="accent2"/>
-          </a:lnRef>
-          <a:fillRef idx="2">
-            <a:schemeClr val="accent2"/>
-          </a:fillRef>
-          <a:effectRef idx="1">
-            <a:schemeClr val="accent2"/>
-          </a:effectRef>
-          <a:fontRef idx="minor">
-            <a:schemeClr val="dk1"/>
-          </a:fontRef>
-        </p:style>
-      </p:cxnSp>
-      <p:sp>
-        <p:nvSpPr>
-          <p:cNvPr id="32" name="Isosceles Triangle 102">
-            <a:extLst>
-              <a:ext uri="{FF2B5EF4-FFF2-40B4-BE49-F238E27FC236}">
-                <a16:creationId xmlns:a16="http://schemas.microsoft.com/office/drawing/2014/main" id="{BD35A4B0-C4C5-43C7-B4B8-9C039B788083}"/>
-              </a:ext>
-            </a:extLst>
-          </p:cNvPr>
-          <p:cNvSpPr/>
-          <p:nvPr/>
-        </p:nvSpPr>
-        <p:spPr>
-          <a:xfrm rot="5400000" flipV="1">
-            <a:off x="4161816" y="2061497"/>
-            <a:ext cx="270504" cy="175523"/>
-          </a:xfrm>
-          <a:prstGeom prst="triangle">
-            <a:avLst/>
-          </a:prstGeom>
-          <a:solidFill>
-            <a:schemeClr val="accent6">
-              <a:lumMod val="75000"/>
-            </a:schemeClr>
-          </a:solidFill>
-          <a:ln w="19050">
-            <a:solidFill>
-              <a:schemeClr val="accent6">
-                <a:lumMod val="75000"/>
-              </a:schemeClr>
-            </a:solidFill>
-          </a:ln>
-          <a:effectLst/>
-        </p:spPr>
-        <p:style>
-          <a:lnRef idx="1">
-            <a:schemeClr val="accent2"/>
-          </a:lnRef>
-          <a:fillRef idx="2">
-            <a:schemeClr val="accent2"/>
-          </a:fillRef>
-          <a:effectRef idx="1">
-            <a:schemeClr val="accent2"/>
-          </a:effectRef>
-          <a:fontRef idx="minor">
-            <a:schemeClr val="dk1"/>
-          </a:fontRef>
-        </p:style>
-        <p:txBody>
-          <a:bodyPr rtlCol="0" anchor="ctr"/>
-          <a:lstStyle/>
-          <a:p>
-            <a:pPr algn="ctr"/>
-            <a:endParaRPr lang="en-SG" sz="1050">
-              <a:solidFill>
-                <a:schemeClr val="bg1"/>
-              </a:solidFill>
-            </a:endParaRPr>
-          </a:p>
-        </p:txBody>
-      </p:sp>
-      <p:sp>
-        <p:nvSpPr>
-          <p:cNvPr id="33" name="Rectangle 8">
-            <a:extLst>
-              <a:ext uri="{FF2B5EF4-FFF2-40B4-BE49-F238E27FC236}">
-                <a16:creationId xmlns:a16="http://schemas.microsoft.com/office/drawing/2014/main" id="{0D3B7B7D-A351-464A-A2C1-6B36E0BC0B6A}"/>
-              </a:ext>
-            </a:extLst>
-          </p:cNvPr>
-          <p:cNvSpPr/>
-          <p:nvPr/>
-        </p:nvSpPr>
-        <p:spPr>
-          <a:xfrm>
-            <a:off x="4608154" y="1975878"/>
-            <a:ext cx="1093635" cy="346760"/>
-          </a:xfrm>
-          <a:prstGeom prst="rect">
-            <a:avLst/>
-          </a:prstGeom>
-          <a:solidFill>
-            <a:schemeClr val="accent6">
-              <a:lumMod val="75000"/>
-            </a:schemeClr>
-          </a:solidFill>
-          <a:ln w="19050">
-            <a:solidFill>
-              <a:schemeClr val="accent6">
-                <a:lumMod val="75000"/>
-              </a:schemeClr>
-            </a:solidFill>
-          </a:ln>
-          <a:effectLst/>
-        </p:spPr>
-        <p:style>
-          <a:lnRef idx="1">
-            <a:schemeClr val="accent2"/>
-          </a:lnRef>
-          <a:fillRef idx="2">
-            <a:schemeClr val="accent2"/>
-          </a:fillRef>
-          <a:effectRef idx="1">
-            <a:schemeClr val="accent2"/>
-          </a:effectRef>
-          <a:fontRef idx="minor">
-            <a:schemeClr val="dk1"/>
-          </a:fontRef>
-        </p:style>
-        <p:txBody>
-          <a:bodyPr rtlCol="0" anchor="ctr"/>
-          <a:lstStyle/>
-          <a:p>
-            <a:pPr algn="ctr"/>
-            <a:r>
-              <a:rPr lang="en-US" sz="1050" dirty="0" err="1">
-                <a:solidFill>
-                  <a:schemeClr val="bg1"/>
-                </a:solidFill>
-              </a:rPr>
-              <a:t>IcsTimeTable</a:t>
-            </a:r>
-            <a:endParaRPr lang="en-US" sz="1050" dirty="0">
-              <a:solidFill>
-                <a:schemeClr val="bg1"/>
-              </a:solidFill>
-            </a:endParaRPr>
-          </a:p>
-          <a:p>
-            <a:pPr algn="ctr"/>
-            <a:r>
-              <a:rPr lang="en-US" sz="1050" dirty="0">
-                <a:solidFill>
-                  <a:schemeClr val="bg1"/>
-                </a:solidFill>
-              </a:rPr>
-              <a:t>Storage</a:t>
-            </a:r>
-            <a:endParaRPr lang="en-SG" sz="1050" dirty="0">
-              <a:solidFill>
-                <a:schemeClr val="bg1"/>
-              </a:solidFill>
-            </a:endParaRPr>
-          </a:p>
-        </p:txBody>
-      </p:sp>
     </p:spTree>
     <p:extLst>
       <p:ext uri="{BB962C8B-B14F-4D97-AF65-F5344CB8AC3E}">

--- a/docs/diagrams/StorageComponentClassDiagram.pptx
+++ b/docs/diagrams/StorageComponentClassDiagram.pptx
@@ -107,6 +107,22 @@
       </a:defRPr>
     </a:lvl9pPr>
   </p:defaultTextStyle>
+  <p:extLst>
+    <p:ext uri="{EFAFB233-063F-42B5-8137-9DF3F51BA10A}">
+      <p15:sldGuideLst xmlns:p15="http://schemas.microsoft.com/office/powerpoint/2012/main">
+        <p15:guide id="1" orient="horz" pos="1488">
+          <p15:clr>
+            <a:srgbClr val="A4A3A4"/>
+          </p15:clr>
+        </p15:guide>
+        <p15:guide id="2" pos="2880">
+          <p15:clr>
+            <a:srgbClr val="A4A3A4"/>
+          </p15:clr>
+        </p15:guide>
+      </p15:sldGuideLst>
+    </p:ext>
+  </p:extLst>
 </p:presentation>
 </file>
 
@@ -192,7 +208,7 @@
           <a:p>
             <a:fld id="{F5CC4B3F-88C1-4FFA-B1B6-F41C21DC6924}" type="datetimeFigureOut">
               <a:rPr lang="en-US" smtClean="0"/>
-              <a:t>10/16/2016</a:t>
+              <a:t>11/2/18</a:t>
             </a:fld>
             <a:endParaRPr lang="en-US"/>
           </a:p>
@@ -256,38 +272,37 @@
           <a:p>
             <a:pPr lvl="0"/>
             <a:r>
-              <a:rPr lang="en-US" smtClean="0"/>
+              <a:rPr lang="en-US"/>
               <a:t>Click to edit Master text styles</a:t>
             </a:r>
           </a:p>
           <a:p>
             <a:pPr lvl="1"/>
             <a:r>
-              <a:rPr lang="en-US" smtClean="0"/>
+              <a:rPr lang="en-US"/>
               <a:t>Second level</a:t>
             </a:r>
           </a:p>
           <a:p>
             <a:pPr lvl="2"/>
             <a:r>
-              <a:rPr lang="en-US" smtClean="0"/>
+              <a:rPr lang="en-US"/>
               <a:t>Third level</a:t>
             </a:r>
           </a:p>
           <a:p>
             <a:pPr lvl="3"/>
             <a:r>
-              <a:rPr lang="en-US" smtClean="0"/>
+              <a:rPr lang="en-US"/>
               <a:t>Fourth level</a:t>
             </a:r>
           </a:p>
           <a:p>
             <a:pPr lvl="4"/>
             <a:r>
-              <a:rPr lang="en-US" smtClean="0"/>
+              <a:rPr lang="en-US"/>
               <a:t>Fifth level</a:t>
             </a:r>
-            <a:endParaRPr lang="en-US"/>
           </a:p>
         </p:txBody>
       </p:sp>
@@ -498,10 +513,9 @@
           <a:lstStyle/>
           <a:p>
             <a:r>
-              <a:rPr lang="en-US" smtClean="0"/>
+              <a:rPr lang="en-US"/>
               <a:t>Click to edit Master title style</a:t>
             </a:r>
-            <a:endParaRPr lang="en-US"/>
           </a:p>
         </p:txBody>
       </p:sp>
@@ -617,10 +631,9 @@
           </a:lstStyle>
           <a:p>
             <a:r>
-              <a:rPr lang="en-US" smtClean="0"/>
+              <a:rPr lang="en-US"/>
               <a:t>Click to edit Master subtitle style</a:t>
             </a:r>
-            <a:endParaRPr lang="en-US"/>
           </a:p>
         </p:txBody>
       </p:sp>
@@ -641,7 +654,7 @@
           <a:p>
             <a:fld id="{78C97017-6FC3-485B-9764-EAC9E56C1D49}" type="datetimeFigureOut">
               <a:rPr lang="en-US" smtClean="0"/>
-              <a:t>10/16/2016</a:t>
+              <a:t>11/2/18</a:t>
             </a:fld>
             <a:endParaRPr lang="en-US"/>
           </a:p>
@@ -735,10 +748,9 @@
           <a:lstStyle/>
           <a:p>
             <a:r>
-              <a:rPr lang="en-US" smtClean="0"/>
+              <a:rPr lang="en-US"/>
               <a:t>Click to edit Master title style</a:t>
             </a:r>
-            <a:endParaRPr lang="en-US"/>
           </a:p>
         </p:txBody>
       </p:sp>
@@ -759,38 +771,37 @@
           <a:p>
             <a:pPr lvl="0"/>
             <a:r>
-              <a:rPr lang="en-US" smtClean="0"/>
+              <a:rPr lang="en-US"/>
               <a:t>Click to edit Master text styles</a:t>
             </a:r>
           </a:p>
           <a:p>
             <a:pPr lvl="1"/>
             <a:r>
-              <a:rPr lang="en-US" smtClean="0"/>
+              <a:rPr lang="en-US"/>
               <a:t>Second level</a:t>
             </a:r>
           </a:p>
           <a:p>
             <a:pPr lvl="2"/>
             <a:r>
-              <a:rPr lang="en-US" smtClean="0"/>
+              <a:rPr lang="en-US"/>
               <a:t>Third level</a:t>
             </a:r>
           </a:p>
           <a:p>
             <a:pPr lvl="3"/>
             <a:r>
-              <a:rPr lang="en-US" smtClean="0"/>
+              <a:rPr lang="en-US"/>
               <a:t>Fourth level</a:t>
             </a:r>
           </a:p>
           <a:p>
             <a:pPr lvl="4"/>
             <a:r>
-              <a:rPr lang="en-US" smtClean="0"/>
+              <a:rPr lang="en-US"/>
               <a:t>Fifth level</a:t>
             </a:r>
-            <a:endParaRPr lang="en-US"/>
           </a:p>
         </p:txBody>
       </p:sp>
@@ -811,7 +822,7 @@
           <a:p>
             <a:fld id="{78C97017-6FC3-485B-9764-EAC9E56C1D49}" type="datetimeFigureOut">
               <a:rPr lang="en-US" smtClean="0"/>
-              <a:t>10/16/2016</a:t>
+              <a:t>11/2/18</a:t>
             </a:fld>
             <a:endParaRPr lang="en-US"/>
           </a:p>
@@ -910,10 +921,9 @@
           <a:lstStyle/>
           <a:p>
             <a:r>
-              <a:rPr lang="en-US" smtClean="0"/>
+              <a:rPr lang="en-US"/>
               <a:t>Click to edit Master title style</a:t>
             </a:r>
-            <a:endParaRPr lang="en-US"/>
           </a:p>
         </p:txBody>
       </p:sp>
@@ -939,38 +949,37 @@
           <a:p>
             <a:pPr lvl="0"/>
             <a:r>
-              <a:rPr lang="en-US" smtClean="0"/>
+              <a:rPr lang="en-US"/>
               <a:t>Click to edit Master text styles</a:t>
             </a:r>
           </a:p>
           <a:p>
             <a:pPr lvl="1"/>
             <a:r>
-              <a:rPr lang="en-US" smtClean="0"/>
+              <a:rPr lang="en-US"/>
               <a:t>Second level</a:t>
             </a:r>
           </a:p>
           <a:p>
             <a:pPr lvl="2"/>
             <a:r>
-              <a:rPr lang="en-US" smtClean="0"/>
+              <a:rPr lang="en-US"/>
               <a:t>Third level</a:t>
             </a:r>
           </a:p>
           <a:p>
             <a:pPr lvl="3"/>
             <a:r>
-              <a:rPr lang="en-US" smtClean="0"/>
+              <a:rPr lang="en-US"/>
               <a:t>Fourth level</a:t>
             </a:r>
           </a:p>
           <a:p>
             <a:pPr lvl="4"/>
             <a:r>
-              <a:rPr lang="en-US" smtClean="0"/>
+              <a:rPr lang="en-US"/>
               <a:t>Fifth level</a:t>
             </a:r>
-            <a:endParaRPr lang="en-US"/>
           </a:p>
         </p:txBody>
       </p:sp>
@@ -991,7 +1000,7 @@
           <a:p>
             <a:fld id="{78C97017-6FC3-485B-9764-EAC9E56C1D49}" type="datetimeFigureOut">
               <a:rPr lang="en-US" smtClean="0"/>
-              <a:t>10/16/2016</a:t>
+              <a:t>11/2/18</a:t>
             </a:fld>
             <a:endParaRPr lang="en-US"/>
           </a:p>
@@ -1085,10 +1094,9 @@
           <a:lstStyle/>
           <a:p>
             <a:r>
-              <a:rPr lang="en-US" smtClean="0"/>
+              <a:rPr lang="en-US"/>
               <a:t>Click to edit Master title style</a:t>
             </a:r>
-            <a:endParaRPr lang="en-US"/>
           </a:p>
         </p:txBody>
       </p:sp>
@@ -1109,38 +1117,37 @@
           <a:p>
             <a:pPr lvl="0"/>
             <a:r>
-              <a:rPr lang="en-US" smtClean="0"/>
+              <a:rPr lang="en-US"/>
               <a:t>Click to edit Master text styles</a:t>
             </a:r>
           </a:p>
           <a:p>
             <a:pPr lvl="1"/>
             <a:r>
-              <a:rPr lang="en-US" smtClean="0"/>
+              <a:rPr lang="en-US"/>
               <a:t>Second level</a:t>
             </a:r>
           </a:p>
           <a:p>
             <a:pPr lvl="2"/>
             <a:r>
-              <a:rPr lang="en-US" smtClean="0"/>
+              <a:rPr lang="en-US"/>
               <a:t>Third level</a:t>
             </a:r>
           </a:p>
           <a:p>
             <a:pPr lvl="3"/>
             <a:r>
-              <a:rPr lang="en-US" smtClean="0"/>
+              <a:rPr lang="en-US"/>
               <a:t>Fourth level</a:t>
             </a:r>
           </a:p>
           <a:p>
             <a:pPr lvl="4"/>
             <a:r>
-              <a:rPr lang="en-US" smtClean="0"/>
+              <a:rPr lang="en-US"/>
               <a:t>Fifth level</a:t>
             </a:r>
-            <a:endParaRPr lang="en-US"/>
           </a:p>
         </p:txBody>
       </p:sp>
@@ -1161,7 +1168,7 @@
           <a:p>
             <a:fld id="{78C97017-6FC3-485B-9764-EAC9E56C1D49}" type="datetimeFigureOut">
               <a:rPr lang="en-US" smtClean="0"/>
-              <a:t>10/16/2016</a:t>
+              <a:t>11/2/18</a:t>
             </a:fld>
             <a:endParaRPr lang="en-US"/>
           </a:p>
@@ -1264,10 +1271,9 @@
           </a:lstStyle>
           <a:p>
             <a:r>
-              <a:rPr lang="en-US" smtClean="0"/>
+              <a:rPr lang="en-US"/>
               <a:t>Click to edit Master title style</a:t>
             </a:r>
-            <a:endParaRPr lang="en-US"/>
           </a:p>
         </p:txBody>
       </p:sp>
@@ -1384,7 +1390,7 @@
           <a:p>
             <a:pPr lvl="0"/>
             <a:r>
-              <a:rPr lang="en-US" smtClean="0"/>
+              <a:rPr lang="en-US"/>
               <a:t>Click to edit Master text styles</a:t>
             </a:r>
           </a:p>
@@ -1407,7 +1413,7 @@
           <a:p>
             <a:fld id="{78C97017-6FC3-485B-9764-EAC9E56C1D49}" type="datetimeFigureOut">
               <a:rPr lang="en-US" smtClean="0"/>
-              <a:t>10/16/2016</a:t>
+              <a:t>11/2/18</a:t>
             </a:fld>
             <a:endParaRPr lang="en-US"/>
           </a:p>
@@ -1501,10 +1507,9 @@
           <a:lstStyle/>
           <a:p>
             <a:r>
-              <a:rPr lang="en-US" smtClean="0"/>
+              <a:rPr lang="en-US"/>
               <a:t>Click to edit Master title style</a:t>
             </a:r>
-            <a:endParaRPr lang="en-US"/>
           </a:p>
         </p:txBody>
       </p:sp>
@@ -1558,38 +1563,37 @@
           <a:p>
             <a:pPr lvl="0"/>
             <a:r>
-              <a:rPr lang="en-US" smtClean="0"/>
+              <a:rPr lang="en-US"/>
               <a:t>Click to edit Master text styles</a:t>
             </a:r>
           </a:p>
           <a:p>
             <a:pPr lvl="1"/>
             <a:r>
-              <a:rPr lang="en-US" smtClean="0"/>
+              <a:rPr lang="en-US"/>
               <a:t>Second level</a:t>
             </a:r>
           </a:p>
           <a:p>
             <a:pPr lvl="2"/>
             <a:r>
-              <a:rPr lang="en-US" smtClean="0"/>
+              <a:rPr lang="en-US"/>
               <a:t>Third level</a:t>
             </a:r>
           </a:p>
           <a:p>
             <a:pPr lvl="3"/>
             <a:r>
-              <a:rPr lang="en-US" smtClean="0"/>
+              <a:rPr lang="en-US"/>
               <a:t>Fourth level</a:t>
             </a:r>
           </a:p>
           <a:p>
             <a:pPr lvl="4"/>
             <a:r>
-              <a:rPr lang="en-US" smtClean="0"/>
+              <a:rPr lang="en-US"/>
               <a:t>Fifth level</a:t>
             </a:r>
-            <a:endParaRPr lang="en-US"/>
           </a:p>
         </p:txBody>
       </p:sp>
@@ -1643,38 +1647,37 @@
           <a:p>
             <a:pPr lvl="0"/>
             <a:r>
-              <a:rPr lang="en-US" smtClean="0"/>
+              <a:rPr lang="en-US"/>
               <a:t>Click to edit Master text styles</a:t>
             </a:r>
           </a:p>
           <a:p>
             <a:pPr lvl="1"/>
             <a:r>
-              <a:rPr lang="en-US" smtClean="0"/>
+              <a:rPr lang="en-US"/>
               <a:t>Second level</a:t>
             </a:r>
           </a:p>
           <a:p>
             <a:pPr lvl="2"/>
             <a:r>
-              <a:rPr lang="en-US" smtClean="0"/>
+              <a:rPr lang="en-US"/>
               <a:t>Third level</a:t>
             </a:r>
           </a:p>
           <a:p>
             <a:pPr lvl="3"/>
             <a:r>
-              <a:rPr lang="en-US" smtClean="0"/>
+              <a:rPr lang="en-US"/>
               <a:t>Fourth level</a:t>
             </a:r>
           </a:p>
           <a:p>
             <a:pPr lvl="4"/>
             <a:r>
-              <a:rPr lang="en-US" smtClean="0"/>
+              <a:rPr lang="en-US"/>
               <a:t>Fifth level</a:t>
             </a:r>
-            <a:endParaRPr lang="en-US"/>
           </a:p>
         </p:txBody>
       </p:sp>
@@ -1695,7 +1698,7 @@
           <a:p>
             <a:fld id="{78C97017-6FC3-485B-9764-EAC9E56C1D49}" type="datetimeFigureOut">
               <a:rPr lang="en-US" smtClean="0"/>
-              <a:t>10/16/2016</a:t>
+              <a:t>11/2/18</a:t>
             </a:fld>
             <a:endParaRPr lang="en-US"/>
           </a:p>
@@ -1793,10 +1796,9 @@
           </a:lstStyle>
           <a:p>
             <a:r>
-              <a:rPr lang="en-US" smtClean="0"/>
+              <a:rPr lang="en-US"/>
               <a:t>Click to edit Master title style</a:t>
             </a:r>
-            <a:endParaRPr lang="en-US"/>
           </a:p>
         </p:txBody>
       </p:sp>
@@ -1859,7 +1861,7 @@
           <a:p>
             <a:pPr lvl="0"/>
             <a:r>
-              <a:rPr lang="en-US" smtClean="0"/>
+              <a:rPr lang="en-US"/>
               <a:t>Click to edit Master text styles</a:t>
             </a:r>
           </a:p>
@@ -1915,38 +1917,37 @@
           <a:p>
             <a:pPr lvl="0"/>
             <a:r>
-              <a:rPr lang="en-US" smtClean="0"/>
+              <a:rPr lang="en-US"/>
               <a:t>Click to edit Master text styles</a:t>
             </a:r>
           </a:p>
           <a:p>
             <a:pPr lvl="1"/>
             <a:r>
-              <a:rPr lang="en-US" smtClean="0"/>
+              <a:rPr lang="en-US"/>
               <a:t>Second level</a:t>
             </a:r>
           </a:p>
           <a:p>
             <a:pPr lvl="2"/>
             <a:r>
-              <a:rPr lang="en-US" smtClean="0"/>
+              <a:rPr lang="en-US"/>
               <a:t>Third level</a:t>
             </a:r>
           </a:p>
           <a:p>
             <a:pPr lvl="3"/>
             <a:r>
-              <a:rPr lang="en-US" smtClean="0"/>
+              <a:rPr lang="en-US"/>
               <a:t>Fourth level</a:t>
             </a:r>
           </a:p>
           <a:p>
             <a:pPr lvl="4"/>
             <a:r>
-              <a:rPr lang="en-US" smtClean="0"/>
+              <a:rPr lang="en-US"/>
               <a:t>Fifth level</a:t>
             </a:r>
-            <a:endParaRPr lang="en-US"/>
           </a:p>
         </p:txBody>
       </p:sp>
@@ -2009,7 +2010,7 @@
           <a:p>
             <a:pPr lvl="0"/>
             <a:r>
-              <a:rPr lang="en-US" smtClean="0"/>
+              <a:rPr lang="en-US"/>
               <a:t>Click to edit Master text styles</a:t>
             </a:r>
           </a:p>
@@ -2065,38 +2066,37 @@
           <a:p>
             <a:pPr lvl="0"/>
             <a:r>
-              <a:rPr lang="en-US" smtClean="0"/>
+              <a:rPr lang="en-US"/>
               <a:t>Click to edit Master text styles</a:t>
             </a:r>
           </a:p>
           <a:p>
             <a:pPr lvl="1"/>
             <a:r>
-              <a:rPr lang="en-US" smtClean="0"/>
+              <a:rPr lang="en-US"/>
               <a:t>Second level</a:t>
             </a:r>
           </a:p>
           <a:p>
             <a:pPr lvl="2"/>
             <a:r>
-              <a:rPr lang="en-US" smtClean="0"/>
+              <a:rPr lang="en-US"/>
               <a:t>Third level</a:t>
             </a:r>
           </a:p>
           <a:p>
             <a:pPr lvl="3"/>
             <a:r>
-              <a:rPr lang="en-US" smtClean="0"/>
+              <a:rPr lang="en-US"/>
               <a:t>Fourth level</a:t>
             </a:r>
           </a:p>
           <a:p>
             <a:pPr lvl="4"/>
             <a:r>
-              <a:rPr lang="en-US" smtClean="0"/>
+              <a:rPr lang="en-US"/>
               <a:t>Fifth level</a:t>
             </a:r>
-            <a:endParaRPr lang="en-US"/>
           </a:p>
         </p:txBody>
       </p:sp>
@@ -2117,7 +2117,7 @@
           <a:p>
             <a:fld id="{78C97017-6FC3-485B-9764-EAC9E56C1D49}" type="datetimeFigureOut">
               <a:rPr lang="en-US" smtClean="0"/>
-              <a:t>10/16/2016</a:t>
+              <a:t>11/2/18</a:t>
             </a:fld>
             <a:endParaRPr lang="en-US"/>
           </a:p>
@@ -2211,10 +2211,9 @@
           <a:lstStyle/>
           <a:p>
             <a:r>
-              <a:rPr lang="en-US" smtClean="0"/>
+              <a:rPr lang="en-US"/>
               <a:t>Click to edit Master title style</a:t>
             </a:r>
-            <a:endParaRPr lang="en-US"/>
           </a:p>
         </p:txBody>
       </p:sp>
@@ -2235,7 +2234,7 @@
           <a:p>
             <a:fld id="{78C97017-6FC3-485B-9764-EAC9E56C1D49}" type="datetimeFigureOut">
               <a:rPr lang="en-US" smtClean="0"/>
-              <a:t>10/16/2016</a:t>
+              <a:t>11/2/18</a:t>
             </a:fld>
             <a:endParaRPr lang="en-US"/>
           </a:p>
@@ -2330,7 +2329,7 @@
           <a:p>
             <a:fld id="{78C97017-6FC3-485B-9764-EAC9E56C1D49}" type="datetimeFigureOut">
               <a:rPr lang="en-US" smtClean="0"/>
-              <a:t>10/16/2016</a:t>
+              <a:t>11/2/18</a:t>
             </a:fld>
             <a:endParaRPr lang="en-US"/>
           </a:p>
@@ -2433,10 +2432,9 @@
           </a:lstStyle>
           <a:p>
             <a:r>
-              <a:rPr lang="en-US" smtClean="0"/>
+              <a:rPr lang="en-US"/>
               <a:t>Click to edit Master title style</a:t>
             </a:r>
-            <a:endParaRPr lang="en-US"/>
           </a:p>
         </p:txBody>
       </p:sp>
@@ -2490,38 +2488,37 @@
           <a:p>
             <a:pPr lvl="0"/>
             <a:r>
-              <a:rPr lang="en-US" smtClean="0"/>
+              <a:rPr lang="en-US"/>
               <a:t>Click to edit Master text styles</a:t>
             </a:r>
           </a:p>
           <a:p>
             <a:pPr lvl="1"/>
             <a:r>
-              <a:rPr lang="en-US" smtClean="0"/>
+              <a:rPr lang="en-US"/>
               <a:t>Second level</a:t>
             </a:r>
           </a:p>
           <a:p>
             <a:pPr lvl="2"/>
             <a:r>
-              <a:rPr lang="en-US" smtClean="0"/>
+              <a:rPr lang="en-US"/>
               <a:t>Third level</a:t>
             </a:r>
           </a:p>
           <a:p>
             <a:pPr lvl="3"/>
             <a:r>
-              <a:rPr lang="en-US" smtClean="0"/>
+              <a:rPr lang="en-US"/>
               <a:t>Fourth level</a:t>
             </a:r>
           </a:p>
           <a:p>
             <a:pPr lvl="4"/>
             <a:r>
-              <a:rPr lang="en-US" smtClean="0"/>
+              <a:rPr lang="en-US"/>
               <a:t>Fifth level</a:t>
             </a:r>
-            <a:endParaRPr lang="en-US"/>
           </a:p>
         </p:txBody>
       </p:sp>
@@ -2584,7 +2581,7 @@
           <a:p>
             <a:pPr lvl="0"/>
             <a:r>
-              <a:rPr lang="en-US" smtClean="0"/>
+              <a:rPr lang="en-US"/>
               <a:t>Click to edit Master text styles</a:t>
             </a:r>
           </a:p>
@@ -2607,7 +2604,7 @@
           <a:p>
             <a:fld id="{78C97017-6FC3-485B-9764-EAC9E56C1D49}" type="datetimeFigureOut">
               <a:rPr lang="en-US" smtClean="0"/>
-              <a:t>10/16/2016</a:t>
+              <a:t>11/2/18</a:t>
             </a:fld>
             <a:endParaRPr lang="en-US"/>
           </a:p>
@@ -2710,10 +2707,9 @@
           </a:lstStyle>
           <a:p>
             <a:r>
-              <a:rPr lang="en-US" smtClean="0"/>
+              <a:rPr lang="en-US"/>
               <a:t>Click to edit Master title style</a:t>
             </a:r>
-            <a:endParaRPr lang="en-US"/>
           </a:p>
         </p:txBody>
       </p:sp>
@@ -2837,7 +2833,7 @@
           <a:p>
             <a:pPr lvl="0"/>
             <a:r>
-              <a:rPr lang="en-US" smtClean="0"/>
+              <a:rPr lang="en-US"/>
               <a:t>Click to edit Master text styles</a:t>
             </a:r>
           </a:p>
@@ -2860,7 +2856,7 @@
           <a:p>
             <a:fld id="{78C97017-6FC3-485B-9764-EAC9E56C1D49}" type="datetimeFigureOut">
               <a:rPr lang="en-US" smtClean="0"/>
-              <a:t>10/16/2016</a:t>
+              <a:t>11/2/18</a:t>
             </a:fld>
             <a:endParaRPr lang="en-US"/>
           </a:p>
@@ -2969,10 +2965,9 @@
           <a:lstStyle/>
           <a:p>
             <a:r>
-              <a:rPr lang="en-US" smtClean="0"/>
+              <a:rPr lang="en-US"/>
               <a:t>Click to edit Master title style</a:t>
             </a:r>
-            <a:endParaRPr lang="en-US"/>
           </a:p>
         </p:txBody>
       </p:sp>
@@ -3003,38 +2998,37 @@
           <a:p>
             <a:pPr lvl="0"/>
             <a:r>
-              <a:rPr lang="en-US" smtClean="0"/>
+              <a:rPr lang="en-US"/>
               <a:t>Click to edit Master text styles</a:t>
             </a:r>
           </a:p>
           <a:p>
             <a:pPr lvl="1"/>
             <a:r>
-              <a:rPr lang="en-US" smtClean="0"/>
+              <a:rPr lang="en-US"/>
               <a:t>Second level</a:t>
             </a:r>
           </a:p>
           <a:p>
             <a:pPr lvl="2"/>
             <a:r>
-              <a:rPr lang="en-US" smtClean="0"/>
+              <a:rPr lang="en-US"/>
               <a:t>Third level</a:t>
             </a:r>
           </a:p>
           <a:p>
             <a:pPr lvl="3"/>
             <a:r>
-              <a:rPr lang="en-US" smtClean="0"/>
+              <a:rPr lang="en-US"/>
               <a:t>Fourth level</a:t>
             </a:r>
           </a:p>
           <a:p>
             <a:pPr lvl="4"/>
             <a:r>
-              <a:rPr lang="en-US" smtClean="0"/>
+              <a:rPr lang="en-US"/>
               <a:t>Fifth level</a:t>
             </a:r>
-            <a:endParaRPr lang="en-US"/>
           </a:p>
         </p:txBody>
       </p:sp>
@@ -3073,7 +3067,7 @@
           <a:p>
             <a:fld id="{78C97017-6FC3-485B-9764-EAC9E56C1D49}" type="datetimeFigureOut">
               <a:rPr lang="en-US" smtClean="0"/>
-              <a:t>10/16/2016</a:t>
+              <a:t>11/2/18</a:t>
             </a:fld>
             <a:endParaRPr lang="en-US"/>
           </a:p>
@@ -3494,7 +3488,7 @@
           <a:lstStyle/>
           <a:p>
             <a:r>
-              <a:rPr lang="en-US" sz="1200" b="1" dirty="0" smtClean="0">
+              <a:rPr lang="en-US" sz="1200" b="1" dirty="0">
                 <a:solidFill>
                   <a:schemeClr val="accent6">
                     <a:lumMod val="75000"/>
@@ -3561,7 +3555,7 @@
           <a:p>
             <a:pPr algn="ctr"/>
             <a:r>
-              <a:rPr lang="en-US" sz="1050" dirty="0" smtClean="0">
+              <a:rPr lang="en-US" sz="950" dirty="0">
                 <a:solidFill>
                   <a:schemeClr val="bg1"/>
                 </a:solidFill>
@@ -3569,21 +3563,21 @@
               <a:t>&lt;&lt;interface&gt;&gt;</a:t>
             </a:r>
             <a:br>
-              <a:rPr lang="en-US" sz="1050" dirty="0" smtClean="0">
+              <a:rPr lang="en-US" sz="950" dirty="0">
                 <a:solidFill>
                   <a:schemeClr val="bg1"/>
                 </a:solidFill>
               </a:rPr>
             </a:br>
             <a:r>
-              <a:rPr lang="en-US" sz="1050" dirty="0" err="1" smtClean="0">
+              <a:rPr lang="en-US" sz="950" dirty="0" err="1">
                 <a:solidFill>
                   <a:schemeClr val="bg1"/>
                 </a:solidFill>
               </a:rPr>
-              <a:t>AddressBookStorage</a:t>
-            </a:r>
-            <a:endParaRPr lang="en-SG" sz="1050" dirty="0">
+              <a:t>EventManagerStorage</a:t>
+            </a:r>
+            <a:endParaRPr lang="en-SG" sz="950" dirty="0">
               <a:solidFill>
                 <a:schemeClr val="bg1"/>
               </a:solidFill>
@@ -3639,7 +3633,7 @@
           <a:p>
             <a:pPr algn="ctr"/>
             <a:r>
-              <a:rPr lang="en-US" sz="1050" dirty="0" err="1" smtClean="0">
+              <a:rPr lang="en-US" sz="1050" dirty="0" err="1">
                 <a:solidFill>
                   <a:schemeClr val="bg1"/>
                 </a:solidFill>
@@ -3713,7 +3707,7 @@
           <a:p>
             <a:pPr algn="ctr"/>
             <a:r>
-              <a:rPr lang="en-US" sz="1050" dirty="0" smtClean="0">
+              <a:rPr lang="en-US" sz="1050" dirty="0">
                 <a:solidFill>
                   <a:schemeClr val="bg1"/>
                 </a:solidFill>
@@ -4147,27 +4141,17 @@
           <a:p>
             <a:pPr algn="ctr"/>
             <a:r>
-              <a:rPr lang="en-US" sz="1050" b="1" dirty="0" err="1" smtClean="0">
+              <a:rPr lang="en-US" sz="1000" b="1" dirty="0" err="1">
                 <a:solidFill>
                   <a:schemeClr val="accent6">
                     <a:lumMod val="75000"/>
                   </a:schemeClr>
                 </a:solidFill>
               </a:rPr>
-              <a:t>XmlAddressBook</a:t>
-            </a:r>
-            <a:r>
-              <a:rPr lang="en-US" sz="1050" b="1" dirty="0" smtClean="0">
-                <a:solidFill>
-                  <a:schemeClr val="accent6">
-                    <a:lumMod val="75000"/>
-                  </a:schemeClr>
-                </a:solidFill>
-              </a:rPr>
-              <a:t/>
+              <a:t>XmlEventManager</a:t>
             </a:r>
             <a:br>
-              <a:rPr lang="en-US" sz="1050" b="1" dirty="0" smtClean="0">
+              <a:rPr lang="en-US" sz="1000" b="1" dirty="0">
                 <a:solidFill>
                   <a:schemeClr val="accent6">
                     <a:lumMod val="75000"/>
@@ -4176,7 +4160,7 @@
               </a:rPr>
             </a:br>
             <a:r>
-              <a:rPr lang="en-US" sz="1050" b="1" dirty="0" smtClean="0">
+              <a:rPr lang="en-US" sz="1000" b="1" dirty="0">
                 <a:solidFill>
                   <a:schemeClr val="accent6">
                     <a:lumMod val="75000"/>
@@ -4185,7 +4169,7 @@
               </a:rPr>
               <a:t>Storage</a:t>
             </a:r>
-            <a:endParaRPr lang="en-SG" sz="1050" b="1" dirty="0">
+            <a:endParaRPr lang="en-SG" sz="1000" b="1" dirty="0">
               <a:solidFill>
                 <a:schemeClr val="accent6">
                   <a:lumMod val="75000"/>
@@ -4243,7 +4227,7 @@
           <a:p>
             <a:pPr algn="ctr"/>
             <a:r>
-              <a:rPr lang="en-US" sz="1050" dirty="0" smtClean="0">
+              <a:rPr lang="en-US" sz="1050" dirty="0">
                 <a:solidFill>
                   <a:schemeClr val="bg1"/>
                 </a:solidFill>
@@ -4251,14 +4235,14 @@
               <a:t>&lt;&lt;interface&gt;&gt;</a:t>
             </a:r>
             <a:br>
-              <a:rPr lang="en-US" sz="1050" dirty="0" smtClean="0">
+              <a:rPr lang="en-US" sz="1050" dirty="0">
                 <a:solidFill>
                   <a:schemeClr val="bg1"/>
                 </a:solidFill>
               </a:rPr>
             </a:br>
             <a:r>
-              <a:rPr lang="en-US" sz="1050" dirty="0" err="1" smtClean="0">
+              <a:rPr lang="en-US" sz="1050" dirty="0" err="1">
                 <a:solidFill>
                   <a:schemeClr val="bg1"/>
                 </a:solidFill>
@@ -4516,30 +4500,22 @@
           <a:p>
             <a:pPr algn="ctr"/>
             <a:r>
-              <a:rPr lang="en-US" sz="1050" dirty="0" err="1" smtClean="0">
+              <a:rPr lang="en-US" sz="1050" dirty="0" err="1">
                 <a:solidFill>
                   <a:schemeClr val="bg1"/>
                 </a:solidFill>
               </a:rPr>
               <a:t>JsonUserPrefs</a:t>
             </a:r>
-            <a:r>
-              <a:rPr lang="en-US" sz="1050" dirty="0" smtClean="0">
-                <a:solidFill>
-                  <a:schemeClr val="bg1"/>
-                </a:solidFill>
-              </a:rPr>
-              <a:t/>
-            </a:r>
             <a:br>
-              <a:rPr lang="en-US" sz="1050" dirty="0" smtClean="0">
+              <a:rPr lang="en-US" sz="1050" dirty="0">
                 <a:solidFill>
                   <a:schemeClr val="bg1"/>
                 </a:solidFill>
               </a:rPr>
             </a:br>
             <a:r>
-              <a:rPr lang="en-US" sz="1050" dirty="0" smtClean="0">
+              <a:rPr lang="en-US" sz="1050" dirty="0">
                 <a:solidFill>
                   <a:schemeClr val="bg1"/>
                 </a:solidFill>
@@ -4591,7 +4567,7 @@
           <a:p>
             <a:pPr algn="ctr"/>
             <a:r>
-              <a:rPr lang="en-US" sz="1050" b="1" dirty="0" err="1" smtClean="0">
+              <a:rPr lang="en-US" sz="1050" b="1" dirty="0" err="1">
                 <a:solidFill>
                   <a:schemeClr val="accent6">
                     <a:lumMod val="75000"/>
@@ -4600,18 +4576,8 @@
               </a:rPr>
               <a:t>XmlSerializable</a:t>
             </a:r>
-            <a:r>
-              <a:rPr lang="en-US" sz="1050" b="1" dirty="0" smtClean="0">
-                <a:solidFill>
-                  <a:schemeClr val="accent6">
-                    <a:lumMod val="75000"/>
-                  </a:schemeClr>
-                </a:solidFill>
-              </a:rPr>
-              <a:t/>
-            </a:r>
             <a:br>
-              <a:rPr lang="en-US" sz="1050" b="1" dirty="0" smtClean="0">
+              <a:rPr lang="en-US" sz="1050" b="1" dirty="0">
                 <a:solidFill>
                   <a:schemeClr val="accent6">
                     <a:lumMod val="75000"/>
@@ -4620,14 +4586,14 @@
               </a:rPr>
             </a:br>
             <a:r>
-              <a:rPr lang="en-US" sz="1050" b="1" dirty="0" err="1" smtClean="0">
+              <a:rPr lang="en-US" sz="1050" b="1" dirty="0" err="1">
                 <a:solidFill>
                   <a:schemeClr val="accent6">
                     <a:lumMod val="75000"/>
                   </a:schemeClr>
                 </a:solidFill>
               </a:rPr>
-              <a:t>AddressBook</a:t>
+              <a:t>EventManager</a:t>
             </a:r>
             <a:endParaRPr lang="en-SG" sz="1050" b="1" dirty="0">
               <a:solidFill>
@@ -4717,7 +4683,7 @@
           <a:p>
             <a:pPr algn="ctr"/>
             <a:r>
-              <a:rPr lang="en-US" sz="1050" b="1" dirty="0" err="1" smtClean="0">
+              <a:rPr lang="en-US" sz="1050" b="1" dirty="0" err="1">
                 <a:solidFill>
                   <a:schemeClr val="accent6">
                     <a:lumMod val="75000"/>
@@ -4773,14 +4739,14 @@
           <a:p>
             <a:pPr algn="ctr"/>
             <a:r>
-              <a:rPr lang="en-US" sz="1050" b="1" dirty="0" err="1" smtClean="0">
+              <a:rPr lang="en-US" sz="1050" b="1" dirty="0" err="1">
                 <a:solidFill>
                   <a:schemeClr val="accent6">
                     <a:lumMod val="75000"/>
                   </a:schemeClr>
                 </a:solidFill>
               </a:rPr>
-              <a:t>XmlAdaptedPerson</a:t>
+              <a:t>XmlAdaptedEvent</a:t>
             </a:r>
             <a:endParaRPr lang="en-SG" sz="1050" b="1" dirty="0">
               <a:solidFill>
@@ -4843,13 +4809,6 @@
   <p:clrMapOvr>
     <a:masterClrMapping/>
   </p:clrMapOvr>
-  <p:timing>
-    <p:tnLst>
-      <p:par>
-        <p:cTn id="1" dur="indefinite" restart="never" nodeType="tmRoot"/>
-      </p:par>
-    </p:tnLst>
-  </p:timing>
 </p:sld>
 </file>
 

--- a/docs/diagrams/StorageComponentClassDiagram.pptx
+++ b/docs/diagrams/StorageComponentClassDiagram.pptx
@@ -107,6 +107,22 @@
       </a:defRPr>
     </a:lvl9pPr>
   </p:defaultTextStyle>
+  <p:extLst>
+    <p:ext uri="{EFAFB233-063F-42B5-8137-9DF3F51BA10A}">
+      <p15:sldGuideLst xmlns:p15="http://schemas.microsoft.com/office/powerpoint/2012/main">
+        <p15:guide id="1" orient="horz" pos="1488">
+          <p15:clr>
+            <a:srgbClr val="A4A3A4"/>
+          </p15:clr>
+        </p15:guide>
+        <p15:guide id="2" pos="2880">
+          <p15:clr>
+            <a:srgbClr val="A4A3A4"/>
+          </p15:clr>
+        </p15:guide>
+      </p15:sldGuideLst>
+    </p:ext>
+  </p:extLst>
 </p:presentation>
 </file>
 
@@ -192,7 +208,7 @@
           <a:p>
             <a:fld id="{F5CC4B3F-88C1-4FFA-B1B6-F41C21DC6924}" type="datetimeFigureOut">
               <a:rPr lang="en-US" smtClean="0"/>
-              <a:t>10/16/2016</a:t>
+              <a:t>11/7/2018</a:t>
             </a:fld>
             <a:endParaRPr lang="en-US"/>
           </a:p>
@@ -256,38 +272,37 @@
           <a:p>
             <a:pPr lvl="0"/>
             <a:r>
-              <a:rPr lang="en-US" smtClean="0"/>
+              <a:rPr lang="en-US"/>
               <a:t>Click to edit Master text styles</a:t>
             </a:r>
           </a:p>
           <a:p>
             <a:pPr lvl="1"/>
             <a:r>
-              <a:rPr lang="en-US" smtClean="0"/>
+              <a:rPr lang="en-US"/>
               <a:t>Second level</a:t>
             </a:r>
           </a:p>
           <a:p>
             <a:pPr lvl="2"/>
             <a:r>
-              <a:rPr lang="en-US" smtClean="0"/>
+              <a:rPr lang="en-US"/>
               <a:t>Third level</a:t>
             </a:r>
           </a:p>
           <a:p>
             <a:pPr lvl="3"/>
             <a:r>
-              <a:rPr lang="en-US" smtClean="0"/>
+              <a:rPr lang="en-US"/>
               <a:t>Fourth level</a:t>
             </a:r>
           </a:p>
           <a:p>
             <a:pPr lvl="4"/>
             <a:r>
-              <a:rPr lang="en-US" smtClean="0"/>
+              <a:rPr lang="en-US"/>
               <a:t>Fifth level</a:t>
             </a:r>
-            <a:endParaRPr lang="en-US"/>
           </a:p>
         </p:txBody>
       </p:sp>
@@ -498,10 +513,9 @@
           <a:lstStyle/>
           <a:p>
             <a:r>
-              <a:rPr lang="en-US" smtClean="0"/>
+              <a:rPr lang="en-US"/>
               <a:t>Click to edit Master title style</a:t>
             </a:r>
-            <a:endParaRPr lang="en-US"/>
           </a:p>
         </p:txBody>
       </p:sp>
@@ -617,10 +631,9 @@
           </a:lstStyle>
           <a:p>
             <a:r>
-              <a:rPr lang="en-US" smtClean="0"/>
+              <a:rPr lang="en-US"/>
               <a:t>Click to edit Master subtitle style</a:t>
             </a:r>
-            <a:endParaRPr lang="en-US"/>
           </a:p>
         </p:txBody>
       </p:sp>
@@ -641,7 +654,7 @@
           <a:p>
             <a:fld id="{78C97017-6FC3-485B-9764-EAC9E56C1D49}" type="datetimeFigureOut">
               <a:rPr lang="en-US" smtClean="0"/>
-              <a:t>10/16/2016</a:t>
+              <a:t>11/7/2018</a:t>
             </a:fld>
             <a:endParaRPr lang="en-US"/>
           </a:p>
@@ -735,10 +748,9 @@
           <a:lstStyle/>
           <a:p>
             <a:r>
-              <a:rPr lang="en-US" smtClean="0"/>
+              <a:rPr lang="en-US"/>
               <a:t>Click to edit Master title style</a:t>
             </a:r>
-            <a:endParaRPr lang="en-US"/>
           </a:p>
         </p:txBody>
       </p:sp>
@@ -759,38 +771,37 @@
           <a:p>
             <a:pPr lvl="0"/>
             <a:r>
-              <a:rPr lang="en-US" smtClean="0"/>
+              <a:rPr lang="en-US"/>
               <a:t>Click to edit Master text styles</a:t>
             </a:r>
           </a:p>
           <a:p>
             <a:pPr lvl="1"/>
             <a:r>
-              <a:rPr lang="en-US" smtClean="0"/>
+              <a:rPr lang="en-US"/>
               <a:t>Second level</a:t>
             </a:r>
           </a:p>
           <a:p>
             <a:pPr lvl="2"/>
             <a:r>
-              <a:rPr lang="en-US" smtClean="0"/>
+              <a:rPr lang="en-US"/>
               <a:t>Third level</a:t>
             </a:r>
           </a:p>
           <a:p>
             <a:pPr lvl="3"/>
             <a:r>
-              <a:rPr lang="en-US" smtClean="0"/>
+              <a:rPr lang="en-US"/>
               <a:t>Fourth level</a:t>
             </a:r>
           </a:p>
           <a:p>
             <a:pPr lvl="4"/>
             <a:r>
-              <a:rPr lang="en-US" smtClean="0"/>
+              <a:rPr lang="en-US"/>
               <a:t>Fifth level</a:t>
             </a:r>
-            <a:endParaRPr lang="en-US"/>
           </a:p>
         </p:txBody>
       </p:sp>
@@ -811,7 +822,7 @@
           <a:p>
             <a:fld id="{78C97017-6FC3-485B-9764-EAC9E56C1D49}" type="datetimeFigureOut">
               <a:rPr lang="en-US" smtClean="0"/>
-              <a:t>10/16/2016</a:t>
+              <a:t>11/7/2018</a:t>
             </a:fld>
             <a:endParaRPr lang="en-US"/>
           </a:p>
@@ -910,10 +921,9 @@
           <a:lstStyle/>
           <a:p>
             <a:r>
-              <a:rPr lang="en-US" smtClean="0"/>
+              <a:rPr lang="en-US"/>
               <a:t>Click to edit Master title style</a:t>
             </a:r>
-            <a:endParaRPr lang="en-US"/>
           </a:p>
         </p:txBody>
       </p:sp>
@@ -939,38 +949,37 @@
           <a:p>
             <a:pPr lvl="0"/>
             <a:r>
-              <a:rPr lang="en-US" smtClean="0"/>
+              <a:rPr lang="en-US"/>
               <a:t>Click to edit Master text styles</a:t>
             </a:r>
           </a:p>
           <a:p>
             <a:pPr lvl="1"/>
             <a:r>
-              <a:rPr lang="en-US" smtClean="0"/>
+              <a:rPr lang="en-US"/>
               <a:t>Second level</a:t>
             </a:r>
           </a:p>
           <a:p>
             <a:pPr lvl="2"/>
             <a:r>
-              <a:rPr lang="en-US" smtClean="0"/>
+              <a:rPr lang="en-US"/>
               <a:t>Third level</a:t>
             </a:r>
           </a:p>
           <a:p>
             <a:pPr lvl="3"/>
             <a:r>
-              <a:rPr lang="en-US" smtClean="0"/>
+              <a:rPr lang="en-US"/>
               <a:t>Fourth level</a:t>
             </a:r>
           </a:p>
           <a:p>
             <a:pPr lvl="4"/>
             <a:r>
-              <a:rPr lang="en-US" smtClean="0"/>
+              <a:rPr lang="en-US"/>
               <a:t>Fifth level</a:t>
             </a:r>
-            <a:endParaRPr lang="en-US"/>
           </a:p>
         </p:txBody>
       </p:sp>
@@ -991,7 +1000,7 @@
           <a:p>
             <a:fld id="{78C97017-6FC3-485B-9764-EAC9E56C1D49}" type="datetimeFigureOut">
               <a:rPr lang="en-US" smtClean="0"/>
-              <a:t>10/16/2016</a:t>
+              <a:t>11/7/2018</a:t>
             </a:fld>
             <a:endParaRPr lang="en-US"/>
           </a:p>
@@ -1085,10 +1094,9 @@
           <a:lstStyle/>
           <a:p>
             <a:r>
-              <a:rPr lang="en-US" smtClean="0"/>
+              <a:rPr lang="en-US"/>
               <a:t>Click to edit Master title style</a:t>
             </a:r>
-            <a:endParaRPr lang="en-US"/>
           </a:p>
         </p:txBody>
       </p:sp>
@@ -1109,38 +1117,37 @@
           <a:p>
             <a:pPr lvl="0"/>
             <a:r>
-              <a:rPr lang="en-US" smtClean="0"/>
+              <a:rPr lang="en-US"/>
               <a:t>Click to edit Master text styles</a:t>
             </a:r>
           </a:p>
           <a:p>
             <a:pPr lvl="1"/>
             <a:r>
-              <a:rPr lang="en-US" smtClean="0"/>
+              <a:rPr lang="en-US"/>
               <a:t>Second level</a:t>
             </a:r>
           </a:p>
           <a:p>
             <a:pPr lvl="2"/>
             <a:r>
-              <a:rPr lang="en-US" smtClean="0"/>
+              <a:rPr lang="en-US"/>
               <a:t>Third level</a:t>
             </a:r>
           </a:p>
           <a:p>
             <a:pPr lvl="3"/>
             <a:r>
-              <a:rPr lang="en-US" smtClean="0"/>
+              <a:rPr lang="en-US"/>
               <a:t>Fourth level</a:t>
             </a:r>
           </a:p>
           <a:p>
             <a:pPr lvl="4"/>
             <a:r>
-              <a:rPr lang="en-US" smtClean="0"/>
+              <a:rPr lang="en-US"/>
               <a:t>Fifth level</a:t>
             </a:r>
-            <a:endParaRPr lang="en-US"/>
           </a:p>
         </p:txBody>
       </p:sp>
@@ -1161,7 +1168,7 @@
           <a:p>
             <a:fld id="{78C97017-6FC3-485B-9764-EAC9E56C1D49}" type="datetimeFigureOut">
               <a:rPr lang="en-US" smtClean="0"/>
-              <a:t>10/16/2016</a:t>
+              <a:t>11/7/2018</a:t>
             </a:fld>
             <a:endParaRPr lang="en-US"/>
           </a:p>
@@ -1264,10 +1271,9 @@
           </a:lstStyle>
           <a:p>
             <a:r>
-              <a:rPr lang="en-US" smtClean="0"/>
+              <a:rPr lang="en-US"/>
               <a:t>Click to edit Master title style</a:t>
             </a:r>
-            <a:endParaRPr lang="en-US"/>
           </a:p>
         </p:txBody>
       </p:sp>
@@ -1384,7 +1390,7 @@
           <a:p>
             <a:pPr lvl="0"/>
             <a:r>
-              <a:rPr lang="en-US" smtClean="0"/>
+              <a:rPr lang="en-US"/>
               <a:t>Click to edit Master text styles</a:t>
             </a:r>
           </a:p>
@@ -1407,7 +1413,7 @@
           <a:p>
             <a:fld id="{78C97017-6FC3-485B-9764-EAC9E56C1D49}" type="datetimeFigureOut">
               <a:rPr lang="en-US" smtClean="0"/>
-              <a:t>10/16/2016</a:t>
+              <a:t>11/7/2018</a:t>
             </a:fld>
             <a:endParaRPr lang="en-US"/>
           </a:p>
@@ -1501,10 +1507,9 @@
           <a:lstStyle/>
           <a:p>
             <a:r>
-              <a:rPr lang="en-US" smtClean="0"/>
+              <a:rPr lang="en-US"/>
               <a:t>Click to edit Master title style</a:t>
             </a:r>
-            <a:endParaRPr lang="en-US"/>
           </a:p>
         </p:txBody>
       </p:sp>
@@ -1558,38 +1563,37 @@
           <a:p>
             <a:pPr lvl="0"/>
             <a:r>
-              <a:rPr lang="en-US" smtClean="0"/>
+              <a:rPr lang="en-US"/>
               <a:t>Click to edit Master text styles</a:t>
             </a:r>
           </a:p>
           <a:p>
             <a:pPr lvl="1"/>
             <a:r>
-              <a:rPr lang="en-US" smtClean="0"/>
+              <a:rPr lang="en-US"/>
               <a:t>Second level</a:t>
             </a:r>
           </a:p>
           <a:p>
             <a:pPr lvl="2"/>
             <a:r>
-              <a:rPr lang="en-US" smtClean="0"/>
+              <a:rPr lang="en-US"/>
               <a:t>Third level</a:t>
             </a:r>
           </a:p>
           <a:p>
             <a:pPr lvl="3"/>
             <a:r>
-              <a:rPr lang="en-US" smtClean="0"/>
+              <a:rPr lang="en-US"/>
               <a:t>Fourth level</a:t>
             </a:r>
           </a:p>
           <a:p>
             <a:pPr lvl="4"/>
             <a:r>
-              <a:rPr lang="en-US" smtClean="0"/>
+              <a:rPr lang="en-US"/>
               <a:t>Fifth level</a:t>
             </a:r>
-            <a:endParaRPr lang="en-US"/>
           </a:p>
         </p:txBody>
       </p:sp>
@@ -1643,38 +1647,37 @@
           <a:p>
             <a:pPr lvl="0"/>
             <a:r>
-              <a:rPr lang="en-US" smtClean="0"/>
+              <a:rPr lang="en-US"/>
               <a:t>Click to edit Master text styles</a:t>
             </a:r>
           </a:p>
           <a:p>
             <a:pPr lvl="1"/>
             <a:r>
-              <a:rPr lang="en-US" smtClean="0"/>
+              <a:rPr lang="en-US"/>
               <a:t>Second level</a:t>
             </a:r>
           </a:p>
           <a:p>
             <a:pPr lvl="2"/>
             <a:r>
-              <a:rPr lang="en-US" smtClean="0"/>
+              <a:rPr lang="en-US"/>
               <a:t>Third level</a:t>
             </a:r>
           </a:p>
           <a:p>
             <a:pPr lvl="3"/>
             <a:r>
-              <a:rPr lang="en-US" smtClean="0"/>
+              <a:rPr lang="en-US"/>
               <a:t>Fourth level</a:t>
             </a:r>
           </a:p>
           <a:p>
             <a:pPr lvl="4"/>
             <a:r>
-              <a:rPr lang="en-US" smtClean="0"/>
+              <a:rPr lang="en-US"/>
               <a:t>Fifth level</a:t>
             </a:r>
-            <a:endParaRPr lang="en-US"/>
           </a:p>
         </p:txBody>
       </p:sp>
@@ -1695,7 +1698,7 @@
           <a:p>
             <a:fld id="{78C97017-6FC3-485B-9764-EAC9E56C1D49}" type="datetimeFigureOut">
               <a:rPr lang="en-US" smtClean="0"/>
-              <a:t>10/16/2016</a:t>
+              <a:t>11/7/2018</a:t>
             </a:fld>
             <a:endParaRPr lang="en-US"/>
           </a:p>
@@ -1793,10 +1796,9 @@
           </a:lstStyle>
           <a:p>
             <a:r>
-              <a:rPr lang="en-US" smtClean="0"/>
+              <a:rPr lang="en-US"/>
               <a:t>Click to edit Master title style</a:t>
             </a:r>
-            <a:endParaRPr lang="en-US"/>
           </a:p>
         </p:txBody>
       </p:sp>
@@ -1859,7 +1861,7 @@
           <a:p>
             <a:pPr lvl="0"/>
             <a:r>
-              <a:rPr lang="en-US" smtClean="0"/>
+              <a:rPr lang="en-US"/>
               <a:t>Click to edit Master text styles</a:t>
             </a:r>
           </a:p>
@@ -1915,38 +1917,37 @@
           <a:p>
             <a:pPr lvl="0"/>
             <a:r>
-              <a:rPr lang="en-US" smtClean="0"/>
+              <a:rPr lang="en-US"/>
               <a:t>Click to edit Master text styles</a:t>
             </a:r>
           </a:p>
           <a:p>
             <a:pPr lvl="1"/>
             <a:r>
-              <a:rPr lang="en-US" smtClean="0"/>
+              <a:rPr lang="en-US"/>
               <a:t>Second level</a:t>
             </a:r>
           </a:p>
           <a:p>
             <a:pPr lvl="2"/>
             <a:r>
-              <a:rPr lang="en-US" smtClean="0"/>
+              <a:rPr lang="en-US"/>
               <a:t>Third level</a:t>
             </a:r>
           </a:p>
           <a:p>
             <a:pPr lvl="3"/>
             <a:r>
-              <a:rPr lang="en-US" smtClean="0"/>
+              <a:rPr lang="en-US"/>
               <a:t>Fourth level</a:t>
             </a:r>
           </a:p>
           <a:p>
             <a:pPr lvl="4"/>
             <a:r>
-              <a:rPr lang="en-US" smtClean="0"/>
+              <a:rPr lang="en-US"/>
               <a:t>Fifth level</a:t>
             </a:r>
-            <a:endParaRPr lang="en-US"/>
           </a:p>
         </p:txBody>
       </p:sp>
@@ -2009,7 +2010,7 @@
           <a:p>
             <a:pPr lvl="0"/>
             <a:r>
-              <a:rPr lang="en-US" smtClean="0"/>
+              <a:rPr lang="en-US"/>
               <a:t>Click to edit Master text styles</a:t>
             </a:r>
           </a:p>
@@ -2065,38 +2066,37 @@
           <a:p>
             <a:pPr lvl="0"/>
             <a:r>
-              <a:rPr lang="en-US" smtClean="0"/>
+              <a:rPr lang="en-US"/>
               <a:t>Click to edit Master text styles</a:t>
             </a:r>
           </a:p>
           <a:p>
             <a:pPr lvl="1"/>
             <a:r>
-              <a:rPr lang="en-US" smtClean="0"/>
+              <a:rPr lang="en-US"/>
               <a:t>Second level</a:t>
             </a:r>
           </a:p>
           <a:p>
             <a:pPr lvl="2"/>
             <a:r>
-              <a:rPr lang="en-US" smtClean="0"/>
+              <a:rPr lang="en-US"/>
               <a:t>Third level</a:t>
             </a:r>
           </a:p>
           <a:p>
             <a:pPr lvl="3"/>
             <a:r>
-              <a:rPr lang="en-US" smtClean="0"/>
+              <a:rPr lang="en-US"/>
               <a:t>Fourth level</a:t>
             </a:r>
           </a:p>
           <a:p>
             <a:pPr lvl="4"/>
             <a:r>
-              <a:rPr lang="en-US" smtClean="0"/>
+              <a:rPr lang="en-US"/>
               <a:t>Fifth level</a:t>
             </a:r>
-            <a:endParaRPr lang="en-US"/>
           </a:p>
         </p:txBody>
       </p:sp>
@@ -2117,7 +2117,7 @@
           <a:p>
             <a:fld id="{78C97017-6FC3-485B-9764-EAC9E56C1D49}" type="datetimeFigureOut">
               <a:rPr lang="en-US" smtClean="0"/>
-              <a:t>10/16/2016</a:t>
+              <a:t>11/7/2018</a:t>
             </a:fld>
             <a:endParaRPr lang="en-US"/>
           </a:p>
@@ -2211,10 +2211,9 @@
           <a:lstStyle/>
           <a:p>
             <a:r>
-              <a:rPr lang="en-US" smtClean="0"/>
+              <a:rPr lang="en-US"/>
               <a:t>Click to edit Master title style</a:t>
             </a:r>
-            <a:endParaRPr lang="en-US"/>
           </a:p>
         </p:txBody>
       </p:sp>
@@ -2235,7 +2234,7 @@
           <a:p>
             <a:fld id="{78C97017-6FC3-485B-9764-EAC9E56C1D49}" type="datetimeFigureOut">
               <a:rPr lang="en-US" smtClean="0"/>
-              <a:t>10/16/2016</a:t>
+              <a:t>11/7/2018</a:t>
             </a:fld>
             <a:endParaRPr lang="en-US"/>
           </a:p>
@@ -2330,7 +2329,7 @@
           <a:p>
             <a:fld id="{78C97017-6FC3-485B-9764-EAC9E56C1D49}" type="datetimeFigureOut">
               <a:rPr lang="en-US" smtClean="0"/>
-              <a:t>10/16/2016</a:t>
+              <a:t>11/7/2018</a:t>
             </a:fld>
             <a:endParaRPr lang="en-US"/>
           </a:p>
@@ -2433,10 +2432,9 @@
           </a:lstStyle>
           <a:p>
             <a:r>
-              <a:rPr lang="en-US" smtClean="0"/>
+              <a:rPr lang="en-US"/>
               <a:t>Click to edit Master title style</a:t>
             </a:r>
-            <a:endParaRPr lang="en-US"/>
           </a:p>
         </p:txBody>
       </p:sp>
@@ -2490,38 +2488,37 @@
           <a:p>
             <a:pPr lvl="0"/>
             <a:r>
-              <a:rPr lang="en-US" smtClean="0"/>
+              <a:rPr lang="en-US"/>
               <a:t>Click to edit Master text styles</a:t>
             </a:r>
           </a:p>
           <a:p>
             <a:pPr lvl="1"/>
             <a:r>
-              <a:rPr lang="en-US" smtClean="0"/>
+              <a:rPr lang="en-US"/>
               <a:t>Second level</a:t>
             </a:r>
           </a:p>
           <a:p>
             <a:pPr lvl="2"/>
             <a:r>
-              <a:rPr lang="en-US" smtClean="0"/>
+              <a:rPr lang="en-US"/>
               <a:t>Third level</a:t>
             </a:r>
           </a:p>
           <a:p>
             <a:pPr lvl="3"/>
             <a:r>
-              <a:rPr lang="en-US" smtClean="0"/>
+              <a:rPr lang="en-US"/>
               <a:t>Fourth level</a:t>
             </a:r>
           </a:p>
           <a:p>
             <a:pPr lvl="4"/>
             <a:r>
-              <a:rPr lang="en-US" smtClean="0"/>
+              <a:rPr lang="en-US"/>
               <a:t>Fifth level</a:t>
             </a:r>
-            <a:endParaRPr lang="en-US"/>
           </a:p>
         </p:txBody>
       </p:sp>
@@ -2584,7 +2581,7 @@
           <a:p>
             <a:pPr lvl="0"/>
             <a:r>
-              <a:rPr lang="en-US" smtClean="0"/>
+              <a:rPr lang="en-US"/>
               <a:t>Click to edit Master text styles</a:t>
             </a:r>
           </a:p>
@@ -2607,7 +2604,7 @@
           <a:p>
             <a:fld id="{78C97017-6FC3-485B-9764-EAC9E56C1D49}" type="datetimeFigureOut">
               <a:rPr lang="en-US" smtClean="0"/>
-              <a:t>10/16/2016</a:t>
+              <a:t>11/7/2018</a:t>
             </a:fld>
             <a:endParaRPr lang="en-US"/>
           </a:p>
@@ -2710,10 +2707,9 @@
           </a:lstStyle>
           <a:p>
             <a:r>
-              <a:rPr lang="en-US" smtClean="0"/>
+              <a:rPr lang="en-US"/>
               <a:t>Click to edit Master title style</a:t>
             </a:r>
-            <a:endParaRPr lang="en-US"/>
           </a:p>
         </p:txBody>
       </p:sp>
@@ -2837,7 +2833,7 @@
           <a:p>
             <a:pPr lvl="0"/>
             <a:r>
-              <a:rPr lang="en-US" smtClean="0"/>
+              <a:rPr lang="en-US"/>
               <a:t>Click to edit Master text styles</a:t>
             </a:r>
           </a:p>
@@ -2860,7 +2856,7 @@
           <a:p>
             <a:fld id="{78C97017-6FC3-485B-9764-EAC9E56C1D49}" type="datetimeFigureOut">
               <a:rPr lang="en-US" smtClean="0"/>
-              <a:t>10/16/2016</a:t>
+              <a:t>11/7/2018</a:t>
             </a:fld>
             <a:endParaRPr lang="en-US"/>
           </a:p>
@@ -2969,10 +2965,9 @@
           <a:lstStyle/>
           <a:p>
             <a:r>
-              <a:rPr lang="en-US" smtClean="0"/>
+              <a:rPr lang="en-US"/>
               <a:t>Click to edit Master title style</a:t>
             </a:r>
-            <a:endParaRPr lang="en-US"/>
           </a:p>
         </p:txBody>
       </p:sp>
@@ -3003,38 +2998,37 @@
           <a:p>
             <a:pPr lvl="0"/>
             <a:r>
-              <a:rPr lang="en-US" smtClean="0"/>
+              <a:rPr lang="en-US"/>
               <a:t>Click to edit Master text styles</a:t>
             </a:r>
           </a:p>
           <a:p>
             <a:pPr lvl="1"/>
             <a:r>
-              <a:rPr lang="en-US" smtClean="0"/>
+              <a:rPr lang="en-US"/>
               <a:t>Second level</a:t>
             </a:r>
           </a:p>
           <a:p>
             <a:pPr lvl="2"/>
             <a:r>
-              <a:rPr lang="en-US" smtClean="0"/>
+              <a:rPr lang="en-US"/>
               <a:t>Third level</a:t>
             </a:r>
           </a:p>
           <a:p>
             <a:pPr lvl="3"/>
             <a:r>
-              <a:rPr lang="en-US" smtClean="0"/>
+              <a:rPr lang="en-US"/>
               <a:t>Fourth level</a:t>
             </a:r>
           </a:p>
           <a:p>
             <a:pPr lvl="4"/>
             <a:r>
-              <a:rPr lang="en-US" smtClean="0"/>
+              <a:rPr lang="en-US"/>
               <a:t>Fifth level</a:t>
             </a:r>
-            <a:endParaRPr lang="en-US"/>
           </a:p>
         </p:txBody>
       </p:sp>
@@ -3073,7 +3067,7 @@
           <a:p>
             <a:fld id="{78C97017-6FC3-485B-9764-EAC9E56C1D49}" type="datetimeFigureOut">
               <a:rPr lang="en-US" smtClean="0"/>
-              <a:t>10/16/2016</a:t>
+              <a:t>11/7/2018</a:t>
             </a:fld>
             <a:endParaRPr lang="en-US"/>
           </a:p>
@@ -3457,7 +3451,7 @@
         <p:spPr>
           <a:xfrm>
             <a:off x="1119865" y="2086382"/>
-            <a:ext cx="7871735" cy="1723618"/>
+            <a:ext cx="7871735" cy="2234138"/>
           </a:xfrm>
           <a:prstGeom prst="roundRect">
             <a:avLst>
@@ -3494,7 +3488,7 @@
           <a:lstStyle/>
           <a:p>
             <a:r>
-              <a:rPr lang="en-US" sz="1200" b="1" dirty="0" smtClean="0">
+              <a:rPr lang="en-US" sz="1200" b="1" dirty="0">
                 <a:solidFill>
                   <a:schemeClr val="accent6">
                     <a:lumMod val="75000"/>
@@ -3561,7 +3555,7 @@
           <a:p>
             <a:pPr algn="ctr"/>
             <a:r>
-              <a:rPr lang="en-US" sz="1050" dirty="0" smtClean="0">
+              <a:rPr lang="en-US" sz="1050" dirty="0">
                 <a:solidFill>
                   <a:schemeClr val="bg1"/>
                 </a:solidFill>
@@ -3569,14 +3563,14 @@
               <a:t>&lt;&lt;interface&gt;&gt;</a:t>
             </a:r>
             <a:br>
-              <a:rPr lang="en-US" sz="1050" dirty="0" smtClean="0">
+              <a:rPr lang="en-US" sz="1050" dirty="0">
                 <a:solidFill>
                   <a:schemeClr val="bg1"/>
                 </a:solidFill>
               </a:rPr>
             </a:br>
             <a:r>
-              <a:rPr lang="en-US" sz="1050" dirty="0" err="1" smtClean="0">
+              <a:rPr lang="en-US" sz="1050" dirty="0" err="1">
                 <a:solidFill>
                   <a:schemeClr val="bg1"/>
                 </a:solidFill>
@@ -3599,8 +3593,8 @@
         </p:nvSpPr>
         <p:spPr>
           <a:xfrm rot="16200000">
-            <a:off x="1683963" y="2868687"/>
-            <a:ext cx="1093635" cy="346760"/>
+            <a:off x="1459106" y="3093544"/>
+            <a:ext cx="1543349" cy="346760"/>
           </a:xfrm>
           <a:prstGeom prst="rect">
             <a:avLst/>
@@ -3639,7 +3633,7 @@
           <a:p>
             <a:pPr algn="ctr"/>
             <a:r>
-              <a:rPr lang="en-US" sz="1050" dirty="0" err="1" smtClean="0">
+              <a:rPr lang="en-US" sz="1050" dirty="0" err="1">
                 <a:solidFill>
                   <a:schemeClr val="bg1"/>
                 </a:solidFill>
@@ -3662,8 +3656,8 @@
         </p:nvSpPr>
         <p:spPr>
           <a:xfrm rot="16200000">
-            <a:off x="956202" y="2861202"/>
-            <a:ext cx="1093635" cy="346760"/>
+            <a:off x="727603" y="3089801"/>
+            <a:ext cx="1550834" cy="346760"/>
           </a:xfrm>
           <a:prstGeom prst="rect">
             <a:avLst/>
@@ -3713,7 +3707,7 @@
           <a:p>
             <a:pPr algn="ctr"/>
             <a:r>
-              <a:rPr lang="en-US" sz="1050" dirty="0" smtClean="0">
+              <a:rPr lang="en-US" sz="1050" dirty="0">
                 <a:solidFill>
                   <a:schemeClr val="bg1"/>
                 </a:solidFill>
@@ -3736,7 +3730,7 @@
         </p:nvSpPr>
         <p:spPr>
           <a:xfrm rot="16200000">
-            <a:off x="1626910" y="2952291"/>
+            <a:off x="1626910" y="3152084"/>
             <a:ext cx="270504" cy="175523"/>
           </a:xfrm>
           <a:prstGeom prst="triangle">
@@ -3834,7 +3828,7 @@
         </p:nvCxnSpPr>
         <p:spPr>
           <a:xfrm>
-            <a:off x="910091" y="3040053"/>
+            <a:off x="910091" y="3243335"/>
             <a:ext cx="419548" cy="2860"/>
           </a:xfrm>
           <a:prstGeom prst="bentConnector3">
@@ -3879,7 +3873,7 @@
         </p:nvCxnSpPr>
         <p:spPr>
           <a:xfrm flipV="1">
-            <a:off x="1849924" y="3040052"/>
+            <a:off x="1849924" y="3239845"/>
             <a:ext cx="216105" cy="1"/>
           </a:xfrm>
           <a:prstGeom prst="line">
@@ -4147,7 +4141,7 @@
           <a:p>
             <a:pPr algn="ctr"/>
             <a:r>
-              <a:rPr lang="en-US" sz="1050" b="1" dirty="0" err="1" smtClean="0">
+              <a:rPr lang="en-US" sz="1050" b="1" dirty="0" err="1">
                 <a:solidFill>
                   <a:schemeClr val="accent6">
                     <a:lumMod val="75000"/>
@@ -4156,18 +4150,8 @@
               </a:rPr>
               <a:t>XmlAddressBook</a:t>
             </a:r>
-            <a:r>
-              <a:rPr lang="en-US" sz="1050" b="1" dirty="0" smtClean="0">
-                <a:solidFill>
-                  <a:schemeClr val="accent6">
-                    <a:lumMod val="75000"/>
-                  </a:schemeClr>
-                </a:solidFill>
-              </a:rPr>
-              <a:t/>
-            </a:r>
             <a:br>
-              <a:rPr lang="en-US" sz="1050" b="1" dirty="0" smtClean="0">
+              <a:rPr lang="en-US" sz="1050" b="1" dirty="0">
                 <a:solidFill>
                   <a:schemeClr val="accent6">
                     <a:lumMod val="75000"/>
@@ -4176,7 +4160,7 @@
               </a:rPr>
             </a:br>
             <a:r>
-              <a:rPr lang="en-US" sz="1050" b="1" dirty="0" smtClean="0">
+              <a:rPr lang="en-US" sz="1050" b="1" dirty="0">
                 <a:solidFill>
                   <a:schemeClr val="accent6">
                     <a:lumMod val="75000"/>
@@ -4243,7 +4227,7 @@
           <a:p>
             <a:pPr algn="ctr"/>
             <a:r>
-              <a:rPr lang="en-US" sz="1050" dirty="0" smtClean="0">
+              <a:rPr lang="en-US" sz="1050" dirty="0">
                 <a:solidFill>
                   <a:schemeClr val="bg1"/>
                 </a:solidFill>
@@ -4251,14 +4235,14 @@
               <a:t>&lt;&lt;interface&gt;&gt;</a:t>
             </a:r>
             <a:br>
-              <a:rPr lang="en-US" sz="1050" dirty="0" smtClean="0">
+              <a:rPr lang="en-US" sz="1050" dirty="0">
                 <a:solidFill>
                   <a:schemeClr val="bg1"/>
                 </a:solidFill>
               </a:rPr>
             </a:br>
             <a:r>
-              <a:rPr lang="en-US" sz="1050" dirty="0" err="1" smtClean="0">
+              <a:rPr lang="en-US" sz="1050" dirty="0" err="1">
                 <a:solidFill>
                   <a:schemeClr val="bg1"/>
                 </a:solidFill>
@@ -4516,30 +4500,22 @@
           <a:p>
             <a:pPr algn="ctr"/>
             <a:r>
-              <a:rPr lang="en-US" sz="1050" dirty="0" err="1" smtClean="0">
+              <a:rPr lang="en-US" sz="1050" dirty="0" err="1">
                 <a:solidFill>
                   <a:schemeClr val="bg1"/>
                 </a:solidFill>
               </a:rPr>
               <a:t>JsonUserPrefs</a:t>
             </a:r>
-            <a:r>
-              <a:rPr lang="en-US" sz="1050" dirty="0" smtClean="0">
-                <a:solidFill>
-                  <a:schemeClr val="bg1"/>
-                </a:solidFill>
-              </a:rPr>
-              <a:t/>
-            </a:r>
             <a:br>
-              <a:rPr lang="en-US" sz="1050" dirty="0" smtClean="0">
+              <a:rPr lang="en-US" sz="1050" dirty="0">
                 <a:solidFill>
                   <a:schemeClr val="bg1"/>
                 </a:solidFill>
               </a:rPr>
             </a:br>
             <a:r>
-              <a:rPr lang="en-US" sz="1050" dirty="0" smtClean="0">
+              <a:rPr lang="en-US" sz="1050" dirty="0">
                 <a:solidFill>
                   <a:schemeClr val="bg1"/>
                 </a:solidFill>
@@ -4591,7 +4567,7 @@
           <a:p>
             <a:pPr algn="ctr"/>
             <a:r>
-              <a:rPr lang="en-US" sz="1050" b="1" dirty="0" err="1" smtClean="0">
+              <a:rPr lang="en-US" sz="1050" b="1" dirty="0" err="1">
                 <a:solidFill>
                   <a:schemeClr val="accent6">
                     <a:lumMod val="75000"/>
@@ -4600,18 +4576,8 @@
               </a:rPr>
               <a:t>XmlSerializable</a:t>
             </a:r>
-            <a:r>
-              <a:rPr lang="en-US" sz="1050" b="1" dirty="0" smtClean="0">
-                <a:solidFill>
-                  <a:schemeClr val="accent6">
-                    <a:lumMod val="75000"/>
-                  </a:schemeClr>
-                </a:solidFill>
-              </a:rPr>
-              <a:t/>
-            </a:r>
             <a:br>
-              <a:rPr lang="en-US" sz="1050" b="1" dirty="0" smtClean="0">
+              <a:rPr lang="en-US" sz="1050" b="1" dirty="0">
                 <a:solidFill>
                   <a:schemeClr val="accent6">
                     <a:lumMod val="75000"/>
@@ -4620,7 +4586,7 @@
               </a:rPr>
             </a:br>
             <a:r>
-              <a:rPr lang="en-US" sz="1050" b="1" dirty="0" err="1" smtClean="0">
+              <a:rPr lang="en-US" sz="1050" b="1" dirty="0" err="1">
                 <a:solidFill>
                   <a:schemeClr val="accent6">
                     <a:lumMod val="75000"/>
@@ -4717,7 +4683,7 @@
           <a:p>
             <a:pPr algn="ctr"/>
             <a:r>
-              <a:rPr lang="en-US" sz="1050" b="1" dirty="0" err="1" smtClean="0">
+              <a:rPr lang="en-US" sz="1050" b="1" dirty="0" err="1">
                 <a:solidFill>
                   <a:schemeClr val="accent6">
                     <a:lumMod val="75000"/>
@@ -4773,7 +4739,7 @@
           <a:p>
             <a:pPr algn="ctr"/>
             <a:r>
-              <a:rPr lang="en-US" sz="1050" b="1" dirty="0" err="1" smtClean="0">
+              <a:rPr lang="en-US" sz="1050" b="1" dirty="0" err="1">
                 <a:solidFill>
                   <a:schemeClr val="accent6">
                     <a:lumMod val="75000"/>
@@ -4804,6 +4770,632 @@
         <p:spPr>
           <a:xfrm flipV="1">
             <a:off x="7220507" y="3333004"/>
+            <a:ext cx="395231" cy="786"/>
+          </a:xfrm>
+          <a:prstGeom prst="bentConnector3">
+            <a:avLst>
+              <a:gd name="adj1" fmla="val 50000"/>
+            </a:avLst>
+          </a:prstGeom>
+          <a:ln w="19050">
+            <a:prstDash val="sysDot"/>
+            <a:headEnd type="none" w="med" len="med"/>
+            <a:tailEnd type="arrow" w="med" len="med"/>
+          </a:ln>
+          <a:effectLst/>
+        </p:spPr>
+        <p:style>
+          <a:lnRef idx="1">
+            <a:schemeClr val="accent6"/>
+          </a:lnRef>
+          <a:fillRef idx="2">
+            <a:schemeClr val="accent6"/>
+          </a:fillRef>
+          <a:effectRef idx="1">
+            <a:schemeClr val="accent6"/>
+          </a:effectRef>
+          <a:fontRef idx="minor">
+            <a:schemeClr val="dk1"/>
+          </a:fontRef>
+        </p:style>
+      </p:cxnSp>
+      <p:sp>
+        <p:nvSpPr>
+          <p:cNvPr id="26" name="Rectangle 8">
+            <a:extLst>
+              <a:ext uri="{FF2B5EF4-FFF2-40B4-BE49-F238E27FC236}">
+                <a16:creationId xmlns:a16="http://schemas.microsoft.com/office/drawing/2014/main" id="{FE63D15E-D366-4B2E-9252-082F452AF73B}"/>
+              </a:ext>
+            </a:extLst>
+          </p:cNvPr>
+          <p:cNvSpPr/>
+          <p:nvPr/>
+        </p:nvSpPr>
+        <p:spPr>
+          <a:xfrm>
+            <a:off x="2877180" y="3653048"/>
+            <a:ext cx="1323049" cy="346760"/>
+          </a:xfrm>
+          <a:prstGeom prst="rect">
+            <a:avLst/>
+          </a:prstGeom>
+          <a:solidFill>
+            <a:schemeClr val="accent6">
+              <a:lumMod val="75000"/>
+            </a:schemeClr>
+          </a:solidFill>
+          <a:ln w="19050">
+            <a:solidFill>
+              <a:schemeClr val="accent6">
+                <a:lumMod val="75000"/>
+              </a:schemeClr>
+            </a:solidFill>
+          </a:ln>
+          <a:effectLst/>
+        </p:spPr>
+        <p:style>
+          <a:lnRef idx="1">
+            <a:schemeClr val="accent2"/>
+          </a:lnRef>
+          <a:fillRef idx="2">
+            <a:schemeClr val="accent2"/>
+          </a:fillRef>
+          <a:effectRef idx="1">
+            <a:schemeClr val="accent2"/>
+          </a:effectRef>
+          <a:fontRef idx="minor">
+            <a:schemeClr val="dk1"/>
+          </a:fontRef>
+        </p:style>
+        <p:txBody>
+          <a:bodyPr rtlCol="0" anchor="ctr"/>
+          <a:lstStyle/>
+          <a:p>
+            <a:pPr algn="ctr"/>
+            <a:r>
+              <a:rPr lang="en-US" sz="1050" dirty="0">
+                <a:solidFill>
+                  <a:schemeClr val="bg1"/>
+                </a:solidFill>
+              </a:rPr>
+              <a:t>&lt;&lt;interface&gt;&gt;</a:t>
+            </a:r>
+            <a:br>
+              <a:rPr lang="en-US" sz="1050" dirty="0">
+                <a:solidFill>
+                  <a:schemeClr val="bg1"/>
+                </a:solidFill>
+              </a:rPr>
+            </a:br>
+            <a:r>
+              <a:rPr lang="en-US" sz="1050" dirty="0" err="1">
+                <a:solidFill>
+                  <a:schemeClr val="bg1"/>
+                </a:solidFill>
+              </a:rPr>
+              <a:t>EventListStorage</a:t>
+            </a:r>
+            <a:endParaRPr lang="en-SG" sz="1050" dirty="0">
+              <a:solidFill>
+                <a:schemeClr val="bg1"/>
+              </a:solidFill>
+            </a:endParaRPr>
+          </a:p>
+        </p:txBody>
+      </p:sp>
+      <p:cxnSp>
+        <p:nvCxnSpPr>
+          <p:cNvPr id="27" name="Straight Arrow Connector 26">
+            <a:extLst>
+              <a:ext uri="{FF2B5EF4-FFF2-40B4-BE49-F238E27FC236}">
+                <a16:creationId xmlns:a16="http://schemas.microsoft.com/office/drawing/2014/main" id="{FD91D2EB-B407-4897-8D29-91673FD521F2}"/>
+              </a:ext>
+            </a:extLst>
+          </p:cNvPr>
+          <p:cNvCxnSpPr>
+            <a:stCxn id="28" idx="3"/>
+            <a:endCxn id="26" idx="1"/>
+          </p:cNvCxnSpPr>
+          <p:nvPr/>
+        </p:nvCxnSpPr>
+        <p:spPr>
+          <a:xfrm>
+            <a:off x="2656370" y="3821144"/>
+            <a:ext cx="220810" cy="5284"/>
+          </a:xfrm>
+          <a:prstGeom prst="straightConnector1">
+            <a:avLst/>
+          </a:prstGeom>
+          <a:ln w="19050">
+            <a:solidFill>
+              <a:schemeClr val="accent6">
+                <a:lumMod val="75000"/>
+              </a:schemeClr>
+            </a:solidFill>
+            <a:headEnd type="none" w="med" len="med"/>
+            <a:tailEnd type="arrow" w="med" len="med"/>
+          </a:ln>
+          <a:effectLst/>
+        </p:spPr>
+        <p:style>
+          <a:lnRef idx="1">
+            <a:schemeClr val="accent2"/>
+          </a:lnRef>
+          <a:fillRef idx="2">
+            <a:schemeClr val="accent2"/>
+          </a:fillRef>
+          <a:effectRef idx="1">
+            <a:schemeClr val="accent2"/>
+          </a:effectRef>
+          <a:fontRef idx="minor">
+            <a:schemeClr val="dk1"/>
+          </a:fontRef>
+        </p:style>
+      </p:cxnSp>
+      <p:sp>
+        <p:nvSpPr>
+          <p:cNvPr id="28" name="Flowchart: Decision 96">
+            <a:extLst>
+              <a:ext uri="{FF2B5EF4-FFF2-40B4-BE49-F238E27FC236}">
+                <a16:creationId xmlns:a16="http://schemas.microsoft.com/office/drawing/2014/main" id="{A34DAEC9-43D2-444B-B085-6EDF4F1711A4}"/>
+              </a:ext>
+            </a:extLst>
+          </p:cNvPr>
+          <p:cNvSpPr/>
+          <p:nvPr/>
+        </p:nvSpPr>
+        <p:spPr>
+          <a:xfrm>
+            <a:off x="2420322" y="3734454"/>
+            <a:ext cx="236048" cy="173380"/>
+          </a:xfrm>
+          <a:prstGeom prst="flowChartDecision">
+            <a:avLst/>
+          </a:prstGeom>
+          <a:noFill/>
+          <a:ln w="19050">
+            <a:solidFill>
+              <a:schemeClr val="accent6">
+                <a:lumMod val="75000"/>
+              </a:schemeClr>
+            </a:solidFill>
+          </a:ln>
+          <a:effectLst/>
+        </p:spPr>
+        <p:style>
+          <a:lnRef idx="1">
+            <a:schemeClr val="accent2"/>
+          </a:lnRef>
+          <a:fillRef idx="2">
+            <a:schemeClr val="accent2"/>
+          </a:fillRef>
+          <a:effectRef idx="1">
+            <a:schemeClr val="accent2"/>
+          </a:effectRef>
+          <a:fontRef idx="minor">
+            <a:schemeClr val="dk1"/>
+          </a:fontRef>
+        </p:style>
+        <p:txBody>
+          <a:bodyPr rtlCol="0" anchor="ctr"/>
+          <a:lstStyle/>
+          <a:p>
+            <a:pPr algn="ctr"/>
+            <a:endParaRPr lang="en-US" sz="1050">
+              <a:solidFill>
+                <a:schemeClr val="bg1"/>
+              </a:solidFill>
+            </a:endParaRPr>
+          </a:p>
+        </p:txBody>
+      </p:sp>
+      <p:cxnSp>
+        <p:nvCxnSpPr>
+          <p:cNvPr id="29" name="Elbow Connector 63">
+            <a:extLst>
+              <a:ext uri="{FF2B5EF4-FFF2-40B4-BE49-F238E27FC236}">
+                <a16:creationId xmlns:a16="http://schemas.microsoft.com/office/drawing/2014/main" id="{BB3B0B0A-9DF8-4078-AE25-594F74BBF740}"/>
+              </a:ext>
+            </a:extLst>
+          </p:cNvPr>
+          <p:cNvCxnSpPr>
+            <a:stCxn id="30" idx="3"/>
+            <a:endCxn id="32" idx="1"/>
+          </p:cNvCxnSpPr>
+          <p:nvPr/>
+        </p:nvCxnSpPr>
+        <p:spPr>
+          <a:xfrm flipV="1">
+            <a:off x="4398041" y="3826428"/>
+            <a:ext cx="223324" cy="1"/>
+          </a:xfrm>
+          <a:prstGeom prst="bentConnector3">
+            <a:avLst>
+              <a:gd name="adj1" fmla="val 50000"/>
+            </a:avLst>
+          </a:prstGeom>
+          <a:ln w="19050">
+            <a:solidFill>
+              <a:schemeClr val="accent6">
+                <a:lumMod val="75000"/>
+              </a:schemeClr>
+            </a:solidFill>
+            <a:prstDash val="sysDot"/>
+            <a:headEnd type="none" w="med" len="med"/>
+            <a:tailEnd type="none" w="med" len="med"/>
+          </a:ln>
+          <a:effectLst/>
+        </p:spPr>
+        <p:style>
+          <a:lnRef idx="1">
+            <a:schemeClr val="accent2"/>
+          </a:lnRef>
+          <a:fillRef idx="2">
+            <a:schemeClr val="accent2"/>
+          </a:fillRef>
+          <a:effectRef idx="1">
+            <a:schemeClr val="accent2"/>
+          </a:effectRef>
+          <a:fontRef idx="minor">
+            <a:schemeClr val="dk1"/>
+          </a:fontRef>
+        </p:style>
+      </p:cxnSp>
+      <p:sp>
+        <p:nvSpPr>
+          <p:cNvPr id="30" name="Isosceles Triangle 102">
+            <a:extLst>
+              <a:ext uri="{FF2B5EF4-FFF2-40B4-BE49-F238E27FC236}">
+                <a16:creationId xmlns:a16="http://schemas.microsoft.com/office/drawing/2014/main" id="{70CF1CDB-B1B0-4C74-A5D3-D8DEC5D0918D}"/>
+              </a:ext>
+            </a:extLst>
+          </p:cNvPr>
+          <p:cNvSpPr/>
+          <p:nvPr/>
+        </p:nvSpPr>
+        <p:spPr>
+          <a:xfrm rot="5400000" flipV="1">
+            <a:off x="4175027" y="3738667"/>
+            <a:ext cx="270504" cy="175523"/>
+          </a:xfrm>
+          <a:prstGeom prst="triangle">
+            <a:avLst/>
+          </a:prstGeom>
+          <a:solidFill>
+            <a:schemeClr val="accent6">
+              <a:lumMod val="75000"/>
+            </a:schemeClr>
+          </a:solidFill>
+          <a:ln w="19050">
+            <a:solidFill>
+              <a:schemeClr val="accent6">
+                <a:lumMod val="75000"/>
+              </a:schemeClr>
+            </a:solidFill>
+          </a:ln>
+          <a:effectLst/>
+        </p:spPr>
+        <p:style>
+          <a:lnRef idx="1">
+            <a:schemeClr val="accent2"/>
+          </a:lnRef>
+          <a:fillRef idx="2">
+            <a:schemeClr val="accent2"/>
+          </a:fillRef>
+          <a:effectRef idx="1">
+            <a:schemeClr val="accent2"/>
+          </a:effectRef>
+          <a:fontRef idx="minor">
+            <a:schemeClr val="dk1"/>
+          </a:fontRef>
+        </p:style>
+        <p:txBody>
+          <a:bodyPr rtlCol="0" anchor="ctr"/>
+          <a:lstStyle/>
+          <a:p>
+            <a:pPr algn="ctr"/>
+            <a:endParaRPr lang="en-SG" sz="1050">
+              <a:solidFill>
+                <a:schemeClr val="bg1"/>
+              </a:solidFill>
+            </a:endParaRPr>
+          </a:p>
+        </p:txBody>
+      </p:sp>
+      <p:cxnSp>
+        <p:nvCxnSpPr>
+          <p:cNvPr id="31" name="Elbow Connector 122">
+            <a:extLst>
+              <a:ext uri="{FF2B5EF4-FFF2-40B4-BE49-F238E27FC236}">
+                <a16:creationId xmlns:a16="http://schemas.microsoft.com/office/drawing/2014/main" id="{F5E08EF2-B1A0-4766-BE25-6C86AB8029D1}"/>
+              </a:ext>
+            </a:extLst>
+          </p:cNvPr>
+          <p:cNvCxnSpPr>
+            <a:stCxn id="32" idx="3"/>
+            <a:endCxn id="33" idx="1"/>
+          </p:cNvCxnSpPr>
+          <p:nvPr/>
+        </p:nvCxnSpPr>
+        <p:spPr>
+          <a:xfrm>
+            <a:off x="5791200" y="3826428"/>
+            <a:ext cx="228600" cy="1970"/>
+          </a:xfrm>
+          <a:prstGeom prst="bentConnector3">
+            <a:avLst>
+              <a:gd name="adj1" fmla="val 50000"/>
+            </a:avLst>
+          </a:prstGeom>
+          <a:ln w="19050">
+            <a:solidFill>
+              <a:schemeClr val="accent6">
+                <a:lumMod val="75000"/>
+              </a:schemeClr>
+            </a:solidFill>
+            <a:prstDash val="sysDot"/>
+            <a:headEnd type="none" w="med" len="med"/>
+            <a:tailEnd type="arrow" w="med" len="med"/>
+          </a:ln>
+          <a:effectLst/>
+        </p:spPr>
+        <p:style>
+          <a:lnRef idx="1">
+            <a:schemeClr val="accent2"/>
+          </a:lnRef>
+          <a:fillRef idx="2">
+            <a:schemeClr val="accent2"/>
+          </a:fillRef>
+          <a:effectRef idx="1">
+            <a:schemeClr val="accent2"/>
+          </a:effectRef>
+          <a:fontRef idx="minor">
+            <a:schemeClr val="dk1"/>
+          </a:fontRef>
+        </p:style>
+      </p:cxnSp>
+      <p:sp>
+        <p:nvSpPr>
+          <p:cNvPr id="32" name="Rectangle 8">
+            <a:extLst>
+              <a:ext uri="{FF2B5EF4-FFF2-40B4-BE49-F238E27FC236}">
+                <a16:creationId xmlns:a16="http://schemas.microsoft.com/office/drawing/2014/main" id="{34218280-CBDC-475C-B5CD-51A7EA55BEC7}"/>
+              </a:ext>
+            </a:extLst>
+          </p:cNvPr>
+          <p:cNvSpPr/>
+          <p:nvPr/>
+        </p:nvSpPr>
+        <p:spPr>
+          <a:xfrm>
+            <a:off x="4621365" y="3653048"/>
+            <a:ext cx="1169835" cy="346760"/>
+          </a:xfrm>
+          <a:prstGeom prst="rect">
+            <a:avLst/>
+          </a:prstGeom>
+          <a:ln w="19050"/>
+          <a:effectLst/>
+        </p:spPr>
+        <p:style>
+          <a:lnRef idx="1">
+            <a:schemeClr val="accent6"/>
+          </a:lnRef>
+          <a:fillRef idx="2">
+            <a:schemeClr val="accent6"/>
+          </a:fillRef>
+          <a:effectRef idx="1">
+            <a:schemeClr val="accent6"/>
+          </a:effectRef>
+          <a:fontRef idx="minor">
+            <a:schemeClr val="dk1"/>
+          </a:fontRef>
+        </p:style>
+        <p:txBody>
+          <a:bodyPr rtlCol="0" anchor="ctr"/>
+          <a:lstStyle/>
+          <a:p>
+            <a:pPr algn="ctr"/>
+            <a:r>
+              <a:rPr lang="en-US" sz="1050" b="1" dirty="0" err="1">
+                <a:solidFill>
+                  <a:schemeClr val="accent6">
+                    <a:lumMod val="75000"/>
+                  </a:schemeClr>
+                </a:solidFill>
+              </a:rPr>
+              <a:t>XmlEventList</a:t>
+            </a:r>
+            <a:br>
+              <a:rPr lang="en-US" sz="1050" b="1" dirty="0">
+                <a:solidFill>
+                  <a:schemeClr val="accent6">
+                    <a:lumMod val="75000"/>
+                  </a:schemeClr>
+                </a:solidFill>
+              </a:rPr>
+            </a:br>
+            <a:r>
+              <a:rPr lang="en-US" sz="1050" b="1" dirty="0">
+                <a:solidFill>
+                  <a:schemeClr val="accent6">
+                    <a:lumMod val="75000"/>
+                  </a:schemeClr>
+                </a:solidFill>
+              </a:rPr>
+              <a:t>Storage</a:t>
+            </a:r>
+            <a:endParaRPr lang="en-SG" sz="1050" b="1" dirty="0">
+              <a:solidFill>
+                <a:schemeClr val="accent6">
+                  <a:lumMod val="75000"/>
+                </a:schemeClr>
+              </a:solidFill>
+            </a:endParaRPr>
+          </a:p>
+        </p:txBody>
+      </p:sp>
+      <p:sp>
+        <p:nvSpPr>
+          <p:cNvPr id="33" name="Rectangle 8">
+            <a:extLst>
+              <a:ext uri="{FF2B5EF4-FFF2-40B4-BE49-F238E27FC236}">
+                <a16:creationId xmlns:a16="http://schemas.microsoft.com/office/drawing/2014/main" id="{36ACB7DF-126C-4D44-9B3D-3D1A9D2A3C6D}"/>
+              </a:ext>
+            </a:extLst>
+          </p:cNvPr>
+          <p:cNvSpPr/>
+          <p:nvPr/>
+        </p:nvSpPr>
+        <p:spPr>
+          <a:xfrm>
+            <a:off x="6019800" y="3655018"/>
+            <a:ext cx="1200707" cy="346760"/>
+          </a:xfrm>
+          <a:prstGeom prst="rect">
+            <a:avLst/>
+          </a:prstGeom>
+          <a:ln w="19050"/>
+          <a:effectLst/>
+        </p:spPr>
+        <p:style>
+          <a:lnRef idx="1">
+            <a:schemeClr val="accent6"/>
+          </a:lnRef>
+          <a:fillRef idx="2">
+            <a:schemeClr val="accent6"/>
+          </a:fillRef>
+          <a:effectRef idx="1">
+            <a:schemeClr val="accent6"/>
+          </a:effectRef>
+          <a:fontRef idx="minor">
+            <a:schemeClr val="dk1"/>
+          </a:fontRef>
+        </p:style>
+        <p:txBody>
+          <a:bodyPr rtlCol="0" anchor="ctr"/>
+          <a:lstStyle/>
+          <a:p>
+            <a:pPr algn="ctr"/>
+            <a:r>
+              <a:rPr lang="en-US" sz="1050" b="1" dirty="0" err="1">
+                <a:solidFill>
+                  <a:schemeClr val="accent6">
+                    <a:lumMod val="75000"/>
+                  </a:schemeClr>
+                </a:solidFill>
+              </a:rPr>
+              <a:t>XmlSerializable</a:t>
+            </a:r>
+            <a:br>
+              <a:rPr lang="en-US" sz="1050" b="1" dirty="0">
+                <a:solidFill>
+                  <a:schemeClr val="accent6">
+                    <a:lumMod val="75000"/>
+                  </a:schemeClr>
+                </a:solidFill>
+              </a:rPr>
+            </a:br>
+            <a:r>
+              <a:rPr lang="en-US" sz="1050" b="1" dirty="0" err="1">
+                <a:solidFill>
+                  <a:schemeClr val="accent6">
+                    <a:lumMod val="75000"/>
+                  </a:schemeClr>
+                </a:solidFill>
+              </a:rPr>
+              <a:t>EventList</a:t>
+            </a:r>
+            <a:endParaRPr lang="en-SG" sz="1050" b="1" dirty="0">
+              <a:solidFill>
+                <a:schemeClr val="accent6">
+                  <a:lumMod val="75000"/>
+                </a:schemeClr>
+              </a:solidFill>
+            </a:endParaRPr>
+          </a:p>
+        </p:txBody>
+      </p:sp>
+      <p:sp>
+        <p:nvSpPr>
+          <p:cNvPr id="34" name="Rectangle 8">
+            <a:extLst>
+              <a:ext uri="{FF2B5EF4-FFF2-40B4-BE49-F238E27FC236}">
+                <a16:creationId xmlns:a16="http://schemas.microsoft.com/office/drawing/2014/main" id="{5DECF30C-B360-437D-AA0C-891DF01618E0}"/>
+              </a:ext>
+            </a:extLst>
+          </p:cNvPr>
+          <p:cNvSpPr/>
+          <p:nvPr/>
+        </p:nvSpPr>
+        <p:spPr>
+          <a:xfrm>
+            <a:off x="7615738" y="3654232"/>
+            <a:ext cx="1259718" cy="346760"/>
+          </a:xfrm>
+          <a:prstGeom prst="rect">
+            <a:avLst/>
+          </a:prstGeom>
+          <a:ln w="19050"/>
+          <a:effectLst/>
+        </p:spPr>
+        <p:style>
+          <a:lnRef idx="1">
+            <a:schemeClr val="accent6"/>
+          </a:lnRef>
+          <a:fillRef idx="2">
+            <a:schemeClr val="accent6"/>
+          </a:fillRef>
+          <a:effectRef idx="1">
+            <a:schemeClr val="accent6"/>
+          </a:effectRef>
+          <a:fontRef idx="minor">
+            <a:schemeClr val="dk1"/>
+          </a:fontRef>
+        </p:style>
+        <p:txBody>
+          <a:bodyPr rtlCol="0" anchor="ctr"/>
+          <a:lstStyle/>
+          <a:p>
+            <a:pPr algn="ctr"/>
+            <a:r>
+              <a:rPr lang="en-US" sz="1050" b="1" dirty="0" err="1">
+                <a:solidFill>
+                  <a:schemeClr val="accent6">
+                    <a:lumMod val="75000"/>
+                  </a:schemeClr>
+                </a:solidFill>
+              </a:rPr>
+              <a:t>XmlAdaptedEvent</a:t>
+            </a:r>
+            <a:endParaRPr lang="en-SG" sz="1050" b="1" dirty="0">
+              <a:solidFill>
+                <a:schemeClr val="accent6">
+                  <a:lumMod val="75000"/>
+                </a:schemeClr>
+              </a:solidFill>
+            </a:endParaRPr>
+          </a:p>
+        </p:txBody>
+      </p:sp>
+      <p:cxnSp>
+        <p:nvCxnSpPr>
+          <p:cNvPr id="35" name="Elbow Connector 122">
+            <a:extLst>
+              <a:ext uri="{FF2B5EF4-FFF2-40B4-BE49-F238E27FC236}">
+                <a16:creationId xmlns:a16="http://schemas.microsoft.com/office/drawing/2014/main" id="{12B93556-4145-436F-875E-A57BEBECDC9D}"/>
+              </a:ext>
+            </a:extLst>
+          </p:cNvPr>
+          <p:cNvCxnSpPr>
+            <a:stCxn id="33" idx="3"/>
+            <a:endCxn id="34" idx="1"/>
+          </p:cNvCxnSpPr>
+          <p:nvPr/>
+        </p:nvCxnSpPr>
+        <p:spPr>
+          <a:xfrm flipV="1">
+            <a:off x="7220507" y="3827612"/>
             <a:ext cx="395231" cy="786"/>
           </a:xfrm>
           <a:prstGeom prst="bentConnector3">
@@ -4843,13 +5435,6 @@
   <p:clrMapOvr>
     <a:masterClrMapping/>
   </p:clrMapOvr>
-  <p:timing>
-    <p:tnLst>
-      <p:par>
-        <p:cTn id="1" dur="indefinite" restart="never" nodeType="tmRoot"/>
-      </p:par>
-    </p:tnLst>
-  </p:timing>
 </p:sld>
 </file>
 

--- a/docs/diagrams/StorageComponentClassDiagram.pptx
+++ b/docs/diagrams/StorageComponentClassDiagram.pptx
@@ -107,6 +107,22 @@
       </a:defRPr>
     </a:lvl9pPr>
   </p:defaultTextStyle>
+  <p:extLst>
+    <p:ext uri="{EFAFB233-063F-42B5-8137-9DF3F51BA10A}">
+      <p15:sldGuideLst xmlns:p15="http://schemas.microsoft.com/office/powerpoint/2012/main">
+        <p15:guide id="1" orient="horz" pos="1488">
+          <p15:clr>
+            <a:srgbClr val="A4A3A4"/>
+          </p15:clr>
+        </p15:guide>
+        <p15:guide id="2" pos="2880">
+          <p15:clr>
+            <a:srgbClr val="A4A3A4"/>
+          </p15:clr>
+        </p15:guide>
+      </p15:sldGuideLst>
+    </p:ext>
+  </p:extLst>
 </p:presentation>
 </file>
 
@@ -192,7 +208,7 @@
           <a:p>
             <a:fld id="{F5CC4B3F-88C1-4FFA-B1B6-F41C21DC6924}" type="datetimeFigureOut">
               <a:rPr lang="en-US" smtClean="0"/>
-              <a:t>10/16/2016</a:t>
+              <a:t>11/10/2018</a:t>
             </a:fld>
             <a:endParaRPr lang="en-US"/>
           </a:p>
@@ -256,38 +272,37 @@
           <a:p>
             <a:pPr lvl="0"/>
             <a:r>
-              <a:rPr lang="en-US" smtClean="0"/>
+              <a:rPr lang="en-US"/>
               <a:t>Click to edit Master text styles</a:t>
             </a:r>
           </a:p>
           <a:p>
             <a:pPr lvl="1"/>
             <a:r>
-              <a:rPr lang="en-US" smtClean="0"/>
+              <a:rPr lang="en-US"/>
               <a:t>Second level</a:t>
             </a:r>
           </a:p>
           <a:p>
             <a:pPr lvl="2"/>
             <a:r>
-              <a:rPr lang="en-US" smtClean="0"/>
+              <a:rPr lang="en-US"/>
               <a:t>Third level</a:t>
             </a:r>
           </a:p>
           <a:p>
             <a:pPr lvl="3"/>
             <a:r>
-              <a:rPr lang="en-US" smtClean="0"/>
+              <a:rPr lang="en-US"/>
               <a:t>Fourth level</a:t>
             </a:r>
           </a:p>
           <a:p>
             <a:pPr lvl="4"/>
             <a:r>
-              <a:rPr lang="en-US" smtClean="0"/>
+              <a:rPr lang="en-US"/>
               <a:t>Fifth level</a:t>
             </a:r>
-            <a:endParaRPr lang="en-US"/>
           </a:p>
         </p:txBody>
       </p:sp>
@@ -498,10 +513,9 @@
           <a:lstStyle/>
           <a:p>
             <a:r>
-              <a:rPr lang="en-US" smtClean="0"/>
+              <a:rPr lang="en-US"/>
               <a:t>Click to edit Master title style</a:t>
             </a:r>
-            <a:endParaRPr lang="en-US"/>
           </a:p>
         </p:txBody>
       </p:sp>
@@ -617,10 +631,9 @@
           </a:lstStyle>
           <a:p>
             <a:r>
-              <a:rPr lang="en-US" smtClean="0"/>
+              <a:rPr lang="en-US"/>
               <a:t>Click to edit Master subtitle style</a:t>
             </a:r>
-            <a:endParaRPr lang="en-US"/>
           </a:p>
         </p:txBody>
       </p:sp>
@@ -641,7 +654,7 @@
           <a:p>
             <a:fld id="{78C97017-6FC3-485B-9764-EAC9E56C1D49}" type="datetimeFigureOut">
               <a:rPr lang="en-US" smtClean="0"/>
-              <a:t>10/16/2016</a:t>
+              <a:t>11/10/2018</a:t>
             </a:fld>
             <a:endParaRPr lang="en-US"/>
           </a:p>
@@ -735,10 +748,9 @@
           <a:lstStyle/>
           <a:p>
             <a:r>
-              <a:rPr lang="en-US" smtClean="0"/>
+              <a:rPr lang="en-US"/>
               <a:t>Click to edit Master title style</a:t>
             </a:r>
-            <a:endParaRPr lang="en-US"/>
           </a:p>
         </p:txBody>
       </p:sp>
@@ -759,38 +771,37 @@
           <a:p>
             <a:pPr lvl="0"/>
             <a:r>
-              <a:rPr lang="en-US" smtClean="0"/>
+              <a:rPr lang="en-US"/>
               <a:t>Click to edit Master text styles</a:t>
             </a:r>
           </a:p>
           <a:p>
             <a:pPr lvl="1"/>
             <a:r>
-              <a:rPr lang="en-US" smtClean="0"/>
+              <a:rPr lang="en-US"/>
               <a:t>Second level</a:t>
             </a:r>
           </a:p>
           <a:p>
             <a:pPr lvl="2"/>
             <a:r>
-              <a:rPr lang="en-US" smtClean="0"/>
+              <a:rPr lang="en-US"/>
               <a:t>Third level</a:t>
             </a:r>
           </a:p>
           <a:p>
             <a:pPr lvl="3"/>
             <a:r>
-              <a:rPr lang="en-US" smtClean="0"/>
+              <a:rPr lang="en-US"/>
               <a:t>Fourth level</a:t>
             </a:r>
           </a:p>
           <a:p>
             <a:pPr lvl="4"/>
             <a:r>
-              <a:rPr lang="en-US" smtClean="0"/>
+              <a:rPr lang="en-US"/>
               <a:t>Fifth level</a:t>
             </a:r>
-            <a:endParaRPr lang="en-US"/>
           </a:p>
         </p:txBody>
       </p:sp>
@@ -811,7 +822,7 @@
           <a:p>
             <a:fld id="{78C97017-6FC3-485B-9764-EAC9E56C1D49}" type="datetimeFigureOut">
               <a:rPr lang="en-US" smtClean="0"/>
-              <a:t>10/16/2016</a:t>
+              <a:t>11/10/2018</a:t>
             </a:fld>
             <a:endParaRPr lang="en-US"/>
           </a:p>
@@ -910,10 +921,9 @@
           <a:lstStyle/>
           <a:p>
             <a:r>
-              <a:rPr lang="en-US" smtClean="0"/>
+              <a:rPr lang="en-US"/>
               <a:t>Click to edit Master title style</a:t>
             </a:r>
-            <a:endParaRPr lang="en-US"/>
           </a:p>
         </p:txBody>
       </p:sp>
@@ -939,38 +949,37 @@
           <a:p>
             <a:pPr lvl="0"/>
             <a:r>
-              <a:rPr lang="en-US" smtClean="0"/>
+              <a:rPr lang="en-US"/>
               <a:t>Click to edit Master text styles</a:t>
             </a:r>
           </a:p>
           <a:p>
             <a:pPr lvl="1"/>
             <a:r>
-              <a:rPr lang="en-US" smtClean="0"/>
+              <a:rPr lang="en-US"/>
               <a:t>Second level</a:t>
             </a:r>
           </a:p>
           <a:p>
             <a:pPr lvl="2"/>
             <a:r>
-              <a:rPr lang="en-US" smtClean="0"/>
+              <a:rPr lang="en-US"/>
               <a:t>Third level</a:t>
             </a:r>
           </a:p>
           <a:p>
             <a:pPr lvl="3"/>
             <a:r>
-              <a:rPr lang="en-US" smtClean="0"/>
+              <a:rPr lang="en-US"/>
               <a:t>Fourth level</a:t>
             </a:r>
           </a:p>
           <a:p>
             <a:pPr lvl="4"/>
             <a:r>
-              <a:rPr lang="en-US" smtClean="0"/>
+              <a:rPr lang="en-US"/>
               <a:t>Fifth level</a:t>
             </a:r>
-            <a:endParaRPr lang="en-US"/>
           </a:p>
         </p:txBody>
       </p:sp>
@@ -991,7 +1000,7 @@
           <a:p>
             <a:fld id="{78C97017-6FC3-485B-9764-EAC9E56C1D49}" type="datetimeFigureOut">
               <a:rPr lang="en-US" smtClean="0"/>
-              <a:t>10/16/2016</a:t>
+              <a:t>11/10/2018</a:t>
             </a:fld>
             <a:endParaRPr lang="en-US"/>
           </a:p>
@@ -1085,10 +1094,9 @@
           <a:lstStyle/>
           <a:p>
             <a:r>
-              <a:rPr lang="en-US" smtClean="0"/>
+              <a:rPr lang="en-US"/>
               <a:t>Click to edit Master title style</a:t>
             </a:r>
-            <a:endParaRPr lang="en-US"/>
           </a:p>
         </p:txBody>
       </p:sp>
@@ -1109,38 +1117,37 @@
           <a:p>
             <a:pPr lvl="0"/>
             <a:r>
-              <a:rPr lang="en-US" smtClean="0"/>
+              <a:rPr lang="en-US"/>
               <a:t>Click to edit Master text styles</a:t>
             </a:r>
           </a:p>
           <a:p>
             <a:pPr lvl="1"/>
             <a:r>
-              <a:rPr lang="en-US" smtClean="0"/>
+              <a:rPr lang="en-US"/>
               <a:t>Second level</a:t>
             </a:r>
           </a:p>
           <a:p>
             <a:pPr lvl="2"/>
             <a:r>
-              <a:rPr lang="en-US" smtClean="0"/>
+              <a:rPr lang="en-US"/>
               <a:t>Third level</a:t>
             </a:r>
           </a:p>
           <a:p>
             <a:pPr lvl="3"/>
             <a:r>
-              <a:rPr lang="en-US" smtClean="0"/>
+              <a:rPr lang="en-US"/>
               <a:t>Fourth level</a:t>
             </a:r>
           </a:p>
           <a:p>
             <a:pPr lvl="4"/>
             <a:r>
-              <a:rPr lang="en-US" smtClean="0"/>
+              <a:rPr lang="en-US"/>
               <a:t>Fifth level</a:t>
             </a:r>
-            <a:endParaRPr lang="en-US"/>
           </a:p>
         </p:txBody>
       </p:sp>
@@ -1161,7 +1168,7 @@
           <a:p>
             <a:fld id="{78C97017-6FC3-485B-9764-EAC9E56C1D49}" type="datetimeFigureOut">
               <a:rPr lang="en-US" smtClean="0"/>
-              <a:t>10/16/2016</a:t>
+              <a:t>11/10/2018</a:t>
             </a:fld>
             <a:endParaRPr lang="en-US"/>
           </a:p>
@@ -1264,10 +1271,9 @@
           </a:lstStyle>
           <a:p>
             <a:r>
-              <a:rPr lang="en-US" smtClean="0"/>
+              <a:rPr lang="en-US"/>
               <a:t>Click to edit Master title style</a:t>
             </a:r>
-            <a:endParaRPr lang="en-US"/>
           </a:p>
         </p:txBody>
       </p:sp>
@@ -1384,7 +1390,7 @@
           <a:p>
             <a:pPr lvl="0"/>
             <a:r>
-              <a:rPr lang="en-US" smtClean="0"/>
+              <a:rPr lang="en-US"/>
               <a:t>Click to edit Master text styles</a:t>
             </a:r>
           </a:p>
@@ -1407,7 +1413,7 @@
           <a:p>
             <a:fld id="{78C97017-6FC3-485B-9764-EAC9E56C1D49}" type="datetimeFigureOut">
               <a:rPr lang="en-US" smtClean="0"/>
-              <a:t>10/16/2016</a:t>
+              <a:t>11/10/2018</a:t>
             </a:fld>
             <a:endParaRPr lang="en-US"/>
           </a:p>
@@ -1501,10 +1507,9 @@
           <a:lstStyle/>
           <a:p>
             <a:r>
-              <a:rPr lang="en-US" smtClean="0"/>
+              <a:rPr lang="en-US"/>
               <a:t>Click to edit Master title style</a:t>
             </a:r>
-            <a:endParaRPr lang="en-US"/>
           </a:p>
         </p:txBody>
       </p:sp>
@@ -1558,38 +1563,37 @@
           <a:p>
             <a:pPr lvl="0"/>
             <a:r>
-              <a:rPr lang="en-US" smtClean="0"/>
+              <a:rPr lang="en-US"/>
               <a:t>Click to edit Master text styles</a:t>
             </a:r>
           </a:p>
           <a:p>
             <a:pPr lvl="1"/>
             <a:r>
-              <a:rPr lang="en-US" smtClean="0"/>
+              <a:rPr lang="en-US"/>
               <a:t>Second level</a:t>
             </a:r>
           </a:p>
           <a:p>
             <a:pPr lvl="2"/>
             <a:r>
-              <a:rPr lang="en-US" smtClean="0"/>
+              <a:rPr lang="en-US"/>
               <a:t>Third level</a:t>
             </a:r>
           </a:p>
           <a:p>
             <a:pPr lvl="3"/>
             <a:r>
-              <a:rPr lang="en-US" smtClean="0"/>
+              <a:rPr lang="en-US"/>
               <a:t>Fourth level</a:t>
             </a:r>
           </a:p>
           <a:p>
             <a:pPr lvl="4"/>
             <a:r>
-              <a:rPr lang="en-US" smtClean="0"/>
+              <a:rPr lang="en-US"/>
               <a:t>Fifth level</a:t>
             </a:r>
-            <a:endParaRPr lang="en-US"/>
           </a:p>
         </p:txBody>
       </p:sp>
@@ -1643,38 +1647,37 @@
           <a:p>
             <a:pPr lvl="0"/>
             <a:r>
-              <a:rPr lang="en-US" smtClean="0"/>
+              <a:rPr lang="en-US"/>
               <a:t>Click to edit Master text styles</a:t>
             </a:r>
           </a:p>
           <a:p>
             <a:pPr lvl="1"/>
             <a:r>
-              <a:rPr lang="en-US" smtClean="0"/>
+              <a:rPr lang="en-US"/>
               <a:t>Second level</a:t>
             </a:r>
           </a:p>
           <a:p>
             <a:pPr lvl="2"/>
             <a:r>
-              <a:rPr lang="en-US" smtClean="0"/>
+              <a:rPr lang="en-US"/>
               <a:t>Third level</a:t>
             </a:r>
           </a:p>
           <a:p>
             <a:pPr lvl="3"/>
             <a:r>
-              <a:rPr lang="en-US" smtClean="0"/>
+              <a:rPr lang="en-US"/>
               <a:t>Fourth level</a:t>
             </a:r>
           </a:p>
           <a:p>
             <a:pPr lvl="4"/>
             <a:r>
-              <a:rPr lang="en-US" smtClean="0"/>
+              <a:rPr lang="en-US"/>
               <a:t>Fifth level</a:t>
             </a:r>
-            <a:endParaRPr lang="en-US"/>
           </a:p>
         </p:txBody>
       </p:sp>
@@ -1695,7 +1698,7 @@
           <a:p>
             <a:fld id="{78C97017-6FC3-485B-9764-EAC9E56C1D49}" type="datetimeFigureOut">
               <a:rPr lang="en-US" smtClean="0"/>
-              <a:t>10/16/2016</a:t>
+              <a:t>11/10/2018</a:t>
             </a:fld>
             <a:endParaRPr lang="en-US"/>
           </a:p>
@@ -1793,10 +1796,9 @@
           </a:lstStyle>
           <a:p>
             <a:r>
-              <a:rPr lang="en-US" smtClean="0"/>
+              <a:rPr lang="en-US"/>
               <a:t>Click to edit Master title style</a:t>
             </a:r>
-            <a:endParaRPr lang="en-US"/>
           </a:p>
         </p:txBody>
       </p:sp>
@@ -1859,7 +1861,7 @@
           <a:p>
             <a:pPr lvl="0"/>
             <a:r>
-              <a:rPr lang="en-US" smtClean="0"/>
+              <a:rPr lang="en-US"/>
               <a:t>Click to edit Master text styles</a:t>
             </a:r>
           </a:p>
@@ -1915,38 +1917,37 @@
           <a:p>
             <a:pPr lvl="0"/>
             <a:r>
-              <a:rPr lang="en-US" smtClean="0"/>
+              <a:rPr lang="en-US"/>
               <a:t>Click to edit Master text styles</a:t>
             </a:r>
           </a:p>
           <a:p>
             <a:pPr lvl="1"/>
             <a:r>
-              <a:rPr lang="en-US" smtClean="0"/>
+              <a:rPr lang="en-US"/>
               <a:t>Second level</a:t>
             </a:r>
           </a:p>
           <a:p>
             <a:pPr lvl="2"/>
             <a:r>
-              <a:rPr lang="en-US" smtClean="0"/>
+              <a:rPr lang="en-US"/>
               <a:t>Third level</a:t>
             </a:r>
           </a:p>
           <a:p>
             <a:pPr lvl="3"/>
             <a:r>
-              <a:rPr lang="en-US" smtClean="0"/>
+              <a:rPr lang="en-US"/>
               <a:t>Fourth level</a:t>
             </a:r>
           </a:p>
           <a:p>
             <a:pPr lvl="4"/>
             <a:r>
-              <a:rPr lang="en-US" smtClean="0"/>
+              <a:rPr lang="en-US"/>
               <a:t>Fifth level</a:t>
             </a:r>
-            <a:endParaRPr lang="en-US"/>
           </a:p>
         </p:txBody>
       </p:sp>
@@ -2009,7 +2010,7 @@
           <a:p>
             <a:pPr lvl="0"/>
             <a:r>
-              <a:rPr lang="en-US" smtClean="0"/>
+              <a:rPr lang="en-US"/>
               <a:t>Click to edit Master text styles</a:t>
             </a:r>
           </a:p>
@@ -2065,38 +2066,37 @@
           <a:p>
             <a:pPr lvl="0"/>
             <a:r>
-              <a:rPr lang="en-US" smtClean="0"/>
+              <a:rPr lang="en-US"/>
               <a:t>Click to edit Master text styles</a:t>
             </a:r>
           </a:p>
           <a:p>
             <a:pPr lvl="1"/>
             <a:r>
-              <a:rPr lang="en-US" smtClean="0"/>
+              <a:rPr lang="en-US"/>
               <a:t>Second level</a:t>
             </a:r>
           </a:p>
           <a:p>
             <a:pPr lvl="2"/>
             <a:r>
-              <a:rPr lang="en-US" smtClean="0"/>
+              <a:rPr lang="en-US"/>
               <a:t>Third level</a:t>
             </a:r>
           </a:p>
           <a:p>
             <a:pPr lvl="3"/>
             <a:r>
-              <a:rPr lang="en-US" smtClean="0"/>
+              <a:rPr lang="en-US"/>
               <a:t>Fourth level</a:t>
             </a:r>
           </a:p>
           <a:p>
             <a:pPr lvl="4"/>
             <a:r>
-              <a:rPr lang="en-US" smtClean="0"/>
+              <a:rPr lang="en-US"/>
               <a:t>Fifth level</a:t>
             </a:r>
-            <a:endParaRPr lang="en-US"/>
           </a:p>
         </p:txBody>
       </p:sp>
@@ -2117,7 +2117,7 @@
           <a:p>
             <a:fld id="{78C97017-6FC3-485B-9764-EAC9E56C1D49}" type="datetimeFigureOut">
               <a:rPr lang="en-US" smtClean="0"/>
-              <a:t>10/16/2016</a:t>
+              <a:t>11/10/2018</a:t>
             </a:fld>
             <a:endParaRPr lang="en-US"/>
           </a:p>
@@ -2211,10 +2211,9 @@
           <a:lstStyle/>
           <a:p>
             <a:r>
-              <a:rPr lang="en-US" smtClean="0"/>
+              <a:rPr lang="en-US"/>
               <a:t>Click to edit Master title style</a:t>
             </a:r>
-            <a:endParaRPr lang="en-US"/>
           </a:p>
         </p:txBody>
       </p:sp>
@@ -2235,7 +2234,7 @@
           <a:p>
             <a:fld id="{78C97017-6FC3-485B-9764-EAC9E56C1D49}" type="datetimeFigureOut">
               <a:rPr lang="en-US" smtClean="0"/>
-              <a:t>10/16/2016</a:t>
+              <a:t>11/10/2018</a:t>
             </a:fld>
             <a:endParaRPr lang="en-US"/>
           </a:p>
@@ -2330,7 +2329,7 @@
           <a:p>
             <a:fld id="{78C97017-6FC3-485B-9764-EAC9E56C1D49}" type="datetimeFigureOut">
               <a:rPr lang="en-US" smtClean="0"/>
-              <a:t>10/16/2016</a:t>
+              <a:t>11/10/2018</a:t>
             </a:fld>
             <a:endParaRPr lang="en-US"/>
           </a:p>
@@ -2433,10 +2432,9 @@
           </a:lstStyle>
           <a:p>
             <a:r>
-              <a:rPr lang="en-US" smtClean="0"/>
+              <a:rPr lang="en-US"/>
               <a:t>Click to edit Master title style</a:t>
             </a:r>
-            <a:endParaRPr lang="en-US"/>
           </a:p>
         </p:txBody>
       </p:sp>
@@ -2490,38 +2488,37 @@
           <a:p>
             <a:pPr lvl="0"/>
             <a:r>
-              <a:rPr lang="en-US" smtClean="0"/>
+              <a:rPr lang="en-US"/>
               <a:t>Click to edit Master text styles</a:t>
             </a:r>
           </a:p>
           <a:p>
             <a:pPr lvl="1"/>
             <a:r>
-              <a:rPr lang="en-US" smtClean="0"/>
+              <a:rPr lang="en-US"/>
               <a:t>Second level</a:t>
             </a:r>
           </a:p>
           <a:p>
             <a:pPr lvl="2"/>
             <a:r>
-              <a:rPr lang="en-US" smtClean="0"/>
+              <a:rPr lang="en-US"/>
               <a:t>Third level</a:t>
             </a:r>
           </a:p>
           <a:p>
             <a:pPr lvl="3"/>
             <a:r>
-              <a:rPr lang="en-US" smtClean="0"/>
+              <a:rPr lang="en-US"/>
               <a:t>Fourth level</a:t>
             </a:r>
           </a:p>
           <a:p>
             <a:pPr lvl="4"/>
             <a:r>
-              <a:rPr lang="en-US" smtClean="0"/>
+              <a:rPr lang="en-US"/>
               <a:t>Fifth level</a:t>
             </a:r>
-            <a:endParaRPr lang="en-US"/>
           </a:p>
         </p:txBody>
       </p:sp>
@@ -2584,7 +2581,7 @@
           <a:p>
             <a:pPr lvl="0"/>
             <a:r>
-              <a:rPr lang="en-US" smtClean="0"/>
+              <a:rPr lang="en-US"/>
               <a:t>Click to edit Master text styles</a:t>
             </a:r>
           </a:p>
@@ -2607,7 +2604,7 @@
           <a:p>
             <a:fld id="{78C97017-6FC3-485B-9764-EAC9E56C1D49}" type="datetimeFigureOut">
               <a:rPr lang="en-US" smtClean="0"/>
-              <a:t>10/16/2016</a:t>
+              <a:t>11/10/2018</a:t>
             </a:fld>
             <a:endParaRPr lang="en-US"/>
           </a:p>
@@ -2710,10 +2707,9 @@
           </a:lstStyle>
           <a:p>
             <a:r>
-              <a:rPr lang="en-US" smtClean="0"/>
+              <a:rPr lang="en-US"/>
               <a:t>Click to edit Master title style</a:t>
             </a:r>
-            <a:endParaRPr lang="en-US"/>
           </a:p>
         </p:txBody>
       </p:sp>
@@ -2837,7 +2833,7 @@
           <a:p>
             <a:pPr lvl="0"/>
             <a:r>
-              <a:rPr lang="en-US" smtClean="0"/>
+              <a:rPr lang="en-US"/>
               <a:t>Click to edit Master text styles</a:t>
             </a:r>
           </a:p>
@@ -2860,7 +2856,7 @@
           <a:p>
             <a:fld id="{78C97017-6FC3-485B-9764-EAC9E56C1D49}" type="datetimeFigureOut">
               <a:rPr lang="en-US" smtClean="0"/>
-              <a:t>10/16/2016</a:t>
+              <a:t>11/10/2018</a:t>
             </a:fld>
             <a:endParaRPr lang="en-US"/>
           </a:p>
@@ -2969,10 +2965,9 @@
           <a:lstStyle/>
           <a:p>
             <a:r>
-              <a:rPr lang="en-US" smtClean="0"/>
+              <a:rPr lang="en-US"/>
               <a:t>Click to edit Master title style</a:t>
             </a:r>
-            <a:endParaRPr lang="en-US"/>
           </a:p>
         </p:txBody>
       </p:sp>
@@ -3003,38 +2998,37 @@
           <a:p>
             <a:pPr lvl="0"/>
             <a:r>
-              <a:rPr lang="en-US" smtClean="0"/>
+              <a:rPr lang="en-US"/>
               <a:t>Click to edit Master text styles</a:t>
             </a:r>
           </a:p>
           <a:p>
             <a:pPr lvl="1"/>
             <a:r>
-              <a:rPr lang="en-US" smtClean="0"/>
+              <a:rPr lang="en-US"/>
               <a:t>Second level</a:t>
             </a:r>
           </a:p>
           <a:p>
             <a:pPr lvl="2"/>
             <a:r>
-              <a:rPr lang="en-US" smtClean="0"/>
+              <a:rPr lang="en-US"/>
               <a:t>Third level</a:t>
             </a:r>
           </a:p>
           <a:p>
             <a:pPr lvl="3"/>
             <a:r>
-              <a:rPr lang="en-US" smtClean="0"/>
+              <a:rPr lang="en-US"/>
               <a:t>Fourth level</a:t>
             </a:r>
           </a:p>
           <a:p>
             <a:pPr lvl="4"/>
             <a:r>
-              <a:rPr lang="en-US" smtClean="0"/>
+              <a:rPr lang="en-US"/>
               <a:t>Fifth level</a:t>
             </a:r>
-            <a:endParaRPr lang="en-US"/>
           </a:p>
         </p:txBody>
       </p:sp>
@@ -3073,7 +3067,7 @@
           <a:p>
             <a:fld id="{78C97017-6FC3-485B-9764-EAC9E56C1D49}" type="datetimeFigureOut">
               <a:rPr lang="en-US" smtClean="0"/>
-              <a:t>10/16/2016</a:t>
+              <a:t>11/10/2018</a:t>
             </a:fld>
             <a:endParaRPr lang="en-US"/>
           </a:p>
@@ -3457,7 +3451,7 @@
         <p:spPr>
           <a:xfrm>
             <a:off x="1119865" y="2086382"/>
-            <a:ext cx="7871735" cy="1723618"/>
+            <a:ext cx="7871735" cy="2553238"/>
           </a:xfrm>
           <a:prstGeom prst="roundRect">
             <a:avLst>
@@ -3494,7 +3488,7 @@
           <a:lstStyle/>
           <a:p>
             <a:r>
-              <a:rPr lang="en-US" sz="1200" b="1" dirty="0" smtClean="0">
+              <a:rPr lang="en-US" sz="1200" b="1" dirty="0">
                 <a:solidFill>
                   <a:schemeClr val="accent6">
                     <a:lumMod val="75000"/>
@@ -3521,8 +3515,8 @@
         </p:nvSpPr>
         <p:spPr>
           <a:xfrm>
-            <a:off x="2877180" y="3158440"/>
-            <a:ext cx="1323049" cy="346760"/>
+            <a:off x="2814000" y="3165974"/>
+            <a:ext cx="1500228" cy="346760"/>
           </a:xfrm>
           <a:prstGeom prst="rect">
             <a:avLst/>
@@ -3561,7 +3555,7 @@
           <a:p>
             <a:pPr algn="ctr"/>
             <a:r>
-              <a:rPr lang="en-US" sz="1050" dirty="0" smtClean="0">
+              <a:rPr lang="en-US" sz="1050" dirty="0">
                 <a:solidFill>
                   <a:schemeClr val="bg1"/>
                 </a:solidFill>
@@ -3569,19 +3563,19 @@
               <a:t>&lt;&lt;interface&gt;&gt;</a:t>
             </a:r>
             <a:br>
-              <a:rPr lang="en-US" sz="1050" dirty="0" smtClean="0">
+              <a:rPr lang="en-US" sz="1050" dirty="0">
                 <a:solidFill>
                   <a:schemeClr val="bg1"/>
                 </a:solidFill>
               </a:rPr>
             </a:br>
             <a:r>
-              <a:rPr lang="en-US" sz="1050" dirty="0" err="1" smtClean="0">
+              <a:rPr lang="en-US" sz="1050" dirty="0" err="1">
                 <a:solidFill>
                   <a:schemeClr val="bg1"/>
                 </a:solidFill>
               </a:rPr>
-              <a:t>AddressBookStorage</a:t>
+              <a:t>FinancialPlannerStorage</a:t>
             </a:r>
             <a:endParaRPr lang="en-SG" sz="1050" dirty="0">
               <a:solidFill>
@@ -3639,7 +3633,7 @@
           <a:p>
             <a:pPr algn="ctr"/>
             <a:r>
-              <a:rPr lang="en-US" sz="1050" dirty="0" err="1" smtClean="0">
+              <a:rPr lang="en-US" sz="1050" dirty="0" err="1">
                 <a:solidFill>
                   <a:schemeClr val="bg1"/>
                 </a:solidFill>
@@ -3713,7 +3707,7 @@
           <a:p>
             <a:pPr algn="ctr"/>
             <a:r>
-              <a:rPr lang="en-US" sz="1050" dirty="0" smtClean="0">
+              <a:rPr lang="en-US" sz="1050" dirty="0">
                 <a:solidFill>
                   <a:schemeClr val="bg1"/>
                 </a:solidFill>
@@ -3787,6 +3781,7 @@
         <p:nvCxnSpPr>
           <p:cNvPr id="58" name="Straight Arrow Connector 57"/>
           <p:cNvCxnSpPr>
+            <a:cxnSpLocks/>
             <a:stCxn id="42" idx="3"/>
             <a:endCxn id="2" idx="1"/>
           </p:cNvCxnSpPr>
@@ -3795,7 +3790,7 @@
         <p:spPr>
           <a:xfrm>
             <a:off x="2656370" y="3326536"/>
-            <a:ext cx="220810" cy="5284"/>
+            <a:ext cx="157630" cy="12818"/>
           </a:xfrm>
           <a:prstGeom prst="straightConnector1">
             <a:avLst/>
@@ -3873,6 +3868,7 @@
         <p:nvCxnSpPr>
           <p:cNvPr id="21" name="Straight Connector 20"/>
           <p:cNvCxnSpPr>
+            <a:cxnSpLocks/>
             <a:stCxn id="120" idx="3"/>
           </p:cNvCxnSpPr>
           <p:nvPr/>
@@ -3967,6 +3963,7 @@
         <p:nvCxnSpPr>
           <p:cNvPr id="97" name="Elbow Connector 63"/>
           <p:cNvCxnSpPr>
+            <a:cxnSpLocks/>
             <a:stCxn id="99" idx="3"/>
             <a:endCxn id="50" idx="1"/>
           </p:cNvCxnSpPr>
@@ -3974,8 +3971,8 @@
         </p:nvCxnSpPr>
         <p:spPr>
           <a:xfrm flipV="1">
-            <a:off x="4398041" y="3331820"/>
-            <a:ext cx="223324" cy="1"/>
+            <a:off x="4504727" y="3331820"/>
+            <a:ext cx="116638" cy="1"/>
           </a:xfrm>
           <a:prstGeom prst="bentConnector3">
             <a:avLst>
@@ -4017,7 +4014,7 @@
         </p:nvSpPr>
         <p:spPr>
           <a:xfrm rot="5400000" flipV="1">
-            <a:off x="4175027" y="3244059"/>
+            <a:off x="4281713" y="3244059"/>
             <a:ext cx="270504" cy="175523"/>
           </a:xfrm>
           <a:prstGeom prst="triangle">
@@ -4068,15 +4065,16 @@
         <p:nvCxnSpPr>
           <p:cNvPr id="124" name="Elbow Connector 122"/>
           <p:cNvCxnSpPr>
+            <a:cxnSpLocks/>
             <a:stCxn id="50" idx="3"/>
             <a:endCxn id="66" idx="1"/>
           </p:cNvCxnSpPr>
           <p:nvPr/>
         </p:nvCxnSpPr>
         <p:spPr>
-          <a:xfrm>
-            <a:off x="5791200" y="3331820"/>
-            <a:ext cx="228600" cy="1970"/>
+          <a:xfrm flipV="1">
+            <a:off x="5944414" y="3326536"/>
+            <a:ext cx="301320" cy="5284"/>
           </a:xfrm>
           <a:prstGeom prst="bentConnector3">
             <a:avLst>
@@ -4119,7 +4117,7 @@
         <p:spPr>
           <a:xfrm>
             <a:off x="4621365" y="3158440"/>
-            <a:ext cx="1169835" cy="346760"/>
+            <a:ext cx="1323049" cy="346760"/>
           </a:xfrm>
           <a:prstGeom prst="rect">
             <a:avLst/>
@@ -4147,27 +4145,17 @@
           <a:p>
             <a:pPr algn="ctr"/>
             <a:r>
-              <a:rPr lang="en-US" sz="1050" b="1" dirty="0" err="1" smtClean="0">
+              <a:rPr lang="en-US" sz="1050" b="1" dirty="0" err="1">
                 <a:solidFill>
                   <a:schemeClr val="accent6">
                     <a:lumMod val="75000"/>
                   </a:schemeClr>
                 </a:solidFill>
               </a:rPr>
-              <a:t>XmlAddressBook</a:t>
-            </a:r>
-            <a:r>
-              <a:rPr lang="en-US" sz="1050" b="1" dirty="0" smtClean="0">
-                <a:solidFill>
-                  <a:schemeClr val="accent6">
-                    <a:lumMod val="75000"/>
-                  </a:schemeClr>
-                </a:solidFill>
-              </a:rPr>
-              <a:t/>
+              <a:t>XmlFinancialPlanner</a:t>
             </a:r>
             <a:br>
-              <a:rPr lang="en-US" sz="1050" b="1" dirty="0" smtClean="0">
+              <a:rPr lang="en-US" sz="1050" b="1" dirty="0">
                 <a:solidFill>
                   <a:schemeClr val="accent6">
                     <a:lumMod val="75000"/>
@@ -4176,7 +4164,7 @@
               </a:rPr>
             </a:br>
             <a:r>
-              <a:rPr lang="en-US" sz="1050" b="1" dirty="0" smtClean="0">
+              <a:rPr lang="en-US" sz="1050" b="1" dirty="0">
                 <a:solidFill>
                   <a:schemeClr val="accent6">
                     <a:lumMod val="75000"/>
@@ -4243,7 +4231,7 @@
           <a:p>
             <a:pPr algn="ctr"/>
             <a:r>
-              <a:rPr lang="en-US" sz="1050" dirty="0" smtClean="0">
+              <a:rPr lang="en-US" sz="1050" dirty="0">
                 <a:solidFill>
                   <a:schemeClr val="bg1"/>
                 </a:solidFill>
@@ -4251,14 +4239,14 @@
               <a:t>&lt;&lt;interface&gt;&gt;</a:t>
             </a:r>
             <a:br>
-              <a:rPr lang="en-US" sz="1050" dirty="0" smtClean="0">
+              <a:rPr lang="en-US" sz="1050" dirty="0">
                 <a:solidFill>
                   <a:schemeClr val="bg1"/>
                 </a:solidFill>
               </a:rPr>
             </a:br>
             <a:r>
-              <a:rPr lang="en-US" sz="1050" dirty="0" err="1" smtClean="0">
+              <a:rPr lang="en-US" sz="1050" dirty="0" err="1">
                 <a:solidFill>
                   <a:schemeClr val="bg1"/>
                 </a:solidFill>
@@ -4516,30 +4504,22 @@
           <a:p>
             <a:pPr algn="ctr"/>
             <a:r>
-              <a:rPr lang="en-US" sz="1050" dirty="0" err="1" smtClean="0">
+              <a:rPr lang="en-US" sz="1050" dirty="0" err="1">
                 <a:solidFill>
                   <a:schemeClr val="bg1"/>
                 </a:solidFill>
               </a:rPr>
               <a:t>JsonUserPrefs</a:t>
             </a:r>
-            <a:r>
-              <a:rPr lang="en-US" sz="1050" dirty="0" smtClean="0">
-                <a:solidFill>
-                  <a:schemeClr val="bg1"/>
-                </a:solidFill>
-              </a:rPr>
-              <a:t/>
-            </a:r>
             <a:br>
-              <a:rPr lang="en-US" sz="1050" dirty="0" smtClean="0">
+              <a:rPr lang="en-US" sz="1050" dirty="0">
                 <a:solidFill>
                   <a:schemeClr val="bg1"/>
                 </a:solidFill>
               </a:rPr>
             </a:br>
             <a:r>
-              <a:rPr lang="en-US" sz="1050" dirty="0" smtClean="0">
+              <a:rPr lang="en-US" sz="1050" dirty="0">
                 <a:solidFill>
                   <a:schemeClr val="bg1"/>
                 </a:solidFill>
@@ -4562,7 +4542,7 @@
         </p:nvSpPr>
         <p:spPr>
           <a:xfrm>
-            <a:off x="6019800" y="3160410"/>
+            <a:off x="6245734" y="3153156"/>
             <a:ext cx="1200707" cy="346760"/>
           </a:xfrm>
           <a:prstGeom prst="rect">
@@ -4591,7 +4571,7 @@
           <a:p>
             <a:pPr algn="ctr"/>
             <a:r>
-              <a:rPr lang="en-US" sz="1050" b="1" dirty="0" err="1" smtClean="0">
+              <a:rPr lang="en-US" sz="1050" b="1" dirty="0" err="1">
                 <a:solidFill>
                   <a:schemeClr val="accent6">
                     <a:lumMod val="75000"/>
@@ -4600,18 +4580,8 @@
               </a:rPr>
               <a:t>XmlSerializable</a:t>
             </a:r>
-            <a:r>
-              <a:rPr lang="en-US" sz="1050" b="1" dirty="0" smtClean="0">
-                <a:solidFill>
-                  <a:schemeClr val="accent6">
-                    <a:lumMod val="75000"/>
-                  </a:schemeClr>
-                </a:solidFill>
-              </a:rPr>
-              <a:t/>
-            </a:r>
             <a:br>
-              <a:rPr lang="en-US" sz="1050" b="1" dirty="0" smtClean="0">
+              <a:rPr lang="en-US" sz="1050" b="1" dirty="0">
                 <a:solidFill>
                   <a:schemeClr val="accent6">
                     <a:lumMod val="75000"/>
@@ -4620,14 +4590,14 @@
               </a:rPr>
             </a:br>
             <a:r>
-              <a:rPr lang="en-US" sz="1050" b="1" dirty="0" err="1" smtClean="0">
+              <a:rPr lang="en-US" sz="1050" b="1" dirty="0" err="1">
                 <a:solidFill>
                   <a:schemeClr val="accent6">
                     <a:lumMod val="75000"/>
                   </a:schemeClr>
                 </a:solidFill>
               </a:rPr>
-              <a:t>AddressBook</a:t>
+              <a:t>RecordList</a:t>
             </a:r>
             <a:endParaRPr lang="en-SG" sz="1050" b="1" dirty="0">
               <a:solidFill>
@@ -4717,7 +4687,7 @@
           <a:p>
             <a:pPr algn="ctr"/>
             <a:r>
-              <a:rPr lang="en-US" sz="1050" b="1" dirty="0" err="1" smtClean="0">
+              <a:rPr lang="en-US" sz="1050" b="1" dirty="0" err="1">
                 <a:solidFill>
                   <a:schemeClr val="accent6">
                     <a:lumMod val="75000"/>
@@ -4773,14 +4743,14 @@
           <a:p>
             <a:pPr algn="ctr"/>
             <a:r>
-              <a:rPr lang="en-US" sz="1050" b="1" dirty="0" err="1" smtClean="0">
+              <a:rPr lang="en-US" sz="1050" b="1" dirty="0" err="1">
                 <a:solidFill>
                   <a:schemeClr val="accent6">
                     <a:lumMod val="75000"/>
                   </a:schemeClr>
                 </a:solidFill>
               </a:rPr>
-              <a:t>XmlAdaptedPerson</a:t>
+              <a:t>XmlAdaptedRecord</a:t>
             </a:r>
             <a:endParaRPr lang="en-SG" sz="1050" b="1" dirty="0">
               <a:solidFill>
@@ -4802,9 +4772,9 @@
           <p:nvPr/>
         </p:nvCxnSpPr>
         <p:spPr>
-          <a:xfrm flipV="1">
-            <a:off x="7220507" y="3333004"/>
-            <a:ext cx="395231" cy="786"/>
+          <a:xfrm>
+            <a:off x="7446441" y="3326536"/>
+            <a:ext cx="169297" cy="6468"/>
           </a:xfrm>
           <a:prstGeom prst="bentConnector3">
             <a:avLst>
@@ -4833,6 +4803,252 @@
           </a:fontRef>
         </p:style>
       </p:cxnSp>
+      <p:cxnSp>
+        <p:nvCxnSpPr>
+          <p:cNvPr id="37" name="Elbow Connector 122">
+            <a:extLst>
+              <a:ext uri="{FF2B5EF4-FFF2-40B4-BE49-F238E27FC236}">
+                <a16:creationId xmlns:a16="http://schemas.microsoft.com/office/drawing/2014/main" id="{0873EAB3-745C-43FA-8B4D-48CBBA2982FD}"/>
+              </a:ext>
+            </a:extLst>
+          </p:cNvPr>
+          <p:cNvCxnSpPr>
+            <a:cxnSpLocks/>
+            <a:endCxn id="41" idx="1"/>
+          </p:cNvCxnSpPr>
+          <p:nvPr/>
+        </p:nvCxnSpPr>
+        <p:spPr>
+          <a:xfrm>
+            <a:off x="5206281" y="3505198"/>
+            <a:ext cx="813519" cy="409209"/>
+          </a:xfrm>
+          <a:prstGeom prst="bentConnector3">
+            <a:avLst>
+              <a:gd name="adj1" fmla="val 50000"/>
+            </a:avLst>
+          </a:prstGeom>
+          <a:ln w="19050">
+            <a:solidFill>
+              <a:schemeClr val="accent6">
+                <a:lumMod val="75000"/>
+              </a:schemeClr>
+            </a:solidFill>
+            <a:prstDash val="sysDot"/>
+            <a:headEnd type="none" w="med" len="med"/>
+            <a:tailEnd type="arrow" w="med" len="med"/>
+          </a:ln>
+          <a:effectLst/>
+        </p:spPr>
+        <p:style>
+          <a:lnRef idx="1">
+            <a:schemeClr val="accent2"/>
+          </a:lnRef>
+          <a:fillRef idx="2">
+            <a:schemeClr val="accent2"/>
+          </a:fillRef>
+          <a:effectRef idx="1">
+            <a:schemeClr val="accent2"/>
+          </a:effectRef>
+          <a:fontRef idx="minor">
+            <a:schemeClr val="dk1"/>
+          </a:fontRef>
+        </p:style>
+      </p:cxnSp>
+      <p:sp>
+        <p:nvSpPr>
+          <p:cNvPr id="41" name="Rectangle 8">
+            <a:extLst>
+              <a:ext uri="{FF2B5EF4-FFF2-40B4-BE49-F238E27FC236}">
+                <a16:creationId xmlns:a16="http://schemas.microsoft.com/office/drawing/2014/main" id="{5D27FAF3-DEE1-4CCA-B061-4211B410531A}"/>
+              </a:ext>
+            </a:extLst>
+          </p:cNvPr>
+          <p:cNvSpPr/>
+          <p:nvPr/>
+        </p:nvSpPr>
+        <p:spPr>
+          <a:xfrm>
+            <a:off x="6019800" y="3741027"/>
+            <a:ext cx="1200707" cy="346760"/>
+          </a:xfrm>
+          <a:prstGeom prst="rect">
+            <a:avLst/>
+          </a:prstGeom>
+          <a:ln w="19050"/>
+          <a:effectLst/>
+        </p:spPr>
+        <p:style>
+          <a:lnRef idx="1">
+            <a:schemeClr val="accent6"/>
+          </a:lnRef>
+          <a:fillRef idx="2">
+            <a:schemeClr val="accent6"/>
+          </a:fillRef>
+          <a:effectRef idx="1">
+            <a:schemeClr val="accent6"/>
+          </a:effectRef>
+          <a:fontRef idx="minor">
+            <a:schemeClr val="dk1"/>
+          </a:fontRef>
+        </p:style>
+        <p:txBody>
+          <a:bodyPr rtlCol="0" anchor="ctr"/>
+          <a:lstStyle/>
+          <a:p>
+            <a:pPr algn="ctr"/>
+            <a:r>
+              <a:rPr lang="en-US" sz="1050" b="1" dirty="0" err="1">
+                <a:solidFill>
+                  <a:schemeClr val="accent6">
+                    <a:lumMod val="75000"/>
+                  </a:schemeClr>
+                </a:solidFill>
+              </a:rPr>
+              <a:t>XmlSerializable</a:t>
+            </a:r>
+            <a:br>
+              <a:rPr lang="en-US" sz="1050" b="1" dirty="0">
+                <a:solidFill>
+                  <a:schemeClr val="accent6">
+                    <a:lumMod val="75000"/>
+                  </a:schemeClr>
+                </a:solidFill>
+              </a:rPr>
+            </a:br>
+            <a:r>
+              <a:rPr lang="en-US" sz="1050" b="1" dirty="0" err="1">
+                <a:solidFill>
+                  <a:schemeClr val="accent6">
+                    <a:lumMod val="75000"/>
+                  </a:schemeClr>
+                </a:solidFill>
+              </a:rPr>
+              <a:t>LimitList</a:t>
+            </a:r>
+            <a:endParaRPr lang="en-SG" sz="1050" b="1" dirty="0">
+              <a:solidFill>
+                <a:schemeClr val="accent6">
+                  <a:lumMod val="75000"/>
+                </a:schemeClr>
+              </a:solidFill>
+            </a:endParaRPr>
+          </a:p>
+        </p:txBody>
+      </p:sp>
+      <p:cxnSp>
+        <p:nvCxnSpPr>
+          <p:cNvPr id="55" name="Elbow Connector 122">
+            <a:extLst>
+              <a:ext uri="{FF2B5EF4-FFF2-40B4-BE49-F238E27FC236}">
+                <a16:creationId xmlns:a16="http://schemas.microsoft.com/office/drawing/2014/main" id="{E4F14143-248C-48D8-B37F-179684F7409D}"/>
+              </a:ext>
+            </a:extLst>
+          </p:cNvPr>
+          <p:cNvCxnSpPr>
+            <a:cxnSpLocks/>
+          </p:cNvCxnSpPr>
+          <p:nvPr/>
+        </p:nvCxnSpPr>
+        <p:spPr>
+          <a:xfrm flipV="1">
+            <a:off x="7232927" y="3909123"/>
+            <a:ext cx="301320" cy="5284"/>
+          </a:xfrm>
+          <a:prstGeom prst="bentConnector3">
+            <a:avLst>
+              <a:gd name="adj1" fmla="val 50000"/>
+            </a:avLst>
+          </a:prstGeom>
+          <a:ln w="19050">
+            <a:solidFill>
+              <a:schemeClr val="accent6">
+                <a:lumMod val="75000"/>
+              </a:schemeClr>
+            </a:solidFill>
+            <a:prstDash val="sysDot"/>
+            <a:headEnd type="none" w="med" len="med"/>
+            <a:tailEnd type="arrow" w="med" len="med"/>
+          </a:ln>
+          <a:effectLst/>
+        </p:spPr>
+        <p:style>
+          <a:lnRef idx="1">
+            <a:schemeClr val="accent2"/>
+          </a:lnRef>
+          <a:fillRef idx="2">
+            <a:schemeClr val="accent2"/>
+          </a:fillRef>
+          <a:effectRef idx="1">
+            <a:schemeClr val="accent2"/>
+          </a:effectRef>
+          <a:fontRef idx="minor">
+            <a:schemeClr val="dk1"/>
+          </a:fontRef>
+        </p:style>
+      </p:cxnSp>
+      <p:sp>
+        <p:nvSpPr>
+          <p:cNvPr id="57" name="Rectangle 8">
+            <a:extLst>
+              <a:ext uri="{FF2B5EF4-FFF2-40B4-BE49-F238E27FC236}">
+                <a16:creationId xmlns:a16="http://schemas.microsoft.com/office/drawing/2014/main" id="{090714D1-7355-444E-914C-A94E0D715210}"/>
+              </a:ext>
+            </a:extLst>
+          </p:cNvPr>
+          <p:cNvSpPr/>
+          <p:nvPr/>
+        </p:nvSpPr>
+        <p:spPr>
+          <a:xfrm>
+            <a:off x="7546667" y="3741027"/>
+            <a:ext cx="1259718" cy="346760"/>
+          </a:xfrm>
+          <a:prstGeom prst="rect">
+            <a:avLst/>
+          </a:prstGeom>
+          <a:ln w="19050"/>
+          <a:effectLst/>
+        </p:spPr>
+        <p:style>
+          <a:lnRef idx="1">
+            <a:schemeClr val="accent6"/>
+          </a:lnRef>
+          <a:fillRef idx="2">
+            <a:schemeClr val="accent6"/>
+          </a:fillRef>
+          <a:effectRef idx="1">
+            <a:schemeClr val="accent6"/>
+          </a:effectRef>
+          <a:fontRef idx="minor">
+            <a:schemeClr val="dk1"/>
+          </a:fontRef>
+        </p:style>
+        <p:txBody>
+          <a:bodyPr rtlCol="0" anchor="ctr"/>
+          <a:lstStyle/>
+          <a:p>
+            <a:pPr algn="ctr"/>
+            <a:r>
+              <a:rPr lang="en-US" sz="1050" b="1" dirty="0" err="1">
+                <a:solidFill>
+                  <a:schemeClr val="accent6">
+                    <a:lumMod val="75000"/>
+                  </a:schemeClr>
+                </a:solidFill>
+              </a:rPr>
+              <a:t>XmlAdaptedLimit</a:t>
+            </a:r>
+            <a:endParaRPr lang="en-SG" sz="1050" b="1" dirty="0">
+              <a:solidFill>
+                <a:schemeClr val="accent6">
+                  <a:lumMod val="75000"/>
+                </a:schemeClr>
+              </a:solidFill>
+            </a:endParaRPr>
+          </a:p>
+        </p:txBody>
+      </p:sp>
     </p:spTree>
     <p:extLst>
       <p:ext uri="{BB962C8B-B14F-4D97-AF65-F5344CB8AC3E}">
@@ -4843,13 +5059,6 @@
   <p:clrMapOvr>
     <a:masterClrMapping/>
   </p:clrMapOvr>
-  <p:timing>
-    <p:tnLst>
-      <p:par>
-        <p:cTn id="1" dur="indefinite" restart="never" nodeType="tmRoot"/>
-      </p:par>
-    </p:tnLst>
-  </p:timing>
 </p:sld>
 </file>
 

--- a/docs/diagrams/StorageComponentClassDiagram.pptx
+++ b/docs/diagrams/StorageComponentClassDiagram.pptx
@@ -208,7 +208,7 @@
           <a:p>
             <a:fld id="{F5CC4B3F-88C1-4FFA-B1B6-F41C21DC6924}" type="datetimeFigureOut">
               <a:rPr lang="en-US" smtClean="0"/>
-              <a:t>10/16/2018</a:t>
+              <a:t>11/12/2018</a:t>
             </a:fld>
             <a:endParaRPr lang="en-US"/>
           </a:p>
@@ -654,7 +654,7 @@
           <a:p>
             <a:fld id="{78C97017-6FC3-485B-9764-EAC9E56C1D49}" type="datetimeFigureOut">
               <a:rPr lang="en-US" smtClean="0"/>
-              <a:t>10/16/2018</a:t>
+              <a:t>11/12/2018</a:t>
             </a:fld>
             <a:endParaRPr lang="en-US"/>
           </a:p>
@@ -822,7 +822,7 @@
           <a:p>
             <a:fld id="{78C97017-6FC3-485B-9764-EAC9E56C1D49}" type="datetimeFigureOut">
               <a:rPr lang="en-US" smtClean="0"/>
-              <a:t>10/16/2018</a:t>
+              <a:t>11/12/2018</a:t>
             </a:fld>
             <a:endParaRPr lang="en-US"/>
           </a:p>
@@ -1000,7 +1000,7 @@
           <a:p>
             <a:fld id="{78C97017-6FC3-485B-9764-EAC9E56C1D49}" type="datetimeFigureOut">
               <a:rPr lang="en-US" smtClean="0"/>
-              <a:t>10/16/2018</a:t>
+              <a:t>11/12/2018</a:t>
             </a:fld>
             <a:endParaRPr lang="en-US"/>
           </a:p>
@@ -1168,7 +1168,7 @@
           <a:p>
             <a:fld id="{78C97017-6FC3-485B-9764-EAC9E56C1D49}" type="datetimeFigureOut">
               <a:rPr lang="en-US" smtClean="0"/>
-              <a:t>10/16/2018</a:t>
+              <a:t>11/12/2018</a:t>
             </a:fld>
             <a:endParaRPr lang="en-US"/>
           </a:p>
@@ -1413,7 +1413,7 @@
           <a:p>
             <a:fld id="{78C97017-6FC3-485B-9764-EAC9E56C1D49}" type="datetimeFigureOut">
               <a:rPr lang="en-US" smtClean="0"/>
-              <a:t>10/16/2018</a:t>
+              <a:t>11/12/2018</a:t>
             </a:fld>
             <a:endParaRPr lang="en-US"/>
           </a:p>
@@ -1698,7 +1698,7 @@
           <a:p>
             <a:fld id="{78C97017-6FC3-485B-9764-EAC9E56C1D49}" type="datetimeFigureOut">
               <a:rPr lang="en-US" smtClean="0"/>
-              <a:t>10/16/2018</a:t>
+              <a:t>11/12/2018</a:t>
             </a:fld>
             <a:endParaRPr lang="en-US"/>
           </a:p>
@@ -2117,7 +2117,7 @@
           <a:p>
             <a:fld id="{78C97017-6FC3-485B-9764-EAC9E56C1D49}" type="datetimeFigureOut">
               <a:rPr lang="en-US" smtClean="0"/>
-              <a:t>10/16/2018</a:t>
+              <a:t>11/12/2018</a:t>
             </a:fld>
             <a:endParaRPr lang="en-US"/>
           </a:p>
@@ -2234,7 +2234,7 @@
           <a:p>
             <a:fld id="{78C97017-6FC3-485B-9764-EAC9E56C1D49}" type="datetimeFigureOut">
               <a:rPr lang="en-US" smtClean="0"/>
-              <a:t>10/16/2018</a:t>
+              <a:t>11/12/2018</a:t>
             </a:fld>
             <a:endParaRPr lang="en-US"/>
           </a:p>
@@ -2329,7 +2329,7 @@
           <a:p>
             <a:fld id="{78C97017-6FC3-485B-9764-EAC9E56C1D49}" type="datetimeFigureOut">
               <a:rPr lang="en-US" smtClean="0"/>
-              <a:t>10/16/2018</a:t>
+              <a:t>11/12/2018</a:t>
             </a:fld>
             <a:endParaRPr lang="en-US"/>
           </a:p>
@@ -2604,7 +2604,7 @@
           <a:p>
             <a:fld id="{78C97017-6FC3-485B-9764-EAC9E56C1D49}" type="datetimeFigureOut">
               <a:rPr lang="en-US" smtClean="0"/>
-              <a:t>10/16/2018</a:t>
+              <a:t>11/12/2018</a:t>
             </a:fld>
             <a:endParaRPr lang="en-US"/>
           </a:p>
@@ -2856,7 +2856,7 @@
           <a:p>
             <a:fld id="{78C97017-6FC3-485B-9764-EAC9E56C1D49}" type="datetimeFigureOut">
               <a:rPr lang="en-US" smtClean="0"/>
-              <a:t>10/16/2018</a:t>
+              <a:t>11/12/2018</a:t>
             </a:fld>
             <a:endParaRPr lang="en-US"/>
           </a:p>
@@ -3067,7 +3067,7 @@
           <a:p>
             <a:fld id="{78C97017-6FC3-485B-9764-EAC9E56C1D49}" type="datetimeFigureOut">
               <a:rPr lang="en-US" smtClean="0"/>
-              <a:t>10/16/2018</a:t>
+              <a:t>11/12/2018</a:t>
             </a:fld>
             <a:endParaRPr lang="en-US"/>
           </a:p>
@@ -3442,1988 +3442,3469 @@
           <a:chExt cx="0" cy="0"/>
         </a:xfrm>
       </p:grpSpPr>
-      <p:sp>
-        <p:nvSpPr>
-          <p:cNvPr id="118" name="Rectangle 65"/>
-          <p:cNvSpPr/>
+      <p:grpSp>
+        <p:nvGrpSpPr>
+          <p:cNvPr id="15" name="Group 14">
+            <a:extLst>
+              <a:ext uri="{FF2B5EF4-FFF2-40B4-BE49-F238E27FC236}">
+                <a16:creationId xmlns:a16="http://schemas.microsoft.com/office/drawing/2014/main" id="{4A5CE3B0-4554-44AB-BC23-AB8E1F827745}"/>
+              </a:ext>
+            </a:extLst>
+          </p:cNvPr>
+          <p:cNvGrpSpPr/>
           <p:nvPr/>
-        </p:nvSpPr>
-        <p:spPr>
+        </p:nvGrpSpPr>
+        <p:grpSpPr>
           <a:xfrm>
-            <a:off x="1119865" y="2086382"/>
-            <a:ext cx="7871735" cy="2406558"/>
+            <a:off x="609600" y="2067539"/>
+            <a:ext cx="8915400" cy="3733800"/>
+            <a:chOff x="609600" y="2067539"/>
+            <a:chExt cx="8915400" cy="3733800"/>
           </a:xfrm>
-          <a:prstGeom prst="roundRect">
-            <a:avLst>
-              <a:gd name="adj" fmla="val 3484"/>
-            </a:avLst>
-          </a:prstGeom>
-          <a:solidFill>
-            <a:schemeClr val="accent6">
-              <a:lumMod val="20000"/>
-              <a:lumOff val="80000"/>
-            </a:schemeClr>
-          </a:solidFill>
-          <a:ln w="19050">
-            <a:noFill/>
-          </a:ln>
-          <a:effectLst/>
-        </p:spPr>
-        <p:style>
-          <a:lnRef idx="1">
-            <a:schemeClr val="accent2"/>
-          </a:lnRef>
-          <a:fillRef idx="2">
-            <a:schemeClr val="accent2"/>
-          </a:fillRef>
-          <a:effectRef idx="1">
-            <a:schemeClr val="accent2"/>
-          </a:effectRef>
-          <a:fontRef idx="minor">
-            <a:schemeClr val="dk1"/>
-          </a:fontRef>
-        </p:style>
-        <p:txBody>
-          <a:bodyPr rtlCol="0" anchor="t"/>
-          <a:lstStyle/>
-          <a:p>
-            <a:r>
-              <a:rPr lang="en-US" sz="1200" b="1" dirty="0">
+        </p:grpSpPr>
+        <p:sp>
+          <p:nvSpPr>
+            <p:cNvPr id="118" name="Rectangle 65"/>
+            <p:cNvSpPr/>
+            <p:nvPr/>
+          </p:nvSpPr>
+          <p:spPr>
+            <a:xfrm>
+              <a:off x="609600" y="2067539"/>
+              <a:ext cx="8915400" cy="3733800"/>
+            </a:xfrm>
+            <a:prstGeom prst="roundRect">
+              <a:avLst>
+                <a:gd name="adj" fmla="val 3484"/>
+              </a:avLst>
+            </a:prstGeom>
+            <a:solidFill>
+              <a:schemeClr val="accent6">
+                <a:lumMod val="20000"/>
+                <a:lumOff val="80000"/>
+              </a:schemeClr>
+            </a:solidFill>
+            <a:ln w="19050">
+              <a:noFill/>
+            </a:ln>
+            <a:effectLst/>
+          </p:spPr>
+          <p:style>
+            <a:lnRef idx="1">
+              <a:schemeClr val="accent2"/>
+            </a:lnRef>
+            <a:fillRef idx="2">
+              <a:schemeClr val="accent2"/>
+            </a:fillRef>
+            <a:effectRef idx="1">
+              <a:schemeClr val="accent2"/>
+            </a:effectRef>
+            <a:fontRef idx="minor">
+              <a:schemeClr val="dk1"/>
+            </a:fontRef>
+          </p:style>
+          <p:txBody>
+            <a:bodyPr rtlCol="0" anchor="t"/>
+            <a:lstStyle/>
+            <a:p>
+              <a:r>
+                <a:rPr lang="en-US" sz="1200" b="1" dirty="0">
+                  <a:solidFill>
+                    <a:schemeClr val="accent6">
+                      <a:lumMod val="75000"/>
+                    </a:schemeClr>
+                  </a:solidFill>
+                </a:rPr>
+                <a:t>Storage</a:t>
+              </a:r>
+              <a:endParaRPr lang="en-SG" sz="1200" b="1" dirty="0">
                 <a:solidFill>
                   <a:schemeClr val="accent6">
                     <a:lumMod val="75000"/>
                   </a:schemeClr>
                 </a:solidFill>
-              </a:rPr>
-              <a:t>Storage</a:t>
-            </a:r>
-            <a:endParaRPr lang="en-SG" sz="1200" b="1" dirty="0">
+              </a:endParaRPr>
+            </a:p>
+          </p:txBody>
+        </p:sp>
+        <p:sp>
+          <p:nvSpPr>
+            <p:cNvPr id="9" name="Rectangle 62"/>
+            <p:cNvSpPr/>
+            <p:nvPr/>
+          </p:nvSpPr>
+          <p:spPr>
+            <a:xfrm rot="16200000">
+              <a:off x="745263" y="3807385"/>
+              <a:ext cx="2987198" cy="362923"/>
+            </a:xfrm>
+            <a:prstGeom prst="rect">
+              <a:avLst/>
+            </a:prstGeom>
+            <a:solidFill>
+              <a:schemeClr val="accent6">
+                <a:lumMod val="75000"/>
+              </a:schemeClr>
+            </a:solidFill>
+            <a:ln w="19050">
               <a:solidFill>
                 <a:schemeClr val="accent6">
                   <a:lumMod val="75000"/>
                 </a:schemeClr>
               </a:solidFill>
-            </a:endParaRPr>
-          </a:p>
-        </p:txBody>
-      </p:sp>
-      <p:sp>
-        <p:nvSpPr>
-          <p:cNvPr id="2" name="Rectangle 8"/>
-          <p:cNvSpPr/>
-          <p:nvPr/>
-        </p:nvSpPr>
-        <p:spPr>
-          <a:xfrm>
-            <a:off x="2877180" y="3158440"/>
-            <a:ext cx="1323049" cy="346760"/>
-          </a:xfrm>
-          <a:prstGeom prst="rect">
-            <a:avLst/>
-          </a:prstGeom>
-          <a:solidFill>
-            <a:schemeClr val="accent6">
-              <a:lumMod val="75000"/>
-            </a:schemeClr>
-          </a:solidFill>
-          <a:ln w="19050">
+            </a:ln>
+            <a:effectLst/>
+          </p:spPr>
+          <p:style>
+            <a:lnRef idx="1">
+              <a:schemeClr val="accent2"/>
+            </a:lnRef>
+            <a:fillRef idx="2">
+              <a:schemeClr val="accent2"/>
+            </a:fillRef>
+            <a:effectRef idx="1">
+              <a:schemeClr val="accent2"/>
+            </a:effectRef>
+            <a:fontRef idx="minor">
+              <a:schemeClr val="dk1"/>
+            </a:fontRef>
+          </p:style>
+          <p:txBody>
+            <a:bodyPr rtlCol="0" anchor="ctr"/>
+            <a:lstStyle/>
+            <a:p>
+              <a:pPr algn="ctr"/>
+              <a:r>
+                <a:rPr lang="en-US" sz="1050" dirty="0" err="1">
+                  <a:solidFill>
+                    <a:schemeClr val="bg1"/>
+                  </a:solidFill>
+                </a:rPr>
+                <a:t>StorageManager</a:t>
+              </a:r>
+              <a:endParaRPr lang="en-SG" sz="1050" dirty="0">
+                <a:solidFill>
+                  <a:schemeClr val="bg1"/>
+                </a:solidFill>
+              </a:endParaRPr>
+            </a:p>
+          </p:txBody>
+        </p:sp>
+        <p:sp>
+          <p:nvSpPr>
+            <p:cNvPr id="119" name="Rectangle 62"/>
+            <p:cNvSpPr/>
+            <p:nvPr/>
+          </p:nvSpPr>
+          <p:spPr>
+            <a:xfrm rot="16200000">
+              <a:off x="7836" y="3809568"/>
+              <a:ext cx="2987205" cy="343598"/>
+            </a:xfrm>
+            <a:prstGeom prst="rect">
+              <a:avLst/>
+            </a:prstGeom>
             <a:solidFill>
               <a:schemeClr val="accent6">
                 <a:lumMod val="75000"/>
               </a:schemeClr>
             </a:solidFill>
-          </a:ln>
-          <a:effectLst/>
-        </p:spPr>
-        <p:style>
-          <a:lnRef idx="1">
-            <a:schemeClr val="accent2"/>
-          </a:lnRef>
-          <a:fillRef idx="2">
-            <a:schemeClr val="accent2"/>
-          </a:fillRef>
-          <a:effectRef idx="1">
-            <a:schemeClr val="accent2"/>
-          </a:effectRef>
-          <a:fontRef idx="minor">
-            <a:schemeClr val="dk1"/>
-          </a:fontRef>
-        </p:style>
-        <p:txBody>
-          <a:bodyPr rtlCol="0" anchor="ctr"/>
-          <a:lstStyle/>
-          <a:p>
-            <a:pPr algn="ctr"/>
-            <a:r>
-              <a:rPr lang="en-US" sz="1050" dirty="0">
+            <a:ln w="19050">
+              <a:solidFill>
+                <a:schemeClr val="accent6">
+                  <a:lumMod val="75000"/>
+                </a:schemeClr>
+              </a:solidFill>
+            </a:ln>
+            <a:effectLst/>
+          </p:spPr>
+          <p:style>
+            <a:lnRef idx="1">
+              <a:schemeClr val="accent2"/>
+            </a:lnRef>
+            <a:fillRef idx="2">
+              <a:schemeClr val="accent2"/>
+            </a:fillRef>
+            <a:effectRef idx="1">
+              <a:schemeClr val="accent2"/>
+            </a:effectRef>
+            <a:fontRef idx="minor">
+              <a:schemeClr val="dk1"/>
+            </a:fontRef>
+          </p:style>
+          <p:txBody>
+            <a:bodyPr rtlCol="0" anchor="ctr"/>
+            <a:lstStyle/>
+            <a:p>
+              <a:pPr algn="ctr"/>
+              <a:r>
+                <a:rPr lang="en-US" sz="1050" dirty="0">
+                  <a:solidFill>
+                    <a:schemeClr val="bg1"/>
+                  </a:solidFill>
+                </a:rPr>
+                <a:t>&lt;&lt;interface&gt;&gt;</a:t>
+              </a:r>
+            </a:p>
+            <a:p>
+              <a:pPr algn="ctr"/>
+              <a:r>
+                <a:rPr lang="en-US" sz="1050" dirty="0">
+                  <a:solidFill>
+                    <a:schemeClr val="bg1"/>
+                  </a:solidFill>
+                </a:rPr>
+                <a:t>Storage</a:t>
+              </a:r>
+              <a:endParaRPr lang="en-SG" sz="1050" dirty="0">
                 <a:solidFill>
                   <a:schemeClr val="bg1"/>
                 </a:solidFill>
-              </a:rPr>
-              <a:t>&lt;&lt;interface&gt;&gt;</a:t>
-            </a:r>
-            <a:br>
-              <a:rPr lang="en-US" sz="1050" dirty="0">
-                <a:solidFill>
-                  <a:schemeClr val="bg1"/>
-                </a:solidFill>
-              </a:rPr>
-            </a:br>
-            <a:r>
-              <a:rPr lang="en-US" sz="1050" dirty="0" err="1">
-                <a:solidFill>
-                  <a:schemeClr val="bg1"/>
-                </a:solidFill>
-              </a:rPr>
-              <a:t>AddressBookStorage</a:t>
-            </a:r>
-            <a:endParaRPr lang="en-SG" sz="1050" dirty="0">
-              <a:solidFill>
-                <a:schemeClr val="bg1"/>
-              </a:solidFill>
-            </a:endParaRPr>
-          </a:p>
-        </p:txBody>
-      </p:sp>
-      <p:sp>
-        <p:nvSpPr>
-          <p:cNvPr id="9" name="Rectangle 62"/>
-          <p:cNvSpPr/>
-          <p:nvPr/>
-        </p:nvSpPr>
-        <p:spPr>
-          <a:xfrm rot="16200000">
-            <a:off x="1382906" y="3169744"/>
-            <a:ext cx="1695750" cy="346760"/>
-          </a:xfrm>
-          <a:prstGeom prst="rect">
-            <a:avLst/>
-          </a:prstGeom>
-          <a:solidFill>
-            <a:schemeClr val="accent6">
-              <a:lumMod val="75000"/>
-            </a:schemeClr>
-          </a:solidFill>
-          <a:ln w="19050">
+              </a:endParaRPr>
+            </a:p>
+          </p:txBody>
+        </p:sp>
+        <p:sp>
+          <p:nvSpPr>
+            <p:cNvPr id="120" name="Isosceles Triangle 102"/>
+            <p:cNvSpPr/>
+            <p:nvPr/>
+          </p:nvSpPr>
+          <p:spPr>
+            <a:xfrm rot="16200000">
+              <a:off x="1608312" y="3289138"/>
+              <a:ext cx="270504" cy="175523"/>
+            </a:xfrm>
+            <a:prstGeom prst="triangle">
+              <a:avLst/>
+            </a:prstGeom>
             <a:solidFill>
               <a:schemeClr val="accent6">
                 <a:lumMod val="75000"/>
               </a:schemeClr>
             </a:solidFill>
-          </a:ln>
-          <a:effectLst/>
-        </p:spPr>
-        <p:style>
-          <a:lnRef idx="1">
-            <a:schemeClr val="accent2"/>
-          </a:lnRef>
-          <a:fillRef idx="2">
-            <a:schemeClr val="accent2"/>
-          </a:fillRef>
-          <a:effectRef idx="1">
-            <a:schemeClr val="accent2"/>
-          </a:effectRef>
-          <a:fontRef idx="minor">
-            <a:schemeClr val="dk1"/>
-          </a:fontRef>
-        </p:style>
-        <p:txBody>
-          <a:bodyPr rtlCol="0" anchor="ctr"/>
-          <a:lstStyle/>
-          <a:p>
-            <a:pPr algn="ctr"/>
-            <a:r>
-              <a:rPr lang="en-US" sz="1050" dirty="0" err="1">
+            <a:ln w="19050">
+              <a:solidFill>
+                <a:schemeClr val="accent6">
+                  <a:lumMod val="75000"/>
+                </a:schemeClr>
+              </a:solidFill>
+            </a:ln>
+            <a:effectLst/>
+          </p:spPr>
+          <p:style>
+            <a:lnRef idx="1">
+              <a:schemeClr val="accent2"/>
+            </a:lnRef>
+            <a:fillRef idx="2">
+              <a:schemeClr val="accent2"/>
+            </a:fillRef>
+            <a:effectRef idx="1">
+              <a:schemeClr val="accent2"/>
+            </a:effectRef>
+            <a:fontRef idx="minor">
+              <a:schemeClr val="dk1"/>
+            </a:fontRef>
+          </p:style>
+          <p:txBody>
+            <a:bodyPr rtlCol="0" anchor="ctr"/>
+            <a:lstStyle/>
+            <a:p>
+              <a:pPr algn="ctr"/>
+              <a:endParaRPr lang="en-SG" sz="1050">
                 <a:solidFill>
                   <a:schemeClr val="bg1"/>
                 </a:solidFill>
-              </a:rPr>
-              <a:t>StorageManager</a:t>
-            </a:r>
-            <a:endParaRPr lang="en-SG" sz="1050" dirty="0">
+              </a:endParaRPr>
+            </a:p>
+          </p:txBody>
+        </p:sp>
+        <p:cxnSp>
+          <p:nvCxnSpPr>
+            <p:cNvPr id="75" name="Elbow Connector 122"/>
+            <p:cNvCxnSpPr/>
+            <p:nvPr/>
+          </p:nvCxnSpPr>
+          <p:spPr>
+            <a:xfrm>
+              <a:off x="902275" y="3376899"/>
+              <a:ext cx="419548" cy="2860"/>
+            </a:xfrm>
+            <a:prstGeom prst="bentConnector3">
+              <a:avLst>
+                <a:gd name="adj1" fmla="val 50000"/>
+              </a:avLst>
+            </a:prstGeom>
+            <a:ln w="19050">
               <a:solidFill>
-                <a:schemeClr val="bg1"/>
+                <a:schemeClr val="bg1">
+                  <a:lumMod val="75000"/>
+                </a:schemeClr>
               </a:solidFill>
-            </a:endParaRPr>
-          </a:p>
-        </p:txBody>
-      </p:sp>
-      <p:sp>
-        <p:nvSpPr>
-          <p:cNvPr id="119" name="Rectangle 62"/>
-          <p:cNvSpPr/>
-          <p:nvPr/>
-        </p:nvSpPr>
-        <p:spPr>
-          <a:xfrm rot="16200000">
-            <a:off x="651402" y="3166002"/>
-            <a:ext cx="1703235" cy="346760"/>
-          </a:xfrm>
-          <a:prstGeom prst="rect">
-            <a:avLst/>
-          </a:prstGeom>
-          <a:solidFill>
-            <a:schemeClr val="accent6">
-              <a:lumMod val="75000"/>
-            </a:schemeClr>
-          </a:solidFill>
-          <a:ln w="19050">
+              <a:prstDash val="sysDot"/>
+              <a:headEnd type="none" w="med" len="med"/>
+              <a:tailEnd type="arrow" w="med" len="med"/>
+            </a:ln>
+            <a:effectLst/>
+          </p:spPr>
+          <p:style>
+            <a:lnRef idx="1">
+              <a:schemeClr val="accent2"/>
+            </a:lnRef>
+            <a:fillRef idx="2">
+              <a:schemeClr val="accent2"/>
+            </a:fillRef>
+            <a:effectRef idx="1">
+              <a:schemeClr val="accent2"/>
+            </a:effectRef>
+            <a:fontRef idx="minor">
+              <a:schemeClr val="dk1"/>
+            </a:fontRef>
+          </p:style>
+        </p:cxnSp>
+        <p:cxnSp>
+          <p:nvCxnSpPr>
+            <p:cNvPr id="21" name="Straight Connector 20"/>
+            <p:cNvCxnSpPr>
+              <a:stCxn id="120" idx="3"/>
+            </p:cNvCxnSpPr>
+            <p:nvPr/>
+          </p:nvCxnSpPr>
+          <p:spPr>
+            <a:xfrm flipV="1">
+              <a:off x="1831326" y="3376899"/>
+              <a:ext cx="216105" cy="1"/>
+            </a:xfrm>
+            <a:prstGeom prst="line">
+              <a:avLst/>
+            </a:prstGeom>
+            <a:ln w="19050">
+              <a:solidFill>
+                <a:schemeClr val="accent6">
+                  <a:lumMod val="75000"/>
+                </a:schemeClr>
+              </a:solidFill>
+              <a:prstDash val="sysDot"/>
+              <a:headEnd type="none" w="med" len="med"/>
+              <a:tailEnd type="none" w="med" len="med"/>
+            </a:ln>
+            <a:effectLst/>
+          </p:spPr>
+          <p:style>
+            <a:lnRef idx="1">
+              <a:schemeClr val="accent2"/>
+            </a:lnRef>
+            <a:fillRef idx="2">
+              <a:schemeClr val="accent2"/>
+            </a:fillRef>
+            <a:effectRef idx="1">
+              <a:schemeClr val="accent2"/>
+            </a:effectRef>
+            <a:fontRef idx="minor">
+              <a:schemeClr val="dk1"/>
+            </a:fontRef>
+          </p:style>
+        </p:cxnSp>
+        <p:sp>
+          <p:nvSpPr>
+            <p:cNvPr id="52" name="Rectangle 8"/>
+            <p:cNvSpPr/>
+            <p:nvPr/>
+          </p:nvSpPr>
+          <p:spPr>
+            <a:xfrm>
+              <a:off x="2873943" y="2558040"/>
+              <a:ext cx="1323049" cy="346760"/>
+            </a:xfrm>
+            <a:prstGeom prst="rect">
+              <a:avLst/>
+            </a:prstGeom>
             <a:solidFill>
               <a:schemeClr val="accent6">
                 <a:lumMod val="75000"/>
               </a:schemeClr>
             </a:solidFill>
-          </a:ln>
-          <a:effectLst/>
-        </p:spPr>
-        <p:style>
-          <a:lnRef idx="1">
-            <a:schemeClr val="accent2"/>
-          </a:lnRef>
-          <a:fillRef idx="2">
-            <a:schemeClr val="accent2"/>
-          </a:fillRef>
-          <a:effectRef idx="1">
-            <a:schemeClr val="accent2"/>
-          </a:effectRef>
-          <a:fontRef idx="minor">
-            <a:schemeClr val="dk1"/>
-          </a:fontRef>
-        </p:style>
-        <p:txBody>
-          <a:bodyPr rtlCol="0" anchor="ctr"/>
-          <a:lstStyle/>
-          <a:p>
-            <a:pPr algn="ctr"/>
-            <a:r>
-              <a:rPr lang="en-US" sz="1050" dirty="0">
+            <a:ln w="19050">
+              <a:solidFill>
+                <a:schemeClr val="accent6">
+                  <a:lumMod val="75000"/>
+                </a:schemeClr>
+              </a:solidFill>
+            </a:ln>
+            <a:effectLst/>
+          </p:spPr>
+          <p:style>
+            <a:lnRef idx="1">
+              <a:schemeClr val="accent2"/>
+            </a:lnRef>
+            <a:fillRef idx="2">
+              <a:schemeClr val="accent2"/>
+            </a:fillRef>
+            <a:effectRef idx="1">
+              <a:schemeClr val="accent2"/>
+            </a:effectRef>
+            <a:fontRef idx="minor">
+              <a:schemeClr val="dk1"/>
+            </a:fontRef>
+          </p:style>
+          <p:txBody>
+            <a:bodyPr rtlCol="0" anchor="ctr"/>
+            <a:lstStyle/>
+            <a:p>
+              <a:pPr algn="ctr"/>
+              <a:r>
+                <a:rPr lang="en-US" sz="1050" dirty="0">
+                  <a:solidFill>
+                    <a:schemeClr val="bg1"/>
+                  </a:solidFill>
+                </a:rPr>
+                <a:t>&lt;&lt;interface&gt;&gt;</a:t>
+              </a:r>
+              <a:br>
+                <a:rPr lang="en-US" sz="1050" dirty="0">
+                  <a:solidFill>
+                    <a:schemeClr val="bg1"/>
+                  </a:solidFill>
+                </a:rPr>
+              </a:br>
+              <a:r>
+                <a:rPr lang="en-US" sz="1050" dirty="0" err="1">
+                  <a:solidFill>
+                    <a:schemeClr val="bg1"/>
+                  </a:solidFill>
+                </a:rPr>
+                <a:t>UserPrefsStorage</a:t>
+              </a:r>
+              <a:endParaRPr lang="en-SG" sz="1050" dirty="0">
                 <a:solidFill>
                   <a:schemeClr val="bg1"/>
                 </a:solidFill>
-              </a:rPr>
-              <a:t>&lt;&lt;interface&gt;&gt;</a:t>
-            </a:r>
-          </a:p>
-          <a:p>
-            <a:pPr algn="ctr"/>
-            <a:r>
-              <a:rPr lang="en-US" sz="1050" dirty="0">
+              </a:endParaRPr>
+            </a:p>
+          </p:txBody>
+        </p:sp>
+        <p:cxnSp>
+          <p:nvCxnSpPr>
+            <p:cNvPr id="54" name="Straight Arrow Connector 53"/>
+            <p:cNvCxnSpPr>
+              <a:stCxn id="56" idx="3"/>
+              <a:endCxn id="52" idx="1"/>
+            </p:cNvCxnSpPr>
+            <p:nvPr/>
+          </p:nvCxnSpPr>
+          <p:spPr>
+            <a:xfrm>
+              <a:off x="2653133" y="2726136"/>
+              <a:ext cx="220810" cy="5284"/>
+            </a:xfrm>
+            <a:prstGeom prst="straightConnector1">
+              <a:avLst/>
+            </a:prstGeom>
+            <a:ln w="19050">
+              <a:solidFill>
+                <a:schemeClr val="accent6">
+                  <a:lumMod val="75000"/>
+                </a:schemeClr>
+              </a:solidFill>
+              <a:headEnd type="none" w="med" len="med"/>
+              <a:tailEnd type="arrow" w="med" len="med"/>
+            </a:ln>
+            <a:effectLst/>
+          </p:spPr>
+          <p:style>
+            <a:lnRef idx="1">
+              <a:schemeClr val="accent2"/>
+            </a:lnRef>
+            <a:fillRef idx="2">
+              <a:schemeClr val="accent2"/>
+            </a:fillRef>
+            <a:effectRef idx="1">
+              <a:schemeClr val="accent2"/>
+            </a:effectRef>
+            <a:fontRef idx="minor">
+              <a:schemeClr val="dk1"/>
+            </a:fontRef>
+          </p:style>
+        </p:cxnSp>
+        <p:sp>
+          <p:nvSpPr>
+            <p:cNvPr id="56" name="Flowchart: Decision 96"/>
+            <p:cNvSpPr/>
+            <p:nvPr/>
+          </p:nvSpPr>
+          <p:spPr>
+            <a:xfrm>
+              <a:off x="2417085" y="2639446"/>
+              <a:ext cx="236048" cy="173380"/>
+            </a:xfrm>
+            <a:prstGeom prst="flowChartDecision">
+              <a:avLst/>
+            </a:prstGeom>
+            <a:noFill/>
+            <a:ln w="19050">
+              <a:solidFill>
+                <a:schemeClr val="accent6">
+                  <a:lumMod val="75000"/>
+                </a:schemeClr>
+              </a:solidFill>
+            </a:ln>
+            <a:effectLst/>
+          </p:spPr>
+          <p:style>
+            <a:lnRef idx="1">
+              <a:schemeClr val="accent2"/>
+            </a:lnRef>
+            <a:fillRef idx="2">
+              <a:schemeClr val="accent2"/>
+            </a:fillRef>
+            <a:effectRef idx="1">
+              <a:schemeClr val="accent2"/>
+            </a:effectRef>
+            <a:fontRef idx="minor">
+              <a:schemeClr val="dk1"/>
+            </a:fontRef>
+          </p:style>
+          <p:txBody>
+            <a:bodyPr rtlCol="0" anchor="ctr"/>
+            <a:lstStyle/>
+            <a:p>
+              <a:pPr algn="ctr"/>
+              <a:endParaRPr lang="en-US" sz="1050">
                 <a:solidFill>
                   <a:schemeClr val="bg1"/>
                 </a:solidFill>
-              </a:rPr>
-              <a:t>Storage</a:t>
-            </a:r>
-            <a:endParaRPr lang="en-SG" sz="1050" dirty="0">
+              </a:endParaRPr>
+            </a:p>
+          </p:txBody>
+        </p:sp>
+        <p:cxnSp>
+          <p:nvCxnSpPr>
+            <p:cNvPr id="60" name="Elbow Connector 63"/>
+            <p:cNvCxnSpPr>
+              <a:stCxn id="61" idx="3"/>
+              <a:endCxn id="65" idx="1"/>
+            </p:cNvCxnSpPr>
+            <p:nvPr/>
+          </p:nvCxnSpPr>
+          <p:spPr>
+            <a:xfrm flipV="1">
+              <a:off x="4394804" y="2731420"/>
+              <a:ext cx="223324" cy="1"/>
+            </a:xfrm>
+            <a:prstGeom prst="bentConnector3">
+              <a:avLst>
+                <a:gd name="adj1" fmla="val 50000"/>
+              </a:avLst>
+            </a:prstGeom>
+            <a:ln w="19050">
               <a:solidFill>
-                <a:schemeClr val="bg1"/>
+                <a:schemeClr val="accent6">
+                  <a:lumMod val="75000"/>
+                </a:schemeClr>
               </a:solidFill>
-            </a:endParaRPr>
-          </a:p>
-        </p:txBody>
-      </p:sp>
-      <p:sp>
-        <p:nvSpPr>
-          <p:cNvPr id="120" name="Isosceles Triangle 102"/>
-          <p:cNvSpPr/>
-          <p:nvPr/>
-        </p:nvSpPr>
-        <p:spPr>
-          <a:xfrm rot="16200000">
-            <a:off x="1608312" y="3289138"/>
-            <a:ext cx="270504" cy="175523"/>
-          </a:xfrm>
-          <a:prstGeom prst="triangle">
-            <a:avLst/>
-          </a:prstGeom>
-          <a:solidFill>
-            <a:schemeClr val="accent6">
-              <a:lumMod val="75000"/>
-            </a:schemeClr>
-          </a:solidFill>
-          <a:ln w="19050">
+              <a:prstDash val="sysDot"/>
+              <a:headEnd type="none" w="med" len="med"/>
+              <a:tailEnd type="none" w="med" len="med"/>
+            </a:ln>
+            <a:effectLst/>
+          </p:spPr>
+          <p:style>
+            <a:lnRef idx="1">
+              <a:schemeClr val="accent2"/>
+            </a:lnRef>
+            <a:fillRef idx="2">
+              <a:schemeClr val="accent2"/>
+            </a:fillRef>
+            <a:effectRef idx="1">
+              <a:schemeClr val="accent2"/>
+            </a:effectRef>
+            <a:fontRef idx="minor">
+              <a:schemeClr val="dk1"/>
+            </a:fontRef>
+          </p:style>
+        </p:cxnSp>
+        <p:sp>
+          <p:nvSpPr>
+            <p:cNvPr id="61" name="Isosceles Triangle 102"/>
+            <p:cNvSpPr/>
+            <p:nvPr/>
+          </p:nvSpPr>
+          <p:spPr>
+            <a:xfrm rot="5400000" flipV="1">
+              <a:off x="4171790" y="2643659"/>
+              <a:ext cx="270504" cy="175523"/>
+            </a:xfrm>
+            <a:prstGeom prst="triangle">
+              <a:avLst/>
+            </a:prstGeom>
             <a:solidFill>
               <a:schemeClr val="accent6">
                 <a:lumMod val="75000"/>
               </a:schemeClr>
             </a:solidFill>
-          </a:ln>
-          <a:effectLst/>
-        </p:spPr>
-        <p:style>
-          <a:lnRef idx="1">
-            <a:schemeClr val="accent2"/>
-          </a:lnRef>
-          <a:fillRef idx="2">
-            <a:schemeClr val="accent2"/>
-          </a:fillRef>
-          <a:effectRef idx="1">
-            <a:schemeClr val="accent2"/>
-          </a:effectRef>
-          <a:fontRef idx="minor">
-            <a:schemeClr val="dk1"/>
-          </a:fontRef>
-        </p:style>
-        <p:txBody>
-          <a:bodyPr rtlCol="0" anchor="ctr"/>
-          <a:lstStyle/>
-          <a:p>
-            <a:pPr algn="ctr"/>
-            <a:endParaRPr lang="en-SG" sz="1050">
+            <a:ln w="19050">
               <a:solidFill>
-                <a:schemeClr val="bg1"/>
+                <a:schemeClr val="accent6">
+                  <a:lumMod val="75000"/>
+                </a:schemeClr>
               </a:solidFill>
-            </a:endParaRPr>
-          </a:p>
-        </p:txBody>
-      </p:sp>
-      <p:cxnSp>
-        <p:nvCxnSpPr>
-          <p:cNvPr id="58" name="Straight Arrow Connector 57"/>
-          <p:cNvCxnSpPr>
-            <a:stCxn id="42" idx="3"/>
-            <a:endCxn id="2" idx="1"/>
-          </p:cNvCxnSpPr>
-          <p:nvPr/>
-        </p:nvCxnSpPr>
-        <p:spPr>
-          <a:xfrm>
-            <a:off x="2656370" y="3326536"/>
-            <a:ext cx="220810" cy="5284"/>
-          </a:xfrm>
-          <a:prstGeom prst="straightConnector1">
-            <a:avLst/>
-          </a:prstGeom>
-          <a:ln w="19050">
+            </a:ln>
+            <a:effectLst/>
+          </p:spPr>
+          <p:style>
+            <a:lnRef idx="1">
+              <a:schemeClr val="accent2"/>
+            </a:lnRef>
+            <a:fillRef idx="2">
+              <a:schemeClr val="accent2"/>
+            </a:fillRef>
+            <a:effectRef idx="1">
+              <a:schemeClr val="accent2"/>
+            </a:effectRef>
+            <a:fontRef idx="minor">
+              <a:schemeClr val="dk1"/>
+            </a:fontRef>
+          </p:style>
+          <p:txBody>
+            <a:bodyPr rtlCol="0" anchor="ctr"/>
+            <a:lstStyle/>
+            <a:p>
+              <a:pPr algn="ctr"/>
+              <a:endParaRPr lang="en-SG" sz="1050">
+                <a:solidFill>
+                  <a:schemeClr val="bg1"/>
+                </a:solidFill>
+              </a:endParaRPr>
+            </a:p>
+          </p:txBody>
+        </p:sp>
+        <p:sp>
+          <p:nvSpPr>
+            <p:cNvPr id="65" name="Rectangle 8"/>
+            <p:cNvSpPr/>
+            <p:nvPr/>
+          </p:nvSpPr>
+          <p:spPr>
+            <a:xfrm>
+              <a:off x="4618128" y="2558040"/>
+              <a:ext cx="1093635" cy="346760"/>
+            </a:xfrm>
+            <a:prstGeom prst="rect">
+              <a:avLst/>
+            </a:prstGeom>
             <a:solidFill>
               <a:schemeClr val="accent6">
                 <a:lumMod val="75000"/>
               </a:schemeClr>
             </a:solidFill>
-            <a:headEnd type="none" w="med" len="med"/>
-            <a:tailEnd type="arrow" w="med" len="med"/>
-          </a:ln>
-          <a:effectLst/>
-        </p:spPr>
-        <p:style>
-          <a:lnRef idx="1">
-            <a:schemeClr val="accent2"/>
-          </a:lnRef>
-          <a:fillRef idx="2">
-            <a:schemeClr val="accent2"/>
-          </a:fillRef>
-          <a:effectRef idx="1">
-            <a:schemeClr val="accent2"/>
-          </a:effectRef>
-          <a:fontRef idx="minor">
-            <a:schemeClr val="dk1"/>
-          </a:fontRef>
-        </p:style>
-      </p:cxnSp>
-      <p:cxnSp>
-        <p:nvCxnSpPr>
-          <p:cNvPr id="75" name="Elbow Connector 122"/>
-          <p:cNvCxnSpPr/>
-          <p:nvPr/>
-        </p:nvCxnSpPr>
-        <p:spPr>
-          <a:xfrm>
-            <a:off x="902275" y="3376899"/>
-            <a:ext cx="419548" cy="2860"/>
-          </a:xfrm>
-          <a:prstGeom prst="bentConnector3">
-            <a:avLst>
-              <a:gd name="adj1" fmla="val 50000"/>
-            </a:avLst>
-          </a:prstGeom>
-          <a:ln w="19050">
-            <a:solidFill>
-              <a:schemeClr val="bg1">
-                <a:lumMod val="75000"/>
-              </a:schemeClr>
-            </a:solidFill>
-            <a:prstDash val="sysDot"/>
-            <a:headEnd type="none" w="med" len="med"/>
-            <a:tailEnd type="arrow" w="med" len="med"/>
-          </a:ln>
-          <a:effectLst/>
-        </p:spPr>
-        <p:style>
-          <a:lnRef idx="1">
-            <a:schemeClr val="accent2"/>
-          </a:lnRef>
-          <a:fillRef idx="2">
-            <a:schemeClr val="accent2"/>
-          </a:fillRef>
-          <a:effectRef idx="1">
-            <a:schemeClr val="accent2"/>
-          </a:effectRef>
-          <a:fontRef idx="minor">
-            <a:schemeClr val="dk1"/>
-          </a:fontRef>
-        </p:style>
-      </p:cxnSp>
-      <p:cxnSp>
-        <p:nvCxnSpPr>
-          <p:cNvPr id="21" name="Straight Connector 20"/>
-          <p:cNvCxnSpPr>
-            <a:stCxn id="120" idx="3"/>
-          </p:cNvCxnSpPr>
-          <p:nvPr/>
-        </p:nvCxnSpPr>
-        <p:spPr>
-          <a:xfrm flipV="1">
-            <a:off x="1831326" y="3376899"/>
-            <a:ext cx="216105" cy="1"/>
-          </a:xfrm>
-          <a:prstGeom prst="line">
-            <a:avLst/>
-          </a:prstGeom>
-          <a:ln w="19050">
-            <a:solidFill>
-              <a:schemeClr val="accent6">
-                <a:lumMod val="75000"/>
-              </a:schemeClr>
-            </a:solidFill>
-            <a:prstDash val="sysDot"/>
-            <a:headEnd type="none" w="med" len="med"/>
-            <a:tailEnd type="none" w="med" len="med"/>
-          </a:ln>
-          <a:effectLst/>
-        </p:spPr>
-        <p:style>
-          <a:lnRef idx="1">
-            <a:schemeClr val="accent2"/>
-          </a:lnRef>
-          <a:fillRef idx="2">
-            <a:schemeClr val="accent2"/>
-          </a:fillRef>
-          <a:effectRef idx="1">
-            <a:schemeClr val="accent2"/>
-          </a:effectRef>
-          <a:fontRef idx="minor">
-            <a:schemeClr val="dk1"/>
-          </a:fontRef>
-        </p:style>
-      </p:cxnSp>
-      <p:sp>
-        <p:nvSpPr>
-          <p:cNvPr id="42" name="Flowchart: Decision 96"/>
-          <p:cNvSpPr/>
-          <p:nvPr/>
-        </p:nvSpPr>
-        <p:spPr>
-          <a:xfrm>
-            <a:off x="2420322" y="3239846"/>
-            <a:ext cx="236048" cy="173380"/>
-          </a:xfrm>
-          <a:prstGeom prst="flowChartDecision">
-            <a:avLst/>
-          </a:prstGeom>
-          <a:noFill/>
-          <a:ln w="19050">
-            <a:solidFill>
-              <a:schemeClr val="accent6">
-                <a:lumMod val="75000"/>
-              </a:schemeClr>
-            </a:solidFill>
-          </a:ln>
-          <a:effectLst/>
-        </p:spPr>
-        <p:style>
-          <a:lnRef idx="1">
-            <a:schemeClr val="accent2"/>
-          </a:lnRef>
-          <a:fillRef idx="2">
-            <a:schemeClr val="accent2"/>
-          </a:fillRef>
-          <a:effectRef idx="1">
-            <a:schemeClr val="accent2"/>
-          </a:effectRef>
-          <a:fontRef idx="minor">
-            <a:schemeClr val="dk1"/>
-          </a:fontRef>
-        </p:style>
-        <p:txBody>
-          <a:bodyPr rtlCol="0" anchor="ctr"/>
-          <a:lstStyle/>
-          <a:p>
-            <a:pPr algn="ctr"/>
-            <a:endParaRPr lang="en-US" sz="1050">
+            <a:ln w="19050">
               <a:solidFill>
-                <a:schemeClr val="bg1"/>
+                <a:schemeClr val="accent6">
+                  <a:lumMod val="75000"/>
+                </a:schemeClr>
               </a:solidFill>
-            </a:endParaRPr>
-          </a:p>
-        </p:txBody>
-      </p:sp>
-      <p:cxnSp>
-        <p:nvCxnSpPr>
-          <p:cNvPr id="97" name="Elbow Connector 63"/>
-          <p:cNvCxnSpPr>
-            <a:stCxn id="99" idx="3"/>
-            <a:endCxn id="50" idx="1"/>
-          </p:cNvCxnSpPr>
-          <p:nvPr/>
-        </p:nvCxnSpPr>
-        <p:spPr>
-          <a:xfrm flipV="1">
-            <a:off x="4398041" y="3331820"/>
-            <a:ext cx="223324" cy="1"/>
-          </a:xfrm>
-          <a:prstGeom prst="bentConnector3">
-            <a:avLst>
-              <a:gd name="adj1" fmla="val 50000"/>
-            </a:avLst>
-          </a:prstGeom>
-          <a:ln w="19050">
-            <a:solidFill>
-              <a:schemeClr val="accent6">
-                <a:lumMod val="75000"/>
-              </a:schemeClr>
-            </a:solidFill>
-            <a:prstDash val="sysDot"/>
-            <a:headEnd type="none" w="med" len="med"/>
-            <a:tailEnd type="none" w="med" len="med"/>
-          </a:ln>
-          <a:effectLst/>
-        </p:spPr>
-        <p:style>
-          <a:lnRef idx="1">
-            <a:schemeClr val="accent2"/>
-          </a:lnRef>
-          <a:fillRef idx="2">
-            <a:schemeClr val="accent2"/>
-          </a:fillRef>
-          <a:effectRef idx="1">
-            <a:schemeClr val="accent2"/>
-          </a:effectRef>
-          <a:fontRef idx="minor">
-            <a:schemeClr val="dk1"/>
-          </a:fontRef>
-        </p:style>
-      </p:cxnSp>
-      <p:sp>
-        <p:nvSpPr>
-          <p:cNvPr id="99" name="Isosceles Triangle 102"/>
-          <p:cNvSpPr/>
-          <p:nvPr/>
-        </p:nvSpPr>
-        <p:spPr>
-          <a:xfrm rot="5400000" flipV="1">
-            <a:off x="4175027" y="3244059"/>
-            <a:ext cx="270504" cy="175523"/>
-          </a:xfrm>
-          <a:prstGeom prst="triangle">
-            <a:avLst/>
-          </a:prstGeom>
-          <a:solidFill>
-            <a:schemeClr val="accent6">
-              <a:lumMod val="75000"/>
-            </a:schemeClr>
-          </a:solidFill>
-          <a:ln w="19050">
-            <a:solidFill>
-              <a:schemeClr val="accent6">
-                <a:lumMod val="75000"/>
-              </a:schemeClr>
-            </a:solidFill>
-          </a:ln>
-          <a:effectLst/>
-        </p:spPr>
-        <p:style>
-          <a:lnRef idx="1">
-            <a:schemeClr val="accent2"/>
-          </a:lnRef>
-          <a:fillRef idx="2">
-            <a:schemeClr val="accent2"/>
-          </a:fillRef>
-          <a:effectRef idx="1">
-            <a:schemeClr val="accent2"/>
-          </a:effectRef>
-          <a:fontRef idx="minor">
-            <a:schemeClr val="dk1"/>
-          </a:fontRef>
-        </p:style>
-        <p:txBody>
-          <a:bodyPr rtlCol="0" anchor="ctr"/>
-          <a:lstStyle/>
-          <a:p>
-            <a:pPr algn="ctr"/>
-            <a:endParaRPr lang="en-SG" sz="1050">
-              <a:solidFill>
-                <a:schemeClr val="bg1"/>
-              </a:solidFill>
-            </a:endParaRPr>
-          </a:p>
-        </p:txBody>
-      </p:sp>
-      <p:cxnSp>
-        <p:nvCxnSpPr>
-          <p:cNvPr id="124" name="Elbow Connector 122"/>
-          <p:cNvCxnSpPr>
-            <a:stCxn id="50" idx="3"/>
-            <a:endCxn id="66" idx="1"/>
-          </p:cNvCxnSpPr>
-          <p:nvPr/>
-        </p:nvCxnSpPr>
-        <p:spPr>
-          <a:xfrm>
-            <a:off x="5791200" y="3331820"/>
-            <a:ext cx="228600" cy="1970"/>
-          </a:xfrm>
-          <a:prstGeom prst="bentConnector3">
-            <a:avLst>
-              <a:gd name="adj1" fmla="val 50000"/>
-            </a:avLst>
-          </a:prstGeom>
-          <a:ln w="19050">
-            <a:solidFill>
-              <a:schemeClr val="accent6">
-                <a:lumMod val="75000"/>
-              </a:schemeClr>
-            </a:solidFill>
-            <a:prstDash val="sysDot"/>
-            <a:headEnd type="none" w="med" len="med"/>
-            <a:tailEnd type="arrow" w="med" len="med"/>
-          </a:ln>
-          <a:effectLst/>
-        </p:spPr>
-        <p:style>
-          <a:lnRef idx="1">
-            <a:schemeClr val="accent2"/>
-          </a:lnRef>
-          <a:fillRef idx="2">
-            <a:schemeClr val="accent2"/>
-          </a:fillRef>
-          <a:effectRef idx="1">
-            <a:schemeClr val="accent2"/>
-          </a:effectRef>
-          <a:fontRef idx="minor">
-            <a:schemeClr val="dk1"/>
-          </a:fontRef>
-        </p:style>
-      </p:cxnSp>
-      <p:sp>
-        <p:nvSpPr>
-          <p:cNvPr id="50" name="Rectangle 8"/>
-          <p:cNvSpPr/>
-          <p:nvPr/>
-        </p:nvSpPr>
-        <p:spPr>
-          <a:xfrm>
-            <a:off x="4621365" y="3158440"/>
-            <a:ext cx="1169835" cy="346760"/>
-          </a:xfrm>
-          <a:prstGeom prst="rect">
-            <a:avLst/>
-          </a:prstGeom>
-          <a:ln w="19050"/>
-          <a:effectLst/>
-        </p:spPr>
-        <p:style>
-          <a:lnRef idx="1">
-            <a:schemeClr val="accent6"/>
-          </a:lnRef>
-          <a:fillRef idx="2">
-            <a:schemeClr val="accent6"/>
-          </a:fillRef>
-          <a:effectRef idx="1">
-            <a:schemeClr val="accent6"/>
-          </a:effectRef>
-          <a:fontRef idx="minor">
-            <a:schemeClr val="dk1"/>
-          </a:fontRef>
-        </p:style>
-        <p:txBody>
-          <a:bodyPr rtlCol="0" anchor="ctr"/>
-          <a:lstStyle/>
-          <a:p>
-            <a:pPr algn="ctr"/>
-            <a:r>
-              <a:rPr lang="en-US" sz="1050" b="1" dirty="0" err="1">
+            </a:ln>
+            <a:effectLst/>
+          </p:spPr>
+          <p:style>
+            <a:lnRef idx="1">
+              <a:schemeClr val="accent2"/>
+            </a:lnRef>
+            <a:fillRef idx="2">
+              <a:schemeClr val="accent2"/>
+            </a:fillRef>
+            <a:effectRef idx="1">
+              <a:schemeClr val="accent2"/>
+            </a:effectRef>
+            <a:fontRef idx="minor">
+              <a:schemeClr val="dk1"/>
+            </a:fontRef>
+          </p:style>
+          <p:txBody>
+            <a:bodyPr rtlCol="0" anchor="ctr"/>
+            <a:lstStyle/>
+            <a:p>
+              <a:pPr algn="ctr"/>
+              <a:r>
+                <a:rPr lang="en-US" sz="1050" dirty="0" err="1">
+                  <a:solidFill>
+                    <a:schemeClr val="bg1"/>
+                  </a:solidFill>
+                </a:rPr>
+                <a:t>JsonUserPrefs</a:t>
+              </a:r>
+              <a:br>
+                <a:rPr lang="en-US" sz="1050" dirty="0">
+                  <a:solidFill>
+                    <a:schemeClr val="bg1"/>
+                  </a:solidFill>
+                </a:rPr>
+              </a:br>
+              <a:r>
+                <a:rPr lang="en-US" sz="1050" dirty="0">
+                  <a:solidFill>
+                    <a:schemeClr val="bg1"/>
+                  </a:solidFill>
+                </a:rPr>
+                <a:t>Storage</a:t>
+              </a:r>
+              <a:endParaRPr lang="en-SG" sz="1050" dirty="0">
+                <a:solidFill>
+                  <a:schemeClr val="bg1"/>
+                </a:solidFill>
+              </a:endParaRPr>
+            </a:p>
+          </p:txBody>
+        </p:sp>
+        <p:cxnSp>
+          <p:nvCxnSpPr>
+            <p:cNvPr id="70" name="Elbow Connector 122"/>
+            <p:cNvCxnSpPr>
+              <a:stCxn id="74" idx="0"/>
+              <a:endCxn id="73" idx="2"/>
+            </p:cNvCxnSpPr>
+            <p:nvPr/>
+          </p:nvCxnSpPr>
+          <p:spPr>
+            <a:xfrm rot="5400000" flipH="1" flipV="1">
+              <a:off x="8077993" y="2992020"/>
+              <a:ext cx="335208" cy="12700"/>
+            </a:xfrm>
+            <a:prstGeom prst="bentConnector3">
+              <a:avLst>
+                <a:gd name="adj1" fmla="val 50000"/>
+              </a:avLst>
+            </a:prstGeom>
+            <a:ln w="19050">
+              <a:prstDash val="sysDot"/>
+              <a:headEnd type="none" w="med" len="med"/>
+              <a:tailEnd type="arrow" w="med" len="med"/>
+            </a:ln>
+            <a:effectLst/>
+          </p:spPr>
+          <p:style>
+            <a:lnRef idx="1">
+              <a:schemeClr val="accent6"/>
+            </a:lnRef>
+            <a:fillRef idx="2">
+              <a:schemeClr val="accent6"/>
+            </a:fillRef>
+            <a:effectRef idx="1">
+              <a:schemeClr val="accent6"/>
+            </a:effectRef>
+            <a:fontRef idx="minor">
+              <a:schemeClr val="dk1"/>
+            </a:fontRef>
+          </p:style>
+        </p:cxnSp>
+        <p:sp>
+          <p:nvSpPr>
+            <p:cNvPr id="73" name="Rectangle 8"/>
+            <p:cNvSpPr/>
+            <p:nvPr/>
+          </p:nvSpPr>
+          <p:spPr>
+            <a:xfrm>
+              <a:off x="7615738" y="2477656"/>
+              <a:ext cx="1259718" cy="346760"/>
+            </a:xfrm>
+            <a:prstGeom prst="rect">
+              <a:avLst/>
+            </a:prstGeom>
+            <a:ln w="19050"/>
+            <a:effectLst/>
+          </p:spPr>
+          <p:style>
+            <a:lnRef idx="1">
+              <a:schemeClr val="accent6"/>
+            </a:lnRef>
+            <a:fillRef idx="2">
+              <a:schemeClr val="accent6"/>
+            </a:fillRef>
+            <a:effectRef idx="1">
+              <a:schemeClr val="accent6"/>
+            </a:effectRef>
+            <a:fontRef idx="minor">
+              <a:schemeClr val="dk1"/>
+            </a:fontRef>
+          </p:style>
+          <p:txBody>
+            <a:bodyPr rtlCol="0" anchor="ctr"/>
+            <a:lstStyle/>
+            <a:p>
+              <a:pPr algn="ctr"/>
+              <a:r>
+                <a:rPr lang="en-US" sz="1050" b="1" dirty="0" err="1">
+                  <a:solidFill>
+                    <a:schemeClr val="accent6">
+                      <a:lumMod val="75000"/>
+                    </a:schemeClr>
+                  </a:solidFill>
+                </a:rPr>
+                <a:t>XmlAdaptedTag</a:t>
+              </a:r>
+              <a:endParaRPr lang="en-SG" sz="1050" b="1" dirty="0">
                 <a:solidFill>
                   <a:schemeClr val="accent6">
                     <a:lumMod val="75000"/>
                   </a:schemeClr>
                 </a:solidFill>
-              </a:rPr>
-              <a:t>XmlAddressBook</a:t>
-            </a:r>
-            <a:br>
-              <a:rPr lang="en-US" sz="1050" b="1" dirty="0">
+              </a:endParaRPr>
+            </a:p>
+          </p:txBody>
+        </p:sp>
+        <p:grpSp>
+          <p:nvGrpSpPr>
+            <p:cNvPr id="3" name="Group 2">
+              <a:extLst>
+                <a:ext uri="{FF2B5EF4-FFF2-40B4-BE49-F238E27FC236}">
+                  <a16:creationId xmlns:a16="http://schemas.microsoft.com/office/drawing/2014/main" id="{D6C18DFF-238C-4CFC-80B4-978E4EC5B1BB}"/>
+                </a:ext>
+              </a:extLst>
+            </p:cNvPr>
+            <p:cNvGrpSpPr/>
+            <p:nvPr/>
+          </p:nvGrpSpPr>
+          <p:grpSpPr>
+            <a:xfrm>
+              <a:off x="2420322" y="3158440"/>
+              <a:ext cx="6455134" cy="348730"/>
+              <a:chOff x="2420322" y="3158440"/>
+              <a:chExt cx="6455134" cy="348730"/>
+            </a:xfrm>
+          </p:grpSpPr>
+          <p:sp>
+            <p:nvSpPr>
+              <p:cNvPr id="2" name="Rectangle 8"/>
+              <p:cNvSpPr/>
+              <p:nvPr/>
+            </p:nvSpPr>
+            <p:spPr>
+              <a:xfrm>
+                <a:off x="2877180" y="3158440"/>
+                <a:ext cx="1323049" cy="346760"/>
+              </a:xfrm>
+              <a:prstGeom prst="rect">
+                <a:avLst/>
+              </a:prstGeom>
+              <a:solidFill>
+                <a:schemeClr val="accent6">
+                  <a:lumMod val="75000"/>
+                </a:schemeClr>
+              </a:solidFill>
+              <a:ln w="19050">
                 <a:solidFill>
                   <a:schemeClr val="accent6">
                     <a:lumMod val="75000"/>
                   </a:schemeClr>
                 </a:solidFill>
-              </a:rPr>
-            </a:br>
-            <a:r>
-              <a:rPr lang="en-US" sz="1050" b="1" dirty="0">
+              </a:ln>
+              <a:effectLst/>
+            </p:spPr>
+            <p:style>
+              <a:lnRef idx="1">
+                <a:schemeClr val="accent2"/>
+              </a:lnRef>
+              <a:fillRef idx="2">
+                <a:schemeClr val="accent2"/>
+              </a:fillRef>
+              <a:effectRef idx="1">
+                <a:schemeClr val="accent2"/>
+              </a:effectRef>
+              <a:fontRef idx="minor">
+                <a:schemeClr val="dk1"/>
+              </a:fontRef>
+            </p:style>
+            <p:txBody>
+              <a:bodyPr rtlCol="0" anchor="ctr"/>
+              <a:lstStyle/>
+              <a:p>
+                <a:pPr algn="ctr"/>
+                <a:r>
+                  <a:rPr lang="en-US" sz="1050" dirty="0">
+                    <a:solidFill>
+                      <a:schemeClr val="bg1"/>
+                    </a:solidFill>
+                  </a:rPr>
+                  <a:t>&lt;&lt;interface&gt;&gt;</a:t>
+                </a:r>
+                <a:br>
+                  <a:rPr lang="en-US" sz="1050" dirty="0">
+                    <a:solidFill>
+                      <a:schemeClr val="bg1"/>
+                    </a:solidFill>
+                  </a:rPr>
+                </a:br>
+                <a:r>
+                  <a:rPr lang="en-US" sz="1050" dirty="0" err="1">
+                    <a:solidFill>
+                      <a:schemeClr val="bg1"/>
+                    </a:solidFill>
+                  </a:rPr>
+                  <a:t>AddressBookStorage</a:t>
+                </a:r>
+                <a:endParaRPr lang="en-SG" sz="1050" dirty="0">
+                  <a:solidFill>
+                    <a:schemeClr val="bg1"/>
+                  </a:solidFill>
+                </a:endParaRPr>
+              </a:p>
+            </p:txBody>
+          </p:sp>
+          <p:cxnSp>
+            <p:nvCxnSpPr>
+              <p:cNvPr id="58" name="Straight Arrow Connector 57"/>
+              <p:cNvCxnSpPr>
+                <a:stCxn id="42" idx="3"/>
+                <a:endCxn id="2" idx="1"/>
+              </p:cNvCxnSpPr>
+              <p:nvPr/>
+            </p:nvCxnSpPr>
+            <p:spPr>
+              <a:xfrm>
+                <a:off x="2656370" y="3326536"/>
+                <a:ext cx="220810" cy="5284"/>
+              </a:xfrm>
+              <a:prstGeom prst="straightConnector1">
+                <a:avLst/>
+              </a:prstGeom>
+              <a:ln w="19050">
                 <a:solidFill>
                   <a:schemeClr val="accent6">
                     <a:lumMod val="75000"/>
                   </a:schemeClr>
                 </a:solidFill>
-              </a:rPr>
-              <a:t>Storage</a:t>
-            </a:r>
-            <a:endParaRPr lang="en-SG" sz="1050" b="1" dirty="0">
+                <a:headEnd type="none" w="med" len="med"/>
+                <a:tailEnd type="arrow" w="med" len="med"/>
+              </a:ln>
+              <a:effectLst/>
+            </p:spPr>
+            <p:style>
+              <a:lnRef idx="1">
+                <a:schemeClr val="accent2"/>
+              </a:lnRef>
+              <a:fillRef idx="2">
+                <a:schemeClr val="accent2"/>
+              </a:fillRef>
+              <a:effectRef idx="1">
+                <a:schemeClr val="accent2"/>
+              </a:effectRef>
+              <a:fontRef idx="minor">
+                <a:schemeClr val="dk1"/>
+              </a:fontRef>
+            </p:style>
+          </p:cxnSp>
+          <p:sp>
+            <p:nvSpPr>
+              <p:cNvPr id="42" name="Flowchart: Decision 96"/>
+              <p:cNvSpPr/>
+              <p:nvPr/>
+            </p:nvSpPr>
+            <p:spPr>
+              <a:xfrm>
+                <a:off x="2420322" y="3239846"/>
+                <a:ext cx="236048" cy="173380"/>
+              </a:xfrm>
+              <a:prstGeom prst="flowChartDecision">
+                <a:avLst/>
+              </a:prstGeom>
+              <a:noFill/>
+              <a:ln w="19050">
+                <a:solidFill>
+                  <a:schemeClr val="accent6">
+                    <a:lumMod val="75000"/>
+                  </a:schemeClr>
+                </a:solidFill>
+              </a:ln>
+              <a:effectLst/>
+            </p:spPr>
+            <p:style>
+              <a:lnRef idx="1">
+                <a:schemeClr val="accent2"/>
+              </a:lnRef>
+              <a:fillRef idx="2">
+                <a:schemeClr val="accent2"/>
+              </a:fillRef>
+              <a:effectRef idx="1">
+                <a:schemeClr val="accent2"/>
+              </a:effectRef>
+              <a:fontRef idx="minor">
+                <a:schemeClr val="dk1"/>
+              </a:fontRef>
+            </p:style>
+            <p:txBody>
+              <a:bodyPr rtlCol="0" anchor="ctr"/>
+              <a:lstStyle/>
+              <a:p>
+                <a:pPr algn="ctr"/>
+                <a:endParaRPr lang="en-US" sz="1050">
+                  <a:solidFill>
+                    <a:schemeClr val="bg1"/>
+                  </a:solidFill>
+                </a:endParaRPr>
+              </a:p>
+            </p:txBody>
+          </p:sp>
+          <p:cxnSp>
+            <p:nvCxnSpPr>
+              <p:cNvPr id="97" name="Elbow Connector 63"/>
+              <p:cNvCxnSpPr>
+                <a:stCxn id="99" idx="3"/>
+                <a:endCxn id="50" idx="1"/>
+              </p:cNvCxnSpPr>
+              <p:nvPr/>
+            </p:nvCxnSpPr>
+            <p:spPr>
+              <a:xfrm flipV="1">
+                <a:off x="4398041" y="3331820"/>
+                <a:ext cx="223324" cy="1"/>
+              </a:xfrm>
+              <a:prstGeom prst="bentConnector3">
+                <a:avLst>
+                  <a:gd name="adj1" fmla="val 50000"/>
+                </a:avLst>
+              </a:prstGeom>
+              <a:ln w="19050">
+                <a:solidFill>
+                  <a:schemeClr val="accent6">
+                    <a:lumMod val="75000"/>
+                  </a:schemeClr>
+                </a:solidFill>
+                <a:prstDash val="sysDot"/>
+                <a:headEnd type="none" w="med" len="med"/>
+                <a:tailEnd type="none" w="med" len="med"/>
+              </a:ln>
+              <a:effectLst/>
+            </p:spPr>
+            <p:style>
+              <a:lnRef idx="1">
+                <a:schemeClr val="accent2"/>
+              </a:lnRef>
+              <a:fillRef idx="2">
+                <a:schemeClr val="accent2"/>
+              </a:fillRef>
+              <a:effectRef idx="1">
+                <a:schemeClr val="accent2"/>
+              </a:effectRef>
+              <a:fontRef idx="minor">
+                <a:schemeClr val="dk1"/>
+              </a:fontRef>
+            </p:style>
+          </p:cxnSp>
+          <p:sp>
+            <p:nvSpPr>
+              <p:cNvPr id="99" name="Isosceles Triangle 102"/>
+              <p:cNvSpPr/>
+              <p:nvPr/>
+            </p:nvSpPr>
+            <p:spPr>
+              <a:xfrm rot="5400000" flipV="1">
+                <a:off x="4175027" y="3244059"/>
+                <a:ext cx="270504" cy="175523"/>
+              </a:xfrm>
+              <a:prstGeom prst="triangle">
+                <a:avLst/>
+              </a:prstGeom>
               <a:solidFill>
                 <a:schemeClr val="accent6">
                   <a:lumMod val="75000"/>
                 </a:schemeClr>
               </a:solidFill>
-            </a:endParaRPr>
-          </a:p>
-        </p:txBody>
-      </p:sp>
-      <p:sp>
-        <p:nvSpPr>
-          <p:cNvPr id="52" name="Rectangle 8"/>
-          <p:cNvSpPr/>
-          <p:nvPr/>
-        </p:nvSpPr>
-        <p:spPr>
-          <a:xfrm>
-            <a:off x="2873943" y="2558040"/>
-            <a:ext cx="1323049" cy="346760"/>
-          </a:xfrm>
-          <a:prstGeom prst="rect">
-            <a:avLst/>
-          </a:prstGeom>
-          <a:solidFill>
-            <a:schemeClr val="accent6">
-              <a:lumMod val="75000"/>
-            </a:schemeClr>
-          </a:solidFill>
-          <a:ln w="19050">
-            <a:solidFill>
-              <a:schemeClr val="accent6">
-                <a:lumMod val="75000"/>
-              </a:schemeClr>
-            </a:solidFill>
-          </a:ln>
-          <a:effectLst/>
-        </p:spPr>
-        <p:style>
-          <a:lnRef idx="1">
-            <a:schemeClr val="accent2"/>
-          </a:lnRef>
-          <a:fillRef idx="2">
-            <a:schemeClr val="accent2"/>
-          </a:fillRef>
-          <a:effectRef idx="1">
-            <a:schemeClr val="accent2"/>
-          </a:effectRef>
-          <a:fontRef idx="minor">
-            <a:schemeClr val="dk1"/>
-          </a:fontRef>
-        </p:style>
-        <p:txBody>
-          <a:bodyPr rtlCol="0" anchor="ctr"/>
-          <a:lstStyle/>
-          <a:p>
-            <a:pPr algn="ctr"/>
-            <a:r>
-              <a:rPr lang="en-US" sz="1050" dirty="0">
-                <a:solidFill>
-                  <a:schemeClr val="bg1"/>
-                </a:solidFill>
-              </a:rPr>
-              <a:t>&lt;&lt;interface&gt;&gt;</a:t>
-            </a:r>
-            <a:br>
-              <a:rPr lang="en-US" sz="1050" dirty="0">
-                <a:solidFill>
-                  <a:schemeClr val="bg1"/>
-                </a:solidFill>
-              </a:rPr>
-            </a:br>
-            <a:r>
-              <a:rPr lang="en-US" sz="1050" dirty="0" err="1">
-                <a:solidFill>
-                  <a:schemeClr val="bg1"/>
-                </a:solidFill>
-              </a:rPr>
-              <a:t>UserPrefsStorage</a:t>
-            </a:r>
-            <a:endParaRPr lang="en-SG" sz="1050" dirty="0">
-              <a:solidFill>
-                <a:schemeClr val="bg1"/>
-              </a:solidFill>
-            </a:endParaRPr>
-          </a:p>
-        </p:txBody>
-      </p:sp>
-      <p:cxnSp>
-        <p:nvCxnSpPr>
-          <p:cNvPr id="54" name="Straight Arrow Connector 53"/>
-          <p:cNvCxnSpPr>
-            <a:stCxn id="56" idx="3"/>
-            <a:endCxn id="52" idx="1"/>
-          </p:cNvCxnSpPr>
-          <p:nvPr/>
-        </p:nvCxnSpPr>
-        <p:spPr>
-          <a:xfrm>
-            <a:off x="2653133" y="2726136"/>
-            <a:ext cx="220810" cy="5284"/>
-          </a:xfrm>
-          <a:prstGeom prst="straightConnector1">
-            <a:avLst/>
-          </a:prstGeom>
-          <a:ln w="19050">
-            <a:solidFill>
-              <a:schemeClr val="accent6">
-                <a:lumMod val="75000"/>
-              </a:schemeClr>
-            </a:solidFill>
-            <a:headEnd type="none" w="med" len="med"/>
-            <a:tailEnd type="arrow" w="med" len="med"/>
-          </a:ln>
-          <a:effectLst/>
-        </p:spPr>
-        <p:style>
-          <a:lnRef idx="1">
-            <a:schemeClr val="accent2"/>
-          </a:lnRef>
-          <a:fillRef idx="2">
-            <a:schemeClr val="accent2"/>
-          </a:fillRef>
-          <a:effectRef idx="1">
-            <a:schemeClr val="accent2"/>
-          </a:effectRef>
-          <a:fontRef idx="minor">
-            <a:schemeClr val="dk1"/>
-          </a:fontRef>
-        </p:style>
-      </p:cxnSp>
-      <p:sp>
-        <p:nvSpPr>
-          <p:cNvPr id="56" name="Flowchart: Decision 96"/>
-          <p:cNvSpPr/>
-          <p:nvPr/>
-        </p:nvSpPr>
-        <p:spPr>
-          <a:xfrm>
-            <a:off x="2417085" y="2639446"/>
-            <a:ext cx="236048" cy="173380"/>
-          </a:xfrm>
-          <a:prstGeom prst="flowChartDecision">
-            <a:avLst/>
-          </a:prstGeom>
-          <a:noFill/>
-          <a:ln w="19050">
-            <a:solidFill>
-              <a:schemeClr val="accent6">
-                <a:lumMod val="75000"/>
-              </a:schemeClr>
-            </a:solidFill>
-          </a:ln>
-          <a:effectLst/>
-        </p:spPr>
-        <p:style>
-          <a:lnRef idx="1">
-            <a:schemeClr val="accent2"/>
-          </a:lnRef>
-          <a:fillRef idx="2">
-            <a:schemeClr val="accent2"/>
-          </a:fillRef>
-          <a:effectRef idx="1">
-            <a:schemeClr val="accent2"/>
-          </a:effectRef>
-          <a:fontRef idx="minor">
-            <a:schemeClr val="dk1"/>
-          </a:fontRef>
-        </p:style>
-        <p:txBody>
-          <a:bodyPr rtlCol="0" anchor="ctr"/>
-          <a:lstStyle/>
-          <a:p>
-            <a:pPr algn="ctr"/>
-            <a:endParaRPr lang="en-US" sz="1050">
-              <a:solidFill>
-                <a:schemeClr val="bg1"/>
-              </a:solidFill>
-            </a:endParaRPr>
-          </a:p>
-        </p:txBody>
-      </p:sp>
-      <p:cxnSp>
-        <p:nvCxnSpPr>
-          <p:cNvPr id="60" name="Elbow Connector 63"/>
-          <p:cNvCxnSpPr>
-            <a:stCxn id="61" idx="3"/>
-            <a:endCxn id="65" idx="1"/>
-          </p:cNvCxnSpPr>
-          <p:nvPr/>
-        </p:nvCxnSpPr>
-        <p:spPr>
-          <a:xfrm flipV="1">
-            <a:off x="4394804" y="2731420"/>
-            <a:ext cx="223324" cy="1"/>
-          </a:xfrm>
-          <a:prstGeom prst="bentConnector3">
-            <a:avLst>
-              <a:gd name="adj1" fmla="val 50000"/>
-            </a:avLst>
-          </a:prstGeom>
-          <a:ln w="19050">
-            <a:solidFill>
-              <a:schemeClr val="accent6">
-                <a:lumMod val="75000"/>
-              </a:schemeClr>
-            </a:solidFill>
-            <a:prstDash val="sysDot"/>
-            <a:headEnd type="none" w="med" len="med"/>
-            <a:tailEnd type="none" w="med" len="med"/>
-          </a:ln>
-          <a:effectLst/>
-        </p:spPr>
-        <p:style>
-          <a:lnRef idx="1">
-            <a:schemeClr val="accent2"/>
-          </a:lnRef>
-          <a:fillRef idx="2">
-            <a:schemeClr val="accent2"/>
-          </a:fillRef>
-          <a:effectRef idx="1">
-            <a:schemeClr val="accent2"/>
-          </a:effectRef>
-          <a:fontRef idx="minor">
-            <a:schemeClr val="dk1"/>
-          </a:fontRef>
-        </p:style>
-      </p:cxnSp>
-      <p:sp>
-        <p:nvSpPr>
-          <p:cNvPr id="61" name="Isosceles Triangle 102"/>
-          <p:cNvSpPr/>
-          <p:nvPr/>
-        </p:nvSpPr>
-        <p:spPr>
-          <a:xfrm rot="5400000" flipV="1">
-            <a:off x="4171790" y="2643659"/>
-            <a:ext cx="270504" cy="175523"/>
-          </a:xfrm>
-          <a:prstGeom prst="triangle">
-            <a:avLst/>
-          </a:prstGeom>
-          <a:solidFill>
-            <a:schemeClr val="accent6">
-              <a:lumMod val="75000"/>
-            </a:schemeClr>
-          </a:solidFill>
-          <a:ln w="19050">
-            <a:solidFill>
-              <a:schemeClr val="accent6">
-                <a:lumMod val="75000"/>
-              </a:schemeClr>
-            </a:solidFill>
-          </a:ln>
-          <a:effectLst/>
-        </p:spPr>
-        <p:style>
-          <a:lnRef idx="1">
-            <a:schemeClr val="accent2"/>
-          </a:lnRef>
-          <a:fillRef idx="2">
-            <a:schemeClr val="accent2"/>
-          </a:fillRef>
-          <a:effectRef idx="1">
-            <a:schemeClr val="accent2"/>
-          </a:effectRef>
-          <a:fontRef idx="minor">
-            <a:schemeClr val="dk1"/>
-          </a:fontRef>
-        </p:style>
-        <p:txBody>
-          <a:bodyPr rtlCol="0" anchor="ctr"/>
-          <a:lstStyle/>
-          <a:p>
-            <a:pPr algn="ctr"/>
-            <a:endParaRPr lang="en-SG" sz="1050">
-              <a:solidFill>
-                <a:schemeClr val="bg1"/>
-              </a:solidFill>
-            </a:endParaRPr>
-          </a:p>
-        </p:txBody>
-      </p:sp>
-      <p:sp>
-        <p:nvSpPr>
-          <p:cNvPr id="65" name="Rectangle 8"/>
-          <p:cNvSpPr/>
-          <p:nvPr/>
-        </p:nvSpPr>
-        <p:spPr>
-          <a:xfrm>
-            <a:off x="4618128" y="2558040"/>
-            <a:ext cx="1093635" cy="346760"/>
-          </a:xfrm>
-          <a:prstGeom prst="rect">
-            <a:avLst/>
-          </a:prstGeom>
-          <a:solidFill>
-            <a:schemeClr val="accent6">
-              <a:lumMod val="75000"/>
-            </a:schemeClr>
-          </a:solidFill>
-          <a:ln w="19050">
-            <a:solidFill>
-              <a:schemeClr val="accent6">
-                <a:lumMod val="75000"/>
-              </a:schemeClr>
-            </a:solidFill>
-          </a:ln>
-          <a:effectLst/>
-        </p:spPr>
-        <p:style>
-          <a:lnRef idx="1">
-            <a:schemeClr val="accent2"/>
-          </a:lnRef>
-          <a:fillRef idx="2">
-            <a:schemeClr val="accent2"/>
-          </a:fillRef>
-          <a:effectRef idx="1">
-            <a:schemeClr val="accent2"/>
-          </a:effectRef>
-          <a:fontRef idx="minor">
-            <a:schemeClr val="dk1"/>
-          </a:fontRef>
-        </p:style>
-        <p:txBody>
-          <a:bodyPr rtlCol="0" anchor="ctr"/>
-          <a:lstStyle/>
-          <a:p>
-            <a:pPr algn="ctr"/>
-            <a:r>
-              <a:rPr lang="en-US" sz="1050" dirty="0" err="1">
-                <a:solidFill>
-                  <a:schemeClr val="bg1"/>
-                </a:solidFill>
-              </a:rPr>
-              <a:t>JsonUserPrefs</a:t>
-            </a:r>
-            <a:br>
-              <a:rPr lang="en-US" sz="1050" dirty="0">
-                <a:solidFill>
-                  <a:schemeClr val="bg1"/>
-                </a:solidFill>
-              </a:rPr>
-            </a:br>
-            <a:r>
-              <a:rPr lang="en-US" sz="1050" dirty="0">
-                <a:solidFill>
-                  <a:schemeClr val="bg1"/>
-                </a:solidFill>
-              </a:rPr>
-              <a:t>Storage</a:t>
-            </a:r>
-            <a:endParaRPr lang="en-SG" sz="1050" dirty="0">
-              <a:solidFill>
-                <a:schemeClr val="bg1"/>
-              </a:solidFill>
-            </a:endParaRPr>
-          </a:p>
-        </p:txBody>
-      </p:sp>
-      <p:sp>
-        <p:nvSpPr>
-          <p:cNvPr id="66" name="Rectangle 8"/>
-          <p:cNvSpPr/>
-          <p:nvPr/>
-        </p:nvSpPr>
-        <p:spPr>
-          <a:xfrm>
-            <a:off x="6019800" y="3160410"/>
-            <a:ext cx="1200707" cy="346760"/>
-          </a:xfrm>
-          <a:prstGeom prst="rect">
-            <a:avLst/>
-          </a:prstGeom>
-          <a:ln w="19050"/>
-          <a:effectLst/>
-        </p:spPr>
-        <p:style>
-          <a:lnRef idx="1">
-            <a:schemeClr val="accent6"/>
-          </a:lnRef>
-          <a:fillRef idx="2">
-            <a:schemeClr val="accent6"/>
-          </a:fillRef>
-          <a:effectRef idx="1">
-            <a:schemeClr val="accent6"/>
-          </a:effectRef>
-          <a:fontRef idx="minor">
-            <a:schemeClr val="dk1"/>
-          </a:fontRef>
-        </p:style>
-        <p:txBody>
-          <a:bodyPr rtlCol="0" anchor="ctr"/>
-          <a:lstStyle/>
-          <a:p>
-            <a:pPr algn="ctr"/>
-            <a:r>
-              <a:rPr lang="en-US" sz="1050" b="1" dirty="0" err="1">
+              <a:ln w="19050">
                 <a:solidFill>
                   <a:schemeClr val="accent6">
                     <a:lumMod val="75000"/>
                   </a:schemeClr>
                 </a:solidFill>
-              </a:rPr>
-              <a:t>XmlSerializable</a:t>
-            </a:r>
-            <a:br>
-              <a:rPr lang="en-US" sz="1050" b="1" dirty="0">
+              </a:ln>
+              <a:effectLst/>
+            </p:spPr>
+            <p:style>
+              <a:lnRef idx="1">
+                <a:schemeClr val="accent2"/>
+              </a:lnRef>
+              <a:fillRef idx="2">
+                <a:schemeClr val="accent2"/>
+              </a:fillRef>
+              <a:effectRef idx="1">
+                <a:schemeClr val="accent2"/>
+              </a:effectRef>
+              <a:fontRef idx="minor">
+                <a:schemeClr val="dk1"/>
+              </a:fontRef>
+            </p:style>
+            <p:txBody>
+              <a:bodyPr rtlCol="0" anchor="ctr"/>
+              <a:lstStyle/>
+              <a:p>
+                <a:pPr algn="ctr"/>
+                <a:endParaRPr lang="en-SG" sz="1050">
+                  <a:solidFill>
+                    <a:schemeClr val="bg1"/>
+                  </a:solidFill>
+                </a:endParaRPr>
+              </a:p>
+            </p:txBody>
+          </p:sp>
+          <p:cxnSp>
+            <p:nvCxnSpPr>
+              <p:cNvPr id="124" name="Elbow Connector 122"/>
+              <p:cNvCxnSpPr>
+                <a:stCxn id="50" idx="3"/>
+                <a:endCxn id="66" idx="1"/>
+              </p:cNvCxnSpPr>
+              <p:nvPr/>
+            </p:nvCxnSpPr>
+            <p:spPr>
+              <a:xfrm>
+                <a:off x="5791200" y="3331820"/>
+                <a:ext cx="228600" cy="1970"/>
+              </a:xfrm>
+              <a:prstGeom prst="bentConnector3">
+                <a:avLst>
+                  <a:gd name="adj1" fmla="val 50000"/>
+                </a:avLst>
+              </a:prstGeom>
+              <a:ln w="19050">
                 <a:solidFill>
                   <a:schemeClr val="accent6">
                     <a:lumMod val="75000"/>
                   </a:schemeClr>
                 </a:solidFill>
-              </a:rPr>
-            </a:br>
-            <a:r>
-              <a:rPr lang="en-US" sz="1050" b="1" dirty="0" err="1">
+                <a:prstDash val="sysDot"/>
+                <a:headEnd type="none" w="med" len="med"/>
+                <a:tailEnd type="arrow" w="med" len="med"/>
+              </a:ln>
+              <a:effectLst/>
+            </p:spPr>
+            <p:style>
+              <a:lnRef idx="1">
+                <a:schemeClr val="accent2"/>
+              </a:lnRef>
+              <a:fillRef idx="2">
+                <a:schemeClr val="accent2"/>
+              </a:fillRef>
+              <a:effectRef idx="1">
+                <a:schemeClr val="accent2"/>
+              </a:effectRef>
+              <a:fontRef idx="minor">
+                <a:schemeClr val="dk1"/>
+              </a:fontRef>
+            </p:style>
+          </p:cxnSp>
+          <p:sp>
+            <p:nvSpPr>
+              <p:cNvPr id="50" name="Rectangle 8"/>
+              <p:cNvSpPr/>
+              <p:nvPr/>
+            </p:nvSpPr>
+            <p:spPr>
+              <a:xfrm>
+                <a:off x="4621365" y="3158440"/>
+                <a:ext cx="1169835" cy="346760"/>
+              </a:xfrm>
+              <a:prstGeom prst="rect">
+                <a:avLst/>
+              </a:prstGeom>
+              <a:ln w="19050"/>
+              <a:effectLst/>
+            </p:spPr>
+            <p:style>
+              <a:lnRef idx="1">
+                <a:schemeClr val="accent6"/>
+              </a:lnRef>
+              <a:fillRef idx="2">
+                <a:schemeClr val="accent6"/>
+              </a:fillRef>
+              <a:effectRef idx="1">
+                <a:schemeClr val="accent6"/>
+              </a:effectRef>
+              <a:fontRef idx="minor">
+                <a:schemeClr val="dk1"/>
+              </a:fontRef>
+            </p:style>
+            <p:txBody>
+              <a:bodyPr rtlCol="0" anchor="ctr"/>
+              <a:lstStyle/>
+              <a:p>
+                <a:pPr algn="ctr"/>
+                <a:r>
+                  <a:rPr lang="en-US" sz="1050" b="1" dirty="0" err="1">
+                    <a:solidFill>
+                      <a:schemeClr val="accent6">
+                        <a:lumMod val="75000"/>
+                      </a:schemeClr>
+                    </a:solidFill>
+                  </a:rPr>
+                  <a:t>XmlAddressBook</a:t>
+                </a:r>
+                <a:br>
+                  <a:rPr lang="en-US" sz="1050" b="1" dirty="0">
+                    <a:solidFill>
+                      <a:schemeClr val="accent6">
+                        <a:lumMod val="75000"/>
+                      </a:schemeClr>
+                    </a:solidFill>
+                  </a:rPr>
+                </a:br>
+                <a:r>
+                  <a:rPr lang="en-US" sz="1050" b="1" dirty="0">
+                    <a:solidFill>
+                      <a:schemeClr val="accent6">
+                        <a:lumMod val="75000"/>
+                      </a:schemeClr>
+                    </a:solidFill>
+                  </a:rPr>
+                  <a:t>Storage</a:t>
+                </a:r>
+                <a:endParaRPr lang="en-SG" sz="1050" b="1" dirty="0">
+                  <a:solidFill>
+                    <a:schemeClr val="accent6">
+                      <a:lumMod val="75000"/>
+                    </a:schemeClr>
+                  </a:solidFill>
+                </a:endParaRPr>
+              </a:p>
+            </p:txBody>
+          </p:sp>
+          <p:sp>
+            <p:nvSpPr>
+              <p:cNvPr id="66" name="Rectangle 8"/>
+              <p:cNvSpPr/>
+              <p:nvPr/>
+            </p:nvSpPr>
+            <p:spPr>
+              <a:xfrm>
+                <a:off x="6019800" y="3160410"/>
+                <a:ext cx="1200707" cy="346760"/>
+              </a:xfrm>
+              <a:prstGeom prst="rect">
+                <a:avLst/>
+              </a:prstGeom>
+              <a:ln w="19050"/>
+              <a:effectLst/>
+            </p:spPr>
+            <p:style>
+              <a:lnRef idx="1">
+                <a:schemeClr val="accent6"/>
+              </a:lnRef>
+              <a:fillRef idx="2">
+                <a:schemeClr val="accent6"/>
+              </a:fillRef>
+              <a:effectRef idx="1">
+                <a:schemeClr val="accent6"/>
+              </a:effectRef>
+              <a:fontRef idx="minor">
+                <a:schemeClr val="dk1"/>
+              </a:fontRef>
+            </p:style>
+            <p:txBody>
+              <a:bodyPr rtlCol="0" anchor="ctr"/>
+              <a:lstStyle/>
+              <a:p>
+                <a:pPr algn="ctr"/>
+                <a:r>
+                  <a:rPr lang="en-US" sz="1050" b="1" dirty="0" err="1">
+                    <a:solidFill>
+                      <a:schemeClr val="accent6">
+                        <a:lumMod val="75000"/>
+                      </a:schemeClr>
+                    </a:solidFill>
+                  </a:rPr>
+                  <a:t>XmlSerializable</a:t>
+                </a:r>
+                <a:br>
+                  <a:rPr lang="en-US" sz="1050" b="1" dirty="0">
+                    <a:solidFill>
+                      <a:schemeClr val="accent6">
+                        <a:lumMod val="75000"/>
+                      </a:schemeClr>
+                    </a:solidFill>
+                  </a:rPr>
+                </a:br>
+                <a:r>
+                  <a:rPr lang="en-US" sz="1050" b="1" dirty="0" err="1">
+                    <a:solidFill>
+                      <a:schemeClr val="accent6">
+                        <a:lumMod val="75000"/>
+                      </a:schemeClr>
+                    </a:solidFill>
+                  </a:rPr>
+                  <a:t>AddressBook</a:t>
+                </a:r>
+                <a:endParaRPr lang="en-SG" sz="1050" b="1" dirty="0">
+                  <a:solidFill>
+                    <a:schemeClr val="accent6">
+                      <a:lumMod val="75000"/>
+                    </a:schemeClr>
+                  </a:solidFill>
+                </a:endParaRPr>
+              </a:p>
+            </p:txBody>
+          </p:sp>
+          <p:sp>
+            <p:nvSpPr>
+              <p:cNvPr id="74" name="Rectangle 8"/>
+              <p:cNvSpPr/>
+              <p:nvPr/>
+            </p:nvSpPr>
+            <p:spPr>
+              <a:xfrm>
+                <a:off x="7615738" y="3159624"/>
+                <a:ext cx="1259718" cy="346760"/>
+              </a:xfrm>
+              <a:prstGeom prst="rect">
+                <a:avLst/>
+              </a:prstGeom>
+              <a:ln w="19050"/>
+              <a:effectLst/>
+            </p:spPr>
+            <p:style>
+              <a:lnRef idx="1">
+                <a:schemeClr val="accent6"/>
+              </a:lnRef>
+              <a:fillRef idx="2">
+                <a:schemeClr val="accent6"/>
+              </a:fillRef>
+              <a:effectRef idx="1">
+                <a:schemeClr val="accent6"/>
+              </a:effectRef>
+              <a:fontRef idx="minor">
+                <a:schemeClr val="dk1"/>
+              </a:fontRef>
+            </p:style>
+            <p:txBody>
+              <a:bodyPr rtlCol="0" anchor="ctr"/>
+              <a:lstStyle/>
+              <a:p>
+                <a:pPr algn="ctr"/>
+                <a:r>
+                  <a:rPr lang="en-US" sz="1050" b="1" dirty="0" err="1">
+                    <a:solidFill>
+                      <a:schemeClr val="accent6">
+                        <a:lumMod val="75000"/>
+                      </a:schemeClr>
+                    </a:solidFill>
+                  </a:rPr>
+                  <a:t>XmlAdaptedPerson</a:t>
+                </a:r>
+                <a:endParaRPr lang="en-SG" sz="1050" b="1" dirty="0">
+                  <a:solidFill>
+                    <a:schemeClr val="accent6">
+                      <a:lumMod val="75000"/>
+                    </a:schemeClr>
+                  </a:solidFill>
+                </a:endParaRPr>
+              </a:p>
+            </p:txBody>
+          </p:sp>
+          <p:cxnSp>
+            <p:nvCxnSpPr>
+              <p:cNvPr id="77" name="Elbow Connector 122"/>
+              <p:cNvCxnSpPr>
+                <a:stCxn id="66" idx="3"/>
+                <a:endCxn id="74" idx="1"/>
+              </p:cNvCxnSpPr>
+              <p:nvPr/>
+            </p:nvCxnSpPr>
+            <p:spPr>
+              <a:xfrm flipV="1">
+                <a:off x="7220507" y="3333004"/>
+                <a:ext cx="395231" cy="786"/>
+              </a:xfrm>
+              <a:prstGeom prst="bentConnector3">
+                <a:avLst>
+                  <a:gd name="adj1" fmla="val 50000"/>
+                </a:avLst>
+              </a:prstGeom>
+              <a:ln w="19050">
+                <a:prstDash val="sysDot"/>
+                <a:headEnd type="none" w="med" len="med"/>
+                <a:tailEnd type="arrow" w="med" len="med"/>
+              </a:ln>
+              <a:effectLst/>
+            </p:spPr>
+            <p:style>
+              <a:lnRef idx="1">
+                <a:schemeClr val="accent6"/>
+              </a:lnRef>
+              <a:fillRef idx="2">
+                <a:schemeClr val="accent6"/>
+              </a:fillRef>
+              <a:effectRef idx="1">
+                <a:schemeClr val="accent6"/>
+              </a:effectRef>
+              <a:fontRef idx="minor">
+                <a:schemeClr val="dk1"/>
+              </a:fontRef>
+            </p:style>
+          </p:cxnSp>
+        </p:grpSp>
+        <p:grpSp>
+          <p:nvGrpSpPr>
+            <p:cNvPr id="14" name="Group 13">
+              <a:extLst>
+                <a:ext uri="{FF2B5EF4-FFF2-40B4-BE49-F238E27FC236}">
+                  <a16:creationId xmlns:a16="http://schemas.microsoft.com/office/drawing/2014/main" id="{79961C22-BB4E-447F-9945-A4A2EEEC63A6}"/>
+                </a:ext>
+              </a:extLst>
+            </p:cNvPr>
+            <p:cNvGrpSpPr/>
+            <p:nvPr/>
+          </p:nvGrpSpPr>
+          <p:grpSpPr>
+            <a:xfrm>
+              <a:off x="2424672" y="3765351"/>
+              <a:ext cx="6458922" cy="348766"/>
+              <a:chOff x="2424672" y="3765351"/>
+              <a:chExt cx="6458922" cy="348766"/>
+            </a:xfrm>
+          </p:grpSpPr>
+          <p:sp>
+            <p:nvSpPr>
+              <p:cNvPr id="27" name="Rectangle 8">
+                <a:extLst>
+                  <a:ext uri="{FF2B5EF4-FFF2-40B4-BE49-F238E27FC236}">
+                    <a16:creationId xmlns:a16="http://schemas.microsoft.com/office/drawing/2014/main" id="{081E42C4-CDD8-474C-A9DC-8A7CB2E20017}"/>
+                  </a:ext>
+                </a:extLst>
+              </p:cNvPr>
+              <p:cNvSpPr/>
+              <p:nvPr/>
+            </p:nvSpPr>
+            <p:spPr>
+              <a:xfrm>
+                <a:off x="2873943" y="3767357"/>
+                <a:ext cx="1323049" cy="346760"/>
+              </a:xfrm>
+              <a:prstGeom prst="rect">
+                <a:avLst/>
+              </a:prstGeom>
+              <a:solidFill>
+                <a:schemeClr val="accent6">
+                  <a:lumMod val="75000"/>
+                </a:schemeClr>
+              </a:solidFill>
+              <a:ln w="19050">
                 <a:solidFill>
                   <a:schemeClr val="accent6">
                     <a:lumMod val="75000"/>
                   </a:schemeClr>
                 </a:solidFill>
-              </a:rPr>
-              <a:t>AddressBook</a:t>
-            </a:r>
-            <a:endParaRPr lang="en-SG" sz="1050" b="1" dirty="0">
+              </a:ln>
+              <a:effectLst/>
+            </p:spPr>
+            <p:style>
+              <a:lnRef idx="1">
+                <a:schemeClr val="accent2"/>
+              </a:lnRef>
+              <a:fillRef idx="2">
+                <a:schemeClr val="accent2"/>
+              </a:fillRef>
+              <a:effectRef idx="1">
+                <a:schemeClr val="accent2"/>
+              </a:effectRef>
+              <a:fontRef idx="minor">
+                <a:schemeClr val="dk1"/>
+              </a:fontRef>
+            </p:style>
+            <p:txBody>
+              <a:bodyPr rtlCol="0" anchor="ctr"/>
+              <a:lstStyle/>
+              <a:p>
+                <a:pPr algn="ctr"/>
+                <a:r>
+                  <a:rPr lang="en-US" sz="1050" dirty="0">
+                    <a:solidFill>
+                      <a:schemeClr val="bg1"/>
+                    </a:solidFill>
+                  </a:rPr>
+                  <a:t>&lt;&lt;interface&gt;&gt;</a:t>
+                </a:r>
+                <a:br>
+                  <a:rPr lang="en-US" sz="1050" dirty="0">
+                    <a:solidFill>
+                      <a:schemeClr val="bg1"/>
+                    </a:solidFill>
+                  </a:rPr>
+                </a:br>
+                <a:r>
+                  <a:rPr lang="en-US" sz="1050" dirty="0" err="1">
+                    <a:solidFill>
+                      <a:schemeClr val="bg1"/>
+                    </a:solidFill>
+                  </a:rPr>
+                  <a:t>LoginBookStorage</a:t>
+                </a:r>
+                <a:endParaRPr lang="en-SG" sz="1050" dirty="0">
+                  <a:solidFill>
+                    <a:schemeClr val="bg1"/>
+                  </a:solidFill>
+                </a:endParaRPr>
+              </a:p>
+            </p:txBody>
+          </p:sp>
+          <p:cxnSp>
+            <p:nvCxnSpPr>
+              <p:cNvPr id="28" name="Straight Arrow Connector 27">
+                <a:extLst>
+                  <a:ext uri="{FF2B5EF4-FFF2-40B4-BE49-F238E27FC236}">
+                    <a16:creationId xmlns:a16="http://schemas.microsoft.com/office/drawing/2014/main" id="{EAEDA6CC-6C7A-4C95-81CE-CC7D18DEC232}"/>
+                  </a:ext>
+                </a:extLst>
+              </p:cNvPr>
+              <p:cNvCxnSpPr>
+                <a:stCxn id="29" idx="3"/>
+              </p:cNvCxnSpPr>
+              <p:nvPr/>
+            </p:nvCxnSpPr>
+            <p:spPr>
+              <a:xfrm>
+                <a:off x="2660720" y="3934439"/>
+                <a:ext cx="220810" cy="5284"/>
+              </a:xfrm>
+              <a:prstGeom prst="straightConnector1">
+                <a:avLst/>
+              </a:prstGeom>
+              <a:ln w="19050">
+                <a:solidFill>
+                  <a:schemeClr val="accent6">
+                    <a:lumMod val="75000"/>
+                  </a:schemeClr>
+                </a:solidFill>
+                <a:headEnd type="none" w="med" len="med"/>
+                <a:tailEnd type="arrow" w="med" len="med"/>
+              </a:ln>
+              <a:effectLst/>
+            </p:spPr>
+            <p:style>
+              <a:lnRef idx="1">
+                <a:schemeClr val="accent2"/>
+              </a:lnRef>
+              <a:fillRef idx="2">
+                <a:schemeClr val="accent2"/>
+              </a:fillRef>
+              <a:effectRef idx="1">
+                <a:schemeClr val="accent2"/>
+              </a:effectRef>
+              <a:fontRef idx="minor">
+                <a:schemeClr val="dk1"/>
+              </a:fontRef>
+            </p:style>
+          </p:cxnSp>
+          <p:sp>
+            <p:nvSpPr>
+              <p:cNvPr id="29" name="Flowchart: Decision 96">
+                <a:extLst>
+                  <a:ext uri="{FF2B5EF4-FFF2-40B4-BE49-F238E27FC236}">
+                    <a16:creationId xmlns:a16="http://schemas.microsoft.com/office/drawing/2014/main" id="{00004727-7AD2-44FB-B135-3E493BDD7827}"/>
+                  </a:ext>
+                </a:extLst>
+              </p:cNvPr>
+              <p:cNvSpPr/>
+              <p:nvPr/>
+            </p:nvSpPr>
+            <p:spPr>
+              <a:xfrm>
+                <a:off x="2424672" y="3847749"/>
+                <a:ext cx="236048" cy="173380"/>
+              </a:xfrm>
+              <a:prstGeom prst="flowChartDecision">
+                <a:avLst/>
+              </a:prstGeom>
+              <a:noFill/>
+              <a:ln w="19050">
+                <a:solidFill>
+                  <a:schemeClr val="accent6">
+                    <a:lumMod val="75000"/>
+                  </a:schemeClr>
+                </a:solidFill>
+              </a:ln>
+              <a:effectLst/>
+            </p:spPr>
+            <p:style>
+              <a:lnRef idx="1">
+                <a:schemeClr val="accent2"/>
+              </a:lnRef>
+              <a:fillRef idx="2">
+                <a:schemeClr val="accent2"/>
+              </a:fillRef>
+              <a:effectRef idx="1">
+                <a:schemeClr val="accent2"/>
+              </a:effectRef>
+              <a:fontRef idx="minor">
+                <a:schemeClr val="dk1"/>
+              </a:fontRef>
+            </p:style>
+            <p:txBody>
+              <a:bodyPr rtlCol="0" anchor="ctr"/>
+              <a:lstStyle/>
+              <a:p>
+                <a:pPr algn="ctr"/>
+                <a:endParaRPr lang="en-US" sz="1050">
+                  <a:solidFill>
+                    <a:schemeClr val="bg1"/>
+                  </a:solidFill>
+                </a:endParaRPr>
+              </a:p>
+            </p:txBody>
+          </p:sp>
+          <p:cxnSp>
+            <p:nvCxnSpPr>
+              <p:cNvPr id="30" name="Elbow Connector 63">
+                <a:extLst>
+                  <a:ext uri="{FF2B5EF4-FFF2-40B4-BE49-F238E27FC236}">
+                    <a16:creationId xmlns:a16="http://schemas.microsoft.com/office/drawing/2014/main" id="{1E4CB7D2-558A-4430-B975-DDEBC8598932}"/>
+                  </a:ext>
+                </a:extLst>
+              </p:cNvPr>
+              <p:cNvCxnSpPr>
+                <a:stCxn id="31" idx="3"/>
+                <a:endCxn id="33" idx="1"/>
+              </p:cNvCxnSpPr>
+              <p:nvPr/>
+            </p:nvCxnSpPr>
+            <p:spPr>
+              <a:xfrm flipV="1">
+                <a:off x="4406179" y="3938731"/>
+                <a:ext cx="223324" cy="1"/>
+              </a:xfrm>
+              <a:prstGeom prst="bentConnector3">
+                <a:avLst>
+                  <a:gd name="adj1" fmla="val 50000"/>
+                </a:avLst>
+              </a:prstGeom>
+              <a:ln w="19050">
+                <a:solidFill>
+                  <a:schemeClr val="accent6">
+                    <a:lumMod val="75000"/>
+                  </a:schemeClr>
+                </a:solidFill>
+                <a:prstDash val="sysDot"/>
+                <a:headEnd type="none" w="med" len="med"/>
+                <a:tailEnd type="none" w="med" len="med"/>
+              </a:ln>
+              <a:effectLst/>
+            </p:spPr>
+            <p:style>
+              <a:lnRef idx="1">
+                <a:schemeClr val="accent2"/>
+              </a:lnRef>
+              <a:fillRef idx="2">
+                <a:schemeClr val="accent2"/>
+              </a:fillRef>
+              <a:effectRef idx="1">
+                <a:schemeClr val="accent2"/>
+              </a:effectRef>
+              <a:fontRef idx="minor">
+                <a:schemeClr val="dk1"/>
+              </a:fontRef>
+            </p:style>
+          </p:cxnSp>
+          <p:sp>
+            <p:nvSpPr>
+              <p:cNvPr id="31" name="Isosceles Triangle 102">
+                <a:extLst>
+                  <a:ext uri="{FF2B5EF4-FFF2-40B4-BE49-F238E27FC236}">
+                    <a16:creationId xmlns:a16="http://schemas.microsoft.com/office/drawing/2014/main" id="{10918CB4-A0CF-450B-BF83-6A706D37D5EC}"/>
+                  </a:ext>
+                </a:extLst>
+              </p:cNvPr>
+              <p:cNvSpPr/>
+              <p:nvPr/>
+            </p:nvSpPr>
+            <p:spPr>
+              <a:xfrm rot="5400000" flipV="1">
+                <a:off x="4183165" y="3850970"/>
+                <a:ext cx="270504" cy="175523"/>
+              </a:xfrm>
+              <a:prstGeom prst="triangle">
+                <a:avLst/>
+              </a:prstGeom>
               <a:solidFill>
                 <a:schemeClr val="accent6">
                   <a:lumMod val="75000"/>
                 </a:schemeClr>
               </a:solidFill>
-            </a:endParaRPr>
-          </a:p>
-        </p:txBody>
-      </p:sp>
-      <p:cxnSp>
-        <p:nvCxnSpPr>
-          <p:cNvPr id="70" name="Elbow Connector 122"/>
-          <p:cNvCxnSpPr>
-            <a:stCxn id="74" idx="0"/>
-            <a:endCxn id="73" idx="2"/>
-          </p:cNvCxnSpPr>
-          <p:nvPr/>
-        </p:nvCxnSpPr>
-        <p:spPr>
-          <a:xfrm rot="5400000" flipH="1" flipV="1">
-            <a:off x="8077993" y="2992020"/>
-            <a:ext cx="335208" cy="12700"/>
-          </a:xfrm>
-          <a:prstGeom prst="bentConnector3">
-            <a:avLst>
-              <a:gd name="adj1" fmla="val 50000"/>
-            </a:avLst>
-          </a:prstGeom>
-          <a:ln w="19050">
-            <a:prstDash val="sysDot"/>
-            <a:headEnd type="none" w="med" len="med"/>
-            <a:tailEnd type="arrow" w="med" len="med"/>
-          </a:ln>
-          <a:effectLst/>
-        </p:spPr>
-        <p:style>
-          <a:lnRef idx="1">
-            <a:schemeClr val="accent6"/>
-          </a:lnRef>
-          <a:fillRef idx="2">
-            <a:schemeClr val="accent6"/>
-          </a:fillRef>
-          <a:effectRef idx="1">
-            <a:schemeClr val="accent6"/>
-          </a:effectRef>
-          <a:fontRef idx="minor">
-            <a:schemeClr val="dk1"/>
-          </a:fontRef>
-        </p:style>
-      </p:cxnSp>
-      <p:sp>
-        <p:nvSpPr>
-          <p:cNvPr id="73" name="Rectangle 8"/>
-          <p:cNvSpPr/>
-          <p:nvPr/>
-        </p:nvSpPr>
-        <p:spPr>
-          <a:xfrm>
-            <a:off x="7615738" y="2477656"/>
-            <a:ext cx="1259718" cy="346760"/>
-          </a:xfrm>
-          <a:prstGeom prst="rect">
-            <a:avLst/>
-          </a:prstGeom>
-          <a:ln w="19050"/>
-          <a:effectLst/>
-        </p:spPr>
-        <p:style>
-          <a:lnRef idx="1">
-            <a:schemeClr val="accent6"/>
-          </a:lnRef>
-          <a:fillRef idx="2">
-            <a:schemeClr val="accent6"/>
-          </a:fillRef>
-          <a:effectRef idx="1">
-            <a:schemeClr val="accent6"/>
-          </a:effectRef>
-          <a:fontRef idx="minor">
-            <a:schemeClr val="dk1"/>
-          </a:fontRef>
-        </p:style>
-        <p:txBody>
-          <a:bodyPr rtlCol="0" anchor="ctr"/>
-          <a:lstStyle/>
-          <a:p>
-            <a:pPr algn="ctr"/>
-            <a:r>
-              <a:rPr lang="en-US" sz="1050" b="1" dirty="0" err="1">
+              <a:ln w="19050">
                 <a:solidFill>
                   <a:schemeClr val="accent6">
                     <a:lumMod val="75000"/>
                   </a:schemeClr>
                 </a:solidFill>
-              </a:rPr>
-              <a:t>XmlAdaptedTag</a:t>
-            </a:r>
-            <a:endParaRPr lang="en-SG" sz="1050" b="1" dirty="0">
+              </a:ln>
+              <a:effectLst/>
+            </p:spPr>
+            <p:style>
+              <a:lnRef idx="1">
+                <a:schemeClr val="accent2"/>
+              </a:lnRef>
+              <a:fillRef idx="2">
+                <a:schemeClr val="accent2"/>
+              </a:fillRef>
+              <a:effectRef idx="1">
+                <a:schemeClr val="accent2"/>
+              </a:effectRef>
+              <a:fontRef idx="minor">
+                <a:schemeClr val="dk1"/>
+              </a:fontRef>
+            </p:style>
+            <p:txBody>
+              <a:bodyPr rtlCol="0" anchor="ctr"/>
+              <a:lstStyle/>
+              <a:p>
+                <a:pPr algn="ctr"/>
+                <a:endParaRPr lang="en-SG" sz="1050">
+                  <a:solidFill>
+                    <a:schemeClr val="bg1"/>
+                  </a:solidFill>
+                </a:endParaRPr>
+              </a:p>
+            </p:txBody>
+          </p:sp>
+          <p:cxnSp>
+            <p:nvCxnSpPr>
+              <p:cNvPr id="32" name="Elbow Connector 122">
+                <a:extLst>
+                  <a:ext uri="{FF2B5EF4-FFF2-40B4-BE49-F238E27FC236}">
+                    <a16:creationId xmlns:a16="http://schemas.microsoft.com/office/drawing/2014/main" id="{2A5B24B7-19C8-4832-9BCC-52DA25F79DD8}"/>
+                  </a:ext>
+                </a:extLst>
+              </p:cNvPr>
+              <p:cNvCxnSpPr>
+                <a:stCxn id="33" idx="3"/>
+                <a:endCxn id="34" idx="1"/>
+              </p:cNvCxnSpPr>
+              <p:nvPr/>
+            </p:nvCxnSpPr>
+            <p:spPr>
+              <a:xfrm>
+                <a:off x="5799338" y="3938731"/>
+                <a:ext cx="228600" cy="1970"/>
+              </a:xfrm>
+              <a:prstGeom prst="bentConnector3">
+                <a:avLst>
+                  <a:gd name="adj1" fmla="val 50000"/>
+                </a:avLst>
+              </a:prstGeom>
+              <a:ln w="19050">
+                <a:solidFill>
+                  <a:schemeClr val="accent6">
+                    <a:lumMod val="75000"/>
+                  </a:schemeClr>
+                </a:solidFill>
+                <a:prstDash val="sysDot"/>
+                <a:headEnd type="none" w="med" len="med"/>
+                <a:tailEnd type="arrow" w="med" len="med"/>
+              </a:ln>
+              <a:effectLst/>
+            </p:spPr>
+            <p:style>
+              <a:lnRef idx="1">
+                <a:schemeClr val="accent2"/>
+              </a:lnRef>
+              <a:fillRef idx="2">
+                <a:schemeClr val="accent2"/>
+              </a:fillRef>
+              <a:effectRef idx="1">
+                <a:schemeClr val="accent2"/>
+              </a:effectRef>
+              <a:fontRef idx="minor">
+                <a:schemeClr val="dk1"/>
+              </a:fontRef>
+            </p:style>
+          </p:cxnSp>
+          <p:sp>
+            <p:nvSpPr>
+              <p:cNvPr id="33" name="Rectangle 8">
+                <a:extLst>
+                  <a:ext uri="{FF2B5EF4-FFF2-40B4-BE49-F238E27FC236}">
+                    <a16:creationId xmlns:a16="http://schemas.microsoft.com/office/drawing/2014/main" id="{6C6D0DF4-A3E3-4410-9DCB-44D9E3DEBDA4}"/>
+                  </a:ext>
+                </a:extLst>
+              </p:cNvPr>
+              <p:cNvSpPr/>
+              <p:nvPr/>
+            </p:nvSpPr>
+            <p:spPr>
+              <a:xfrm>
+                <a:off x="4629503" y="3765351"/>
+                <a:ext cx="1169835" cy="346760"/>
+              </a:xfrm>
+              <a:prstGeom prst="rect">
+                <a:avLst/>
+              </a:prstGeom>
+              <a:ln w="19050"/>
+              <a:effectLst/>
+            </p:spPr>
+            <p:style>
+              <a:lnRef idx="1">
+                <a:schemeClr val="accent6"/>
+              </a:lnRef>
+              <a:fillRef idx="2">
+                <a:schemeClr val="accent6"/>
+              </a:fillRef>
+              <a:effectRef idx="1">
+                <a:schemeClr val="accent6"/>
+              </a:effectRef>
+              <a:fontRef idx="minor">
+                <a:schemeClr val="dk1"/>
+              </a:fontRef>
+            </p:style>
+            <p:txBody>
+              <a:bodyPr rtlCol="0" anchor="ctr"/>
+              <a:lstStyle/>
+              <a:p>
+                <a:pPr algn="ctr"/>
+                <a:r>
+                  <a:rPr lang="en-US" sz="1050" b="1" dirty="0" err="1">
+                    <a:solidFill>
+                      <a:schemeClr val="accent6">
+                        <a:lumMod val="75000"/>
+                      </a:schemeClr>
+                    </a:solidFill>
+                  </a:rPr>
+                  <a:t>XmlLoginBook</a:t>
+                </a:r>
+                <a:br>
+                  <a:rPr lang="en-US" sz="1050" b="1" dirty="0">
+                    <a:solidFill>
+                      <a:schemeClr val="accent6">
+                        <a:lumMod val="75000"/>
+                      </a:schemeClr>
+                    </a:solidFill>
+                  </a:rPr>
+                </a:br>
+                <a:r>
+                  <a:rPr lang="en-US" sz="1050" b="1" dirty="0">
+                    <a:solidFill>
+                      <a:schemeClr val="accent6">
+                        <a:lumMod val="75000"/>
+                      </a:schemeClr>
+                    </a:solidFill>
+                  </a:rPr>
+                  <a:t>Storage</a:t>
+                </a:r>
+                <a:endParaRPr lang="en-SG" sz="1050" b="1" dirty="0">
+                  <a:solidFill>
+                    <a:schemeClr val="accent6">
+                      <a:lumMod val="75000"/>
+                    </a:schemeClr>
+                  </a:solidFill>
+                </a:endParaRPr>
+              </a:p>
+            </p:txBody>
+          </p:sp>
+          <p:sp>
+            <p:nvSpPr>
+              <p:cNvPr id="34" name="Rectangle 8">
+                <a:extLst>
+                  <a:ext uri="{FF2B5EF4-FFF2-40B4-BE49-F238E27FC236}">
+                    <a16:creationId xmlns:a16="http://schemas.microsoft.com/office/drawing/2014/main" id="{D89B98CC-4F75-42E9-BBAE-783CF6BB6099}"/>
+                  </a:ext>
+                </a:extLst>
+              </p:cNvPr>
+              <p:cNvSpPr/>
+              <p:nvPr/>
+            </p:nvSpPr>
+            <p:spPr>
+              <a:xfrm>
+                <a:off x="6027938" y="3767321"/>
+                <a:ext cx="1200707" cy="346760"/>
+              </a:xfrm>
+              <a:prstGeom prst="rect">
+                <a:avLst/>
+              </a:prstGeom>
+              <a:ln w="19050"/>
+              <a:effectLst/>
+            </p:spPr>
+            <p:style>
+              <a:lnRef idx="1">
+                <a:schemeClr val="accent6"/>
+              </a:lnRef>
+              <a:fillRef idx="2">
+                <a:schemeClr val="accent6"/>
+              </a:fillRef>
+              <a:effectRef idx="1">
+                <a:schemeClr val="accent6"/>
+              </a:effectRef>
+              <a:fontRef idx="minor">
+                <a:schemeClr val="dk1"/>
+              </a:fontRef>
+            </p:style>
+            <p:txBody>
+              <a:bodyPr rtlCol="0" anchor="ctr"/>
+              <a:lstStyle/>
+              <a:p>
+                <a:pPr algn="ctr"/>
+                <a:r>
+                  <a:rPr lang="en-US" sz="1050" b="1" dirty="0" err="1">
+                    <a:solidFill>
+                      <a:schemeClr val="accent6">
+                        <a:lumMod val="75000"/>
+                      </a:schemeClr>
+                    </a:solidFill>
+                  </a:rPr>
+                  <a:t>XmlSerializable</a:t>
+                </a:r>
+                <a:br>
+                  <a:rPr lang="en-US" sz="1050" b="1" dirty="0">
+                    <a:solidFill>
+                      <a:schemeClr val="accent6">
+                        <a:lumMod val="75000"/>
+                      </a:schemeClr>
+                    </a:solidFill>
+                  </a:rPr>
+                </a:br>
+                <a:r>
+                  <a:rPr lang="en-US" sz="1050" b="1" dirty="0" err="1">
+                    <a:solidFill>
+                      <a:schemeClr val="accent6">
+                        <a:lumMod val="75000"/>
+                      </a:schemeClr>
+                    </a:solidFill>
+                  </a:rPr>
+                  <a:t>LoginBook</a:t>
+                </a:r>
+                <a:endParaRPr lang="en-SG" sz="1050" b="1" dirty="0">
+                  <a:solidFill>
+                    <a:schemeClr val="accent6">
+                      <a:lumMod val="75000"/>
+                    </a:schemeClr>
+                  </a:solidFill>
+                </a:endParaRPr>
+              </a:p>
+            </p:txBody>
+          </p:sp>
+          <p:sp>
+            <p:nvSpPr>
+              <p:cNvPr id="35" name="Rectangle 8">
+                <a:extLst>
+                  <a:ext uri="{FF2B5EF4-FFF2-40B4-BE49-F238E27FC236}">
+                    <a16:creationId xmlns:a16="http://schemas.microsoft.com/office/drawing/2014/main" id="{5D48B553-7FFB-4774-9504-C3BCCDF8E03A}"/>
+                  </a:ext>
+                </a:extLst>
+              </p:cNvPr>
+              <p:cNvSpPr/>
+              <p:nvPr/>
+            </p:nvSpPr>
+            <p:spPr>
+              <a:xfrm>
+                <a:off x="7623876" y="3766535"/>
+                <a:ext cx="1259718" cy="346760"/>
+              </a:xfrm>
+              <a:prstGeom prst="rect">
+                <a:avLst/>
+              </a:prstGeom>
+              <a:ln w="19050"/>
+              <a:effectLst/>
+            </p:spPr>
+            <p:style>
+              <a:lnRef idx="1">
+                <a:schemeClr val="accent6"/>
+              </a:lnRef>
+              <a:fillRef idx="2">
+                <a:schemeClr val="accent6"/>
+              </a:fillRef>
+              <a:effectRef idx="1">
+                <a:schemeClr val="accent6"/>
+              </a:effectRef>
+              <a:fontRef idx="minor">
+                <a:schemeClr val="dk1"/>
+              </a:fontRef>
+            </p:style>
+            <p:txBody>
+              <a:bodyPr rtlCol="0" anchor="ctr"/>
+              <a:lstStyle/>
+              <a:p>
+                <a:pPr algn="ctr"/>
+                <a:r>
+                  <a:rPr lang="en-US" sz="1050" b="1" dirty="0" err="1">
+                    <a:solidFill>
+                      <a:schemeClr val="accent6">
+                        <a:lumMod val="75000"/>
+                      </a:schemeClr>
+                    </a:solidFill>
+                  </a:rPr>
+                  <a:t>XmlAccount</a:t>
+                </a:r>
+                <a:endParaRPr lang="en-SG" sz="1050" b="1" dirty="0">
+                  <a:solidFill>
+                    <a:schemeClr val="accent6">
+                      <a:lumMod val="75000"/>
+                    </a:schemeClr>
+                  </a:solidFill>
+                </a:endParaRPr>
+              </a:p>
+            </p:txBody>
+          </p:sp>
+          <p:cxnSp>
+            <p:nvCxnSpPr>
+              <p:cNvPr id="36" name="Elbow Connector 122">
+                <a:extLst>
+                  <a:ext uri="{FF2B5EF4-FFF2-40B4-BE49-F238E27FC236}">
+                    <a16:creationId xmlns:a16="http://schemas.microsoft.com/office/drawing/2014/main" id="{4C78C629-F5A7-46A4-9250-8C221AB7915D}"/>
+                  </a:ext>
+                </a:extLst>
+              </p:cNvPr>
+              <p:cNvCxnSpPr>
+                <a:stCxn id="34" idx="3"/>
+                <a:endCxn id="35" idx="1"/>
+              </p:cNvCxnSpPr>
+              <p:nvPr/>
+            </p:nvCxnSpPr>
+            <p:spPr>
+              <a:xfrm flipV="1">
+                <a:off x="7228645" y="3939915"/>
+                <a:ext cx="395231" cy="786"/>
+              </a:xfrm>
+              <a:prstGeom prst="bentConnector3">
+                <a:avLst>
+                  <a:gd name="adj1" fmla="val 50000"/>
+                </a:avLst>
+              </a:prstGeom>
+              <a:ln w="19050">
+                <a:prstDash val="sysDot"/>
+                <a:headEnd type="none" w="med" len="med"/>
+                <a:tailEnd type="arrow" w="med" len="med"/>
+              </a:ln>
+              <a:effectLst/>
+            </p:spPr>
+            <p:style>
+              <a:lnRef idx="1">
+                <a:schemeClr val="accent6"/>
+              </a:lnRef>
+              <a:fillRef idx="2">
+                <a:schemeClr val="accent6"/>
+              </a:fillRef>
+              <a:effectRef idx="1">
+                <a:schemeClr val="accent6"/>
+              </a:effectRef>
+              <a:fontRef idx="minor">
+                <a:schemeClr val="dk1"/>
+              </a:fontRef>
+            </p:style>
+          </p:cxnSp>
+        </p:grpSp>
+        <p:grpSp>
+          <p:nvGrpSpPr>
+            <p:cNvPr id="37" name="Group 36">
+              <a:extLst>
+                <a:ext uri="{FF2B5EF4-FFF2-40B4-BE49-F238E27FC236}">
+                  <a16:creationId xmlns:a16="http://schemas.microsoft.com/office/drawing/2014/main" id="{EE4454A4-9078-48E0-84E0-2B3B17BA04AE}"/>
+                </a:ext>
+              </a:extLst>
+            </p:cNvPr>
+            <p:cNvGrpSpPr/>
+            <p:nvPr/>
+          </p:nvGrpSpPr>
+          <p:grpSpPr>
+            <a:xfrm>
+              <a:off x="2393393" y="4269071"/>
+              <a:ext cx="6467858" cy="477814"/>
+              <a:chOff x="2407598" y="3029356"/>
+              <a:chExt cx="6467858" cy="477814"/>
+            </a:xfrm>
+          </p:grpSpPr>
+          <p:sp>
+            <p:nvSpPr>
+              <p:cNvPr id="38" name="Rectangle 8">
+                <a:extLst>
+                  <a:ext uri="{FF2B5EF4-FFF2-40B4-BE49-F238E27FC236}">
+                    <a16:creationId xmlns:a16="http://schemas.microsoft.com/office/drawing/2014/main" id="{B38C0CF3-6440-4DB7-A58A-1EE86EE4F0D7}"/>
+                  </a:ext>
+                </a:extLst>
+              </p:cNvPr>
+              <p:cNvSpPr/>
+              <p:nvPr/>
+            </p:nvSpPr>
+            <p:spPr>
+              <a:xfrm>
+                <a:off x="2877180" y="3030142"/>
+                <a:ext cx="1323049" cy="475058"/>
+              </a:xfrm>
+              <a:prstGeom prst="rect">
+                <a:avLst/>
+              </a:prstGeom>
               <a:solidFill>
                 <a:schemeClr val="accent6">
                   <a:lumMod val="75000"/>
                 </a:schemeClr>
               </a:solidFill>
-            </a:endParaRPr>
-          </a:p>
-        </p:txBody>
-      </p:sp>
-      <p:sp>
-        <p:nvSpPr>
-          <p:cNvPr id="74" name="Rectangle 8"/>
-          <p:cNvSpPr/>
-          <p:nvPr/>
-        </p:nvSpPr>
-        <p:spPr>
-          <a:xfrm>
-            <a:off x="7615738" y="3159624"/>
-            <a:ext cx="1259718" cy="346760"/>
-          </a:xfrm>
-          <a:prstGeom prst="rect">
-            <a:avLst/>
-          </a:prstGeom>
-          <a:ln w="19050"/>
-          <a:effectLst/>
-        </p:spPr>
-        <p:style>
-          <a:lnRef idx="1">
-            <a:schemeClr val="accent6"/>
-          </a:lnRef>
-          <a:fillRef idx="2">
-            <a:schemeClr val="accent6"/>
-          </a:fillRef>
-          <a:effectRef idx="1">
-            <a:schemeClr val="accent6"/>
-          </a:effectRef>
-          <a:fontRef idx="minor">
-            <a:schemeClr val="dk1"/>
-          </a:fontRef>
-        </p:style>
-        <p:txBody>
-          <a:bodyPr rtlCol="0" anchor="ctr"/>
-          <a:lstStyle/>
-          <a:p>
-            <a:pPr algn="ctr"/>
-            <a:r>
-              <a:rPr lang="en-US" sz="1050" b="1" dirty="0" err="1">
+              <a:ln w="19050">
                 <a:solidFill>
                   <a:schemeClr val="accent6">
                     <a:lumMod val="75000"/>
                   </a:schemeClr>
                 </a:solidFill>
-              </a:rPr>
-              <a:t>XmlAdaptedPerson</a:t>
-            </a:r>
-            <a:endParaRPr lang="en-SG" sz="1050" b="1" dirty="0">
+              </a:ln>
+              <a:effectLst/>
+            </p:spPr>
+            <p:style>
+              <a:lnRef idx="1">
+                <a:schemeClr val="accent2"/>
+              </a:lnRef>
+              <a:fillRef idx="2">
+                <a:schemeClr val="accent2"/>
+              </a:fillRef>
+              <a:effectRef idx="1">
+                <a:schemeClr val="accent2"/>
+              </a:effectRef>
+              <a:fontRef idx="minor">
+                <a:schemeClr val="dk1"/>
+              </a:fontRef>
+            </p:style>
+            <p:txBody>
+              <a:bodyPr rtlCol="0" anchor="ctr"/>
+              <a:lstStyle/>
+              <a:p>
+                <a:pPr algn="ctr"/>
+                <a:r>
+                  <a:rPr lang="en-US" sz="1050" dirty="0">
+                    <a:solidFill>
+                      <a:schemeClr val="bg1"/>
+                    </a:solidFill>
+                  </a:rPr>
+                  <a:t>&lt;&lt;interface&gt;&gt;</a:t>
+                </a:r>
+                <a:br>
+                  <a:rPr lang="en-US" sz="1050" dirty="0">
+                    <a:solidFill>
+                      <a:schemeClr val="bg1"/>
+                    </a:solidFill>
+                  </a:rPr>
+                </a:br>
+                <a:r>
+                  <a:rPr lang="en-US" sz="1050" dirty="0" err="1">
+                    <a:solidFill>
+                      <a:schemeClr val="bg1"/>
+                    </a:solidFill>
+                  </a:rPr>
+                  <a:t>ClubBudgetElementsBookStorage</a:t>
+                </a:r>
+                <a:endParaRPr lang="en-SG" sz="1050" dirty="0">
+                  <a:solidFill>
+                    <a:schemeClr val="bg1"/>
+                  </a:solidFill>
+                </a:endParaRPr>
+              </a:p>
+            </p:txBody>
+          </p:sp>
+          <p:cxnSp>
+            <p:nvCxnSpPr>
+              <p:cNvPr id="39" name="Straight Arrow Connector 38">
+                <a:extLst>
+                  <a:ext uri="{FF2B5EF4-FFF2-40B4-BE49-F238E27FC236}">
+                    <a16:creationId xmlns:a16="http://schemas.microsoft.com/office/drawing/2014/main" id="{7E167190-4803-4B81-8E66-9B92D813A490}"/>
+                  </a:ext>
+                </a:extLst>
+              </p:cNvPr>
+              <p:cNvCxnSpPr>
+                <a:cxnSpLocks/>
+                <a:stCxn id="40" idx="3"/>
+                <a:endCxn id="38" idx="1"/>
+              </p:cNvCxnSpPr>
+              <p:nvPr/>
+            </p:nvCxnSpPr>
+            <p:spPr>
+              <a:xfrm>
+                <a:off x="2643646" y="3264446"/>
+                <a:ext cx="233534" cy="3225"/>
+              </a:xfrm>
+              <a:prstGeom prst="straightConnector1">
+                <a:avLst/>
+              </a:prstGeom>
+              <a:ln w="19050">
+                <a:solidFill>
+                  <a:schemeClr val="accent6">
+                    <a:lumMod val="75000"/>
+                  </a:schemeClr>
+                </a:solidFill>
+                <a:headEnd type="none" w="med" len="med"/>
+                <a:tailEnd type="arrow" w="med" len="med"/>
+              </a:ln>
+              <a:effectLst/>
+            </p:spPr>
+            <p:style>
+              <a:lnRef idx="1">
+                <a:schemeClr val="accent2"/>
+              </a:lnRef>
+              <a:fillRef idx="2">
+                <a:schemeClr val="accent2"/>
+              </a:fillRef>
+              <a:effectRef idx="1">
+                <a:schemeClr val="accent2"/>
+              </a:effectRef>
+              <a:fontRef idx="minor">
+                <a:schemeClr val="dk1"/>
+              </a:fontRef>
+            </p:style>
+          </p:cxnSp>
+          <p:sp>
+            <p:nvSpPr>
+              <p:cNvPr id="40" name="Flowchart: Decision 96">
+                <a:extLst>
+                  <a:ext uri="{FF2B5EF4-FFF2-40B4-BE49-F238E27FC236}">
+                    <a16:creationId xmlns:a16="http://schemas.microsoft.com/office/drawing/2014/main" id="{4119FD7C-D0C7-4160-ABF7-C99C8C12348C}"/>
+                  </a:ext>
+                </a:extLst>
+              </p:cNvPr>
+              <p:cNvSpPr/>
+              <p:nvPr/>
+            </p:nvSpPr>
+            <p:spPr>
+              <a:xfrm>
+                <a:off x="2407598" y="3177756"/>
+                <a:ext cx="236048" cy="173380"/>
+              </a:xfrm>
+              <a:prstGeom prst="flowChartDecision">
+                <a:avLst/>
+              </a:prstGeom>
+              <a:noFill/>
+              <a:ln w="19050">
+                <a:solidFill>
+                  <a:schemeClr val="accent6">
+                    <a:lumMod val="75000"/>
+                  </a:schemeClr>
+                </a:solidFill>
+              </a:ln>
+              <a:effectLst/>
+            </p:spPr>
+            <p:style>
+              <a:lnRef idx="1">
+                <a:schemeClr val="accent2"/>
+              </a:lnRef>
+              <a:fillRef idx="2">
+                <a:schemeClr val="accent2"/>
+              </a:fillRef>
+              <a:effectRef idx="1">
+                <a:schemeClr val="accent2"/>
+              </a:effectRef>
+              <a:fontRef idx="minor">
+                <a:schemeClr val="dk1"/>
+              </a:fontRef>
+            </p:style>
+            <p:txBody>
+              <a:bodyPr rtlCol="0" anchor="ctr"/>
+              <a:lstStyle/>
+              <a:p>
+                <a:pPr algn="ctr"/>
+                <a:endParaRPr lang="en-US" sz="1050">
+                  <a:solidFill>
+                    <a:schemeClr val="bg1"/>
+                  </a:solidFill>
+                </a:endParaRPr>
+              </a:p>
+            </p:txBody>
+          </p:sp>
+          <p:cxnSp>
+            <p:nvCxnSpPr>
+              <p:cNvPr id="41" name="Elbow Connector 63">
+                <a:extLst>
+                  <a:ext uri="{FF2B5EF4-FFF2-40B4-BE49-F238E27FC236}">
+                    <a16:creationId xmlns:a16="http://schemas.microsoft.com/office/drawing/2014/main" id="{C2BFA1F3-F06B-4542-8CF1-2254F60346DF}"/>
+                  </a:ext>
+                </a:extLst>
+              </p:cNvPr>
+              <p:cNvCxnSpPr>
+                <a:cxnSpLocks/>
+                <a:stCxn id="43" idx="3"/>
+                <a:endCxn id="45" idx="1"/>
+              </p:cNvCxnSpPr>
+              <p:nvPr/>
+            </p:nvCxnSpPr>
+            <p:spPr>
+              <a:xfrm>
+                <a:off x="4383370" y="3266059"/>
+                <a:ext cx="237995" cy="1612"/>
+              </a:xfrm>
+              <a:prstGeom prst="bentConnector3">
+                <a:avLst>
+                  <a:gd name="adj1" fmla="val 50000"/>
+                </a:avLst>
+              </a:prstGeom>
+              <a:ln w="19050">
+                <a:solidFill>
+                  <a:schemeClr val="accent6">
+                    <a:lumMod val="75000"/>
+                  </a:schemeClr>
+                </a:solidFill>
+                <a:prstDash val="sysDot"/>
+                <a:headEnd type="none" w="med" len="med"/>
+                <a:tailEnd type="none" w="med" len="med"/>
+              </a:ln>
+              <a:effectLst/>
+            </p:spPr>
+            <p:style>
+              <a:lnRef idx="1">
+                <a:schemeClr val="accent2"/>
+              </a:lnRef>
+              <a:fillRef idx="2">
+                <a:schemeClr val="accent2"/>
+              </a:fillRef>
+              <a:effectRef idx="1">
+                <a:schemeClr val="accent2"/>
+              </a:effectRef>
+              <a:fontRef idx="minor">
+                <a:schemeClr val="dk1"/>
+              </a:fontRef>
+            </p:style>
+          </p:cxnSp>
+          <p:sp>
+            <p:nvSpPr>
+              <p:cNvPr id="43" name="Isosceles Triangle 102">
+                <a:extLst>
+                  <a:ext uri="{FF2B5EF4-FFF2-40B4-BE49-F238E27FC236}">
+                    <a16:creationId xmlns:a16="http://schemas.microsoft.com/office/drawing/2014/main" id="{3C1F8DEF-D9F3-4B3A-9BE7-F9B2588D3FD5}"/>
+                  </a:ext>
+                </a:extLst>
+              </p:cNvPr>
+              <p:cNvSpPr/>
+              <p:nvPr/>
+            </p:nvSpPr>
+            <p:spPr>
+              <a:xfrm rot="5400000" flipV="1">
+                <a:off x="4160356" y="3178297"/>
+                <a:ext cx="270504" cy="175523"/>
+              </a:xfrm>
+              <a:prstGeom prst="triangle">
+                <a:avLst/>
+              </a:prstGeom>
               <a:solidFill>
                 <a:schemeClr val="accent6">
                   <a:lumMod val="75000"/>
                 </a:schemeClr>
               </a:solidFill>
-            </a:endParaRPr>
-          </a:p>
-        </p:txBody>
-      </p:sp>
-      <p:cxnSp>
-        <p:nvCxnSpPr>
-          <p:cNvPr id="77" name="Elbow Connector 122"/>
-          <p:cNvCxnSpPr>
-            <a:stCxn id="66" idx="3"/>
-            <a:endCxn id="74" idx="1"/>
-          </p:cNvCxnSpPr>
-          <p:nvPr/>
-        </p:nvCxnSpPr>
-        <p:spPr>
-          <a:xfrm flipV="1">
-            <a:off x="7220507" y="3333004"/>
-            <a:ext cx="395231" cy="786"/>
-          </a:xfrm>
-          <a:prstGeom prst="bentConnector3">
-            <a:avLst>
-              <a:gd name="adj1" fmla="val 50000"/>
-            </a:avLst>
-          </a:prstGeom>
-          <a:ln w="19050">
-            <a:prstDash val="sysDot"/>
-            <a:headEnd type="none" w="med" len="med"/>
-            <a:tailEnd type="arrow" w="med" len="med"/>
-          </a:ln>
-          <a:effectLst/>
-        </p:spPr>
-        <p:style>
-          <a:lnRef idx="1">
-            <a:schemeClr val="accent6"/>
-          </a:lnRef>
-          <a:fillRef idx="2">
-            <a:schemeClr val="accent6"/>
-          </a:fillRef>
-          <a:effectRef idx="1">
-            <a:schemeClr val="accent6"/>
-          </a:effectRef>
-          <a:fontRef idx="minor">
-            <a:schemeClr val="dk1"/>
-          </a:fontRef>
-        </p:style>
-      </p:cxnSp>
-      <p:sp>
-        <p:nvSpPr>
-          <p:cNvPr id="27" name="Rectangle 8">
-            <a:extLst>
-              <a:ext uri="{FF2B5EF4-FFF2-40B4-BE49-F238E27FC236}">
-                <a16:creationId xmlns:a16="http://schemas.microsoft.com/office/drawing/2014/main" id="{081E42C4-CDD8-474C-A9DC-8A7CB2E20017}"/>
-              </a:ext>
-            </a:extLst>
-          </p:cNvPr>
-          <p:cNvSpPr/>
-          <p:nvPr/>
-        </p:nvSpPr>
-        <p:spPr>
-          <a:xfrm>
-            <a:off x="2873943" y="3767357"/>
-            <a:ext cx="1323049" cy="346760"/>
-          </a:xfrm>
-          <a:prstGeom prst="rect">
-            <a:avLst/>
-          </a:prstGeom>
-          <a:solidFill>
-            <a:schemeClr val="accent6">
-              <a:lumMod val="75000"/>
-            </a:schemeClr>
-          </a:solidFill>
-          <a:ln w="19050">
-            <a:solidFill>
-              <a:schemeClr val="accent6">
-                <a:lumMod val="75000"/>
-              </a:schemeClr>
-            </a:solidFill>
-          </a:ln>
-          <a:effectLst/>
-        </p:spPr>
-        <p:style>
-          <a:lnRef idx="1">
-            <a:schemeClr val="accent2"/>
-          </a:lnRef>
-          <a:fillRef idx="2">
-            <a:schemeClr val="accent2"/>
-          </a:fillRef>
-          <a:effectRef idx="1">
-            <a:schemeClr val="accent2"/>
-          </a:effectRef>
-          <a:fontRef idx="minor">
-            <a:schemeClr val="dk1"/>
-          </a:fontRef>
-        </p:style>
-        <p:txBody>
-          <a:bodyPr rtlCol="0" anchor="ctr"/>
-          <a:lstStyle/>
-          <a:p>
-            <a:pPr algn="ctr"/>
-            <a:r>
-              <a:rPr lang="en-US" sz="1050" dirty="0">
-                <a:solidFill>
-                  <a:schemeClr val="bg1"/>
-                </a:solidFill>
-              </a:rPr>
-              <a:t>&lt;&lt;interface&gt;&gt;</a:t>
-            </a:r>
-            <a:br>
-              <a:rPr lang="en-US" sz="1050" dirty="0">
-                <a:solidFill>
-                  <a:schemeClr val="bg1"/>
-                </a:solidFill>
-              </a:rPr>
-            </a:br>
-            <a:r>
-              <a:rPr lang="en-US" sz="1050" dirty="0" err="1">
-                <a:solidFill>
-                  <a:schemeClr val="bg1"/>
-                </a:solidFill>
-              </a:rPr>
-              <a:t>LoginBookStorage</a:t>
-            </a:r>
-            <a:endParaRPr lang="en-SG" sz="1050" dirty="0">
-              <a:solidFill>
-                <a:schemeClr val="bg1"/>
-              </a:solidFill>
-            </a:endParaRPr>
-          </a:p>
-        </p:txBody>
-      </p:sp>
-      <p:cxnSp>
-        <p:nvCxnSpPr>
-          <p:cNvPr id="28" name="Straight Arrow Connector 27">
-            <a:extLst>
-              <a:ext uri="{FF2B5EF4-FFF2-40B4-BE49-F238E27FC236}">
-                <a16:creationId xmlns:a16="http://schemas.microsoft.com/office/drawing/2014/main" id="{EAEDA6CC-6C7A-4C95-81CE-CC7D18DEC232}"/>
-              </a:ext>
-            </a:extLst>
-          </p:cNvPr>
-          <p:cNvCxnSpPr>
-            <a:stCxn id="29" idx="3"/>
-          </p:cNvCxnSpPr>
-          <p:nvPr/>
-        </p:nvCxnSpPr>
-        <p:spPr>
-          <a:xfrm>
-            <a:off x="2660720" y="3934439"/>
-            <a:ext cx="220810" cy="5284"/>
-          </a:xfrm>
-          <a:prstGeom prst="straightConnector1">
-            <a:avLst/>
-          </a:prstGeom>
-          <a:ln w="19050">
-            <a:solidFill>
-              <a:schemeClr val="accent6">
-                <a:lumMod val="75000"/>
-              </a:schemeClr>
-            </a:solidFill>
-            <a:headEnd type="none" w="med" len="med"/>
-            <a:tailEnd type="arrow" w="med" len="med"/>
-          </a:ln>
-          <a:effectLst/>
-        </p:spPr>
-        <p:style>
-          <a:lnRef idx="1">
-            <a:schemeClr val="accent2"/>
-          </a:lnRef>
-          <a:fillRef idx="2">
-            <a:schemeClr val="accent2"/>
-          </a:fillRef>
-          <a:effectRef idx="1">
-            <a:schemeClr val="accent2"/>
-          </a:effectRef>
-          <a:fontRef idx="minor">
-            <a:schemeClr val="dk1"/>
-          </a:fontRef>
-        </p:style>
-      </p:cxnSp>
-      <p:sp>
-        <p:nvSpPr>
-          <p:cNvPr id="29" name="Flowchart: Decision 96">
-            <a:extLst>
-              <a:ext uri="{FF2B5EF4-FFF2-40B4-BE49-F238E27FC236}">
-                <a16:creationId xmlns:a16="http://schemas.microsoft.com/office/drawing/2014/main" id="{00004727-7AD2-44FB-B135-3E493BDD7827}"/>
-              </a:ext>
-            </a:extLst>
-          </p:cNvPr>
-          <p:cNvSpPr/>
-          <p:nvPr/>
-        </p:nvSpPr>
-        <p:spPr>
-          <a:xfrm>
-            <a:off x="2424672" y="3847749"/>
-            <a:ext cx="236048" cy="173380"/>
-          </a:xfrm>
-          <a:prstGeom prst="flowChartDecision">
-            <a:avLst/>
-          </a:prstGeom>
-          <a:noFill/>
-          <a:ln w="19050">
-            <a:solidFill>
-              <a:schemeClr val="accent6">
-                <a:lumMod val="75000"/>
-              </a:schemeClr>
-            </a:solidFill>
-          </a:ln>
-          <a:effectLst/>
-        </p:spPr>
-        <p:style>
-          <a:lnRef idx="1">
-            <a:schemeClr val="accent2"/>
-          </a:lnRef>
-          <a:fillRef idx="2">
-            <a:schemeClr val="accent2"/>
-          </a:fillRef>
-          <a:effectRef idx="1">
-            <a:schemeClr val="accent2"/>
-          </a:effectRef>
-          <a:fontRef idx="minor">
-            <a:schemeClr val="dk1"/>
-          </a:fontRef>
-        </p:style>
-        <p:txBody>
-          <a:bodyPr rtlCol="0" anchor="ctr"/>
-          <a:lstStyle/>
-          <a:p>
-            <a:pPr algn="ctr"/>
-            <a:endParaRPr lang="en-US" sz="1050">
-              <a:solidFill>
-                <a:schemeClr val="bg1"/>
-              </a:solidFill>
-            </a:endParaRPr>
-          </a:p>
-        </p:txBody>
-      </p:sp>
-      <p:cxnSp>
-        <p:nvCxnSpPr>
-          <p:cNvPr id="30" name="Elbow Connector 63">
-            <a:extLst>
-              <a:ext uri="{FF2B5EF4-FFF2-40B4-BE49-F238E27FC236}">
-                <a16:creationId xmlns:a16="http://schemas.microsoft.com/office/drawing/2014/main" id="{1E4CB7D2-558A-4430-B975-DDEBC8598932}"/>
-              </a:ext>
-            </a:extLst>
-          </p:cNvPr>
-          <p:cNvCxnSpPr>
-            <a:stCxn id="31" idx="3"/>
-            <a:endCxn id="33" idx="1"/>
-          </p:cNvCxnSpPr>
-          <p:nvPr/>
-        </p:nvCxnSpPr>
-        <p:spPr>
-          <a:xfrm flipV="1">
-            <a:off x="4406179" y="3938731"/>
-            <a:ext cx="223324" cy="1"/>
-          </a:xfrm>
-          <a:prstGeom prst="bentConnector3">
-            <a:avLst>
-              <a:gd name="adj1" fmla="val 50000"/>
-            </a:avLst>
-          </a:prstGeom>
-          <a:ln w="19050">
-            <a:solidFill>
-              <a:schemeClr val="accent6">
-                <a:lumMod val="75000"/>
-              </a:schemeClr>
-            </a:solidFill>
-            <a:prstDash val="sysDot"/>
-            <a:headEnd type="none" w="med" len="med"/>
-            <a:tailEnd type="none" w="med" len="med"/>
-          </a:ln>
-          <a:effectLst/>
-        </p:spPr>
-        <p:style>
-          <a:lnRef idx="1">
-            <a:schemeClr val="accent2"/>
-          </a:lnRef>
-          <a:fillRef idx="2">
-            <a:schemeClr val="accent2"/>
-          </a:fillRef>
-          <a:effectRef idx="1">
-            <a:schemeClr val="accent2"/>
-          </a:effectRef>
-          <a:fontRef idx="minor">
-            <a:schemeClr val="dk1"/>
-          </a:fontRef>
-        </p:style>
-      </p:cxnSp>
-      <p:sp>
-        <p:nvSpPr>
-          <p:cNvPr id="31" name="Isosceles Triangle 102">
-            <a:extLst>
-              <a:ext uri="{FF2B5EF4-FFF2-40B4-BE49-F238E27FC236}">
-                <a16:creationId xmlns:a16="http://schemas.microsoft.com/office/drawing/2014/main" id="{10918CB4-A0CF-450B-BF83-6A706D37D5EC}"/>
-              </a:ext>
-            </a:extLst>
-          </p:cNvPr>
-          <p:cNvSpPr/>
-          <p:nvPr/>
-        </p:nvSpPr>
-        <p:spPr>
-          <a:xfrm rot="5400000" flipV="1">
-            <a:off x="4183165" y="3850970"/>
-            <a:ext cx="270504" cy="175523"/>
-          </a:xfrm>
-          <a:prstGeom prst="triangle">
-            <a:avLst/>
-          </a:prstGeom>
-          <a:solidFill>
-            <a:schemeClr val="accent6">
-              <a:lumMod val="75000"/>
-            </a:schemeClr>
-          </a:solidFill>
-          <a:ln w="19050">
-            <a:solidFill>
-              <a:schemeClr val="accent6">
-                <a:lumMod val="75000"/>
-              </a:schemeClr>
-            </a:solidFill>
-          </a:ln>
-          <a:effectLst/>
-        </p:spPr>
-        <p:style>
-          <a:lnRef idx="1">
-            <a:schemeClr val="accent2"/>
-          </a:lnRef>
-          <a:fillRef idx="2">
-            <a:schemeClr val="accent2"/>
-          </a:fillRef>
-          <a:effectRef idx="1">
-            <a:schemeClr val="accent2"/>
-          </a:effectRef>
-          <a:fontRef idx="minor">
-            <a:schemeClr val="dk1"/>
-          </a:fontRef>
-        </p:style>
-        <p:txBody>
-          <a:bodyPr rtlCol="0" anchor="ctr"/>
-          <a:lstStyle/>
-          <a:p>
-            <a:pPr algn="ctr"/>
-            <a:endParaRPr lang="en-SG" sz="1050">
-              <a:solidFill>
-                <a:schemeClr val="bg1"/>
-              </a:solidFill>
-            </a:endParaRPr>
-          </a:p>
-        </p:txBody>
-      </p:sp>
-      <p:cxnSp>
-        <p:nvCxnSpPr>
-          <p:cNvPr id="32" name="Elbow Connector 122">
-            <a:extLst>
-              <a:ext uri="{FF2B5EF4-FFF2-40B4-BE49-F238E27FC236}">
-                <a16:creationId xmlns:a16="http://schemas.microsoft.com/office/drawing/2014/main" id="{2A5B24B7-19C8-4832-9BCC-52DA25F79DD8}"/>
-              </a:ext>
-            </a:extLst>
-          </p:cNvPr>
-          <p:cNvCxnSpPr>
-            <a:stCxn id="33" idx="3"/>
-            <a:endCxn id="34" idx="1"/>
-          </p:cNvCxnSpPr>
-          <p:nvPr/>
-        </p:nvCxnSpPr>
-        <p:spPr>
-          <a:xfrm>
-            <a:off x="5799338" y="3938731"/>
-            <a:ext cx="228600" cy="1970"/>
-          </a:xfrm>
-          <a:prstGeom prst="bentConnector3">
-            <a:avLst>
-              <a:gd name="adj1" fmla="val 50000"/>
-            </a:avLst>
-          </a:prstGeom>
-          <a:ln w="19050">
-            <a:solidFill>
-              <a:schemeClr val="accent6">
-                <a:lumMod val="75000"/>
-              </a:schemeClr>
-            </a:solidFill>
-            <a:prstDash val="sysDot"/>
-            <a:headEnd type="none" w="med" len="med"/>
-            <a:tailEnd type="arrow" w="med" len="med"/>
-          </a:ln>
-          <a:effectLst/>
-        </p:spPr>
-        <p:style>
-          <a:lnRef idx="1">
-            <a:schemeClr val="accent2"/>
-          </a:lnRef>
-          <a:fillRef idx="2">
-            <a:schemeClr val="accent2"/>
-          </a:fillRef>
-          <a:effectRef idx="1">
-            <a:schemeClr val="accent2"/>
-          </a:effectRef>
-          <a:fontRef idx="minor">
-            <a:schemeClr val="dk1"/>
-          </a:fontRef>
-        </p:style>
-      </p:cxnSp>
-      <p:sp>
-        <p:nvSpPr>
-          <p:cNvPr id="33" name="Rectangle 8">
-            <a:extLst>
-              <a:ext uri="{FF2B5EF4-FFF2-40B4-BE49-F238E27FC236}">
-                <a16:creationId xmlns:a16="http://schemas.microsoft.com/office/drawing/2014/main" id="{6C6D0DF4-A3E3-4410-9DCB-44D9E3DEBDA4}"/>
-              </a:ext>
-            </a:extLst>
-          </p:cNvPr>
-          <p:cNvSpPr/>
-          <p:nvPr/>
-        </p:nvSpPr>
-        <p:spPr>
-          <a:xfrm>
-            <a:off x="4629503" y="3765351"/>
-            <a:ext cx="1169835" cy="346760"/>
-          </a:xfrm>
-          <a:prstGeom prst="rect">
-            <a:avLst/>
-          </a:prstGeom>
-          <a:ln w="19050"/>
-          <a:effectLst/>
-        </p:spPr>
-        <p:style>
-          <a:lnRef idx="1">
-            <a:schemeClr val="accent6"/>
-          </a:lnRef>
-          <a:fillRef idx="2">
-            <a:schemeClr val="accent6"/>
-          </a:fillRef>
-          <a:effectRef idx="1">
-            <a:schemeClr val="accent6"/>
-          </a:effectRef>
-          <a:fontRef idx="minor">
-            <a:schemeClr val="dk1"/>
-          </a:fontRef>
-        </p:style>
-        <p:txBody>
-          <a:bodyPr rtlCol="0" anchor="ctr"/>
-          <a:lstStyle/>
-          <a:p>
-            <a:pPr algn="ctr"/>
-            <a:r>
-              <a:rPr lang="en-US" sz="1050" b="1" dirty="0" err="1">
+              <a:ln w="19050">
                 <a:solidFill>
                   <a:schemeClr val="accent6">
                     <a:lumMod val="75000"/>
                   </a:schemeClr>
                 </a:solidFill>
-              </a:rPr>
-              <a:t>XmlLoginBook</a:t>
-            </a:r>
-            <a:br>
-              <a:rPr lang="en-US" sz="1050" b="1" dirty="0">
+              </a:ln>
+              <a:effectLst/>
+            </p:spPr>
+            <p:style>
+              <a:lnRef idx="1">
+                <a:schemeClr val="accent2"/>
+              </a:lnRef>
+              <a:fillRef idx="2">
+                <a:schemeClr val="accent2"/>
+              </a:fillRef>
+              <a:effectRef idx="1">
+                <a:schemeClr val="accent2"/>
+              </a:effectRef>
+              <a:fontRef idx="minor">
+                <a:schemeClr val="dk1"/>
+              </a:fontRef>
+            </p:style>
+            <p:txBody>
+              <a:bodyPr rtlCol="0" anchor="ctr"/>
+              <a:lstStyle/>
+              <a:p>
+                <a:pPr algn="ctr"/>
+                <a:endParaRPr lang="en-SG" sz="1050">
+                  <a:solidFill>
+                    <a:schemeClr val="bg1"/>
+                  </a:solidFill>
+                </a:endParaRPr>
+              </a:p>
+            </p:txBody>
+          </p:sp>
+          <p:cxnSp>
+            <p:nvCxnSpPr>
+              <p:cNvPr id="44" name="Elbow Connector 122">
+                <a:extLst>
+                  <a:ext uri="{FF2B5EF4-FFF2-40B4-BE49-F238E27FC236}">
+                    <a16:creationId xmlns:a16="http://schemas.microsoft.com/office/drawing/2014/main" id="{00951438-F170-4D2D-A92C-31E2BAD3AFCD}"/>
+                  </a:ext>
+                </a:extLst>
+              </p:cNvPr>
+              <p:cNvCxnSpPr>
+                <a:cxnSpLocks/>
+                <a:stCxn id="45" idx="3"/>
+                <a:endCxn id="46" idx="1"/>
+              </p:cNvCxnSpPr>
+              <p:nvPr/>
+            </p:nvCxnSpPr>
+            <p:spPr>
+              <a:xfrm>
+                <a:off x="5791200" y="3267671"/>
+                <a:ext cx="228600" cy="985"/>
+              </a:xfrm>
+              <a:prstGeom prst="bentConnector3">
+                <a:avLst>
+                  <a:gd name="adj1" fmla="val 50000"/>
+                </a:avLst>
+              </a:prstGeom>
+              <a:ln w="19050">
                 <a:solidFill>
                   <a:schemeClr val="accent6">
                     <a:lumMod val="75000"/>
                   </a:schemeClr>
                 </a:solidFill>
-              </a:rPr>
-            </a:br>
-            <a:r>
-              <a:rPr lang="en-US" sz="1050" b="1" dirty="0">
+                <a:prstDash val="sysDot"/>
+                <a:headEnd type="none" w="med" len="med"/>
+                <a:tailEnd type="arrow" w="med" len="med"/>
+              </a:ln>
+              <a:effectLst/>
+            </p:spPr>
+            <p:style>
+              <a:lnRef idx="1">
+                <a:schemeClr val="accent2"/>
+              </a:lnRef>
+              <a:fillRef idx="2">
+                <a:schemeClr val="accent2"/>
+              </a:fillRef>
+              <a:effectRef idx="1">
+                <a:schemeClr val="accent2"/>
+              </a:effectRef>
+              <a:fontRef idx="minor">
+                <a:schemeClr val="dk1"/>
+              </a:fontRef>
+            </p:style>
+          </p:cxnSp>
+          <p:sp>
+            <p:nvSpPr>
+              <p:cNvPr id="45" name="Rectangle 8">
+                <a:extLst>
+                  <a:ext uri="{FF2B5EF4-FFF2-40B4-BE49-F238E27FC236}">
+                    <a16:creationId xmlns:a16="http://schemas.microsoft.com/office/drawing/2014/main" id="{77E0B631-0779-4D09-A4CC-3625533F5EB3}"/>
+                  </a:ext>
+                </a:extLst>
+              </p:cNvPr>
+              <p:cNvSpPr/>
+              <p:nvPr/>
+            </p:nvSpPr>
+            <p:spPr>
+              <a:xfrm>
+                <a:off x="4621365" y="3030142"/>
+                <a:ext cx="1169835" cy="475058"/>
+              </a:xfrm>
+              <a:prstGeom prst="rect">
+                <a:avLst/>
+              </a:prstGeom>
+              <a:ln w="19050"/>
+              <a:effectLst/>
+            </p:spPr>
+            <p:style>
+              <a:lnRef idx="1">
+                <a:schemeClr val="accent6"/>
+              </a:lnRef>
+              <a:fillRef idx="2">
+                <a:schemeClr val="accent6"/>
+              </a:fillRef>
+              <a:effectRef idx="1">
+                <a:schemeClr val="accent6"/>
+              </a:effectRef>
+              <a:fontRef idx="minor">
+                <a:schemeClr val="dk1"/>
+              </a:fontRef>
+            </p:style>
+            <p:txBody>
+              <a:bodyPr rtlCol="0" anchor="ctr"/>
+              <a:lstStyle/>
+              <a:p>
+                <a:pPr algn="ctr"/>
+                <a:r>
+                  <a:rPr lang="en-US" sz="1050" b="1" dirty="0" err="1">
+                    <a:solidFill>
+                      <a:schemeClr val="accent6">
+                        <a:lumMod val="75000"/>
+                      </a:schemeClr>
+                    </a:solidFill>
+                  </a:rPr>
+                  <a:t>XmlClubBudget</a:t>
+                </a:r>
+                <a:endParaRPr lang="en-US" sz="1050" b="1" dirty="0">
+                  <a:solidFill>
+                    <a:schemeClr val="accent6">
+                      <a:lumMod val="75000"/>
+                    </a:schemeClr>
+                  </a:solidFill>
+                </a:endParaRPr>
+              </a:p>
+              <a:p>
+                <a:pPr algn="ctr"/>
+                <a:r>
+                  <a:rPr lang="en-US" sz="1050" b="1" dirty="0" err="1">
+                    <a:solidFill>
+                      <a:schemeClr val="accent6">
+                        <a:lumMod val="75000"/>
+                      </a:schemeClr>
+                    </a:solidFill>
+                  </a:rPr>
+                  <a:t>ElementsBook</a:t>
+                </a:r>
+                <a:br>
+                  <a:rPr lang="en-US" sz="1050" b="1" dirty="0">
+                    <a:solidFill>
+                      <a:schemeClr val="accent6">
+                        <a:lumMod val="75000"/>
+                      </a:schemeClr>
+                    </a:solidFill>
+                  </a:rPr>
+                </a:br>
+                <a:r>
+                  <a:rPr lang="en-US" sz="1050" b="1" dirty="0">
+                    <a:solidFill>
+                      <a:schemeClr val="accent6">
+                        <a:lumMod val="75000"/>
+                      </a:schemeClr>
+                    </a:solidFill>
+                  </a:rPr>
+                  <a:t>Storage</a:t>
+                </a:r>
+                <a:endParaRPr lang="en-SG" sz="1050" b="1" dirty="0">
+                  <a:solidFill>
+                    <a:schemeClr val="accent6">
+                      <a:lumMod val="75000"/>
+                    </a:schemeClr>
+                  </a:solidFill>
+                </a:endParaRPr>
+              </a:p>
+            </p:txBody>
+          </p:sp>
+          <p:sp>
+            <p:nvSpPr>
+              <p:cNvPr id="46" name="Rectangle 8">
+                <a:extLst>
+                  <a:ext uri="{FF2B5EF4-FFF2-40B4-BE49-F238E27FC236}">
+                    <a16:creationId xmlns:a16="http://schemas.microsoft.com/office/drawing/2014/main" id="{7EC82AFA-80AE-4709-A67F-877C7EC8DF8E}"/>
+                  </a:ext>
+                </a:extLst>
+              </p:cNvPr>
+              <p:cNvSpPr/>
+              <p:nvPr/>
+            </p:nvSpPr>
+            <p:spPr>
+              <a:xfrm>
+                <a:off x="6019800" y="3030142"/>
+                <a:ext cx="1200707" cy="477028"/>
+              </a:xfrm>
+              <a:prstGeom prst="rect">
+                <a:avLst/>
+              </a:prstGeom>
+              <a:ln w="19050"/>
+              <a:effectLst/>
+            </p:spPr>
+            <p:style>
+              <a:lnRef idx="1">
+                <a:schemeClr val="accent6"/>
+              </a:lnRef>
+              <a:fillRef idx="2">
+                <a:schemeClr val="accent6"/>
+              </a:fillRef>
+              <a:effectRef idx="1">
+                <a:schemeClr val="accent6"/>
+              </a:effectRef>
+              <a:fontRef idx="minor">
+                <a:schemeClr val="dk1"/>
+              </a:fontRef>
+            </p:style>
+            <p:txBody>
+              <a:bodyPr rtlCol="0" anchor="ctr"/>
+              <a:lstStyle/>
+              <a:p>
+                <a:pPr algn="ctr"/>
+                <a:r>
+                  <a:rPr lang="en-US" sz="1050" b="1" dirty="0" err="1">
+                    <a:solidFill>
+                      <a:schemeClr val="accent6">
+                        <a:lumMod val="75000"/>
+                      </a:schemeClr>
+                    </a:solidFill>
+                  </a:rPr>
+                  <a:t>XmlSerializable</a:t>
+                </a:r>
+                <a:br>
+                  <a:rPr lang="en-US" sz="1050" b="1" dirty="0">
+                    <a:solidFill>
+                      <a:schemeClr val="accent6">
+                        <a:lumMod val="75000"/>
+                      </a:schemeClr>
+                    </a:solidFill>
+                  </a:rPr>
+                </a:br>
+                <a:r>
+                  <a:rPr lang="en-US" sz="1050" b="1" dirty="0" err="1">
+                    <a:solidFill>
+                      <a:schemeClr val="accent6">
+                        <a:lumMod val="75000"/>
+                      </a:schemeClr>
+                    </a:solidFill>
+                  </a:rPr>
+                  <a:t>ClubBudget</a:t>
+                </a:r>
+                <a:endParaRPr lang="en-US" sz="1050" b="1" dirty="0">
+                  <a:solidFill>
+                    <a:schemeClr val="accent6">
+                      <a:lumMod val="75000"/>
+                    </a:schemeClr>
+                  </a:solidFill>
+                </a:endParaRPr>
+              </a:p>
+              <a:p>
+                <a:pPr algn="ctr"/>
+                <a:r>
+                  <a:rPr lang="en-US" sz="1050" b="1" dirty="0" err="1">
+                    <a:solidFill>
+                      <a:schemeClr val="accent6">
+                        <a:lumMod val="75000"/>
+                      </a:schemeClr>
+                    </a:solidFill>
+                  </a:rPr>
+                  <a:t>ElementsBook</a:t>
+                </a:r>
+                <a:endParaRPr lang="en-SG" sz="1050" b="1" dirty="0">
+                  <a:solidFill>
+                    <a:schemeClr val="accent6">
+                      <a:lumMod val="75000"/>
+                    </a:schemeClr>
+                  </a:solidFill>
+                </a:endParaRPr>
+              </a:p>
+            </p:txBody>
+          </p:sp>
+          <p:sp>
+            <p:nvSpPr>
+              <p:cNvPr id="47" name="Rectangle 8">
+                <a:extLst>
+                  <a:ext uri="{FF2B5EF4-FFF2-40B4-BE49-F238E27FC236}">
+                    <a16:creationId xmlns:a16="http://schemas.microsoft.com/office/drawing/2014/main" id="{179A5939-5CA7-437E-BEAA-6C10D1127E65}"/>
+                  </a:ext>
+                </a:extLst>
+              </p:cNvPr>
+              <p:cNvSpPr/>
+              <p:nvPr/>
+            </p:nvSpPr>
+            <p:spPr>
+              <a:xfrm>
+                <a:off x="7615738" y="3029356"/>
+                <a:ext cx="1259718" cy="477028"/>
+              </a:xfrm>
+              <a:prstGeom prst="rect">
+                <a:avLst/>
+              </a:prstGeom>
+              <a:ln w="19050"/>
+              <a:effectLst/>
+            </p:spPr>
+            <p:style>
+              <a:lnRef idx="1">
+                <a:schemeClr val="accent6"/>
+              </a:lnRef>
+              <a:fillRef idx="2">
+                <a:schemeClr val="accent6"/>
+              </a:fillRef>
+              <a:effectRef idx="1">
+                <a:schemeClr val="accent6"/>
+              </a:effectRef>
+              <a:fontRef idx="minor">
+                <a:schemeClr val="dk1"/>
+              </a:fontRef>
+            </p:style>
+            <p:txBody>
+              <a:bodyPr rtlCol="0" anchor="ctr"/>
+              <a:lstStyle/>
+              <a:p>
+                <a:pPr algn="ctr"/>
+                <a:r>
+                  <a:rPr lang="en-US" sz="1050" b="1" dirty="0" err="1">
+                    <a:solidFill>
+                      <a:schemeClr val="accent6">
+                        <a:lumMod val="75000"/>
+                      </a:schemeClr>
+                    </a:solidFill>
+                  </a:rPr>
+                  <a:t>XmlAdaptedClub</a:t>
+                </a:r>
+                <a:endParaRPr lang="en-US" sz="1050" b="1" dirty="0">
+                  <a:solidFill>
+                    <a:schemeClr val="accent6">
+                      <a:lumMod val="75000"/>
+                    </a:schemeClr>
+                  </a:solidFill>
+                </a:endParaRPr>
+              </a:p>
+              <a:p>
+                <a:pPr algn="ctr"/>
+                <a:r>
+                  <a:rPr lang="en-US" sz="1050" b="1" dirty="0" err="1">
+                    <a:solidFill>
+                      <a:schemeClr val="accent6">
+                        <a:lumMod val="75000"/>
+                      </a:schemeClr>
+                    </a:solidFill>
+                  </a:rPr>
+                  <a:t>BudgetElements</a:t>
+                </a:r>
+                <a:endParaRPr lang="en-SG" sz="1050" b="1" dirty="0">
+                  <a:solidFill>
+                    <a:schemeClr val="accent6">
+                      <a:lumMod val="75000"/>
+                    </a:schemeClr>
+                  </a:solidFill>
+                </a:endParaRPr>
+              </a:p>
+            </p:txBody>
+          </p:sp>
+          <p:cxnSp>
+            <p:nvCxnSpPr>
+              <p:cNvPr id="48" name="Elbow Connector 122">
+                <a:extLst>
+                  <a:ext uri="{FF2B5EF4-FFF2-40B4-BE49-F238E27FC236}">
+                    <a16:creationId xmlns:a16="http://schemas.microsoft.com/office/drawing/2014/main" id="{01269898-FA63-4909-8DE5-7DD4CB18A245}"/>
+                  </a:ext>
+                </a:extLst>
+              </p:cNvPr>
+              <p:cNvCxnSpPr>
+                <a:cxnSpLocks/>
+                <a:stCxn id="46" idx="3"/>
+                <a:endCxn id="47" idx="1"/>
+              </p:cNvCxnSpPr>
+              <p:nvPr/>
+            </p:nvCxnSpPr>
+            <p:spPr>
+              <a:xfrm flipV="1">
+                <a:off x="7220507" y="3267870"/>
+                <a:ext cx="395231" cy="786"/>
+              </a:xfrm>
+              <a:prstGeom prst="bentConnector3">
+                <a:avLst>
+                  <a:gd name="adj1" fmla="val 50000"/>
+                </a:avLst>
+              </a:prstGeom>
+              <a:ln w="19050">
+                <a:prstDash val="sysDot"/>
+                <a:headEnd type="none" w="med" len="med"/>
+                <a:tailEnd type="arrow" w="med" len="med"/>
+              </a:ln>
+              <a:effectLst/>
+            </p:spPr>
+            <p:style>
+              <a:lnRef idx="1">
+                <a:schemeClr val="accent6"/>
+              </a:lnRef>
+              <a:fillRef idx="2">
+                <a:schemeClr val="accent6"/>
+              </a:fillRef>
+              <a:effectRef idx="1">
+                <a:schemeClr val="accent6"/>
+              </a:effectRef>
+              <a:fontRef idx="minor">
+                <a:schemeClr val="dk1"/>
+              </a:fontRef>
+            </p:style>
+          </p:cxnSp>
+        </p:grpSp>
+        <p:grpSp>
+          <p:nvGrpSpPr>
+            <p:cNvPr id="57" name="Group 56">
+              <a:extLst>
+                <a:ext uri="{FF2B5EF4-FFF2-40B4-BE49-F238E27FC236}">
+                  <a16:creationId xmlns:a16="http://schemas.microsoft.com/office/drawing/2014/main" id="{E181545F-C086-4014-AE49-27D308F57B0F}"/>
+                </a:ext>
+              </a:extLst>
+            </p:cNvPr>
+            <p:cNvGrpSpPr/>
+            <p:nvPr/>
+          </p:nvGrpSpPr>
+          <p:grpSpPr>
+            <a:xfrm>
+              <a:off x="2408753" y="4924241"/>
+              <a:ext cx="6467858" cy="477814"/>
+              <a:chOff x="2407598" y="3029356"/>
+              <a:chExt cx="6467858" cy="477814"/>
+            </a:xfrm>
+          </p:grpSpPr>
+          <p:sp>
+            <p:nvSpPr>
+              <p:cNvPr id="59" name="Rectangle 8">
+                <a:extLst>
+                  <a:ext uri="{FF2B5EF4-FFF2-40B4-BE49-F238E27FC236}">
+                    <a16:creationId xmlns:a16="http://schemas.microsoft.com/office/drawing/2014/main" id="{30BD42F6-23F0-4A98-B4A4-27B22691A585}"/>
+                  </a:ext>
+                </a:extLst>
+              </p:cNvPr>
+              <p:cNvSpPr/>
+              <p:nvPr/>
+            </p:nvSpPr>
+            <p:spPr>
+              <a:xfrm>
+                <a:off x="2877180" y="3030142"/>
+                <a:ext cx="1323049" cy="475058"/>
+              </a:xfrm>
+              <a:prstGeom prst="rect">
+                <a:avLst/>
+              </a:prstGeom>
+              <a:solidFill>
+                <a:schemeClr val="accent6">
+                  <a:lumMod val="75000"/>
+                </a:schemeClr>
+              </a:solidFill>
+              <a:ln w="19050">
                 <a:solidFill>
                   <a:schemeClr val="accent6">
                     <a:lumMod val="75000"/>
                   </a:schemeClr>
                 </a:solidFill>
-              </a:rPr>
-              <a:t>Storage</a:t>
-            </a:r>
-            <a:endParaRPr lang="en-SG" sz="1050" b="1" dirty="0">
+              </a:ln>
+              <a:effectLst/>
+            </p:spPr>
+            <p:style>
+              <a:lnRef idx="1">
+                <a:schemeClr val="accent2"/>
+              </a:lnRef>
+              <a:fillRef idx="2">
+                <a:schemeClr val="accent2"/>
+              </a:fillRef>
+              <a:effectRef idx="1">
+                <a:schemeClr val="accent2"/>
+              </a:effectRef>
+              <a:fontRef idx="minor">
+                <a:schemeClr val="dk1"/>
+              </a:fontRef>
+            </p:style>
+            <p:txBody>
+              <a:bodyPr rtlCol="0" anchor="ctr"/>
+              <a:lstStyle/>
+              <a:p>
+                <a:pPr algn="ctr"/>
+                <a:r>
+                  <a:rPr lang="en-US" sz="1050" dirty="0">
+                    <a:solidFill>
+                      <a:schemeClr val="bg1"/>
+                    </a:solidFill>
+                  </a:rPr>
+                  <a:t>&lt;&lt;interface&gt;&gt;</a:t>
+                </a:r>
+                <a:br>
+                  <a:rPr lang="en-US" sz="1050" dirty="0">
+                    <a:solidFill>
+                      <a:schemeClr val="bg1"/>
+                    </a:solidFill>
+                  </a:rPr>
+                </a:br>
+                <a:r>
+                  <a:rPr lang="en-US" sz="1050" dirty="0" err="1">
+                    <a:solidFill>
+                      <a:schemeClr val="bg1"/>
+                    </a:solidFill>
+                  </a:rPr>
+                  <a:t>FinalBudgetBook</a:t>
+                </a:r>
+                <a:endParaRPr lang="en-US" sz="1050" dirty="0">
+                  <a:solidFill>
+                    <a:schemeClr val="bg1"/>
+                  </a:solidFill>
+                </a:endParaRPr>
+              </a:p>
+              <a:p>
+                <a:pPr algn="ctr"/>
+                <a:r>
+                  <a:rPr lang="en-US" sz="1050" dirty="0">
+                    <a:solidFill>
+                      <a:schemeClr val="bg1"/>
+                    </a:solidFill>
+                  </a:rPr>
+                  <a:t>Storage</a:t>
+                </a:r>
+                <a:endParaRPr lang="en-SG" sz="1050" dirty="0">
+                  <a:solidFill>
+                    <a:schemeClr val="bg1"/>
+                  </a:solidFill>
+                </a:endParaRPr>
+              </a:p>
+            </p:txBody>
+          </p:sp>
+          <p:cxnSp>
+            <p:nvCxnSpPr>
+              <p:cNvPr id="62" name="Straight Arrow Connector 61">
+                <a:extLst>
+                  <a:ext uri="{FF2B5EF4-FFF2-40B4-BE49-F238E27FC236}">
+                    <a16:creationId xmlns:a16="http://schemas.microsoft.com/office/drawing/2014/main" id="{D0764AC1-0098-445E-A11D-75016DAF3815}"/>
+                  </a:ext>
+                </a:extLst>
+              </p:cNvPr>
+              <p:cNvCxnSpPr>
+                <a:cxnSpLocks/>
+                <a:stCxn id="63" idx="3"/>
+                <a:endCxn id="59" idx="1"/>
+              </p:cNvCxnSpPr>
+              <p:nvPr/>
+            </p:nvCxnSpPr>
+            <p:spPr>
+              <a:xfrm>
+                <a:off x="2643646" y="3264446"/>
+                <a:ext cx="233534" cy="3225"/>
+              </a:xfrm>
+              <a:prstGeom prst="straightConnector1">
+                <a:avLst/>
+              </a:prstGeom>
+              <a:ln w="19050">
+                <a:solidFill>
+                  <a:schemeClr val="accent6">
+                    <a:lumMod val="75000"/>
+                  </a:schemeClr>
+                </a:solidFill>
+                <a:headEnd type="none" w="med" len="med"/>
+                <a:tailEnd type="arrow" w="med" len="med"/>
+              </a:ln>
+              <a:effectLst/>
+            </p:spPr>
+            <p:style>
+              <a:lnRef idx="1">
+                <a:schemeClr val="accent2"/>
+              </a:lnRef>
+              <a:fillRef idx="2">
+                <a:schemeClr val="accent2"/>
+              </a:fillRef>
+              <a:effectRef idx="1">
+                <a:schemeClr val="accent2"/>
+              </a:effectRef>
+              <a:fontRef idx="minor">
+                <a:schemeClr val="dk1"/>
+              </a:fontRef>
+            </p:style>
+          </p:cxnSp>
+          <p:sp>
+            <p:nvSpPr>
+              <p:cNvPr id="63" name="Flowchart: Decision 96">
+                <a:extLst>
+                  <a:ext uri="{FF2B5EF4-FFF2-40B4-BE49-F238E27FC236}">
+                    <a16:creationId xmlns:a16="http://schemas.microsoft.com/office/drawing/2014/main" id="{67F9B7F8-C1BE-4763-B147-993A06B97321}"/>
+                  </a:ext>
+                </a:extLst>
+              </p:cNvPr>
+              <p:cNvSpPr/>
+              <p:nvPr/>
+            </p:nvSpPr>
+            <p:spPr>
+              <a:xfrm>
+                <a:off x="2407598" y="3177756"/>
+                <a:ext cx="236048" cy="173380"/>
+              </a:xfrm>
+              <a:prstGeom prst="flowChartDecision">
+                <a:avLst/>
+              </a:prstGeom>
+              <a:noFill/>
+              <a:ln w="19050">
+                <a:solidFill>
+                  <a:schemeClr val="accent6">
+                    <a:lumMod val="75000"/>
+                  </a:schemeClr>
+                </a:solidFill>
+              </a:ln>
+              <a:effectLst/>
+            </p:spPr>
+            <p:style>
+              <a:lnRef idx="1">
+                <a:schemeClr val="accent2"/>
+              </a:lnRef>
+              <a:fillRef idx="2">
+                <a:schemeClr val="accent2"/>
+              </a:fillRef>
+              <a:effectRef idx="1">
+                <a:schemeClr val="accent2"/>
+              </a:effectRef>
+              <a:fontRef idx="minor">
+                <a:schemeClr val="dk1"/>
+              </a:fontRef>
+            </p:style>
+            <p:txBody>
+              <a:bodyPr rtlCol="0" anchor="ctr"/>
+              <a:lstStyle/>
+              <a:p>
+                <a:pPr algn="ctr"/>
+                <a:endParaRPr lang="en-US" sz="1050">
+                  <a:solidFill>
+                    <a:schemeClr val="bg1"/>
+                  </a:solidFill>
+                </a:endParaRPr>
+              </a:p>
+            </p:txBody>
+          </p:sp>
+          <p:cxnSp>
+            <p:nvCxnSpPr>
+              <p:cNvPr id="64" name="Elbow Connector 63">
+                <a:extLst>
+                  <a:ext uri="{FF2B5EF4-FFF2-40B4-BE49-F238E27FC236}">
+                    <a16:creationId xmlns:a16="http://schemas.microsoft.com/office/drawing/2014/main" id="{0C8C120B-848E-490E-AAE3-13A6F8EEE5E3}"/>
+                  </a:ext>
+                </a:extLst>
+              </p:cNvPr>
+              <p:cNvCxnSpPr>
+                <a:cxnSpLocks/>
+                <a:stCxn id="67" idx="3"/>
+                <a:endCxn id="69" idx="1"/>
+              </p:cNvCxnSpPr>
+              <p:nvPr/>
+            </p:nvCxnSpPr>
+            <p:spPr>
+              <a:xfrm>
+                <a:off x="4383370" y="3266059"/>
+                <a:ext cx="237995" cy="1612"/>
+              </a:xfrm>
+              <a:prstGeom prst="bentConnector3">
+                <a:avLst>
+                  <a:gd name="adj1" fmla="val 50000"/>
+                </a:avLst>
+              </a:prstGeom>
+              <a:ln w="19050">
+                <a:solidFill>
+                  <a:schemeClr val="accent6">
+                    <a:lumMod val="75000"/>
+                  </a:schemeClr>
+                </a:solidFill>
+                <a:prstDash val="sysDot"/>
+                <a:headEnd type="none" w="med" len="med"/>
+                <a:tailEnd type="none" w="med" len="med"/>
+              </a:ln>
+              <a:effectLst/>
+            </p:spPr>
+            <p:style>
+              <a:lnRef idx="1">
+                <a:schemeClr val="accent2"/>
+              </a:lnRef>
+              <a:fillRef idx="2">
+                <a:schemeClr val="accent2"/>
+              </a:fillRef>
+              <a:effectRef idx="1">
+                <a:schemeClr val="accent2"/>
+              </a:effectRef>
+              <a:fontRef idx="minor">
+                <a:schemeClr val="dk1"/>
+              </a:fontRef>
+            </p:style>
+          </p:cxnSp>
+          <p:sp>
+            <p:nvSpPr>
+              <p:cNvPr id="67" name="Isosceles Triangle 102">
+                <a:extLst>
+                  <a:ext uri="{FF2B5EF4-FFF2-40B4-BE49-F238E27FC236}">
+                    <a16:creationId xmlns:a16="http://schemas.microsoft.com/office/drawing/2014/main" id="{53276795-DA63-4897-A262-F269E6BE24FE}"/>
+                  </a:ext>
+                </a:extLst>
+              </p:cNvPr>
+              <p:cNvSpPr/>
+              <p:nvPr/>
+            </p:nvSpPr>
+            <p:spPr>
+              <a:xfrm rot="5400000" flipV="1">
+                <a:off x="4160356" y="3178297"/>
+                <a:ext cx="270504" cy="175523"/>
+              </a:xfrm>
+              <a:prstGeom prst="triangle">
+                <a:avLst/>
+              </a:prstGeom>
               <a:solidFill>
                 <a:schemeClr val="accent6">
                   <a:lumMod val="75000"/>
                 </a:schemeClr>
               </a:solidFill>
-            </a:endParaRPr>
-          </a:p>
-        </p:txBody>
-      </p:sp>
-      <p:sp>
-        <p:nvSpPr>
-          <p:cNvPr id="34" name="Rectangle 8">
-            <a:extLst>
-              <a:ext uri="{FF2B5EF4-FFF2-40B4-BE49-F238E27FC236}">
-                <a16:creationId xmlns:a16="http://schemas.microsoft.com/office/drawing/2014/main" id="{D89B98CC-4F75-42E9-BBAE-783CF6BB6099}"/>
-              </a:ext>
-            </a:extLst>
-          </p:cNvPr>
-          <p:cNvSpPr/>
-          <p:nvPr/>
-        </p:nvSpPr>
-        <p:spPr>
-          <a:xfrm>
-            <a:off x="6027938" y="3767321"/>
-            <a:ext cx="1200707" cy="346760"/>
-          </a:xfrm>
-          <a:prstGeom prst="rect">
-            <a:avLst/>
-          </a:prstGeom>
-          <a:ln w="19050"/>
-          <a:effectLst/>
-        </p:spPr>
-        <p:style>
-          <a:lnRef idx="1">
-            <a:schemeClr val="accent6"/>
-          </a:lnRef>
-          <a:fillRef idx="2">
-            <a:schemeClr val="accent6"/>
-          </a:fillRef>
-          <a:effectRef idx="1">
-            <a:schemeClr val="accent6"/>
-          </a:effectRef>
-          <a:fontRef idx="minor">
-            <a:schemeClr val="dk1"/>
-          </a:fontRef>
-        </p:style>
-        <p:txBody>
-          <a:bodyPr rtlCol="0" anchor="ctr"/>
-          <a:lstStyle/>
-          <a:p>
-            <a:pPr algn="ctr"/>
-            <a:r>
-              <a:rPr lang="en-US" sz="1050" b="1" dirty="0" err="1">
+              <a:ln w="19050">
                 <a:solidFill>
                   <a:schemeClr val="accent6">
                     <a:lumMod val="75000"/>
                   </a:schemeClr>
                 </a:solidFill>
-              </a:rPr>
-              <a:t>XmlSerializable</a:t>
-            </a:r>
-            <a:br>
-              <a:rPr lang="en-US" sz="1050" b="1" dirty="0">
+              </a:ln>
+              <a:effectLst/>
+            </p:spPr>
+            <p:style>
+              <a:lnRef idx="1">
+                <a:schemeClr val="accent2"/>
+              </a:lnRef>
+              <a:fillRef idx="2">
+                <a:schemeClr val="accent2"/>
+              </a:fillRef>
+              <a:effectRef idx="1">
+                <a:schemeClr val="accent2"/>
+              </a:effectRef>
+              <a:fontRef idx="minor">
+                <a:schemeClr val="dk1"/>
+              </a:fontRef>
+            </p:style>
+            <p:txBody>
+              <a:bodyPr rtlCol="0" anchor="ctr"/>
+              <a:lstStyle/>
+              <a:p>
+                <a:pPr algn="ctr"/>
+                <a:endParaRPr lang="en-SG" sz="1050">
+                  <a:solidFill>
+                    <a:schemeClr val="bg1"/>
+                  </a:solidFill>
+                </a:endParaRPr>
+              </a:p>
+            </p:txBody>
+          </p:sp>
+          <p:cxnSp>
+            <p:nvCxnSpPr>
+              <p:cNvPr id="68" name="Elbow Connector 122">
+                <a:extLst>
+                  <a:ext uri="{FF2B5EF4-FFF2-40B4-BE49-F238E27FC236}">
+                    <a16:creationId xmlns:a16="http://schemas.microsoft.com/office/drawing/2014/main" id="{319B5D7B-AE04-4948-9E98-7FC8BA8B5B2E}"/>
+                  </a:ext>
+                </a:extLst>
+              </p:cNvPr>
+              <p:cNvCxnSpPr>
+                <a:cxnSpLocks/>
+                <a:stCxn id="69" idx="3"/>
+                <a:endCxn id="71" idx="1"/>
+              </p:cNvCxnSpPr>
+              <p:nvPr/>
+            </p:nvCxnSpPr>
+            <p:spPr>
+              <a:xfrm>
+                <a:off x="5791200" y="3267671"/>
+                <a:ext cx="228600" cy="985"/>
+              </a:xfrm>
+              <a:prstGeom prst="bentConnector3">
+                <a:avLst>
+                  <a:gd name="adj1" fmla="val 50000"/>
+                </a:avLst>
+              </a:prstGeom>
+              <a:ln w="19050">
                 <a:solidFill>
                   <a:schemeClr val="accent6">
                     <a:lumMod val="75000"/>
                   </a:schemeClr>
                 </a:solidFill>
-              </a:rPr>
-            </a:br>
-            <a:r>
-              <a:rPr lang="en-US" sz="1050" b="1" dirty="0" err="1">
-                <a:solidFill>
-                  <a:schemeClr val="accent6">
-                    <a:lumMod val="75000"/>
-                  </a:schemeClr>
-                </a:solidFill>
-              </a:rPr>
-              <a:t>LoginBook</a:t>
-            </a:r>
-            <a:endParaRPr lang="en-SG" sz="1050" b="1" dirty="0">
-              <a:solidFill>
-                <a:schemeClr val="accent6">
-                  <a:lumMod val="75000"/>
-                </a:schemeClr>
-              </a:solidFill>
-            </a:endParaRPr>
-          </a:p>
-        </p:txBody>
-      </p:sp>
-      <p:sp>
-        <p:nvSpPr>
-          <p:cNvPr id="35" name="Rectangle 8">
-            <a:extLst>
-              <a:ext uri="{FF2B5EF4-FFF2-40B4-BE49-F238E27FC236}">
-                <a16:creationId xmlns:a16="http://schemas.microsoft.com/office/drawing/2014/main" id="{5D48B553-7FFB-4774-9504-C3BCCDF8E03A}"/>
-              </a:ext>
-            </a:extLst>
-          </p:cNvPr>
-          <p:cNvSpPr/>
-          <p:nvPr/>
-        </p:nvSpPr>
-        <p:spPr>
-          <a:xfrm>
-            <a:off x="7623876" y="3766535"/>
-            <a:ext cx="1259718" cy="346760"/>
-          </a:xfrm>
-          <a:prstGeom prst="rect">
-            <a:avLst/>
-          </a:prstGeom>
-          <a:ln w="19050"/>
-          <a:effectLst/>
-        </p:spPr>
-        <p:style>
-          <a:lnRef idx="1">
-            <a:schemeClr val="accent6"/>
-          </a:lnRef>
-          <a:fillRef idx="2">
-            <a:schemeClr val="accent6"/>
-          </a:fillRef>
-          <a:effectRef idx="1">
-            <a:schemeClr val="accent6"/>
-          </a:effectRef>
-          <a:fontRef idx="minor">
-            <a:schemeClr val="dk1"/>
-          </a:fontRef>
-        </p:style>
-        <p:txBody>
-          <a:bodyPr rtlCol="0" anchor="ctr"/>
-          <a:lstStyle/>
-          <a:p>
-            <a:pPr algn="ctr"/>
-            <a:r>
-              <a:rPr lang="en-US" sz="1050" b="1" dirty="0" err="1">
-                <a:solidFill>
-                  <a:schemeClr val="accent6">
-                    <a:lumMod val="75000"/>
-                  </a:schemeClr>
-                </a:solidFill>
-              </a:rPr>
-              <a:t>XmlAccount</a:t>
-            </a:r>
-            <a:endParaRPr lang="en-SG" sz="1050" b="1" dirty="0">
-              <a:solidFill>
-                <a:schemeClr val="accent6">
-                  <a:lumMod val="75000"/>
-                </a:schemeClr>
-              </a:solidFill>
-            </a:endParaRPr>
-          </a:p>
-        </p:txBody>
-      </p:sp>
-      <p:cxnSp>
-        <p:nvCxnSpPr>
-          <p:cNvPr id="36" name="Elbow Connector 122">
-            <a:extLst>
-              <a:ext uri="{FF2B5EF4-FFF2-40B4-BE49-F238E27FC236}">
-                <a16:creationId xmlns:a16="http://schemas.microsoft.com/office/drawing/2014/main" id="{4C78C629-F5A7-46A4-9250-8C221AB7915D}"/>
-              </a:ext>
-            </a:extLst>
-          </p:cNvPr>
-          <p:cNvCxnSpPr>
-            <a:stCxn id="34" idx="3"/>
-            <a:endCxn id="35" idx="1"/>
-          </p:cNvCxnSpPr>
-          <p:nvPr/>
-        </p:nvCxnSpPr>
-        <p:spPr>
-          <a:xfrm flipV="1">
-            <a:off x="7228645" y="3939915"/>
-            <a:ext cx="395231" cy="786"/>
-          </a:xfrm>
-          <a:prstGeom prst="bentConnector3">
-            <a:avLst>
-              <a:gd name="adj1" fmla="val 50000"/>
-            </a:avLst>
-          </a:prstGeom>
-          <a:ln w="19050">
-            <a:prstDash val="sysDot"/>
-            <a:headEnd type="none" w="med" len="med"/>
-            <a:tailEnd type="arrow" w="med" len="med"/>
-          </a:ln>
-          <a:effectLst/>
-        </p:spPr>
-        <p:style>
-          <a:lnRef idx="1">
-            <a:schemeClr val="accent6"/>
-          </a:lnRef>
-          <a:fillRef idx="2">
-            <a:schemeClr val="accent6"/>
-          </a:fillRef>
-          <a:effectRef idx="1">
-            <a:schemeClr val="accent6"/>
-          </a:effectRef>
-          <a:fontRef idx="minor">
-            <a:schemeClr val="dk1"/>
-          </a:fontRef>
-        </p:style>
-      </p:cxnSp>
+                <a:prstDash val="sysDot"/>
+                <a:headEnd type="none" w="med" len="med"/>
+                <a:tailEnd type="arrow" w="med" len="med"/>
+              </a:ln>
+              <a:effectLst/>
+            </p:spPr>
+            <p:style>
+              <a:lnRef idx="1">
+                <a:schemeClr val="accent2"/>
+              </a:lnRef>
+              <a:fillRef idx="2">
+                <a:schemeClr val="accent2"/>
+              </a:fillRef>
+              <a:effectRef idx="1">
+                <a:schemeClr val="accent2"/>
+              </a:effectRef>
+              <a:fontRef idx="minor">
+                <a:schemeClr val="dk1"/>
+              </a:fontRef>
+            </p:style>
+          </p:cxnSp>
+          <p:sp>
+            <p:nvSpPr>
+              <p:cNvPr id="69" name="Rectangle 8">
+                <a:extLst>
+                  <a:ext uri="{FF2B5EF4-FFF2-40B4-BE49-F238E27FC236}">
+                    <a16:creationId xmlns:a16="http://schemas.microsoft.com/office/drawing/2014/main" id="{C5E9D63F-B7E3-43CA-85DD-0D3088A7ABD8}"/>
+                  </a:ext>
+                </a:extLst>
+              </p:cNvPr>
+              <p:cNvSpPr/>
+              <p:nvPr/>
+            </p:nvSpPr>
+            <p:spPr>
+              <a:xfrm>
+                <a:off x="4621365" y="3030142"/>
+                <a:ext cx="1169835" cy="475058"/>
+              </a:xfrm>
+              <a:prstGeom prst="rect">
+                <a:avLst/>
+              </a:prstGeom>
+              <a:ln w="19050"/>
+              <a:effectLst/>
+            </p:spPr>
+            <p:style>
+              <a:lnRef idx="1">
+                <a:schemeClr val="accent6"/>
+              </a:lnRef>
+              <a:fillRef idx="2">
+                <a:schemeClr val="accent6"/>
+              </a:fillRef>
+              <a:effectRef idx="1">
+                <a:schemeClr val="accent6"/>
+              </a:effectRef>
+              <a:fontRef idx="minor">
+                <a:schemeClr val="dk1"/>
+              </a:fontRef>
+            </p:style>
+            <p:txBody>
+              <a:bodyPr rtlCol="0" anchor="ctr"/>
+              <a:lstStyle/>
+              <a:p>
+                <a:pPr algn="ctr"/>
+                <a:r>
+                  <a:rPr lang="en-US" sz="1050" b="1" dirty="0" err="1">
+                    <a:solidFill>
+                      <a:schemeClr val="accent6">
+                        <a:lumMod val="75000"/>
+                      </a:schemeClr>
+                    </a:solidFill>
+                  </a:rPr>
+                  <a:t>XmlFinalBudget</a:t>
+                </a:r>
+                <a:endParaRPr lang="en-US" sz="1050" b="1" dirty="0">
+                  <a:solidFill>
+                    <a:schemeClr val="accent6">
+                      <a:lumMod val="75000"/>
+                    </a:schemeClr>
+                  </a:solidFill>
+                </a:endParaRPr>
+              </a:p>
+              <a:p>
+                <a:pPr algn="ctr"/>
+                <a:r>
+                  <a:rPr lang="en-US" sz="1050" b="1" dirty="0">
+                    <a:solidFill>
+                      <a:schemeClr val="accent6">
+                        <a:lumMod val="75000"/>
+                      </a:schemeClr>
+                    </a:solidFill>
+                  </a:rPr>
+                  <a:t>Book</a:t>
+                </a:r>
+                <a:br>
+                  <a:rPr lang="en-US" sz="1050" b="1" dirty="0">
+                    <a:solidFill>
+                      <a:schemeClr val="accent6">
+                        <a:lumMod val="75000"/>
+                      </a:schemeClr>
+                    </a:solidFill>
+                  </a:rPr>
+                </a:br>
+                <a:r>
+                  <a:rPr lang="en-US" sz="1050" b="1" dirty="0">
+                    <a:solidFill>
+                      <a:schemeClr val="accent6">
+                        <a:lumMod val="75000"/>
+                      </a:schemeClr>
+                    </a:solidFill>
+                  </a:rPr>
+                  <a:t>Storage</a:t>
+                </a:r>
+                <a:endParaRPr lang="en-SG" sz="1050" b="1" dirty="0">
+                  <a:solidFill>
+                    <a:schemeClr val="accent6">
+                      <a:lumMod val="75000"/>
+                    </a:schemeClr>
+                  </a:solidFill>
+                </a:endParaRPr>
+              </a:p>
+            </p:txBody>
+          </p:sp>
+          <p:sp>
+            <p:nvSpPr>
+              <p:cNvPr id="71" name="Rectangle 8">
+                <a:extLst>
+                  <a:ext uri="{FF2B5EF4-FFF2-40B4-BE49-F238E27FC236}">
+                    <a16:creationId xmlns:a16="http://schemas.microsoft.com/office/drawing/2014/main" id="{F4BB3CB6-21E6-4DBF-86F5-8C8AB53E43CD}"/>
+                  </a:ext>
+                </a:extLst>
+              </p:cNvPr>
+              <p:cNvSpPr/>
+              <p:nvPr/>
+            </p:nvSpPr>
+            <p:spPr>
+              <a:xfrm>
+                <a:off x="6019800" y="3030142"/>
+                <a:ext cx="1200707" cy="477028"/>
+              </a:xfrm>
+              <a:prstGeom prst="rect">
+                <a:avLst/>
+              </a:prstGeom>
+              <a:ln w="19050"/>
+              <a:effectLst/>
+            </p:spPr>
+            <p:style>
+              <a:lnRef idx="1">
+                <a:schemeClr val="accent6"/>
+              </a:lnRef>
+              <a:fillRef idx="2">
+                <a:schemeClr val="accent6"/>
+              </a:fillRef>
+              <a:effectRef idx="1">
+                <a:schemeClr val="accent6"/>
+              </a:effectRef>
+              <a:fontRef idx="minor">
+                <a:schemeClr val="dk1"/>
+              </a:fontRef>
+            </p:style>
+            <p:txBody>
+              <a:bodyPr rtlCol="0" anchor="ctr"/>
+              <a:lstStyle/>
+              <a:p>
+                <a:pPr algn="ctr"/>
+                <a:r>
+                  <a:rPr lang="en-US" sz="1050" b="1" dirty="0" err="1">
+                    <a:solidFill>
+                      <a:schemeClr val="accent6">
+                        <a:lumMod val="75000"/>
+                      </a:schemeClr>
+                    </a:solidFill>
+                  </a:rPr>
+                  <a:t>XmlSerializable</a:t>
+                </a:r>
+                <a:br>
+                  <a:rPr lang="en-US" sz="1050" b="1" dirty="0">
+                    <a:solidFill>
+                      <a:schemeClr val="accent6">
+                        <a:lumMod val="75000"/>
+                      </a:schemeClr>
+                    </a:solidFill>
+                  </a:rPr>
+                </a:br>
+                <a:r>
+                  <a:rPr lang="en-US" sz="1050" b="1" dirty="0" err="1">
+                    <a:solidFill>
+                      <a:schemeClr val="accent6">
+                        <a:lumMod val="75000"/>
+                      </a:schemeClr>
+                    </a:solidFill>
+                  </a:rPr>
+                  <a:t>FinalBudgetsBook</a:t>
+                </a:r>
+                <a:endParaRPr lang="en-SG" sz="1050" b="1" dirty="0">
+                  <a:solidFill>
+                    <a:schemeClr val="accent6">
+                      <a:lumMod val="75000"/>
+                    </a:schemeClr>
+                  </a:solidFill>
+                </a:endParaRPr>
+              </a:p>
+            </p:txBody>
+          </p:sp>
+          <p:sp>
+            <p:nvSpPr>
+              <p:cNvPr id="72" name="Rectangle 8">
+                <a:extLst>
+                  <a:ext uri="{FF2B5EF4-FFF2-40B4-BE49-F238E27FC236}">
+                    <a16:creationId xmlns:a16="http://schemas.microsoft.com/office/drawing/2014/main" id="{DFBB796C-426D-4AFD-9150-014C2120EABE}"/>
+                  </a:ext>
+                </a:extLst>
+              </p:cNvPr>
+              <p:cNvSpPr/>
+              <p:nvPr/>
+            </p:nvSpPr>
+            <p:spPr>
+              <a:xfrm>
+                <a:off x="7615738" y="3029356"/>
+                <a:ext cx="1259718" cy="477028"/>
+              </a:xfrm>
+              <a:prstGeom prst="rect">
+                <a:avLst/>
+              </a:prstGeom>
+              <a:ln w="19050"/>
+              <a:effectLst/>
+            </p:spPr>
+            <p:style>
+              <a:lnRef idx="1">
+                <a:schemeClr val="accent6"/>
+              </a:lnRef>
+              <a:fillRef idx="2">
+                <a:schemeClr val="accent6"/>
+              </a:fillRef>
+              <a:effectRef idx="1">
+                <a:schemeClr val="accent6"/>
+              </a:effectRef>
+              <a:fontRef idx="minor">
+                <a:schemeClr val="dk1"/>
+              </a:fontRef>
+            </p:style>
+            <p:txBody>
+              <a:bodyPr rtlCol="0" anchor="ctr"/>
+              <a:lstStyle/>
+              <a:p>
+                <a:pPr algn="ctr"/>
+                <a:r>
+                  <a:rPr lang="en-US" sz="1050" b="1" dirty="0" err="1">
+                    <a:solidFill>
+                      <a:schemeClr val="accent6">
+                        <a:lumMod val="75000"/>
+                      </a:schemeClr>
+                    </a:solidFill>
+                  </a:rPr>
+                  <a:t>XmlAdaptedFinal</a:t>
+                </a:r>
+                <a:endParaRPr lang="en-US" sz="1050" b="1" dirty="0">
+                  <a:solidFill>
+                    <a:schemeClr val="accent6">
+                      <a:lumMod val="75000"/>
+                    </a:schemeClr>
+                  </a:solidFill>
+                </a:endParaRPr>
+              </a:p>
+              <a:p>
+                <a:pPr algn="ctr"/>
+                <a:r>
+                  <a:rPr lang="en-US" sz="1050" b="1" dirty="0" err="1">
+                    <a:solidFill>
+                      <a:schemeClr val="accent6">
+                        <a:lumMod val="75000"/>
+                      </a:schemeClr>
+                    </a:solidFill>
+                  </a:rPr>
+                  <a:t>ClubBudget</a:t>
+                </a:r>
+                <a:endParaRPr lang="en-SG" sz="1050" b="1" dirty="0">
+                  <a:solidFill>
+                    <a:schemeClr val="accent6">
+                      <a:lumMod val="75000"/>
+                    </a:schemeClr>
+                  </a:solidFill>
+                </a:endParaRPr>
+              </a:p>
+            </p:txBody>
+          </p:sp>
+          <p:cxnSp>
+            <p:nvCxnSpPr>
+              <p:cNvPr id="76" name="Elbow Connector 122">
+                <a:extLst>
+                  <a:ext uri="{FF2B5EF4-FFF2-40B4-BE49-F238E27FC236}">
+                    <a16:creationId xmlns:a16="http://schemas.microsoft.com/office/drawing/2014/main" id="{160081A6-6A40-402A-9CC2-3271A79855E2}"/>
+                  </a:ext>
+                </a:extLst>
+              </p:cNvPr>
+              <p:cNvCxnSpPr>
+                <a:cxnSpLocks/>
+                <a:stCxn id="71" idx="3"/>
+                <a:endCxn id="72" idx="1"/>
+              </p:cNvCxnSpPr>
+              <p:nvPr/>
+            </p:nvCxnSpPr>
+            <p:spPr>
+              <a:xfrm flipV="1">
+                <a:off x="7220507" y="3267870"/>
+                <a:ext cx="395231" cy="786"/>
+              </a:xfrm>
+              <a:prstGeom prst="bentConnector3">
+                <a:avLst>
+                  <a:gd name="adj1" fmla="val 50000"/>
+                </a:avLst>
+              </a:prstGeom>
+              <a:ln w="19050">
+                <a:prstDash val="sysDot"/>
+                <a:headEnd type="none" w="med" len="med"/>
+                <a:tailEnd type="arrow" w="med" len="med"/>
+              </a:ln>
+              <a:effectLst/>
+            </p:spPr>
+            <p:style>
+              <a:lnRef idx="1">
+                <a:schemeClr val="accent6"/>
+              </a:lnRef>
+              <a:fillRef idx="2">
+                <a:schemeClr val="accent6"/>
+              </a:fillRef>
+              <a:effectRef idx="1">
+                <a:schemeClr val="accent6"/>
+              </a:effectRef>
+              <a:fontRef idx="minor">
+                <a:schemeClr val="dk1"/>
+              </a:fontRef>
+            </p:style>
+          </p:cxnSp>
+        </p:grpSp>
+      </p:grpSp>
     </p:spTree>
     <p:extLst>
       <p:ext uri="{BB962C8B-B14F-4D97-AF65-F5344CB8AC3E}">

--- a/docs/diagrams/StorageComponentClassDiagram.pptx
+++ b/docs/diagrams/StorageComponentClassDiagram.pptx
@@ -10,14 +10,14 @@
   <p:sldIdLst>
     <p:sldId id="264" r:id="rId2"/>
   </p:sldIdLst>
-  <p:sldSz cx="9144000" cy="6858000" type="screen4x3"/>
+  <p:sldSz cx="10799763" cy="7467600"/>
   <p:notesSz cx="6858000" cy="9144000"/>
   <p:defaultTextStyle>
     <a:defPPr>
       <a:defRPr lang="en-US"/>
     </a:defPPr>
-    <a:lvl1pPr marL="0" algn="l" defTabSz="914400" rtl="0" eaLnBrk="1" latinLnBrk="0" hangingPunct="1">
-      <a:defRPr sz="1800" kern="1200">
+    <a:lvl1pPr marL="0" algn="l" defTabSz="1043788" rtl="0" eaLnBrk="1" latinLnBrk="0" hangingPunct="1">
+      <a:defRPr sz="2055" kern="1200">
         <a:solidFill>
           <a:schemeClr val="tx1"/>
         </a:solidFill>
@@ -26,8 +26,8 @@
         <a:cs typeface="+mn-cs"/>
       </a:defRPr>
     </a:lvl1pPr>
-    <a:lvl2pPr marL="457200" algn="l" defTabSz="914400" rtl="0" eaLnBrk="1" latinLnBrk="0" hangingPunct="1">
-      <a:defRPr sz="1800" kern="1200">
+    <a:lvl2pPr marL="521894" algn="l" defTabSz="1043788" rtl="0" eaLnBrk="1" latinLnBrk="0" hangingPunct="1">
+      <a:defRPr sz="2055" kern="1200">
         <a:solidFill>
           <a:schemeClr val="tx1"/>
         </a:solidFill>
@@ -36,8 +36,8 @@
         <a:cs typeface="+mn-cs"/>
       </a:defRPr>
     </a:lvl2pPr>
-    <a:lvl3pPr marL="914400" algn="l" defTabSz="914400" rtl="0" eaLnBrk="1" latinLnBrk="0" hangingPunct="1">
-      <a:defRPr sz="1800" kern="1200">
+    <a:lvl3pPr marL="1043788" algn="l" defTabSz="1043788" rtl="0" eaLnBrk="1" latinLnBrk="0" hangingPunct="1">
+      <a:defRPr sz="2055" kern="1200">
         <a:solidFill>
           <a:schemeClr val="tx1"/>
         </a:solidFill>
@@ -46,8 +46,8 @@
         <a:cs typeface="+mn-cs"/>
       </a:defRPr>
     </a:lvl3pPr>
-    <a:lvl4pPr marL="1371600" algn="l" defTabSz="914400" rtl="0" eaLnBrk="1" latinLnBrk="0" hangingPunct="1">
-      <a:defRPr sz="1800" kern="1200">
+    <a:lvl4pPr marL="1565681" algn="l" defTabSz="1043788" rtl="0" eaLnBrk="1" latinLnBrk="0" hangingPunct="1">
+      <a:defRPr sz="2055" kern="1200">
         <a:solidFill>
           <a:schemeClr val="tx1"/>
         </a:solidFill>
@@ -56,8 +56,8 @@
         <a:cs typeface="+mn-cs"/>
       </a:defRPr>
     </a:lvl4pPr>
-    <a:lvl5pPr marL="1828800" algn="l" defTabSz="914400" rtl="0" eaLnBrk="1" latinLnBrk="0" hangingPunct="1">
-      <a:defRPr sz="1800" kern="1200">
+    <a:lvl5pPr marL="2087575" algn="l" defTabSz="1043788" rtl="0" eaLnBrk="1" latinLnBrk="0" hangingPunct="1">
+      <a:defRPr sz="2055" kern="1200">
         <a:solidFill>
           <a:schemeClr val="tx1"/>
         </a:solidFill>
@@ -66,8 +66,8 @@
         <a:cs typeface="+mn-cs"/>
       </a:defRPr>
     </a:lvl5pPr>
-    <a:lvl6pPr marL="2286000" algn="l" defTabSz="914400" rtl="0" eaLnBrk="1" latinLnBrk="0" hangingPunct="1">
-      <a:defRPr sz="1800" kern="1200">
+    <a:lvl6pPr marL="2609469" algn="l" defTabSz="1043788" rtl="0" eaLnBrk="1" latinLnBrk="0" hangingPunct="1">
+      <a:defRPr sz="2055" kern="1200">
         <a:solidFill>
           <a:schemeClr val="tx1"/>
         </a:solidFill>
@@ -76,8 +76,8 @@
         <a:cs typeface="+mn-cs"/>
       </a:defRPr>
     </a:lvl6pPr>
-    <a:lvl7pPr marL="2743200" algn="l" defTabSz="914400" rtl="0" eaLnBrk="1" latinLnBrk="0" hangingPunct="1">
-      <a:defRPr sz="1800" kern="1200">
+    <a:lvl7pPr marL="3131363" algn="l" defTabSz="1043788" rtl="0" eaLnBrk="1" latinLnBrk="0" hangingPunct="1">
+      <a:defRPr sz="2055" kern="1200">
         <a:solidFill>
           <a:schemeClr val="tx1"/>
         </a:solidFill>
@@ -86,8 +86,8 @@
         <a:cs typeface="+mn-cs"/>
       </a:defRPr>
     </a:lvl7pPr>
-    <a:lvl8pPr marL="3200400" algn="l" defTabSz="914400" rtl="0" eaLnBrk="1" latinLnBrk="0" hangingPunct="1">
-      <a:defRPr sz="1800" kern="1200">
+    <a:lvl8pPr marL="3653257" algn="l" defTabSz="1043788" rtl="0" eaLnBrk="1" latinLnBrk="0" hangingPunct="1">
+      <a:defRPr sz="2055" kern="1200">
         <a:solidFill>
           <a:schemeClr val="tx1"/>
         </a:solidFill>
@@ -96,8 +96,8 @@
         <a:cs typeface="+mn-cs"/>
       </a:defRPr>
     </a:lvl8pPr>
-    <a:lvl9pPr marL="3657600" algn="l" defTabSz="914400" rtl="0" eaLnBrk="1" latinLnBrk="0" hangingPunct="1">
-      <a:defRPr sz="1800" kern="1200">
+    <a:lvl9pPr marL="4175150" algn="l" defTabSz="1043788" rtl="0" eaLnBrk="1" latinLnBrk="0" hangingPunct="1">
+      <a:defRPr sz="2055" kern="1200">
         <a:solidFill>
           <a:schemeClr val="tx1"/>
         </a:solidFill>
@@ -107,6 +107,22 @@
       </a:defRPr>
     </a:lvl9pPr>
   </p:defaultTextStyle>
+  <p:extLst>
+    <p:ext uri="{EFAFB233-063F-42B5-8137-9DF3F51BA10A}">
+      <p15:sldGuideLst xmlns:p15="http://schemas.microsoft.com/office/powerpoint/2012/main">
+        <p15:guide id="1" orient="horz" pos="1620" userDrawn="1">
+          <p15:clr>
+            <a:srgbClr val="A4A3A4"/>
+          </p15:clr>
+        </p15:guide>
+        <p15:guide id="2" pos="3402" userDrawn="1">
+          <p15:clr>
+            <a:srgbClr val="A4A3A4"/>
+          </p15:clr>
+        </p15:guide>
+      </p15:sldGuideLst>
+    </p:ext>
+  </p:extLst>
 </p:presentation>
 </file>
 
@@ -192,7 +208,7 @@
           <a:p>
             <a:fld id="{F5CC4B3F-88C1-4FFA-B1B6-F41C21DC6924}" type="datetimeFigureOut">
               <a:rPr lang="en-US" smtClean="0"/>
-              <a:t>10/16/2016</a:t>
+              <a:t>11/12/2018</a:t>
             </a:fld>
             <a:endParaRPr lang="en-US"/>
           </a:p>
@@ -210,8 +226,8 @@
         </p:nvSpPr>
         <p:spPr>
           <a:xfrm>
-            <a:off x="1143000" y="685800"/>
-            <a:ext cx="4572000" cy="3429000"/>
+            <a:off x="950913" y="685800"/>
+            <a:ext cx="4956175" cy="3429000"/>
           </a:xfrm>
           <a:prstGeom prst="rect">
             <a:avLst/>
@@ -256,38 +272,37 @@
           <a:p>
             <a:pPr lvl="0"/>
             <a:r>
-              <a:rPr lang="en-US" smtClean="0"/>
+              <a:rPr lang="en-US"/>
               <a:t>Click to edit Master text styles</a:t>
             </a:r>
           </a:p>
           <a:p>
             <a:pPr lvl="1"/>
             <a:r>
-              <a:rPr lang="en-US" smtClean="0"/>
+              <a:rPr lang="en-US"/>
               <a:t>Second level</a:t>
             </a:r>
           </a:p>
           <a:p>
             <a:pPr lvl="2"/>
             <a:r>
-              <a:rPr lang="en-US" smtClean="0"/>
+              <a:rPr lang="en-US"/>
               <a:t>Third level</a:t>
             </a:r>
           </a:p>
           <a:p>
             <a:pPr lvl="3"/>
             <a:r>
-              <a:rPr lang="en-US" smtClean="0"/>
+              <a:rPr lang="en-US"/>
               <a:t>Fourth level</a:t>
             </a:r>
           </a:p>
           <a:p>
             <a:pPr lvl="4"/>
             <a:r>
-              <a:rPr lang="en-US" smtClean="0"/>
+              <a:rPr lang="en-US"/>
               <a:t>Fifth level</a:t>
             </a:r>
-            <a:endParaRPr lang="en-US"/>
           </a:p>
         </p:txBody>
       </p:sp>
@@ -366,8 +381,8 @@
   </p:cSld>
   <p:clrMap bg1="lt1" tx1="dk1" bg2="lt2" tx2="dk2" accent1="accent1" accent2="accent2" accent3="accent3" accent4="accent4" accent5="accent5" accent6="accent6" hlink="hlink" folHlink="folHlink"/>
   <p:notesStyle>
-    <a:lvl1pPr marL="0" algn="l" defTabSz="914400" rtl="0" eaLnBrk="1" latinLnBrk="0" hangingPunct="1">
-      <a:defRPr sz="1200" kern="1200">
+    <a:lvl1pPr marL="0" algn="l" defTabSz="1043788" rtl="0" eaLnBrk="1" latinLnBrk="0" hangingPunct="1">
+      <a:defRPr sz="1370" kern="1200">
         <a:solidFill>
           <a:schemeClr val="tx1"/>
         </a:solidFill>
@@ -376,8 +391,8 @@
         <a:cs typeface="+mn-cs"/>
       </a:defRPr>
     </a:lvl1pPr>
-    <a:lvl2pPr marL="457200" algn="l" defTabSz="914400" rtl="0" eaLnBrk="1" latinLnBrk="0" hangingPunct="1">
-      <a:defRPr sz="1200" kern="1200">
+    <a:lvl2pPr marL="521894" algn="l" defTabSz="1043788" rtl="0" eaLnBrk="1" latinLnBrk="0" hangingPunct="1">
+      <a:defRPr sz="1370" kern="1200">
         <a:solidFill>
           <a:schemeClr val="tx1"/>
         </a:solidFill>
@@ -386,8 +401,8 @@
         <a:cs typeface="+mn-cs"/>
       </a:defRPr>
     </a:lvl2pPr>
-    <a:lvl3pPr marL="914400" algn="l" defTabSz="914400" rtl="0" eaLnBrk="1" latinLnBrk="0" hangingPunct="1">
-      <a:defRPr sz="1200" kern="1200">
+    <a:lvl3pPr marL="1043788" algn="l" defTabSz="1043788" rtl="0" eaLnBrk="1" latinLnBrk="0" hangingPunct="1">
+      <a:defRPr sz="1370" kern="1200">
         <a:solidFill>
           <a:schemeClr val="tx1"/>
         </a:solidFill>
@@ -396,8 +411,8 @@
         <a:cs typeface="+mn-cs"/>
       </a:defRPr>
     </a:lvl3pPr>
-    <a:lvl4pPr marL="1371600" algn="l" defTabSz="914400" rtl="0" eaLnBrk="1" latinLnBrk="0" hangingPunct="1">
-      <a:defRPr sz="1200" kern="1200">
+    <a:lvl4pPr marL="1565681" algn="l" defTabSz="1043788" rtl="0" eaLnBrk="1" latinLnBrk="0" hangingPunct="1">
+      <a:defRPr sz="1370" kern="1200">
         <a:solidFill>
           <a:schemeClr val="tx1"/>
         </a:solidFill>
@@ -406,8 +421,8 @@
         <a:cs typeface="+mn-cs"/>
       </a:defRPr>
     </a:lvl4pPr>
-    <a:lvl5pPr marL="1828800" algn="l" defTabSz="914400" rtl="0" eaLnBrk="1" latinLnBrk="0" hangingPunct="1">
-      <a:defRPr sz="1200" kern="1200">
+    <a:lvl5pPr marL="2087575" algn="l" defTabSz="1043788" rtl="0" eaLnBrk="1" latinLnBrk="0" hangingPunct="1">
+      <a:defRPr sz="1370" kern="1200">
         <a:solidFill>
           <a:schemeClr val="tx1"/>
         </a:solidFill>
@@ -416,8 +431,8 @@
         <a:cs typeface="+mn-cs"/>
       </a:defRPr>
     </a:lvl5pPr>
-    <a:lvl6pPr marL="2286000" algn="l" defTabSz="914400" rtl="0" eaLnBrk="1" latinLnBrk="0" hangingPunct="1">
-      <a:defRPr sz="1200" kern="1200">
+    <a:lvl6pPr marL="2609469" algn="l" defTabSz="1043788" rtl="0" eaLnBrk="1" latinLnBrk="0" hangingPunct="1">
+      <a:defRPr sz="1370" kern="1200">
         <a:solidFill>
           <a:schemeClr val="tx1"/>
         </a:solidFill>
@@ -426,8 +441,8 @@
         <a:cs typeface="+mn-cs"/>
       </a:defRPr>
     </a:lvl6pPr>
-    <a:lvl7pPr marL="2743200" algn="l" defTabSz="914400" rtl="0" eaLnBrk="1" latinLnBrk="0" hangingPunct="1">
-      <a:defRPr sz="1200" kern="1200">
+    <a:lvl7pPr marL="3131363" algn="l" defTabSz="1043788" rtl="0" eaLnBrk="1" latinLnBrk="0" hangingPunct="1">
+      <a:defRPr sz="1370" kern="1200">
         <a:solidFill>
           <a:schemeClr val="tx1"/>
         </a:solidFill>
@@ -436,8 +451,8 @@
         <a:cs typeface="+mn-cs"/>
       </a:defRPr>
     </a:lvl7pPr>
-    <a:lvl8pPr marL="3200400" algn="l" defTabSz="914400" rtl="0" eaLnBrk="1" latinLnBrk="0" hangingPunct="1">
-      <a:defRPr sz="1200" kern="1200">
+    <a:lvl8pPr marL="3653257" algn="l" defTabSz="1043788" rtl="0" eaLnBrk="1" latinLnBrk="0" hangingPunct="1">
+      <a:defRPr sz="1370" kern="1200">
         <a:solidFill>
           <a:schemeClr val="tx1"/>
         </a:solidFill>
@@ -446,8 +461,8 @@
         <a:cs typeface="+mn-cs"/>
       </a:defRPr>
     </a:lvl8pPr>
-    <a:lvl9pPr marL="3657600" algn="l" defTabSz="914400" rtl="0" eaLnBrk="1" latinLnBrk="0" hangingPunct="1">
-      <a:defRPr sz="1200" kern="1200">
+    <a:lvl9pPr marL="4175150" algn="l" defTabSz="1043788" rtl="0" eaLnBrk="1" latinLnBrk="0" hangingPunct="1">
+      <a:defRPr sz="1370" kern="1200">
         <a:solidFill>
           <a:schemeClr val="tx1"/>
         </a:solidFill>
@@ -489,8 +504,8 @@
         </p:nvSpPr>
         <p:spPr>
           <a:xfrm>
-            <a:off x="685800" y="2130425"/>
-            <a:ext cx="7772400" cy="1470025"/>
+            <a:off x="809982" y="2319797"/>
+            <a:ext cx="9179799" cy="1600694"/>
           </a:xfrm>
         </p:spPr>
         <p:txBody>
@@ -498,10 +513,9 @@
           <a:lstStyle/>
           <a:p>
             <a:r>
-              <a:rPr lang="en-US" smtClean="0"/>
+              <a:rPr lang="en-US"/>
               <a:t>Click to edit Master title style</a:t>
             </a:r>
-            <a:endParaRPr lang="en-US"/>
           </a:p>
         </p:txBody>
       </p:sp>
@@ -517,8 +531,8 @@
         </p:nvSpPr>
         <p:spPr>
           <a:xfrm>
-            <a:off x="1371600" y="3886200"/>
-            <a:ext cx="6400800" cy="1752600"/>
+            <a:off x="1619965" y="4231640"/>
+            <a:ext cx="7559834" cy="1908387"/>
           </a:xfrm>
         </p:spPr>
         <p:txBody>
@@ -617,10 +631,9 @@
           </a:lstStyle>
           <a:p>
             <a:r>
-              <a:rPr lang="en-US" smtClean="0"/>
+              <a:rPr lang="en-US"/>
               <a:t>Click to edit Master subtitle style</a:t>
             </a:r>
-            <a:endParaRPr lang="en-US"/>
           </a:p>
         </p:txBody>
       </p:sp>
@@ -641,7 +654,7 @@
           <a:p>
             <a:fld id="{78C97017-6FC3-485B-9764-EAC9E56C1D49}" type="datetimeFigureOut">
               <a:rPr lang="en-US" smtClean="0"/>
-              <a:t>10/16/2016</a:t>
+              <a:t>11/12/2018</a:t>
             </a:fld>
             <a:endParaRPr lang="en-US"/>
           </a:p>
@@ -735,10 +748,9 @@
           <a:lstStyle/>
           <a:p>
             <a:r>
-              <a:rPr lang="en-US" smtClean="0"/>
+              <a:rPr lang="en-US"/>
               <a:t>Click to edit Master title style</a:t>
             </a:r>
-            <a:endParaRPr lang="en-US"/>
           </a:p>
         </p:txBody>
       </p:sp>
@@ -759,38 +771,37 @@
           <a:p>
             <a:pPr lvl="0"/>
             <a:r>
-              <a:rPr lang="en-US" smtClean="0"/>
+              <a:rPr lang="en-US"/>
               <a:t>Click to edit Master text styles</a:t>
             </a:r>
           </a:p>
           <a:p>
             <a:pPr lvl="1"/>
             <a:r>
-              <a:rPr lang="en-US" smtClean="0"/>
+              <a:rPr lang="en-US"/>
               <a:t>Second level</a:t>
             </a:r>
           </a:p>
           <a:p>
             <a:pPr lvl="2"/>
             <a:r>
-              <a:rPr lang="en-US" smtClean="0"/>
+              <a:rPr lang="en-US"/>
               <a:t>Third level</a:t>
             </a:r>
           </a:p>
           <a:p>
             <a:pPr lvl="3"/>
             <a:r>
-              <a:rPr lang="en-US" smtClean="0"/>
+              <a:rPr lang="en-US"/>
               <a:t>Fourth level</a:t>
             </a:r>
           </a:p>
           <a:p>
             <a:pPr lvl="4"/>
             <a:r>
-              <a:rPr lang="en-US" smtClean="0"/>
+              <a:rPr lang="en-US"/>
               <a:t>Fifth level</a:t>
             </a:r>
-            <a:endParaRPr lang="en-US"/>
           </a:p>
         </p:txBody>
       </p:sp>
@@ -811,7 +822,7 @@
           <a:p>
             <a:fld id="{78C97017-6FC3-485B-9764-EAC9E56C1D49}" type="datetimeFigureOut">
               <a:rPr lang="en-US" smtClean="0"/>
-              <a:t>10/16/2016</a:t>
+              <a:t>11/12/2018</a:t>
             </a:fld>
             <a:endParaRPr lang="en-US"/>
           </a:p>
@@ -901,8 +912,8 @@
         </p:nvSpPr>
         <p:spPr>
           <a:xfrm>
-            <a:off x="6629400" y="274638"/>
-            <a:ext cx="2057400" cy="5851525"/>
+            <a:off x="7829828" y="299051"/>
+            <a:ext cx="2429947" cy="6371661"/>
           </a:xfrm>
         </p:spPr>
         <p:txBody>
@@ -910,10 +921,9 @@
           <a:lstStyle/>
           <a:p>
             <a:r>
-              <a:rPr lang="en-US" smtClean="0"/>
+              <a:rPr lang="en-US"/>
               <a:t>Click to edit Master title style</a:t>
             </a:r>
-            <a:endParaRPr lang="en-US"/>
           </a:p>
         </p:txBody>
       </p:sp>
@@ -929,8 +939,8 @@
         </p:nvSpPr>
         <p:spPr>
           <a:xfrm>
-            <a:off x="457200" y="274638"/>
-            <a:ext cx="6019800" cy="5851525"/>
+            <a:off x="539988" y="299051"/>
+            <a:ext cx="7109844" cy="6371661"/>
           </a:xfrm>
         </p:spPr>
         <p:txBody>
@@ -939,38 +949,37 @@
           <a:p>
             <a:pPr lvl="0"/>
             <a:r>
-              <a:rPr lang="en-US" smtClean="0"/>
+              <a:rPr lang="en-US"/>
               <a:t>Click to edit Master text styles</a:t>
             </a:r>
           </a:p>
           <a:p>
             <a:pPr lvl="1"/>
             <a:r>
-              <a:rPr lang="en-US" smtClean="0"/>
+              <a:rPr lang="en-US"/>
               <a:t>Second level</a:t>
             </a:r>
           </a:p>
           <a:p>
             <a:pPr lvl="2"/>
             <a:r>
-              <a:rPr lang="en-US" smtClean="0"/>
+              <a:rPr lang="en-US"/>
               <a:t>Third level</a:t>
             </a:r>
           </a:p>
           <a:p>
             <a:pPr lvl="3"/>
             <a:r>
-              <a:rPr lang="en-US" smtClean="0"/>
+              <a:rPr lang="en-US"/>
               <a:t>Fourth level</a:t>
             </a:r>
           </a:p>
           <a:p>
             <a:pPr lvl="4"/>
             <a:r>
-              <a:rPr lang="en-US" smtClean="0"/>
+              <a:rPr lang="en-US"/>
               <a:t>Fifth level</a:t>
             </a:r>
-            <a:endParaRPr lang="en-US"/>
           </a:p>
         </p:txBody>
       </p:sp>
@@ -991,7 +1000,7 @@
           <a:p>
             <a:fld id="{78C97017-6FC3-485B-9764-EAC9E56C1D49}" type="datetimeFigureOut">
               <a:rPr lang="en-US" smtClean="0"/>
-              <a:t>10/16/2016</a:t>
+              <a:t>11/12/2018</a:t>
             </a:fld>
             <a:endParaRPr lang="en-US"/>
           </a:p>
@@ -1085,10 +1094,9 @@
           <a:lstStyle/>
           <a:p>
             <a:r>
-              <a:rPr lang="en-US" smtClean="0"/>
+              <a:rPr lang="en-US"/>
               <a:t>Click to edit Master title style</a:t>
             </a:r>
-            <a:endParaRPr lang="en-US"/>
           </a:p>
         </p:txBody>
       </p:sp>
@@ -1109,38 +1117,37 @@
           <a:p>
             <a:pPr lvl="0"/>
             <a:r>
-              <a:rPr lang="en-US" smtClean="0"/>
+              <a:rPr lang="en-US"/>
               <a:t>Click to edit Master text styles</a:t>
             </a:r>
           </a:p>
           <a:p>
             <a:pPr lvl="1"/>
             <a:r>
-              <a:rPr lang="en-US" smtClean="0"/>
+              <a:rPr lang="en-US"/>
               <a:t>Second level</a:t>
             </a:r>
           </a:p>
           <a:p>
             <a:pPr lvl="2"/>
             <a:r>
-              <a:rPr lang="en-US" smtClean="0"/>
+              <a:rPr lang="en-US"/>
               <a:t>Third level</a:t>
             </a:r>
           </a:p>
           <a:p>
             <a:pPr lvl="3"/>
             <a:r>
-              <a:rPr lang="en-US" smtClean="0"/>
+              <a:rPr lang="en-US"/>
               <a:t>Fourth level</a:t>
             </a:r>
           </a:p>
           <a:p>
             <a:pPr lvl="4"/>
             <a:r>
-              <a:rPr lang="en-US" smtClean="0"/>
+              <a:rPr lang="en-US"/>
               <a:t>Fifth level</a:t>
             </a:r>
-            <a:endParaRPr lang="en-US"/>
           </a:p>
         </p:txBody>
       </p:sp>
@@ -1161,7 +1168,7 @@
           <a:p>
             <a:fld id="{78C97017-6FC3-485B-9764-EAC9E56C1D49}" type="datetimeFigureOut">
               <a:rPr lang="en-US" smtClean="0"/>
-              <a:t>10/16/2016</a:t>
+              <a:t>11/12/2018</a:t>
             </a:fld>
             <a:endParaRPr lang="en-US"/>
           </a:p>
@@ -1251,8 +1258,8 @@
         </p:nvSpPr>
         <p:spPr>
           <a:xfrm>
-            <a:off x="722313" y="4406900"/>
-            <a:ext cx="7772400" cy="1362075"/>
+            <a:off x="853107" y="4798625"/>
+            <a:ext cx="9179799" cy="1483148"/>
           </a:xfrm>
         </p:spPr>
         <p:txBody>
@@ -1264,10 +1271,9 @@
           </a:lstStyle>
           <a:p>
             <a:r>
-              <a:rPr lang="en-US" smtClean="0"/>
+              <a:rPr lang="en-US"/>
               <a:t>Click to edit Master title style</a:t>
             </a:r>
-            <a:endParaRPr lang="en-US"/>
           </a:p>
         </p:txBody>
       </p:sp>
@@ -1283,8 +1289,8 @@
         </p:nvSpPr>
         <p:spPr>
           <a:xfrm>
-            <a:off x="722313" y="2906713"/>
-            <a:ext cx="7772400" cy="1500187"/>
+            <a:off x="853107" y="3165088"/>
+            <a:ext cx="9179799" cy="1633537"/>
           </a:xfrm>
         </p:spPr>
         <p:txBody>
@@ -1384,7 +1390,7 @@
           <a:p>
             <a:pPr lvl="0"/>
             <a:r>
-              <a:rPr lang="en-US" smtClean="0"/>
+              <a:rPr lang="en-US"/>
               <a:t>Click to edit Master text styles</a:t>
             </a:r>
           </a:p>
@@ -1407,7 +1413,7 @@
           <a:p>
             <a:fld id="{78C97017-6FC3-485B-9764-EAC9E56C1D49}" type="datetimeFigureOut">
               <a:rPr lang="en-US" smtClean="0"/>
-              <a:t>10/16/2016</a:t>
+              <a:t>11/12/2018</a:t>
             </a:fld>
             <a:endParaRPr lang="en-US"/>
           </a:p>
@@ -1501,10 +1507,9 @@
           <a:lstStyle/>
           <a:p>
             <a:r>
-              <a:rPr lang="en-US" smtClean="0"/>
+              <a:rPr lang="en-US"/>
               <a:t>Click to edit Master title style</a:t>
             </a:r>
-            <a:endParaRPr lang="en-US"/>
           </a:p>
         </p:txBody>
       </p:sp>
@@ -1520,8 +1525,8 @@
         </p:nvSpPr>
         <p:spPr>
           <a:xfrm>
-            <a:off x="457200" y="1600200"/>
-            <a:ext cx="4038600" cy="4525963"/>
+            <a:off x="539988" y="1742440"/>
+            <a:ext cx="4769895" cy="4928271"/>
           </a:xfrm>
         </p:spPr>
         <p:txBody>
@@ -1558,38 +1563,37 @@
           <a:p>
             <a:pPr lvl="0"/>
             <a:r>
-              <a:rPr lang="en-US" smtClean="0"/>
+              <a:rPr lang="en-US"/>
               <a:t>Click to edit Master text styles</a:t>
             </a:r>
           </a:p>
           <a:p>
             <a:pPr lvl="1"/>
             <a:r>
-              <a:rPr lang="en-US" smtClean="0"/>
+              <a:rPr lang="en-US"/>
               <a:t>Second level</a:t>
             </a:r>
           </a:p>
           <a:p>
             <a:pPr lvl="2"/>
             <a:r>
-              <a:rPr lang="en-US" smtClean="0"/>
+              <a:rPr lang="en-US"/>
               <a:t>Third level</a:t>
             </a:r>
           </a:p>
           <a:p>
             <a:pPr lvl="3"/>
             <a:r>
-              <a:rPr lang="en-US" smtClean="0"/>
+              <a:rPr lang="en-US"/>
               <a:t>Fourth level</a:t>
             </a:r>
           </a:p>
           <a:p>
             <a:pPr lvl="4"/>
             <a:r>
-              <a:rPr lang="en-US" smtClean="0"/>
+              <a:rPr lang="en-US"/>
               <a:t>Fifth level</a:t>
             </a:r>
-            <a:endParaRPr lang="en-US"/>
           </a:p>
         </p:txBody>
       </p:sp>
@@ -1605,8 +1609,8 @@
         </p:nvSpPr>
         <p:spPr>
           <a:xfrm>
-            <a:off x="4648200" y="1600200"/>
-            <a:ext cx="4038600" cy="4525963"/>
+            <a:off x="5489880" y="1742440"/>
+            <a:ext cx="4769895" cy="4928271"/>
           </a:xfrm>
         </p:spPr>
         <p:txBody>
@@ -1643,38 +1647,37 @@
           <a:p>
             <a:pPr lvl="0"/>
             <a:r>
-              <a:rPr lang="en-US" smtClean="0"/>
+              <a:rPr lang="en-US"/>
               <a:t>Click to edit Master text styles</a:t>
             </a:r>
           </a:p>
           <a:p>
             <a:pPr lvl="1"/>
             <a:r>
-              <a:rPr lang="en-US" smtClean="0"/>
+              <a:rPr lang="en-US"/>
               <a:t>Second level</a:t>
             </a:r>
           </a:p>
           <a:p>
             <a:pPr lvl="2"/>
             <a:r>
-              <a:rPr lang="en-US" smtClean="0"/>
+              <a:rPr lang="en-US"/>
               <a:t>Third level</a:t>
             </a:r>
           </a:p>
           <a:p>
             <a:pPr lvl="3"/>
             <a:r>
-              <a:rPr lang="en-US" smtClean="0"/>
+              <a:rPr lang="en-US"/>
               <a:t>Fourth level</a:t>
             </a:r>
           </a:p>
           <a:p>
             <a:pPr lvl="4"/>
             <a:r>
-              <a:rPr lang="en-US" smtClean="0"/>
+              <a:rPr lang="en-US"/>
               <a:t>Fifth level</a:t>
             </a:r>
-            <a:endParaRPr lang="en-US"/>
           </a:p>
         </p:txBody>
       </p:sp>
@@ -1695,7 +1698,7 @@
           <a:p>
             <a:fld id="{78C97017-6FC3-485B-9764-EAC9E56C1D49}" type="datetimeFigureOut">
               <a:rPr lang="en-US" smtClean="0"/>
-              <a:t>10/16/2016</a:t>
+              <a:t>11/12/2018</a:t>
             </a:fld>
             <a:endParaRPr lang="en-US"/>
           </a:p>
@@ -1793,10 +1796,9 @@
           </a:lstStyle>
           <a:p>
             <a:r>
-              <a:rPr lang="en-US" smtClean="0"/>
+              <a:rPr lang="en-US"/>
               <a:t>Click to edit Master title style</a:t>
             </a:r>
-            <a:endParaRPr lang="en-US"/>
           </a:p>
         </p:txBody>
       </p:sp>
@@ -1812,8 +1814,8 @@
         </p:nvSpPr>
         <p:spPr>
           <a:xfrm>
-            <a:off x="457200" y="1535113"/>
-            <a:ext cx="4040188" cy="639762"/>
+            <a:off x="539988" y="1671567"/>
+            <a:ext cx="4771771" cy="696630"/>
           </a:xfrm>
         </p:spPr>
         <p:txBody>
@@ -1859,7 +1861,7 @@
           <a:p>
             <a:pPr lvl="0"/>
             <a:r>
-              <a:rPr lang="en-US" smtClean="0"/>
+              <a:rPr lang="en-US"/>
               <a:t>Click to edit Master text styles</a:t>
             </a:r>
           </a:p>
@@ -1877,8 +1879,8 @@
         </p:nvSpPr>
         <p:spPr>
           <a:xfrm>
-            <a:off x="457200" y="2174875"/>
-            <a:ext cx="4040188" cy="3951288"/>
+            <a:off x="539988" y="2368197"/>
+            <a:ext cx="4771771" cy="4302514"/>
           </a:xfrm>
         </p:spPr>
         <p:txBody>
@@ -1915,38 +1917,37 @@
           <a:p>
             <a:pPr lvl="0"/>
             <a:r>
-              <a:rPr lang="en-US" smtClean="0"/>
+              <a:rPr lang="en-US"/>
               <a:t>Click to edit Master text styles</a:t>
             </a:r>
           </a:p>
           <a:p>
             <a:pPr lvl="1"/>
             <a:r>
-              <a:rPr lang="en-US" smtClean="0"/>
+              <a:rPr lang="en-US"/>
               <a:t>Second level</a:t>
             </a:r>
           </a:p>
           <a:p>
             <a:pPr lvl="2"/>
             <a:r>
-              <a:rPr lang="en-US" smtClean="0"/>
+              <a:rPr lang="en-US"/>
               <a:t>Third level</a:t>
             </a:r>
           </a:p>
           <a:p>
             <a:pPr lvl="3"/>
             <a:r>
-              <a:rPr lang="en-US" smtClean="0"/>
+              <a:rPr lang="en-US"/>
               <a:t>Fourth level</a:t>
             </a:r>
           </a:p>
           <a:p>
             <a:pPr lvl="4"/>
             <a:r>
-              <a:rPr lang="en-US" smtClean="0"/>
+              <a:rPr lang="en-US"/>
               <a:t>Fifth level</a:t>
             </a:r>
-            <a:endParaRPr lang="en-US"/>
           </a:p>
         </p:txBody>
       </p:sp>
@@ -1962,8 +1963,8 @@
         </p:nvSpPr>
         <p:spPr>
           <a:xfrm>
-            <a:off x="4645025" y="1535113"/>
-            <a:ext cx="4041775" cy="639762"/>
+            <a:off x="5486130" y="1671567"/>
+            <a:ext cx="4773645" cy="696630"/>
           </a:xfrm>
         </p:spPr>
         <p:txBody>
@@ -2009,7 +2010,7 @@
           <a:p>
             <a:pPr lvl="0"/>
             <a:r>
-              <a:rPr lang="en-US" smtClean="0"/>
+              <a:rPr lang="en-US"/>
               <a:t>Click to edit Master text styles</a:t>
             </a:r>
           </a:p>
@@ -2027,8 +2028,8 @@
         </p:nvSpPr>
         <p:spPr>
           <a:xfrm>
-            <a:off x="4645025" y="2174875"/>
-            <a:ext cx="4041775" cy="3951288"/>
+            <a:off x="5486130" y="2368197"/>
+            <a:ext cx="4773645" cy="4302514"/>
           </a:xfrm>
         </p:spPr>
         <p:txBody>
@@ -2065,38 +2066,37 @@
           <a:p>
             <a:pPr lvl="0"/>
             <a:r>
-              <a:rPr lang="en-US" smtClean="0"/>
+              <a:rPr lang="en-US"/>
               <a:t>Click to edit Master text styles</a:t>
             </a:r>
           </a:p>
           <a:p>
             <a:pPr lvl="1"/>
             <a:r>
-              <a:rPr lang="en-US" smtClean="0"/>
+              <a:rPr lang="en-US"/>
               <a:t>Second level</a:t>
             </a:r>
           </a:p>
           <a:p>
             <a:pPr lvl="2"/>
             <a:r>
-              <a:rPr lang="en-US" smtClean="0"/>
+              <a:rPr lang="en-US"/>
               <a:t>Third level</a:t>
             </a:r>
           </a:p>
           <a:p>
             <a:pPr lvl="3"/>
             <a:r>
-              <a:rPr lang="en-US" smtClean="0"/>
+              <a:rPr lang="en-US"/>
               <a:t>Fourth level</a:t>
             </a:r>
           </a:p>
           <a:p>
             <a:pPr lvl="4"/>
             <a:r>
-              <a:rPr lang="en-US" smtClean="0"/>
+              <a:rPr lang="en-US"/>
               <a:t>Fifth level</a:t>
             </a:r>
-            <a:endParaRPr lang="en-US"/>
           </a:p>
         </p:txBody>
       </p:sp>
@@ -2117,7 +2117,7 @@
           <a:p>
             <a:fld id="{78C97017-6FC3-485B-9764-EAC9E56C1D49}" type="datetimeFigureOut">
               <a:rPr lang="en-US" smtClean="0"/>
-              <a:t>10/16/2016</a:t>
+              <a:t>11/12/2018</a:t>
             </a:fld>
             <a:endParaRPr lang="en-US"/>
           </a:p>
@@ -2211,10 +2211,9 @@
           <a:lstStyle/>
           <a:p>
             <a:r>
-              <a:rPr lang="en-US" smtClean="0"/>
+              <a:rPr lang="en-US"/>
               <a:t>Click to edit Master title style</a:t>
             </a:r>
-            <a:endParaRPr lang="en-US"/>
           </a:p>
         </p:txBody>
       </p:sp>
@@ -2235,7 +2234,7 @@
           <a:p>
             <a:fld id="{78C97017-6FC3-485B-9764-EAC9E56C1D49}" type="datetimeFigureOut">
               <a:rPr lang="en-US" smtClean="0"/>
-              <a:t>10/16/2016</a:t>
+              <a:t>11/12/2018</a:t>
             </a:fld>
             <a:endParaRPr lang="en-US"/>
           </a:p>
@@ -2330,7 +2329,7 @@
           <a:p>
             <a:fld id="{78C97017-6FC3-485B-9764-EAC9E56C1D49}" type="datetimeFigureOut">
               <a:rPr lang="en-US" smtClean="0"/>
-              <a:t>10/16/2016</a:t>
+              <a:t>11/12/2018</a:t>
             </a:fld>
             <a:endParaRPr lang="en-US"/>
           </a:p>
@@ -2420,8 +2419,8 @@
         </p:nvSpPr>
         <p:spPr>
           <a:xfrm>
-            <a:off x="457200" y="273050"/>
-            <a:ext cx="3008313" cy="1162050"/>
+            <a:off x="539989" y="297321"/>
+            <a:ext cx="3553048" cy="1265343"/>
           </a:xfrm>
         </p:spPr>
         <p:txBody>
@@ -2433,10 +2432,9 @@
           </a:lstStyle>
           <a:p>
             <a:r>
-              <a:rPr lang="en-US" smtClean="0"/>
+              <a:rPr lang="en-US"/>
               <a:t>Click to edit Master title style</a:t>
             </a:r>
-            <a:endParaRPr lang="en-US"/>
           </a:p>
         </p:txBody>
       </p:sp>
@@ -2452,8 +2450,8 @@
         </p:nvSpPr>
         <p:spPr>
           <a:xfrm>
-            <a:off x="3575050" y="273050"/>
-            <a:ext cx="5111750" cy="5853113"/>
+            <a:off x="4222407" y="297322"/>
+            <a:ext cx="6037368" cy="6373390"/>
           </a:xfrm>
         </p:spPr>
         <p:txBody>
@@ -2490,38 +2488,37 @@
           <a:p>
             <a:pPr lvl="0"/>
             <a:r>
-              <a:rPr lang="en-US" smtClean="0"/>
+              <a:rPr lang="en-US"/>
               <a:t>Click to edit Master text styles</a:t>
             </a:r>
           </a:p>
           <a:p>
             <a:pPr lvl="1"/>
             <a:r>
-              <a:rPr lang="en-US" smtClean="0"/>
+              <a:rPr lang="en-US"/>
               <a:t>Second level</a:t>
             </a:r>
           </a:p>
           <a:p>
             <a:pPr lvl="2"/>
             <a:r>
-              <a:rPr lang="en-US" smtClean="0"/>
+              <a:rPr lang="en-US"/>
               <a:t>Third level</a:t>
             </a:r>
           </a:p>
           <a:p>
             <a:pPr lvl="3"/>
             <a:r>
-              <a:rPr lang="en-US" smtClean="0"/>
+              <a:rPr lang="en-US"/>
               <a:t>Fourth level</a:t>
             </a:r>
           </a:p>
           <a:p>
             <a:pPr lvl="4"/>
             <a:r>
-              <a:rPr lang="en-US" smtClean="0"/>
+              <a:rPr lang="en-US"/>
               <a:t>Fifth level</a:t>
             </a:r>
-            <a:endParaRPr lang="en-US"/>
           </a:p>
         </p:txBody>
       </p:sp>
@@ -2537,8 +2534,8 @@
         </p:nvSpPr>
         <p:spPr>
           <a:xfrm>
-            <a:off x="457200" y="1435100"/>
-            <a:ext cx="3008313" cy="4691063"/>
+            <a:off x="539989" y="1562665"/>
+            <a:ext cx="3553048" cy="5108046"/>
           </a:xfrm>
         </p:spPr>
         <p:txBody>
@@ -2584,7 +2581,7 @@
           <a:p>
             <a:pPr lvl="0"/>
             <a:r>
-              <a:rPr lang="en-US" smtClean="0"/>
+              <a:rPr lang="en-US"/>
               <a:t>Click to edit Master text styles</a:t>
             </a:r>
           </a:p>
@@ -2607,7 +2604,7 @@
           <a:p>
             <a:fld id="{78C97017-6FC3-485B-9764-EAC9E56C1D49}" type="datetimeFigureOut">
               <a:rPr lang="en-US" smtClean="0"/>
-              <a:t>10/16/2016</a:t>
+              <a:t>11/12/2018</a:t>
             </a:fld>
             <a:endParaRPr lang="en-US"/>
           </a:p>
@@ -2697,8 +2694,8 @@
         </p:nvSpPr>
         <p:spPr>
           <a:xfrm>
-            <a:off x="1792288" y="4800600"/>
-            <a:ext cx="5486400" cy="566738"/>
+            <a:off x="2116829" y="5227320"/>
+            <a:ext cx="6479858" cy="617115"/>
           </a:xfrm>
         </p:spPr>
         <p:txBody>
@@ -2710,10 +2707,9 @@
           </a:lstStyle>
           <a:p>
             <a:r>
-              <a:rPr lang="en-US" smtClean="0"/>
+              <a:rPr lang="en-US"/>
               <a:t>Click to edit Master title style</a:t>
             </a:r>
-            <a:endParaRPr lang="en-US"/>
           </a:p>
         </p:txBody>
       </p:sp>
@@ -2729,8 +2725,8 @@
         </p:nvSpPr>
         <p:spPr>
           <a:xfrm>
-            <a:off x="1792288" y="612775"/>
-            <a:ext cx="5486400" cy="4114800"/>
+            <a:off x="2116829" y="667244"/>
+            <a:ext cx="6479858" cy="4480560"/>
           </a:xfrm>
         </p:spPr>
         <p:txBody>
@@ -2790,8 +2786,8 @@
         </p:nvSpPr>
         <p:spPr>
           <a:xfrm>
-            <a:off x="1792288" y="5367338"/>
-            <a:ext cx="5486400" cy="804862"/>
+            <a:off x="2116829" y="5844435"/>
+            <a:ext cx="6479858" cy="876405"/>
           </a:xfrm>
         </p:spPr>
         <p:txBody>
@@ -2837,7 +2833,7 @@
           <a:p>
             <a:pPr lvl="0"/>
             <a:r>
-              <a:rPr lang="en-US" smtClean="0"/>
+              <a:rPr lang="en-US"/>
               <a:t>Click to edit Master text styles</a:t>
             </a:r>
           </a:p>
@@ -2860,7 +2856,7 @@
           <a:p>
             <a:fld id="{78C97017-6FC3-485B-9764-EAC9E56C1D49}" type="datetimeFigureOut">
               <a:rPr lang="en-US" smtClean="0"/>
-              <a:t>10/16/2016</a:t>
+              <a:t>11/12/2018</a:t>
             </a:fld>
             <a:endParaRPr lang="en-US"/>
           </a:p>
@@ -2955,8 +2951,8 @@
         </p:nvSpPr>
         <p:spPr>
           <a:xfrm>
-            <a:off x="457200" y="274638"/>
-            <a:ext cx="8229600" cy="1143000"/>
+            <a:off x="539988" y="299050"/>
+            <a:ext cx="9719787" cy="1244600"/>
           </a:xfrm>
           <a:prstGeom prst="rect">
             <a:avLst/>
@@ -2969,10 +2965,9 @@
           <a:lstStyle/>
           <a:p>
             <a:r>
-              <a:rPr lang="en-US" smtClean="0"/>
+              <a:rPr lang="en-US"/>
               <a:t>Click to edit Master title style</a:t>
             </a:r>
-            <a:endParaRPr lang="en-US"/>
           </a:p>
         </p:txBody>
       </p:sp>
@@ -2988,8 +2983,8 @@
         </p:nvSpPr>
         <p:spPr>
           <a:xfrm>
-            <a:off x="457200" y="1600200"/>
-            <a:ext cx="8229600" cy="4525963"/>
+            <a:off x="539988" y="1742440"/>
+            <a:ext cx="9719787" cy="4928271"/>
           </a:xfrm>
           <a:prstGeom prst="rect">
             <a:avLst/>
@@ -3003,38 +2998,37 @@
           <a:p>
             <a:pPr lvl="0"/>
             <a:r>
-              <a:rPr lang="en-US" smtClean="0"/>
+              <a:rPr lang="en-US"/>
               <a:t>Click to edit Master text styles</a:t>
             </a:r>
           </a:p>
           <a:p>
             <a:pPr lvl="1"/>
             <a:r>
-              <a:rPr lang="en-US" smtClean="0"/>
+              <a:rPr lang="en-US"/>
               <a:t>Second level</a:t>
             </a:r>
           </a:p>
           <a:p>
             <a:pPr lvl="2"/>
             <a:r>
-              <a:rPr lang="en-US" smtClean="0"/>
+              <a:rPr lang="en-US"/>
               <a:t>Third level</a:t>
             </a:r>
           </a:p>
           <a:p>
             <a:pPr lvl="3"/>
             <a:r>
-              <a:rPr lang="en-US" smtClean="0"/>
+              <a:rPr lang="en-US"/>
               <a:t>Fourth level</a:t>
             </a:r>
           </a:p>
           <a:p>
             <a:pPr lvl="4"/>
             <a:r>
-              <a:rPr lang="en-US" smtClean="0"/>
+              <a:rPr lang="en-US"/>
               <a:t>Fifth level</a:t>
             </a:r>
-            <a:endParaRPr lang="en-US"/>
           </a:p>
         </p:txBody>
       </p:sp>
@@ -3050,8 +3044,8 @@
         </p:nvSpPr>
         <p:spPr>
           <a:xfrm>
-            <a:off x="457200" y="6356350"/>
-            <a:ext cx="2133600" cy="365125"/>
+            <a:off x="539988" y="6921359"/>
+            <a:ext cx="2519945" cy="397581"/>
           </a:xfrm>
           <a:prstGeom prst="rect">
             <a:avLst/>
@@ -3073,7 +3067,7 @@
           <a:p>
             <a:fld id="{78C97017-6FC3-485B-9764-EAC9E56C1D49}" type="datetimeFigureOut">
               <a:rPr lang="en-US" smtClean="0"/>
-              <a:t>10/16/2016</a:t>
+              <a:t>11/12/2018</a:t>
             </a:fld>
             <a:endParaRPr lang="en-US"/>
           </a:p>
@@ -3091,8 +3085,8 @@
         </p:nvSpPr>
         <p:spPr>
           <a:xfrm>
-            <a:off x="3124200" y="6356350"/>
-            <a:ext cx="2895600" cy="365125"/>
+            <a:off x="3689919" y="6921359"/>
+            <a:ext cx="3419925" cy="397581"/>
           </a:xfrm>
           <a:prstGeom prst="rect">
             <a:avLst/>
@@ -3128,8 +3122,8 @@
         </p:nvSpPr>
         <p:spPr>
           <a:xfrm>
-            <a:off x="6553200" y="6356350"/>
-            <a:ext cx="2133600" cy="365125"/>
+            <a:off x="7739830" y="6921359"/>
+            <a:ext cx="2519945" cy="397581"/>
           </a:xfrm>
           <a:prstGeom prst="rect">
             <a:avLst/>
@@ -3456,8 +3450,8 @@
         </p:nvSpPr>
         <p:spPr>
           <a:xfrm>
-            <a:off x="1119865" y="2086382"/>
-            <a:ext cx="7871735" cy="1723618"/>
+            <a:off x="1972607" y="2546060"/>
+            <a:ext cx="8534399" cy="2420220"/>
           </a:xfrm>
           <a:prstGeom prst="roundRect">
             <a:avLst>
@@ -3494,7 +3488,7 @@
           <a:lstStyle/>
           <a:p>
             <a:r>
-              <a:rPr lang="en-US" sz="1200" b="1" dirty="0" smtClean="0">
+              <a:rPr lang="en-US" sz="1200" b="1" dirty="0">
                 <a:solidFill>
                   <a:schemeClr val="accent6">
                     <a:lumMod val="75000"/>
@@ -3521,8 +3515,8 @@
         </p:nvSpPr>
         <p:spPr>
           <a:xfrm>
-            <a:off x="2877180" y="3158440"/>
-            <a:ext cx="1323049" cy="346760"/>
+            <a:off x="3706247" y="3450720"/>
+            <a:ext cx="1435905" cy="346760"/>
           </a:xfrm>
           <a:prstGeom prst="rect">
             <a:avLst/>
@@ -3561,7 +3555,7 @@
           <a:p>
             <a:pPr algn="ctr"/>
             <a:r>
-              <a:rPr lang="en-US" sz="1050" dirty="0" smtClean="0">
+              <a:rPr lang="en-US" sz="1050" dirty="0">
                 <a:solidFill>
                   <a:schemeClr val="bg1"/>
                 </a:solidFill>
@@ -3569,19 +3563,19 @@
               <a:t>&lt;&lt;interface&gt;&gt;</a:t>
             </a:r>
             <a:br>
-              <a:rPr lang="en-US" sz="1050" dirty="0" smtClean="0">
+              <a:rPr lang="en-US" sz="1050" dirty="0">
                 <a:solidFill>
                   <a:schemeClr val="bg1"/>
                 </a:solidFill>
               </a:rPr>
             </a:br>
             <a:r>
-              <a:rPr lang="en-US" sz="1050" dirty="0" err="1" smtClean="0">
+              <a:rPr lang="en-US" sz="1050" dirty="0" err="1">
                 <a:solidFill>
                   <a:schemeClr val="bg1"/>
                 </a:solidFill>
               </a:rPr>
-              <a:t>AddressBookStorage</a:t>
+              <a:t>CandidateBookStorage</a:t>
             </a:r>
             <a:endParaRPr lang="en-SG" sz="1050" dirty="0">
               <a:solidFill>
@@ -3599,8 +3593,8 @@
         </p:nvSpPr>
         <p:spPr>
           <a:xfrm rot="16200000">
-            <a:off x="1683963" y="2868687"/>
-            <a:ext cx="1093635" cy="346760"/>
+            <a:off x="2210782" y="3474550"/>
+            <a:ext cx="1695761" cy="346760"/>
           </a:xfrm>
           <a:prstGeom prst="rect">
             <a:avLst/>
@@ -3639,7 +3633,7 @@
           <a:p>
             <a:pPr algn="ctr"/>
             <a:r>
-              <a:rPr lang="en-US" sz="1050" dirty="0" err="1" smtClean="0">
+              <a:rPr lang="en-US" sz="1050" dirty="0" err="1">
                 <a:solidFill>
                   <a:schemeClr val="bg1"/>
                 </a:solidFill>
@@ -3662,7 +3656,7 @@
         </p:nvSpPr>
         <p:spPr>
           <a:xfrm rot="16200000">
-            <a:off x="956202" y="2861202"/>
+            <a:off x="1758127" y="3457955"/>
             <a:ext cx="1093635" cy="346760"/>
           </a:xfrm>
           <a:prstGeom prst="rect">
@@ -3713,7 +3707,7 @@
           <a:p>
             <a:pPr algn="ctr"/>
             <a:r>
-              <a:rPr lang="en-US" sz="1050" dirty="0" smtClean="0">
+              <a:rPr lang="en-US" sz="1050" dirty="0">
                 <a:solidFill>
                   <a:schemeClr val="bg1"/>
                 </a:solidFill>
@@ -3736,7 +3730,7 @@
         </p:nvSpPr>
         <p:spPr>
           <a:xfrm rot="16200000">
-            <a:off x="1626910" y="2952291"/>
+            <a:off x="2442552" y="3586986"/>
             <a:ext cx="270504" cy="175523"/>
           </a:xfrm>
           <a:prstGeom prst="triangle">
@@ -3787,15 +3781,16 @@
         <p:nvCxnSpPr>
           <p:cNvPr id="58" name="Straight Arrow Connector 57"/>
           <p:cNvCxnSpPr>
+            <a:cxnSpLocks/>
             <a:stCxn id="42" idx="3"/>
             <a:endCxn id="2" idx="1"/>
           </p:cNvCxnSpPr>
           <p:nvPr/>
         </p:nvCxnSpPr>
         <p:spPr>
-          <a:xfrm>
-            <a:off x="2656370" y="3326536"/>
-            <a:ext cx="220810" cy="5284"/>
+          <a:xfrm flipV="1">
+            <a:off x="3477145" y="3624100"/>
+            <a:ext cx="229102" cy="7235"/>
           </a:xfrm>
           <a:prstGeom prst="straightConnector1">
             <a:avLst/>
@@ -3834,7 +3829,7 @@
         </p:nvCxnSpPr>
         <p:spPr>
           <a:xfrm>
-            <a:off x="910091" y="3040053"/>
+            <a:off x="1699093" y="3655550"/>
             <a:ext cx="419548" cy="2860"/>
           </a:xfrm>
           <a:prstGeom prst="bentConnector3">
@@ -3879,7 +3874,7 @@
         </p:nvCxnSpPr>
         <p:spPr>
           <a:xfrm flipV="1">
-            <a:off x="1849924" y="3040052"/>
+            <a:off x="2665567" y="3674747"/>
             <a:ext cx="216105" cy="1"/>
           </a:xfrm>
           <a:prstGeom prst="line">
@@ -3920,7 +3915,7 @@
         </p:nvSpPr>
         <p:spPr>
           <a:xfrm>
-            <a:off x="2420322" y="3239846"/>
+            <a:off x="3241097" y="3544645"/>
             <a:ext cx="236048" cy="173380"/>
           </a:xfrm>
           <a:prstGeom prst="flowChartDecision">
@@ -3967,6 +3962,7 @@
         <p:nvCxnSpPr>
           <p:cNvPr id="97" name="Elbow Connector 63"/>
           <p:cNvCxnSpPr>
+            <a:cxnSpLocks/>
             <a:stCxn id="99" idx="3"/>
             <a:endCxn id="50" idx="1"/>
           </p:cNvCxnSpPr>
@@ -3974,8 +3970,8 @@
         </p:nvCxnSpPr>
         <p:spPr>
           <a:xfrm flipV="1">
-            <a:off x="4398041" y="3331820"/>
-            <a:ext cx="223324" cy="1"/>
+            <a:off x="5342083" y="3624100"/>
+            <a:ext cx="267950" cy="7236"/>
           </a:xfrm>
           <a:prstGeom prst="bentConnector3">
             <a:avLst>
@@ -4017,7 +4013,7 @@
         </p:nvSpPr>
         <p:spPr>
           <a:xfrm rot="5400000" flipV="1">
-            <a:off x="4175027" y="3244059"/>
+            <a:off x="5119069" y="3543574"/>
             <a:ext cx="270504" cy="175523"/>
           </a:xfrm>
           <a:prstGeom prst="triangle">
@@ -4068,15 +4064,14 @@
         <p:nvCxnSpPr>
           <p:cNvPr id="124" name="Elbow Connector 122"/>
           <p:cNvCxnSpPr>
-            <a:stCxn id="50" idx="3"/>
-            <a:endCxn id="66" idx="1"/>
+            <a:cxnSpLocks/>
           </p:cNvCxnSpPr>
           <p:nvPr/>
         </p:nvCxnSpPr>
         <p:spPr>
-          <a:xfrm>
-            <a:off x="5791200" y="3331820"/>
-            <a:ext cx="228600" cy="1970"/>
+          <a:xfrm flipV="1">
+            <a:off x="6856067" y="3609628"/>
+            <a:ext cx="261845" cy="7235"/>
           </a:xfrm>
           <a:prstGeom prst="bentConnector3">
             <a:avLst>
@@ -4118,8 +4113,8 @@
         </p:nvSpPr>
         <p:spPr>
           <a:xfrm>
-            <a:off x="4621365" y="3158440"/>
-            <a:ext cx="1169835" cy="346760"/>
+            <a:off x="5610033" y="3450720"/>
+            <a:ext cx="1246034" cy="346760"/>
           </a:xfrm>
           <a:prstGeom prst="rect">
             <a:avLst/>
@@ -4147,27 +4142,17 @@
           <a:p>
             <a:pPr algn="ctr"/>
             <a:r>
-              <a:rPr lang="en-US" sz="1050" b="1" dirty="0" err="1" smtClean="0">
+              <a:rPr lang="en-US" sz="1050" b="1" dirty="0" err="1">
                 <a:solidFill>
                   <a:schemeClr val="accent6">
                     <a:lumMod val="75000"/>
                   </a:schemeClr>
                 </a:solidFill>
               </a:rPr>
-              <a:t>XmlAddressBook</a:t>
-            </a:r>
-            <a:r>
-              <a:rPr lang="en-US" sz="1050" b="1" dirty="0" smtClean="0">
-                <a:solidFill>
-                  <a:schemeClr val="accent6">
-                    <a:lumMod val="75000"/>
-                  </a:schemeClr>
-                </a:solidFill>
-              </a:rPr>
-              <a:t/>
+              <a:t>XmlCandidateBook</a:t>
             </a:r>
             <a:br>
-              <a:rPr lang="en-US" sz="1050" b="1" dirty="0" smtClean="0">
+              <a:rPr lang="en-US" sz="1050" b="1" dirty="0">
                 <a:solidFill>
                   <a:schemeClr val="accent6">
                     <a:lumMod val="75000"/>
@@ -4176,7 +4161,7 @@
               </a:rPr>
             </a:br>
             <a:r>
-              <a:rPr lang="en-US" sz="1050" b="1" dirty="0" smtClean="0">
+              <a:rPr lang="en-US" sz="1050" b="1" dirty="0">
                 <a:solidFill>
                   <a:schemeClr val="accent6">
                     <a:lumMod val="75000"/>
@@ -4203,8 +4188,8 @@
         </p:nvSpPr>
         <p:spPr>
           <a:xfrm>
-            <a:off x="2873943" y="2558040"/>
-            <a:ext cx="1323049" cy="346760"/>
+            <a:off x="3701825" y="2862840"/>
+            <a:ext cx="1449085" cy="346760"/>
           </a:xfrm>
           <a:prstGeom prst="rect">
             <a:avLst/>
@@ -4243,7 +4228,7 @@
           <a:p>
             <a:pPr algn="ctr"/>
             <a:r>
-              <a:rPr lang="en-US" sz="1050" dirty="0" smtClean="0">
+              <a:rPr lang="en-US" sz="1050" dirty="0">
                 <a:solidFill>
                   <a:schemeClr val="bg1"/>
                 </a:solidFill>
@@ -4251,14 +4236,14 @@
               <a:t>&lt;&lt;interface&gt;&gt;</a:t>
             </a:r>
             <a:br>
-              <a:rPr lang="en-US" sz="1050" dirty="0" smtClean="0">
+              <a:rPr lang="en-US" sz="1050" dirty="0">
                 <a:solidFill>
                   <a:schemeClr val="bg1"/>
                 </a:solidFill>
               </a:rPr>
             </a:br>
             <a:r>
-              <a:rPr lang="en-US" sz="1050" dirty="0" err="1" smtClean="0">
+              <a:rPr lang="en-US" sz="1050" dirty="0" err="1">
                 <a:solidFill>
                   <a:schemeClr val="bg1"/>
                 </a:solidFill>
@@ -4277,6 +4262,7 @@
         <p:nvCxnSpPr>
           <p:cNvPr id="54" name="Straight Arrow Connector 53"/>
           <p:cNvCxnSpPr>
+            <a:cxnSpLocks/>
             <a:stCxn id="56" idx="3"/>
             <a:endCxn id="52" idx="1"/>
           </p:cNvCxnSpPr>
@@ -4284,8 +4270,8 @@
         </p:nvCxnSpPr>
         <p:spPr>
           <a:xfrm>
-            <a:off x="2653133" y="2726136"/>
-            <a:ext cx="220810" cy="5284"/>
+            <a:off x="3481014" y="3030936"/>
+            <a:ext cx="220811" cy="5284"/>
           </a:xfrm>
           <a:prstGeom prst="straightConnector1">
             <a:avLst/>
@@ -4324,7 +4310,7 @@
         </p:nvSpPr>
         <p:spPr>
           <a:xfrm>
-            <a:off x="2417085" y="2639446"/>
+            <a:off x="3244966" y="2944246"/>
             <a:ext cx="236048" cy="173380"/>
           </a:xfrm>
           <a:prstGeom prst="flowChartDecision">
@@ -4378,8 +4364,8 @@
         </p:nvCxnSpPr>
         <p:spPr>
           <a:xfrm flipV="1">
-            <a:off x="4394804" y="2731420"/>
-            <a:ext cx="223324" cy="1"/>
+            <a:off x="5351539" y="3030936"/>
+            <a:ext cx="258494" cy="1"/>
           </a:xfrm>
           <a:prstGeom prst="bentConnector3">
             <a:avLst>
@@ -4421,7 +4407,7 @@
         </p:nvSpPr>
         <p:spPr>
           <a:xfrm rot="5400000" flipV="1">
-            <a:off x="4171790" y="2643659"/>
+            <a:off x="5128525" y="2943175"/>
             <a:ext cx="270504" cy="175523"/>
           </a:xfrm>
           <a:prstGeom prst="triangle">
@@ -4476,7 +4462,7 @@
         </p:nvSpPr>
         <p:spPr>
           <a:xfrm>
-            <a:off x="4618128" y="2558040"/>
+            <a:off x="5610033" y="2857556"/>
             <a:ext cx="1093635" cy="346760"/>
           </a:xfrm>
           <a:prstGeom prst="rect">
@@ -4516,30 +4502,22 @@
           <a:p>
             <a:pPr algn="ctr"/>
             <a:r>
-              <a:rPr lang="en-US" sz="1050" dirty="0" err="1" smtClean="0">
+              <a:rPr lang="en-US" sz="1050" dirty="0" err="1">
                 <a:solidFill>
                   <a:schemeClr val="bg1"/>
                 </a:solidFill>
               </a:rPr>
               <a:t>JsonUserPrefs</a:t>
             </a:r>
-            <a:r>
-              <a:rPr lang="en-US" sz="1050" dirty="0" smtClean="0">
-                <a:solidFill>
-                  <a:schemeClr val="bg1"/>
-                </a:solidFill>
-              </a:rPr>
-              <a:t/>
-            </a:r>
             <a:br>
-              <a:rPr lang="en-US" sz="1050" dirty="0" smtClean="0">
+              <a:rPr lang="en-US" sz="1050" dirty="0">
                 <a:solidFill>
                   <a:schemeClr val="bg1"/>
                 </a:solidFill>
               </a:rPr>
             </a:br>
             <a:r>
-              <a:rPr lang="en-US" sz="1050" dirty="0" smtClean="0">
+              <a:rPr lang="en-US" sz="1050" dirty="0">
                 <a:solidFill>
                   <a:schemeClr val="bg1"/>
                 </a:solidFill>
@@ -4562,7 +4540,7 @@
         </p:nvSpPr>
         <p:spPr>
           <a:xfrm>
-            <a:off x="6019800" y="3160410"/>
+            <a:off x="7101169" y="3457955"/>
             <a:ext cx="1200707" cy="346760"/>
           </a:xfrm>
           <a:prstGeom prst="rect">
@@ -4591,7 +4569,7 @@
           <a:p>
             <a:pPr algn="ctr"/>
             <a:r>
-              <a:rPr lang="en-US" sz="1050" b="1" dirty="0" err="1" smtClean="0">
+              <a:rPr lang="en-US" sz="1050" b="1" dirty="0" err="1">
                 <a:solidFill>
                   <a:schemeClr val="accent6">
                     <a:lumMod val="75000"/>
@@ -4600,18 +4578,8 @@
               </a:rPr>
               <a:t>XmlSerializable</a:t>
             </a:r>
-            <a:r>
-              <a:rPr lang="en-US" sz="1050" b="1" dirty="0" smtClean="0">
-                <a:solidFill>
-                  <a:schemeClr val="accent6">
-                    <a:lumMod val="75000"/>
-                  </a:schemeClr>
-                </a:solidFill>
-              </a:rPr>
-              <a:t/>
-            </a:r>
             <a:br>
-              <a:rPr lang="en-US" sz="1050" b="1" dirty="0" smtClean="0">
+              <a:rPr lang="en-US" sz="1050" b="1" dirty="0">
                 <a:solidFill>
                   <a:schemeClr val="accent6">
                     <a:lumMod val="75000"/>
@@ -4620,14 +4588,14 @@
               </a:rPr>
             </a:br>
             <a:r>
-              <a:rPr lang="en-US" sz="1050" b="1" dirty="0" err="1" smtClean="0">
+              <a:rPr lang="en-US" sz="1050" b="1" dirty="0" err="1">
                 <a:solidFill>
                   <a:schemeClr val="accent6">
                     <a:lumMod val="75000"/>
                   </a:schemeClr>
                 </a:solidFill>
               </a:rPr>
-              <a:t>AddressBook</a:t>
+              <a:t>CandidateBook</a:t>
             </a:r>
             <a:endParaRPr lang="en-SG" sz="1050" b="1" dirty="0">
               <a:solidFill>
@@ -4643,15 +4611,14 @@
         <p:nvCxnSpPr>
           <p:cNvPr id="70" name="Elbow Connector 122"/>
           <p:cNvCxnSpPr>
-            <a:stCxn id="74" idx="0"/>
-            <a:endCxn id="73" idx="2"/>
+            <a:cxnSpLocks/>
           </p:cNvCxnSpPr>
           <p:nvPr/>
         </p:nvCxnSpPr>
         <p:spPr>
-          <a:xfrm rot="5400000" flipH="1" flipV="1">
-            <a:off x="8077993" y="2992020"/>
-            <a:ext cx="335208" cy="12700"/>
+          <a:xfrm rot="16200000" flipV="1">
+            <a:off x="9230689" y="3295021"/>
+            <a:ext cx="311396" cy="1"/>
           </a:xfrm>
           <a:prstGeom prst="bentConnector3">
             <a:avLst>
@@ -4688,7 +4655,7 @@
         </p:nvSpPr>
         <p:spPr>
           <a:xfrm>
-            <a:off x="7615738" y="2477656"/>
+            <a:off x="8756527" y="2792563"/>
             <a:ext cx="1259718" cy="346760"/>
           </a:xfrm>
           <a:prstGeom prst="rect">
@@ -4717,7 +4684,7 @@
           <a:p>
             <a:pPr algn="ctr"/>
             <a:r>
-              <a:rPr lang="en-US" sz="1050" b="1" dirty="0" err="1" smtClean="0">
+              <a:rPr lang="en-US" sz="1050" b="1" dirty="0" err="1">
                 <a:solidFill>
                   <a:schemeClr val="accent6">
                     <a:lumMod val="75000"/>
@@ -4744,8 +4711,8 @@
         </p:nvSpPr>
         <p:spPr>
           <a:xfrm>
-            <a:off x="7615738" y="3159624"/>
-            <a:ext cx="1259718" cy="346760"/>
+            <a:off x="8622256" y="3461483"/>
+            <a:ext cx="1528262" cy="346760"/>
           </a:xfrm>
           <a:prstGeom prst="rect">
             <a:avLst/>
@@ -4773,14 +4740,14 @@
           <a:p>
             <a:pPr algn="ctr"/>
             <a:r>
-              <a:rPr lang="en-US" sz="1050" b="1" dirty="0" err="1" smtClean="0">
+              <a:rPr lang="en-US" sz="1050" b="1" dirty="0" err="1">
                 <a:solidFill>
                   <a:schemeClr val="accent6">
                     <a:lumMod val="75000"/>
                   </a:schemeClr>
                 </a:solidFill>
               </a:rPr>
-              <a:t>XmlAdaptedPerson</a:t>
+              <a:t>XmlAdaptedCandidate</a:t>
             </a:r>
             <a:endParaRPr lang="en-SG" sz="1050" b="1" dirty="0">
               <a:solidFill>
@@ -4796,15 +4763,14 @@
         <p:nvCxnSpPr>
           <p:cNvPr id="77" name="Elbow Connector 122"/>
           <p:cNvCxnSpPr>
-            <a:stCxn id="66" idx="3"/>
-            <a:endCxn id="74" idx="1"/>
+            <a:cxnSpLocks/>
           </p:cNvCxnSpPr>
           <p:nvPr/>
         </p:nvCxnSpPr>
         <p:spPr>
           <a:xfrm flipV="1">
-            <a:off x="7220507" y="3333004"/>
-            <a:ext cx="395231" cy="786"/>
+            <a:off x="8309721" y="3647930"/>
+            <a:ext cx="312535" cy="1"/>
           </a:xfrm>
           <a:prstGeom prst="bentConnector3">
             <a:avLst>
@@ -4827,6 +4793,738 @@
           </a:fillRef>
           <a:effectRef idx="1">
             <a:schemeClr val="accent6"/>
+          </a:effectRef>
+          <a:fontRef idx="minor">
+            <a:schemeClr val="dk1"/>
+          </a:fontRef>
+        </p:style>
+      </p:cxnSp>
+      <p:sp>
+        <p:nvSpPr>
+          <p:cNvPr id="55" name="Rectangle 8">
+            <a:extLst>
+              <a:ext uri="{FF2B5EF4-FFF2-40B4-BE49-F238E27FC236}">
+                <a16:creationId xmlns:a16="http://schemas.microsoft.com/office/drawing/2014/main" id="{18C64B22-09EA-4909-A5DF-F5CD83CADFAE}"/>
+              </a:ext>
+            </a:extLst>
+          </p:cNvPr>
+          <p:cNvSpPr/>
+          <p:nvPr/>
+        </p:nvSpPr>
+        <p:spPr>
+          <a:xfrm>
+            <a:off x="3706247" y="4038600"/>
+            <a:ext cx="1435905" cy="346760"/>
+          </a:xfrm>
+          <a:prstGeom prst="rect">
+            <a:avLst/>
+          </a:prstGeom>
+          <a:solidFill>
+            <a:schemeClr val="accent6">
+              <a:lumMod val="75000"/>
+            </a:schemeClr>
+          </a:solidFill>
+          <a:ln w="19050">
+            <a:solidFill>
+              <a:schemeClr val="accent6">
+                <a:lumMod val="75000"/>
+              </a:schemeClr>
+            </a:solidFill>
+          </a:ln>
+          <a:effectLst/>
+        </p:spPr>
+        <p:style>
+          <a:lnRef idx="1">
+            <a:schemeClr val="accent2"/>
+          </a:lnRef>
+          <a:fillRef idx="2">
+            <a:schemeClr val="accent2"/>
+          </a:fillRef>
+          <a:effectRef idx="1">
+            <a:schemeClr val="accent2"/>
+          </a:effectRef>
+          <a:fontRef idx="minor">
+            <a:schemeClr val="dk1"/>
+          </a:fontRef>
+        </p:style>
+        <p:txBody>
+          <a:bodyPr rtlCol="0" anchor="ctr"/>
+          <a:lstStyle/>
+          <a:p>
+            <a:pPr algn="ctr"/>
+            <a:r>
+              <a:rPr lang="en-US" sz="1050" dirty="0">
+                <a:solidFill>
+                  <a:schemeClr val="bg1"/>
+                </a:solidFill>
+              </a:rPr>
+              <a:t>&lt;&lt;interface&gt;&gt;</a:t>
+            </a:r>
+            <a:br>
+              <a:rPr lang="en-US" sz="1050" dirty="0">
+                <a:solidFill>
+                  <a:schemeClr val="bg1"/>
+                </a:solidFill>
+              </a:rPr>
+            </a:br>
+            <a:r>
+              <a:rPr lang="en-US" sz="1050" dirty="0" err="1">
+                <a:solidFill>
+                  <a:schemeClr val="bg1"/>
+                </a:solidFill>
+              </a:rPr>
+              <a:t>CompanyBookStorage</a:t>
+            </a:r>
+            <a:endParaRPr lang="en-SG" sz="1050" dirty="0">
+              <a:solidFill>
+                <a:schemeClr val="bg1"/>
+              </a:solidFill>
+            </a:endParaRPr>
+          </a:p>
+        </p:txBody>
+      </p:sp>
+      <p:sp>
+        <p:nvSpPr>
+          <p:cNvPr id="100" name="Isosceles Triangle 102">
+            <a:extLst>
+              <a:ext uri="{FF2B5EF4-FFF2-40B4-BE49-F238E27FC236}">
+                <a16:creationId xmlns:a16="http://schemas.microsoft.com/office/drawing/2014/main" id="{D2139F7A-25D7-4A1A-9BED-CEB5F0FE3773}"/>
+              </a:ext>
+            </a:extLst>
+          </p:cNvPr>
+          <p:cNvSpPr/>
+          <p:nvPr/>
+        </p:nvSpPr>
+        <p:spPr>
+          <a:xfrm rot="5400000" flipV="1">
+            <a:off x="5117711" y="4124219"/>
+            <a:ext cx="270504" cy="175523"/>
+          </a:xfrm>
+          <a:prstGeom prst="triangle">
+            <a:avLst/>
+          </a:prstGeom>
+          <a:solidFill>
+            <a:schemeClr val="accent6">
+              <a:lumMod val="75000"/>
+            </a:schemeClr>
+          </a:solidFill>
+          <a:ln w="19050">
+            <a:solidFill>
+              <a:schemeClr val="accent6">
+                <a:lumMod val="75000"/>
+              </a:schemeClr>
+            </a:solidFill>
+          </a:ln>
+          <a:effectLst/>
+        </p:spPr>
+        <p:style>
+          <a:lnRef idx="1">
+            <a:schemeClr val="accent2"/>
+          </a:lnRef>
+          <a:fillRef idx="2">
+            <a:schemeClr val="accent2"/>
+          </a:fillRef>
+          <a:effectRef idx="1">
+            <a:schemeClr val="accent2"/>
+          </a:effectRef>
+          <a:fontRef idx="minor">
+            <a:schemeClr val="dk1"/>
+          </a:fontRef>
+        </p:style>
+        <p:txBody>
+          <a:bodyPr rtlCol="0" anchor="ctr"/>
+          <a:lstStyle/>
+          <a:p>
+            <a:pPr algn="ctr"/>
+            <a:endParaRPr lang="en-SG" sz="1050">
+              <a:solidFill>
+                <a:schemeClr val="bg1"/>
+              </a:solidFill>
+            </a:endParaRPr>
+          </a:p>
+        </p:txBody>
+      </p:sp>
+      <p:cxnSp>
+        <p:nvCxnSpPr>
+          <p:cNvPr id="101" name="Elbow Connector 63">
+            <a:extLst>
+              <a:ext uri="{FF2B5EF4-FFF2-40B4-BE49-F238E27FC236}">
+                <a16:creationId xmlns:a16="http://schemas.microsoft.com/office/drawing/2014/main" id="{81F532CF-90E6-488F-996A-1F8406E3FF3E}"/>
+              </a:ext>
+            </a:extLst>
+          </p:cNvPr>
+          <p:cNvCxnSpPr>
+            <a:cxnSpLocks/>
+          </p:cNvCxnSpPr>
+          <p:nvPr/>
+        </p:nvCxnSpPr>
+        <p:spPr>
+          <a:xfrm flipV="1">
+            <a:off x="5348840" y="4209208"/>
+            <a:ext cx="267950" cy="1"/>
+          </a:xfrm>
+          <a:prstGeom prst="bentConnector3">
+            <a:avLst>
+              <a:gd name="adj1" fmla="val 50000"/>
+            </a:avLst>
+          </a:prstGeom>
+          <a:ln w="19050">
+            <a:solidFill>
+              <a:schemeClr val="accent6">
+                <a:lumMod val="75000"/>
+              </a:schemeClr>
+            </a:solidFill>
+            <a:prstDash val="sysDot"/>
+            <a:headEnd type="none" w="med" len="med"/>
+            <a:tailEnd type="none" w="med" len="med"/>
+          </a:ln>
+          <a:effectLst/>
+        </p:spPr>
+        <p:style>
+          <a:lnRef idx="1">
+            <a:schemeClr val="accent2"/>
+          </a:lnRef>
+          <a:fillRef idx="2">
+            <a:schemeClr val="accent2"/>
+          </a:fillRef>
+          <a:effectRef idx="1">
+            <a:schemeClr val="accent2"/>
+          </a:effectRef>
+          <a:fontRef idx="minor">
+            <a:schemeClr val="dk1"/>
+          </a:fontRef>
+        </p:style>
+      </p:cxnSp>
+      <p:sp>
+        <p:nvSpPr>
+          <p:cNvPr id="105" name="Rectangle 8">
+            <a:extLst>
+              <a:ext uri="{FF2B5EF4-FFF2-40B4-BE49-F238E27FC236}">
+                <a16:creationId xmlns:a16="http://schemas.microsoft.com/office/drawing/2014/main" id="{EAC67BBB-0538-4014-9ACF-EFA0F3059D3C}"/>
+              </a:ext>
+            </a:extLst>
+          </p:cNvPr>
+          <p:cNvSpPr/>
+          <p:nvPr/>
+        </p:nvSpPr>
+        <p:spPr>
+          <a:xfrm>
+            <a:off x="5616790" y="4042556"/>
+            <a:ext cx="1246034" cy="346760"/>
+          </a:xfrm>
+          <a:prstGeom prst="rect">
+            <a:avLst/>
+          </a:prstGeom>
+          <a:ln w="19050"/>
+          <a:effectLst/>
+        </p:spPr>
+        <p:style>
+          <a:lnRef idx="1">
+            <a:schemeClr val="accent6"/>
+          </a:lnRef>
+          <a:fillRef idx="2">
+            <a:schemeClr val="accent6"/>
+          </a:fillRef>
+          <a:effectRef idx="1">
+            <a:schemeClr val="accent6"/>
+          </a:effectRef>
+          <a:fontRef idx="minor">
+            <a:schemeClr val="dk1"/>
+          </a:fontRef>
+        </p:style>
+        <p:txBody>
+          <a:bodyPr rtlCol="0" anchor="ctr"/>
+          <a:lstStyle/>
+          <a:p>
+            <a:pPr algn="ctr"/>
+            <a:r>
+              <a:rPr lang="en-US" sz="1050" b="1" dirty="0" err="1">
+                <a:solidFill>
+                  <a:schemeClr val="accent6">
+                    <a:lumMod val="75000"/>
+                  </a:schemeClr>
+                </a:solidFill>
+              </a:rPr>
+              <a:t>XmlCompanyBook</a:t>
+            </a:r>
+            <a:br>
+              <a:rPr lang="en-US" sz="1050" b="1" dirty="0">
+                <a:solidFill>
+                  <a:schemeClr val="accent6">
+                    <a:lumMod val="75000"/>
+                  </a:schemeClr>
+                </a:solidFill>
+              </a:rPr>
+            </a:br>
+            <a:r>
+              <a:rPr lang="en-US" sz="1050" b="1" dirty="0">
+                <a:solidFill>
+                  <a:schemeClr val="accent6">
+                    <a:lumMod val="75000"/>
+                  </a:schemeClr>
+                </a:solidFill>
+              </a:rPr>
+              <a:t>Storage</a:t>
+            </a:r>
+            <a:endParaRPr lang="en-SG" sz="1050" b="1" dirty="0">
+              <a:solidFill>
+                <a:schemeClr val="accent6">
+                  <a:lumMod val="75000"/>
+                </a:schemeClr>
+              </a:solidFill>
+            </a:endParaRPr>
+          </a:p>
+        </p:txBody>
+      </p:sp>
+      <p:cxnSp>
+        <p:nvCxnSpPr>
+          <p:cNvPr id="106" name="Elbow Connector 122">
+            <a:extLst>
+              <a:ext uri="{FF2B5EF4-FFF2-40B4-BE49-F238E27FC236}">
+                <a16:creationId xmlns:a16="http://schemas.microsoft.com/office/drawing/2014/main" id="{35029581-98DD-4E4D-AD7A-E1C56AE2E96A}"/>
+              </a:ext>
+            </a:extLst>
+          </p:cNvPr>
+          <p:cNvCxnSpPr>
+            <a:cxnSpLocks/>
+          </p:cNvCxnSpPr>
+          <p:nvPr/>
+        </p:nvCxnSpPr>
+        <p:spPr>
+          <a:xfrm flipV="1">
+            <a:off x="6868929" y="4215936"/>
+            <a:ext cx="261845" cy="7235"/>
+          </a:xfrm>
+          <a:prstGeom prst="bentConnector3">
+            <a:avLst>
+              <a:gd name="adj1" fmla="val 50000"/>
+            </a:avLst>
+          </a:prstGeom>
+          <a:ln w="19050">
+            <a:solidFill>
+              <a:schemeClr val="accent6">
+                <a:lumMod val="75000"/>
+              </a:schemeClr>
+            </a:solidFill>
+            <a:prstDash val="sysDot"/>
+            <a:headEnd type="none" w="med" len="med"/>
+            <a:tailEnd type="arrow" w="med" len="med"/>
+          </a:ln>
+          <a:effectLst/>
+        </p:spPr>
+        <p:style>
+          <a:lnRef idx="1">
+            <a:schemeClr val="accent2"/>
+          </a:lnRef>
+          <a:fillRef idx="2">
+            <a:schemeClr val="accent2"/>
+          </a:fillRef>
+          <a:effectRef idx="1">
+            <a:schemeClr val="accent2"/>
+          </a:effectRef>
+          <a:fontRef idx="minor">
+            <a:schemeClr val="dk1"/>
+          </a:fontRef>
+        </p:style>
+      </p:cxnSp>
+      <p:sp>
+        <p:nvSpPr>
+          <p:cNvPr id="107" name="Rectangle 8">
+            <a:extLst>
+              <a:ext uri="{FF2B5EF4-FFF2-40B4-BE49-F238E27FC236}">
+                <a16:creationId xmlns:a16="http://schemas.microsoft.com/office/drawing/2014/main" id="{659C055D-194B-45EB-A914-9EBBB97DA471}"/>
+              </a:ext>
+            </a:extLst>
+          </p:cNvPr>
+          <p:cNvSpPr/>
+          <p:nvPr/>
+        </p:nvSpPr>
+        <p:spPr>
+          <a:xfrm>
+            <a:off x="7117912" y="4047765"/>
+            <a:ext cx="1200707" cy="346760"/>
+          </a:xfrm>
+          <a:prstGeom prst="rect">
+            <a:avLst/>
+          </a:prstGeom>
+          <a:ln w="19050"/>
+          <a:effectLst/>
+        </p:spPr>
+        <p:style>
+          <a:lnRef idx="1">
+            <a:schemeClr val="accent6"/>
+          </a:lnRef>
+          <a:fillRef idx="2">
+            <a:schemeClr val="accent6"/>
+          </a:fillRef>
+          <a:effectRef idx="1">
+            <a:schemeClr val="accent6"/>
+          </a:effectRef>
+          <a:fontRef idx="minor">
+            <a:schemeClr val="dk1"/>
+          </a:fontRef>
+        </p:style>
+        <p:txBody>
+          <a:bodyPr rtlCol="0" anchor="ctr"/>
+          <a:lstStyle/>
+          <a:p>
+            <a:pPr algn="ctr"/>
+            <a:r>
+              <a:rPr lang="en-US" sz="1050" b="1" dirty="0" err="1">
+                <a:solidFill>
+                  <a:schemeClr val="accent6">
+                    <a:lumMod val="75000"/>
+                  </a:schemeClr>
+                </a:solidFill>
+              </a:rPr>
+              <a:t>XmlSerializable</a:t>
+            </a:r>
+            <a:br>
+              <a:rPr lang="en-US" sz="1050" b="1" dirty="0">
+                <a:solidFill>
+                  <a:schemeClr val="accent6">
+                    <a:lumMod val="75000"/>
+                  </a:schemeClr>
+                </a:solidFill>
+              </a:rPr>
+            </a:br>
+            <a:r>
+              <a:rPr lang="en-US" sz="1050" b="1" dirty="0" err="1">
+                <a:solidFill>
+                  <a:schemeClr val="accent6">
+                    <a:lumMod val="75000"/>
+                  </a:schemeClr>
+                </a:solidFill>
+              </a:rPr>
+              <a:t>CompanyBook</a:t>
+            </a:r>
+            <a:endParaRPr lang="en-SG" sz="1050" b="1" dirty="0">
+              <a:solidFill>
+                <a:schemeClr val="accent6">
+                  <a:lumMod val="75000"/>
+                </a:schemeClr>
+              </a:solidFill>
+            </a:endParaRPr>
+          </a:p>
+        </p:txBody>
+      </p:sp>
+      <p:cxnSp>
+        <p:nvCxnSpPr>
+          <p:cNvPr id="108" name="Elbow Connector 122">
+            <a:extLst>
+              <a:ext uri="{FF2B5EF4-FFF2-40B4-BE49-F238E27FC236}">
+                <a16:creationId xmlns:a16="http://schemas.microsoft.com/office/drawing/2014/main" id="{C27B0F26-E7DA-41E9-9A93-EE82EED6D507}"/>
+              </a:ext>
+            </a:extLst>
+          </p:cNvPr>
+          <p:cNvCxnSpPr>
+            <a:cxnSpLocks/>
+          </p:cNvCxnSpPr>
+          <p:nvPr/>
+        </p:nvCxnSpPr>
+        <p:spPr>
+          <a:xfrm flipV="1">
+            <a:off x="8318619" y="4215936"/>
+            <a:ext cx="312535" cy="1"/>
+          </a:xfrm>
+          <a:prstGeom prst="bentConnector3">
+            <a:avLst>
+              <a:gd name="adj1" fmla="val 50000"/>
+            </a:avLst>
+          </a:prstGeom>
+          <a:ln w="19050">
+            <a:prstDash val="sysDot"/>
+            <a:headEnd type="none" w="med" len="med"/>
+            <a:tailEnd type="arrow" w="med" len="med"/>
+          </a:ln>
+          <a:effectLst/>
+        </p:spPr>
+        <p:style>
+          <a:lnRef idx="1">
+            <a:schemeClr val="accent6"/>
+          </a:lnRef>
+          <a:fillRef idx="2">
+            <a:schemeClr val="accent6"/>
+          </a:fillRef>
+          <a:effectRef idx="1">
+            <a:schemeClr val="accent6"/>
+          </a:effectRef>
+          <a:fontRef idx="minor">
+            <a:schemeClr val="dk1"/>
+          </a:fontRef>
+        </p:style>
+      </p:cxnSp>
+      <p:sp>
+        <p:nvSpPr>
+          <p:cNvPr id="109" name="Rectangle 8">
+            <a:extLst>
+              <a:ext uri="{FF2B5EF4-FFF2-40B4-BE49-F238E27FC236}">
+                <a16:creationId xmlns:a16="http://schemas.microsoft.com/office/drawing/2014/main" id="{06728DE0-ACDB-4057-A8D2-77735FC5B74B}"/>
+              </a:ext>
+            </a:extLst>
+          </p:cNvPr>
+          <p:cNvSpPr/>
+          <p:nvPr/>
+        </p:nvSpPr>
+        <p:spPr>
+          <a:xfrm>
+            <a:off x="8622255" y="4049791"/>
+            <a:ext cx="1528262" cy="346760"/>
+          </a:xfrm>
+          <a:prstGeom prst="rect">
+            <a:avLst/>
+          </a:prstGeom>
+          <a:ln w="19050"/>
+          <a:effectLst/>
+        </p:spPr>
+        <p:style>
+          <a:lnRef idx="1">
+            <a:schemeClr val="accent6"/>
+          </a:lnRef>
+          <a:fillRef idx="2">
+            <a:schemeClr val="accent6"/>
+          </a:fillRef>
+          <a:effectRef idx="1">
+            <a:schemeClr val="accent6"/>
+          </a:effectRef>
+          <a:fontRef idx="minor">
+            <a:schemeClr val="dk1"/>
+          </a:fontRef>
+        </p:style>
+        <p:txBody>
+          <a:bodyPr rtlCol="0" anchor="ctr"/>
+          <a:lstStyle/>
+          <a:p>
+            <a:pPr algn="ctr"/>
+            <a:r>
+              <a:rPr lang="en-US" sz="1050" b="1" dirty="0" err="1">
+                <a:solidFill>
+                  <a:schemeClr val="accent6">
+                    <a:lumMod val="75000"/>
+                  </a:schemeClr>
+                </a:solidFill>
+              </a:rPr>
+              <a:t>XmlAdaptedCompany</a:t>
+            </a:r>
+            <a:endParaRPr lang="en-SG" sz="1050" b="1" dirty="0">
+              <a:solidFill>
+                <a:schemeClr val="accent6">
+                  <a:lumMod val="75000"/>
+                </a:schemeClr>
+              </a:solidFill>
+            </a:endParaRPr>
+          </a:p>
+        </p:txBody>
+      </p:sp>
+      <p:sp>
+        <p:nvSpPr>
+          <p:cNvPr id="110" name="Rectangle 8">
+            <a:extLst>
+              <a:ext uri="{FF2B5EF4-FFF2-40B4-BE49-F238E27FC236}">
+                <a16:creationId xmlns:a16="http://schemas.microsoft.com/office/drawing/2014/main" id="{1FAE03F7-DC0F-4B10-B704-F7799E742E1B}"/>
+              </a:ext>
+            </a:extLst>
+          </p:cNvPr>
+          <p:cNvSpPr/>
+          <p:nvPr/>
+        </p:nvSpPr>
+        <p:spPr>
+          <a:xfrm>
+            <a:off x="8631154" y="4495811"/>
+            <a:ext cx="1528262" cy="346760"/>
+          </a:xfrm>
+          <a:prstGeom prst="rect">
+            <a:avLst/>
+          </a:prstGeom>
+          <a:ln w="19050"/>
+          <a:effectLst/>
+        </p:spPr>
+        <p:style>
+          <a:lnRef idx="1">
+            <a:schemeClr val="accent6"/>
+          </a:lnRef>
+          <a:fillRef idx="2">
+            <a:schemeClr val="accent6"/>
+          </a:fillRef>
+          <a:effectRef idx="1">
+            <a:schemeClr val="accent6"/>
+          </a:effectRef>
+          <a:fontRef idx="minor">
+            <a:schemeClr val="dk1"/>
+          </a:fontRef>
+        </p:style>
+        <p:txBody>
+          <a:bodyPr rtlCol="0" anchor="ctr"/>
+          <a:lstStyle/>
+          <a:p>
+            <a:pPr algn="ctr"/>
+            <a:r>
+              <a:rPr lang="en-US" sz="1050" b="1" dirty="0" err="1">
+                <a:solidFill>
+                  <a:schemeClr val="accent6">
+                    <a:lumMod val="75000"/>
+                  </a:schemeClr>
+                </a:solidFill>
+              </a:rPr>
+              <a:t>XmlAdaptedJobOffer</a:t>
+            </a:r>
+            <a:endParaRPr lang="en-SG" sz="1050" b="1" dirty="0">
+              <a:solidFill>
+                <a:schemeClr val="accent6">
+                  <a:lumMod val="75000"/>
+                </a:schemeClr>
+              </a:solidFill>
+            </a:endParaRPr>
+          </a:p>
+        </p:txBody>
+      </p:sp>
+      <p:cxnSp>
+        <p:nvCxnSpPr>
+          <p:cNvPr id="111" name="Elbow Connector 122">
+            <a:extLst>
+              <a:ext uri="{FF2B5EF4-FFF2-40B4-BE49-F238E27FC236}">
+                <a16:creationId xmlns:a16="http://schemas.microsoft.com/office/drawing/2014/main" id="{1C46B02D-B70A-4E84-8C40-A43A44683FC8}"/>
+              </a:ext>
+            </a:extLst>
+          </p:cNvPr>
+          <p:cNvCxnSpPr>
+            <a:cxnSpLocks/>
+            <a:stCxn id="107" idx="3"/>
+            <a:endCxn id="110" idx="1"/>
+          </p:cNvCxnSpPr>
+          <p:nvPr/>
+        </p:nvCxnSpPr>
+        <p:spPr>
+          <a:xfrm>
+            <a:off x="8318619" y="4221145"/>
+            <a:ext cx="312535" cy="448046"/>
+          </a:xfrm>
+          <a:prstGeom prst="bentConnector3">
+            <a:avLst>
+              <a:gd name="adj1" fmla="val 50000"/>
+            </a:avLst>
+          </a:prstGeom>
+          <a:ln w="19050">
+            <a:prstDash val="sysDot"/>
+            <a:headEnd type="none" w="med" len="med"/>
+            <a:tailEnd type="arrow" w="med" len="med"/>
+          </a:ln>
+          <a:effectLst/>
+        </p:spPr>
+        <p:style>
+          <a:lnRef idx="1">
+            <a:schemeClr val="accent6"/>
+          </a:lnRef>
+          <a:fillRef idx="2">
+            <a:schemeClr val="accent6"/>
+          </a:fillRef>
+          <a:effectRef idx="1">
+            <a:schemeClr val="accent6"/>
+          </a:effectRef>
+          <a:fontRef idx="minor">
+            <a:schemeClr val="dk1"/>
+          </a:fontRef>
+        </p:style>
+      </p:cxnSp>
+      <p:sp>
+        <p:nvSpPr>
+          <p:cNvPr id="37" name="Flowchart: Decision 96">
+            <a:extLst>
+              <a:ext uri="{FF2B5EF4-FFF2-40B4-BE49-F238E27FC236}">
+                <a16:creationId xmlns:a16="http://schemas.microsoft.com/office/drawing/2014/main" id="{14F281C9-6161-4BCE-9584-D91AEA128E33}"/>
+              </a:ext>
+            </a:extLst>
+          </p:cNvPr>
+          <p:cNvSpPr/>
+          <p:nvPr/>
+        </p:nvSpPr>
+        <p:spPr>
+          <a:xfrm>
+            <a:off x="3224631" y="4132003"/>
+            <a:ext cx="236048" cy="173380"/>
+          </a:xfrm>
+          <a:prstGeom prst="flowChartDecision">
+            <a:avLst/>
+          </a:prstGeom>
+          <a:noFill/>
+          <a:ln w="19050">
+            <a:solidFill>
+              <a:schemeClr val="accent6">
+                <a:lumMod val="75000"/>
+              </a:schemeClr>
+            </a:solidFill>
+          </a:ln>
+          <a:effectLst/>
+        </p:spPr>
+        <p:style>
+          <a:lnRef idx="1">
+            <a:schemeClr val="accent2"/>
+          </a:lnRef>
+          <a:fillRef idx="2">
+            <a:schemeClr val="accent2"/>
+          </a:fillRef>
+          <a:effectRef idx="1">
+            <a:schemeClr val="accent2"/>
+          </a:effectRef>
+          <a:fontRef idx="minor">
+            <a:schemeClr val="dk1"/>
+          </a:fontRef>
+        </p:style>
+        <p:txBody>
+          <a:bodyPr rtlCol="0" anchor="ctr"/>
+          <a:lstStyle/>
+          <a:p>
+            <a:pPr algn="ctr"/>
+            <a:endParaRPr lang="en-US" sz="1050" dirty="0">
+              <a:solidFill>
+                <a:schemeClr val="bg1"/>
+              </a:solidFill>
+            </a:endParaRPr>
+          </a:p>
+        </p:txBody>
+      </p:sp>
+      <p:cxnSp>
+        <p:nvCxnSpPr>
+          <p:cNvPr id="39" name="Straight Arrow Connector 38">
+            <a:extLst>
+              <a:ext uri="{FF2B5EF4-FFF2-40B4-BE49-F238E27FC236}">
+                <a16:creationId xmlns:a16="http://schemas.microsoft.com/office/drawing/2014/main" id="{D3ABBBC2-213F-4FCC-B23F-CC17BA8D3ADA}"/>
+              </a:ext>
+            </a:extLst>
+          </p:cNvPr>
+          <p:cNvCxnSpPr>
+            <a:cxnSpLocks/>
+          </p:cNvCxnSpPr>
+          <p:nvPr/>
+        </p:nvCxnSpPr>
+        <p:spPr>
+          <a:xfrm flipV="1">
+            <a:off x="3468502" y="4215936"/>
+            <a:ext cx="229102" cy="7235"/>
+          </a:xfrm>
+          <a:prstGeom prst="straightConnector1">
+            <a:avLst/>
+          </a:prstGeom>
+          <a:ln w="19050">
+            <a:solidFill>
+              <a:schemeClr val="accent6">
+                <a:lumMod val="75000"/>
+              </a:schemeClr>
+            </a:solidFill>
+            <a:headEnd type="none" w="med" len="med"/>
+            <a:tailEnd type="arrow" w="med" len="med"/>
+          </a:ln>
+          <a:effectLst/>
+        </p:spPr>
+        <p:style>
+          <a:lnRef idx="1">
+            <a:schemeClr val="accent2"/>
+          </a:lnRef>
+          <a:fillRef idx="2">
+            <a:schemeClr val="accent2"/>
+          </a:fillRef>
+          <a:effectRef idx="1">
+            <a:schemeClr val="accent2"/>
           </a:effectRef>
           <a:fontRef idx="minor">
             <a:schemeClr val="dk1"/>
@@ -4843,13 +5541,6 @@
   <p:clrMapOvr>
     <a:masterClrMapping/>
   </p:clrMapOvr>
-  <p:timing>
-    <p:tnLst>
-      <p:par>
-        <p:cTn id="1" dur="indefinite" restart="never" nodeType="tmRoot"/>
-      </p:par>
-    </p:tnLst>
-  </p:timing>
 </p:sld>
 </file>
 

--- a/docs/diagrams/StorageComponentClassDiagram.pptx
+++ b/docs/diagrams/StorageComponentClassDiagram.pptx
@@ -107,6 +107,22 @@
       </a:defRPr>
     </a:lvl9pPr>
   </p:defaultTextStyle>
+  <p:extLst>
+    <p:ext uri="{EFAFB233-063F-42B5-8137-9DF3F51BA10A}">
+      <p15:sldGuideLst xmlns:p15="http://schemas.microsoft.com/office/powerpoint/2012/main">
+        <p15:guide id="1" orient="horz" pos="1488">
+          <p15:clr>
+            <a:srgbClr val="A4A3A4"/>
+          </p15:clr>
+        </p15:guide>
+        <p15:guide id="2" pos="2880">
+          <p15:clr>
+            <a:srgbClr val="A4A3A4"/>
+          </p15:clr>
+        </p15:guide>
+      </p15:sldGuideLst>
+    </p:ext>
+  </p:extLst>
 </p:presentation>
 </file>
 
@@ -192,7 +208,7 @@
           <a:p>
             <a:fld id="{F5CC4B3F-88C1-4FFA-B1B6-F41C21DC6924}" type="datetimeFigureOut">
               <a:rPr lang="en-US" smtClean="0"/>
-              <a:t>10/16/2016</a:t>
+              <a:t>12-Nov-18</a:t>
             </a:fld>
             <a:endParaRPr lang="en-US"/>
           </a:p>
@@ -460,6 +476,90 @@
 </p:notesMaster>
 </file>
 
+<file path=ppt/notesSlides/notesSlide1.xml><?xml version="1.0" encoding="utf-8"?>
+<p:notes xmlns:a="http://schemas.openxmlformats.org/drawingml/2006/main" xmlns:r="http://schemas.openxmlformats.org/officeDocument/2006/relationships" xmlns:p="http://schemas.openxmlformats.org/presentationml/2006/main">
+  <p:cSld>
+    <p:spTree>
+      <p:nvGrpSpPr>
+        <p:cNvPr id="1" name=""/>
+        <p:cNvGrpSpPr/>
+        <p:nvPr/>
+      </p:nvGrpSpPr>
+      <p:grpSpPr>
+        <a:xfrm>
+          <a:off x="0" y="0"/>
+          <a:ext cx="0" cy="0"/>
+          <a:chOff x="0" y="0"/>
+          <a:chExt cx="0" cy="0"/>
+        </a:xfrm>
+      </p:grpSpPr>
+      <p:sp>
+        <p:nvSpPr>
+          <p:cNvPr id="2" name="Slide Image Placeholder 1"/>
+          <p:cNvSpPr>
+            <a:spLocks noGrp="1" noRot="1" noChangeAspect="1"/>
+          </p:cNvSpPr>
+          <p:nvPr>
+            <p:ph type="sldImg"/>
+          </p:nvPr>
+        </p:nvSpPr>
+        <p:spPr/>
+      </p:sp>
+      <p:sp>
+        <p:nvSpPr>
+          <p:cNvPr id="3" name="Notes Placeholder 2"/>
+          <p:cNvSpPr>
+            <a:spLocks noGrp="1"/>
+          </p:cNvSpPr>
+          <p:nvPr>
+            <p:ph type="body" idx="1"/>
+          </p:nvPr>
+        </p:nvSpPr>
+        <p:spPr/>
+        <p:txBody>
+          <a:bodyPr/>
+          <a:lstStyle/>
+          <a:p>
+            <a:endParaRPr lang="en-US" dirty="0"/>
+          </a:p>
+        </p:txBody>
+      </p:sp>
+      <p:sp>
+        <p:nvSpPr>
+          <p:cNvPr id="4" name="Slide Number Placeholder 3"/>
+          <p:cNvSpPr>
+            <a:spLocks noGrp="1"/>
+          </p:cNvSpPr>
+          <p:nvPr>
+            <p:ph type="sldNum" sz="quarter" idx="10"/>
+          </p:nvPr>
+        </p:nvSpPr>
+        <p:spPr/>
+        <p:txBody>
+          <a:bodyPr/>
+          <a:lstStyle/>
+          <a:p>
+            <a:fld id="{5A7AB025-77E3-4BD1-A2FD-B3183DBA47A3}" type="slidenum">
+              <a:rPr lang="en-US" smtClean="0"/>
+              <a:t>1</a:t>
+            </a:fld>
+            <a:endParaRPr lang="en-US"/>
+          </a:p>
+        </p:txBody>
+      </p:sp>
+    </p:spTree>
+    <p:extLst>
+      <p:ext uri="{BB962C8B-B14F-4D97-AF65-F5344CB8AC3E}">
+        <p14:creationId xmlns:p14="http://schemas.microsoft.com/office/powerpoint/2010/main" val="2275525369"/>
+      </p:ext>
+    </p:extLst>
+  </p:cSld>
+  <p:clrMapOvr>
+    <a:masterClrMapping/>
+  </p:clrMapOvr>
+</p:notes>
+</file>
+
 <file path=ppt/slideLayouts/slideLayout1.xml><?xml version="1.0" encoding="utf-8"?>
 <p:sldLayout xmlns:a="http://schemas.openxmlformats.org/drawingml/2006/main" xmlns:r="http://schemas.openxmlformats.org/officeDocument/2006/relationships" xmlns:p="http://schemas.openxmlformats.org/presentationml/2006/main" type="title" preserve="1">
   <p:cSld name="Title Slide">
@@ -641,7 +741,7 @@
           <a:p>
             <a:fld id="{78C97017-6FC3-485B-9764-EAC9E56C1D49}" type="datetimeFigureOut">
               <a:rPr lang="en-US" smtClean="0"/>
-              <a:t>10/16/2016</a:t>
+              <a:t>12-Nov-18</a:t>
             </a:fld>
             <a:endParaRPr lang="en-US"/>
           </a:p>
@@ -811,7 +911,7 @@
           <a:p>
             <a:fld id="{78C97017-6FC3-485B-9764-EAC9E56C1D49}" type="datetimeFigureOut">
               <a:rPr lang="en-US" smtClean="0"/>
-              <a:t>10/16/2016</a:t>
+              <a:t>12-Nov-18</a:t>
             </a:fld>
             <a:endParaRPr lang="en-US"/>
           </a:p>
@@ -991,7 +1091,7 @@
           <a:p>
             <a:fld id="{78C97017-6FC3-485B-9764-EAC9E56C1D49}" type="datetimeFigureOut">
               <a:rPr lang="en-US" smtClean="0"/>
-              <a:t>10/16/2016</a:t>
+              <a:t>12-Nov-18</a:t>
             </a:fld>
             <a:endParaRPr lang="en-US"/>
           </a:p>
@@ -1161,7 +1261,7 @@
           <a:p>
             <a:fld id="{78C97017-6FC3-485B-9764-EAC9E56C1D49}" type="datetimeFigureOut">
               <a:rPr lang="en-US" smtClean="0"/>
-              <a:t>10/16/2016</a:t>
+              <a:t>12-Nov-18</a:t>
             </a:fld>
             <a:endParaRPr lang="en-US"/>
           </a:p>
@@ -1407,7 +1507,7 @@
           <a:p>
             <a:fld id="{78C97017-6FC3-485B-9764-EAC9E56C1D49}" type="datetimeFigureOut">
               <a:rPr lang="en-US" smtClean="0"/>
-              <a:t>10/16/2016</a:t>
+              <a:t>12-Nov-18</a:t>
             </a:fld>
             <a:endParaRPr lang="en-US"/>
           </a:p>
@@ -1695,7 +1795,7 @@
           <a:p>
             <a:fld id="{78C97017-6FC3-485B-9764-EAC9E56C1D49}" type="datetimeFigureOut">
               <a:rPr lang="en-US" smtClean="0"/>
-              <a:t>10/16/2016</a:t>
+              <a:t>12-Nov-18</a:t>
             </a:fld>
             <a:endParaRPr lang="en-US"/>
           </a:p>
@@ -2117,7 +2217,7 @@
           <a:p>
             <a:fld id="{78C97017-6FC3-485B-9764-EAC9E56C1D49}" type="datetimeFigureOut">
               <a:rPr lang="en-US" smtClean="0"/>
-              <a:t>10/16/2016</a:t>
+              <a:t>12-Nov-18</a:t>
             </a:fld>
             <a:endParaRPr lang="en-US"/>
           </a:p>
@@ -2235,7 +2335,7 @@
           <a:p>
             <a:fld id="{78C97017-6FC3-485B-9764-EAC9E56C1D49}" type="datetimeFigureOut">
               <a:rPr lang="en-US" smtClean="0"/>
-              <a:t>10/16/2016</a:t>
+              <a:t>12-Nov-18</a:t>
             </a:fld>
             <a:endParaRPr lang="en-US"/>
           </a:p>
@@ -2330,7 +2430,7 @@
           <a:p>
             <a:fld id="{78C97017-6FC3-485B-9764-EAC9E56C1D49}" type="datetimeFigureOut">
               <a:rPr lang="en-US" smtClean="0"/>
-              <a:t>10/16/2016</a:t>
+              <a:t>12-Nov-18</a:t>
             </a:fld>
             <a:endParaRPr lang="en-US"/>
           </a:p>
@@ -2607,7 +2707,7 @@
           <a:p>
             <a:fld id="{78C97017-6FC3-485B-9764-EAC9E56C1D49}" type="datetimeFigureOut">
               <a:rPr lang="en-US" smtClean="0"/>
-              <a:t>10/16/2016</a:t>
+              <a:t>12-Nov-18</a:t>
             </a:fld>
             <a:endParaRPr lang="en-US"/>
           </a:p>
@@ -2860,7 +2960,7 @@
           <a:p>
             <a:fld id="{78C97017-6FC3-485B-9764-EAC9E56C1D49}" type="datetimeFigureOut">
               <a:rPr lang="en-US" smtClean="0"/>
-              <a:t>10/16/2016</a:t>
+              <a:t>12-Nov-18</a:t>
             </a:fld>
             <a:endParaRPr lang="en-US"/>
           </a:p>
@@ -3073,7 +3173,7 @@
           <a:p>
             <a:fld id="{78C97017-6FC3-485B-9764-EAC9E56C1D49}" type="datetimeFigureOut">
               <a:rPr lang="en-US" smtClean="0"/>
-              <a:t>10/16/2016</a:t>
+              <a:t>12-Nov-18</a:t>
             </a:fld>
             <a:endParaRPr lang="en-US"/>
           </a:p>
@@ -3456,8 +3556,8 @@
         </p:nvSpPr>
         <p:spPr>
           <a:xfrm>
-            <a:off x="1119865" y="2086382"/>
-            <a:ext cx="7871735" cy="1723618"/>
+            <a:off x="609600" y="152400"/>
+            <a:ext cx="7977865" cy="6301171"/>
           </a:xfrm>
           <a:prstGeom prst="roundRect">
             <a:avLst>
@@ -3521,7 +3621,7 @@
         </p:nvSpPr>
         <p:spPr>
           <a:xfrm>
-            <a:off x="2877180" y="3158440"/>
+            <a:off x="2419980" y="1124829"/>
             <a:ext cx="1323049" cy="346760"/>
           </a:xfrm>
           <a:prstGeom prst="rect">
@@ -3599,7 +3699,7 @@
         </p:nvSpPr>
         <p:spPr>
           <a:xfrm rot="16200000">
-            <a:off x="1683963" y="2868687"/>
+            <a:off x="1226763" y="835076"/>
             <a:ext cx="1093635" cy="346760"/>
           </a:xfrm>
           <a:prstGeom prst="rect">
@@ -3662,7 +3762,7 @@
         </p:nvSpPr>
         <p:spPr>
           <a:xfrm rot="16200000">
-            <a:off x="956202" y="2861202"/>
+            <a:off x="499002" y="827591"/>
             <a:ext cx="1093635" cy="346760"/>
           </a:xfrm>
           <a:prstGeom prst="rect">
@@ -3736,7 +3836,7 @@
         </p:nvSpPr>
         <p:spPr>
           <a:xfrm rot="16200000">
-            <a:off x="1626910" y="2952291"/>
+            <a:off x="1169710" y="918680"/>
             <a:ext cx="270504" cy="175523"/>
           </a:xfrm>
           <a:prstGeom prst="triangle">
@@ -3794,7 +3894,7 @@
         </p:nvCxnSpPr>
         <p:spPr>
           <a:xfrm>
-            <a:off x="2656370" y="3326536"/>
+            <a:off x="2199170" y="1292925"/>
             <a:ext cx="220810" cy="5284"/>
           </a:xfrm>
           <a:prstGeom prst="straightConnector1">
@@ -3834,7 +3934,7 @@
         </p:nvCxnSpPr>
         <p:spPr>
           <a:xfrm>
-            <a:off x="910091" y="3040053"/>
+            <a:off x="452891" y="1006442"/>
             <a:ext cx="419548" cy="2860"/>
           </a:xfrm>
           <a:prstGeom prst="bentConnector3">
@@ -3879,7 +3979,7 @@
         </p:nvCxnSpPr>
         <p:spPr>
           <a:xfrm flipV="1">
-            <a:off x="1849924" y="3040052"/>
+            <a:off x="1392724" y="1006441"/>
             <a:ext cx="216105" cy="1"/>
           </a:xfrm>
           <a:prstGeom prst="line">
@@ -3920,7 +4020,7 @@
         </p:nvSpPr>
         <p:spPr>
           <a:xfrm>
-            <a:off x="2420322" y="3239846"/>
+            <a:off x="1963122" y="1206235"/>
             <a:ext cx="236048" cy="173380"/>
           </a:xfrm>
           <a:prstGeom prst="flowChartDecision">
@@ -3974,7 +4074,7 @@
         </p:nvCxnSpPr>
         <p:spPr>
           <a:xfrm flipV="1">
-            <a:off x="4398041" y="3331820"/>
+            <a:off x="3940841" y="1298209"/>
             <a:ext cx="223324" cy="1"/>
           </a:xfrm>
           <a:prstGeom prst="bentConnector3">
@@ -4017,7 +4117,7 @@
         </p:nvSpPr>
         <p:spPr>
           <a:xfrm rot="5400000" flipV="1">
-            <a:off x="4175027" y="3244059"/>
+            <a:off x="3717827" y="1210448"/>
             <a:ext cx="270504" cy="175523"/>
           </a:xfrm>
           <a:prstGeom prst="triangle">
@@ -4075,7 +4175,7 @@
         </p:nvCxnSpPr>
         <p:spPr>
           <a:xfrm>
-            <a:off x="5791200" y="3331820"/>
+            <a:off x="5334000" y="1298209"/>
             <a:ext cx="228600" cy="1970"/>
           </a:xfrm>
           <a:prstGeom prst="bentConnector3">
@@ -4118,7 +4218,7 @@
         </p:nvSpPr>
         <p:spPr>
           <a:xfrm>
-            <a:off x="4621365" y="3158440"/>
+            <a:off x="4164165" y="1124829"/>
             <a:ext cx="1169835" cy="346760"/>
           </a:xfrm>
           <a:prstGeom prst="rect">
@@ -4203,7 +4303,7 @@
         </p:nvSpPr>
         <p:spPr>
           <a:xfrm>
-            <a:off x="2873943" y="2558040"/>
+            <a:off x="2416743" y="524429"/>
             <a:ext cx="1323049" cy="346760"/>
           </a:xfrm>
           <a:prstGeom prst="rect">
@@ -4284,7 +4384,7 @@
         </p:nvCxnSpPr>
         <p:spPr>
           <a:xfrm>
-            <a:off x="2653133" y="2726136"/>
+            <a:off x="2195933" y="692525"/>
             <a:ext cx="220810" cy="5284"/>
           </a:xfrm>
           <a:prstGeom prst="straightConnector1">
@@ -4324,7 +4424,7 @@
         </p:nvSpPr>
         <p:spPr>
           <a:xfrm>
-            <a:off x="2417085" y="2639446"/>
+            <a:off x="1959885" y="605835"/>
             <a:ext cx="236048" cy="173380"/>
           </a:xfrm>
           <a:prstGeom prst="flowChartDecision">
@@ -4378,7 +4478,7 @@
         </p:nvCxnSpPr>
         <p:spPr>
           <a:xfrm flipV="1">
-            <a:off x="4394804" y="2731420"/>
+            <a:off x="3937604" y="697809"/>
             <a:ext cx="223324" cy="1"/>
           </a:xfrm>
           <a:prstGeom prst="bentConnector3">
@@ -4421,7 +4521,7 @@
         </p:nvSpPr>
         <p:spPr>
           <a:xfrm rot="5400000" flipV="1">
-            <a:off x="4171790" y="2643659"/>
+            <a:off x="3714590" y="610048"/>
             <a:ext cx="270504" cy="175523"/>
           </a:xfrm>
           <a:prstGeom prst="triangle">
@@ -4476,7 +4576,7 @@
         </p:nvSpPr>
         <p:spPr>
           <a:xfrm>
-            <a:off x="4618128" y="2558040"/>
+            <a:off x="4160928" y="524429"/>
             <a:ext cx="1093635" cy="346760"/>
           </a:xfrm>
           <a:prstGeom prst="rect">
@@ -4562,7 +4662,7 @@
         </p:nvSpPr>
         <p:spPr>
           <a:xfrm>
-            <a:off x="6019800" y="3160410"/>
+            <a:off x="5562600" y="1126799"/>
             <a:ext cx="1200707" cy="346760"/>
           </a:xfrm>
           <a:prstGeom prst="rect">
@@ -4650,7 +4750,7 @@
         </p:nvCxnSpPr>
         <p:spPr>
           <a:xfrm rot="5400000" flipH="1" flipV="1">
-            <a:off x="8077993" y="2992020"/>
+            <a:off x="7620793" y="958409"/>
             <a:ext cx="335208" cy="12700"/>
           </a:xfrm>
           <a:prstGeom prst="bentConnector3">
@@ -4688,7 +4788,7 @@
         </p:nvSpPr>
         <p:spPr>
           <a:xfrm>
-            <a:off x="7615738" y="2477656"/>
+            <a:off x="7158538" y="444045"/>
             <a:ext cx="1259718" cy="346760"/>
           </a:xfrm>
           <a:prstGeom prst="rect">
@@ -4744,7 +4844,7 @@
         </p:nvSpPr>
         <p:spPr>
           <a:xfrm>
-            <a:off x="7615738" y="3159624"/>
+            <a:off x="7158538" y="1126013"/>
             <a:ext cx="1259718" cy="346760"/>
           </a:xfrm>
           <a:prstGeom prst="rect">
@@ -4803,7 +4903,7 @@
         </p:nvCxnSpPr>
         <p:spPr>
           <a:xfrm flipV="1">
-            <a:off x="7220507" y="3333004"/>
+            <a:off x="6763307" y="1299393"/>
             <a:ext cx="395231" cy="786"/>
           </a:xfrm>
           <a:prstGeom prst="bentConnector3">
@@ -4833,6 +4933,2845 @@
           </a:fontRef>
         </p:style>
       </p:cxnSp>
+      <p:sp>
+        <p:nvSpPr>
+          <p:cNvPr id="27" name="Rectangle 62"/>
+          <p:cNvSpPr/>
+          <p:nvPr/>
+        </p:nvSpPr>
+        <p:spPr>
+          <a:xfrm rot="16200000">
+            <a:off x="417393" y="2098742"/>
+            <a:ext cx="1219199" cy="346760"/>
+          </a:xfrm>
+          <a:prstGeom prst="rect">
+            <a:avLst/>
+          </a:prstGeom>
+          <a:solidFill>
+            <a:schemeClr val="accent6">
+              <a:lumMod val="75000"/>
+            </a:schemeClr>
+          </a:solidFill>
+          <a:ln w="19050">
+            <a:solidFill>
+              <a:schemeClr val="accent6">
+                <a:lumMod val="75000"/>
+              </a:schemeClr>
+            </a:solidFill>
+          </a:ln>
+          <a:effectLst/>
+        </p:spPr>
+        <p:style>
+          <a:lnRef idx="1">
+            <a:schemeClr val="accent2"/>
+          </a:lnRef>
+          <a:fillRef idx="2">
+            <a:schemeClr val="accent2"/>
+          </a:fillRef>
+          <a:effectRef idx="1">
+            <a:schemeClr val="accent2"/>
+          </a:effectRef>
+          <a:fontRef idx="minor">
+            <a:schemeClr val="dk1"/>
+          </a:fontRef>
+        </p:style>
+        <p:txBody>
+          <a:bodyPr rtlCol="0" anchor="ctr"/>
+          <a:lstStyle/>
+          <a:p>
+            <a:pPr algn="ctr"/>
+            <a:r>
+              <a:rPr lang="en-US" sz="1050" dirty="0" smtClean="0">
+                <a:solidFill>
+                  <a:schemeClr val="bg1"/>
+                </a:solidFill>
+              </a:rPr>
+              <a:t>StorageController</a:t>
+            </a:r>
+            <a:endParaRPr lang="en-SG" sz="1050" dirty="0">
+              <a:solidFill>
+                <a:schemeClr val="bg1"/>
+              </a:solidFill>
+            </a:endParaRPr>
+          </a:p>
+        </p:txBody>
+      </p:sp>
+      <p:cxnSp>
+        <p:nvCxnSpPr>
+          <p:cNvPr id="26" name="Elbow Connector 122"/>
+          <p:cNvCxnSpPr/>
+          <p:nvPr/>
+        </p:nvCxnSpPr>
+        <p:spPr>
+          <a:xfrm>
+            <a:off x="434065" y="2043522"/>
+            <a:ext cx="419548" cy="2860"/>
+          </a:xfrm>
+          <a:prstGeom prst="bentConnector3">
+            <a:avLst>
+              <a:gd name="adj1" fmla="val 50000"/>
+            </a:avLst>
+          </a:prstGeom>
+          <a:ln w="19050">
+            <a:solidFill>
+              <a:schemeClr val="bg1">
+                <a:lumMod val="75000"/>
+              </a:schemeClr>
+            </a:solidFill>
+            <a:prstDash val="sysDot"/>
+            <a:headEnd type="none" w="med" len="med"/>
+            <a:tailEnd type="arrow" w="med" len="med"/>
+          </a:ln>
+          <a:effectLst/>
+        </p:spPr>
+        <p:style>
+          <a:lnRef idx="1">
+            <a:schemeClr val="accent2"/>
+          </a:lnRef>
+          <a:fillRef idx="2">
+            <a:schemeClr val="accent2"/>
+          </a:fillRef>
+          <a:effectRef idx="1">
+            <a:schemeClr val="accent2"/>
+          </a:effectRef>
+          <a:fontRef idx="minor">
+            <a:schemeClr val="dk1"/>
+          </a:fontRef>
+        </p:style>
+      </p:cxnSp>
+      <p:sp>
+        <p:nvSpPr>
+          <p:cNvPr id="29" name="Isosceles Triangle 102"/>
+          <p:cNvSpPr/>
+          <p:nvPr/>
+        </p:nvSpPr>
+        <p:spPr>
+          <a:xfrm rot="16200000">
+            <a:off x="1187132" y="2186837"/>
+            <a:ext cx="270504" cy="175523"/>
+          </a:xfrm>
+          <a:prstGeom prst="triangle">
+            <a:avLst/>
+          </a:prstGeom>
+          <a:solidFill>
+            <a:schemeClr val="accent6">
+              <a:lumMod val="75000"/>
+            </a:schemeClr>
+          </a:solidFill>
+          <a:ln w="19050">
+            <a:solidFill>
+              <a:schemeClr val="accent6">
+                <a:lumMod val="75000"/>
+              </a:schemeClr>
+            </a:solidFill>
+          </a:ln>
+          <a:effectLst/>
+        </p:spPr>
+        <p:style>
+          <a:lnRef idx="1">
+            <a:schemeClr val="accent2"/>
+          </a:lnRef>
+          <a:fillRef idx="2">
+            <a:schemeClr val="accent2"/>
+          </a:fillRef>
+          <a:effectRef idx="1">
+            <a:schemeClr val="accent2"/>
+          </a:effectRef>
+          <a:fontRef idx="minor">
+            <a:schemeClr val="dk1"/>
+          </a:fontRef>
+        </p:style>
+        <p:txBody>
+          <a:bodyPr rtlCol="0" anchor="ctr"/>
+          <a:lstStyle/>
+          <a:p>
+            <a:pPr algn="ctr"/>
+            <a:endParaRPr lang="en-SG" sz="1050">
+              <a:solidFill>
+                <a:schemeClr val="bg1"/>
+              </a:solidFill>
+            </a:endParaRPr>
+          </a:p>
+        </p:txBody>
+      </p:sp>
+      <p:cxnSp>
+        <p:nvCxnSpPr>
+          <p:cNvPr id="30" name="Straight Connector 29"/>
+          <p:cNvCxnSpPr>
+            <a:stCxn id="29" idx="3"/>
+          </p:cNvCxnSpPr>
+          <p:nvPr/>
+        </p:nvCxnSpPr>
+        <p:spPr>
+          <a:xfrm flipV="1">
+            <a:off x="1410146" y="2274598"/>
+            <a:ext cx="216105" cy="1"/>
+          </a:xfrm>
+          <a:prstGeom prst="line">
+            <a:avLst/>
+          </a:prstGeom>
+          <a:ln w="19050">
+            <a:solidFill>
+              <a:schemeClr val="accent6">
+                <a:lumMod val="75000"/>
+              </a:schemeClr>
+            </a:solidFill>
+            <a:prstDash val="sysDot"/>
+            <a:headEnd type="none" w="med" len="med"/>
+            <a:tailEnd type="none" w="med" len="med"/>
+          </a:ln>
+          <a:effectLst/>
+        </p:spPr>
+        <p:style>
+          <a:lnRef idx="1">
+            <a:schemeClr val="accent2"/>
+          </a:lnRef>
+          <a:fillRef idx="2">
+            <a:schemeClr val="accent2"/>
+          </a:fillRef>
+          <a:effectRef idx="1">
+            <a:schemeClr val="accent2"/>
+          </a:effectRef>
+          <a:fontRef idx="minor">
+            <a:schemeClr val="dk1"/>
+          </a:fontRef>
+        </p:style>
+      </p:cxnSp>
+      <p:cxnSp>
+        <p:nvCxnSpPr>
+          <p:cNvPr id="31" name="Straight Connector 30"/>
+          <p:cNvCxnSpPr/>
+          <p:nvPr/>
+        </p:nvCxnSpPr>
+        <p:spPr>
+          <a:xfrm flipH="1">
+            <a:off x="1619919" y="2274598"/>
+            <a:ext cx="6332" cy="3807524"/>
+          </a:xfrm>
+          <a:prstGeom prst="line">
+            <a:avLst/>
+          </a:prstGeom>
+          <a:ln w="19050">
+            <a:solidFill>
+              <a:schemeClr val="accent6">
+                <a:lumMod val="75000"/>
+              </a:schemeClr>
+            </a:solidFill>
+            <a:prstDash val="sysDot"/>
+            <a:headEnd type="none" w="med" len="med"/>
+            <a:tailEnd type="none" w="med" len="med"/>
+          </a:ln>
+          <a:effectLst/>
+        </p:spPr>
+        <p:style>
+          <a:lnRef idx="1">
+            <a:schemeClr val="accent2"/>
+          </a:lnRef>
+          <a:fillRef idx="2">
+            <a:schemeClr val="accent2"/>
+          </a:fillRef>
+          <a:effectRef idx="1">
+            <a:schemeClr val="accent2"/>
+          </a:effectRef>
+          <a:fontRef idx="minor">
+            <a:schemeClr val="dk1"/>
+          </a:fontRef>
+        </p:style>
+      </p:cxnSp>
+      <p:sp>
+        <p:nvSpPr>
+          <p:cNvPr id="34" name="Rectangle 8"/>
+          <p:cNvSpPr/>
+          <p:nvPr/>
+        </p:nvSpPr>
+        <p:spPr>
+          <a:xfrm>
+            <a:off x="5132361" y="2259564"/>
+            <a:ext cx="2252344" cy="346760"/>
+          </a:xfrm>
+          <a:prstGeom prst="rect">
+            <a:avLst/>
+          </a:prstGeom>
+          <a:ln w="19050"/>
+          <a:effectLst/>
+        </p:spPr>
+        <p:style>
+          <a:lnRef idx="1">
+            <a:schemeClr val="accent6"/>
+          </a:lnRef>
+          <a:fillRef idx="2">
+            <a:schemeClr val="accent6"/>
+          </a:fillRef>
+          <a:effectRef idx="1">
+            <a:schemeClr val="accent6"/>
+          </a:effectRef>
+          <a:fontRef idx="minor">
+            <a:schemeClr val="dk1"/>
+          </a:fontRef>
+        </p:style>
+        <p:txBody>
+          <a:bodyPr rtlCol="0" anchor="ctr"/>
+          <a:lstStyle/>
+          <a:p>
+            <a:pPr algn="ctr"/>
+            <a:r>
+              <a:rPr lang="en-US" sz="1050" b="1" dirty="0" err="1" smtClean="0">
+                <a:solidFill>
+                  <a:schemeClr val="accent6">
+                    <a:lumMod val="75000"/>
+                  </a:schemeClr>
+                </a:solidFill>
+              </a:rPr>
+              <a:t>XmlAdaptedCourse</a:t>
+            </a:r>
+            <a:endParaRPr lang="en-SG" sz="1050" b="1" dirty="0">
+              <a:solidFill>
+                <a:schemeClr val="accent6">
+                  <a:lumMod val="75000"/>
+                </a:schemeClr>
+              </a:solidFill>
+            </a:endParaRPr>
+          </a:p>
+        </p:txBody>
+      </p:sp>
+      <p:sp>
+        <p:nvSpPr>
+          <p:cNvPr id="44" name="Rectangle 8"/>
+          <p:cNvSpPr/>
+          <p:nvPr/>
+        </p:nvSpPr>
+        <p:spPr>
+          <a:xfrm>
+            <a:off x="5132361" y="2695784"/>
+            <a:ext cx="2252344" cy="346760"/>
+          </a:xfrm>
+          <a:prstGeom prst="rect">
+            <a:avLst/>
+          </a:prstGeom>
+          <a:ln w="19050"/>
+          <a:effectLst/>
+        </p:spPr>
+        <p:style>
+          <a:lnRef idx="1">
+            <a:schemeClr val="accent6"/>
+          </a:lnRef>
+          <a:fillRef idx="2">
+            <a:schemeClr val="accent6"/>
+          </a:fillRef>
+          <a:effectRef idx="1">
+            <a:schemeClr val="accent6"/>
+          </a:effectRef>
+          <a:fontRef idx="minor">
+            <a:schemeClr val="dk1"/>
+          </a:fontRef>
+        </p:style>
+        <p:txBody>
+          <a:bodyPr rtlCol="0" anchor="ctr"/>
+          <a:lstStyle/>
+          <a:p>
+            <a:pPr algn="ctr"/>
+            <a:r>
+              <a:rPr lang="en-US" sz="1050" b="1" dirty="0" err="1" smtClean="0">
+                <a:solidFill>
+                  <a:schemeClr val="accent6">
+                    <a:lumMod val="75000"/>
+                  </a:schemeClr>
+                </a:solidFill>
+              </a:rPr>
+              <a:t>XmlAdaptedModule</a:t>
+            </a:r>
+            <a:endParaRPr lang="en-SG" sz="1050" b="1" dirty="0">
+              <a:solidFill>
+                <a:schemeClr val="accent6">
+                  <a:lumMod val="75000"/>
+                </a:schemeClr>
+              </a:solidFill>
+            </a:endParaRPr>
+          </a:p>
+        </p:txBody>
+      </p:sp>
+      <p:sp>
+        <p:nvSpPr>
+          <p:cNvPr id="46" name="Rectangle 8"/>
+          <p:cNvSpPr/>
+          <p:nvPr/>
+        </p:nvSpPr>
+        <p:spPr>
+          <a:xfrm>
+            <a:off x="5132361" y="3143484"/>
+            <a:ext cx="2252344" cy="346760"/>
+          </a:xfrm>
+          <a:prstGeom prst="rect">
+            <a:avLst/>
+          </a:prstGeom>
+          <a:ln w="19050"/>
+          <a:effectLst/>
+        </p:spPr>
+        <p:style>
+          <a:lnRef idx="1">
+            <a:schemeClr val="accent6"/>
+          </a:lnRef>
+          <a:fillRef idx="2">
+            <a:schemeClr val="accent6"/>
+          </a:fillRef>
+          <a:effectRef idx="1">
+            <a:schemeClr val="accent6"/>
+          </a:effectRef>
+          <a:fontRef idx="minor">
+            <a:schemeClr val="dk1"/>
+          </a:fontRef>
+        </p:style>
+        <p:txBody>
+          <a:bodyPr rtlCol="0" anchor="ctr"/>
+          <a:lstStyle/>
+          <a:p>
+            <a:pPr algn="ctr"/>
+            <a:r>
+              <a:rPr lang="en-US" sz="1050" b="1" dirty="0" err="1" smtClean="0">
+                <a:solidFill>
+                  <a:schemeClr val="accent6">
+                    <a:lumMod val="75000"/>
+                  </a:schemeClr>
+                </a:solidFill>
+              </a:rPr>
+              <a:t>XmlAdaptedClassroom</a:t>
+            </a:r>
+            <a:endParaRPr lang="en-SG" sz="1050" b="1" dirty="0">
+              <a:solidFill>
+                <a:schemeClr val="accent6">
+                  <a:lumMod val="75000"/>
+                </a:schemeClr>
+              </a:solidFill>
+            </a:endParaRPr>
+          </a:p>
+        </p:txBody>
+      </p:sp>
+      <p:sp>
+        <p:nvSpPr>
+          <p:cNvPr id="51" name="Rectangle 8"/>
+          <p:cNvSpPr/>
+          <p:nvPr/>
+        </p:nvSpPr>
+        <p:spPr>
+          <a:xfrm>
+            <a:off x="5132361" y="3610184"/>
+            <a:ext cx="2252344" cy="346760"/>
+          </a:xfrm>
+          <a:prstGeom prst="rect">
+            <a:avLst/>
+          </a:prstGeom>
+          <a:ln w="19050"/>
+          <a:effectLst/>
+        </p:spPr>
+        <p:style>
+          <a:lnRef idx="1">
+            <a:schemeClr val="accent6"/>
+          </a:lnRef>
+          <a:fillRef idx="2">
+            <a:schemeClr val="accent6"/>
+          </a:fillRef>
+          <a:effectRef idx="1">
+            <a:schemeClr val="accent6"/>
+          </a:effectRef>
+          <a:fontRef idx="minor">
+            <a:schemeClr val="dk1"/>
+          </a:fontRef>
+        </p:style>
+        <p:txBody>
+          <a:bodyPr rtlCol="0" anchor="ctr"/>
+          <a:lstStyle/>
+          <a:p>
+            <a:pPr algn="ctr"/>
+            <a:r>
+              <a:rPr lang="en-US" sz="1050" b="1" dirty="0" err="1" smtClean="0">
+                <a:solidFill>
+                  <a:schemeClr val="accent6">
+                    <a:lumMod val="75000"/>
+                  </a:schemeClr>
+                </a:solidFill>
+              </a:rPr>
+              <a:t>XmlAdaptedGradebook</a:t>
+            </a:r>
+            <a:endParaRPr lang="en-SG" sz="1050" b="1" dirty="0">
+              <a:solidFill>
+                <a:schemeClr val="accent6">
+                  <a:lumMod val="75000"/>
+                </a:schemeClr>
+              </a:solidFill>
+            </a:endParaRPr>
+          </a:p>
+        </p:txBody>
+      </p:sp>
+      <p:sp>
+        <p:nvSpPr>
+          <p:cNvPr id="55" name="Rectangle 8"/>
+          <p:cNvSpPr/>
+          <p:nvPr/>
+        </p:nvSpPr>
+        <p:spPr>
+          <a:xfrm>
+            <a:off x="5124741" y="4054024"/>
+            <a:ext cx="2259964" cy="346760"/>
+          </a:xfrm>
+          <a:prstGeom prst="rect">
+            <a:avLst/>
+          </a:prstGeom>
+          <a:ln w="19050"/>
+          <a:effectLst/>
+        </p:spPr>
+        <p:style>
+          <a:lnRef idx="1">
+            <a:schemeClr val="accent6"/>
+          </a:lnRef>
+          <a:fillRef idx="2">
+            <a:schemeClr val="accent6"/>
+          </a:fillRef>
+          <a:effectRef idx="1">
+            <a:schemeClr val="accent6"/>
+          </a:effectRef>
+          <a:fontRef idx="minor">
+            <a:schemeClr val="dk1"/>
+          </a:fontRef>
+        </p:style>
+        <p:txBody>
+          <a:bodyPr rtlCol="0" anchor="ctr"/>
+          <a:lstStyle/>
+          <a:p>
+            <a:pPr algn="ctr"/>
+            <a:r>
+              <a:rPr lang="en-US" sz="1050" b="1" dirty="0" err="1" smtClean="0">
+                <a:solidFill>
+                  <a:schemeClr val="accent6">
+                    <a:lumMod val="75000"/>
+                  </a:schemeClr>
+                </a:solidFill>
+              </a:rPr>
+              <a:t>XmlAdaptedStudentModule</a:t>
+            </a:r>
+            <a:endParaRPr lang="en-SG" sz="1050" b="1" dirty="0">
+              <a:solidFill>
+                <a:schemeClr val="accent6">
+                  <a:lumMod val="75000"/>
+                </a:schemeClr>
+              </a:solidFill>
+            </a:endParaRPr>
+          </a:p>
+        </p:txBody>
+      </p:sp>
+      <p:sp>
+        <p:nvSpPr>
+          <p:cNvPr id="59" name="Rectangle 8"/>
+          <p:cNvSpPr/>
+          <p:nvPr/>
+        </p:nvSpPr>
+        <p:spPr>
+          <a:xfrm>
+            <a:off x="5124741" y="4541755"/>
+            <a:ext cx="2259964" cy="346760"/>
+          </a:xfrm>
+          <a:prstGeom prst="rect">
+            <a:avLst/>
+          </a:prstGeom>
+          <a:ln w="19050"/>
+          <a:effectLst/>
+        </p:spPr>
+        <p:style>
+          <a:lnRef idx="1">
+            <a:schemeClr val="accent6"/>
+          </a:lnRef>
+          <a:fillRef idx="2">
+            <a:schemeClr val="accent6"/>
+          </a:fillRef>
+          <a:effectRef idx="1">
+            <a:schemeClr val="accent6"/>
+          </a:effectRef>
+          <a:fontRef idx="minor">
+            <a:schemeClr val="dk1"/>
+          </a:fontRef>
+        </p:style>
+        <p:txBody>
+          <a:bodyPr rtlCol="0" anchor="ctr"/>
+          <a:lstStyle/>
+          <a:p>
+            <a:pPr algn="ctr"/>
+            <a:r>
+              <a:rPr lang="en-US" sz="1050" b="1" dirty="0" err="1" smtClean="0">
+                <a:solidFill>
+                  <a:schemeClr val="accent6">
+                    <a:lumMod val="75000"/>
+                  </a:schemeClr>
+                </a:solidFill>
+              </a:rPr>
+              <a:t>XmlAdaptedNote</a:t>
+            </a:r>
+            <a:endParaRPr lang="en-SG" sz="1050" b="1" dirty="0">
+              <a:solidFill>
+                <a:schemeClr val="accent6">
+                  <a:lumMod val="75000"/>
+                </a:schemeClr>
+              </a:solidFill>
+            </a:endParaRPr>
+          </a:p>
+        </p:txBody>
+      </p:sp>
+      <p:sp>
+        <p:nvSpPr>
+          <p:cNvPr id="63" name="Rectangle 8"/>
+          <p:cNvSpPr/>
+          <p:nvPr/>
+        </p:nvSpPr>
+        <p:spPr>
+          <a:xfrm>
+            <a:off x="5124741" y="5007907"/>
+            <a:ext cx="2259964" cy="346760"/>
+          </a:xfrm>
+          <a:prstGeom prst="rect">
+            <a:avLst/>
+          </a:prstGeom>
+          <a:ln w="19050"/>
+          <a:effectLst/>
+        </p:spPr>
+        <p:style>
+          <a:lnRef idx="1">
+            <a:schemeClr val="accent6"/>
+          </a:lnRef>
+          <a:fillRef idx="2">
+            <a:schemeClr val="accent6"/>
+          </a:fillRef>
+          <a:effectRef idx="1">
+            <a:schemeClr val="accent6"/>
+          </a:effectRef>
+          <a:fontRef idx="minor">
+            <a:schemeClr val="dk1"/>
+          </a:fontRef>
+        </p:style>
+        <p:txBody>
+          <a:bodyPr rtlCol="0" anchor="ctr"/>
+          <a:lstStyle/>
+          <a:p>
+            <a:pPr algn="ctr"/>
+            <a:r>
+              <a:rPr lang="en-US" sz="1050" b="1" dirty="0" err="1" smtClean="0">
+                <a:solidFill>
+                  <a:schemeClr val="accent6">
+                    <a:lumMod val="75000"/>
+                  </a:schemeClr>
+                </a:solidFill>
+              </a:rPr>
+              <a:t>XmlAdaptedUser</a:t>
+            </a:r>
+            <a:endParaRPr lang="en-SG" sz="1050" b="1" dirty="0">
+              <a:solidFill>
+                <a:schemeClr val="accent6">
+                  <a:lumMod val="75000"/>
+                </a:schemeClr>
+              </a:solidFill>
+            </a:endParaRPr>
+          </a:p>
+        </p:txBody>
+      </p:sp>
+      <p:sp>
+        <p:nvSpPr>
+          <p:cNvPr id="67" name="Rectangle 8"/>
+          <p:cNvSpPr/>
+          <p:nvPr/>
+        </p:nvSpPr>
+        <p:spPr>
+          <a:xfrm>
+            <a:off x="5132361" y="5477793"/>
+            <a:ext cx="2252344" cy="346760"/>
+          </a:xfrm>
+          <a:prstGeom prst="rect">
+            <a:avLst/>
+          </a:prstGeom>
+          <a:ln w="19050"/>
+          <a:effectLst/>
+        </p:spPr>
+        <p:style>
+          <a:lnRef idx="1">
+            <a:schemeClr val="accent6"/>
+          </a:lnRef>
+          <a:fillRef idx="2">
+            <a:schemeClr val="accent6"/>
+          </a:fillRef>
+          <a:effectRef idx="1">
+            <a:schemeClr val="accent6"/>
+          </a:effectRef>
+          <a:fontRef idx="minor">
+            <a:schemeClr val="dk1"/>
+          </a:fontRef>
+        </p:style>
+        <p:txBody>
+          <a:bodyPr rtlCol="0" anchor="ctr"/>
+          <a:lstStyle/>
+          <a:p>
+            <a:pPr algn="ctr"/>
+            <a:r>
+              <a:rPr lang="en-US" sz="1050" b="1" dirty="0" err="1" smtClean="0">
+                <a:solidFill>
+                  <a:schemeClr val="accent6">
+                    <a:lumMod val="75000"/>
+                  </a:schemeClr>
+                </a:solidFill>
+              </a:rPr>
+              <a:t>XmlAdaptedGrades</a:t>
+            </a:r>
+            <a:endParaRPr lang="en-SG" sz="1050" b="1" dirty="0">
+              <a:solidFill>
+                <a:schemeClr val="accent6">
+                  <a:lumMod val="75000"/>
+                </a:schemeClr>
+              </a:solidFill>
+            </a:endParaRPr>
+          </a:p>
+        </p:txBody>
+      </p:sp>
+      <p:sp>
+        <p:nvSpPr>
+          <p:cNvPr id="69" name="Rectangle 8"/>
+          <p:cNvSpPr/>
+          <p:nvPr/>
+        </p:nvSpPr>
+        <p:spPr>
+          <a:xfrm>
+            <a:off x="5124740" y="5910031"/>
+            <a:ext cx="2259965" cy="346760"/>
+          </a:xfrm>
+          <a:prstGeom prst="rect">
+            <a:avLst/>
+          </a:prstGeom>
+          <a:ln w="19050"/>
+          <a:effectLst/>
+        </p:spPr>
+        <p:style>
+          <a:lnRef idx="1">
+            <a:schemeClr val="accent6"/>
+          </a:lnRef>
+          <a:fillRef idx="2">
+            <a:schemeClr val="accent6"/>
+          </a:fillRef>
+          <a:effectRef idx="1">
+            <a:schemeClr val="accent6"/>
+          </a:effectRef>
+          <a:fontRef idx="minor">
+            <a:schemeClr val="dk1"/>
+          </a:fontRef>
+        </p:style>
+        <p:txBody>
+          <a:bodyPr rtlCol="0" anchor="ctr"/>
+          <a:lstStyle/>
+          <a:p>
+            <a:pPr algn="ctr"/>
+            <a:r>
+              <a:rPr lang="en-US" sz="1050" b="1" dirty="0" err="1" smtClean="0">
+                <a:solidFill>
+                  <a:schemeClr val="accent6">
+                    <a:lumMod val="75000"/>
+                  </a:schemeClr>
+                </a:solidFill>
+              </a:rPr>
+              <a:t>XmlAdaptedClassroomAttendance</a:t>
+            </a:r>
+            <a:endParaRPr lang="en-SG" sz="1050" b="1" dirty="0">
+              <a:solidFill>
+                <a:schemeClr val="accent6">
+                  <a:lumMod val="75000"/>
+                </a:schemeClr>
+              </a:solidFill>
+            </a:endParaRPr>
+          </a:p>
+        </p:txBody>
+      </p:sp>
+      <p:cxnSp>
+        <p:nvCxnSpPr>
+          <p:cNvPr id="83" name="Straight Connector 82"/>
+          <p:cNvCxnSpPr/>
+          <p:nvPr/>
+        </p:nvCxnSpPr>
+        <p:spPr>
+          <a:xfrm>
+            <a:off x="1640453" y="2432944"/>
+            <a:ext cx="352975" cy="0"/>
+          </a:xfrm>
+          <a:prstGeom prst="line">
+            <a:avLst/>
+          </a:prstGeom>
+          <a:ln w="19050">
+            <a:solidFill>
+              <a:schemeClr val="accent6">
+                <a:lumMod val="75000"/>
+              </a:schemeClr>
+            </a:solidFill>
+            <a:prstDash val="sysDot"/>
+            <a:headEnd type="none" w="med" len="med"/>
+            <a:tailEnd type="none" w="med" len="med"/>
+          </a:ln>
+          <a:effectLst/>
+        </p:spPr>
+        <p:style>
+          <a:lnRef idx="1">
+            <a:schemeClr val="accent2"/>
+          </a:lnRef>
+          <a:fillRef idx="2">
+            <a:schemeClr val="accent2"/>
+          </a:fillRef>
+          <a:effectRef idx="1">
+            <a:schemeClr val="accent2"/>
+          </a:effectRef>
+          <a:fontRef idx="minor">
+            <a:schemeClr val="dk1"/>
+          </a:fontRef>
+        </p:style>
+      </p:cxnSp>
+      <p:sp>
+        <p:nvSpPr>
+          <p:cNvPr id="95" name="Rectangle 8"/>
+          <p:cNvSpPr/>
+          <p:nvPr/>
+        </p:nvSpPr>
+        <p:spPr>
+          <a:xfrm>
+            <a:off x="1993428" y="2259564"/>
+            <a:ext cx="2561498" cy="346760"/>
+          </a:xfrm>
+          <a:prstGeom prst="rect">
+            <a:avLst/>
+          </a:prstGeom>
+          <a:ln w="19050"/>
+          <a:effectLst/>
+        </p:spPr>
+        <p:style>
+          <a:lnRef idx="1">
+            <a:schemeClr val="accent6"/>
+          </a:lnRef>
+          <a:fillRef idx="2">
+            <a:schemeClr val="accent6"/>
+          </a:fillRef>
+          <a:effectRef idx="1">
+            <a:schemeClr val="accent6"/>
+          </a:effectRef>
+          <a:fontRef idx="minor">
+            <a:schemeClr val="dk1"/>
+          </a:fontRef>
+        </p:style>
+        <p:txBody>
+          <a:bodyPr rtlCol="0" anchor="ctr"/>
+          <a:lstStyle/>
+          <a:p>
+            <a:pPr algn="ctr"/>
+            <a:r>
+              <a:rPr lang="en-US" sz="1050" b="1" dirty="0" err="1" smtClean="0">
+                <a:solidFill>
+                  <a:schemeClr val="accent6">
+                    <a:lumMod val="75000"/>
+                  </a:schemeClr>
+                </a:solidFill>
+              </a:rPr>
+              <a:t>XmlSerializable</a:t>
+            </a:r>
+            <a:r>
+              <a:rPr lang="en-US" sz="1050" b="1" dirty="0" err="1" smtClean="0">
+                <a:solidFill>
+                  <a:schemeClr val="accent6">
+                    <a:lumMod val="75000"/>
+                  </a:schemeClr>
+                </a:solidFill>
+              </a:rPr>
+              <a:t>CourseList</a:t>
+            </a:r>
+            <a:endParaRPr lang="en-SG" sz="1050" b="1" dirty="0">
+              <a:solidFill>
+                <a:schemeClr val="accent6">
+                  <a:lumMod val="75000"/>
+                </a:schemeClr>
+              </a:solidFill>
+            </a:endParaRPr>
+          </a:p>
+        </p:txBody>
+      </p:sp>
+      <p:cxnSp>
+        <p:nvCxnSpPr>
+          <p:cNvPr id="96" name="Straight Connector 95"/>
+          <p:cNvCxnSpPr>
+            <a:endCxn id="95" idx="1"/>
+          </p:cNvCxnSpPr>
+          <p:nvPr/>
+        </p:nvCxnSpPr>
+        <p:spPr>
+          <a:xfrm>
+            <a:off x="1640453" y="2432944"/>
+            <a:ext cx="352975" cy="0"/>
+          </a:xfrm>
+          <a:prstGeom prst="line">
+            <a:avLst/>
+          </a:prstGeom>
+          <a:ln w="19050">
+            <a:solidFill>
+              <a:schemeClr val="accent6">
+                <a:lumMod val="75000"/>
+              </a:schemeClr>
+            </a:solidFill>
+            <a:prstDash val="sysDot"/>
+            <a:headEnd type="none" w="med" len="med"/>
+            <a:tailEnd type="none" w="med" len="med"/>
+          </a:ln>
+          <a:effectLst/>
+        </p:spPr>
+        <p:style>
+          <a:lnRef idx="1">
+            <a:schemeClr val="accent2"/>
+          </a:lnRef>
+          <a:fillRef idx="2">
+            <a:schemeClr val="accent2"/>
+          </a:fillRef>
+          <a:effectRef idx="1">
+            <a:schemeClr val="accent2"/>
+          </a:effectRef>
+          <a:fontRef idx="minor">
+            <a:schemeClr val="dk1"/>
+          </a:fontRef>
+        </p:style>
+      </p:cxnSp>
+      <p:sp>
+        <p:nvSpPr>
+          <p:cNvPr id="98" name="Rectangle 8"/>
+          <p:cNvSpPr/>
+          <p:nvPr/>
+        </p:nvSpPr>
+        <p:spPr>
+          <a:xfrm>
+            <a:off x="1993428" y="2695784"/>
+            <a:ext cx="2561498" cy="346760"/>
+          </a:xfrm>
+          <a:prstGeom prst="rect">
+            <a:avLst/>
+          </a:prstGeom>
+          <a:ln w="19050"/>
+          <a:effectLst/>
+        </p:spPr>
+        <p:style>
+          <a:lnRef idx="1">
+            <a:schemeClr val="accent6"/>
+          </a:lnRef>
+          <a:fillRef idx="2">
+            <a:schemeClr val="accent6"/>
+          </a:fillRef>
+          <a:effectRef idx="1">
+            <a:schemeClr val="accent6"/>
+          </a:effectRef>
+          <a:fontRef idx="minor">
+            <a:schemeClr val="dk1"/>
+          </a:fontRef>
+        </p:style>
+        <p:txBody>
+          <a:bodyPr rtlCol="0" anchor="ctr"/>
+          <a:lstStyle/>
+          <a:p>
+            <a:pPr algn="ctr"/>
+            <a:r>
+              <a:rPr lang="en-US" sz="1050" b="1" dirty="0" err="1" smtClean="0">
+                <a:solidFill>
+                  <a:schemeClr val="accent6">
+                    <a:lumMod val="75000"/>
+                  </a:schemeClr>
+                </a:solidFill>
+              </a:rPr>
+              <a:t>XmlSerializableModuleList</a:t>
+            </a:r>
+            <a:endParaRPr lang="en-SG" sz="1050" b="1" dirty="0">
+              <a:solidFill>
+                <a:schemeClr val="accent6">
+                  <a:lumMod val="75000"/>
+                </a:schemeClr>
+              </a:solidFill>
+            </a:endParaRPr>
+          </a:p>
+        </p:txBody>
+      </p:sp>
+      <p:cxnSp>
+        <p:nvCxnSpPr>
+          <p:cNvPr id="100" name="Straight Connector 99"/>
+          <p:cNvCxnSpPr>
+            <a:endCxn id="98" idx="1"/>
+          </p:cNvCxnSpPr>
+          <p:nvPr/>
+        </p:nvCxnSpPr>
+        <p:spPr>
+          <a:xfrm>
+            <a:off x="1640453" y="2869164"/>
+            <a:ext cx="352975" cy="0"/>
+          </a:xfrm>
+          <a:prstGeom prst="line">
+            <a:avLst/>
+          </a:prstGeom>
+          <a:ln w="19050">
+            <a:solidFill>
+              <a:schemeClr val="accent6">
+                <a:lumMod val="75000"/>
+              </a:schemeClr>
+            </a:solidFill>
+            <a:prstDash val="sysDot"/>
+            <a:headEnd type="none" w="med" len="med"/>
+            <a:tailEnd type="none" w="med" len="med"/>
+          </a:ln>
+          <a:effectLst/>
+        </p:spPr>
+        <p:style>
+          <a:lnRef idx="1">
+            <a:schemeClr val="accent2"/>
+          </a:lnRef>
+          <a:fillRef idx="2">
+            <a:schemeClr val="accent2"/>
+          </a:fillRef>
+          <a:effectRef idx="1">
+            <a:schemeClr val="accent2"/>
+          </a:effectRef>
+          <a:fontRef idx="minor">
+            <a:schemeClr val="dk1"/>
+          </a:fontRef>
+        </p:style>
+      </p:cxnSp>
+      <p:sp>
+        <p:nvSpPr>
+          <p:cNvPr id="101" name="Rectangle 8"/>
+          <p:cNvSpPr/>
+          <p:nvPr/>
+        </p:nvSpPr>
+        <p:spPr>
+          <a:xfrm>
+            <a:off x="1993428" y="3143484"/>
+            <a:ext cx="2561498" cy="346760"/>
+          </a:xfrm>
+          <a:prstGeom prst="rect">
+            <a:avLst/>
+          </a:prstGeom>
+          <a:ln w="19050"/>
+          <a:effectLst/>
+        </p:spPr>
+        <p:style>
+          <a:lnRef idx="1">
+            <a:schemeClr val="accent6"/>
+          </a:lnRef>
+          <a:fillRef idx="2">
+            <a:schemeClr val="accent6"/>
+          </a:fillRef>
+          <a:effectRef idx="1">
+            <a:schemeClr val="accent6"/>
+          </a:effectRef>
+          <a:fontRef idx="minor">
+            <a:schemeClr val="dk1"/>
+          </a:fontRef>
+        </p:style>
+        <p:txBody>
+          <a:bodyPr rtlCol="0" anchor="ctr"/>
+          <a:lstStyle/>
+          <a:p>
+            <a:pPr algn="ctr"/>
+            <a:r>
+              <a:rPr lang="en-US" sz="1050" b="1" dirty="0" err="1" smtClean="0">
+                <a:solidFill>
+                  <a:schemeClr val="accent6">
+                    <a:lumMod val="75000"/>
+                  </a:schemeClr>
+                </a:solidFill>
+              </a:rPr>
+              <a:t>XmlSerializableClassroomList</a:t>
+            </a:r>
+            <a:endParaRPr lang="en-SG" sz="1050" b="1" dirty="0">
+              <a:solidFill>
+                <a:schemeClr val="accent6">
+                  <a:lumMod val="75000"/>
+                </a:schemeClr>
+              </a:solidFill>
+            </a:endParaRPr>
+          </a:p>
+        </p:txBody>
+      </p:sp>
+      <p:cxnSp>
+        <p:nvCxnSpPr>
+          <p:cNvPr id="102" name="Straight Connector 101"/>
+          <p:cNvCxnSpPr>
+            <a:endCxn id="101" idx="1"/>
+          </p:cNvCxnSpPr>
+          <p:nvPr/>
+        </p:nvCxnSpPr>
+        <p:spPr>
+          <a:xfrm>
+            <a:off x="1640453" y="3316864"/>
+            <a:ext cx="352975" cy="0"/>
+          </a:xfrm>
+          <a:prstGeom prst="line">
+            <a:avLst/>
+          </a:prstGeom>
+          <a:ln w="19050">
+            <a:solidFill>
+              <a:schemeClr val="accent6">
+                <a:lumMod val="75000"/>
+              </a:schemeClr>
+            </a:solidFill>
+            <a:prstDash val="sysDot"/>
+            <a:headEnd type="none" w="med" len="med"/>
+            <a:tailEnd type="none" w="med" len="med"/>
+          </a:ln>
+          <a:effectLst/>
+        </p:spPr>
+        <p:style>
+          <a:lnRef idx="1">
+            <a:schemeClr val="accent2"/>
+          </a:lnRef>
+          <a:fillRef idx="2">
+            <a:schemeClr val="accent2"/>
+          </a:fillRef>
+          <a:effectRef idx="1">
+            <a:schemeClr val="accent2"/>
+          </a:effectRef>
+          <a:fontRef idx="minor">
+            <a:schemeClr val="dk1"/>
+          </a:fontRef>
+        </p:style>
+      </p:cxnSp>
+      <p:sp>
+        <p:nvSpPr>
+          <p:cNvPr id="103" name="Rectangle 8"/>
+          <p:cNvSpPr/>
+          <p:nvPr/>
+        </p:nvSpPr>
+        <p:spPr>
+          <a:xfrm>
+            <a:off x="1993428" y="3610184"/>
+            <a:ext cx="2561498" cy="346760"/>
+          </a:xfrm>
+          <a:prstGeom prst="rect">
+            <a:avLst/>
+          </a:prstGeom>
+          <a:ln w="19050"/>
+          <a:effectLst/>
+        </p:spPr>
+        <p:style>
+          <a:lnRef idx="1">
+            <a:schemeClr val="accent6"/>
+          </a:lnRef>
+          <a:fillRef idx="2">
+            <a:schemeClr val="accent6"/>
+          </a:fillRef>
+          <a:effectRef idx="1">
+            <a:schemeClr val="accent6"/>
+          </a:effectRef>
+          <a:fontRef idx="minor">
+            <a:schemeClr val="dk1"/>
+          </a:fontRef>
+        </p:style>
+        <p:txBody>
+          <a:bodyPr rtlCol="0" anchor="ctr"/>
+          <a:lstStyle/>
+          <a:p>
+            <a:pPr algn="ctr"/>
+            <a:r>
+              <a:rPr lang="en-US" sz="1050" b="1" dirty="0" err="1" smtClean="0">
+                <a:solidFill>
+                  <a:schemeClr val="accent6">
+                    <a:lumMod val="75000"/>
+                  </a:schemeClr>
+                </a:solidFill>
+              </a:rPr>
+              <a:t>XmlSerializableGradebookList</a:t>
+            </a:r>
+            <a:endParaRPr lang="en-SG" sz="1050" b="1" dirty="0">
+              <a:solidFill>
+                <a:schemeClr val="accent6">
+                  <a:lumMod val="75000"/>
+                </a:schemeClr>
+              </a:solidFill>
+            </a:endParaRPr>
+          </a:p>
+        </p:txBody>
+      </p:sp>
+      <p:cxnSp>
+        <p:nvCxnSpPr>
+          <p:cNvPr id="104" name="Straight Connector 103"/>
+          <p:cNvCxnSpPr>
+            <a:endCxn id="103" idx="1"/>
+          </p:cNvCxnSpPr>
+          <p:nvPr/>
+        </p:nvCxnSpPr>
+        <p:spPr>
+          <a:xfrm>
+            <a:off x="1640453" y="3783564"/>
+            <a:ext cx="352975" cy="0"/>
+          </a:xfrm>
+          <a:prstGeom prst="line">
+            <a:avLst/>
+          </a:prstGeom>
+          <a:ln w="19050">
+            <a:solidFill>
+              <a:schemeClr val="accent6">
+                <a:lumMod val="75000"/>
+              </a:schemeClr>
+            </a:solidFill>
+            <a:prstDash val="sysDot"/>
+            <a:headEnd type="none" w="med" len="med"/>
+            <a:tailEnd type="none" w="med" len="med"/>
+          </a:ln>
+          <a:effectLst/>
+        </p:spPr>
+        <p:style>
+          <a:lnRef idx="1">
+            <a:schemeClr val="accent2"/>
+          </a:lnRef>
+          <a:fillRef idx="2">
+            <a:schemeClr val="accent2"/>
+          </a:fillRef>
+          <a:effectRef idx="1">
+            <a:schemeClr val="accent2"/>
+          </a:effectRef>
+          <a:fontRef idx="minor">
+            <a:schemeClr val="dk1"/>
+          </a:fontRef>
+        </p:style>
+      </p:cxnSp>
+      <p:sp>
+        <p:nvSpPr>
+          <p:cNvPr id="105" name="Rectangle 8"/>
+          <p:cNvSpPr/>
+          <p:nvPr/>
+        </p:nvSpPr>
+        <p:spPr>
+          <a:xfrm>
+            <a:off x="1985808" y="4054024"/>
+            <a:ext cx="2569118" cy="346760"/>
+          </a:xfrm>
+          <a:prstGeom prst="rect">
+            <a:avLst/>
+          </a:prstGeom>
+          <a:ln w="19050"/>
+          <a:effectLst/>
+        </p:spPr>
+        <p:style>
+          <a:lnRef idx="1">
+            <a:schemeClr val="accent6"/>
+          </a:lnRef>
+          <a:fillRef idx="2">
+            <a:schemeClr val="accent6"/>
+          </a:fillRef>
+          <a:effectRef idx="1">
+            <a:schemeClr val="accent6"/>
+          </a:effectRef>
+          <a:fontRef idx="minor">
+            <a:schemeClr val="dk1"/>
+          </a:fontRef>
+        </p:style>
+        <p:txBody>
+          <a:bodyPr rtlCol="0" anchor="ctr"/>
+          <a:lstStyle/>
+          <a:p>
+            <a:pPr algn="ctr"/>
+            <a:r>
+              <a:rPr lang="en-US" sz="1050" b="1" dirty="0" err="1" smtClean="0">
+                <a:solidFill>
+                  <a:schemeClr val="accent6">
+                    <a:lumMod val="75000"/>
+                  </a:schemeClr>
+                </a:solidFill>
+              </a:rPr>
+              <a:t>XmlSerializableStudentModuleList</a:t>
+            </a:r>
+            <a:endParaRPr lang="en-SG" sz="1050" b="1" dirty="0">
+              <a:solidFill>
+                <a:schemeClr val="accent6">
+                  <a:lumMod val="75000"/>
+                </a:schemeClr>
+              </a:solidFill>
+            </a:endParaRPr>
+          </a:p>
+        </p:txBody>
+      </p:sp>
+      <p:cxnSp>
+        <p:nvCxnSpPr>
+          <p:cNvPr id="106" name="Straight Connector 105"/>
+          <p:cNvCxnSpPr>
+            <a:endCxn id="105" idx="1"/>
+          </p:cNvCxnSpPr>
+          <p:nvPr/>
+        </p:nvCxnSpPr>
+        <p:spPr>
+          <a:xfrm>
+            <a:off x="1632833" y="4227404"/>
+            <a:ext cx="352975" cy="0"/>
+          </a:xfrm>
+          <a:prstGeom prst="line">
+            <a:avLst/>
+          </a:prstGeom>
+          <a:ln w="19050">
+            <a:solidFill>
+              <a:schemeClr val="accent6">
+                <a:lumMod val="75000"/>
+              </a:schemeClr>
+            </a:solidFill>
+            <a:prstDash val="sysDot"/>
+            <a:headEnd type="none" w="med" len="med"/>
+            <a:tailEnd type="none" w="med" len="med"/>
+          </a:ln>
+          <a:effectLst/>
+        </p:spPr>
+        <p:style>
+          <a:lnRef idx="1">
+            <a:schemeClr val="accent2"/>
+          </a:lnRef>
+          <a:fillRef idx="2">
+            <a:schemeClr val="accent2"/>
+          </a:fillRef>
+          <a:effectRef idx="1">
+            <a:schemeClr val="accent2"/>
+          </a:effectRef>
+          <a:fontRef idx="minor">
+            <a:schemeClr val="dk1"/>
+          </a:fontRef>
+        </p:style>
+      </p:cxnSp>
+      <p:sp>
+        <p:nvSpPr>
+          <p:cNvPr id="107" name="Rectangle 8"/>
+          <p:cNvSpPr/>
+          <p:nvPr/>
+        </p:nvSpPr>
+        <p:spPr>
+          <a:xfrm>
+            <a:off x="1985808" y="4541755"/>
+            <a:ext cx="2569118" cy="346760"/>
+          </a:xfrm>
+          <a:prstGeom prst="rect">
+            <a:avLst/>
+          </a:prstGeom>
+          <a:ln w="19050"/>
+          <a:effectLst/>
+        </p:spPr>
+        <p:style>
+          <a:lnRef idx="1">
+            <a:schemeClr val="accent6"/>
+          </a:lnRef>
+          <a:fillRef idx="2">
+            <a:schemeClr val="accent6"/>
+          </a:fillRef>
+          <a:effectRef idx="1">
+            <a:schemeClr val="accent6"/>
+          </a:effectRef>
+          <a:fontRef idx="minor">
+            <a:schemeClr val="dk1"/>
+          </a:fontRef>
+        </p:style>
+        <p:txBody>
+          <a:bodyPr rtlCol="0" anchor="ctr"/>
+          <a:lstStyle/>
+          <a:p>
+            <a:pPr algn="ctr"/>
+            <a:r>
+              <a:rPr lang="en-US" sz="1050" b="1" dirty="0" err="1" smtClean="0">
+                <a:solidFill>
+                  <a:schemeClr val="accent6">
+                    <a:lumMod val="75000"/>
+                  </a:schemeClr>
+                </a:solidFill>
+              </a:rPr>
+              <a:t>XmlSerializableNoteList</a:t>
+            </a:r>
+            <a:endParaRPr lang="en-SG" sz="1050" b="1" dirty="0">
+              <a:solidFill>
+                <a:schemeClr val="accent6">
+                  <a:lumMod val="75000"/>
+                </a:schemeClr>
+              </a:solidFill>
+            </a:endParaRPr>
+          </a:p>
+        </p:txBody>
+      </p:sp>
+      <p:cxnSp>
+        <p:nvCxnSpPr>
+          <p:cNvPr id="108" name="Straight Connector 107"/>
+          <p:cNvCxnSpPr>
+            <a:endCxn id="107" idx="1"/>
+          </p:cNvCxnSpPr>
+          <p:nvPr/>
+        </p:nvCxnSpPr>
+        <p:spPr>
+          <a:xfrm>
+            <a:off x="1632833" y="4715135"/>
+            <a:ext cx="352975" cy="0"/>
+          </a:xfrm>
+          <a:prstGeom prst="line">
+            <a:avLst/>
+          </a:prstGeom>
+          <a:ln w="19050">
+            <a:solidFill>
+              <a:schemeClr val="accent6">
+                <a:lumMod val="75000"/>
+              </a:schemeClr>
+            </a:solidFill>
+            <a:prstDash val="sysDot"/>
+            <a:headEnd type="none" w="med" len="med"/>
+            <a:tailEnd type="none" w="med" len="med"/>
+          </a:ln>
+          <a:effectLst/>
+        </p:spPr>
+        <p:style>
+          <a:lnRef idx="1">
+            <a:schemeClr val="accent2"/>
+          </a:lnRef>
+          <a:fillRef idx="2">
+            <a:schemeClr val="accent2"/>
+          </a:fillRef>
+          <a:effectRef idx="1">
+            <a:schemeClr val="accent2"/>
+          </a:effectRef>
+          <a:fontRef idx="minor">
+            <a:schemeClr val="dk1"/>
+          </a:fontRef>
+        </p:style>
+      </p:cxnSp>
+      <p:sp>
+        <p:nvSpPr>
+          <p:cNvPr id="109" name="Rectangle 8"/>
+          <p:cNvSpPr/>
+          <p:nvPr/>
+        </p:nvSpPr>
+        <p:spPr>
+          <a:xfrm>
+            <a:off x="1985808" y="5007907"/>
+            <a:ext cx="2569118" cy="346760"/>
+          </a:xfrm>
+          <a:prstGeom prst="rect">
+            <a:avLst/>
+          </a:prstGeom>
+          <a:ln w="19050"/>
+          <a:effectLst/>
+        </p:spPr>
+        <p:style>
+          <a:lnRef idx="1">
+            <a:schemeClr val="accent6"/>
+          </a:lnRef>
+          <a:fillRef idx="2">
+            <a:schemeClr val="accent6"/>
+          </a:fillRef>
+          <a:effectRef idx="1">
+            <a:schemeClr val="accent6"/>
+          </a:effectRef>
+          <a:fontRef idx="minor">
+            <a:schemeClr val="dk1"/>
+          </a:fontRef>
+        </p:style>
+        <p:txBody>
+          <a:bodyPr rtlCol="0" anchor="ctr"/>
+          <a:lstStyle/>
+          <a:p>
+            <a:pPr algn="ctr"/>
+            <a:r>
+              <a:rPr lang="en-US" sz="1050" b="1" dirty="0" err="1" smtClean="0">
+                <a:solidFill>
+                  <a:schemeClr val="accent6">
+                    <a:lumMod val="75000"/>
+                  </a:schemeClr>
+                </a:solidFill>
+              </a:rPr>
+              <a:t>XmlSerializableUserList</a:t>
+            </a:r>
+            <a:endParaRPr lang="en-SG" sz="1050" b="1" dirty="0">
+              <a:solidFill>
+                <a:schemeClr val="accent6">
+                  <a:lumMod val="75000"/>
+                </a:schemeClr>
+              </a:solidFill>
+            </a:endParaRPr>
+          </a:p>
+        </p:txBody>
+      </p:sp>
+      <p:cxnSp>
+        <p:nvCxnSpPr>
+          <p:cNvPr id="110" name="Straight Connector 109"/>
+          <p:cNvCxnSpPr>
+            <a:endCxn id="109" idx="1"/>
+          </p:cNvCxnSpPr>
+          <p:nvPr/>
+        </p:nvCxnSpPr>
+        <p:spPr>
+          <a:xfrm>
+            <a:off x="1632833" y="5181287"/>
+            <a:ext cx="352975" cy="0"/>
+          </a:xfrm>
+          <a:prstGeom prst="line">
+            <a:avLst/>
+          </a:prstGeom>
+          <a:ln w="19050">
+            <a:solidFill>
+              <a:schemeClr val="accent6">
+                <a:lumMod val="75000"/>
+              </a:schemeClr>
+            </a:solidFill>
+            <a:prstDash val="sysDot"/>
+            <a:headEnd type="none" w="med" len="med"/>
+            <a:tailEnd type="none" w="med" len="med"/>
+          </a:ln>
+          <a:effectLst/>
+        </p:spPr>
+        <p:style>
+          <a:lnRef idx="1">
+            <a:schemeClr val="accent2"/>
+          </a:lnRef>
+          <a:fillRef idx="2">
+            <a:schemeClr val="accent2"/>
+          </a:fillRef>
+          <a:effectRef idx="1">
+            <a:schemeClr val="accent2"/>
+          </a:effectRef>
+          <a:fontRef idx="minor">
+            <a:schemeClr val="dk1"/>
+          </a:fontRef>
+        </p:style>
+      </p:cxnSp>
+      <p:sp>
+        <p:nvSpPr>
+          <p:cNvPr id="111" name="Rectangle 8"/>
+          <p:cNvSpPr/>
+          <p:nvPr/>
+        </p:nvSpPr>
+        <p:spPr>
+          <a:xfrm>
+            <a:off x="1993427" y="5477793"/>
+            <a:ext cx="2561499" cy="346760"/>
+          </a:xfrm>
+          <a:prstGeom prst="rect">
+            <a:avLst/>
+          </a:prstGeom>
+          <a:ln w="19050"/>
+          <a:effectLst/>
+        </p:spPr>
+        <p:style>
+          <a:lnRef idx="1">
+            <a:schemeClr val="accent6"/>
+          </a:lnRef>
+          <a:fillRef idx="2">
+            <a:schemeClr val="accent6"/>
+          </a:fillRef>
+          <a:effectRef idx="1">
+            <a:schemeClr val="accent6"/>
+          </a:effectRef>
+          <a:fontRef idx="minor">
+            <a:schemeClr val="dk1"/>
+          </a:fontRef>
+        </p:style>
+        <p:txBody>
+          <a:bodyPr rtlCol="0" anchor="ctr"/>
+          <a:lstStyle/>
+          <a:p>
+            <a:pPr algn="ctr"/>
+            <a:r>
+              <a:rPr lang="en-US" sz="1050" b="1" dirty="0" err="1" smtClean="0">
+                <a:solidFill>
+                  <a:schemeClr val="accent6">
+                    <a:lumMod val="75000"/>
+                  </a:schemeClr>
+                </a:solidFill>
+              </a:rPr>
+              <a:t>XmlSerializableGradeList</a:t>
+            </a:r>
+            <a:endParaRPr lang="en-SG" sz="1050" b="1" dirty="0">
+              <a:solidFill>
+                <a:schemeClr val="accent6">
+                  <a:lumMod val="75000"/>
+                </a:schemeClr>
+              </a:solidFill>
+            </a:endParaRPr>
+          </a:p>
+        </p:txBody>
+      </p:sp>
+      <p:cxnSp>
+        <p:nvCxnSpPr>
+          <p:cNvPr id="112" name="Straight Connector 111"/>
+          <p:cNvCxnSpPr>
+            <a:endCxn id="111" idx="1"/>
+          </p:cNvCxnSpPr>
+          <p:nvPr/>
+        </p:nvCxnSpPr>
+        <p:spPr>
+          <a:xfrm>
+            <a:off x="1640453" y="5651173"/>
+            <a:ext cx="352974" cy="0"/>
+          </a:xfrm>
+          <a:prstGeom prst="line">
+            <a:avLst/>
+          </a:prstGeom>
+          <a:ln w="19050">
+            <a:solidFill>
+              <a:schemeClr val="accent6">
+                <a:lumMod val="75000"/>
+              </a:schemeClr>
+            </a:solidFill>
+            <a:prstDash val="sysDot"/>
+            <a:headEnd type="none" w="med" len="med"/>
+            <a:tailEnd type="none" w="med" len="med"/>
+          </a:ln>
+          <a:effectLst/>
+        </p:spPr>
+        <p:style>
+          <a:lnRef idx="1">
+            <a:schemeClr val="accent2"/>
+          </a:lnRef>
+          <a:fillRef idx="2">
+            <a:schemeClr val="accent2"/>
+          </a:fillRef>
+          <a:effectRef idx="1">
+            <a:schemeClr val="accent2"/>
+          </a:effectRef>
+          <a:fontRef idx="minor">
+            <a:schemeClr val="dk1"/>
+          </a:fontRef>
+        </p:style>
+      </p:cxnSp>
+      <p:sp>
+        <p:nvSpPr>
+          <p:cNvPr id="113" name="Rectangle 8"/>
+          <p:cNvSpPr/>
+          <p:nvPr/>
+        </p:nvSpPr>
+        <p:spPr>
+          <a:xfrm>
+            <a:off x="1985807" y="5910031"/>
+            <a:ext cx="2569120" cy="346760"/>
+          </a:xfrm>
+          <a:prstGeom prst="rect">
+            <a:avLst/>
+          </a:prstGeom>
+          <a:ln w="19050"/>
+          <a:effectLst/>
+        </p:spPr>
+        <p:style>
+          <a:lnRef idx="1">
+            <a:schemeClr val="accent6"/>
+          </a:lnRef>
+          <a:fillRef idx="2">
+            <a:schemeClr val="accent6"/>
+          </a:fillRef>
+          <a:effectRef idx="1">
+            <a:schemeClr val="accent6"/>
+          </a:effectRef>
+          <a:fontRef idx="minor">
+            <a:schemeClr val="dk1"/>
+          </a:fontRef>
+        </p:style>
+        <p:txBody>
+          <a:bodyPr rtlCol="0" anchor="ctr"/>
+          <a:lstStyle/>
+          <a:p>
+            <a:pPr algn="ctr"/>
+            <a:r>
+              <a:rPr lang="en-US" sz="1050" b="1" dirty="0" err="1" smtClean="0">
+                <a:solidFill>
+                  <a:schemeClr val="accent6">
+                    <a:lumMod val="75000"/>
+                  </a:schemeClr>
+                </a:solidFill>
+              </a:rPr>
+              <a:t>XmlSerializableClassroomAttendanceList</a:t>
+            </a:r>
+            <a:endParaRPr lang="en-SG" sz="1050" b="1" dirty="0">
+              <a:solidFill>
+                <a:schemeClr val="accent6">
+                  <a:lumMod val="75000"/>
+                </a:schemeClr>
+              </a:solidFill>
+            </a:endParaRPr>
+          </a:p>
+        </p:txBody>
+      </p:sp>
+      <p:cxnSp>
+        <p:nvCxnSpPr>
+          <p:cNvPr id="114" name="Straight Connector 113"/>
+          <p:cNvCxnSpPr/>
+          <p:nvPr/>
+        </p:nvCxnSpPr>
+        <p:spPr>
+          <a:xfrm>
+            <a:off x="1632833" y="6083411"/>
+            <a:ext cx="352974" cy="0"/>
+          </a:xfrm>
+          <a:prstGeom prst="line">
+            <a:avLst/>
+          </a:prstGeom>
+          <a:ln w="19050">
+            <a:solidFill>
+              <a:schemeClr val="accent6">
+                <a:lumMod val="75000"/>
+              </a:schemeClr>
+            </a:solidFill>
+            <a:prstDash val="sysDot"/>
+            <a:headEnd type="none" w="med" len="med"/>
+            <a:tailEnd type="none" w="med" len="med"/>
+          </a:ln>
+          <a:effectLst/>
+        </p:spPr>
+        <p:style>
+          <a:lnRef idx="1">
+            <a:schemeClr val="accent2"/>
+          </a:lnRef>
+          <a:fillRef idx="2">
+            <a:schemeClr val="accent2"/>
+          </a:fillRef>
+          <a:effectRef idx="1">
+            <a:schemeClr val="accent2"/>
+          </a:effectRef>
+          <a:fontRef idx="minor">
+            <a:schemeClr val="dk1"/>
+          </a:fontRef>
+        </p:style>
+      </p:cxnSp>
+      <p:cxnSp>
+        <p:nvCxnSpPr>
+          <p:cNvPr id="125" name="Straight Connector 124"/>
+          <p:cNvCxnSpPr/>
+          <p:nvPr/>
+        </p:nvCxnSpPr>
+        <p:spPr>
+          <a:xfrm>
+            <a:off x="1640453" y="2432944"/>
+            <a:ext cx="352975" cy="0"/>
+          </a:xfrm>
+          <a:prstGeom prst="line">
+            <a:avLst/>
+          </a:prstGeom>
+          <a:ln w="19050">
+            <a:solidFill>
+              <a:schemeClr val="accent6">
+                <a:lumMod val="75000"/>
+              </a:schemeClr>
+            </a:solidFill>
+            <a:prstDash val="sysDot"/>
+            <a:headEnd type="none" w="med" len="med"/>
+            <a:tailEnd type="none" w="med" len="med"/>
+          </a:ln>
+          <a:effectLst/>
+        </p:spPr>
+        <p:style>
+          <a:lnRef idx="1">
+            <a:schemeClr val="accent2"/>
+          </a:lnRef>
+          <a:fillRef idx="2">
+            <a:schemeClr val="accent2"/>
+          </a:fillRef>
+          <a:effectRef idx="1">
+            <a:schemeClr val="accent2"/>
+          </a:effectRef>
+          <a:fontRef idx="minor">
+            <a:schemeClr val="dk1"/>
+          </a:fontRef>
+        </p:style>
+      </p:cxnSp>
+      <p:sp>
+        <p:nvSpPr>
+          <p:cNvPr id="127" name="Flowchart: Decision 96"/>
+          <p:cNvSpPr/>
+          <p:nvPr/>
+        </p:nvSpPr>
+        <p:spPr>
+          <a:xfrm>
+            <a:off x="4556475" y="2334775"/>
+            <a:ext cx="236048" cy="173380"/>
+          </a:xfrm>
+          <a:prstGeom prst="flowChartDecision">
+            <a:avLst/>
+          </a:prstGeom>
+          <a:solidFill>
+            <a:schemeClr val="accent6"/>
+          </a:solidFill>
+          <a:ln w="19050">
+            <a:solidFill>
+              <a:schemeClr val="accent6">
+                <a:lumMod val="75000"/>
+              </a:schemeClr>
+            </a:solidFill>
+          </a:ln>
+          <a:effectLst/>
+        </p:spPr>
+        <p:style>
+          <a:lnRef idx="1">
+            <a:schemeClr val="accent2"/>
+          </a:lnRef>
+          <a:fillRef idx="2">
+            <a:schemeClr val="accent2"/>
+          </a:fillRef>
+          <a:effectRef idx="1">
+            <a:schemeClr val="accent2"/>
+          </a:effectRef>
+          <a:fontRef idx="minor">
+            <a:schemeClr val="dk1"/>
+          </a:fontRef>
+        </p:style>
+        <p:txBody>
+          <a:bodyPr rtlCol="0" anchor="ctr"/>
+          <a:lstStyle/>
+          <a:p>
+            <a:pPr algn="ctr"/>
+            <a:endParaRPr lang="en-US" sz="1050">
+              <a:solidFill>
+                <a:schemeClr val="bg1"/>
+              </a:solidFill>
+            </a:endParaRPr>
+          </a:p>
+        </p:txBody>
+      </p:sp>
+      <p:cxnSp>
+        <p:nvCxnSpPr>
+          <p:cNvPr id="128" name="Straight Arrow Connector 127"/>
+          <p:cNvCxnSpPr>
+            <a:endCxn id="34" idx="1"/>
+          </p:cNvCxnSpPr>
+          <p:nvPr/>
+        </p:nvCxnSpPr>
+        <p:spPr>
+          <a:xfrm>
+            <a:off x="4805117" y="2430302"/>
+            <a:ext cx="327244" cy="2642"/>
+          </a:xfrm>
+          <a:prstGeom prst="straightConnector1">
+            <a:avLst/>
+          </a:prstGeom>
+          <a:ln w="19050">
+            <a:solidFill>
+              <a:schemeClr val="accent6">
+                <a:lumMod val="75000"/>
+              </a:schemeClr>
+            </a:solidFill>
+            <a:headEnd type="none" w="med" len="med"/>
+            <a:tailEnd type="arrow" w="med" len="med"/>
+          </a:ln>
+          <a:effectLst/>
+        </p:spPr>
+        <p:style>
+          <a:lnRef idx="1">
+            <a:schemeClr val="accent2"/>
+          </a:lnRef>
+          <a:fillRef idx="2">
+            <a:schemeClr val="accent2"/>
+          </a:fillRef>
+          <a:effectRef idx="1">
+            <a:schemeClr val="accent2"/>
+          </a:effectRef>
+          <a:fontRef idx="minor">
+            <a:schemeClr val="dk1"/>
+          </a:fontRef>
+        </p:style>
+      </p:cxnSp>
+      <p:sp>
+        <p:nvSpPr>
+          <p:cNvPr id="129" name="TextBox 128"/>
+          <p:cNvSpPr txBox="1"/>
+          <p:nvPr/>
+        </p:nvSpPr>
+        <p:spPr>
+          <a:xfrm>
+            <a:off x="4882170" y="2170104"/>
+            <a:ext cx="300082" cy="369332"/>
+          </a:xfrm>
+          <a:prstGeom prst="rect">
+            <a:avLst/>
+          </a:prstGeom>
+          <a:noFill/>
+        </p:spPr>
+        <p:txBody>
+          <a:bodyPr wrap="none" rtlCol="0">
+            <a:spAutoFit/>
+          </a:bodyPr>
+          <a:lstStyle/>
+          <a:p>
+            <a:r>
+              <a:rPr lang="en-US" dirty="0" smtClean="0"/>
+              <a:t>*</a:t>
+            </a:r>
+            <a:endParaRPr lang="en-US" dirty="0"/>
+          </a:p>
+        </p:txBody>
+      </p:sp>
+      <p:sp>
+        <p:nvSpPr>
+          <p:cNvPr id="130" name="Flowchart: Decision 96"/>
+          <p:cNvSpPr/>
+          <p:nvPr/>
+        </p:nvSpPr>
+        <p:spPr>
+          <a:xfrm>
+            <a:off x="4556475" y="2777062"/>
+            <a:ext cx="236048" cy="173380"/>
+          </a:xfrm>
+          <a:prstGeom prst="flowChartDecision">
+            <a:avLst/>
+          </a:prstGeom>
+          <a:solidFill>
+            <a:schemeClr val="accent6"/>
+          </a:solidFill>
+          <a:ln w="19050">
+            <a:solidFill>
+              <a:schemeClr val="accent6">
+                <a:lumMod val="75000"/>
+              </a:schemeClr>
+            </a:solidFill>
+          </a:ln>
+          <a:effectLst/>
+        </p:spPr>
+        <p:style>
+          <a:lnRef idx="1">
+            <a:schemeClr val="accent2"/>
+          </a:lnRef>
+          <a:fillRef idx="2">
+            <a:schemeClr val="accent2"/>
+          </a:fillRef>
+          <a:effectRef idx="1">
+            <a:schemeClr val="accent2"/>
+          </a:effectRef>
+          <a:fontRef idx="minor">
+            <a:schemeClr val="dk1"/>
+          </a:fontRef>
+        </p:style>
+        <p:txBody>
+          <a:bodyPr rtlCol="0" anchor="ctr"/>
+          <a:lstStyle/>
+          <a:p>
+            <a:pPr algn="ctr"/>
+            <a:endParaRPr lang="en-US" sz="1050">
+              <a:solidFill>
+                <a:schemeClr val="bg1"/>
+              </a:solidFill>
+            </a:endParaRPr>
+          </a:p>
+        </p:txBody>
+      </p:sp>
+      <p:cxnSp>
+        <p:nvCxnSpPr>
+          <p:cNvPr id="131" name="Straight Arrow Connector 130"/>
+          <p:cNvCxnSpPr/>
+          <p:nvPr/>
+        </p:nvCxnSpPr>
+        <p:spPr>
+          <a:xfrm>
+            <a:off x="4805117" y="2872589"/>
+            <a:ext cx="327244" cy="2642"/>
+          </a:xfrm>
+          <a:prstGeom prst="straightConnector1">
+            <a:avLst/>
+          </a:prstGeom>
+          <a:ln w="19050">
+            <a:solidFill>
+              <a:schemeClr val="accent6">
+                <a:lumMod val="75000"/>
+              </a:schemeClr>
+            </a:solidFill>
+            <a:headEnd type="none" w="med" len="med"/>
+            <a:tailEnd type="arrow" w="med" len="med"/>
+          </a:ln>
+          <a:effectLst/>
+        </p:spPr>
+        <p:style>
+          <a:lnRef idx="1">
+            <a:schemeClr val="accent2"/>
+          </a:lnRef>
+          <a:fillRef idx="2">
+            <a:schemeClr val="accent2"/>
+          </a:fillRef>
+          <a:effectRef idx="1">
+            <a:schemeClr val="accent2"/>
+          </a:effectRef>
+          <a:fontRef idx="minor">
+            <a:schemeClr val="dk1"/>
+          </a:fontRef>
+        </p:style>
+      </p:cxnSp>
+      <p:sp>
+        <p:nvSpPr>
+          <p:cNvPr id="132" name="TextBox 131"/>
+          <p:cNvSpPr txBox="1"/>
+          <p:nvPr/>
+        </p:nvSpPr>
+        <p:spPr>
+          <a:xfrm>
+            <a:off x="4882170" y="2612391"/>
+            <a:ext cx="300082" cy="369332"/>
+          </a:xfrm>
+          <a:prstGeom prst="rect">
+            <a:avLst/>
+          </a:prstGeom>
+          <a:noFill/>
+        </p:spPr>
+        <p:txBody>
+          <a:bodyPr wrap="none" rtlCol="0">
+            <a:spAutoFit/>
+          </a:bodyPr>
+          <a:lstStyle/>
+          <a:p>
+            <a:r>
+              <a:rPr lang="en-US" dirty="0" smtClean="0"/>
+              <a:t>*</a:t>
+            </a:r>
+            <a:endParaRPr lang="en-US" dirty="0"/>
+          </a:p>
+        </p:txBody>
+      </p:sp>
+      <p:sp>
+        <p:nvSpPr>
+          <p:cNvPr id="133" name="Flowchart: Decision 96"/>
+          <p:cNvSpPr/>
+          <p:nvPr/>
+        </p:nvSpPr>
+        <p:spPr>
+          <a:xfrm>
+            <a:off x="4569069" y="3241921"/>
+            <a:ext cx="236048" cy="173380"/>
+          </a:xfrm>
+          <a:prstGeom prst="flowChartDecision">
+            <a:avLst/>
+          </a:prstGeom>
+          <a:solidFill>
+            <a:schemeClr val="accent6"/>
+          </a:solidFill>
+          <a:ln w="19050">
+            <a:solidFill>
+              <a:schemeClr val="accent6">
+                <a:lumMod val="75000"/>
+              </a:schemeClr>
+            </a:solidFill>
+          </a:ln>
+          <a:effectLst/>
+        </p:spPr>
+        <p:style>
+          <a:lnRef idx="1">
+            <a:schemeClr val="accent2"/>
+          </a:lnRef>
+          <a:fillRef idx="2">
+            <a:schemeClr val="accent2"/>
+          </a:fillRef>
+          <a:effectRef idx="1">
+            <a:schemeClr val="accent2"/>
+          </a:effectRef>
+          <a:fontRef idx="minor">
+            <a:schemeClr val="dk1"/>
+          </a:fontRef>
+        </p:style>
+        <p:txBody>
+          <a:bodyPr rtlCol="0" anchor="ctr"/>
+          <a:lstStyle/>
+          <a:p>
+            <a:pPr algn="ctr"/>
+            <a:endParaRPr lang="en-US" sz="1050">
+              <a:solidFill>
+                <a:schemeClr val="bg1"/>
+              </a:solidFill>
+            </a:endParaRPr>
+          </a:p>
+        </p:txBody>
+      </p:sp>
+      <p:cxnSp>
+        <p:nvCxnSpPr>
+          <p:cNvPr id="134" name="Straight Arrow Connector 133"/>
+          <p:cNvCxnSpPr/>
+          <p:nvPr/>
+        </p:nvCxnSpPr>
+        <p:spPr>
+          <a:xfrm>
+            <a:off x="4817711" y="3337448"/>
+            <a:ext cx="327244" cy="2642"/>
+          </a:xfrm>
+          <a:prstGeom prst="straightConnector1">
+            <a:avLst/>
+          </a:prstGeom>
+          <a:ln w="19050">
+            <a:solidFill>
+              <a:schemeClr val="accent6">
+                <a:lumMod val="75000"/>
+              </a:schemeClr>
+            </a:solidFill>
+            <a:headEnd type="none" w="med" len="med"/>
+            <a:tailEnd type="arrow" w="med" len="med"/>
+          </a:ln>
+          <a:effectLst/>
+        </p:spPr>
+        <p:style>
+          <a:lnRef idx="1">
+            <a:schemeClr val="accent2"/>
+          </a:lnRef>
+          <a:fillRef idx="2">
+            <a:schemeClr val="accent2"/>
+          </a:fillRef>
+          <a:effectRef idx="1">
+            <a:schemeClr val="accent2"/>
+          </a:effectRef>
+          <a:fontRef idx="minor">
+            <a:schemeClr val="dk1"/>
+          </a:fontRef>
+        </p:style>
+      </p:cxnSp>
+      <p:sp>
+        <p:nvSpPr>
+          <p:cNvPr id="135" name="TextBox 134"/>
+          <p:cNvSpPr txBox="1"/>
+          <p:nvPr/>
+        </p:nvSpPr>
+        <p:spPr>
+          <a:xfrm>
+            <a:off x="4894764" y="3077250"/>
+            <a:ext cx="300082" cy="369332"/>
+          </a:xfrm>
+          <a:prstGeom prst="rect">
+            <a:avLst/>
+          </a:prstGeom>
+          <a:noFill/>
+        </p:spPr>
+        <p:txBody>
+          <a:bodyPr wrap="none" rtlCol="0">
+            <a:spAutoFit/>
+          </a:bodyPr>
+          <a:lstStyle/>
+          <a:p>
+            <a:r>
+              <a:rPr lang="en-US" dirty="0" smtClean="0"/>
+              <a:t>*</a:t>
+            </a:r>
+            <a:endParaRPr lang="en-US" dirty="0"/>
+          </a:p>
+        </p:txBody>
+      </p:sp>
+      <p:sp>
+        <p:nvSpPr>
+          <p:cNvPr id="136" name="Flowchart: Decision 96"/>
+          <p:cNvSpPr/>
+          <p:nvPr/>
+        </p:nvSpPr>
+        <p:spPr>
+          <a:xfrm>
+            <a:off x="4569069" y="3684208"/>
+            <a:ext cx="236048" cy="173380"/>
+          </a:xfrm>
+          <a:prstGeom prst="flowChartDecision">
+            <a:avLst/>
+          </a:prstGeom>
+          <a:solidFill>
+            <a:schemeClr val="accent6"/>
+          </a:solidFill>
+          <a:ln w="19050">
+            <a:solidFill>
+              <a:schemeClr val="accent6">
+                <a:lumMod val="75000"/>
+              </a:schemeClr>
+            </a:solidFill>
+          </a:ln>
+          <a:effectLst/>
+        </p:spPr>
+        <p:style>
+          <a:lnRef idx="1">
+            <a:schemeClr val="accent2"/>
+          </a:lnRef>
+          <a:fillRef idx="2">
+            <a:schemeClr val="accent2"/>
+          </a:fillRef>
+          <a:effectRef idx="1">
+            <a:schemeClr val="accent2"/>
+          </a:effectRef>
+          <a:fontRef idx="minor">
+            <a:schemeClr val="dk1"/>
+          </a:fontRef>
+        </p:style>
+        <p:txBody>
+          <a:bodyPr rtlCol="0" anchor="ctr"/>
+          <a:lstStyle/>
+          <a:p>
+            <a:pPr algn="ctr"/>
+            <a:endParaRPr lang="en-US" sz="1050">
+              <a:solidFill>
+                <a:schemeClr val="bg1"/>
+              </a:solidFill>
+            </a:endParaRPr>
+          </a:p>
+        </p:txBody>
+      </p:sp>
+      <p:cxnSp>
+        <p:nvCxnSpPr>
+          <p:cNvPr id="137" name="Straight Arrow Connector 136"/>
+          <p:cNvCxnSpPr/>
+          <p:nvPr/>
+        </p:nvCxnSpPr>
+        <p:spPr>
+          <a:xfrm>
+            <a:off x="4817711" y="3779735"/>
+            <a:ext cx="327244" cy="2642"/>
+          </a:xfrm>
+          <a:prstGeom prst="straightConnector1">
+            <a:avLst/>
+          </a:prstGeom>
+          <a:ln w="19050">
+            <a:solidFill>
+              <a:schemeClr val="accent6">
+                <a:lumMod val="75000"/>
+              </a:schemeClr>
+            </a:solidFill>
+            <a:headEnd type="none" w="med" len="med"/>
+            <a:tailEnd type="arrow" w="med" len="med"/>
+          </a:ln>
+          <a:effectLst/>
+        </p:spPr>
+        <p:style>
+          <a:lnRef idx="1">
+            <a:schemeClr val="accent2"/>
+          </a:lnRef>
+          <a:fillRef idx="2">
+            <a:schemeClr val="accent2"/>
+          </a:fillRef>
+          <a:effectRef idx="1">
+            <a:schemeClr val="accent2"/>
+          </a:effectRef>
+          <a:fontRef idx="minor">
+            <a:schemeClr val="dk1"/>
+          </a:fontRef>
+        </p:style>
+      </p:cxnSp>
+      <p:sp>
+        <p:nvSpPr>
+          <p:cNvPr id="138" name="TextBox 137"/>
+          <p:cNvSpPr txBox="1"/>
+          <p:nvPr/>
+        </p:nvSpPr>
+        <p:spPr>
+          <a:xfrm>
+            <a:off x="4894764" y="3519537"/>
+            <a:ext cx="300082" cy="369332"/>
+          </a:xfrm>
+          <a:prstGeom prst="rect">
+            <a:avLst/>
+          </a:prstGeom>
+          <a:noFill/>
+        </p:spPr>
+        <p:txBody>
+          <a:bodyPr wrap="none" rtlCol="0">
+            <a:spAutoFit/>
+          </a:bodyPr>
+          <a:lstStyle/>
+          <a:p>
+            <a:r>
+              <a:rPr lang="en-US" dirty="0" smtClean="0"/>
+              <a:t>*</a:t>
+            </a:r>
+            <a:endParaRPr lang="en-US" dirty="0"/>
+          </a:p>
+        </p:txBody>
+      </p:sp>
+      <p:sp>
+        <p:nvSpPr>
+          <p:cNvPr id="139" name="Flowchart: Decision 96"/>
+          <p:cNvSpPr/>
+          <p:nvPr/>
+        </p:nvSpPr>
+        <p:spPr>
+          <a:xfrm>
+            <a:off x="4556475" y="4148811"/>
+            <a:ext cx="236048" cy="173380"/>
+          </a:xfrm>
+          <a:prstGeom prst="flowChartDecision">
+            <a:avLst/>
+          </a:prstGeom>
+          <a:solidFill>
+            <a:schemeClr val="accent6"/>
+          </a:solidFill>
+          <a:ln w="19050">
+            <a:solidFill>
+              <a:schemeClr val="accent6">
+                <a:lumMod val="75000"/>
+              </a:schemeClr>
+            </a:solidFill>
+          </a:ln>
+          <a:effectLst/>
+        </p:spPr>
+        <p:style>
+          <a:lnRef idx="1">
+            <a:schemeClr val="accent2"/>
+          </a:lnRef>
+          <a:fillRef idx="2">
+            <a:schemeClr val="accent2"/>
+          </a:fillRef>
+          <a:effectRef idx="1">
+            <a:schemeClr val="accent2"/>
+          </a:effectRef>
+          <a:fontRef idx="minor">
+            <a:schemeClr val="dk1"/>
+          </a:fontRef>
+        </p:style>
+        <p:txBody>
+          <a:bodyPr rtlCol="0" anchor="ctr"/>
+          <a:lstStyle/>
+          <a:p>
+            <a:pPr algn="ctr"/>
+            <a:endParaRPr lang="en-US" sz="1050">
+              <a:solidFill>
+                <a:schemeClr val="bg1"/>
+              </a:solidFill>
+            </a:endParaRPr>
+          </a:p>
+        </p:txBody>
+      </p:sp>
+      <p:cxnSp>
+        <p:nvCxnSpPr>
+          <p:cNvPr id="140" name="Straight Arrow Connector 139"/>
+          <p:cNvCxnSpPr/>
+          <p:nvPr/>
+        </p:nvCxnSpPr>
+        <p:spPr>
+          <a:xfrm>
+            <a:off x="4805117" y="4244338"/>
+            <a:ext cx="327244" cy="2642"/>
+          </a:xfrm>
+          <a:prstGeom prst="straightConnector1">
+            <a:avLst/>
+          </a:prstGeom>
+          <a:ln w="19050">
+            <a:solidFill>
+              <a:schemeClr val="accent6">
+                <a:lumMod val="75000"/>
+              </a:schemeClr>
+            </a:solidFill>
+            <a:headEnd type="none" w="med" len="med"/>
+            <a:tailEnd type="arrow" w="med" len="med"/>
+          </a:ln>
+          <a:effectLst/>
+        </p:spPr>
+        <p:style>
+          <a:lnRef idx="1">
+            <a:schemeClr val="accent2"/>
+          </a:lnRef>
+          <a:fillRef idx="2">
+            <a:schemeClr val="accent2"/>
+          </a:fillRef>
+          <a:effectRef idx="1">
+            <a:schemeClr val="accent2"/>
+          </a:effectRef>
+          <a:fontRef idx="minor">
+            <a:schemeClr val="dk1"/>
+          </a:fontRef>
+        </p:style>
+      </p:cxnSp>
+      <p:sp>
+        <p:nvSpPr>
+          <p:cNvPr id="141" name="TextBox 140"/>
+          <p:cNvSpPr txBox="1"/>
+          <p:nvPr/>
+        </p:nvSpPr>
+        <p:spPr>
+          <a:xfrm>
+            <a:off x="4882170" y="3984140"/>
+            <a:ext cx="300082" cy="369332"/>
+          </a:xfrm>
+          <a:prstGeom prst="rect">
+            <a:avLst/>
+          </a:prstGeom>
+          <a:noFill/>
+        </p:spPr>
+        <p:txBody>
+          <a:bodyPr wrap="none" rtlCol="0">
+            <a:spAutoFit/>
+          </a:bodyPr>
+          <a:lstStyle/>
+          <a:p>
+            <a:r>
+              <a:rPr lang="en-US" dirty="0" smtClean="0"/>
+              <a:t>*</a:t>
+            </a:r>
+            <a:endParaRPr lang="en-US" dirty="0"/>
+          </a:p>
+        </p:txBody>
+      </p:sp>
+      <p:sp>
+        <p:nvSpPr>
+          <p:cNvPr id="142" name="Flowchart: Decision 96"/>
+          <p:cNvSpPr/>
+          <p:nvPr/>
+        </p:nvSpPr>
+        <p:spPr>
+          <a:xfrm>
+            <a:off x="4556475" y="4628636"/>
+            <a:ext cx="236048" cy="173380"/>
+          </a:xfrm>
+          <a:prstGeom prst="flowChartDecision">
+            <a:avLst/>
+          </a:prstGeom>
+          <a:solidFill>
+            <a:schemeClr val="accent6"/>
+          </a:solidFill>
+          <a:ln w="19050">
+            <a:solidFill>
+              <a:schemeClr val="accent6">
+                <a:lumMod val="75000"/>
+              </a:schemeClr>
+            </a:solidFill>
+          </a:ln>
+          <a:effectLst/>
+        </p:spPr>
+        <p:style>
+          <a:lnRef idx="1">
+            <a:schemeClr val="accent2"/>
+          </a:lnRef>
+          <a:fillRef idx="2">
+            <a:schemeClr val="accent2"/>
+          </a:fillRef>
+          <a:effectRef idx="1">
+            <a:schemeClr val="accent2"/>
+          </a:effectRef>
+          <a:fontRef idx="minor">
+            <a:schemeClr val="dk1"/>
+          </a:fontRef>
+        </p:style>
+        <p:txBody>
+          <a:bodyPr rtlCol="0" anchor="ctr"/>
+          <a:lstStyle/>
+          <a:p>
+            <a:pPr algn="ctr"/>
+            <a:endParaRPr lang="en-US" sz="1050">
+              <a:solidFill>
+                <a:schemeClr val="bg1"/>
+              </a:solidFill>
+            </a:endParaRPr>
+          </a:p>
+        </p:txBody>
+      </p:sp>
+      <p:cxnSp>
+        <p:nvCxnSpPr>
+          <p:cNvPr id="143" name="Straight Arrow Connector 142"/>
+          <p:cNvCxnSpPr/>
+          <p:nvPr/>
+        </p:nvCxnSpPr>
+        <p:spPr>
+          <a:xfrm>
+            <a:off x="4805117" y="4724163"/>
+            <a:ext cx="327244" cy="2642"/>
+          </a:xfrm>
+          <a:prstGeom prst="straightConnector1">
+            <a:avLst/>
+          </a:prstGeom>
+          <a:ln w="19050">
+            <a:solidFill>
+              <a:schemeClr val="accent6">
+                <a:lumMod val="75000"/>
+              </a:schemeClr>
+            </a:solidFill>
+            <a:headEnd type="none" w="med" len="med"/>
+            <a:tailEnd type="arrow" w="med" len="med"/>
+          </a:ln>
+          <a:effectLst/>
+        </p:spPr>
+        <p:style>
+          <a:lnRef idx="1">
+            <a:schemeClr val="accent2"/>
+          </a:lnRef>
+          <a:fillRef idx="2">
+            <a:schemeClr val="accent2"/>
+          </a:fillRef>
+          <a:effectRef idx="1">
+            <a:schemeClr val="accent2"/>
+          </a:effectRef>
+          <a:fontRef idx="minor">
+            <a:schemeClr val="dk1"/>
+          </a:fontRef>
+        </p:style>
+      </p:cxnSp>
+      <p:sp>
+        <p:nvSpPr>
+          <p:cNvPr id="144" name="TextBox 143"/>
+          <p:cNvSpPr txBox="1"/>
+          <p:nvPr/>
+        </p:nvSpPr>
+        <p:spPr>
+          <a:xfrm>
+            <a:off x="4882170" y="4463965"/>
+            <a:ext cx="300082" cy="369332"/>
+          </a:xfrm>
+          <a:prstGeom prst="rect">
+            <a:avLst/>
+          </a:prstGeom>
+          <a:noFill/>
+        </p:spPr>
+        <p:txBody>
+          <a:bodyPr wrap="none" rtlCol="0">
+            <a:spAutoFit/>
+          </a:bodyPr>
+          <a:lstStyle/>
+          <a:p>
+            <a:r>
+              <a:rPr lang="en-US" dirty="0" smtClean="0"/>
+              <a:t>*</a:t>
+            </a:r>
+            <a:endParaRPr lang="en-US" dirty="0"/>
+          </a:p>
+        </p:txBody>
+      </p:sp>
+      <p:sp>
+        <p:nvSpPr>
+          <p:cNvPr id="145" name="Flowchart: Decision 96"/>
+          <p:cNvSpPr/>
+          <p:nvPr/>
+        </p:nvSpPr>
+        <p:spPr>
+          <a:xfrm>
+            <a:off x="4560542" y="5102204"/>
+            <a:ext cx="236048" cy="173380"/>
+          </a:xfrm>
+          <a:prstGeom prst="flowChartDecision">
+            <a:avLst/>
+          </a:prstGeom>
+          <a:solidFill>
+            <a:schemeClr val="accent6"/>
+          </a:solidFill>
+          <a:ln w="19050">
+            <a:solidFill>
+              <a:schemeClr val="accent6">
+                <a:lumMod val="75000"/>
+              </a:schemeClr>
+            </a:solidFill>
+          </a:ln>
+          <a:effectLst/>
+        </p:spPr>
+        <p:style>
+          <a:lnRef idx="1">
+            <a:schemeClr val="accent2"/>
+          </a:lnRef>
+          <a:fillRef idx="2">
+            <a:schemeClr val="accent2"/>
+          </a:fillRef>
+          <a:effectRef idx="1">
+            <a:schemeClr val="accent2"/>
+          </a:effectRef>
+          <a:fontRef idx="minor">
+            <a:schemeClr val="dk1"/>
+          </a:fontRef>
+        </p:style>
+        <p:txBody>
+          <a:bodyPr rtlCol="0" anchor="ctr"/>
+          <a:lstStyle/>
+          <a:p>
+            <a:pPr algn="ctr"/>
+            <a:endParaRPr lang="en-US" sz="1050">
+              <a:solidFill>
+                <a:schemeClr val="bg1"/>
+              </a:solidFill>
+            </a:endParaRPr>
+          </a:p>
+        </p:txBody>
+      </p:sp>
+      <p:cxnSp>
+        <p:nvCxnSpPr>
+          <p:cNvPr id="146" name="Straight Arrow Connector 145"/>
+          <p:cNvCxnSpPr/>
+          <p:nvPr/>
+        </p:nvCxnSpPr>
+        <p:spPr>
+          <a:xfrm>
+            <a:off x="4809184" y="5197731"/>
+            <a:ext cx="327244" cy="2642"/>
+          </a:xfrm>
+          <a:prstGeom prst="straightConnector1">
+            <a:avLst/>
+          </a:prstGeom>
+          <a:ln w="19050">
+            <a:solidFill>
+              <a:schemeClr val="accent6">
+                <a:lumMod val="75000"/>
+              </a:schemeClr>
+            </a:solidFill>
+            <a:headEnd type="none" w="med" len="med"/>
+            <a:tailEnd type="arrow" w="med" len="med"/>
+          </a:ln>
+          <a:effectLst/>
+        </p:spPr>
+        <p:style>
+          <a:lnRef idx="1">
+            <a:schemeClr val="accent2"/>
+          </a:lnRef>
+          <a:fillRef idx="2">
+            <a:schemeClr val="accent2"/>
+          </a:fillRef>
+          <a:effectRef idx="1">
+            <a:schemeClr val="accent2"/>
+          </a:effectRef>
+          <a:fontRef idx="minor">
+            <a:schemeClr val="dk1"/>
+          </a:fontRef>
+        </p:style>
+      </p:cxnSp>
+      <p:sp>
+        <p:nvSpPr>
+          <p:cNvPr id="147" name="TextBox 146"/>
+          <p:cNvSpPr txBox="1"/>
+          <p:nvPr/>
+        </p:nvSpPr>
+        <p:spPr>
+          <a:xfrm>
+            <a:off x="4886237" y="4937533"/>
+            <a:ext cx="300082" cy="369332"/>
+          </a:xfrm>
+          <a:prstGeom prst="rect">
+            <a:avLst/>
+          </a:prstGeom>
+          <a:noFill/>
+        </p:spPr>
+        <p:txBody>
+          <a:bodyPr wrap="none" rtlCol="0">
+            <a:spAutoFit/>
+          </a:bodyPr>
+          <a:lstStyle/>
+          <a:p>
+            <a:r>
+              <a:rPr lang="en-US" dirty="0" smtClean="0"/>
+              <a:t>*</a:t>
+            </a:r>
+            <a:endParaRPr lang="en-US" dirty="0"/>
+          </a:p>
+        </p:txBody>
+      </p:sp>
+      <p:sp>
+        <p:nvSpPr>
+          <p:cNvPr id="148" name="Flowchart: Decision 96"/>
+          <p:cNvSpPr/>
+          <p:nvPr/>
+        </p:nvSpPr>
+        <p:spPr>
+          <a:xfrm>
+            <a:off x="4565516" y="5565849"/>
+            <a:ext cx="236048" cy="173380"/>
+          </a:xfrm>
+          <a:prstGeom prst="flowChartDecision">
+            <a:avLst/>
+          </a:prstGeom>
+          <a:solidFill>
+            <a:schemeClr val="accent6"/>
+          </a:solidFill>
+          <a:ln w="19050">
+            <a:solidFill>
+              <a:schemeClr val="accent6">
+                <a:lumMod val="75000"/>
+              </a:schemeClr>
+            </a:solidFill>
+          </a:ln>
+          <a:effectLst/>
+        </p:spPr>
+        <p:style>
+          <a:lnRef idx="1">
+            <a:schemeClr val="accent2"/>
+          </a:lnRef>
+          <a:fillRef idx="2">
+            <a:schemeClr val="accent2"/>
+          </a:fillRef>
+          <a:effectRef idx="1">
+            <a:schemeClr val="accent2"/>
+          </a:effectRef>
+          <a:fontRef idx="minor">
+            <a:schemeClr val="dk1"/>
+          </a:fontRef>
+        </p:style>
+        <p:txBody>
+          <a:bodyPr rtlCol="0" anchor="ctr"/>
+          <a:lstStyle/>
+          <a:p>
+            <a:pPr algn="ctr"/>
+            <a:endParaRPr lang="en-US" sz="1050">
+              <a:solidFill>
+                <a:schemeClr val="bg1"/>
+              </a:solidFill>
+            </a:endParaRPr>
+          </a:p>
+        </p:txBody>
+      </p:sp>
+      <p:cxnSp>
+        <p:nvCxnSpPr>
+          <p:cNvPr id="149" name="Straight Arrow Connector 148"/>
+          <p:cNvCxnSpPr/>
+          <p:nvPr/>
+        </p:nvCxnSpPr>
+        <p:spPr>
+          <a:xfrm>
+            <a:off x="4814158" y="5661376"/>
+            <a:ext cx="327244" cy="2642"/>
+          </a:xfrm>
+          <a:prstGeom prst="straightConnector1">
+            <a:avLst/>
+          </a:prstGeom>
+          <a:ln w="19050">
+            <a:solidFill>
+              <a:schemeClr val="accent6">
+                <a:lumMod val="75000"/>
+              </a:schemeClr>
+            </a:solidFill>
+            <a:headEnd type="none" w="med" len="med"/>
+            <a:tailEnd type="arrow" w="med" len="med"/>
+          </a:ln>
+          <a:effectLst/>
+        </p:spPr>
+        <p:style>
+          <a:lnRef idx="1">
+            <a:schemeClr val="accent2"/>
+          </a:lnRef>
+          <a:fillRef idx="2">
+            <a:schemeClr val="accent2"/>
+          </a:fillRef>
+          <a:effectRef idx="1">
+            <a:schemeClr val="accent2"/>
+          </a:effectRef>
+          <a:fontRef idx="minor">
+            <a:schemeClr val="dk1"/>
+          </a:fontRef>
+        </p:style>
+      </p:cxnSp>
+      <p:sp>
+        <p:nvSpPr>
+          <p:cNvPr id="150" name="TextBox 149"/>
+          <p:cNvSpPr txBox="1"/>
+          <p:nvPr/>
+        </p:nvSpPr>
+        <p:spPr>
+          <a:xfrm>
+            <a:off x="4891211" y="5401178"/>
+            <a:ext cx="300082" cy="369332"/>
+          </a:xfrm>
+          <a:prstGeom prst="rect">
+            <a:avLst/>
+          </a:prstGeom>
+          <a:noFill/>
+        </p:spPr>
+        <p:txBody>
+          <a:bodyPr wrap="none" rtlCol="0">
+            <a:spAutoFit/>
+          </a:bodyPr>
+          <a:lstStyle/>
+          <a:p>
+            <a:r>
+              <a:rPr lang="en-US" dirty="0" smtClean="0"/>
+              <a:t>*</a:t>
+            </a:r>
+            <a:endParaRPr lang="en-US" dirty="0"/>
+          </a:p>
+        </p:txBody>
+      </p:sp>
+      <p:sp>
+        <p:nvSpPr>
+          <p:cNvPr id="151" name="Flowchart: Decision 96"/>
+          <p:cNvSpPr/>
+          <p:nvPr/>
+        </p:nvSpPr>
+        <p:spPr>
+          <a:xfrm>
+            <a:off x="4565516" y="5999379"/>
+            <a:ext cx="236048" cy="173380"/>
+          </a:xfrm>
+          <a:prstGeom prst="flowChartDecision">
+            <a:avLst/>
+          </a:prstGeom>
+          <a:solidFill>
+            <a:schemeClr val="accent6"/>
+          </a:solidFill>
+          <a:ln w="19050">
+            <a:solidFill>
+              <a:schemeClr val="accent6">
+                <a:lumMod val="75000"/>
+              </a:schemeClr>
+            </a:solidFill>
+          </a:ln>
+          <a:effectLst/>
+        </p:spPr>
+        <p:style>
+          <a:lnRef idx="1">
+            <a:schemeClr val="accent2"/>
+          </a:lnRef>
+          <a:fillRef idx="2">
+            <a:schemeClr val="accent2"/>
+          </a:fillRef>
+          <a:effectRef idx="1">
+            <a:schemeClr val="accent2"/>
+          </a:effectRef>
+          <a:fontRef idx="minor">
+            <a:schemeClr val="dk1"/>
+          </a:fontRef>
+        </p:style>
+        <p:txBody>
+          <a:bodyPr rtlCol="0" anchor="ctr"/>
+          <a:lstStyle/>
+          <a:p>
+            <a:pPr algn="ctr"/>
+            <a:endParaRPr lang="en-US" sz="1050">
+              <a:solidFill>
+                <a:schemeClr val="bg1"/>
+              </a:solidFill>
+            </a:endParaRPr>
+          </a:p>
+        </p:txBody>
+      </p:sp>
+      <p:cxnSp>
+        <p:nvCxnSpPr>
+          <p:cNvPr id="152" name="Straight Arrow Connector 151"/>
+          <p:cNvCxnSpPr/>
+          <p:nvPr/>
+        </p:nvCxnSpPr>
+        <p:spPr>
+          <a:xfrm>
+            <a:off x="4814158" y="6094906"/>
+            <a:ext cx="327244" cy="2642"/>
+          </a:xfrm>
+          <a:prstGeom prst="straightConnector1">
+            <a:avLst/>
+          </a:prstGeom>
+          <a:ln w="19050">
+            <a:solidFill>
+              <a:schemeClr val="accent6">
+                <a:lumMod val="75000"/>
+              </a:schemeClr>
+            </a:solidFill>
+            <a:headEnd type="none" w="med" len="med"/>
+            <a:tailEnd type="arrow" w="med" len="med"/>
+          </a:ln>
+          <a:effectLst/>
+        </p:spPr>
+        <p:style>
+          <a:lnRef idx="1">
+            <a:schemeClr val="accent2"/>
+          </a:lnRef>
+          <a:fillRef idx="2">
+            <a:schemeClr val="accent2"/>
+          </a:fillRef>
+          <a:effectRef idx="1">
+            <a:schemeClr val="accent2"/>
+          </a:effectRef>
+          <a:fontRef idx="minor">
+            <a:schemeClr val="dk1"/>
+          </a:fontRef>
+        </p:style>
+      </p:cxnSp>
+      <p:sp>
+        <p:nvSpPr>
+          <p:cNvPr id="153" name="TextBox 152"/>
+          <p:cNvSpPr txBox="1"/>
+          <p:nvPr/>
+        </p:nvSpPr>
+        <p:spPr>
+          <a:xfrm>
+            <a:off x="4891211" y="5834708"/>
+            <a:ext cx="300082" cy="369332"/>
+          </a:xfrm>
+          <a:prstGeom prst="rect">
+            <a:avLst/>
+          </a:prstGeom>
+          <a:noFill/>
+        </p:spPr>
+        <p:txBody>
+          <a:bodyPr wrap="none" rtlCol="0">
+            <a:spAutoFit/>
+          </a:bodyPr>
+          <a:lstStyle/>
+          <a:p>
+            <a:r>
+              <a:rPr lang="en-US" dirty="0" smtClean="0"/>
+              <a:t>*</a:t>
+            </a:r>
+            <a:endParaRPr lang="en-US" dirty="0"/>
+          </a:p>
+        </p:txBody>
+      </p:sp>
     </p:spTree>
     <p:extLst>
       <p:ext uri="{BB962C8B-B14F-4D97-AF65-F5344CB8AC3E}">

--- a/docs/diagrams/StorageComponentClassDiagram.pptx
+++ b/docs/diagrams/StorageComponentClassDiagram.pptx
@@ -208,7 +208,7 @@
           <a:p>
             <a:fld id="{F5CC4B3F-88C1-4FFA-B1B6-F41C21DC6924}" type="datetimeFigureOut">
               <a:rPr lang="en-US" smtClean="0"/>
-              <a:t>10/30/2018</a:t>
+              <a:t>11/12/2018</a:t>
             </a:fld>
             <a:endParaRPr lang="en-US"/>
           </a:p>
@@ -654,7 +654,7 @@
           <a:p>
             <a:fld id="{78C97017-6FC3-485B-9764-EAC9E56C1D49}" type="datetimeFigureOut">
               <a:rPr lang="en-US" smtClean="0"/>
-              <a:t>10/30/2018</a:t>
+              <a:t>11/12/2018</a:t>
             </a:fld>
             <a:endParaRPr lang="en-US"/>
           </a:p>
@@ -822,7 +822,7 @@
           <a:p>
             <a:fld id="{78C97017-6FC3-485B-9764-EAC9E56C1D49}" type="datetimeFigureOut">
               <a:rPr lang="en-US" smtClean="0"/>
-              <a:t>10/30/2018</a:t>
+              <a:t>11/12/2018</a:t>
             </a:fld>
             <a:endParaRPr lang="en-US"/>
           </a:p>
@@ -1000,7 +1000,7 @@
           <a:p>
             <a:fld id="{78C97017-6FC3-485B-9764-EAC9E56C1D49}" type="datetimeFigureOut">
               <a:rPr lang="en-US" smtClean="0"/>
-              <a:t>10/30/2018</a:t>
+              <a:t>11/12/2018</a:t>
             </a:fld>
             <a:endParaRPr lang="en-US"/>
           </a:p>
@@ -1168,7 +1168,7 @@
           <a:p>
             <a:fld id="{78C97017-6FC3-485B-9764-EAC9E56C1D49}" type="datetimeFigureOut">
               <a:rPr lang="en-US" smtClean="0"/>
-              <a:t>10/30/2018</a:t>
+              <a:t>11/12/2018</a:t>
             </a:fld>
             <a:endParaRPr lang="en-US"/>
           </a:p>
@@ -1413,7 +1413,7 @@
           <a:p>
             <a:fld id="{78C97017-6FC3-485B-9764-EAC9E56C1D49}" type="datetimeFigureOut">
               <a:rPr lang="en-US" smtClean="0"/>
-              <a:t>10/30/2018</a:t>
+              <a:t>11/12/2018</a:t>
             </a:fld>
             <a:endParaRPr lang="en-US"/>
           </a:p>
@@ -1698,7 +1698,7 @@
           <a:p>
             <a:fld id="{78C97017-6FC3-485B-9764-EAC9E56C1D49}" type="datetimeFigureOut">
               <a:rPr lang="en-US" smtClean="0"/>
-              <a:t>10/30/2018</a:t>
+              <a:t>11/12/2018</a:t>
             </a:fld>
             <a:endParaRPr lang="en-US"/>
           </a:p>
@@ -2117,7 +2117,7 @@
           <a:p>
             <a:fld id="{78C97017-6FC3-485B-9764-EAC9E56C1D49}" type="datetimeFigureOut">
               <a:rPr lang="en-US" smtClean="0"/>
-              <a:t>10/30/2018</a:t>
+              <a:t>11/12/2018</a:t>
             </a:fld>
             <a:endParaRPr lang="en-US"/>
           </a:p>
@@ -2234,7 +2234,7 @@
           <a:p>
             <a:fld id="{78C97017-6FC3-485B-9764-EAC9E56C1D49}" type="datetimeFigureOut">
               <a:rPr lang="en-US" smtClean="0"/>
-              <a:t>10/30/2018</a:t>
+              <a:t>11/12/2018</a:t>
             </a:fld>
             <a:endParaRPr lang="en-US"/>
           </a:p>
@@ -2329,7 +2329,7 @@
           <a:p>
             <a:fld id="{78C97017-6FC3-485B-9764-EAC9E56C1D49}" type="datetimeFigureOut">
               <a:rPr lang="en-US" smtClean="0"/>
-              <a:t>10/30/2018</a:t>
+              <a:t>11/12/2018</a:t>
             </a:fld>
             <a:endParaRPr lang="en-US"/>
           </a:p>
@@ -2604,7 +2604,7 @@
           <a:p>
             <a:fld id="{78C97017-6FC3-485B-9764-EAC9E56C1D49}" type="datetimeFigureOut">
               <a:rPr lang="en-US" smtClean="0"/>
-              <a:t>10/30/2018</a:t>
+              <a:t>11/12/2018</a:t>
             </a:fld>
             <a:endParaRPr lang="en-US"/>
           </a:p>
@@ -2856,7 +2856,7 @@
           <a:p>
             <a:fld id="{78C97017-6FC3-485B-9764-EAC9E56C1D49}" type="datetimeFigureOut">
               <a:rPr lang="en-US" smtClean="0"/>
-              <a:t>10/30/2018</a:t>
+              <a:t>11/12/2018</a:t>
             </a:fld>
             <a:endParaRPr lang="en-US"/>
           </a:p>
@@ -3067,7 +3067,7 @@
           <a:p>
             <a:fld id="{78C97017-6FC3-485B-9764-EAC9E56C1D49}" type="datetimeFigureOut">
               <a:rPr lang="en-US" smtClean="0"/>
-              <a:t>10/30/2018</a:t>
+              <a:t>11/12/2018</a:t>
             </a:fld>
             <a:endParaRPr lang="en-US"/>
           </a:p>
@@ -3515,7 +3515,7 @@
         </p:nvSpPr>
         <p:spPr>
           <a:xfrm>
-            <a:off x="2875169" y="2886400"/>
+            <a:off x="2875169" y="3232670"/>
             <a:ext cx="1323049" cy="346760"/>
           </a:xfrm>
           <a:prstGeom prst="rect">
@@ -3730,7 +3730,7 @@
         </p:nvSpPr>
         <p:spPr>
           <a:xfrm rot="16200000">
-            <a:off x="1626910" y="2952291"/>
+            <a:off x="1626910" y="2638291"/>
             <a:ext cx="270504" cy="175523"/>
           </a:xfrm>
           <a:prstGeom prst="triangle">
@@ -3788,7 +3788,7 @@
         </p:nvCxnSpPr>
         <p:spPr>
           <a:xfrm>
-            <a:off x="2654359" y="3054496"/>
+            <a:off x="2654359" y="3400766"/>
             <a:ext cx="220810" cy="5284"/>
           </a:xfrm>
           <a:prstGeom prst="straightConnector1">
@@ -3828,7 +3828,7 @@
         </p:nvCxnSpPr>
         <p:spPr>
           <a:xfrm>
-            <a:off x="910091" y="3040053"/>
+            <a:off x="910091" y="2726053"/>
             <a:ext cx="419548" cy="2860"/>
           </a:xfrm>
           <a:prstGeom prst="bentConnector3">
@@ -3873,7 +3873,7 @@
         </p:nvCxnSpPr>
         <p:spPr>
           <a:xfrm flipV="1">
-            <a:off x="1849924" y="3040052"/>
+            <a:off x="1849924" y="2726052"/>
             <a:ext cx="216105" cy="1"/>
           </a:xfrm>
           <a:prstGeom prst="line">
@@ -3914,7 +3914,7 @@
         </p:nvSpPr>
         <p:spPr>
           <a:xfrm>
-            <a:off x="2418311" y="2967806"/>
+            <a:off x="2418311" y="3314076"/>
             <a:ext cx="236048" cy="173380"/>
           </a:xfrm>
           <a:prstGeom prst="flowChartDecision">
@@ -3968,7 +3968,7 @@
         </p:nvCxnSpPr>
         <p:spPr>
           <a:xfrm flipV="1">
-            <a:off x="4396030" y="3059780"/>
+            <a:off x="4396030" y="3406050"/>
             <a:ext cx="223324" cy="1"/>
           </a:xfrm>
           <a:prstGeom prst="bentConnector3">
@@ -4011,7 +4011,7 @@
         </p:nvSpPr>
         <p:spPr>
           <a:xfrm rot="5400000" flipV="1">
-            <a:off x="4173016" y="2972019"/>
+            <a:off x="4173016" y="3318289"/>
             <a:ext cx="270504" cy="175523"/>
           </a:xfrm>
           <a:prstGeom prst="triangle">
@@ -4069,7 +4069,7 @@
         </p:nvCxnSpPr>
         <p:spPr>
           <a:xfrm>
-            <a:off x="5789189" y="3059780"/>
+            <a:off x="5789189" y="3406050"/>
             <a:ext cx="228600" cy="1970"/>
           </a:xfrm>
           <a:prstGeom prst="bentConnector3">
@@ -4112,7 +4112,7 @@
         </p:nvSpPr>
         <p:spPr>
           <a:xfrm>
-            <a:off x="4619354" y="2886400"/>
+            <a:off x="4619354" y="3232670"/>
             <a:ext cx="1169835" cy="346760"/>
           </a:xfrm>
           <a:prstGeom prst="rect">
@@ -4187,7 +4187,7 @@
         </p:nvSpPr>
         <p:spPr>
           <a:xfrm>
-            <a:off x="2871932" y="2286000"/>
+            <a:off x="2871932" y="2632270"/>
             <a:ext cx="1323049" cy="346760"/>
           </a:xfrm>
           <a:prstGeom prst="rect">
@@ -4268,7 +4268,7 @@
         </p:nvCxnSpPr>
         <p:spPr>
           <a:xfrm>
-            <a:off x="2651122" y="2454096"/>
+            <a:off x="2651122" y="2800366"/>
             <a:ext cx="220810" cy="5284"/>
           </a:xfrm>
           <a:prstGeom prst="straightConnector1">
@@ -4308,7 +4308,7 @@
         </p:nvSpPr>
         <p:spPr>
           <a:xfrm>
-            <a:off x="2415074" y="2367406"/>
+            <a:off x="2415074" y="2713676"/>
             <a:ext cx="236048" cy="173380"/>
           </a:xfrm>
           <a:prstGeom prst="flowChartDecision">
@@ -4362,7 +4362,7 @@
         </p:nvCxnSpPr>
         <p:spPr>
           <a:xfrm flipV="1">
-            <a:off x="4392793" y="2459380"/>
+            <a:off x="4392793" y="2805650"/>
             <a:ext cx="223324" cy="1"/>
           </a:xfrm>
           <a:prstGeom prst="bentConnector3">
@@ -4405,7 +4405,7 @@
         </p:nvSpPr>
         <p:spPr>
           <a:xfrm rot="5400000" flipV="1">
-            <a:off x="4169779" y="2371619"/>
+            <a:off x="4169779" y="2717889"/>
             <a:ext cx="270504" cy="175523"/>
           </a:xfrm>
           <a:prstGeom prst="triangle">
@@ -4460,7 +4460,7 @@
         </p:nvSpPr>
         <p:spPr>
           <a:xfrm>
-            <a:off x="4616117" y="2286000"/>
+            <a:off x="4616117" y="2632270"/>
             <a:ext cx="1093635" cy="346760"/>
           </a:xfrm>
           <a:prstGeom prst="rect">
@@ -4538,7 +4538,7 @@
         </p:nvSpPr>
         <p:spPr>
           <a:xfrm>
-            <a:off x="6017789" y="2888370"/>
+            <a:off x="6017789" y="3234640"/>
             <a:ext cx="1200707" cy="346760"/>
           </a:xfrm>
           <a:prstGeom prst="rect">
@@ -4616,7 +4616,7 @@
         </p:nvCxnSpPr>
         <p:spPr>
           <a:xfrm rot="5400000" flipH="1" flipV="1">
-            <a:off x="8075982" y="2719980"/>
+            <a:off x="8075982" y="3066250"/>
             <a:ext cx="335208" cy="12700"/>
           </a:xfrm>
           <a:prstGeom prst="bentConnector3">
@@ -4654,7 +4654,7 @@
         </p:nvSpPr>
         <p:spPr>
           <a:xfrm>
-            <a:off x="7613727" y="2205616"/>
+            <a:off x="7613727" y="2551886"/>
             <a:ext cx="1259718" cy="346760"/>
           </a:xfrm>
           <a:prstGeom prst="rect">
@@ -4710,7 +4710,7 @@
         </p:nvSpPr>
         <p:spPr>
           <a:xfrm>
-            <a:off x="7613727" y="2887584"/>
+            <a:off x="7613727" y="3233854"/>
             <a:ext cx="1259718" cy="346760"/>
           </a:xfrm>
           <a:prstGeom prst="rect">
@@ -4769,7 +4769,7 @@
         </p:nvCxnSpPr>
         <p:spPr>
           <a:xfrm flipV="1">
-            <a:off x="7218496" y="3060964"/>
+            <a:off x="7218496" y="3407234"/>
             <a:ext cx="395231" cy="786"/>
           </a:xfrm>
           <a:prstGeom prst="bentConnector3">
@@ -4793,6 +4793,392 @@
           </a:fillRef>
           <a:effectRef idx="1">
             <a:schemeClr val="accent6"/>
+          </a:effectRef>
+          <a:fontRef idx="minor">
+            <a:schemeClr val="dk1"/>
+          </a:fontRef>
+        </p:style>
+      </p:cxnSp>
+      <p:sp>
+        <p:nvSpPr>
+          <p:cNvPr id="26" name="Rectangle 8">
+            <a:extLst>
+              <a:ext uri="{FF2B5EF4-FFF2-40B4-BE49-F238E27FC236}">
+                <a16:creationId xmlns:a16="http://schemas.microsoft.com/office/drawing/2014/main" id="{ACD19892-5ACB-44F9-8B43-2C69A72C8166}"/>
+              </a:ext>
+            </a:extLst>
+          </p:cNvPr>
+          <p:cNvSpPr/>
+          <p:nvPr/>
+        </p:nvSpPr>
+        <p:spPr>
+          <a:xfrm>
+            <a:off x="2877180" y="2015440"/>
+            <a:ext cx="1323049" cy="346760"/>
+          </a:xfrm>
+          <a:prstGeom prst="rect">
+            <a:avLst/>
+          </a:prstGeom>
+          <a:solidFill>
+            <a:schemeClr val="accent6">
+              <a:lumMod val="75000"/>
+            </a:schemeClr>
+          </a:solidFill>
+          <a:ln w="19050">
+            <a:solidFill>
+              <a:schemeClr val="accent6">
+                <a:lumMod val="75000"/>
+              </a:schemeClr>
+            </a:solidFill>
+          </a:ln>
+          <a:effectLst/>
+        </p:spPr>
+        <p:style>
+          <a:lnRef idx="1">
+            <a:schemeClr val="accent2"/>
+          </a:lnRef>
+          <a:fillRef idx="2">
+            <a:schemeClr val="accent2"/>
+          </a:fillRef>
+          <a:effectRef idx="1">
+            <a:schemeClr val="accent2"/>
+          </a:effectRef>
+          <a:fontRef idx="minor">
+            <a:schemeClr val="dk1"/>
+          </a:fontRef>
+        </p:style>
+        <p:txBody>
+          <a:bodyPr rtlCol="0" anchor="ctr"/>
+          <a:lstStyle/>
+          <a:p>
+            <a:pPr algn="ctr"/>
+            <a:r>
+              <a:rPr lang="en-US" sz="1050" dirty="0">
+                <a:solidFill>
+                  <a:schemeClr val="bg1"/>
+                </a:solidFill>
+              </a:rPr>
+              <a:t>&lt;&lt;interface&gt;&gt;</a:t>
+            </a:r>
+            <a:br>
+              <a:rPr lang="en-US" sz="1050" dirty="0">
+                <a:solidFill>
+                  <a:schemeClr val="bg1"/>
+                </a:solidFill>
+              </a:rPr>
+            </a:br>
+            <a:r>
+              <a:rPr lang="en-US" sz="1050" dirty="0" err="1">
+                <a:solidFill>
+                  <a:schemeClr val="bg1"/>
+                </a:solidFill>
+              </a:rPr>
+              <a:t>AppUsersStorage</a:t>
+            </a:r>
+            <a:endParaRPr lang="en-SG" sz="1050" dirty="0">
+              <a:solidFill>
+                <a:schemeClr val="bg1"/>
+              </a:solidFill>
+            </a:endParaRPr>
+          </a:p>
+        </p:txBody>
+      </p:sp>
+      <p:cxnSp>
+        <p:nvCxnSpPr>
+          <p:cNvPr id="27" name="Straight Arrow Connector 26">
+            <a:extLst>
+              <a:ext uri="{FF2B5EF4-FFF2-40B4-BE49-F238E27FC236}">
+                <a16:creationId xmlns:a16="http://schemas.microsoft.com/office/drawing/2014/main" id="{A2DDB4ED-0E88-4ED6-A02E-E607BE7C9C60}"/>
+              </a:ext>
+            </a:extLst>
+          </p:cNvPr>
+          <p:cNvCxnSpPr>
+            <a:stCxn id="28" idx="3"/>
+            <a:endCxn id="26" idx="1"/>
+          </p:cNvCxnSpPr>
+          <p:nvPr/>
+        </p:nvCxnSpPr>
+        <p:spPr>
+          <a:xfrm>
+            <a:off x="2656370" y="2183536"/>
+            <a:ext cx="220810" cy="5284"/>
+          </a:xfrm>
+          <a:prstGeom prst="straightConnector1">
+            <a:avLst/>
+          </a:prstGeom>
+          <a:ln w="19050">
+            <a:solidFill>
+              <a:schemeClr val="accent6">
+                <a:lumMod val="75000"/>
+              </a:schemeClr>
+            </a:solidFill>
+            <a:headEnd type="none" w="med" len="med"/>
+            <a:tailEnd type="arrow" w="med" len="med"/>
+          </a:ln>
+          <a:effectLst/>
+        </p:spPr>
+        <p:style>
+          <a:lnRef idx="1">
+            <a:schemeClr val="accent2"/>
+          </a:lnRef>
+          <a:fillRef idx="2">
+            <a:schemeClr val="accent2"/>
+          </a:fillRef>
+          <a:effectRef idx="1">
+            <a:schemeClr val="accent2"/>
+          </a:effectRef>
+          <a:fontRef idx="minor">
+            <a:schemeClr val="dk1"/>
+          </a:fontRef>
+        </p:style>
+      </p:cxnSp>
+      <p:sp>
+        <p:nvSpPr>
+          <p:cNvPr id="28" name="Flowchart: Decision 96">
+            <a:extLst>
+              <a:ext uri="{FF2B5EF4-FFF2-40B4-BE49-F238E27FC236}">
+                <a16:creationId xmlns:a16="http://schemas.microsoft.com/office/drawing/2014/main" id="{34FCE7C7-DC76-4175-8EFE-797F793D21D1}"/>
+              </a:ext>
+            </a:extLst>
+          </p:cNvPr>
+          <p:cNvSpPr/>
+          <p:nvPr/>
+        </p:nvSpPr>
+        <p:spPr>
+          <a:xfrm>
+            <a:off x="2420322" y="2096846"/>
+            <a:ext cx="236048" cy="173380"/>
+          </a:xfrm>
+          <a:prstGeom prst="flowChartDecision">
+            <a:avLst/>
+          </a:prstGeom>
+          <a:noFill/>
+          <a:ln w="19050">
+            <a:solidFill>
+              <a:schemeClr val="accent6">
+                <a:lumMod val="75000"/>
+              </a:schemeClr>
+            </a:solidFill>
+          </a:ln>
+          <a:effectLst/>
+        </p:spPr>
+        <p:style>
+          <a:lnRef idx="1">
+            <a:schemeClr val="accent2"/>
+          </a:lnRef>
+          <a:fillRef idx="2">
+            <a:schemeClr val="accent2"/>
+          </a:fillRef>
+          <a:effectRef idx="1">
+            <a:schemeClr val="accent2"/>
+          </a:effectRef>
+          <a:fontRef idx="minor">
+            <a:schemeClr val="dk1"/>
+          </a:fontRef>
+        </p:style>
+        <p:txBody>
+          <a:bodyPr rtlCol="0" anchor="ctr"/>
+          <a:lstStyle/>
+          <a:p>
+            <a:pPr algn="ctr"/>
+            <a:endParaRPr lang="en-US" sz="1050">
+              <a:solidFill>
+                <a:schemeClr val="bg1"/>
+              </a:solidFill>
+            </a:endParaRPr>
+          </a:p>
+        </p:txBody>
+      </p:sp>
+      <p:sp>
+        <p:nvSpPr>
+          <p:cNvPr id="29" name="Isosceles Triangle 102">
+            <a:extLst>
+              <a:ext uri="{FF2B5EF4-FFF2-40B4-BE49-F238E27FC236}">
+                <a16:creationId xmlns:a16="http://schemas.microsoft.com/office/drawing/2014/main" id="{27E93540-4197-470D-9216-6E76A3E25389}"/>
+              </a:ext>
+            </a:extLst>
+          </p:cNvPr>
+          <p:cNvSpPr/>
+          <p:nvPr/>
+        </p:nvSpPr>
+        <p:spPr>
+          <a:xfrm rot="5400000" flipV="1">
+            <a:off x="4175027" y="2101059"/>
+            <a:ext cx="270504" cy="175523"/>
+          </a:xfrm>
+          <a:prstGeom prst="triangle">
+            <a:avLst/>
+          </a:prstGeom>
+          <a:solidFill>
+            <a:schemeClr val="accent6">
+              <a:lumMod val="75000"/>
+            </a:schemeClr>
+          </a:solidFill>
+          <a:ln w="19050">
+            <a:solidFill>
+              <a:schemeClr val="accent6">
+                <a:lumMod val="75000"/>
+              </a:schemeClr>
+            </a:solidFill>
+          </a:ln>
+          <a:effectLst/>
+        </p:spPr>
+        <p:style>
+          <a:lnRef idx="1">
+            <a:schemeClr val="accent2"/>
+          </a:lnRef>
+          <a:fillRef idx="2">
+            <a:schemeClr val="accent2"/>
+          </a:fillRef>
+          <a:effectRef idx="1">
+            <a:schemeClr val="accent2"/>
+          </a:effectRef>
+          <a:fontRef idx="minor">
+            <a:schemeClr val="dk1"/>
+          </a:fontRef>
+        </p:style>
+        <p:txBody>
+          <a:bodyPr rtlCol="0" anchor="ctr"/>
+          <a:lstStyle/>
+          <a:p>
+            <a:pPr algn="ctr"/>
+            <a:endParaRPr lang="en-SG" sz="1050">
+              <a:solidFill>
+                <a:schemeClr val="bg1"/>
+              </a:solidFill>
+            </a:endParaRPr>
+          </a:p>
+        </p:txBody>
+      </p:sp>
+      <p:sp>
+        <p:nvSpPr>
+          <p:cNvPr id="30" name="Rectangle 8">
+            <a:extLst>
+              <a:ext uri="{FF2B5EF4-FFF2-40B4-BE49-F238E27FC236}">
+                <a16:creationId xmlns:a16="http://schemas.microsoft.com/office/drawing/2014/main" id="{D26AE2D6-A077-4B64-BC39-9604EFB0F460}"/>
+              </a:ext>
+            </a:extLst>
+          </p:cNvPr>
+          <p:cNvSpPr/>
+          <p:nvPr/>
+        </p:nvSpPr>
+        <p:spPr>
+          <a:xfrm>
+            <a:off x="4621365" y="2015440"/>
+            <a:ext cx="1093635" cy="346760"/>
+          </a:xfrm>
+          <a:prstGeom prst="rect">
+            <a:avLst/>
+          </a:prstGeom>
+          <a:solidFill>
+            <a:schemeClr val="accent6">
+              <a:lumMod val="75000"/>
+            </a:schemeClr>
+          </a:solidFill>
+          <a:ln w="19050">
+            <a:solidFill>
+              <a:schemeClr val="accent6">
+                <a:lumMod val="75000"/>
+              </a:schemeClr>
+            </a:solidFill>
+          </a:ln>
+          <a:effectLst/>
+        </p:spPr>
+        <p:style>
+          <a:lnRef idx="1">
+            <a:schemeClr val="accent2"/>
+          </a:lnRef>
+          <a:fillRef idx="2">
+            <a:schemeClr val="accent2"/>
+          </a:fillRef>
+          <a:effectRef idx="1">
+            <a:schemeClr val="accent2"/>
+          </a:effectRef>
+          <a:fontRef idx="minor">
+            <a:schemeClr val="dk1"/>
+          </a:fontRef>
+        </p:style>
+        <p:txBody>
+          <a:bodyPr rtlCol="0" anchor="ctr"/>
+          <a:lstStyle/>
+          <a:p>
+            <a:pPr algn="ctr"/>
+            <a:r>
+              <a:rPr lang="en-US" sz="1050" dirty="0" err="1">
+                <a:solidFill>
+                  <a:schemeClr val="bg1"/>
+                </a:solidFill>
+              </a:rPr>
+              <a:t>JsonAppUsers</a:t>
+            </a:r>
+            <a:br>
+              <a:rPr lang="en-US" sz="1050" dirty="0">
+                <a:solidFill>
+                  <a:schemeClr val="bg1"/>
+                </a:solidFill>
+              </a:rPr>
+            </a:br>
+            <a:r>
+              <a:rPr lang="en-US" sz="1050" dirty="0">
+                <a:solidFill>
+                  <a:schemeClr val="bg1"/>
+                </a:solidFill>
+              </a:rPr>
+              <a:t>Storage</a:t>
+            </a:r>
+            <a:endParaRPr lang="en-SG" sz="1050" dirty="0">
+              <a:solidFill>
+                <a:schemeClr val="bg1"/>
+              </a:solidFill>
+            </a:endParaRPr>
+          </a:p>
+        </p:txBody>
+      </p:sp>
+      <p:cxnSp>
+        <p:nvCxnSpPr>
+          <p:cNvPr id="31" name="Elbow Connector 63">
+            <a:extLst>
+              <a:ext uri="{FF2B5EF4-FFF2-40B4-BE49-F238E27FC236}">
+                <a16:creationId xmlns:a16="http://schemas.microsoft.com/office/drawing/2014/main" id="{77356A69-0109-4F4C-93D9-73EB6054F702}"/>
+              </a:ext>
+            </a:extLst>
+          </p:cNvPr>
+          <p:cNvCxnSpPr>
+            <a:cxnSpLocks/>
+          </p:cNvCxnSpPr>
+          <p:nvPr/>
+        </p:nvCxnSpPr>
+        <p:spPr>
+          <a:xfrm>
+            <a:off x="4316593" y="2183536"/>
+            <a:ext cx="375724" cy="1"/>
+          </a:xfrm>
+          <a:prstGeom prst="bentConnector3">
+            <a:avLst>
+              <a:gd name="adj1" fmla="val 50000"/>
+            </a:avLst>
+          </a:prstGeom>
+          <a:ln w="19050">
+            <a:solidFill>
+              <a:schemeClr val="accent6">
+                <a:lumMod val="75000"/>
+              </a:schemeClr>
+            </a:solidFill>
+            <a:prstDash val="sysDot"/>
+            <a:headEnd type="none" w="med" len="med"/>
+            <a:tailEnd type="none" w="med" len="med"/>
+          </a:ln>
+          <a:effectLst/>
+        </p:spPr>
+        <p:style>
+          <a:lnRef idx="1">
+            <a:schemeClr val="accent2"/>
+          </a:lnRef>
+          <a:fillRef idx="2">
+            <a:schemeClr val="accent2"/>
+          </a:fillRef>
+          <a:effectRef idx="1">
+            <a:schemeClr val="accent2"/>
           </a:effectRef>
           <a:fontRef idx="minor">
             <a:schemeClr val="dk1"/>
